--- a/tutorial-04-charm_basics.pptx
+++ b/tutorial-04-charm_basics.pptx
@@ -236,7 +236,7 @@
           <a:p>
             <a:fld id="{775CE290-E0F5-444C-B849-A8F17CD4104C}" type="datetimeFigureOut">
               <a:rPr lang="en-US" smtClean="0"/>
-              <a:t>9/8/14</a:t>
+              <a:t>9/9/14</a:t>
             </a:fld>
             <a:endParaRPr lang="en-US"/>
           </a:p>
@@ -402,7 +402,7 @@
           <a:p>
             <a:fld id="{AD53A24C-4135-094C-957B-35852E7EDFA4}" type="datetimeFigureOut">
               <a:rPr lang="en-US" smtClean="0"/>
-              <a:t>9/8/14</a:t>
+              <a:t>9/9/14</a:t>
             </a:fld>
             <a:endParaRPr lang="en-US"/>
           </a:p>
@@ -863,7 +863,7 @@
           <a:p>
             <a:fld id="{B594EA25-E4F4-3746-A0BA-A11E27330E0F}" type="datetime2">
               <a:rPr lang="en-US" smtClean="0"/>
-              <a:t>Monday, September 8, 14</a:t>
+              <a:t>Tuesday, September 9, 14</a:t>
             </a:fld>
             <a:endParaRPr lang="en-US"/>
           </a:p>
@@ -1166,7 +1166,7 @@
                 <a:latin typeface="Times New Roman"/>
                 <a:cs typeface="Times New Roman"/>
               </a:rPr>
-              <a:t>September 8, 2014</a:t>
+              <a:t>September 9, 2014</a:t>
             </a:fld>
             <a:endParaRPr lang="en-US" dirty="0">
               <a:latin typeface="Times New Roman"/>
@@ -1453,7 +1453,7 @@
           <a:p>
             <a:fld id="{EA699BF9-66CB-F244-8E74-7B1BE1C77046}" type="datetime2">
               <a:rPr lang="en-US" smtClean="0"/>
-              <a:t>Monday, September 8, 14</a:t>
+              <a:t>Tuesday, September 9, 14</a:t>
             </a:fld>
             <a:endParaRPr lang="en-US"/>
           </a:p>
@@ -1764,7 +1764,7 @@
           <a:p>
             <a:fld id="{D300BE84-9843-8B4F-B3C8-647B06AC46C9}" type="datetime2">
               <a:rPr lang="en-US" smtClean="0"/>
-              <a:t>Monday, September 8, 14</a:t>
+              <a:t>Tuesday, September 9, 14</a:t>
             </a:fld>
             <a:endParaRPr lang="en-US"/>
           </a:p>
@@ -1935,7 +1935,7 @@
           <a:p>
             <a:fld id="{C460AE39-2092-A945-8296-F25085B9A0F1}" type="datetime2">
               <a:rPr lang="en-US" smtClean="0"/>
-              <a:t>Monday, September 8, 14</a:t>
+              <a:t>Tuesday, September 9, 14</a:t>
             </a:fld>
             <a:endParaRPr lang="en-US"/>
           </a:p>
@@ -2116,7 +2116,7 @@
           <a:p>
             <a:fld id="{63BC7E9D-3218-5E49-A867-E087AB2F4618}" type="datetime2">
               <a:rPr lang="en-US" smtClean="0"/>
-              <a:t>Monday, September 8, 14</a:t>
+              <a:t>Tuesday, September 9, 14</a:t>
             </a:fld>
             <a:endParaRPr lang="en-US"/>
           </a:p>
@@ -2287,7 +2287,7 @@
           <a:p>
             <a:fld id="{34621E95-60A9-FF44-9869-513D9D7A859F}" type="datetime2">
               <a:rPr lang="en-US" smtClean="0"/>
-              <a:t>Monday, September 8, 14</a:t>
+              <a:t>Tuesday, September 9, 14</a:t>
             </a:fld>
             <a:endParaRPr lang="en-US"/>
           </a:p>
@@ -2406,7 +2406,7 @@
           <a:p>
             <a:fld id="{BD5AFB16-13FE-DF4A-8CB7-09756A57B2EA}" type="datetime2">
               <a:rPr lang="en-US" smtClean="0"/>
-              <a:t>Monday, September 8, 14</a:t>
+              <a:t>Tuesday, September 9, 14</a:t>
             </a:fld>
             <a:endParaRPr lang="en-US" dirty="0"/>
           </a:p>
@@ -2893,7 +2893,7 @@
           <a:p>
             <a:fld id="{1BDEC705-8EA9-6C46-8E3B-2CAC7E2C0F7D}" type="datetime2">
               <a:rPr lang="en-US" smtClean="0"/>
-              <a:t>Monday, September 8, 14</a:t>
+              <a:t>Tuesday, September 9, 14</a:t>
             </a:fld>
             <a:endParaRPr lang="en-US"/>
           </a:p>
@@ -3224,7 +3224,7 @@
           <a:p>
             <a:fld id="{BF613BD3-C5FD-9543-B738-679BF38D8C83}" type="datetime2">
               <a:rPr lang="en-US" smtClean="0"/>
-              <a:t>Monday, September 8, 14</a:t>
+              <a:t>Tuesday, September 9, 14</a:t>
             </a:fld>
             <a:endParaRPr lang="en-US" dirty="0"/>
           </a:p>
@@ -3703,7 +3703,7 @@
           <a:p>
             <a:fld id="{4B5E4F0C-9A9C-5448-99FD-D30288B385C9}" type="datetime2">
               <a:rPr lang="en-US" smtClean="0"/>
-              <a:t>Monday, September 8, 14</a:t>
+              <a:t>Tuesday, September 9, 14</a:t>
             </a:fld>
             <a:endParaRPr lang="en-US"/>
           </a:p>
@@ -3999,7 +3999,7 @@
           <a:p>
             <a:fld id="{30545249-FD76-6844-B252-CAB05FC2DAA8}" type="datetime2">
               <a:rPr lang="en-US" smtClean="0"/>
-              <a:t>Monday, September 8, 14</a:t>
+              <a:t>Tuesday, September 9, 14</a:t>
             </a:fld>
             <a:endParaRPr lang="en-US" dirty="0"/>
           </a:p>
@@ -4243,7 +4243,7 @@
           <a:p>
             <a:fld id="{CC859171-EEDD-0B48-A5C0-E7218AE20EA7}" type="datetime2">
               <a:rPr lang="en-US" smtClean="0"/>
-              <a:t>Monday, September 8, 14</a:t>
+              <a:t>Tuesday, September 9, 14</a:t>
             </a:fld>
             <a:endParaRPr lang="en-US"/>
           </a:p>
@@ -4339,7 +4339,7 @@
           <a:p>
             <a:fld id="{C32F9216-0342-7440-9504-BD6C1382BF27}" type="datetime2">
               <a:rPr lang="en-US" smtClean="0"/>
-              <a:t>Monday, September 8, 14</a:t>
+              <a:t>Tuesday, September 9, 14</a:t>
             </a:fld>
             <a:endParaRPr lang="en-US"/>
           </a:p>
@@ -4610,7 +4610,7 @@
           <a:p>
             <a:fld id="{D36DC8F2-AD63-E841-8C23-5DC3A41041BE}" type="datetime2">
               <a:rPr lang="en-US" smtClean="0"/>
-              <a:t>Monday, September 8, 14</a:t>
+              <a:t>Tuesday, September 9, 14</a:t>
             </a:fld>
             <a:endParaRPr lang="en-US" dirty="0"/>
           </a:p>
@@ -5329,7 +5329,7 @@
           <a:p>
             <a:fld id="{69D995C0-827B-264B-AC36-EDB36FEEB8B8}" type="datetime2">
               <a:rPr lang="en-US" smtClean="0"/>
-              <a:t>Monday, September 8, 14</a:t>
+              <a:t>Tuesday, September 9, 14</a:t>
             </a:fld>
             <a:endParaRPr lang="en-US"/>
           </a:p>
@@ -5749,7 +5749,7 @@
           <a:p>
             <a:fld id="{A57EBE08-69FE-AE47-994E-57F0205EB69A}" type="datetime2">
               <a:rPr lang="en-US" smtClean="0"/>
-              <a:t>Monday, September 8, 14</a:t>
+              <a:t>Tuesday, September 9, 14</a:t>
             </a:fld>
             <a:endParaRPr lang="en-US"/>
           </a:p>
@@ -5964,12 +5964,24 @@
               <a:t> </a:t>
             </a:r>
             <a:r>
-              <a:rPr lang="en-US" dirty="0" err="1"/>
+              <a:rPr lang="en-US" dirty="0" err="1" smtClean="0"/>
               <a:t>CBase</a:t>
             </a:r>
             <a:r>
-              <a:rPr lang="en-US" dirty="0"/>
-              <a:t> Main { </a:t>
+              <a:rPr lang="en-US" dirty="0" err="1" smtClean="0"/>
+              <a:t>_</a:t>
+            </a:r>
+            <a:r>
+              <a:rPr lang="en-US" dirty="0" err="1" smtClean="0"/>
+              <a:t>Main</a:t>
+            </a:r>
+            <a:r>
+              <a:rPr lang="en-US" dirty="0" smtClean="0"/>
+              <a:t> </a:t>
+            </a:r>
+            <a:r>
+              <a:rPr lang="en-US" dirty="0"/>
+              <a:t>{ </a:t>
             </a:r>
             <a:endParaRPr lang="en-US" dirty="0" smtClean="0"/>
           </a:p>
@@ -6061,7 +6073,15 @@
             </a:r>
             <a:r>
               <a:rPr lang="en-US" dirty="0" smtClean="0"/>
-              <a:t> &lt;&lt; “ Hello” &lt;&lt; m-&gt;</a:t>
+              <a:t> &lt;&lt; </a:t>
+            </a:r>
+            <a:r>
+              <a:rPr lang="en-US" dirty="0" smtClean="0"/>
+              <a:t>“Hello</a:t>
+            </a:r>
+            <a:r>
+              <a:rPr lang="en-US" dirty="0" smtClean="0"/>
+              <a:t>” &lt;&lt; m-&gt;</a:t>
             </a:r>
             <a:r>
               <a:rPr lang="en-US" dirty="0" err="1" smtClean="0"/>
@@ -6371,7 +6391,7 @@
           <a:p>
             <a:fld id="{AC498192-FB6A-8E44-9727-3F11A17B21C5}" type="datetime2">
               <a:rPr lang="en-US" smtClean="0"/>
-              <a:t>Monday, September 8, 14</a:t>
+              <a:t>Tuesday, September 9, 14</a:t>
             </a:fld>
             <a:endParaRPr lang="en-US"/>
           </a:p>
@@ -6729,7 +6749,7 @@
           <a:p>
             <a:fld id="{42189252-12D6-8D42-8554-44BFD68AD137}" type="datetime2">
               <a:rPr lang="en-US" smtClean="0"/>
-              <a:t>Monday, September 8, 14</a:t>
+              <a:t>Tuesday, September 9, 14</a:t>
             </a:fld>
             <a:endParaRPr lang="en-US" dirty="0"/>
           </a:p>
@@ -6903,8 +6923,8 @@
         </p:nvSpPr>
         <p:spPr>
           <a:xfrm>
-            <a:off x="457200" y="2039236"/>
-            <a:ext cx="8229600" cy="867670"/>
+            <a:off x="457200" y="2039235"/>
+            <a:ext cx="8229600" cy="1188459"/>
           </a:xfrm>
           <a:solidFill>
             <a:srgbClr val="CCD1D9"/>
@@ -6917,7 +6937,7 @@
         </p:spPr>
         <p:txBody>
           <a:bodyPr>
-            <a:normAutofit fontScale="92500"/>
+            <a:normAutofit lnSpcReduction="10000"/>
           </a:bodyPr>
           <a:lstStyle/>
           <a:p>
@@ -6925,31 +6945,35 @@
               <a:buNone/>
             </a:pPr>
             <a:r>
-              <a:rPr lang="en-US" dirty="0" err="1"/>
+              <a:rPr lang="en-US" dirty="0" err="1" smtClean="0"/>
               <a:t>CProxy</a:t>
             </a:r>
             <a:r>
-              <a:rPr lang="en-US" dirty="0"/>
+              <a:rPr lang="en-US" dirty="0" err="1" smtClean="0"/>
+              <a:t>_</a:t>
+            </a:r>
+            <a:r>
+              <a:rPr lang="en-US" dirty="0" err="1" smtClean="0"/>
+              <a:t>MyChare</a:t>
+            </a:r>
+            <a:r>
+              <a:rPr lang="en-US" dirty="0" smtClean="0"/>
               <a:t> </a:t>
             </a:r>
             <a:r>
-              <a:rPr lang="en-US" dirty="0" err="1"/>
-              <a:t>MyChare</a:t>
-            </a:r>
-            <a:r>
-              <a:rPr lang="en-US" dirty="0"/>
-              <a:t> proxy = </a:t>
-            </a:r>
-            <a:r>
-              <a:rPr lang="en-US" dirty="0" err="1"/>
+              <a:rPr lang="en-US" dirty="0"/>
+              <a:t>proxy = </a:t>
+            </a:r>
+            <a:r>
+              <a:rPr lang="en-US" dirty="0" err="1" smtClean="0"/>
               <a:t>CProxy</a:t>
             </a:r>
             <a:r>
-              <a:rPr lang="en-US" dirty="0"/>
-              <a:t> </a:t>
-            </a:r>
-            <a:r>
-              <a:rPr lang="en-US" dirty="0" err="1"/>
+              <a:rPr lang="en-US" dirty="0" err="1" smtClean="0"/>
+              <a:t>_</a:t>
+            </a:r>
+            <a:r>
+              <a:rPr lang="en-US" dirty="0" err="1" smtClean="0"/>
               <a:t>MyChare</a:t>
             </a:r>
             <a:r>
@@ -6962,10 +6986,14 @@
             </a:r>
             <a:r>
               <a:rPr lang="en-US" dirty="0"/>
-              <a:t>(); </a:t>
-            </a:r>
-            <a:r>
-              <a:rPr lang="en-US" dirty="0" err="1"/>
+              <a:t>()</a:t>
+            </a:r>
+            <a:r>
+              <a:rPr lang="en-US" dirty="0" smtClean="0"/>
+              <a:t>; </a:t>
+            </a:r>
+            <a:r>
+              <a:rPr lang="en-US" dirty="0" err="1" smtClean="0"/>
               <a:t>proxy.foo</a:t>
             </a:r>
             <a:r>
@@ -7000,7 +7028,7 @@
         </p:nvSpPr>
         <p:spPr>
           <a:xfrm>
-            <a:off x="457200" y="2906906"/>
+            <a:off x="457200" y="3227695"/>
             <a:ext cx="8229600" cy="489583"/>
           </a:xfrm>
         </p:spPr>
@@ -7035,7 +7063,7 @@
         </p:nvSpPr>
         <p:spPr>
           <a:xfrm>
-            <a:off x="457200" y="3396489"/>
+            <a:off x="457200" y="3717278"/>
             <a:ext cx="8229600" cy="2783767"/>
           </a:xfrm>
           <a:solidFill>
@@ -7181,7 +7209,7 @@
           <a:p>
             <a:fld id="{4D5A0571-F813-ED4B-A840-104584464B5D}" type="datetime2">
               <a:rPr lang="en-US" smtClean="0"/>
-              <a:t>Monday, September 8, 14</a:t>
+              <a:t>Tuesday, September 9, 14</a:t>
             </a:fld>
             <a:endParaRPr lang="en-US" dirty="0"/>
           </a:p>
@@ -7495,7 +7523,15 @@
             </a:r>
             <a:r>
               <a:rPr lang="en-US" dirty="0"/>
-              <a:t>&lt;&lt; ”bar executes with ” &lt;&lt; </a:t>
+              <a:t>&lt;&lt; </a:t>
+            </a:r>
+            <a:r>
+              <a:rPr lang="en-US" dirty="0" smtClean="0"/>
+              <a:t>“bar </a:t>
+            </a:r>
+            <a:r>
+              <a:rPr lang="en-US" dirty="0"/>
+              <a:t>executes with ” &lt;&lt; </a:t>
             </a:r>
             <a:r>
               <a:rPr lang="en-US" dirty="0" err="1"/>
@@ -7535,7 +7571,7 @@
         </p:nvSpPr>
         <p:spPr>
           <a:xfrm>
-            <a:off x="457200" y="3961828"/>
+            <a:off x="457200" y="4016448"/>
             <a:ext cx="8229600" cy="1693241"/>
           </a:xfrm>
           <a:prstGeom prst="rect">
@@ -8207,7 +8243,7 @@
           <a:p>
             <a:fld id="{05610B8E-8FA5-5249-B52C-2D0045AE7F6A}" type="datetime2">
               <a:rPr lang="en-US" smtClean="0"/>
-              <a:t>Monday, September 8, 14</a:t>
+              <a:t>Tuesday, September 9, 14</a:t>
             </a:fld>
             <a:endParaRPr lang="en-US" dirty="0"/>
           </a:p>
@@ -8570,7 +8606,7 @@
           <a:p>
             <a:fld id="{FC337630-96F4-C348-92D0-8BA579BE92D4}" type="datetime2">
               <a:rPr lang="en-US" smtClean="0"/>
-              <a:t>Monday, September 8, 14</a:t>
+              <a:t>Tuesday, September 9, 14</a:t>
             </a:fld>
             <a:endParaRPr lang="en-US"/>
           </a:p>
@@ -8756,15 +8792,15 @@
             </a:r>
             <a:r>
               <a:rPr lang="en-US" dirty="0" err="1" smtClean="0"/>
-              <a:t>CBase</a:t>
-            </a:r>
-            <a:r>
-              <a:rPr lang="en-US" dirty="0" smtClean="0"/>
-              <a:t>_ </a:t>
-            </a:r>
-            <a:r>
-              <a:rPr lang="en-US" dirty="0"/>
-              <a:t>Main { </a:t>
+              <a:t>CBase_Main</a:t>
+            </a:r>
+            <a:r>
+              <a:rPr lang="en-US" dirty="0" smtClean="0"/>
+              <a:t> </a:t>
+            </a:r>
+            <a:r>
+              <a:rPr lang="en-US" dirty="0"/>
+              <a:t>{ </a:t>
             </a:r>
             <a:endParaRPr lang="en-US" dirty="0" smtClean="0"/>
           </a:p>
@@ -8827,12 +8863,16 @@
               <a:t>CProxy</a:t>
             </a:r>
             <a:r>
+              <a:rPr lang="en-US" dirty="0" err="1" smtClean="0"/>
+              <a:t>_</a:t>
+            </a:r>
+            <a:r>
+              <a:rPr lang="en-US" dirty="0" err="1" smtClean="0"/>
+              <a:t>Simple</a:t>
+            </a:r>
+            <a:r>
               <a:rPr lang="en-US" dirty="0" smtClean="0"/>
               <a:t> </a:t>
-            </a:r>
-            <a:r>
-              <a:rPr lang="en-US" dirty="0"/>
-              <a:t>Simple </a:t>
             </a:r>
             <a:r>
               <a:rPr lang="en-US" dirty="0" err="1"/>
@@ -8843,12 +8883,20 @@
               <a:t> = </a:t>
             </a:r>
             <a:r>
-              <a:rPr lang="en-US" dirty="0" err="1"/>
+              <a:rPr lang="en-US" dirty="0" err="1" smtClean="0"/>
               <a:t>CProxy</a:t>
             </a:r>
             <a:r>
-              <a:rPr lang="en-US" dirty="0"/>
-              <a:t> Simple::</a:t>
+              <a:rPr lang="en-US" dirty="0" err="1" smtClean="0"/>
+              <a:t>_</a:t>
+            </a:r>
+            <a:r>
+              <a:rPr lang="en-US" dirty="0" err="1" smtClean="0"/>
+              <a:t>Simple</a:t>
+            </a:r>
+            <a:r>
+              <a:rPr lang="en-US" dirty="0"/>
+              <a:t>::</a:t>
             </a:r>
             <a:r>
               <a:rPr lang="en-US" dirty="0" err="1"/>
@@ -8898,7 +8946,11 @@
             </a:r>
             <a:r>
               <a:rPr lang="en-US" dirty="0" smtClean="0"/>
-              <a:t>&lt; 10; </a:t>
+              <a:t> &lt; </a:t>
+            </a:r>
+            <a:r>
+              <a:rPr lang="en-US" dirty="0" smtClean="0"/>
+              <a:t>10; </a:t>
             </a:r>
             <a:r>
               <a:rPr lang="en-US" dirty="0" err="1" smtClean="0"/>
@@ -9102,7 +9154,15 @@
             </a:r>
             <a:r>
               <a:rPr lang="en-US" dirty="0"/>
-              <a:t>&lt;&lt; ”Hello from a simple </a:t>
+              <a:t>&lt;&lt; </a:t>
+            </a:r>
+            <a:r>
+              <a:rPr lang="en-US" dirty="0" smtClean="0"/>
+              <a:t>“Hello </a:t>
+            </a:r>
+            <a:r>
+              <a:rPr lang="en-US" dirty="0"/>
+              <a:t>from a simple </a:t>
             </a:r>
             <a:r>
               <a:rPr lang="en-US" dirty="0" err="1"/>
@@ -9284,7 +9344,7 @@
           <a:p>
             <a:fld id="{4F04D661-CDDA-EB4B-8920-0BA3B6EDE579}" type="datetime2">
               <a:rPr lang="en-US" smtClean="0"/>
-              <a:t>Monday, September 8, 14</a:t>
+              <a:t>Tuesday, September 9, 14</a:t>
             </a:fld>
             <a:endParaRPr lang="en-US" dirty="0"/>
           </a:p>
@@ -9410,7 +9470,7 @@
         </p:spPr>
         <p:txBody>
           <a:bodyPr>
-            <a:normAutofit fontScale="92500"/>
+            <a:normAutofit fontScale="92500" lnSpcReduction="10000"/>
           </a:bodyPr>
           <a:lstStyle/>
           <a:p>
@@ -9447,16 +9507,19 @@
               </a:rPr>
               <a:t>pup_stl.h</a:t>
             </a:r>
-            <a:r>
-              <a:rPr lang="en-US" dirty="0" smtClean="0">
-                <a:latin typeface="Consolas"/>
-                <a:cs typeface="Consolas"/>
-              </a:rPr>
-              <a:t> </a:t>
-            </a:r>
-            <a:r>
-              <a:rPr lang="en-US" dirty="0"/>
-              <a:t>Arrays of basic data types can also be passed like this:</a:t>
+            <a:endParaRPr lang="en-US" dirty="0">
+              <a:latin typeface="Consolas"/>
+              <a:cs typeface="Consolas"/>
+            </a:endParaRPr>
+          </a:p>
+          <a:p>
+            <a:r>
+              <a:rPr lang="en-US" dirty="0" smtClean="0"/>
+              <a:t>Arrays </a:t>
+            </a:r>
+            <a:r>
+              <a:rPr lang="en-US" dirty="0"/>
+              <a:t>of basic data types can also be passed like this:</a:t>
             </a:r>
           </a:p>
           <a:p>
@@ -9691,7 +9754,7 @@
           <a:p>
             <a:fld id="{04A73616-8CBF-A340-ADE3-98C2EE1DC9BE}" type="datetime2">
               <a:rPr lang="en-US" smtClean="0"/>
-              <a:t>Monday, September 8, 14</a:t>
+              <a:t>Tuesday, September 9, 14</a:t>
             </a:fld>
             <a:endParaRPr lang="en-US" dirty="0"/>
           </a:p>
@@ -9929,7 +9992,7 @@
           <a:p>
             <a:fld id="{A6675D53-EC17-3240-AF13-D8433FB11D57}" type="datetime2">
               <a:rPr lang="en-US" smtClean="0"/>
-              <a:t>Monday, September 8, 14</a:t>
+              <a:t>Tuesday, September 9, 14</a:t>
             </a:fld>
             <a:endParaRPr lang="en-US"/>
           </a:p>
@@ -10138,7 +10201,7 @@
           <a:p>
             <a:fld id="{A8BCDAA8-6772-8F4F-9D43-34A061D97D69}" type="datetime2">
               <a:rPr lang="en-US" smtClean="0"/>
-              <a:t>Monday, September 8, 14</a:t>
+              <a:t>Tuesday, September 9, 14</a:t>
             </a:fld>
             <a:endParaRPr lang="en-US"/>
           </a:p>
@@ -10553,7 +10616,7 @@
           <a:p>
             <a:fld id="{94EAAAA5-D767-4C40-91CB-82448A62D926}" type="datetime2">
               <a:rPr lang="en-US" smtClean="0"/>
-              <a:t>Monday, September 8, 14</a:t>
+              <a:t>Tuesday, September 9, 14</a:t>
             </a:fld>
             <a:endParaRPr lang="en-US" dirty="0"/>
           </a:p>
@@ -10913,7 +10976,7 @@
           <a:p>
             <a:fld id="{46A26A7E-4EBE-6B4C-8020-5D4DC21EA2AC}" type="datetime2">
               <a:rPr lang="en-US" smtClean="0"/>
-              <a:t>Monday, September 8, 14</a:t>
+              <a:t>Tuesday, September 9, 14</a:t>
             </a:fld>
             <a:endParaRPr lang="en-US"/>
           </a:p>
@@ -11067,11 +11130,11 @@
               <a:t>include </a:t>
             </a:r>
             <a:r>
-              <a:rPr lang="en-US" dirty="0"/>
-              <a:t>”</a:t>
-            </a:r>
-            <a:r>
-              <a:rPr lang="en-US" dirty="0" err="1"/>
+              <a:rPr lang="en-US" dirty="0" smtClean="0"/>
+              <a:t>“</a:t>
+            </a:r>
+            <a:r>
+              <a:rPr lang="en-US" dirty="0" err="1" smtClean="0"/>
               <a:t>arr.decl.h</a:t>
             </a:r>
             <a:r>
@@ -11102,12 +11165,24 @@
               <a:t>Main : </a:t>
             </a:r>
             <a:r>
-              <a:rPr lang="en-US" dirty="0" err="1"/>
+              <a:rPr lang="en-US" dirty="0" err="1" smtClean="0"/>
               <a:t>CBase</a:t>
             </a:r>
             <a:r>
-              <a:rPr lang="en-US" dirty="0"/>
-              <a:t> Main { </a:t>
+              <a:rPr lang="en-US" dirty="0" err="1" smtClean="0"/>
+              <a:t>_</a:t>
+            </a:r>
+            <a:r>
+              <a:rPr lang="en-US" dirty="0" err="1" smtClean="0"/>
+              <a:t>Main</a:t>
+            </a:r>
+            <a:r>
+              <a:rPr lang="en-US" dirty="0" smtClean="0"/>
+              <a:t> </a:t>
+            </a:r>
+            <a:r>
+              <a:rPr lang="en-US" dirty="0"/>
+              <a:t>{ </a:t>
             </a:r>
             <a:endParaRPr lang="en-US" dirty="0" smtClean="0"/>
           </a:p>
@@ -11243,7 +11318,111 @@
             </a:r>
             <a:r>
               <a:rPr lang="en-US" dirty="0" smtClean="0"/>
-              <a:t>, </a:t>
+              <a:t>)</a:t>
+            </a:r>
+            <a:r>
+              <a:rPr lang="en-US" dirty="0" smtClean="0"/>
+              <a:t>;</a:t>
+            </a:r>
+          </a:p>
+          <a:p>
+            <a:pPr marL="0" indent="0">
+              <a:buNone/>
+            </a:pPr>
+            <a:r>
+              <a:rPr lang="en-US" dirty="0"/>
+              <a:t> </a:t>
+            </a:r>
+            <a:r>
+              <a:rPr lang="en-US" dirty="0" smtClean="0"/>
+              <a:t>     p[0].</a:t>
+            </a:r>
+            <a:r>
+              <a:rPr lang="en-US" dirty="0" err="1" smtClean="0"/>
+              <a:t>printHello</a:t>
+            </a:r>
+            <a:r>
+              <a:rPr lang="en-US" dirty="0" smtClean="0"/>
+              <a:t>();</a:t>
+            </a:r>
+          </a:p>
+          <a:p>
+            <a:pPr marL="0" indent="0">
+              <a:buNone/>
+            </a:pPr>
+            <a:r>
+              <a:rPr lang="en-US" dirty="0"/>
+              <a:t> </a:t>
+            </a:r>
+            <a:r>
+              <a:rPr lang="en-US" dirty="0" smtClean="0"/>
+              <a:t>  </a:t>
+            </a:r>
+            <a:r>
+              <a:rPr lang="en-US" dirty="0" smtClean="0"/>
+              <a:t>}</a:t>
+            </a:r>
+            <a:endParaRPr lang="en-US" dirty="0" smtClean="0"/>
+          </a:p>
+          <a:p>
+            <a:pPr marL="0" indent="0">
+              <a:buNone/>
+            </a:pPr>
+            <a:r>
+              <a:rPr lang="en-US" dirty="0" smtClean="0"/>
+              <a:t>};</a:t>
+            </a:r>
+          </a:p>
+          <a:p>
+            <a:pPr marL="0" indent="0">
+              <a:buNone/>
+            </a:pPr>
+            <a:endParaRPr lang="en-US" dirty="0"/>
+          </a:p>
+          <a:p>
+            <a:pPr marL="0" indent="0">
+              <a:buNone/>
+            </a:pPr>
+            <a:r>
+              <a:rPr lang="en-US" b="1" dirty="0" err="1" smtClean="0"/>
+              <a:t>struct</a:t>
+            </a:r>
+            <a:r>
+              <a:rPr lang="en-US" dirty="0" smtClean="0"/>
+              <a:t> hello : </a:t>
+            </a:r>
+            <a:r>
+              <a:rPr lang="en-US" dirty="0" err="1" smtClean="0"/>
+              <a:t>CBase_hello</a:t>
+            </a:r>
+            <a:r>
+              <a:rPr lang="en-US" dirty="0" smtClean="0"/>
+              <a:t> {</a:t>
+            </a:r>
+          </a:p>
+          <a:p>
+            <a:pPr marL="0" indent="0">
+              <a:buNone/>
+            </a:pPr>
+            <a:r>
+              <a:rPr lang="en-US" b="1" dirty="0"/>
+              <a:t> </a:t>
+            </a:r>
+            <a:r>
+              <a:rPr lang="en-US" b="1" dirty="0" smtClean="0"/>
+              <a:t>  </a:t>
+            </a:r>
+            <a:r>
+              <a:rPr lang="en-US" dirty="0" smtClean="0"/>
+              <a:t>hello(</a:t>
+            </a:r>
+            <a:r>
+              <a:rPr lang="en-US" b="1" dirty="0" err="1" smtClean="0"/>
+              <a:t>int</a:t>
+            </a:r>
+            <a:r>
+              <a:rPr lang="en-US" dirty="0" smtClean="0"/>
+              <a:t> n) : </a:t>
             </a:r>
             <a:r>
               <a:rPr lang="en-US" dirty="0" err="1" smtClean="0"/>
@@ -11251,7 +11430,7 @@
             </a:r>
             <a:r>
               <a:rPr lang="en-US" dirty="0" smtClean="0"/>
-              <a:t>);</a:t>
+              <a:t>(n) { }</a:t>
             </a:r>
           </a:p>
           <a:p>
@@ -11264,7 +11443,36 @@
             </a:r>
             <a:r>
               <a:rPr lang="en-US" dirty="0" smtClean="0"/>
-              <a:t>     p[0].</a:t>
+              <a:t>  hello(</a:t>
+            </a:r>
+            <a:r>
+              <a:rPr lang="en-US" dirty="0" err="1" smtClean="0"/>
+              <a:t>CkMigrateMessage</a:t>
+            </a:r>
+            <a:r>
+              <a:rPr lang="en-US" dirty="0" smtClean="0"/>
+              <a:t>*) { }</a:t>
+            </a:r>
+          </a:p>
+          <a:p>
+            <a:pPr marL="0" indent="0">
+              <a:buNone/>
+            </a:pPr>
+            <a:r>
+              <a:rPr lang="en-US" dirty="0"/>
+              <a:t> </a:t>
+            </a:r>
+            <a:r>
+              <a:rPr lang="en-US" dirty="0" smtClean="0"/>
+              <a:t>  </a:t>
+            </a:r>
+            <a:r>
+              <a:rPr lang="en-US" b="1" dirty="0" smtClean="0"/>
+              <a:t>void</a:t>
+            </a:r>
+            <a:r>
+              <a:rPr lang="en-US" dirty="0" smtClean="0"/>
+              <a:t> </a:t>
             </a:r>
             <a:r>
               <a:rPr lang="en-US" dirty="0" err="1" smtClean="0"/>
@@ -11272,6 +11480,88 @@
             </a:r>
             <a:r>
               <a:rPr lang="en-US" dirty="0" smtClean="0"/>
+              <a:t>() {</a:t>
+            </a:r>
+          </a:p>
+          <a:p>
+            <a:pPr marL="0" indent="0">
+              <a:buNone/>
+            </a:pPr>
+            <a:r>
+              <a:rPr lang="en-US" dirty="0"/>
+              <a:t> </a:t>
+            </a:r>
+            <a:r>
+              <a:rPr lang="en-US" dirty="0" smtClean="0"/>
+              <a:t>     </a:t>
+            </a:r>
+            <a:r>
+              <a:rPr lang="en-US" dirty="0" err="1" smtClean="0"/>
+              <a:t>CkPrintf</a:t>
+            </a:r>
+            <a:r>
+              <a:rPr lang="en-US" dirty="0" smtClean="0"/>
+              <a:t>(“PE[%d]: hello from p[%d]\n”, </a:t>
+            </a:r>
+            <a:r>
+              <a:rPr lang="en-US" dirty="0" err="1" smtClean="0"/>
+              <a:t>CkMyPe</a:t>
+            </a:r>
+            <a:r>
+              <a:rPr lang="en-US" dirty="0" smtClean="0"/>
+              <a:t>(), </a:t>
+            </a:r>
+            <a:r>
+              <a:rPr lang="en-US" dirty="0" err="1" smtClean="0"/>
+              <a:t>thisIndex</a:t>
+            </a:r>
+            <a:r>
+              <a:rPr lang="en-US" dirty="0" smtClean="0"/>
+              <a:t>);</a:t>
+            </a:r>
+          </a:p>
+          <a:p>
+            <a:pPr marL="0" indent="0">
+              <a:buNone/>
+            </a:pPr>
+            <a:r>
+              <a:rPr lang="en-US" dirty="0"/>
+              <a:t> </a:t>
+            </a:r>
+            <a:r>
+              <a:rPr lang="en-US" dirty="0" smtClean="0"/>
+              <a:t>     </a:t>
+            </a:r>
+            <a:r>
+              <a:rPr lang="en-US" b="1" dirty="0" smtClean="0"/>
+              <a:t>if </a:t>
+            </a:r>
+            <a:r>
+              <a:rPr lang="en-US" dirty="0" smtClean="0"/>
+              <a:t>(</a:t>
+            </a:r>
+            <a:r>
+              <a:rPr lang="en-US" dirty="0" err="1" smtClean="0"/>
+              <a:t>thisIndex</a:t>
+            </a:r>
+            <a:r>
+              <a:rPr lang="en-US" dirty="0" smtClean="0"/>
+              <a:t> == </a:t>
+            </a:r>
+            <a:r>
+              <a:rPr lang="en-US" dirty="0" err="1" smtClean="0"/>
+              <a:t>arraySize</a:t>
+            </a:r>
+            <a:r>
+              <a:rPr lang="en-US" dirty="0" smtClean="0"/>
+              <a:t> – 1) </a:t>
+            </a:r>
+            <a:r>
+              <a:rPr lang="en-US" dirty="0" err="1" smtClean="0"/>
+              <a:t>CkExit</a:t>
+            </a:r>
+            <a:r>
+              <a:rPr lang="en-US" dirty="0" smtClean="0"/>
               <a:t>();</a:t>
             </a:r>
           </a:p>
@@ -11285,6 +11575,51 @@
             </a:r>
             <a:r>
               <a:rPr lang="en-US" dirty="0" smtClean="0"/>
+              <a:t>     </a:t>
+            </a:r>
+            <a:r>
+              <a:rPr lang="en-US" b="1" dirty="0" smtClean="0"/>
+              <a:t>else</a:t>
+            </a:r>
+            <a:r>
+              <a:rPr lang="en-US" dirty="0" smtClean="0"/>
+              <a:t> </a:t>
+            </a:r>
+            <a:r>
+              <a:rPr lang="en-US" dirty="0" err="1" smtClean="0"/>
+              <a:t>thisProxy</a:t>
+            </a:r>
+            <a:r>
+              <a:rPr lang="en-US" dirty="0" smtClean="0"/>
+              <a:t>[</a:t>
+            </a:r>
+            <a:r>
+              <a:rPr lang="en-US" dirty="0" err="1" smtClean="0"/>
+              <a:t>thisIndex</a:t>
+            </a:r>
+            <a:r>
+              <a:rPr lang="en-US" dirty="0" smtClean="0"/>
+              <a:t> + 1].</a:t>
+            </a:r>
+            <a:r>
+              <a:rPr lang="en-US" dirty="0" err="1" smtClean="0"/>
+              <a:t>printHello</a:t>
+            </a:r>
+            <a:r>
+              <a:rPr lang="en-US" dirty="0" smtClean="0"/>
+              <a:t>();</a:t>
+            </a:r>
+          </a:p>
+          <a:p>
+            <a:pPr marL="0" indent="0">
+              <a:buNone/>
+            </a:pPr>
+            <a:r>
+              <a:rPr lang="en-US" dirty="0"/>
+              <a:t> </a:t>
+            </a:r>
+            <a:r>
+              <a:rPr lang="en-US" dirty="0" smtClean="0"/>
               <a:t>  };</a:t>
             </a:r>
           </a:p>
@@ -11293,52 +11628,33 @@
               <a:buNone/>
             </a:pPr>
             <a:r>
-              <a:rPr lang="en-US" dirty="0" smtClean="0"/>
-              <a:t>};</a:t>
-            </a:r>
-          </a:p>
-          <a:p>
-            <a:pPr marL="0" indent="0">
-              <a:buNone/>
-            </a:pPr>
-            <a:endParaRPr lang="en-US" dirty="0"/>
-          </a:p>
-          <a:p>
-            <a:pPr marL="0" indent="0">
-              <a:buNone/>
-            </a:pPr>
-            <a:r>
-              <a:rPr lang="en-US" b="1" dirty="0" err="1" smtClean="0"/>
-              <a:t>struct</a:t>
-            </a:r>
-            <a:r>
-              <a:rPr lang="en-US" dirty="0" smtClean="0"/>
-              <a:t> hello : </a:t>
-            </a:r>
-            <a:r>
-              <a:rPr lang="en-US" dirty="0" err="1" smtClean="0"/>
-              <a:t>CBase_hello</a:t>
-            </a:r>
-            <a:r>
-              <a:rPr lang="en-US" dirty="0" smtClean="0"/>
-              <a:t> {</a:t>
-            </a:r>
-          </a:p>
-          <a:p>
-            <a:pPr marL="0" indent="0">
-              <a:buNone/>
-            </a:pPr>
-            <a:r>
-              <a:rPr lang="en-US" b="1" dirty="0"/>
+              <a:rPr lang="en-US" dirty="0"/>
               <a:t> </a:t>
             </a:r>
             <a:r>
+              <a:rPr lang="en-US" dirty="0" smtClean="0"/>
+              <a:t>  </a:t>
+            </a:r>
+            <a:r>
               <a:rPr lang="en-US" b="1" dirty="0" smtClean="0"/>
+              <a:t>private</a:t>
+            </a:r>
+            <a:r>
+              <a:rPr lang="en-US" dirty="0" smtClean="0"/>
+              <a:t>:</a:t>
+            </a:r>
+          </a:p>
+          <a:p>
+            <a:pPr marL="0" indent="0">
+              <a:buNone/>
+            </a:pPr>
+            <a:r>
+              <a:rPr lang="en-US" dirty="0"/>
+              <a:t> </a:t>
+            </a:r>
+            <a:r>
+              <a:rPr lang="en-US" dirty="0" smtClean="0"/>
               <a:t>  </a:t>
-            </a:r>
-            <a:r>
-              <a:rPr lang="en-US" dirty="0" smtClean="0"/>
-              <a:t>hello(</a:t>
             </a:r>
             <a:r>
               <a:rPr lang="en-US" b="1" dirty="0" err="1" smtClean="0"/>
@@ -11346,7 +11662,7 @@
             </a:r>
             <a:r>
               <a:rPr lang="en-US" dirty="0" smtClean="0"/>
-              <a:t> n) : </a:t>
+              <a:t> </a:t>
             </a:r>
             <a:r>
               <a:rPr lang="en-US" dirty="0" err="1" smtClean="0"/>
@@ -11354,246 +11670,6 @@
             </a:r>
             <a:r>
               <a:rPr lang="en-US" dirty="0" smtClean="0"/>
-              <a:t>(n) { }</a:t>
-            </a:r>
-          </a:p>
-          <a:p>
-            <a:pPr marL="0" indent="0">
-              <a:buNone/>
-            </a:pPr>
-            <a:r>
-              <a:rPr lang="en-US" dirty="0"/>
-              <a:t> </a:t>
-            </a:r>
-            <a:r>
-              <a:rPr lang="en-US" dirty="0" smtClean="0"/>
-              <a:t>  hello(</a:t>
-            </a:r>
-            <a:r>
-              <a:rPr lang="en-US" dirty="0" err="1" smtClean="0"/>
-              <a:t>CkMigrateMessage</a:t>
-            </a:r>
-            <a:r>
-              <a:rPr lang="en-US" dirty="0" smtClean="0"/>
-              <a:t>*) { }</a:t>
-            </a:r>
-          </a:p>
-          <a:p>
-            <a:pPr marL="0" indent="0">
-              <a:buNone/>
-            </a:pPr>
-            <a:r>
-              <a:rPr lang="en-US" dirty="0"/>
-              <a:t> </a:t>
-            </a:r>
-            <a:r>
-              <a:rPr lang="en-US" dirty="0" smtClean="0"/>
-              <a:t>  </a:t>
-            </a:r>
-            <a:r>
-              <a:rPr lang="en-US" b="1" dirty="0" smtClean="0"/>
-              <a:t>void</a:t>
-            </a:r>
-            <a:r>
-              <a:rPr lang="en-US" dirty="0" smtClean="0"/>
-              <a:t> </a:t>
-            </a:r>
-            <a:r>
-              <a:rPr lang="en-US" dirty="0" err="1" smtClean="0"/>
-              <a:t>printHello</a:t>
-            </a:r>
-            <a:r>
-              <a:rPr lang="en-US" dirty="0" smtClean="0"/>
-              <a:t>() {</a:t>
-            </a:r>
-          </a:p>
-          <a:p>
-            <a:pPr marL="0" indent="0">
-              <a:buNone/>
-            </a:pPr>
-            <a:r>
-              <a:rPr lang="en-US" dirty="0"/>
-              <a:t> </a:t>
-            </a:r>
-            <a:r>
-              <a:rPr lang="en-US" dirty="0" smtClean="0"/>
-              <a:t>     </a:t>
-            </a:r>
-            <a:r>
-              <a:rPr lang="en-US" dirty="0" err="1" smtClean="0"/>
-              <a:t>CkPrintf</a:t>
-            </a:r>
-            <a:r>
-              <a:rPr lang="en-US" dirty="0" smtClean="0"/>
-              <a:t>(“PE[%d]: hello from p[%d]\n”, </a:t>
-            </a:r>
-            <a:r>
-              <a:rPr lang="en-US" dirty="0" err="1" smtClean="0"/>
-              <a:t>CkMyPe</a:t>
-            </a:r>
-            <a:r>
-              <a:rPr lang="en-US" dirty="0" smtClean="0"/>
-              <a:t>(), </a:t>
-            </a:r>
-            <a:r>
-              <a:rPr lang="en-US" dirty="0" err="1" smtClean="0"/>
-              <a:t>thisIndex</a:t>
-            </a:r>
-            <a:r>
-              <a:rPr lang="en-US" dirty="0" smtClean="0"/>
-              <a:t>);</a:t>
-            </a:r>
-          </a:p>
-          <a:p>
-            <a:pPr marL="0" indent="0">
-              <a:buNone/>
-            </a:pPr>
-            <a:r>
-              <a:rPr lang="en-US" dirty="0"/>
-              <a:t> </a:t>
-            </a:r>
-            <a:r>
-              <a:rPr lang="en-US" dirty="0" smtClean="0"/>
-              <a:t>     </a:t>
-            </a:r>
-            <a:r>
-              <a:rPr lang="en-US" b="1" dirty="0" smtClean="0"/>
-              <a:t>if </a:t>
-            </a:r>
-            <a:r>
-              <a:rPr lang="en-US" dirty="0" smtClean="0"/>
-              <a:t>(</a:t>
-            </a:r>
-            <a:r>
-              <a:rPr lang="en-US" dirty="0" err="1" smtClean="0"/>
-              <a:t>thisIndex</a:t>
-            </a:r>
-            <a:r>
-              <a:rPr lang="en-US" dirty="0" smtClean="0"/>
-              <a:t> == </a:t>
-            </a:r>
-            <a:r>
-              <a:rPr lang="en-US" dirty="0" err="1" smtClean="0"/>
-              <a:t>arraySize</a:t>
-            </a:r>
-            <a:r>
-              <a:rPr lang="en-US" dirty="0" smtClean="0"/>
-              <a:t> – 1) </a:t>
-            </a:r>
-            <a:r>
-              <a:rPr lang="en-US" dirty="0" err="1" smtClean="0"/>
-              <a:t>CkExit</a:t>
-            </a:r>
-            <a:r>
-              <a:rPr lang="en-US" dirty="0" smtClean="0"/>
-              <a:t>();</a:t>
-            </a:r>
-          </a:p>
-          <a:p>
-            <a:pPr marL="0" indent="0">
-              <a:buNone/>
-            </a:pPr>
-            <a:r>
-              <a:rPr lang="en-US" dirty="0"/>
-              <a:t> </a:t>
-            </a:r>
-            <a:r>
-              <a:rPr lang="en-US" dirty="0" smtClean="0"/>
-              <a:t>     </a:t>
-            </a:r>
-            <a:r>
-              <a:rPr lang="en-US" b="1" dirty="0" smtClean="0"/>
-              <a:t>else</a:t>
-            </a:r>
-            <a:r>
-              <a:rPr lang="en-US" dirty="0" smtClean="0"/>
-              <a:t> </a:t>
-            </a:r>
-            <a:r>
-              <a:rPr lang="en-US" dirty="0" err="1" smtClean="0"/>
-              <a:t>thisProxy</a:t>
-            </a:r>
-            <a:r>
-              <a:rPr lang="en-US" dirty="0" smtClean="0"/>
-              <a:t>[</a:t>
-            </a:r>
-            <a:r>
-              <a:rPr lang="en-US" dirty="0" err="1" smtClean="0"/>
-              <a:t>thisIndex</a:t>
-            </a:r>
-            <a:r>
-              <a:rPr lang="en-US" dirty="0" smtClean="0"/>
-              <a:t> + 1].</a:t>
-            </a:r>
-            <a:r>
-              <a:rPr lang="en-US" dirty="0" err="1" smtClean="0"/>
-              <a:t>printHello</a:t>
-            </a:r>
-            <a:r>
-              <a:rPr lang="en-US" dirty="0" smtClean="0"/>
-              <a:t>();</a:t>
-            </a:r>
-          </a:p>
-          <a:p>
-            <a:pPr marL="0" indent="0">
-              <a:buNone/>
-            </a:pPr>
-            <a:r>
-              <a:rPr lang="en-US" dirty="0"/>
-              <a:t> </a:t>
-            </a:r>
-            <a:r>
-              <a:rPr lang="en-US" dirty="0" smtClean="0"/>
-              <a:t>  };</a:t>
-            </a:r>
-          </a:p>
-          <a:p>
-            <a:pPr marL="0" indent="0">
-              <a:buNone/>
-            </a:pPr>
-            <a:r>
-              <a:rPr lang="en-US" dirty="0"/>
-              <a:t> </a:t>
-            </a:r>
-            <a:r>
-              <a:rPr lang="en-US" dirty="0" smtClean="0"/>
-              <a:t>  </a:t>
-            </a:r>
-            <a:r>
-              <a:rPr lang="en-US" b="1" dirty="0" smtClean="0"/>
-              <a:t>private</a:t>
-            </a:r>
-            <a:r>
-              <a:rPr lang="en-US" dirty="0" smtClean="0"/>
-              <a:t>:</a:t>
-            </a:r>
-          </a:p>
-          <a:p>
-            <a:pPr marL="0" indent="0">
-              <a:buNone/>
-            </a:pPr>
-            <a:r>
-              <a:rPr lang="en-US" dirty="0"/>
-              <a:t> </a:t>
-            </a:r>
-            <a:r>
-              <a:rPr lang="en-US" dirty="0" smtClean="0"/>
-              <a:t>  </a:t>
-            </a:r>
-            <a:r>
-              <a:rPr lang="en-US" b="1" dirty="0" err="1" smtClean="0"/>
-              <a:t>int</a:t>
-            </a:r>
-            <a:r>
-              <a:rPr lang="en-US" dirty="0" smtClean="0"/>
-              <a:t> </a:t>
-            </a:r>
-            <a:r>
-              <a:rPr lang="en-US" dirty="0" err="1" smtClean="0"/>
-              <a:t>arraySize</a:t>
-            </a:r>
-            <a:r>
-              <a:rPr lang="en-US" dirty="0" smtClean="0"/>
               <a:t>;</a:t>
             </a:r>
           </a:p>
@@ -11653,7 +11729,7 @@
           <a:p>
             <a:fld id="{B0DE7F91-8F6E-3346-8308-FA806A593B23}" type="datetime2">
               <a:rPr lang="en-US" smtClean="0"/>
-              <a:t>Monday, September 8, 14</a:t>
+              <a:t>Tuesday, September 9, 14</a:t>
             </a:fld>
             <a:endParaRPr lang="en-US"/>
           </a:p>
@@ -11796,7 +11872,18 @@
             </a:r>
             <a:r>
               <a:rPr lang="en-US" dirty="0"/>
-              <a:t> projections to link line to enable tracing</a:t>
+              <a:t> </a:t>
+            </a:r>
+            <a:r>
+              <a:rPr lang="en-US" dirty="0">
+                <a:latin typeface="Consolas"/>
+                <a:cs typeface="Consolas"/>
+              </a:rPr>
+              <a:t>projections</a:t>
+            </a:r>
+            <a:r>
+              <a:rPr lang="en-US" dirty="0"/>
+              <a:t> to link line to enable tracing</a:t>
             </a:r>
           </a:p>
           <a:p>
@@ -11849,24 +11936,41 @@
         </p:nvSpPr>
         <p:spPr>
           <a:xfrm>
-            <a:off x="457200" y="5474535"/>
-            <a:ext cx="8229600" cy="862141"/>
+            <a:off x="457199" y="5474535"/>
+            <a:ext cx="8539163" cy="862141"/>
           </a:xfrm>
         </p:spPr>
         <p:txBody>
-          <a:bodyPr/>
-          <a:lstStyle/>
-          <a:p>
-            <a:r>
-              <a:rPr lang="en-US" dirty="0" err="1">
+          <a:bodyPr>
+            <a:normAutofit/>
+          </a:bodyPr>
+          <a:lstStyle/>
+          <a:p>
+            <a:r>
+              <a:rPr lang="en-US" sz="2200" dirty="0" err="1">
                 <a:latin typeface="Consolas"/>
                 <a:cs typeface="Consolas"/>
               </a:rPr>
               <a:t>arrayHello</a:t>
             </a:r>
             <a:r>
-              <a:rPr lang="en-US" dirty="0"/>
-              <a:t> on BG/Q 16 Nodes, mode c16, 1024 elements (4 per process)</a:t>
+              <a:rPr lang="en-US" sz="2200" dirty="0"/>
+              <a:t> on BG/Q 16 Nodes, mode c16, 1024 elements </a:t>
+            </a:r>
+            <a:r>
+              <a:rPr lang="en-US" sz="2200" dirty="0"/>
+              <a:t/>
+            </a:r>
+            <a:br>
+              <a:rPr lang="en-US" sz="2200" dirty="0"/>
+            </a:br>
+            <a:r>
+              <a:rPr lang="en-US" sz="2200" dirty="0" smtClean="0"/>
+              <a:t>(</a:t>
+            </a:r>
+            <a:r>
+              <a:rPr lang="en-US" sz="2200" dirty="0"/>
+              <a:t>4 per process)</a:t>
             </a:r>
           </a:p>
         </p:txBody>
@@ -11888,7 +11992,7 @@
           <a:p>
             <a:fld id="{DF9B12D0-D6C3-584A-99EB-13FA193C843F}" type="datetime2">
               <a:rPr lang="en-US" smtClean="0"/>
-              <a:t>Monday, September 8, 14</a:t>
+              <a:t>Tuesday, September 9, 14</a:t>
             </a:fld>
             <a:endParaRPr lang="en-US" dirty="0"/>
           </a:p>
@@ -12027,6 +12131,9 @@
           <a:bodyPr/>
           <a:lstStyle/>
           <a:p>
+            <a:pPr marL="0" indent="0">
+              <a:buNone/>
+            </a:pPr>
             <a:r>
               <a:rPr lang="en-US" dirty="0" smtClean="0"/>
               <a:t>.ci file:</a:t>
@@ -12216,6 +12323,9 @@
           <a:bodyPr/>
           <a:lstStyle/>
           <a:p>
+            <a:pPr marL="0" indent="0">
+              <a:buNone/>
+            </a:pPr>
             <a:r>
               <a:rPr lang="en-US" dirty="0" smtClean="0"/>
               <a:t>.C file:</a:t>
@@ -12274,16 +12384,20 @@
               <a:t> </a:t>
             </a:r>
             <a:r>
-              <a:rPr lang="en-US" dirty="0" err="1"/>
+              <a:rPr lang="en-US" dirty="0" err="1" smtClean="0"/>
               <a:t>CBase</a:t>
             </a:r>
             <a:r>
-              <a:rPr lang="en-US" dirty="0"/>
+              <a:rPr lang="en-US" dirty="0" err="1" smtClean="0"/>
+              <a:t>_</a:t>
+            </a:r>
+            <a:r>
+              <a:rPr lang="en-US" dirty="0" err="1" smtClean="0"/>
+              <a:t>foo</a:t>
+            </a:r>
+            <a:r>
+              <a:rPr lang="en-US" dirty="0" smtClean="0"/>
               <a:t> </a:t>
-            </a:r>
-            <a:r>
-              <a:rPr lang="en-US" dirty="0" smtClean="0"/>
-              <a:t>foo </a:t>
             </a:r>
             <a:r>
               <a:rPr lang="en-US" dirty="0"/>
@@ -12380,16 +12494,20 @@
               <a:t> </a:t>
             </a:r>
             <a:r>
-              <a:rPr lang="en-US" dirty="0" err="1"/>
+              <a:rPr lang="en-US" dirty="0" err="1" smtClean="0"/>
               <a:t>CBase</a:t>
             </a:r>
             <a:r>
-              <a:rPr lang="en-US" dirty="0"/>
+              <a:rPr lang="en-US" dirty="0" err="1" smtClean="0"/>
+              <a:t>_</a:t>
+            </a:r>
+            <a:r>
+              <a:rPr lang="en-US" dirty="0" err="1" smtClean="0"/>
+              <a:t>bar</a:t>
+            </a:r>
+            <a:r>
+              <a:rPr lang="en-US" dirty="0" smtClean="0"/>
               <a:t> </a:t>
-            </a:r>
-            <a:r>
-              <a:rPr lang="en-US" dirty="0" smtClean="0"/>
-              <a:t>bar </a:t>
             </a:r>
             <a:r>
               <a:rPr lang="en-US" dirty="0"/>
@@ -12459,7 +12577,7 @@
           <a:p>
             <a:fld id="{B67F7A0B-A97C-6941-B30D-536C43882AD6}" type="datetime2">
               <a:rPr lang="en-US" smtClean="0"/>
-              <a:t>Monday, September 8, 14</a:t>
+              <a:t>Tuesday, September 9, 14</a:t>
             </a:fld>
             <a:endParaRPr lang="en-US" dirty="0"/>
           </a:p>
@@ -12679,12 +12797,16 @@
               <a:t>CProxy</a:t>
             </a:r>
             <a:r>
-              <a:rPr lang="en-US" dirty="0" smtClean="0"/>
-              <a:t> </a:t>
-            </a:r>
-            <a:r>
-              <a:rPr lang="en-US" dirty="0"/>
-              <a:t>foo::</a:t>
+              <a:rPr lang="en-US" dirty="0" err="1" smtClean="0"/>
+              <a:t>_</a:t>
+            </a:r>
+            <a:r>
+              <a:rPr lang="en-US" dirty="0" err="1" smtClean="0"/>
+              <a:t>foo</a:t>
+            </a:r>
+            <a:r>
+              <a:rPr lang="en-US" dirty="0"/>
+              <a:t>::</a:t>
             </a:r>
             <a:r>
               <a:rPr lang="en-US" dirty="0" err="1"/>
@@ -12709,12 +12831,16 @@
               <a:t>CProxy</a:t>
             </a:r>
             <a:r>
-              <a:rPr lang="en-US" dirty="0" smtClean="0"/>
-              <a:t> </a:t>
-            </a:r>
-            <a:r>
-              <a:rPr lang="en-US" dirty="0"/>
-              <a:t>bar::</a:t>
+              <a:rPr lang="en-US" dirty="0" err="1" smtClean="0"/>
+              <a:t>_</a:t>
+            </a:r>
+            <a:r>
+              <a:rPr lang="en-US" dirty="0" err="1" smtClean="0"/>
+              <a:t>bar</a:t>
+            </a:r>
+            <a:r>
+              <a:rPr lang="en-US" dirty="0"/>
+              <a:t>::</a:t>
             </a:r>
             <a:r>
               <a:rPr lang="en-US" dirty="0" err="1"/>
@@ -12748,7 +12874,7 @@
         </p:nvSpPr>
         <p:spPr>
           <a:xfrm>
-            <a:off x="457200" y="3484632"/>
+            <a:off x="457200" y="3646047"/>
             <a:ext cx="8229600" cy="409742"/>
           </a:xfrm>
         </p:spPr>
@@ -12778,7 +12904,7 @@
         </p:nvSpPr>
         <p:spPr>
           <a:xfrm>
-            <a:off x="457200" y="4096612"/>
+            <a:off x="457200" y="4096611"/>
             <a:ext cx="8229600" cy="351889"/>
           </a:xfrm>
           <a:solidFill>
@@ -12800,12 +12926,20 @@
               <a:buNone/>
             </a:pPr>
             <a:r>
-              <a:rPr lang="en-US" dirty="0" err="1"/>
+              <a:rPr lang="en-US" dirty="0" err="1" smtClean="0"/>
               <a:t>CProxy</a:t>
             </a:r>
             <a:r>
-              <a:rPr lang="en-US" dirty="0"/>
-              <a:t> foo </a:t>
+              <a:rPr lang="en-US" dirty="0" err="1" smtClean="0"/>
+              <a:t>_</a:t>
+            </a:r>
+            <a:r>
+              <a:rPr lang="en-US" dirty="0" err="1" smtClean="0"/>
+              <a:t>foo</a:t>
+            </a:r>
+            <a:r>
+              <a:rPr lang="en-US" dirty="0" smtClean="0"/>
+              <a:t> </a:t>
             </a:r>
             <a:r>
               <a:rPr lang="en-US" dirty="0" err="1"/>
@@ -12816,12 +12950,20 @@
               <a:t> = </a:t>
             </a:r>
             <a:r>
-              <a:rPr lang="en-US" dirty="0" err="1"/>
+              <a:rPr lang="en-US" dirty="0" err="1" smtClean="0"/>
               <a:t>CProxy</a:t>
             </a:r>
             <a:r>
-              <a:rPr lang="en-US" dirty="0"/>
-              <a:t> foo::</a:t>
+              <a:rPr lang="en-US" dirty="0" err="1" smtClean="0"/>
+              <a:t>_</a:t>
+            </a:r>
+            <a:r>
+              <a:rPr lang="en-US" dirty="0" err="1" smtClean="0"/>
+              <a:t>foo</a:t>
+            </a:r>
+            <a:r>
+              <a:rPr lang="en-US" dirty="0"/>
+              <a:t>::</a:t>
             </a:r>
             <a:r>
               <a:rPr lang="en-US" dirty="0" err="1"/>
@@ -12849,7 +12991,7 @@
         </p:nvSpPr>
         <p:spPr>
           <a:xfrm>
-            <a:off x="457200" y="4631795"/>
+            <a:off x="457200" y="4618140"/>
             <a:ext cx="8229600" cy="673773"/>
           </a:xfrm>
           <a:prstGeom prst="rect">
@@ -13046,7 +13188,7 @@
         </p:nvSpPr>
         <p:spPr>
           <a:xfrm>
-            <a:off x="457200" y="5534170"/>
+            <a:off x="457200" y="5411279"/>
             <a:ext cx="8229600" cy="351889"/>
           </a:xfrm>
           <a:prstGeom prst="rect">
@@ -13273,7 +13415,7 @@
           <a:p>
             <a:fld id="{E90B5A3E-A983-9844-9A00-7072B7AE2A15}" type="datetime2">
               <a:rPr lang="en-US" smtClean="0"/>
-              <a:t>Monday, September 8, 14</a:t>
+              <a:t>Tuesday, September 9, 14</a:t>
             </a:fld>
             <a:endParaRPr lang="en-US" dirty="0"/>
           </a:p>
@@ -13460,7 +13602,7 @@
                 <a:latin typeface="Lucida Console"/>
                 <a:cs typeface="Lucida Console"/>
               </a:rPr>
-              <a:t>thisIndex</a:t>
+              <a:t>thisIndex.x</a:t>
             </a:r>
             <a:r>
               <a:rPr lang="en-US" i="1" dirty="0" smtClean="0"/>
@@ -13479,13 +13621,19 @@
             </a:r>
             <a:r>
               <a:rPr lang="en-US" dirty="0"/>
-              <a:t> returns the indices of the</a:t>
-            </a:r>
-          </a:p>
-          <a:p>
-            <a:r>
-              <a:rPr lang="en-US" dirty="0"/>
-              <a:t>current </a:t>
+              <a:t> </a:t>
+            </a:r>
+            <a:r>
+              <a:rPr lang="en-US" dirty="0" smtClean="0"/>
+              <a:t>return </a:t>
+            </a:r>
+            <a:r>
+              <a:rPr lang="en-US" dirty="0"/>
+              <a:t>the indices of </a:t>
+            </a:r>
+            <a:r>
+              <a:rPr lang="en-US" dirty="0" smtClean="0"/>
+              <a:t>the current </a:t>
             </a:r>
             <a:r>
               <a:rPr lang="en-US" dirty="0" err="1"/>
@@ -13688,12 +13836,24 @@
               <a:t> </a:t>
             </a:r>
             <a:r>
-              <a:rPr lang="en-US" dirty="0" err="1"/>
+              <a:rPr lang="en-US" dirty="0" err="1" smtClean="0"/>
               <a:t>CBase</a:t>
             </a:r>
             <a:r>
-              <a:rPr lang="en-US" dirty="0"/>
-              <a:t> foo { </a:t>
+              <a:rPr lang="en-US" dirty="0" err="1" smtClean="0"/>
+              <a:t>_</a:t>
+            </a:r>
+            <a:r>
+              <a:rPr lang="en-US" dirty="0" err="1" smtClean="0"/>
+              <a:t>foo</a:t>
+            </a:r>
+            <a:r>
+              <a:rPr lang="en-US" dirty="0" smtClean="0"/>
+              <a:t> </a:t>
+            </a:r>
+            <a:r>
+              <a:rPr lang="en-US" dirty="0"/>
+              <a:t>{ </a:t>
             </a:r>
             <a:endParaRPr lang="en-US" dirty="0" smtClean="0"/>
           </a:p>
@@ -13731,8 +13891,12 @@
               <a:t>CkPrintf</a:t>
             </a:r>
             <a:r>
-              <a:rPr lang="en-US" dirty="0"/>
-              <a:t>(”array index = %d”, </a:t>
+              <a:rPr lang="en-US" dirty="0" smtClean="0"/>
+              <a:t>(“array </a:t>
+            </a:r>
+            <a:r>
+              <a:rPr lang="en-US" dirty="0"/>
+              <a:t>index = %d”, </a:t>
             </a:r>
             <a:r>
               <a:rPr lang="en-US" dirty="0" err="1"/>
@@ -13781,7 +13945,7 @@
           <a:p>
             <a:fld id="{939514C7-2A23-9748-992F-12DCDAF6236F}" type="datetime2">
               <a:rPr lang="en-US" smtClean="0"/>
-              <a:t>Monday, September 8, 14</a:t>
+              <a:t>Tuesday, September 9, 14</a:t>
             </a:fld>
             <a:endParaRPr lang="en-US" dirty="0"/>
           </a:p>
@@ -14135,7 +14299,7 @@
           <a:p>
             <a:fld id="{34621E95-60A9-FF44-9869-513D9D7A859F}" type="datetime2">
               <a:rPr lang="en-US" smtClean="0"/>
-              <a:t>Monday, September 8, 14</a:t>
+              <a:t>Tuesday, September 9, 14</a:t>
             </a:fld>
             <a:endParaRPr lang="en-US"/>
           </a:p>
@@ -14289,11 +14453,11 @@
               <a:t>include </a:t>
             </a:r>
             <a:r>
-              <a:rPr lang="en-US" dirty="0"/>
-              <a:t>”</a:t>
-            </a:r>
-            <a:r>
-              <a:rPr lang="en-US" dirty="0" err="1"/>
+              <a:rPr lang="en-US" dirty="0" smtClean="0"/>
+              <a:t>“</a:t>
+            </a:r>
+            <a:r>
+              <a:rPr lang="en-US" dirty="0" err="1" smtClean="0"/>
               <a:t>arr.decl.h</a:t>
             </a:r>
             <a:r>
@@ -14324,12 +14488,24 @@
               <a:t>Main : </a:t>
             </a:r>
             <a:r>
-              <a:rPr lang="en-US" dirty="0" err="1"/>
+              <a:rPr lang="en-US" dirty="0" err="1" smtClean="0"/>
               <a:t>CBase</a:t>
             </a:r>
             <a:r>
-              <a:rPr lang="en-US" dirty="0"/>
-              <a:t> Main { </a:t>
+              <a:rPr lang="en-US" dirty="0" err="1" smtClean="0"/>
+              <a:t>_</a:t>
+            </a:r>
+            <a:r>
+              <a:rPr lang="en-US" dirty="0" err="1" smtClean="0"/>
+              <a:t>Main</a:t>
+            </a:r>
+            <a:r>
+              <a:rPr lang="en-US" dirty="0" smtClean="0"/>
+              <a:t> </a:t>
+            </a:r>
+            <a:r>
+              <a:rPr lang="en-US" dirty="0"/>
+              <a:t>{ </a:t>
             </a:r>
             <a:endParaRPr lang="en-US" dirty="0" smtClean="0"/>
           </a:p>
@@ -14457,7 +14633,106 @@
             </a:r>
             <a:r>
               <a:rPr lang="en-US" dirty="0" smtClean="0"/>
-              <a:t>, </a:t>
+              <a:t>)</a:t>
+            </a:r>
+            <a:r>
+              <a:rPr lang="en-US" dirty="0" smtClean="0"/>
+              <a:t>;</a:t>
+            </a:r>
+          </a:p>
+          <a:p>
+            <a:pPr marL="0" indent="0">
+              <a:buNone/>
+            </a:pPr>
+            <a:r>
+              <a:rPr lang="en-US" dirty="0"/>
+              <a:t> </a:t>
+            </a:r>
+            <a:r>
+              <a:rPr lang="en-US" dirty="0" smtClean="0"/>
+              <a:t>     p[0].</a:t>
+            </a:r>
+            <a:r>
+              <a:rPr lang="en-US" dirty="0" err="1" smtClean="0"/>
+              <a:t>printHello</a:t>
+            </a:r>
+            <a:r>
+              <a:rPr lang="en-US" dirty="0" smtClean="0"/>
+              <a:t>();</a:t>
+            </a:r>
+          </a:p>
+          <a:p>
+            <a:pPr marL="0" indent="0">
+              <a:buNone/>
+            </a:pPr>
+            <a:r>
+              <a:rPr lang="en-US" dirty="0"/>
+              <a:t> </a:t>
+            </a:r>
+            <a:r>
+              <a:rPr lang="en-US" dirty="0" smtClean="0"/>
+              <a:t>  }</a:t>
+            </a:r>
+          </a:p>
+          <a:p>
+            <a:pPr marL="0" indent="0">
+              <a:buNone/>
+            </a:pPr>
+            <a:r>
+              <a:rPr lang="en-US" dirty="0" smtClean="0"/>
+              <a:t>};</a:t>
+            </a:r>
+          </a:p>
+          <a:p>
+            <a:pPr marL="0" indent="0">
+              <a:buNone/>
+            </a:pPr>
+            <a:endParaRPr lang="en-US" dirty="0"/>
+          </a:p>
+          <a:p>
+            <a:pPr marL="0" indent="0">
+              <a:buNone/>
+            </a:pPr>
+            <a:r>
+              <a:rPr lang="en-US" b="1" dirty="0" err="1" smtClean="0"/>
+              <a:t>struct</a:t>
+            </a:r>
+            <a:r>
+              <a:rPr lang="en-US" dirty="0" smtClean="0"/>
+              <a:t> hello : </a:t>
+            </a:r>
+            <a:r>
+              <a:rPr lang="en-US" dirty="0" err="1" smtClean="0"/>
+              <a:t>CBase_hello</a:t>
+            </a:r>
+            <a:r>
+              <a:rPr lang="en-US" dirty="0" smtClean="0"/>
+              <a:t> {</a:t>
+            </a:r>
+          </a:p>
+          <a:p>
+            <a:pPr marL="0" indent="0">
+              <a:buNone/>
+            </a:pPr>
+            <a:r>
+              <a:rPr lang="en-US" b="1" dirty="0"/>
+              <a:t> </a:t>
+            </a:r>
+            <a:r>
+              <a:rPr lang="en-US" b="1" dirty="0" smtClean="0"/>
+              <a:t>  </a:t>
+            </a:r>
+            <a:r>
+              <a:rPr lang="en-US" dirty="0" smtClean="0"/>
+              <a:t>hello(</a:t>
+            </a:r>
+            <a:r>
+              <a:rPr lang="en-US" b="1" dirty="0" err="1" smtClean="0"/>
+              <a:t>int</a:t>
+            </a:r>
+            <a:r>
+              <a:rPr lang="en-US" dirty="0" smtClean="0"/>
+              <a:t> n) : </a:t>
             </a:r>
             <a:r>
               <a:rPr lang="en-US" dirty="0" err="1" smtClean="0"/>
@@ -14465,7 +14740,7 @@
             </a:r>
             <a:r>
               <a:rPr lang="en-US" dirty="0" smtClean="0"/>
-              <a:t>);</a:t>
+              <a:t>(n) { }</a:t>
             </a:r>
           </a:p>
           <a:p>
@@ -14478,7 +14753,36 @@
             </a:r>
             <a:r>
               <a:rPr lang="en-US" dirty="0" smtClean="0"/>
-              <a:t>     p[0].</a:t>
+              <a:t>  hello(</a:t>
+            </a:r>
+            <a:r>
+              <a:rPr lang="en-US" dirty="0" err="1" smtClean="0"/>
+              <a:t>CkMigrateMessage</a:t>
+            </a:r>
+            <a:r>
+              <a:rPr lang="en-US" dirty="0" smtClean="0"/>
+              <a:t>*) { }</a:t>
+            </a:r>
+          </a:p>
+          <a:p>
+            <a:pPr marL="0" indent="0">
+              <a:buNone/>
+            </a:pPr>
+            <a:r>
+              <a:rPr lang="en-US" dirty="0"/>
+              <a:t> </a:t>
+            </a:r>
+            <a:r>
+              <a:rPr lang="en-US" dirty="0" smtClean="0"/>
+              <a:t>  </a:t>
+            </a:r>
+            <a:r>
+              <a:rPr lang="en-US" b="1" dirty="0" smtClean="0"/>
+              <a:t>void</a:t>
+            </a:r>
+            <a:r>
+              <a:rPr lang="en-US" dirty="0" smtClean="0"/>
+              <a:t> </a:t>
             </a:r>
             <a:r>
               <a:rPr lang="en-US" dirty="0" err="1" smtClean="0"/>
@@ -14486,6 +14790,88 @@
             </a:r>
             <a:r>
               <a:rPr lang="en-US" dirty="0" smtClean="0"/>
+              <a:t>() {</a:t>
+            </a:r>
+          </a:p>
+          <a:p>
+            <a:pPr marL="0" indent="0">
+              <a:buNone/>
+            </a:pPr>
+            <a:r>
+              <a:rPr lang="en-US" dirty="0"/>
+              <a:t> </a:t>
+            </a:r>
+            <a:r>
+              <a:rPr lang="en-US" dirty="0" smtClean="0"/>
+              <a:t>     </a:t>
+            </a:r>
+            <a:r>
+              <a:rPr lang="en-US" dirty="0" err="1" smtClean="0"/>
+              <a:t>CkPrintf</a:t>
+            </a:r>
+            <a:r>
+              <a:rPr lang="en-US" dirty="0" smtClean="0"/>
+              <a:t>(“PE[%d]: hello from p[%d]\n”, </a:t>
+            </a:r>
+            <a:r>
+              <a:rPr lang="en-US" dirty="0" err="1" smtClean="0"/>
+              <a:t>CkMyPe</a:t>
+            </a:r>
+            <a:r>
+              <a:rPr lang="en-US" dirty="0" smtClean="0"/>
+              <a:t>(), </a:t>
+            </a:r>
+            <a:r>
+              <a:rPr lang="en-US" dirty="0" err="1" smtClean="0"/>
+              <a:t>thisIndex</a:t>
+            </a:r>
+            <a:r>
+              <a:rPr lang="en-US" dirty="0" smtClean="0"/>
+              <a:t>);</a:t>
+            </a:r>
+          </a:p>
+          <a:p>
+            <a:pPr marL="0" indent="0">
+              <a:buNone/>
+            </a:pPr>
+            <a:r>
+              <a:rPr lang="en-US" dirty="0"/>
+              <a:t> </a:t>
+            </a:r>
+            <a:r>
+              <a:rPr lang="en-US" dirty="0" smtClean="0"/>
+              <a:t>     </a:t>
+            </a:r>
+            <a:r>
+              <a:rPr lang="en-US" b="1" dirty="0" smtClean="0"/>
+              <a:t>if</a:t>
+            </a:r>
+            <a:r>
+              <a:rPr lang="en-US" dirty="0" smtClean="0"/>
+              <a:t> (</a:t>
+            </a:r>
+            <a:r>
+              <a:rPr lang="en-US" dirty="0" err="1" smtClean="0"/>
+              <a:t>thisIndex</a:t>
+            </a:r>
+            <a:r>
+              <a:rPr lang="en-US" dirty="0" smtClean="0"/>
+              <a:t> == </a:t>
+            </a:r>
+            <a:r>
+              <a:rPr lang="en-US" dirty="0" err="1" smtClean="0"/>
+              <a:t>arraySize</a:t>
+            </a:r>
+            <a:r>
+              <a:rPr lang="en-US" dirty="0" smtClean="0"/>
+              <a:t> – 1) </a:t>
+            </a:r>
+            <a:r>
+              <a:rPr lang="en-US" dirty="0" err="1" smtClean="0"/>
+              <a:t>CkExit</a:t>
+            </a:r>
+            <a:r>
+              <a:rPr lang="en-US" dirty="0" smtClean="0"/>
               <a:t>();</a:t>
             </a:r>
           </a:p>
@@ -14499,6 +14885,51 @@
             </a:r>
             <a:r>
               <a:rPr lang="en-US" dirty="0" smtClean="0"/>
+              <a:t>     </a:t>
+            </a:r>
+            <a:r>
+              <a:rPr lang="en-US" b="1" dirty="0" smtClean="0"/>
+              <a:t>else</a:t>
+            </a:r>
+            <a:r>
+              <a:rPr lang="en-US" dirty="0" smtClean="0"/>
+              <a:t> </a:t>
+            </a:r>
+            <a:r>
+              <a:rPr lang="en-US" dirty="0" err="1" smtClean="0"/>
+              <a:t>thisProxy</a:t>
+            </a:r>
+            <a:r>
+              <a:rPr lang="en-US" dirty="0" smtClean="0"/>
+              <a:t>[</a:t>
+            </a:r>
+            <a:r>
+              <a:rPr lang="en-US" dirty="0" err="1" smtClean="0"/>
+              <a:t>thisIndex</a:t>
+            </a:r>
+            <a:r>
+              <a:rPr lang="en-US" dirty="0" smtClean="0"/>
+              <a:t> + 1].</a:t>
+            </a:r>
+            <a:r>
+              <a:rPr lang="en-US" dirty="0" err="1" smtClean="0"/>
+              <a:t>printHello</a:t>
+            </a:r>
+            <a:r>
+              <a:rPr lang="en-US" dirty="0" smtClean="0"/>
+              <a:t>();</a:t>
+            </a:r>
+          </a:p>
+          <a:p>
+            <a:pPr marL="0" indent="0">
+              <a:buNone/>
+            </a:pPr>
+            <a:r>
+              <a:rPr lang="en-US" dirty="0"/>
+              <a:t> </a:t>
+            </a:r>
+            <a:r>
+              <a:rPr lang="en-US" dirty="0" smtClean="0"/>
               <a:t>  }</a:t>
             </a:r>
           </a:p>
@@ -14507,52 +14938,33 @@
               <a:buNone/>
             </a:pPr>
             <a:r>
-              <a:rPr lang="en-US" dirty="0" smtClean="0"/>
-              <a:t>};</a:t>
-            </a:r>
-          </a:p>
-          <a:p>
-            <a:pPr marL="0" indent="0">
-              <a:buNone/>
-            </a:pPr>
-            <a:endParaRPr lang="en-US" dirty="0"/>
-          </a:p>
-          <a:p>
-            <a:pPr marL="0" indent="0">
-              <a:buNone/>
-            </a:pPr>
-            <a:r>
-              <a:rPr lang="en-US" b="1" dirty="0" err="1" smtClean="0"/>
-              <a:t>struct</a:t>
-            </a:r>
-            <a:r>
-              <a:rPr lang="en-US" dirty="0" smtClean="0"/>
-              <a:t> hello : </a:t>
-            </a:r>
-            <a:r>
-              <a:rPr lang="en-US" dirty="0" err="1" smtClean="0"/>
-              <a:t>CBase_hello</a:t>
-            </a:r>
-            <a:r>
-              <a:rPr lang="en-US" dirty="0" smtClean="0"/>
-              <a:t> {</a:t>
-            </a:r>
-          </a:p>
-          <a:p>
-            <a:pPr marL="0" indent="0">
-              <a:buNone/>
-            </a:pPr>
-            <a:r>
-              <a:rPr lang="en-US" b="1" dirty="0"/>
+              <a:rPr lang="en-US" dirty="0"/>
               <a:t> </a:t>
             </a:r>
             <a:r>
+              <a:rPr lang="en-US" dirty="0" smtClean="0"/>
+              <a:t>  </a:t>
+            </a:r>
+            <a:r>
               <a:rPr lang="en-US" b="1" dirty="0" smtClean="0"/>
+              <a:t>private</a:t>
+            </a:r>
+            <a:r>
+              <a:rPr lang="en-US" dirty="0" smtClean="0"/>
+              <a:t>:</a:t>
+            </a:r>
+          </a:p>
+          <a:p>
+            <a:pPr marL="0" indent="0">
+              <a:buNone/>
+            </a:pPr>
+            <a:r>
+              <a:rPr lang="en-US" dirty="0"/>
+              <a:t> </a:t>
+            </a:r>
+            <a:r>
+              <a:rPr lang="en-US" dirty="0" smtClean="0"/>
               <a:t>  </a:t>
-            </a:r>
-            <a:r>
-              <a:rPr lang="en-US" dirty="0" smtClean="0"/>
-              <a:t>hello(</a:t>
             </a:r>
             <a:r>
               <a:rPr lang="en-US" b="1" dirty="0" err="1" smtClean="0"/>
@@ -14560,7 +14972,7 @@
             </a:r>
             <a:r>
               <a:rPr lang="en-US" dirty="0" smtClean="0"/>
-              <a:t> n) : </a:t>
+              <a:t> </a:t>
             </a:r>
             <a:r>
               <a:rPr lang="en-US" dirty="0" err="1" smtClean="0"/>
@@ -14568,238 +14980,6 @@
             </a:r>
             <a:r>
               <a:rPr lang="en-US" dirty="0" smtClean="0"/>
-              <a:t>(n) { }</a:t>
-            </a:r>
-          </a:p>
-          <a:p>
-            <a:pPr marL="0" indent="0">
-              <a:buNone/>
-            </a:pPr>
-            <a:r>
-              <a:rPr lang="en-US" dirty="0"/>
-              <a:t> </a:t>
-            </a:r>
-            <a:r>
-              <a:rPr lang="en-US" dirty="0" smtClean="0"/>
-              <a:t>  hello(</a:t>
-            </a:r>
-            <a:r>
-              <a:rPr lang="en-US" dirty="0" err="1" smtClean="0"/>
-              <a:t>CkMigrateMessage</a:t>
-            </a:r>
-            <a:r>
-              <a:rPr lang="en-US" dirty="0" smtClean="0"/>
-              <a:t>*) { }</a:t>
-            </a:r>
-          </a:p>
-          <a:p>
-            <a:pPr marL="0" indent="0">
-              <a:buNone/>
-            </a:pPr>
-            <a:r>
-              <a:rPr lang="en-US" dirty="0"/>
-              <a:t> </a:t>
-            </a:r>
-            <a:r>
-              <a:rPr lang="en-US" dirty="0" smtClean="0"/>
-              <a:t>  </a:t>
-            </a:r>
-            <a:r>
-              <a:rPr lang="en-US" b="1" dirty="0" smtClean="0"/>
-              <a:t>void</a:t>
-            </a:r>
-            <a:r>
-              <a:rPr lang="en-US" dirty="0" smtClean="0"/>
-              <a:t> </a:t>
-            </a:r>
-            <a:r>
-              <a:rPr lang="en-US" dirty="0" err="1" smtClean="0"/>
-              <a:t>printHello</a:t>
-            </a:r>
-            <a:r>
-              <a:rPr lang="en-US" dirty="0" smtClean="0"/>
-              <a:t>() {</a:t>
-            </a:r>
-          </a:p>
-          <a:p>
-            <a:pPr marL="0" indent="0">
-              <a:buNone/>
-            </a:pPr>
-            <a:r>
-              <a:rPr lang="en-US" dirty="0"/>
-              <a:t> </a:t>
-            </a:r>
-            <a:r>
-              <a:rPr lang="en-US" dirty="0" smtClean="0"/>
-              <a:t>     </a:t>
-            </a:r>
-            <a:r>
-              <a:rPr lang="en-US" dirty="0" err="1" smtClean="0"/>
-              <a:t>CkPrintf</a:t>
-            </a:r>
-            <a:r>
-              <a:rPr lang="en-US" dirty="0" smtClean="0"/>
-              <a:t>(“PE[%d]: hello from p[%d]\n”, CkMyPe90, </a:t>
-            </a:r>
-            <a:r>
-              <a:rPr lang="en-US" dirty="0" err="1" smtClean="0"/>
-              <a:t>thisIndex</a:t>
-            </a:r>
-            <a:r>
-              <a:rPr lang="en-US" dirty="0" smtClean="0"/>
-              <a:t>);</a:t>
-            </a:r>
-          </a:p>
-          <a:p>
-            <a:pPr marL="0" indent="0">
-              <a:buNone/>
-            </a:pPr>
-            <a:r>
-              <a:rPr lang="en-US" dirty="0"/>
-              <a:t> </a:t>
-            </a:r>
-            <a:r>
-              <a:rPr lang="en-US" dirty="0" smtClean="0"/>
-              <a:t>     </a:t>
-            </a:r>
-            <a:r>
-              <a:rPr lang="en-US" b="1" dirty="0" smtClean="0"/>
-              <a:t>if</a:t>
-            </a:r>
-            <a:r>
-              <a:rPr lang="en-US" dirty="0" smtClean="0"/>
-              <a:t> (</a:t>
-            </a:r>
-            <a:r>
-              <a:rPr lang="en-US" dirty="0" err="1" smtClean="0"/>
-              <a:t>thisIndex</a:t>
-            </a:r>
-            <a:r>
-              <a:rPr lang="en-US" dirty="0" smtClean="0"/>
-              <a:t> == </a:t>
-            </a:r>
-            <a:r>
-              <a:rPr lang="en-US" dirty="0" err="1" smtClean="0"/>
-              <a:t>arraySize</a:t>
-            </a:r>
-            <a:r>
-              <a:rPr lang="en-US" dirty="0" smtClean="0"/>
-              <a:t> – 1) </a:t>
-            </a:r>
-            <a:r>
-              <a:rPr lang="en-US" dirty="0" err="1" smtClean="0"/>
-              <a:t>CkExit</a:t>
-            </a:r>
-            <a:r>
-              <a:rPr lang="en-US" dirty="0" smtClean="0"/>
-              <a:t>();</a:t>
-            </a:r>
-          </a:p>
-          <a:p>
-            <a:pPr marL="0" indent="0">
-              <a:buNone/>
-            </a:pPr>
-            <a:r>
-              <a:rPr lang="en-US" dirty="0"/>
-              <a:t> </a:t>
-            </a:r>
-            <a:r>
-              <a:rPr lang="en-US" dirty="0" smtClean="0"/>
-              <a:t>     </a:t>
-            </a:r>
-            <a:r>
-              <a:rPr lang="en-US" b="1" dirty="0" smtClean="0"/>
-              <a:t>else</a:t>
-            </a:r>
-            <a:r>
-              <a:rPr lang="en-US" dirty="0" smtClean="0"/>
-              <a:t> </a:t>
-            </a:r>
-            <a:r>
-              <a:rPr lang="en-US" dirty="0" err="1" smtClean="0"/>
-              <a:t>thisProxy</a:t>
-            </a:r>
-            <a:r>
-              <a:rPr lang="en-US" dirty="0" smtClean="0"/>
-              <a:t>[</a:t>
-            </a:r>
-            <a:r>
-              <a:rPr lang="en-US" dirty="0" err="1" smtClean="0"/>
-              <a:t>thisIndex</a:t>
-            </a:r>
-            <a:r>
-              <a:rPr lang="en-US" dirty="0" smtClean="0"/>
-              <a:t> + 1].</a:t>
-            </a:r>
-            <a:r>
-              <a:rPr lang="en-US" dirty="0" err="1" smtClean="0"/>
-              <a:t>printHello</a:t>
-            </a:r>
-            <a:r>
-              <a:rPr lang="en-US" dirty="0" smtClean="0"/>
-              <a:t>();</a:t>
-            </a:r>
-          </a:p>
-          <a:p>
-            <a:pPr marL="0" indent="0">
-              <a:buNone/>
-            </a:pPr>
-            <a:r>
-              <a:rPr lang="en-US" dirty="0"/>
-              <a:t> </a:t>
-            </a:r>
-            <a:r>
-              <a:rPr lang="en-US" dirty="0" smtClean="0"/>
-              <a:t>  }</a:t>
-            </a:r>
-          </a:p>
-          <a:p>
-            <a:pPr marL="0" indent="0">
-              <a:buNone/>
-            </a:pPr>
-            <a:r>
-              <a:rPr lang="en-US" dirty="0"/>
-              <a:t> </a:t>
-            </a:r>
-            <a:r>
-              <a:rPr lang="en-US" dirty="0" smtClean="0"/>
-              <a:t>  </a:t>
-            </a:r>
-            <a:r>
-              <a:rPr lang="en-US" b="1" dirty="0" smtClean="0"/>
-              <a:t>private</a:t>
-            </a:r>
-            <a:r>
-              <a:rPr lang="en-US" dirty="0" smtClean="0"/>
-              <a:t>:</a:t>
-            </a:r>
-          </a:p>
-          <a:p>
-            <a:pPr marL="0" indent="0">
-              <a:buNone/>
-            </a:pPr>
-            <a:r>
-              <a:rPr lang="en-US" dirty="0"/>
-              <a:t> </a:t>
-            </a:r>
-            <a:r>
-              <a:rPr lang="en-US" dirty="0" smtClean="0"/>
-              <a:t>  </a:t>
-            </a:r>
-            <a:r>
-              <a:rPr lang="en-US" b="1" dirty="0" err="1" smtClean="0"/>
-              <a:t>int</a:t>
-            </a:r>
-            <a:r>
-              <a:rPr lang="en-US" dirty="0" smtClean="0"/>
-              <a:t> </a:t>
-            </a:r>
-            <a:r>
-              <a:rPr lang="en-US" dirty="0" err="1" smtClean="0"/>
-              <a:t>arraySize</a:t>
-            </a:r>
-            <a:r>
-              <a:rPr lang="en-US" dirty="0" smtClean="0"/>
               <a:t>;</a:t>
             </a:r>
           </a:p>
@@ -14859,7 +15039,7 @@
           <a:p>
             <a:fld id="{34621E95-60A9-FF44-9869-513D9D7A859F}" type="datetime2">
               <a:rPr lang="en-US" smtClean="0"/>
-              <a:t>Monday, September 8, 14</a:t>
+              <a:t>Tuesday, September 9, 14</a:t>
             </a:fld>
             <a:endParaRPr lang="en-US"/>
           </a:p>
@@ -15060,19 +15240,36 @@
           </a:xfrm>
         </p:spPr>
         <p:txBody>
-          <a:bodyPr/>
-          <a:lstStyle/>
-          <a:p>
-            <a:r>
-              <a:rPr lang="en-US" dirty="0" err="1">
+          <a:bodyPr>
+            <a:normAutofit/>
+          </a:bodyPr>
+          <a:lstStyle/>
+          <a:p>
+            <a:r>
+              <a:rPr lang="en-US" sz="2200" dirty="0" err="1">
                 <a:latin typeface="Consolas"/>
                 <a:cs typeface="Consolas"/>
               </a:rPr>
               <a:t>arrayHello</a:t>
             </a:r>
             <a:r>
-              <a:rPr lang="en-US" dirty="0"/>
-              <a:t> on BG/Q 16 Nodes, mode c16, 1024 elements (4 per process)</a:t>
+              <a:rPr lang="en-US" sz="2200" dirty="0"/>
+              <a:t> on BG/Q 16 Nodes, mode c16, 1024 </a:t>
+            </a:r>
+            <a:r>
+              <a:rPr lang="en-US" sz="2200" dirty="0" smtClean="0"/>
+              <a:t>elements</a:t>
+            </a:r>
+            <a:br>
+              <a:rPr lang="en-US" sz="2200" dirty="0" smtClean="0"/>
+            </a:br>
+            <a:r>
+              <a:rPr lang="en-US" sz="2200" dirty="0" smtClean="0"/>
+              <a:t>(</a:t>
+            </a:r>
+            <a:r>
+              <a:rPr lang="en-US" sz="2200" dirty="0"/>
+              <a:t>4 per process)</a:t>
             </a:r>
           </a:p>
         </p:txBody>
@@ -15094,7 +15291,7 @@
           <a:p>
             <a:fld id="{DF9B12D0-D6C3-584A-99EB-13FA193C843F}" type="datetime2">
               <a:rPr lang="en-US" smtClean="0"/>
-              <a:t>Monday, September 8, 14</a:t>
+              <a:t>Tuesday, September 9, 14</a:t>
             </a:fld>
             <a:endParaRPr lang="en-US" dirty="0"/>
           </a:p>
@@ -15258,13 +15455,45 @@
           <a:p>
             <a:r>
               <a:rPr lang="en-US" dirty="0"/>
-              <a:t>Applications can specify a mapping, or use simple runtime-provided</a:t>
-            </a:r>
-          </a:p>
-          <a:p>
-            <a:r>
-              <a:rPr lang="en-US" dirty="0"/>
-              <a:t>options (e.g. blocked, round-robin) Distribution can be static, or dynamic!</a:t>
+              <a:t>Applications can specify a </a:t>
+            </a:r>
+            <a:r>
+              <a:rPr lang="en-US" dirty="0" smtClean="0"/>
+              <a:t>mapping </a:t>
+            </a:r>
+            <a:r>
+              <a:rPr lang="en-US" dirty="0"/>
+              <a:t>or use simple runtime-</a:t>
+            </a:r>
+            <a:r>
+              <a:rPr lang="en-US" dirty="0" smtClean="0"/>
+              <a:t>provided options </a:t>
+            </a:r>
+            <a:r>
+              <a:rPr lang="en-US" dirty="0"/>
+              <a:t>(e.g. blocked, round-robin</a:t>
+            </a:r>
+            <a:r>
+              <a:rPr lang="en-US" dirty="0" smtClean="0"/>
+              <a:t>)</a:t>
+            </a:r>
+          </a:p>
+          <a:p>
+            <a:r>
+              <a:rPr lang="en-US" dirty="0" smtClean="0"/>
+              <a:t>Distribution </a:t>
+            </a:r>
+            <a:r>
+              <a:rPr lang="en-US" dirty="0"/>
+              <a:t>can be </a:t>
+            </a:r>
+            <a:r>
+              <a:rPr lang="en-US" dirty="0" smtClean="0"/>
+              <a:t>static </a:t>
+            </a:r>
+            <a:r>
+              <a:rPr lang="en-US" dirty="0"/>
+              <a:t>or dynamic!</a:t>
             </a:r>
           </a:p>
           <a:p>
@@ -15293,7 +15522,7 @@
           <a:p>
             <a:fld id="{34621E95-60A9-FF44-9869-513D9D7A859F}" type="datetime2">
               <a:rPr lang="en-US" smtClean="0"/>
-              <a:t>Monday, September 8, 14</a:t>
+              <a:t>Tuesday, September 9, 14</a:t>
             </a:fld>
             <a:endParaRPr lang="en-US"/>
           </a:p>
@@ -15453,7 +15682,7 @@
               <a:t>The module that contains the </a:t>
             </a:r>
             <a:r>
-              <a:rPr lang="en-US" dirty="0" err="1"/>
+              <a:rPr lang="en-US" i="1" dirty="0" err="1"/>
               <a:t>mainchare</a:t>
             </a:r>
             <a:r>
@@ -15523,7 +15752,7 @@
             <a:endParaRPr lang="en-US" dirty="0" smtClean="0"/>
           </a:p>
           <a:p>
-            <a:pPr marL="0" indent="0" algn="ctr">
+            <a:pPr marL="0" indent="0">
               <a:buNone/>
             </a:pPr>
             <a:r>
@@ -15645,7 +15874,7 @@
           <a:p>
             <a:fld id="{F3B8C30A-50DC-C949-89DD-4F9B44C5753D}" type="datetime2">
               <a:rPr lang="en-US" smtClean="0"/>
-              <a:t>Monday, September 8, 14</a:t>
+              <a:t>Tuesday, September 9, 14</a:t>
             </a:fld>
             <a:endParaRPr lang="en-US" dirty="0"/>
           </a:p>
@@ -15777,7 +16006,21 @@
           <a:p>
             <a:r>
               <a:rPr lang="en-US" dirty="0"/>
-              <a:t>Can develop and test logic in objects separately from their distribution Separation in time: make it work, then make it fast</a:t>
+              <a:t>Can develop and test logic in objects separately from their </a:t>
+            </a:r>
+            <a:r>
+              <a:rPr lang="en-US" dirty="0" smtClean="0"/>
+              <a:t>distribution</a:t>
+            </a:r>
+          </a:p>
+          <a:p>
+            <a:r>
+              <a:rPr lang="en-US" dirty="0" smtClean="0"/>
+              <a:t>Separation </a:t>
+            </a:r>
+            <a:r>
+              <a:rPr lang="en-US" dirty="0"/>
+              <a:t>in time: make it work, then make it fast</a:t>
             </a:r>
           </a:p>
           <a:p>
@@ -15845,7 +16088,7 @@
           <a:p>
             <a:fld id="{34621E95-60A9-FF44-9869-513D9D7A859F}" type="datetime2">
               <a:rPr lang="en-US" smtClean="0"/>
-              <a:t>Monday, September 8, 14</a:t>
+              <a:t>Tuesday, September 9, 14</a:t>
             </a:fld>
             <a:endParaRPr lang="en-US"/>
           </a:p>
@@ -15953,9 +16196,80 @@
           </a:p>
         </p:txBody>
       </p:sp>
+      <p:sp>
+        <p:nvSpPr>
+          <p:cNvPr id="4" name="Date Placeholder 3"/>
+          <p:cNvSpPr>
+            <a:spLocks noGrp="1"/>
+          </p:cNvSpPr>
+          <p:nvPr>
+            <p:ph type="dt" sz="half" idx="10"/>
+          </p:nvPr>
+        </p:nvSpPr>
+        <p:spPr/>
+        <p:txBody>
+          <a:bodyPr/>
+          <a:lstStyle/>
+          <a:p>
+            <a:fld id="{34621E95-60A9-FF44-9869-513D9D7A859F}" type="datetime2">
+              <a:rPr lang="en-US" smtClean="0"/>
+              <a:t>Tuesday, September 9, 14</a:t>
+            </a:fld>
+            <a:endParaRPr lang="en-US"/>
+          </a:p>
+        </p:txBody>
+      </p:sp>
+      <p:sp>
+        <p:nvSpPr>
+          <p:cNvPr id="5" name="Footer Placeholder 4"/>
+          <p:cNvSpPr>
+            <a:spLocks noGrp="1"/>
+          </p:cNvSpPr>
+          <p:nvPr>
+            <p:ph type="ftr" sz="quarter" idx="11"/>
+          </p:nvPr>
+        </p:nvSpPr>
+        <p:spPr/>
+        <p:txBody>
+          <a:bodyPr/>
+          <a:lstStyle/>
+          <a:p>
+            <a:pPr algn="r"/>
+            <a:r>
+              <a:rPr lang="en-US" smtClean="0"/>
+              <a:t>Sanjay Kalé and PPL (UIUC) – Parallel Migratable Objects </a:t>
+            </a:r>
+            <a:endParaRPr lang="en-US" dirty="0"/>
+          </a:p>
+        </p:txBody>
+      </p:sp>
+      <p:sp>
+        <p:nvSpPr>
+          <p:cNvPr id="6" name="Slide Number Placeholder 5"/>
+          <p:cNvSpPr>
+            <a:spLocks noGrp="1"/>
+          </p:cNvSpPr>
+          <p:nvPr>
+            <p:ph type="sldNum" sz="quarter" idx="12"/>
+          </p:nvPr>
+        </p:nvSpPr>
+        <p:spPr/>
+        <p:txBody>
+          <a:bodyPr/>
+          <a:lstStyle/>
+          <a:p>
+            <a:fld id="{0CFEC368-1D7A-4F81-ABF6-AE0E36BAF64C}" type="slidenum">
+              <a:rPr lang="en-US" smtClean="0"/>
+              <a:pPr/>
+              <a:t>31</a:t>
+            </a:fld>
+            <a:endParaRPr lang="en-US"/>
+          </a:p>
+        </p:txBody>
+      </p:sp>
       <p:pic>
         <p:nvPicPr>
-          <p:cNvPr id="7" name="Content Placeholder 6" descr="elements2.pdf"/>
+          <p:cNvPr id="8" name="Content Placeholder 7" descr="elements2.pdf"/>
           <p:cNvPicPr>
             <a:picLocks noGrp="1" noChangeAspect="1"/>
           </p:cNvPicPr>
@@ -15978,77 +16292,6 @@
         </p:blipFill>
         <p:spPr/>
       </p:pic>
-      <p:sp>
-        <p:nvSpPr>
-          <p:cNvPr id="4" name="Date Placeholder 3"/>
-          <p:cNvSpPr>
-            <a:spLocks noGrp="1"/>
-          </p:cNvSpPr>
-          <p:nvPr>
-            <p:ph type="dt" sz="half" idx="10"/>
-          </p:nvPr>
-        </p:nvSpPr>
-        <p:spPr/>
-        <p:txBody>
-          <a:bodyPr/>
-          <a:lstStyle/>
-          <a:p>
-            <a:fld id="{34621E95-60A9-FF44-9869-513D9D7A859F}" type="datetime2">
-              <a:rPr lang="en-US" smtClean="0"/>
-              <a:t>Monday, September 8, 14</a:t>
-            </a:fld>
-            <a:endParaRPr lang="en-US"/>
-          </a:p>
-        </p:txBody>
-      </p:sp>
-      <p:sp>
-        <p:nvSpPr>
-          <p:cNvPr id="5" name="Footer Placeholder 4"/>
-          <p:cNvSpPr>
-            <a:spLocks noGrp="1"/>
-          </p:cNvSpPr>
-          <p:nvPr>
-            <p:ph type="ftr" sz="quarter" idx="11"/>
-          </p:nvPr>
-        </p:nvSpPr>
-        <p:spPr/>
-        <p:txBody>
-          <a:bodyPr/>
-          <a:lstStyle/>
-          <a:p>
-            <a:pPr algn="r"/>
-            <a:r>
-              <a:rPr lang="en-US" smtClean="0"/>
-              <a:t>Sanjay Kalé and PPL (UIUC) – Parallel Migratable Objects </a:t>
-            </a:r>
-            <a:endParaRPr lang="en-US" dirty="0"/>
-          </a:p>
-        </p:txBody>
-      </p:sp>
-      <p:sp>
-        <p:nvSpPr>
-          <p:cNvPr id="6" name="Slide Number Placeholder 5"/>
-          <p:cNvSpPr>
-            <a:spLocks noGrp="1"/>
-          </p:cNvSpPr>
-          <p:nvPr>
-            <p:ph type="sldNum" sz="quarter" idx="12"/>
-          </p:nvPr>
-        </p:nvSpPr>
-        <p:spPr/>
-        <p:txBody>
-          <a:bodyPr/>
-          <a:lstStyle/>
-          <a:p>
-            <a:fld id="{0CFEC368-1D7A-4F81-ABF6-AE0E36BAF64C}" type="slidenum">
-              <a:rPr lang="en-US" smtClean="0"/>
-              <a:pPr/>
-              <a:t>31</a:t>
-            </a:fld>
-            <a:endParaRPr lang="en-US"/>
-          </a:p>
-        </p:txBody>
-      </p:sp>
     </p:spTree>
     <p:extLst>
       <p:ext uri="{BB962C8B-B14F-4D97-AF65-F5344CB8AC3E}">
@@ -16120,7 +16363,7 @@
           <a:p>
             <a:fld id="{BD5AFB16-13FE-DF4A-8CB7-09756A57B2EA}" type="datetime2">
               <a:rPr lang="en-US" smtClean="0"/>
-              <a:t>Monday, September 8, 14</a:t>
+              <a:t>Tuesday, September 9, 14</a:t>
             </a:fld>
             <a:endParaRPr lang="en-US" dirty="0"/>
           </a:p>
@@ -16344,7 +16587,7 @@
           <a:p>
             <a:fld id="{BD5AFB16-13FE-DF4A-8CB7-09756A57B2EA}" type="datetime2">
               <a:rPr lang="en-US" smtClean="0"/>
-              <a:t>Monday, September 8, 14</a:t>
+              <a:t>Tuesday, September 9, 14</a:t>
             </a:fld>
             <a:endParaRPr lang="en-US" dirty="0"/>
           </a:p>
@@ -16491,19 +16734,29 @@
           </a:ln>
         </p:spPr>
         <p:txBody>
-          <a:bodyPr/>
-          <a:lstStyle/>
-          <a:p>
-            <a:pPr marL="0" indent="0">
-              <a:buNone/>
-            </a:pPr>
-            <a:r>
-              <a:rPr lang="en-US" dirty="0" err="1"/>
+          <a:bodyPr>
+            <a:normAutofit fontScale="92500"/>
+          </a:bodyPr>
+          <a:lstStyle/>
+          <a:p>
+            <a:pPr marL="0" indent="0">
+              <a:buNone/>
+            </a:pPr>
+            <a:r>
+              <a:rPr lang="en-US" dirty="0" err="1" smtClean="0"/>
               <a:t>CProxy</a:t>
             </a:r>
             <a:r>
-              <a:rPr lang="en-US" dirty="0"/>
-              <a:t> Hello </a:t>
+              <a:rPr lang="en-US" dirty="0" err="1" smtClean="0"/>
+              <a:t>_</a:t>
+            </a:r>
+            <a:r>
+              <a:rPr lang="en-US" dirty="0" err="1" smtClean="0"/>
+              <a:t>Hello</a:t>
+            </a:r>
+            <a:r>
+              <a:rPr lang="en-US" dirty="0" smtClean="0"/>
+              <a:t> </a:t>
             </a:r>
             <a:r>
               <a:rPr lang="en-US" dirty="0" err="1"/>
@@ -16514,31 +16767,49 @@
               <a:t> = </a:t>
             </a:r>
             <a:r>
-              <a:rPr lang="en-US" dirty="0" err="1"/>
+              <a:rPr lang="en-US" dirty="0" err="1" smtClean="0"/>
               <a:t>CProxy</a:t>
             </a:r>
             <a:r>
-              <a:rPr lang="en-US" dirty="0"/>
-              <a:t> Hello::</a:t>
+              <a:rPr lang="en-US" dirty="0" err="1" smtClean="0"/>
+              <a:t>_</a:t>
+            </a:r>
+            <a:r>
+              <a:rPr lang="en-US" dirty="0" err="1" smtClean="0"/>
+              <a:t>Hello</a:t>
+            </a:r>
+            <a:r>
+              <a:rPr lang="en-US" dirty="0" smtClean="0"/>
+              <a:t>:</a:t>
+            </a:r>
+            <a:r>
+              <a:rPr lang="en-US" dirty="0"/>
+              <a:t>:</a:t>
             </a:r>
             <a:r>
               <a:rPr lang="en-US" dirty="0" err="1"/>
               <a:t>ckNew</a:t>
             </a:r>
             <a:r>
-              <a:rPr lang="en-US" dirty="0"/>
+              <a:rPr lang="en-US" dirty="0" smtClean="0"/>
               <a:t>(</a:t>
             </a:r>
             <a:r>
-              <a:rPr lang="en-US" dirty="0" err="1"/>
+              <a:rPr lang="en-US" dirty="0" err="1" smtClean="0"/>
               <a:t>helloArraySize</a:t>
             </a:r>
             <a:r>
               <a:rPr lang="en-US" dirty="0"/>
               <a:t>); </a:t>
             </a:r>
-            <a:r>
-              <a:rPr lang="en-US" dirty="0" err="1"/>
+            <a:endParaRPr lang="en-US" dirty="0" smtClean="0"/>
+          </a:p>
+          <a:p>
+            <a:pPr marL="0" indent="0">
+              <a:buNone/>
+            </a:pPr>
+            <a:r>
+              <a:rPr lang="en-US" dirty="0" err="1" smtClean="0"/>
               <a:t>helloArray.foo</a:t>
             </a:r>
             <a:r>
@@ -16608,18 +16879,20 @@
           </a:ln>
         </p:spPr>
         <p:txBody>
-          <a:bodyPr/>
-          <a:lstStyle/>
-          <a:p>
-            <a:pPr marL="0" indent="0">
-              <a:buNone/>
-            </a:pPr>
-            <a:r>
-              <a:rPr lang="en-US" dirty="0" err="1"/>
+          <a:bodyPr>
+            <a:normAutofit/>
+          </a:bodyPr>
+          <a:lstStyle/>
+          <a:p>
+            <a:pPr marL="0" indent="0">
+              <a:buNone/>
+            </a:pPr>
+            <a:r>
+              <a:rPr lang="en-US" sz="2200" dirty="0" err="1"/>
               <a:t>thisProxy.foo</a:t>
             </a:r>
             <a:r>
-              <a:rPr lang="en-US" dirty="0"/>
+              <a:rPr lang="en-US" sz="2200" dirty="0"/>
               <a:t>()</a:t>
             </a:r>
           </a:p>
@@ -17041,14 +17314,14 @@
               <a:buNone/>
             </a:pPr>
             <a:r>
-              <a:rPr lang="en-US" dirty="0" err="1" smtClean="0"/>
+              <a:rPr lang="en-US" sz="2200" dirty="0" err="1" smtClean="0"/>
               <a:t>p.foo</a:t>
             </a:r>
             <a:r>
-              <a:rPr lang="en-US" dirty="0" smtClean="0"/>
+              <a:rPr lang="en-US" sz="2200" dirty="0" smtClean="0"/>
               <a:t>()</a:t>
             </a:r>
-            <a:endParaRPr lang="en-US" dirty="0"/>
+            <a:endParaRPr lang="en-US" sz="2200" dirty="0"/>
           </a:p>
         </p:txBody>
       </p:sp>
@@ -17228,7 +17501,7 @@
           <a:p>
             <a:fld id="{34621E95-60A9-FF44-9869-513D9D7A859F}" type="datetime2">
               <a:rPr lang="en-US" smtClean="0"/>
-              <a:t>Monday, September 8, 14</a:t>
+              <a:t>Tuesday, September 9, 14</a:t>
             </a:fld>
             <a:endParaRPr lang="en-US"/>
           </a:p>
@@ -17595,7 +17868,7 @@
           <a:p>
             <a:fld id="{34621E95-60A9-FF44-9869-513D9D7A859F}" type="datetime2">
               <a:rPr lang="en-US" smtClean="0"/>
-              <a:t>Monday, September 8, 14</a:t>
+              <a:t>Tuesday, September 9, 14</a:t>
             </a:fld>
             <a:endParaRPr lang="en-US"/>
           </a:p>
@@ -17659,6 +17932,13 @@
   <p:clrMapOvr>
     <a:masterClrMapping/>
   </p:clrMapOvr>
+  <p:timing>
+    <p:tnLst>
+      <p:par>
+        <p:cTn xmlns:p14="http://schemas.microsoft.com/office/powerpoint/2010/main" id="1" dur="indefinite" restart="never" nodeType="tmRoot"/>
+      </p:par>
+    </p:tnLst>
+  </p:timing>
 </p:sld>
 </file>
 
@@ -17721,7 +18001,7 @@
           <a:p>
             <a:fld id="{BD5AFB16-13FE-DF4A-8CB7-09756A57B2EA}" type="datetime2">
               <a:rPr lang="en-US" smtClean="0"/>
-              <a:t>Monday, September 8, 14</a:t>
+              <a:t>Tuesday, September 9, 14</a:t>
             </a:fld>
             <a:endParaRPr lang="en-US" dirty="0"/>
           </a:p>
@@ -17809,570 +18089,605 @@
               <a:buNone/>
             </a:pPr>
             <a:r>
-              <a:rPr lang="en-US" sz="1050" b="1" dirty="0"/>
+              <a:rPr lang="en-US" sz="1100" b="1" dirty="0"/>
               <a:t>#include </a:t>
             </a:r>
             <a:r>
-              <a:rPr lang="en-US" sz="1050" dirty="0"/>
+              <a:rPr lang="en-US" sz="1100" dirty="0" smtClean="0"/>
+              <a:t>“</a:t>
+            </a:r>
+            <a:r>
+              <a:rPr lang="en-US" sz="1100" dirty="0" err="1" smtClean="0"/>
+              <a:t>reduction.decl.h</a:t>
+            </a:r>
+            <a:r>
+              <a:rPr lang="en-US" sz="1100" dirty="0"/>
+              <a:t>” </a:t>
+            </a:r>
+            <a:r>
+              <a:rPr lang="en-US" sz="1100" dirty="0"/>
+              <a:t/>
+            </a:r>
+            <a:br>
+              <a:rPr lang="en-US" sz="1100" dirty="0"/>
+            </a:br>
+            <a:endParaRPr lang="en-US" sz="1100" dirty="0"/>
+          </a:p>
+          <a:p>
+            <a:pPr marL="0" indent="0">
+              <a:buNone/>
+            </a:pPr>
+            <a:r>
+              <a:rPr lang="en-US" sz="1100" b="1" dirty="0" err="1" smtClean="0"/>
+              <a:t>const</a:t>
+            </a:r>
+            <a:r>
+              <a:rPr lang="en-US" sz="1100" b="1" dirty="0" smtClean="0"/>
+              <a:t> </a:t>
+            </a:r>
+            <a:r>
+              <a:rPr lang="en-US" sz="1100" b="1" dirty="0" err="1"/>
+              <a:t>int</a:t>
+            </a:r>
+            <a:r>
+              <a:rPr lang="en-US" sz="1100" b="1" dirty="0"/>
+              <a:t> </a:t>
+            </a:r>
+            <a:r>
+              <a:rPr lang="en-US" sz="1100" dirty="0" err="1"/>
+              <a:t>numElements</a:t>
+            </a:r>
+            <a:r>
+              <a:rPr lang="en-US" sz="1100" dirty="0"/>
+              <a:t> = 49; </a:t>
+            </a:r>
+            <a:r>
+              <a:rPr lang="en-US" sz="1100" dirty="0" smtClean="0"/>
+              <a:t/>
+            </a:r>
+            <a:br>
+              <a:rPr lang="en-US" sz="1100" dirty="0" smtClean="0"/>
+            </a:br>
+            <a:endParaRPr lang="en-US" sz="1100" dirty="0" smtClean="0"/>
+          </a:p>
+          <a:p>
+            <a:pPr marL="0" indent="0">
+              <a:buNone/>
+            </a:pPr>
+            <a:r>
+              <a:rPr lang="en-US" sz="1100" b="1" dirty="0" smtClean="0"/>
+              <a:t>class </a:t>
+            </a:r>
+            <a:r>
+              <a:rPr lang="en-US" sz="1100" dirty="0"/>
+              <a:t>Main : </a:t>
+            </a:r>
+            <a:r>
+              <a:rPr lang="en-US" sz="1100" b="1" dirty="0"/>
+              <a:t>public </a:t>
+            </a:r>
+            <a:r>
+              <a:rPr lang="en-US" sz="1100" dirty="0" err="1" smtClean="0"/>
+              <a:t>CBase</a:t>
+            </a:r>
+            <a:r>
+              <a:rPr lang="en-US" sz="1100" dirty="0" err="1" smtClean="0"/>
+              <a:t>_</a:t>
+            </a:r>
+            <a:r>
+              <a:rPr lang="en-US" sz="1100" dirty="0" err="1" smtClean="0"/>
+              <a:t>Main</a:t>
+            </a:r>
+            <a:r>
+              <a:rPr lang="en-US" sz="1100" dirty="0" smtClean="0"/>
+              <a:t> </a:t>
+            </a:r>
+            <a:r>
+              <a:rPr lang="en-US" sz="1100" dirty="0"/>
+              <a:t>{ </a:t>
+            </a:r>
+            <a:endParaRPr lang="en-US" sz="1100" dirty="0" smtClean="0"/>
+          </a:p>
+          <a:p>
+            <a:pPr marL="0" indent="0">
+              <a:buNone/>
+            </a:pPr>
+            <a:r>
+              <a:rPr lang="en-US" sz="1100" b="1" dirty="0" smtClean="0"/>
+              <a:t>public</a:t>
+            </a:r>
+            <a:r>
+              <a:rPr lang="en-US" sz="1100" dirty="0"/>
+              <a:t>: </a:t>
+            </a:r>
+          </a:p>
+          <a:p>
+            <a:pPr marL="0" indent="0">
+              <a:buNone/>
+            </a:pPr>
+            <a:r>
+              <a:rPr lang="en-US" sz="1100" dirty="0" smtClean="0"/>
+              <a:t>   Main</a:t>
+            </a:r>
+            <a:r>
+              <a:rPr lang="en-US" sz="1100" dirty="0"/>
+              <a:t>(</a:t>
+            </a:r>
+            <a:r>
+              <a:rPr lang="en-US" sz="1100" dirty="0" err="1"/>
+              <a:t>CkArgMsg</a:t>
+            </a:r>
+            <a:r>
+              <a:rPr lang="en-US" sz="1100" dirty="0"/>
+              <a:t>∗ </a:t>
+            </a:r>
+            <a:r>
+              <a:rPr lang="en-US" sz="1100" dirty="0" err="1"/>
+              <a:t>msg</a:t>
+            </a:r>
+            <a:r>
+              <a:rPr lang="en-US" sz="1100" dirty="0"/>
+              <a:t>) { </a:t>
+            </a:r>
+            <a:r>
+              <a:rPr lang="en-US" sz="1100" dirty="0" err="1" smtClean="0"/>
+              <a:t>CProxy</a:t>
+            </a:r>
+            <a:r>
+              <a:rPr lang="en-US" sz="1100" dirty="0" err="1" smtClean="0"/>
+              <a:t>_</a:t>
+            </a:r>
+            <a:r>
+              <a:rPr lang="en-US" sz="1100" dirty="0" err="1" smtClean="0"/>
+              <a:t>Elem</a:t>
+            </a:r>
+            <a:r>
+              <a:rPr lang="en-US" sz="1100" dirty="0"/>
+              <a:t>::</a:t>
+            </a:r>
+            <a:r>
+              <a:rPr lang="en-US" sz="1100" dirty="0" err="1"/>
+              <a:t>ckNew</a:t>
+            </a:r>
+            <a:r>
+              <a:rPr lang="en-US" sz="1100" dirty="0"/>
+              <a:t>(</a:t>
+            </a:r>
+            <a:r>
+              <a:rPr lang="en-US" sz="1100" dirty="0" err="1"/>
+              <a:t>thisProxy</a:t>
+            </a:r>
+            <a:r>
+              <a:rPr lang="en-US" sz="1100" dirty="0"/>
+              <a:t>, </a:t>
+            </a:r>
+            <a:r>
+              <a:rPr lang="en-US" sz="1100" dirty="0" err="1"/>
+              <a:t>numElements</a:t>
+            </a:r>
+            <a:r>
+              <a:rPr lang="en-US" sz="1100" dirty="0"/>
+              <a:t>); } </a:t>
+            </a:r>
+            <a:endParaRPr lang="en-US" sz="1100" dirty="0" smtClean="0"/>
+          </a:p>
+          <a:p>
+            <a:pPr marL="0" indent="0">
+              <a:buNone/>
+            </a:pPr>
+            <a:r>
+              <a:rPr lang="en-US" sz="1100" dirty="0"/>
+              <a:t> </a:t>
+            </a:r>
+            <a:r>
+              <a:rPr lang="en-US" sz="1100" dirty="0" smtClean="0"/>
+              <a:t>  </a:t>
+            </a:r>
+            <a:r>
+              <a:rPr lang="en-US" sz="1100" b="1" dirty="0" smtClean="0"/>
+              <a:t>void </a:t>
+            </a:r>
+            <a:r>
+              <a:rPr lang="en-US" sz="1100" dirty="0"/>
+              <a:t>done(</a:t>
+            </a:r>
+            <a:r>
+              <a:rPr lang="en-US" sz="1100" b="1" dirty="0" err="1"/>
+              <a:t>int</a:t>
+            </a:r>
+            <a:r>
+              <a:rPr lang="en-US" sz="1100" b="1" dirty="0"/>
+              <a:t> </a:t>
+            </a:r>
+            <a:r>
+              <a:rPr lang="en-US" sz="1100" dirty="0"/>
+              <a:t>value) { </a:t>
+            </a:r>
+            <a:endParaRPr lang="en-US" sz="1100" dirty="0" smtClean="0"/>
+          </a:p>
+          <a:p>
+            <a:pPr marL="0" indent="0">
+              <a:buNone/>
+            </a:pPr>
+            <a:r>
+              <a:rPr lang="en-US" sz="1100" dirty="0" smtClean="0"/>
+              <a:t>      </a:t>
+            </a:r>
+            <a:r>
+              <a:rPr lang="en-US" sz="1100" dirty="0" err="1" smtClean="0"/>
+              <a:t>CkAssert</a:t>
+            </a:r>
+            <a:r>
+              <a:rPr lang="en-US" sz="1100" dirty="0" smtClean="0"/>
+              <a:t>(value == </a:t>
+            </a:r>
+            <a:r>
+              <a:rPr lang="en-US" sz="1100" dirty="0" err="1" smtClean="0"/>
+              <a:t>numElements</a:t>
+            </a:r>
+            <a:r>
+              <a:rPr lang="en-US" sz="1100" dirty="0" smtClean="0"/>
+              <a:t> ∗ (</a:t>
+            </a:r>
+            <a:r>
+              <a:rPr lang="en-US" sz="1100" dirty="0" err="1" smtClean="0"/>
+              <a:t>numElements</a:t>
+            </a:r>
+            <a:r>
+              <a:rPr lang="en-US" sz="1100" dirty="0" smtClean="0"/>
+              <a:t> – 1) / 2); </a:t>
+            </a:r>
+          </a:p>
+          <a:p>
+            <a:pPr marL="0" indent="0">
+              <a:buNone/>
+            </a:pPr>
+            <a:r>
+              <a:rPr lang="en-US" sz="1100" dirty="0" smtClean="0"/>
+              <a:t>      </a:t>
+            </a:r>
+            <a:r>
+              <a:rPr lang="en-US" sz="1100" dirty="0" err="1" smtClean="0"/>
+              <a:t>CkPrintf</a:t>
+            </a:r>
+            <a:r>
+              <a:rPr lang="en-US" sz="1100" dirty="0"/>
+              <a:t>(”value: %d\n”, value);</a:t>
+            </a:r>
+            <a:br>
+              <a:rPr lang="en-US" sz="1100" dirty="0"/>
+            </a:br>
+            <a:r>
+              <a:rPr lang="en-US" sz="1100" dirty="0" smtClean="0"/>
+              <a:t>      </a:t>
+            </a:r>
+            <a:r>
+              <a:rPr lang="en-US" sz="1100" dirty="0" err="1" smtClean="0"/>
+              <a:t>CkExit</a:t>
+            </a:r>
+            <a:r>
+              <a:rPr lang="en-US" sz="1100" dirty="0"/>
+              <a:t>(); </a:t>
+            </a:r>
+            <a:endParaRPr lang="en-US" sz="1100" dirty="0" smtClean="0"/>
+          </a:p>
+          <a:p>
+            <a:pPr marL="0" indent="0">
+              <a:buNone/>
+            </a:pPr>
+            <a:r>
+              <a:rPr lang="en-US" sz="1100" dirty="0" smtClean="0"/>
+              <a:t>   }</a:t>
+            </a:r>
+          </a:p>
+          <a:p>
+            <a:pPr marL="0" indent="0">
+              <a:buNone/>
+            </a:pPr>
+            <a:r>
+              <a:rPr lang="en-US" sz="1100" dirty="0" smtClean="0"/>
+              <a:t>};</a:t>
+            </a:r>
+            <a:br>
+              <a:rPr lang="en-US" sz="1100" dirty="0" smtClean="0"/>
+            </a:br>
+            <a:r>
+              <a:rPr lang="en-US" sz="1100" dirty="0" smtClean="0"/>
+              <a:t> </a:t>
+            </a:r>
+            <a:endParaRPr lang="en-US" sz="1100" dirty="0"/>
+          </a:p>
+          <a:p>
+            <a:pPr marL="0" indent="0">
+              <a:buNone/>
+            </a:pPr>
+            <a:r>
+              <a:rPr lang="en-US" sz="1100" b="1" dirty="0"/>
+              <a:t>class </a:t>
+            </a:r>
+            <a:r>
+              <a:rPr lang="en-US" sz="1100" dirty="0"/>
+              <a:t>Elem : </a:t>
+            </a:r>
+            <a:r>
+              <a:rPr lang="en-US" sz="1100" b="1" dirty="0"/>
+              <a:t>public </a:t>
+            </a:r>
+            <a:r>
+              <a:rPr lang="en-US" sz="1100" dirty="0" err="1"/>
+              <a:t>CBase</a:t>
+            </a:r>
+            <a:r>
+              <a:rPr lang="en-US" sz="1100" dirty="0"/>
+              <a:t> Elem { </a:t>
+            </a:r>
+            <a:endParaRPr lang="en-US" sz="1100" dirty="0" smtClean="0"/>
+          </a:p>
+          <a:p>
+            <a:pPr marL="0" indent="0">
+              <a:buNone/>
+            </a:pPr>
+            <a:r>
+              <a:rPr lang="en-US" sz="1100" b="1" dirty="0" smtClean="0"/>
+              <a:t>public</a:t>
+            </a:r>
+            <a:r>
+              <a:rPr lang="en-US" sz="1100" dirty="0"/>
+              <a:t>: </a:t>
+            </a:r>
+          </a:p>
+          <a:p>
+            <a:pPr marL="0" indent="0">
+              <a:buNone/>
+            </a:pPr>
+            <a:r>
+              <a:rPr lang="en-US" sz="1100" dirty="0" smtClean="0"/>
+              <a:t>   Elem</a:t>
+            </a:r>
+            <a:r>
+              <a:rPr lang="en-US" sz="1100" dirty="0" smtClean="0"/>
+              <a:t>(</a:t>
+            </a:r>
+            <a:r>
+              <a:rPr lang="en-US" sz="1100" dirty="0" err="1" smtClean="0"/>
+              <a:t>CProxy</a:t>
+            </a:r>
+            <a:r>
+              <a:rPr lang="en-US" sz="1100" dirty="0" err="1" smtClean="0"/>
+              <a:t>_</a:t>
+            </a:r>
+            <a:r>
+              <a:rPr lang="en-US" sz="1100" dirty="0" err="1" smtClean="0"/>
+              <a:t>Main</a:t>
+            </a:r>
+            <a:r>
+              <a:rPr lang="en-US" sz="1100" dirty="0" smtClean="0"/>
+              <a:t> </a:t>
+            </a:r>
+            <a:r>
+              <a:rPr lang="en-US" sz="1100" dirty="0" err="1"/>
+              <a:t>mProxy</a:t>
+            </a:r>
+            <a:r>
+              <a:rPr lang="en-US" sz="1100" dirty="0"/>
+              <a:t>) </a:t>
+            </a:r>
+            <a:r>
+              <a:rPr lang="en-US" sz="1100" dirty="0" smtClean="0"/>
+              <a:t>{</a:t>
+            </a:r>
+            <a:br>
+              <a:rPr lang="en-US" sz="1100" dirty="0" smtClean="0"/>
+            </a:br>
+            <a:r>
+              <a:rPr lang="en-US" sz="1100" dirty="0" smtClean="0"/>
+              <a:t>      </a:t>
+            </a:r>
+            <a:r>
+              <a:rPr lang="en-US" sz="1100" b="1" dirty="0" err="1" smtClean="0"/>
+              <a:t>int</a:t>
+            </a:r>
+            <a:r>
+              <a:rPr lang="en-US" sz="1100" b="1" dirty="0" smtClean="0"/>
+              <a:t> </a:t>
+            </a:r>
+            <a:r>
+              <a:rPr lang="en-US" sz="1100" dirty="0" err="1"/>
+              <a:t>val</a:t>
+            </a:r>
+            <a:r>
+              <a:rPr lang="en-US" sz="1100" dirty="0"/>
+              <a:t> = </a:t>
+            </a:r>
+            <a:r>
+              <a:rPr lang="en-US" sz="1100" dirty="0" err="1"/>
+              <a:t>thisIndex</a:t>
+            </a:r>
+            <a:r>
+              <a:rPr lang="en-US" sz="1100" dirty="0"/>
+              <a:t>;</a:t>
+            </a:r>
+            <a:br>
+              <a:rPr lang="en-US" sz="1100" dirty="0"/>
+            </a:br>
+            <a:r>
+              <a:rPr lang="en-US" sz="1100" dirty="0" smtClean="0"/>
+              <a:t>      </a:t>
+            </a:r>
+            <a:r>
+              <a:rPr lang="en-US" sz="1100" dirty="0" err="1" smtClean="0"/>
+              <a:t>CkCallback</a:t>
+            </a:r>
+            <a:r>
+              <a:rPr lang="en-US" sz="1100" dirty="0" smtClean="0"/>
+              <a:t> </a:t>
+            </a:r>
+            <a:r>
+              <a:rPr lang="en-US" sz="1100" dirty="0" err="1"/>
+              <a:t>cb</a:t>
+            </a:r>
+            <a:r>
+              <a:rPr lang="en-US" sz="1100" dirty="0"/>
+              <a:t>(</a:t>
+            </a:r>
+            <a:r>
+              <a:rPr lang="en-US" sz="1100" dirty="0" err="1"/>
+              <a:t>CkReductionTarget</a:t>
+            </a:r>
+            <a:r>
+              <a:rPr lang="en-US" sz="1100" dirty="0"/>
+              <a:t>(Main, done), </a:t>
+            </a:r>
+            <a:r>
+              <a:rPr lang="en-US" sz="1100" dirty="0" err="1"/>
+              <a:t>mProxy</a:t>
+            </a:r>
+            <a:r>
+              <a:rPr lang="en-US" sz="1100" dirty="0"/>
+              <a:t>); </a:t>
+            </a:r>
+            <a:endParaRPr lang="en-US" sz="1100" dirty="0" smtClean="0"/>
+          </a:p>
+          <a:p>
+            <a:pPr marL="0" indent="0">
+              <a:buNone/>
+            </a:pPr>
+            <a:r>
+              <a:rPr lang="en-US" sz="1100" dirty="0"/>
+              <a:t> </a:t>
+            </a:r>
+            <a:r>
+              <a:rPr lang="en-US" sz="1100" dirty="0" smtClean="0"/>
+              <a:t>     contribute</a:t>
+            </a:r>
+            <a:r>
+              <a:rPr lang="en-US" sz="1100" dirty="0"/>
+              <a:t>(</a:t>
+            </a:r>
+            <a:r>
+              <a:rPr lang="en-US" sz="1100" dirty="0" err="1"/>
+              <a:t>sizeof</a:t>
+            </a:r>
+            <a:r>
+              <a:rPr lang="en-US" sz="1100" dirty="0"/>
+              <a:t>(</a:t>
+            </a:r>
+            <a:r>
+              <a:rPr lang="en-US" sz="1100" dirty="0" err="1"/>
+              <a:t>int</a:t>
+            </a:r>
+            <a:r>
+              <a:rPr lang="en-US" sz="1100" dirty="0"/>
+              <a:t>), &amp;</a:t>
+            </a:r>
+            <a:r>
+              <a:rPr lang="en-US" sz="1100" dirty="0" err="1"/>
+              <a:t>val</a:t>
+            </a:r>
+            <a:r>
+              <a:rPr lang="en-US" sz="1100" dirty="0"/>
+              <a:t>, </a:t>
+            </a:r>
+            <a:r>
+              <a:rPr lang="en-US" sz="1100" dirty="0" err="1"/>
+              <a:t>CkReduction</a:t>
+            </a:r>
+            <a:r>
+              <a:rPr lang="en-US" sz="1100" dirty="0"/>
+              <a:t>::</a:t>
+            </a:r>
+            <a:r>
+              <a:rPr lang="en-US" sz="1100" dirty="0" err="1" smtClean="0"/>
+              <a:t>sum_int</a:t>
+            </a:r>
+            <a:r>
+              <a:rPr lang="en-US" sz="1100" dirty="0"/>
+              <a:t>, </a:t>
+            </a:r>
+            <a:r>
+              <a:rPr lang="en-US" sz="1100" dirty="0" err="1"/>
+              <a:t>cb</a:t>
+            </a:r>
+            <a:r>
+              <a:rPr lang="en-US" sz="1100" dirty="0"/>
+              <a:t>); </a:t>
+            </a:r>
+            <a:endParaRPr lang="en-US" sz="1100" dirty="0" smtClean="0"/>
+          </a:p>
+          <a:p>
+            <a:pPr marL="0" indent="0">
+              <a:buNone/>
+            </a:pPr>
+            <a:r>
+              <a:rPr lang="en-US" sz="1100" dirty="0" smtClean="0"/>
+              <a:t>   } </a:t>
+            </a:r>
+          </a:p>
+          <a:p>
+            <a:pPr marL="0" indent="0">
+              <a:buNone/>
+            </a:pPr>
+            <a:r>
+              <a:rPr lang="en-US" sz="1100" dirty="0" smtClean="0"/>
+              <a:t>   </a:t>
+            </a:r>
+            <a:r>
+              <a:rPr lang="en-US" sz="1100" dirty="0" smtClean="0"/>
+              <a:t>Elem</a:t>
+            </a:r>
+            <a:r>
+              <a:rPr lang="en-US" sz="1100" dirty="0"/>
+              <a:t>(</a:t>
+            </a:r>
+            <a:r>
+              <a:rPr lang="en-US" sz="1100" dirty="0" err="1"/>
+              <a:t>CkMigrateMessage</a:t>
+            </a:r>
+            <a:r>
+              <a:rPr lang="en-US" sz="1100" dirty="0"/>
+              <a:t>∗) { } </a:t>
+            </a:r>
+            <a:endParaRPr lang="en-US" sz="1100" dirty="0" smtClean="0"/>
+          </a:p>
+          <a:p>
+            <a:pPr marL="0" indent="0">
+              <a:buNone/>
+            </a:pPr>
+            <a:r>
+              <a:rPr lang="en-US" sz="1100" dirty="0" smtClean="0"/>
+              <a:t>}</a:t>
+            </a:r>
+            <a:r>
+              <a:rPr lang="en-US" sz="1100" dirty="0"/>
+              <a:t>; </a:t>
+            </a:r>
+            <a:r>
+              <a:rPr lang="en-US" sz="1100" dirty="0"/>
+              <a:t/>
+            </a:r>
+            <a:br>
+              <a:rPr lang="en-US" sz="1100" dirty="0"/>
+            </a:br>
+            <a:endParaRPr lang="en-US" sz="1100" dirty="0"/>
+          </a:p>
+          <a:p>
+            <a:pPr marL="0" indent="0">
+              <a:buNone/>
+            </a:pPr>
+            <a:r>
+              <a:rPr lang="en-US" sz="1100" b="1" dirty="0"/>
+              <a:t>#include </a:t>
+            </a:r>
+            <a:r>
+              <a:rPr lang="en-US" sz="1100" dirty="0"/>
               <a:t>”</a:t>
             </a:r>
             <a:r>
-              <a:rPr lang="en-US" sz="1050" dirty="0" err="1"/>
-              <a:t>reduction.decl.h</a:t>
-            </a:r>
-            <a:r>
-              <a:rPr lang="en-US" sz="1050" dirty="0"/>
-              <a:t>” </a:t>
-            </a:r>
-            <a:endParaRPr lang="en-US" sz="1050" dirty="0" smtClean="0"/>
-          </a:p>
-          <a:p>
-            <a:pPr marL="0" indent="0">
-              <a:buNone/>
-            </a:pPr>
-            <a:endParaRPr lang="en-US" sz="1050" dirty="0"/>
-          </a:p>
-          <a:p>
-            <a:pPr marL="0" indent="0">
-              <a:buNone/>
-            </a:pPr>
-            <a:r>
-              <a:rPr lang="en-US" sz="1050" b="1" dirty="0" err="1" smtClean="0"/>
-              <a:t>const</a:t>
-            </a:r>
-            <a:r>
-              <a:rPr lang="en-US" sz="1050" b="1" dirty="0" smtClean="0"/>
-              <a:t> </a:t>
-            </a:r>
-            <a:r>
-              <a:rPr lang="en-US" sz="1050" b="1" dirty="0" err="1"/>
-              <a:t>int</a:t>
-            </a:r>
-            <a:r>
-              <a:rPr lang="en-US" sz="1050" b="1" dirty="0"/>
-              <a:t> </a:t>
-            </a:r>
-            <a:r>
-              <a:rPr lang="en-US" sz="1050" dirty="0" err="1"/>
-              <a:t>numElements</a:t>
-            </a:r>
-            <a:r>
-              <a:rPr lang="en-US" sz="1050" dirty="0"/>
-              <a:t> = 49; </a:t>
-            </a:r>
-          </a:p>
-          <a:p>
-            <a:pPr marL="0" indent="0">
-              <a:buNone/>
-            </a:pPr>
-            <a:endParaRPr lang="en-US" sz="1050" dirty="0" smtClean="0"/>
-          </a:p>
-          <a:p>
-            <a:pPr marL="0" indent="0">
-              <a:buNone/>
-            </a:pPr>
-            <a:r>
-              <a:rPr lang="en-US" sz="1050" b="1" dirty="0" smtClean="0"/>
-              <a:t>class </a:t>
-            </a:r>
-            <a:r>
-              <a:rPr lang="en-US" sz="1050" dirty="0"/>
-              <a:t>Main : </a:t>
-            </a:r>
-            <a:r>
-              <a:rPr lang="en-US" sz="1050" b="1" dirty="0"/>
-              <a:t>public </a:t>
-            </a:r>
-            <a:r>
-              <a:rPr lang="en-US" sz="1050" dirty="0" err="1"/>
-              <a:t>CBase</a:t>
-            </a:r>
-            <a:r>
-              <a:rPr lang="en-US" sz="1050" dirty="0"/>
-              <a:t> Main { </a:t>
-            </a:r>
-            <a:endParaRPr lang="en-US" sz="1050" dirty="0" smtClean="0"/>
-          </a:p>
-          <a:p>
-            <a:pPr marL="0" indent="0">
-              <a:buNone/>
-            </a:pPr>
-            <a:r>
-              <a:rPr lang="en-US" sz="1050" b="1" dirty="0" smtClean="0"/>
-              <a:t>public</a:t>
-            </a:r>
-            <a:r>
-              <a:rPr lang="en-US" sz="1050" dirty="0"/>
-              <a:t>: </a:t>
-            </a:r>
-          </a:p>
-          <a:p>
-            <a:pPr marL="0" indent="0">
-              <a:buNone/>
-            </a:pPr>
-            <a:r>
-              <a:rPr lang="en-US" sz="1050" dirty="0" smtClean="0"/>
-              <a:t>   Main</a:t>
-            </a:r>
-            <a:r>
-              <a:rPr lang="en-US" sz="1050" dirty="0"/>
-              <a:t>(</a:t>
-            </a:r>
-            <a:r>
-              <a:rPr lang="en-US" sz="1050" dirty="0" err="1"/>
-              <a:t>CkArgMsg</a:t>
-            </a:r>
-            <a:r>
-              <a:rPr lang="en-US" sz="1050" dirty="0"/>
-              <a:t>∗ </a:t>
-            </a:r>
-            <a:r>
-              <a:rPr lang="en-US" sz="1050" dirty="0" err="1"/>
-              <a:t>msg</a:t>
-            </a:r>
-            <a:r>
-              <a:rPr lang="en-US" sz="1050" dirty="0"/>
-              <a:t>) { </a:t>
-            </a:r>
-            <a:r>
-              <a:rPr lang="en-US" sz="1050" dirty="0" err="1"/>
-              <a:t>CProxy</a:t>
-            </a:r>
-            <a:r>
-              <a:rPr lang="en-US" sz="1050" dirty="0"/>
-              <a:t> Elem::</a:t>
-            </a:r>
-            <a:r>
-              <a:rPr lang="en-US" sz="1050" dirty="0" err="1"/>
-              <a:t>ckNew</a:t>
-            </a:r>
-            <a:r>
-              <a:rPr lang="en-US" sz="1050" dirty="0"/>
-              <a:t>(</a:t>
-            </a:r>
-            <a:r>
-              <a:rPr lang="en-US" sz="1050" dirty="0" err="1"/>
-              <a:t>thisProxy</a:t>
-            </a:r>
-            <a:r>
-              <a:rPr lang="en-US" sz="1050" dirty="0"/>
-              <a:t>, </a:t>
-            </a:r>
-            <a:r>
-              <a:rPr lang="en-US" sz="1050" dirty="0" err="1"/>
-              <a:t>numElements</a:t>
-            </a:r>
-            <a:r>
-              <a:rPr lang="en-US" sz="1050" dirty="0"/>
-              <a:t>); } </a:t>
-            </a:r>
-            <a:endParaRPr lang="en-US" sz="1050" dirty="0" smtClean="0"/>
-          </a:p>
-          <a:p>
-            <a:pPr marL="0" indent="0">
-              <a:buNone/>
-            </a:pPr>
-            <a:r>
-              <a:rPr lang="en-US" sz="1050" dirty="0"/>
-              <a:t> </a:t>
-            </a:r>
-            <a:r>
-              <a:rPr lang="en-US" sz="1050" dirty="0" smtClean="0"/>
-              <a:t>  </a:t>
-            </a:r>
-            <a:r>
-              <a:rPr lang="en-US" sz="1050" b="1" dirty="0" smtClean="0"/>
-              <a:t>void </a:t>
-            </a:r>
-            <a:r>
-              <a:rPr lang="en-US" sz="1050" dirty="0"/>
-              <a:t>done(</a:t>
-            </a:r>
-            <a:r>
-              <a:rPr lang="en-US" sz="1050" b="1" dirty="0" err="1"/>
-              <a:t>int</a:t>
-            </a:r>
-            <a:r>
-              <a:rPr lang="en-US" sz="1050" b="1" dirty="0"/>
-              <a:t> </a:t>
-            </a:r>
-            <a:r>
-              <a:rPr lang="en-US" sz="1050" dirty="0"/>
-              <a:t>value) { </a:t>
-            </a:r>
-          </a:p>
-          <a:p>
-            <a:pPr marL="0" indent="0">
-              <a:buNone/>
-            </a:pPr>
-            <a:r>
-              <a:rPr lang="en-US" sz="1050" dirty="0" smtClean="0"/>
-              <a:t>      </a:t>
-            </a:r>
-            <a:r>
-              <a:rPr lang="en-US" sz="1050" dirty="0" err="1" smtClean="0"/>
-              <a:t>CkAssert</a:t>
-            </a:r>
-            <a:r>
-              <a:rPr lang="en-US" sz="1050" dirty="0"/>
-              <a:t>(value == </a:t>
-            </a:r>
-            <a:r>
-              <a:rPr lang="en-US" sz="1050" dirty="0" err="1"/>
-              <a:t>numElements</a:t>
-            </a:r>
-            <a:r>
-              <a:rPr lang="en-US" sz="1050" dirty="0"/>
-              <a:t> ∗ (</a:t>
-            </a:r>
-            <a:r>
-              <a:rPr lang="en-US" sz="1050" dirty="0" err="1"/>
-              <a:t>numElements</a:t>
-            </a:r>
-            <a:r>
-              <a:rPr lang="en-US" sz="1050" dirty="0"/>
-              <a:t> 1) / 2); </a:t>
-            </a:r>
-            <a:endParaRPr lang="en-US" sz="1050" dirty="0" smtClean="0"/>
-          </a:p>
-          <a:p>
-            <a:pPr marL="0" indent="0">
-              <a:buNone/>
-            </a:pPr>
-            <a:r>
-              <a:rPr lang="en-US" sz="1050" dirty="0"/>
-              <a:t> </a:t>
-            </a:r>
-            <a:r>
-              <a:rPr lang="en-US" sz="1050" dirty="0" smtClean="0"/>
-              <a:t>     </a:t>
-            </a:r>
-            <a:r>
-              <a:rPr lang="en-US" sz="1050" dirty="0" err="1" smtClean="0"/>
-              <a:t>CkPrintf</a:t>
-            </a:r>
-            <a:r>
-              <a:rPr lang="en-US" sz="1050" dirty="0"/>
-              <a:t>(”value: %d\n”, value);</a:t>
-            </a:r>
-            <a:br>
-              <a:rPr lang="en-US" sz="1050" dirty="0"/>
-            </a:br>
-            <a:r>
-              <a:rPr lang="en-US" sz="1050" dirty="0" smtClean="0"/>
-              <a:t>      </a:t>
-            </a:r>
-            <a:r>
-              <a:rPr lang="en-US" sz="1050" dirty="0" err="1" smtClean="0"/>
-              <a:t>CkExit</a:t>
-            </a:r>
-            <a:r>
-              <a:rPr lang="en-US" sz="1050" dirty="0"/>
-              <a:t>(); </a:t>
-            </a:r>
-          </a:p>
-          <a:p>
-            <a:pPr marL="0" indent="0">
-              <a:buNone/>
-            </a:pPr>
-            <a:r>
-              <a:rPr lang="en-US" sz="1050" dirty="0" smtClean="0"/>
-              <a:t>   };</a:t>
-            </a:r>
-          </a:p>
-          <a:p>
-            <a:pPr marL="0" indent="0">
-              <a:buNone/>
-            </a:pPr>
-            <a:r>
-              <a:rPr lang="en-US" sz="1050" dirty="0" smtClean="0"/>
-              <a:t>};</a:t>
-            </a:r>
-          </a:p>
-          <a:p>
-            <a:pPr marL="0" indent="0">
-              <a:buNone/>
-            </a:pPr>
-            <a:r>
-              <a:rPr lang="en-US" sz="1050" dirty="0" smtClean="0"/>
-              <a:t> </a:t>
-            </a:r>
-            <a:endParaRPr lang="en-US" sz="1050" dirty="0"/>
-          </a:p>
-          <a:p>
-            <a:pPr marL="0" indent="0">
-              <a:buNone/>
-            </a:pPr>
-            <a:r>
-              <a:rPr lang="en-US" sz="1050" b="1" dirty="0"/>
-              <a:t>class </a:t>
-            </a:r>
-            <a:r>
-              <a:rPr lang="en-US" sz="1050" dirty="0"/>
-              <a:t>Elem : </a:t>
-            </a:r>
-            <a:r>
-              <a:rPr lang="en-US" sz="1050" b="1" dirty="0"/>
-              <a:t>public </a:t>
-            </a:r>
-            <a:r>
-              <a:rPr lang="en-US" sz="1050" dirty="0" err="1"/>
-              <a:t>CBase</a:t>
-            </a:r>
-            <a:r>
-              <a:rPr lang="en-US" sz="1050" dirty="0"/>
-              <a:t> Elem { </a:t>
-            </a:r>
-            <a:endParaRPr lang="en-US" sz="1050" dirty="0" smtClean="0"/>
-          </a:p>
-          <a:p>
-            <a:pPr marL="0" indent="0">
-              <a:buNone/>
-            </a:pPr>
-            <a:r>
-              <a:rPr lang="en-US" sz="1050" b="1" dirty="0" smtClean="0"/>
-              <a:t>public</a:t>
-            </a:r>
-            <a:r>
-              <a:rPr lang="en-US" sz="1050" dirty="0"/>
-              <a:t>: </a:t>
-            </a:r>
-          </a:p>
-          <a:p>
-            <a:pPr marL="0" indent="0">
-              <a:buNone/>
-            </a:pPr>
-            <a:r>
-              <a:rPr lang="en-US" sz="1050" dirty="0" smtClean="0"/>
-              <a:t>   Elem</a:t>
-            </a:r>
-            <a:r>
-              <a:rPr lang="en-US" sz="1050" dirty="0"/>
-              <a:t>(</a:t>
-            </a:r>
-            <a:r>
-              <a:rPr lang="en-US" sz="1050" dirty="0" err="1"/>
-              <a:t>CProxy</a:t>
-            </a:r>
-            <a:r>
-              <a:rPr lang="en-US" sz="1050" dirty="0"/>
-              <a:t> Main </a:t>
-            </a:r>
-            <a:r>
-              <a:rPr lang="en-US" sz="1050" dirty="0" err="1"/>
-              <a:t>mProxy</a:t>
-            </a:r>
-            <a:r>
-              <a:rPr lang="en-US" sz="1050" dirty="0"/>
-              <a:t>) {</a:t>
-            </a:r>
-            <a:br>
-              <a:rPr lang="en-US" sz="1050" dirty="0"/>
-            </a:br>
-            <a:r>
-              <a:rPr lang="en-US" sz="1050" dirty="0" smtClean="0"/>
-              <a:t>      </a:t>
-            </a:r>
-            <a:r>
-              <a:rPr lang="en-US" sz="1050" b="1" dirty="0" err="1" smtClean="0"/>
-              <a:t>int</a:t>
-            </a:r>
-            <a:r>
-              <a:rPr lang="en-US" sz="1050" b="1" dirty="0" smtClean="0"/>
-              <a:t> </a:t>
-            </a:r>
-            <a:r>
-              <a:rPr lang="en-US" sz="1050" dirty="0" err="1"/>
-              <a:t>val</a:t>
-            </a:r>
-            <a:r>
-              <a:rPr lang="en-US" sz="1050" dirty="0"/>
-              <a:t> = </a:t>
-            </a:r>
-            <a:r>
-              <a:rPr lang="en-US" sz="1050" dirty="0" err="1"/>
-              <a:t>thisIndex</a:t>
-            </a:r>
-            <a:r>
-              <a:rPr lang="en-US" sz="1050" dirty="0"/>
-              <a:t>;</a:t>
-            </a:r>
-            <a:br>
-              <a:rPr lang="en-US" sz="1050" dirty="0"/>
-            </a:br>
-            <a:r>
-              <a:rPr lang="en-US" sz="1050" dirty="0" smtClean="0"/>
-              <a:t>      </a:t>
-            </a:r>
-            <a:r>
-              <a:rPr lang="en-US" sz="1050" dirty="0" err="1" smtClean="0"/>
-              <a:t>CkCallback</a:t>
-            </a:r>
-            <a:r>
-              <a:rPr lang="en-US" sz="1050" dirty="0" smtClean="0"/>
-              <a:t> </a:t>
-            </a:r>
-            <a:r>
-              <a:rPr lang="en-US" sz="1050" dirty="0" err="1"/>
-              <a:t>cb</a:t>
-            </a:r>
-            <a:r>
-              <a:rPr lang="en-US" sz="1050" dirty="0"/>
-              <a:t>(</a:t>
-            </a:r>
-            <a:r>
-              <a:rPr lang="en-US" sz="1050" dirty="0" err="1"/>
-              <a:t>CkReductionTarget</a:t>
-            </a:r>
-            <a:r>
-              <a:rPr lang="en-US" sz="1050" dirty="0"/>
-              <a:t>(Main, done), </a:t>
-            </a:r>
-            <a:r>
-              <a:rPr lang="en-US" sz="1050" dirty="0" err="1"/>
-              <a:t>mProxy</a:t>
-            </a:r>
-            <a:r>
-              <a:rPr lang="en-US" sz="1050" dirty="0"/>
-              <a:t>); </a:t>
-            </a:r>
-            <a:endParaRPr lang="en-US" sz="1050" dirty="0" smtClean="0"/>
-          </a:p>
-          <a:p>
-            <a:pPr marL="0" indent="0">
-              <a:buNone/>
-            </a:pPr>
-            <a:r>
-              <a:rPr lang="en-US" sz="1050" dirty="0"/>
-              <a:t> </a:t>
-            </a:r>
-            <a:r>
-              <a:rPr lang="en-US" sz="1050" dirty="0" smtClean="0"/>
-              <a:t>     contribute</a:t>
-            </a:r>
-            <a:r>
-              <a:rPr lang="en-US" sz="1050" dirty="0"/>
-              <a:t>(</a:t>
-            </a:r>
-            <a:r>
-              <a:rPr lang="en-US" sz="1050" dirty="0" err="1"/>
-              <a:t>sizeof</a:t>
-            </a:r>
-            <a:r>
-              <a:rPr lang="en-US" sz="1050" dirty="0"/>
-              <a:t>(</a:t>
-            </a:r>
-            <a:r>
-              <a:rPr lang="en-US" sz="1050" dirty="0" err="1"/>
-              <a:t>int</a:t>
-            </a:r>
-            <a:r>
-              <a:rPr lang="en-US" sz="1050" dirty="0"/>
-              <a:t>), &amp;</a:t>
-            </a:r>
-            <a:r>
-              <a:rPr lang="en-US" sz="1050" dirty="0" err="1"/>
-              <a:t>val</a:t>
-            </a:r>
-            <a:r>
-              <a:rPr lang="en-US" sz="1050" dirty="0"/>
-              <a:t>, </a:t>
-            </a:r>
-            <a:r>
-              <a:rPr lang="en-US" sz="1050" dirty="0" err="1"/>
-              <a:t>CkReduction</a:t>
-            </a:r>
-            <a:r>
-              <a:rPr lang="en-US" sz="1050" dirty="0"/>
-              <a:t>::sum </a:t>
-            </a:r>
-            <a:r>
-              <a:rPr lang="en-US" sz="1050" dirty="0" err="1"/>
-              <a:t>int</a:t>
-            </a:r>
-            <a:r>
-              <a:rPr lang="en-US" sz="1050" dirty="0"/>
-              <a:t>, </a:t>
-            </a:r>
-            <a:r>
-              <a:rPr lang="en-US" sz="1050" dirty="0" err="1"/>
-              <a:t>cb</a:t>
-            </a:r>
-            <a:r>
-              <a:rPr lang="en-US" sz="1050" dirty="0"/>
-              <a:t>); </a:t>
-            </a:r>
-          </a:p>
-          <a:p>
-            <a:pPr marL="0" indent="0">
-              <a:buNone/>
-            </a:pPr>
-            <a:r>
-              <a:rPr lang="en-US" sz="1050" dirty="0" smtClean="0"/>
-              <a:t>   } </a:t>
-            </a:r>
-            <a:endParaRPr lang="en-US" sz="1050" dirty="0"/>
-          </a:p>
-          <a:p>
-            <a:pPr marL="0" indent="0">
-              <a:buNone/>
-            </a:pPr>
-            <a:r>
-              <a:rPr lang="en-US" sz="1050" dirty="0" smtClean="0"/>
-              <a:t>   Elem</a:t>
-            </a:r>
-            <a:r>
-              <a:rPr lang="en-US" sz="1050" dirty="0"/>
-              <a:t>(</a:t>
-            </a:r>
-            <a:r>
-              <a:rPr lang="en-US" sz="1050" dirty="0" err="1"/>
-              <a:t>CkMigrateMessage</a:t>
-            </a:r>
-            <a:r>
-              <a:rPr lang="en-US" sz="1050" dirty="0"/>
-              <a:t>∗) { } </a:t>
-            </a:r>
-            <a:endParaRPr lang="en-US" sz="1050" dirty="0" smtClean="0"/>
-          </a:p>
-          <a:p>
-            <a:pPr marL="0" indent="0">
-              <a:buNone/>
-            </a:pPr>
-            <a:r>
-              <a:rPr lang="en-US" sz="1050" dirty="0" smtClean="0"/>
-              <a:t>}</a:t>
-            </a:r>
-            <a:r>
-              <a:rPr lang="en-US" sz="1050" dirty="0"/>
-              <a:t>; </a:t>
-            </a:r>
-            <a:endParaRPr lang="en-US" sz="1050" dirty="0" smtClean="0"/>
-          </a:p>
-          <a:p>
-            <a:pPr marL="0" indent="0">
-              <a:buNone/>
-            </a:pPr>
-            <a:endParaRPr lang="en-US" sz="1050" dirty="0"/>
-          </a:p>
-          <a:p>
-            <a:pPr marL="0" indent="0">
-              <a:buNone/>
-            </a:pPr>
-            <a:r>
-              <a:rPr lang="en-US" sz="1050" b="1" dirty="0"/>
-              <a:t>#include </a:t>
-            </a:r>
-            <a:r>
-              <a:rPr lang="en-US" sz="1050" dirty="0"/>
-              <a:t>”</a:t>
-            </a:r>
-            <a:r>
-              <a:rPr lang="en-US" sz="1050" dirty="0" err="1"/>
+              <a:rPr lang="en-US" sz="1100" dirty="0" err="1"/>
               <a:t>reduction.def.h</a:t>
             </a:r>
             <a:r>
-              <a:rPr lang="en-US" sz="1050" dirty="0"/>
+              <a:rPr lang="en-US" sz="1100" dirty="0"/>
               <a:t>” </a:t>
             </a:r>
           </a:p>
@@ -18549,7 +18864,7 @@
         <p:spPr>
           <a:xfrm>
             <a:off x="457200" y="909978"/>
-            <a:ext cx="8229600" cy="2302918"/>
+            <a:ext cx="8229600" cy="2134988"/>
           </a:xfrm>
         </p:spPr>
         <p:txBody>
@@ -18586,7 +18901,15 @@
             </a:r>
             <a:r>
               <a:rPr lang="en-US" dirty="0"/>
-              <a:t> methods, which are asynchronous methods that may be invoked remotely</a:t>
+              <a:t> </a:t>
+            </a:r>
+            <a:r>
+              <a:rPr lang="en-US" i="1" dirty="0"/>
+              <a:t>methods</a:t>
+            </a:r>
+            <a:r>
+              <a:rPr lang="en-US" dirty="0"/>
+              <a:t>, which are asynchronous methods that may be invoked remotely</a:t>
             </a:r>
           </a:p>
           <a:p>
@@ -18637,7 +18960,7 @@
         </p:nvSpPr>
         <p:spPr>
           <a:xfrm>
-            <a:off x="457200" y="3212896"/>
+            <a:off x="457200" y="3062696"/>
             <a:ext cx="8229600" cy="493867"/>
           </a:xfrm>
         </p:spPr>
@@ -18668,7 +18991,7 @@
         </p:nvSpPr>
         <p:spPr>
           <a:xfrm>
-            <a:off x="457200" y="3706763"/>
+            <a:off x="457200" y="3556563"/>
             <a:ext cx="8229600" cy="1136650"/>
           </a:xfrm>
           <a:solidFill>
@@ -18746,7 +19069,7 @@
         </p:nvSpPr>
         <p:spPr>
           <a:xfrm>
-            <a:off x="457200" y="4868788"/>
+            <a:off x="457200" y="4718588"/>
             <a:ext cx="8229600" cy="556151"/>
           </a:xfrm>
         </p:spPr>
@@ -18775,7 +19098,7 @@
         </p:nvSpPr>
         <p:spPr>
           <a:xfrm>
-            <a:off x="457200" y="5367289"/>
+            <a:off x="457200" y="5217089"/>
             <a:ext cx="8229600" cy="1136650"/>
           </a:xfrm>
           <a:prstGeom prst="rect">
@@ -19049,7 +19372,7 @@
           <a:p>
             <a:fld id="{0022DBA2-41C4-FC42-AF15-6ACF50B9A47F}" type="datetime2">
               <a:rPr lang="en-US" smtClean="0"/>
-              <a:t>Monday, September 8, 14</a:t>
+              <a:t>Tuesday, September 9, 14</a:t>
             </a:fld>
             <a:endParaRPr lang="en-US" dirty="0"/>
           </a:p>
@@ -19374,7 +19697,7 @@
         </p:nvSpPr>
         <p:spPr>
           <a:xfrm>
-            <a:off x="457200" y="4790043"/>
+            <a:off x="457200" y="4548527"/>
             <a:ext cx="8229600" cy="1453380"/>
           </a:xfrm>
           <a:prstGeom prst="rect">
@@ -19668,7 +19991,7 @@
           <a:p>
             <a:fld id="{8EB608FE-6B5C-0942-BB2E-F88C771A47EB}" type="datetime2">
               <a:rPr lang="en-US" smtClean="0"/>
-              <a:t>Monday, September 8, 14</a:t>
+              <a:t>Tuesday, September 9, 14</a:t>
             </a:fld>
             <a:endParaRPr lang="en-US" dirty="0"/>
           </a:p>
@@ -19916,7 +20239,7 @@
           <a:p>
             <a:fld id="{6406B148-C837-5A4A-9177-E769F997E00D}" type="datetime2">
               <a:rPr lang="en-US" smtClean="0"/>
-              <a:t>Monday, September 8, 14</a:t>
+              <a:t>Tuesday, September 9, 14</a:t>
             </a:fld>
             <a:endParaRPr lang="en-US"/>
           </a:p>
@@ -20128,15 +20451,15 @@
               <a:buNone/>
             </a:pPr>
             <a:r>
-              <a:rPr lang="en-US" dirty="0" err="1"/>
+              <a:rPr lang="en-US" dirty="0" err="1" smtClean="0"/>
               <a:t>CProxy</a:t>
             </a:r>
             <a:r>
-              <a:rPr lang="en-US" dirty="0"/>
-              <a:t> </a:t>
-            </a:r>
-            <a:r>
-              <a:rPr lang="en-US" dirty="0" err="1"/>
+              <a:rPr lang="en-US" dirty="0" err="1" smtClean="0"/>
+              <a:t>_</a:t>
+            </a:r>
+            <a:r>
+              <a:rPr lang="en-US" dirty="0" err="1" smtClean="0"/>
               <a:t>MyChare</a:t>
             </a:r>
             <a:r>
@@ -20148,8 +20471,12 @@
               <a:t>ckNew</a:t>
             </a:r>
             <a:r>
-              <a:rPr lang="en-US" dirty="0"/>
-              <a:t>(... constructor arguments ...);</a:t>
+              <a:rPr lang="en-US" dirty="0" smtClean="0"/>
+              <a:t>(... constructor </a:t>
+            </a:r>
+            <a:r>
+              <a:rPr lang="en-US" dirty="0"/>
+              <a:t>arguments ...);</a:t>
             </a:r>
           </a:p>
         </p:txBody>
@@ -20176,7 +20503,15 @@
           <a:p>
             <a:r>
               <a:rPr lang="en-US" dirty="0"/>
-              <a:t>To communicate with this class in the future, a proxy to it must be </a:t>
+              <a:t>To communicate with this class in the future, a </a:t>
+            </a:r>
+            <a:r>
+              <a:rPr lang="en-US" i="1" dirty="0"/>
+              <a:t>proxy</a:t>
+            </a:r>
+            <a:r>
+              <a:rPr lang="en-US" dirty="0"/>
+              <a:t> to it must be </a:t>
             </a:r>
             <a:r>
               <a:rPr lang="en-US" dirty="0" smtClean="0"/>
@@ -20218,40 +20553,44 @@
               <a:buNone/>
             </a:pPr>
             <a:r>
-              <a:rPr lang="en-US" dirty="0" err="1"/>
-              <a:t>CProxy</a:t>
-            </a:r>
-            <a:r>
-              <a:rPr lang="en-US" dirty="0"/>
-              <a:t> </a:t>
-            </a:r>
-            <a:r>
-              <a:rPr lang="en-US" dirty="0" err="1"/>
-              <a:t>MyChare</a:t>
-            </a:r>
-            <a:r>
-              <a:rPr lang="en-US" dirty="0"/>
-              <a:t> proxy =</a:t>
-            </a:r>
-          </a:p>
-          <a:p>
-            <a:pPr marL="0" indent="0">
-              <a:buNone/>
-            </a:pPr>
-            <a:r>
-              <a:rPr lang="en-US" dirty="0" smtClean="0"/>
-              <a:t>   </a:t>
-            </a:r>
-            <a:r>
               <a:rPr lang="en-US" dirty="0" err="1" smtClean="0"/>
               <a:t>CProxy</a:t>
             </a:r>
             <a:r>
+              <a:rPr lang="en-US" dirty="0" err="1" smtClean="0"/>
+              <a:t>_</a:t>
+            </a:r>
+            <a:r>
+              <a:rPr lang="en-US" dirty="0" err="1" smtClean="0"/>
+              <a:t>MyChare</a:t>
+            </a:r>
+            <a:r>
               <a:rPr lang="en-US" dirty="0" smtClean="0"/>
               <a:t> </a:t>
             </a:r>
             <a:r>
-              <a:rPr lang="en-US" dirty="0" err="1"/>
+              <a:rPr lang="en-US" dirty="0"/>
+              <a:t>proxy =</a:t>
+            </a:r>
+          </a:p>
+          <a:p>
+            <a:pPr marL="0" indent="0">
+              <a:buNone/>
+            </a:pPr>
+            <a:r>
+              <a:rPr lang="en-US" dirty="0" smtClean="0"/>
+              <a:t>   </a:t>
+            </a:r>
+            <a:r>
+              <a:rPr lang="en-US" dirty="0" err="1" smtClean="0"/>
+              <a:t>CProxy</a:t>
+            </a:r>
+            <a:r>
+              <a:rPr lang="en-US" dirty="0" err="1" smtClean="0"/>
+              <a:t>_</a:t>
+            </a:r>
+            <a:r>
+              <a:rPr lang="en-US" dirty="0" err="1" smtClean="0"/>
               <a:t>MyChare</a:t>
             </a:r>
             <a:r>
@@ -20286,7 +20625,7 @@
           <a:p>
             <a:fld id="{06EAF201-C85D-6C40-92AB-9574263DA8D2}" type="datetime2">
               <a:rPr lang="en-US" smtClean="0"/>
-              <a:t>Monday, September 8, 14</a:t>
+              <a:t>Tuesday, September 9, 14</a:t>
             </a:fld>
             <a:endParaRPr lang="en-US" dirty="0"/>
           </a:p>
@@ -20587,15 +20926,31 @@
             </a:r>
             <a:r>
               <a:rPr lang="en-US" dirty="0"/>
-              <a:t>foobar2(</a:t>
-            </a:r>
-            <a:r>
-              <a:rPr lang="en-US" dirty="0" err="1"/>
+              <a:t>foobar2</a:t>
+            </a:r>
+            <a:r>
+              <a:rPr lang="en-US" dirty="0" smtClean="0"/>
+              <a:t>(</a:t>
+            </a:r>
+            <a:r>
+              <a:rPr lang="en-US" dirty="0" err="1" smtClean="0"/>
               <a:t>CProxy</a:t>
             </a:r>
             <a:r>
-              <a:rPr lang="en-US" dirty="0"/>
-              <a:t> Main main);</a:t>
+              <a:rPr lang="en-US" dirty="0" err="1" smtClean="0"/>
+              <a:t>_</a:t>
+            </a:r>
+            <a:r>
+              <a:rPr lang="en-US" dirty="0" err="1" smtClean="0"/>
+              <a:t>Main</a:t>
+            </a:r>
+            <a:r>
+              <a:rPr lang="en-US" dirty="0" smtClean="0"/>
+              <a:t> </a:t>
+            </a:r>
+            <a:r>
+              <a:rPr lang="en-US" dirty="0"/>
+              <a:t>main);</a:t>
             </a:r>
           </a:p>
         </p:txBody>
@@ -20838,15 +21193,31 @@
             </a:r>
             <a:r>
               <a:rPr lang="en-US" dirty="0"/>
-              <a:t>::foobar2(</a:t>
-            </a:r>
-            <a:r>
-              <a:rPr lang="en-US" dirty="0" err="1"/>
+              <a:t>::foobar2</a:t>
+            </a:r>
+            <a:r>
+              <a:rPr lang="en-US" dirty="0" smtClean="0"/>
+              <a:t>(</a:t>
+            </a:r>
+            <a:r>
+              <a:rPr lang="en-US" dirty="0" err="1" smtClean="0"/>
               <a:t>CProxy</a:t>
             </a:r>
             <a:r>
-              <a:rPr lang="en-US" dirty="0"/>
-              <a:t> Main main) { </a:t>
+              <a:rPr lang="en-US" dirty="0" err="1" smtClean="0"/>
+              <a:t>_</a:t>
+            </a:r>
+            <a:r>
+              <a:rPr lang="en-US" dirty="0" err="1" smtClean="0"/>
+              <a:t>Main</a:t>
+            </a:r>
+            <a:r>
+              <a:rPr lang="en-US" dirty="0" smtClean="0"/>
+              <a:t> </a:t>
+            </a:r>
+            <a:r>
+              <a:rPr lang="en-US" dirty="0"/>
+              <a:t>main) { </a:t>
             </a:r>
             <a:endParaRPr lang="en-US" dirty="0" smtClean="0"/>
           </a:p>
@@ -20904,7 +21275,7 @@
           <a:p>
             <a:fld id="{516CF2ED-A209-8241-96E4-43915ACF07C6}" type="datetime2">
               <a:rPr lang="en-US" smtClean="0"/>
-              <a:t>Monday, September 8, 14</a:t>
+              <a:t>Tuesday, September 9, 14</a:t>
             </a:fld>
             <a:endParaRPr lang="en-US" dirty="0"/>
           </a:p>
@@ -21118,7 +21489,7 @@
           <a:p>
             <a:fld id="{7888C7C0-37F0-2A45-A738-E90CF9448176}" type="datetime2">
               <a:rPr lang="en-US" smtClean="0"/>
-              <a:t>Monday, September 8, 14</a:t>
+              <a:t>Tuesday, September 9, 14</a:t>
             </a:fld>
             <a:endParaRPr lang="en-US"/>
           </a:p>

--- a/tutorial-04-charm_basics.pptx
+++ b/tutorial-04-charm_basics.pptx
@@ -236,7 +236,7 @@
           <a:p>
             <a:fld id="{775CE290-E0F5-444C-B849-A8F17CD4104C}" type="datetimeFigureOut">
               <a:rPr lang="en-US" smtClean="0"/>
-              <a:t>9/9/14</a:t>
+              <a:t>9/10/14</a:t>
             </a:fld>
             <a:endParaRPr lang="en-US" dirty="0"/>
           </a:p>
@@ -402,7 +402,7 @@
           <a:p>
             <a:fld id="{AD53A24C-4135-094C-957B-35852E7EDFA4}" type="datetimeFigureOut">
               <a:rPr lang="en-US" smtClean="0"/>
-              <a:t>9/9/14</a:t>
+              <a:t>9/10/14</a:t>
             </a:fld>
             <a:endParaRPr lang="en-US" dirty="0"/>
           </a:p>
@@ -863,7 +863,7 @@
           <a:p>
             <a:fld id="{B594EA25-E4F4-3746-A0BA-A11E27330E0F}" type="datetime2">
               <a:rPr lang="en-US" smtClean="0"/>
-              <a:t>Tuesday, September 9, 14</a:t>
+              <a:t>Wednesday, September 10, 14</a:t>
             </a:fld>
             <a:endParaRPr lang="en-US" dirty="0"/>
           </a:p>
@@ -1166,7 +1166,7 @@
                 <a:latin typeface="Times New Roman"/>
                 <a:cs typeface="Times New Roman"/>
               </a:rPr>
-              <a:t>September 9, 2014</a:t>
+              <a:t>September 10, 2014</a:t>
             </a:fld>
             <a:endParaRPr lang="en-US" dirty="0">
               <a:latin typeface="Times New Roman"/>
@@ -1440,7 +1440,7 @@
                 <a:latin typeface="Times New Roman"/>
                 <a:cs typeface="Times New Roman"/>
               </a:rPr>
-              <a:t>September 9, 2014</a:t>
+              <a:t>September 10, 2014</a:t>
             </a:fld>
             <a:endParaRPr lang="en-US" dirty="0">
               <a:latin typeface="Times New Roman"/>
@@ -1675,7 +1675,7 @@
           <a:p>
             <a:fld id="{EA699BF9-66CB-F244-8E74-7B1BE1C77046}" type="datetime2">
               <a:rPr lang="en-US" smtClean="0"/>
-              <a:t>Tuesday, September 9, 14</a:t>
+              <a:t>Wednesday, September 10, 14</a:t>
             </a:fld>
             <a:endParaRPr lang="en-US" dirty="0"/>
           </a:p>
@@ -1986,7 +1986,7 @@
           <a:p>
             <a:fld id="{D300BE84-9843-8B4F-B3C8-647B06AC46C9}" type="datetime2">
               <a:rPr lang="en-US" smtClean="0"/>
-              <a:t>Tuesday, September 9, 14</a:t>
+              <a:t>Wednesday, September 10, 14</a:t>
             </a:fld>
             <a:endParaRPr lang="en-US" dirty="0"/>
           </a:p>
@@ -2157,7 +2157,7 @@
           <a:p>
             <a:fld id="{C460AE39-2092-A945-8296-F25085B9A0F1}" type="datetime2">
               <a:rPr lang="en-US" smtClean="0"/>
-              <a:t>Tuesday, September 9, 14</a:t>
+              <a:t>Wednesday, September 10, 14</a:t>
             </a:fld>
             <a:endParaRPr lang="en-US" dirty="0"/>
           </a:p>
@@ -2338,7 +2338,7 @@
           <a:p>
             <a:fld id="{63BC7E9D-3218-5E49-A867-E087AB2F4618}" type="datetime2">
               <a:rPr lang="en-US" smtClean="0"/>
-              <a:t>Tuesday, September 9, 14</a:t>
+              <a:t>Wednesday, September 10, 14</a:t>
             </a:fld>
             <a:endParaRPr lang="en-US" dirty="0"/>
           </a:p>
@@ -2592,7 +2592,7 @@
           <a:p>
             <a:fld id="{B594EA25-E4F4-3746-A0BA-A11E27330E0F}" type="datetime2">
               <a:rPr lang="en-US" smtClean="0"/>
-              <a:t>Tuesday, September 9, 14</a:t>
+              <a:t>Wednesday, September 10, 14</a:t>
             </a:fld>
             <a:endParaRPr lang="en-US" dirty="0"/>
           </a:p>
@@ -2895,7 +2895,7 @@
                 <a:latin typeface="Times New Roman"/>
                 <a:cs typeface="Times New Roman"/>
               </a:rPr>
-              <a:t>September 9, 2014</a:t>
+              <a:t>September 10, 2014</a:t>
             </a:fld>
             <a:endParaRPr lang="en-US" dirty="0">
               <a:latin typeface="Times New Roman"/>
@@ -3021,7 +3021,7 @@
           <a:p>
             <a:fld id="{BD5AFB16-13FE-DF4A-8CB7-09756A57B2EA}" type="datetime2">
               <a:rPr lang="en-US" smtClean="0"/>
-              <a:t>Tuesday, September 9, 14</a:t>
+              <a:t>Wednesday, September 10, 14</a:t>
             </a:fld>
             <a:endParaRPr lang="en-US" dirty="0"/>
           </a:p>
@@ -3550,7 +3550,7 @@
           <a:p>
             <a:fld id="{30545249-FD76-6844-B252-CAB05FC2DAA8}" type="datetime2">
               <a:rPr lang="en-US" smtClean="0"/>
-              <a:t>Tuesday, September 9, 14</a:t>
+              <a:t>Wednesday, September 10, 14</a:t>
             </a:fld>
             <a:endParaRPr lang="en-US" dirty="0"/>
           </a:p>
@@ -3846,7 +3846,7 @@
           <a:p>
             <a:fld id="{34621E95-60A9-FF44-9869-513D9D7A859F}" type="datetime2">
               <a:rPr lang="en-US" smtClean="0"/>
-              <a:t>Tuesday, September 9, 14</a:t>
+              <a:t>Wednesday, September 10, 14</a:t>
             </a:fld>
             <a:endParaRPr lang="en-US" dirty="0"/>
           </a:p>
@@ -3965,7 +3965,7 @@
           <a:p>
             <a:fld id="{BD5AFB16-13FE-DF4A-8CB7-09756A57B2EA}" type="datetime2">
               <a:rPr lang="en-US" smtClean="0"/>
-              <a:t>Tuesday, September 9, 14</a:t>
+              <a:t>Wednesday, September 10, 14</a:t>
             </a:fld>
             <a:endParaRPr lang="en-US" dirty="0"/>
           </a:p>
@@ -4452,7 +4452,7 @@
           <a:p>
             <a:fld id="{1BDEC705-8EA9-6C46-8E3B-2CAC7E2C0F7D}" type="datetime2">
               <a:rPr lang="en-US" smtClean="0"/>
-              <a:t>Tuesday, September 9, 14</a:t>
+              <a:t>Wednesday, September 10, 14</a:t>
             </a:fld>
             <a:endParaRPr lang="en-US" dirty="0"/>
           </a:p>
@@ -4783,7 +4783,7 @@
           <a:p>
             <a:fld id="{BF613BD3-C5FD-9543-B738-679BF38D8C83}" type="datetime2">
               <a:rPr lang="en-US" smtClean="0"/>
-              <a:t>Tuesday, September 9, 14</a:t>
+              <a:t>Wednesday, September 10, 14</a:t>
             </a:fld>
             <a:endParaRPr lang="en-US" dirty="0"/>
           </a:p>
@@ -5262,7 +5262,7 @@
           <a:p>
             <a:fld id="{4B5E4F0C-9A9C-5448-99FD-D30288B385C9}" type="datetime2">
               <a:rPr lang="en-US" smtClean="0"/>
-              <a:t>Tuesday, September 9, 14</a:t>
+              <a:t>Wednesday, September 10, 14</a:t>
             </a:fld>
             <a:endParaRPr lang="en-US" dirty="0"/>
           </a:p>
@@ -5558,7 +5558,7 @@
           <a:p>
             <a:fld id="{30545249-FD76-6844-B252-CAB05FC2DAA8}" type="datetime2">
               <a:rPr lang="en-US" smtClean="0"/>
-              <a:t>Tuesday, September 9, 14</a:t>
+              <a:t>Wednesday, September 10, 14</a:t>
             </a:fld>
             <a:endParaRPr lang="en-US" dirty="0"/>
           </a:p>
@@ -5801,7 +5801,7 @@
           <a:p>
             <a:fld id="{CC859171-EEDD-0B48-A5C0-E7218AE20EA7}" type="datetime2">
               <a:rPr lang="en-US" smtClean="0"/>
-              <a:t>Tuesday, September 9, 14</a:t>
+              <a:t>Wednesday, September 10, 14</a:t>
             </a:fld>
             <a:endParaRPr lang="en-US" dirty="0"/>
           </a:p>
@@ -5897,7 +5897,7 @@
           <a:p>
             <a:fld id="{C32F9216-0342-7440-9504-BD6C1382BF27}" type="datetime2">
               <a:rPr lang="en-US" smtClean="0"/>
-              <a:t>Tuesday, September 9, 14</a:t>
+              <a:t>Wednesday, September 10, 14</a:t>
             </a:fld>
             <a:endParaRPr lang="en-US" dirty="0"/>
           </a:p>
@@ -6212,7 +6212,7 @@
           <a:p>
             <a:fld id="{D36DC8F2-AD63-E841-8C23-5DC3A41041BE}" type="datetime2">
               <a:rPr lang="en-US" smtClean="0"/>
-              <a:t>Tuesday, September 9, 14</a:t>
+              <a:t>Wednesday, September 10, 14</a:t>
             </a:fld>
             <a:endParaRPr lang="en-US" dirty="0"/>
           </a:p>
@@ -6884,7 +6884,7 @@
           <a:p>
             <a:fld id="{69D995C0-827B-264B-AC36-EDB36FEEB8B8}" type="datetime2">
               <a:rPr lang="en-US" smtClean="0"/>
-              <a:t>Tuesday, September 9, 14</a:t>
+              <a:t>Wednesday, September 10, 14</a:t>
             </a:fld>
             <a:endParaRPr lang="en-US" dirty="0"/>
           </a:p>
@@ -7413,7 +7413,7 @@
           <a:p>
             <a:fld id="{A57EBE08-69FE-AE47-994E-57F0205EB69A}" type="datetime2">
               <a:rPr lang="en-US" smtClean="0"/>
-              <a:t>Tuesday, September 9, 14</a:t>
+              <a:t>Wednesday, September 10, 14</a:t>
             </a:fld>
             <a:endParaRPr lang="en-US"/>
           </a:p>
@@ -8324,7 +8324,7 @@
           <a:p>
             <a:fld id="{AC498192-FB6A-8E44-9727-3F11A17B21C5}" type="datetime2">
               <a:rPr lang="en-US" smtClean="0"/>
-              <a:t>Tuesday, September 9, 14</a:t>
+              <a:t>Wednesday, September 10, 14</a:t>
             </a:fld>
             <a:endParaRPr lang="en-US"/>
           </a:p>
@@ -8449,7 +8449,7 @@
           <a:p>
             <a:fld id="{42189252-12D6-8D42-8554-44BFD68AD137}" type="datetime2">
               <a:rPr lang="en-US" smtClean="0"/>
-              <a:t>Tuesday, September 9, 14</a:t>
+              <a:t>Wednesday, September 10, 14</a:t>
             </a:fld>
             <a:endParaRPr lang="en-US" dirty="0"/>
           </a:p>
@@ -8825,7 +8825,7 @@
           <a:p>
             <a:fld id="{4D5A0571-F813-ED4B-A840-104584464B5D}" type="datetime2">
               <a:rPr lang="en-US" smtClean="0"/>
-              <a:t>Tuesday, September 9, 14</a:t>
+              <a:t>Wednesday, September 10, 14</a:t>
             </a:fld>
             <a:endParaRPr lang="en-US" dirty="0"/>
           </a:p>
@@ -9393,7 +9393,7 @@
           <a:p>
             <a:fld id="{05610B8E-8FA5-5249-B52C-2D0045AE7F6A}" type="datetime2">
               <a:rPr lang="en-US" smtClean="0"/>
-              <a:t>Tuesday, September 9, 14</a:t>
+              <a:t>Wednesday, September 10, 14</a:t>
             </a:fld>
             <a:endParaRPr lang="en-US" dirty="0"/>
           </a:p>
@@ -10757,7 +10757,7 @@
           <a:p>
             <a:fld id="{FC337630-96F4-C348-92D0-8BA579BE92D4}" type="datetime2">
               <a:rPr lang="en-US" smtClean="0"/>
-              <a:t>Tuesday, September 9, 14</a:t>
+              <a:t>Wednesday, September 10, 14</a:t>
             </a:fld>
             <a:endParaRPr lang="en-US"/>
           </a:p>
@@ -10882,7 +10882,7 @@
           <a:p>
             <a:fld id="{4F04D661-CDDA-EB4B-8920-0BA3B6EDE579}" type="datetime2">
               <a:rPr lang="en-US" smtClean="0"/>
-              <a:t>Tuesday, September 9, 14</a:t>
+              <a:t>Wednesday, September 10, 14</a:t>
             </a:fld>
             <a:endParaRPr lang="en-US" dirty="0"/>
           </a:p>
@@ -11955,7 +11955,7 @@
           <a:p>
             <a:fld id="{04A73616-8CBF-A340-ADE3-98C2EE1DC9BE}" type="datetime2">
               <a:rPr lang="en-US" smtClean="0"/>
-              <a:t>Tuesday, September 9, 14</a:t>
+              <a:t>Wednesday, September 10, 14</a:t>
             </a:fld>
             <a:endParaRPr lang="en-US" dirty="0"/>
           </a:p>
@@ -12544,7 +12544,7 @@
           <a:p>
             <a:fld id="{A6675D53-EC17-3240-AF13-D8433FB11D57}" type="datetime2">
               <a:rPr lang="en-US" smtClean="0"/>
-              <a:t>Tuesday, September 9, 14</a:t>
+              <a:t>Wednesday, September 10, 14</a:t>
             </a:fld>
             <a:endParaRPr lang="en-US"/>
           </a:p>
@@ -12748,7 +12748,7 @@
           <a:p>
             <a:fld id="{A8BCDAA8-6772-8F4F-9D43-34A061D97D69}" type="datetime2">
               <a:rPr lang="en-US" smtClean="0"/>
-              <a:t>Tuesday, September 9, 14</a:t>
+              <a:t>Wednesday, September 10, 14</a:t>
             </a:fld>
             <a:endParaRPr lang="en-US"/>
           </a:p>
@@ -13063,7 +13063,7 @@
           <a:p>
             <a:fld id="{94EAAAA5-D767-4C40-91CB-82448A62D926}" type="datetime2">
               <a:rPr lang="en-US" smtClean="0"/>
-              <a:t>Tuesday, September 9, 14</a:t>
+              <a:t>Wednesday, September 10, 14</a:t>
             </a:fld>
             <a:endParaRPr lang="en-US" dirty="0"/>
           </a:p>
@@ -13637,7 +13637,7 @@
           <a:p>
             <a:fld id="{46A26A7E-4EBE-6B4C-8020-5D4DC21EA2AC}" type="datetime2">
               <a:rPr lang="en-US" smtClean="0"/>
-              <a:t>Tuesday, September 9, 14</a:t>
+              <a:t>Wednesday, September 10, 14</a:t>
             </a:fld>
             <a:endParaRPr lang="en-US"/>
           </a:p>
@@ -14730,7 +14730,7 @@
           <a:p>
             <a:fld id="{B0DE7F91-8F6E-3346-8308-FA806A593B23}" type="datetime2">
               <a:rPr lang="en-US" smtClean="0"/>
-              <a:t>Tuesday, September 9, 14</a:t>
+              <a:t>Wednesday, September 10, 14</a:t>
             </a:fld>
             <a:endParaRPr lang="en-US"/>
           </a:p>
@@ -14855,7 +14855,7 @@
           <a:p>
             <a:fld id="{DF9B12D0-D6C3-584A-99EB-13FA193C843F}" type="datetime2">
               <a:rPr lang="en-US" smtClean="0"/>
-              <a:t>Tuesday, September 9, 14</a:t>
+              <a:t>Wednesday, September 10, 14</a:t>
             </a:fld>
             <a:endParaRPr lang="en-US" dirty="0"/>
           </a:p>
@@ -15125,7 +15125,7 @@
           <a:p>
             <a:fld id="{B67F7A0B-A97C-6941-B30D-536C43882AD6}" type="datetime2">
               <a:rPr lang="en-US" smtClean="0"/>
-              <a:t>Tuesday, September 9, 14</a:t>
+              <a:t>Wednesday, September 10, 14</a:t>
             </a:fld>
             <a:endParaRPr lang="en-US" dirty="0"/>
           </a:p>
@@ -15883,7 +15883,7 @@
           <a:p>
             <a:fld id="{E90B5A3E-A983-9844-9A00-7072B7AE2A15}" type="datetime2">
               <a:rPr lang="en-US" smtClean="0"/>
-              <a:t>Tuesday, September 9, 14</a:t>
+              <a:t>Wednesday, September 10, 14</a:t>
             </a:fld>
             <a:endParaRPr lang="en-US" dirty="0"/>
           </a:p>
@@ -16775,7 +16775,7 @@
           <a:p>
             <a:fld id="{939514C7-2A23-9748-992F-12DCDAF6236F}" type="datetime2">
               <a:rPr lang="en-US" smtClean="0"/>
-              <a:t>Tuesday, September 9, 14</a:t>
+              <a:t>Wednesday, September 10, 14</a:t>
             </a:fld>
             <a:endParaRPr lang="en-US" dirty="0"/>
           </a:p>
@@ -17737,7 +17737,7 @@
           <a:p>
             <a:fld id="{34621E95-60A9-FF44-9869-513D9D7A859F}" type="datetime2">
               <a:rPr lang="en-US" smtClean="0"/>
-              <a:t>Tuesday, September 9, 14</a:t>
+              <a:t>Wednesday, September 10, 14</a:t>
             </a:fld>
             <a:endParaRPr lang="en-US"/>
           </a:p>
@@ -18812,7 +18812,7 @@
           <a:p>
             <a:fld id="{34621E95-60A9-FF44-9869-513D9D7A859F}" type="datetime2">
               <a:rPr lang="en-US" smtClean="0"/>
-              <a:t>Tuesday, September 9, 14</a:t>
+              <a:t>Wednesday, September 10, 14</a:t>
             </a:fld>
             <a:endParaRPr lang="en-US"/>
           </a:p>
@@ -18937,7 +18937,7 @@
           <a:p>
             <a:fld id="{DF9B12D0-D6C3-584A-99EB-13FA193C843F}" type="datetime2">
               <a:rPr lang="en-US" smtClean="0"/>
-              <a:t>Tuesday, September 9, 14</a:t>
+              <a:t>Wednesday, September 10, 14</a:t>
             </a:fld>
             <a:endParaRPr lang="en-US" dirty="0"/>
           </a:p>
@@ -19193,7 +19193,25 @@
             </a:r>
             <a:r>
               <a:rPr lang="en-US" dirty="0" smtClean="0"/>
-              <a:t>efficiently:          (</a:t>
+              <a:t>efficiently:          </a:t>
+            </a:r>
+            <a:endParaRPr lang="en-US" dirty="0" smtClean="0"/>
+          </a:p>
+          <a:p>
+            <a:pPr marL="0" indent="0">
+              <a:buNone/>
+            </a:pPr>
+            <a:r>
+              <a:rPr lang="en-US" dirty="0"/>
+              <a:t>	</a:t>
+            </a:r>
+            <a:r>
+              <a:rPr lang="en-US" dirty="0" smtClean="0"/>
+              <a:t>			</a:t>
+            </a:r>
+            <a:r>
+              <a:rPr lang="en-US" dirty="0" smtClean="0"/>
+              <a:t>(</a:t>
             </a:r>
             <a:r>
               <a:rPr lang="en-US" i="1" dirty="0" smtClean="0"/>
@@ -19295,7 +19313,7 @@
           <a:p>
             <a:fld id="{34621E95-60A9-FF44-9869-513D9D7A859F}" type="datetime2">
               <a:rPr lang="en-US" smtClean="0"/>
-              <a:t>Tuesday, September 9, 14</a:t>
+              <a:t>Wednesday, September 10, 14</a:t>
             </a:fld>
             <a:endParaRPr lang="en-US"/>
           </a:p>
@@ -19420,7 +19438,7 @@
           <a:p>
             <a:fld id="{F3B8C30A-50DC-C949-89DD-4F9B44C5753D}" type="datetime2">
               <a:rPr lang="en-US" smtClean="0"/>
-              <a:t>Tuesday, September 9, 14</a:t>
+              <a:t>Wednesday, September 10, 14</a:t>
             </a:fld>
             <a:endParaRPr lang="en-US" dirty="0"/>
           </a:p>
@@ -19883,7 +19901,7 @@
           <a:p>
             <a:fld id="{34621E95-60A9-FF44-9869-513D9D7A859F}" type="datetime2">
               <a:rPr lang="en-US" smtClean="0"/>
-              <a:t>Tuesday, September 9, 14</a:t>
+              <a:t>Wednesday, September 10, 14</a:t>
             </a:fld>
             <a:endParaRPr lang="en-US"/>
           </a:p>
@@ -20033,7 +20051,7 @@
           <a:p>
             <a:fld id="{34621E95-60A9-FF44-9869-513D9D7A859F}" type="datetime2">
               <a:rPr lang="en-US" smtClean="0"/>
-              <a:t>Tuesday, September 9, 14</a:t>
+              <a:t>Wednesday, September 10, 14</a:t>
             </a:fld>
             <a:endParaRPr lang="en-US"/>
           </a:p>
@@ -20158,7 +20176,7 @@
           <a:p>
             <a:fld id="{BD5AFB16-13FE-DF4A-8CB7-09756A57B2EA}" type="datetime2">
               <a:rPr lang="en-US" smtClean="0"/>
-              <a:t>Tuesday, September 9, 14</a:t>
+              <a:t>Wednesday, September 10, 14</a:t>
             </a:fld>
             <a:endParaRPr lang="en-US" dirty="0"/>
           </a:p>
@@ -20382,7 +20400,7 @@
           <a:p>
             <a:fld id="{BD5AFB16-13FE-DF4A-8CB7-09756A57B2EA}" type="datetime2">
               <a:rPr lang="en-US" smtClean="0"/>
-              <a:t>Tuesday, September 9, 14</a:t>
+              <a:t>Wednesday, September 10, 14</a:t>
             </a:fld>
             <a:endParaRPr lang="en-US" dirty="0"/>
           </a:p>
@@ -20538,61 +20556,103 @@
               <a:buNone/>
             </a:pPr>
             <a:r>
-              <a:rPr lang="en-US" dirty="0" err="1" smtClean="0"/>
+              <a:rPr lang="en-US" sz="1800" dirty="0" err="1" smtClean="0">
+                <a:latin typeface="Consolas"/>
+                <a:cs typeface="Consolas"/>
+              </a:rPr>
               <a:t>CProxy_Hello</a:t>
             </a:r>
             <a:r>
-              <a:rPr lang="en-US" dirty="0" smtClean="0"/>
+              <a:rPr lang="en-US" sz="1800" dirty="0" smtClean="0">
+                <a:latin typeface="Consolas"/>
+                <a:cs typeface="Consolas"/>
+              </a:rPr>
               <a:t> </a:t>
             </a:r>
             <a:r>
-              <a:rPr lang="en-US" dirty="0" err="1"/>
+              <a:rPr lang="en-US" sz="1800" dirty="0" err="1">
+                <a:latin typeface="Consolas"/>
+                <a:cs typeface="Consolas"/>
+              </a:rPr>
               <a:t>helloArray</a:t>
             </a:r>
             <a:r>
-              <a:rPr lang="en-US" dirty="0"/>
+              <a:rPr lang="en-US" sz="1800" dirty="0">
+                <a:latin typeface="Consolas"/>
+                <a:cs typeface="Consolas"/>
+              </a:rPr>
               <a:t> = </a:t>
             </a:r>
             <a:r>
-              <a:rPr lang="en-US" dirty="0" err="1" smtClean="0"/>
+              <a:rPr lang="en-US" sz="1800" dirty="0" err="1" smtClean="0">
+                <a:latin typeface="Consolas"/>
+                <a:cs typeface="Consolas"/>
+              </a:rPr>
               <a:t>CProxy_Hello</a:t>
             </a:r>
             <a:r>
-              <a:rPr lang="en-US" dirty="0" smtClean="0"/>
+              <a:rPr lang="en-US" sz="1800" dirty="0" smtClean="0">
+                <a:latin typeface="Consolas"/>
+                <a:cs typeface="Consolas"/>
+              </a:rPr>
               <a:t>:</a:t>
             </a:r>
             <a:r>
-              <a:rPr lang="en-US" dirty="0"/>
+              <a:rPr lang="en-US" sz="1800" dirty="0">
+                <a:latin typeface="Consolas"/>
+                <a:cs typeface="Consolas"/>
+              </a:rPr>
               <a:t>:</a:t>
             </a:r>
             <a:r>
-              <a:rPr lang="en-US" dirty="0" err="1"/>
+              <a:rPr lang="en-US" sz="1800" dirty="0" err="1">
+                <a:latin typeface="Consolas"/>
+                <a:cs typeface="Consolas"/>
+              </a:rPr>
               <a:t>ckNew</a:t>
             </a:r>
             <a:r>
-              <a:rPr lang="en-US" dirty="0" smtClean="0"/>
+              <a:rPr lang="en-US" sz="1800" dirty="0" smtClean="0">
+                <a:latin typeface="Consolas"/>
+                <a:cs typeface="Consolas"/>
+              </a:rPr>
               <a:t>(</a:t>
             </a:r>
             <a:r>
-              <a:rPr lang="en-US" dirty="0" err="1" smtClean="0"/>
+              <a:rPr lang="en-US" sz="1800" dirty="0" err="1" smtClean="0">
+                <a:latin typeface="Consolas"/>
+                <a:cs typeface="Consolas"/>
+              </a:rPr>
               <a:t>helloArraySize</a:t>
             </a:r>
             <a:r>
-              <a:rPr lang="en-US" dirty="0"/>
+              <a:rPr lang="en-US" sz="1800" dirty="0">
+                <a:latin typeface="Consolas"/>
+                <a:cs typeface="Consolas"/>
+              </a:rPr>
               <a:t>); </a:t>
             </a:r>
-            <a:endParaRPr lang="en-US" dirty="0" smtClean="0"/>
+            <a:endParaRPr lang="en-US" sz="1800" dirty="0" smtClean="0">
+              <a:latin typeface="Consolas"/>
+              <a:cs typeface="Consolas"/>
+            </a:endParaRPr>
           </a:p>
           <a:p>
             <a:pPr marL="0" indent="0">
               <a:buNone/>
             </a:pPr>
             <a:r>
-              <a:rPr lang="en-US" dirty="0" err="1" smtClean="0"/>
+              <a:rPr lang="en-US" sz="1800" dirty="0" err="1" smtClean="0">
+                <a:latin typeface="Consolas"/>
+                <a:cs typeface="Consolas"/>
+              </a:rPr>
               <a:t>helloArray.foo</a:t>
             </a:r>
             <a:r>
-              <a:rPr lang="en-US" dirty="0"/>
+              <a:rPr lang="en-US" sz="1800" dirty="0">
+                <a:latin typeface="Consolas"/>
+                <a:cs typeface="Consolas"/>
+              </a:rPr>
               <a:t>();</a:t>
             </a:r>
           </a:p>
@@ -20667,11 +20727,17 @@
               <a:buNone/>
             </a:pPr>
             <a:r>
-              <a:rPr lang="en-US" sz="2200" dirty="0" err="1"/>
+              <a:rPr lang="en-US" sz="2200" dirty="0" err="1">
+                <a:latin typeface="Consolas"/>
+                <a:cs typeface="Consolas"/>
+              </a:rPr>
               <a:t>thisProxy.foo</a:t>
             </a:r>
             <a:r>
-              <a:rPr lang="en-US" sz="2200" dirty="0"/>
+              <a:rPr lang="en-US" sz="2200" dirty="0">
+                <a:latin typeface="Consolas"/>
+                <a:cs typeface="Consolas"/>
+              </a:rPr>
               <a:t>()</a:t>
             </a:r>
           </a:p>
@@ -21093,14 +21159,23 @@
               <a:buNone/>
             </a:pPr>
             <a:r>
-              <a:rPr lang="en-US" sz="2200" dirty="0" err="1" smtClean="0"/>
+              <a:rPr lang="en-US" sz="2200" dirty="0" err="1" smtClean="0">
+                <a:latin typeface="Consolas"/>
+                <a:cs typeface="Consolas"/>
+              </a:rPr>
               <a:t>p.foo</a:t>
             </a:r>
             <a:r>
-              <a:rPr lang="en-US" sz="2200" dirty="0" smtClean="0"/>
+              <a:rPr lang="en-US" sz="2200" dirty="0" smtClean="0">
+                <a:latin typeface="Consolas"/>
+                <a:cs typeface="Consolas"/>
+              </a:rPr>
               <a:t>()</a:t>
             </a:r>
-            <a:endParaRPr lang="en-US" sz="2200" dirty="0"/>
+            <a:endParaRPr lang="en-US" sz="2200" dirty="0">
+              <a:latin typeface="Consolas"/>
+              <a:cs typeface="Consolas"/>
+            </a:endParaRPr>
           </a:p>
         </p:txBody>
       </p:sp>
@@ -21280,7 +21355,7 @@
           <a:p>
             <a:fld id="{34621E95-60A9-FF44-9869-513D9D7A859F}" type="datetime2">
               <a:rPr lang="en-US" smtClean="0"/>
-              <a:t>Tuesday, September 9, 14</a:t>
+              <a:t>Wednesday, September 10, 14</a:t>
             </a:fld>
             <a:endParaRPr lang="en-US"/>
           </a:p>
@@ -21770,7 +21845,7 @@
           <a:p>
             <a:fld id="{34621E95-60A9-FF44-9869-513D9D7A859F}" type="datetime2">
               <a:rPr lang="en-US" smtClean="0"/>
-              <a:t>Tuesday, September 9, 14</a:t>
+              <a:t>Wednesday, September 10, 14</a:t>
             </a:fld>
             <a:endParaRPr lang="en-US"/>
           </a:p>
@@ -21903,7 +21978,7 @@
           <a:p>
             <a:fld id="{BD5AFB16-13FE-DF4A-8CB7-09756A57B2EA}" type="datetime2">
               <a:rPr lang="en-US" smtClean="0"/>
-              <a:t>Tuesday, September 9, 14</a:t>
+              <a:t>Wednesday, September 10, 14</a:t>
             </a:fld>
             <a:endParaRPr lang="en-US" dirty="0"/>
           </a:p>
@@ -22526,7 +22601,7 @@
           <a:p>
             <a:fld id="{0022DBA2-41C4-FC42-AF15-6ACF50B9A47F}" type="datetime2">
               <a:rPr lang="en-US" smtClean="0"/>
-              <a:t>Tuesday, September 9, 14</a:t>
+              <a:t>Wednesday, September 10, 14</a:t>
             </a:fld>
             <a:endParaRPr lang="en-US" dirty="0"/>
           </a:p>
@@ -23214,7 +23289,7 @@
           <a:p>
             <a:fld id="{8EB608FE-6B5C-0942-BB2E-F88C771A47EB}" type="datetime2">
               <a:rPr lang="en-US" smtClean="0"/>
-              <a:t>Tuesday, September 9, 14</a:t>
+              <a:t>Wednesday, September 10, 14</a:t>
             </a:fld>
             <a:endParaRPr lang="en-US" dirty="0"/>
           </a:p>
@@ -23367,45 +23442,75 @@
               <a:buNone/>
             </a:pPr>
             <a:r>
-              <a:rPr lang="en-US" b="1" dirty="0"/>
+              <a:rPr lang="en-US" b="1" dirty="0">
+                <a:latin typeface="Consolas"/>
+                <a:cs typeface="Consolas"/>
+              </a:rPr>
               <a:t>entry</a:t>
             </a:r>
             <a:r>
-              <a:rPr lang="en-US" dirty="0"/>
+              <a:rPr lang="en-US" dirty="0">
+                <a:latin typeface="Consolas"/>
+                <a:cs typeface="Consolas"/>
+              </a:rPr>
               <a:t> </a:t>
             </a:r>
             <a:r>
-              <a:rPr lang="en-US" dirty="0" err="1"/>
+              <a:rPr lang="en-US" dirty="0" err="1">
+                <a:latin typeface="Consolas"/>
+                <a:cs typeface="Consolas"/>
+              </a:rPr>
               <a:t>MyChare</a:t>
             </a:r>
             <a:r>
-              <a:rPr lang="en-US" dirty="0"/>
+              <a:rPr lang="en-US" dirty="0">
+                <a:latin typeface="Consolas"/>
+                <a:cs typeface="Consolas"/>
+              </a:rPr>
               <a:t>(); </a:t>
             </a:r>
             <a:r>
-              <a:rPr lang="en-US" i="1" dirty="0"/>
+              <a:rPr lang="en-US" i="1" dirty="0">
+                <a:latin typeface="Consolas"/>
+                <a:cs typeface="Consolas"/>
+              </a:rPr>
               <a:t>/∗ constructor entry method ∗/ </a:t>
             </a:r>
-            <a:endParaRPr lang="en-US" i="1" dirty="0" smtClean="0"/>
+            <a:endParaRPr lang="en-US" i="1" dirty="0" smtClean="0">
+              <a:latin typeface="Consolas"/>
+              <a:cs typeface="Consolas"/>
+            </a:endParaRPr>
           </a:p>
           <a:p>
             <a:pPr marL="0" indent="0">
               <a:buNone/>
             </a:pPr>
             <a:r>
-              <a:rPr lang="en-US" b="1" dirty="0" smtClean="0"/>
+              <a:rPr lang="en-US" b="1" dirty="0" smtClean="0">
+                <a:latin typeface="Consolas"/>
+                <a:cs typeface="Consolas"/>
+              </a:rPr>
               <a:t>entry</a:t>
             </a:r>
             <a:r>
-              <a:rPr lang="en-US" dirty="0" smtClean="0"/>
+              <a:rPr lang="en-US" dirty="0" smtClean="0">
+                <a:latin typeface="Consolas"/>
+                <a:cs typeface="Consolas"/>
+              </a:rPr>
               <a:t> </a:t>
             </a:r>
             <a:r>
-              <a:rPr lang="en-US" b="1" dirty="0" smtClean="0"/>
+              <a:rPr lang="en-US" b="1" dirty="0" smtClean="0">
+                <a:latin typeface="Consolas"/>
+                <a:cs typeface="Consolas"/>
+              </a:rPr>
               <a:t>void </a:t>
             </a:r>
             <a:r>
-              <a:rPr lang="en-US" dirty="0" smtClean="0"/>
+              <a:rPr lang="en-US" dirty="0" smtClean="0">
+                <a:latin typeface="Consolas"/>
+                <a:cs typeface="Consolas"/>
+              </a:rPr>
               <a:t>foo();</a:t>
             </a:r>
           </a:p>
@@ -23414,31 +23519,52 @@
               <a:buNone/>
             </a:pPr>
             <a:r>
-              <a:rPr lang="en-US" b="1" dirty="0" smtClean="0"/>
+              <a:rPr lang="en-US" b="1" dirty="0" smtClean="0">
+                <a:latin typeface="Consolas"/>
+                <a:cs typeface="Consolas"/>
+              </a:rPr>
               <a:t>entry </a:t>
             </a:r>
             <a:r>
-              <a:rPr lang="en-US" b="1" dirty="0"/>
+              <a:rPr lang="en-US" b="1" dirty="0">
+                <a:latin typeface="Consolas"/>
+                <a:cs typeface="Consolas"/>
+              </a:rPr>
               <a:t>void </a:t>
             </a:r>
             <a:r>
-              <a:rPr lang="en-US" dirty="0"/>
+              <a:rPr lang="en-US" dirty="0">
+                <a:latin typeface="Consolas"/>
+                <a:cs typeface="Consolas"/>
+              </a:rPr>
               <a:t>bar(</a:t>
             </a:r>
             <a:r>
-              <a:rPr lang="en-US" b="1" dirty="0" err="1"/>
+              <a:rPr lang="en-US" b="1" dirty="0" err="1">
+                <a:latin typeface="Consolas"/>
+                <a:cs typeface="Consolas"/>
+              </a:rPr>
               <a:t>int</a:t>
             </a:r>
             <a:r>
-              <a:rPr lang="en-US" b="1" dirty="0"/>
+              <a:rPr lang="en-US" b="1" dirty="0">
+                <a:latin typeface="Consolas"/>
+                <a:cs typeface="Consolas"/>
+              </a:rPr>
               <a:t> </a:t>
             </a:r>
             <a:r>
-              <a:rPr lang="en-US" dirty="0" err="1"/>
+              <a:rPr lang="en-US" dirty="0" err="1">
+                <a:latin typeface="Consolas"/>
+                <a:cs typeface="Consolas"/>
+              </a:rPr>
               <a:t>param</a:t>
             </a:r>
             <a:r>
-              <a:rPr lang="en-US" dirty="0"/>
+              <a:rPr lang="en-US" dirty="0">
+                <a:latin typeface="Consolas"/>
+                <a:cs typeface="Consolas"/>
+              </a:rPr>
               <a:t>);</a:t>
             </a:r>
           </a:p>
@@ -23487,6 +23613,1386 @@
           <a:xfrm>
             <a:off x="261865" y="4548527"/>
             <a:ext cx="8615359" cy="1453380"/>
+          </a:xfrm>
+          <a:prstGeom prst="rect">
+            <a:avLst/>
+          </a:prstGeom>
+          <a:solidFill>
+            <a:srgbClr val="CCD1D9"/>
+          </a:solidFill>
+          <a:ln>
+            <a:solidFill>
+              <a:srgbClr val="292934"/>
+            </a:solidFill>
+          </a:ln>
+        </p:spPr>
+        <p:txBody>
+          <a:bodyPr vert="horz" lIns="91440" tIns="45720" rIns="91440" bIns="45720" rtlCol="0">
+            <a:normAutofit fontScale="92500"/>
+          </a:bodyPr>
+          <a:lstStyle>
+            <a:lvl1pPr marL="182880" indent="-182880" algn="l" defTabSz="914400" rtl="0" eaLnBrk="1" latinLnBrk="0" hangingPunct="1">
+              <a:spcBef>
+                <a:spcPct val="20000"/>
+              </a:spcBef>
+              <a:buClr>
+                <a:schemeClr val="accent1"/>
+              </a:buClr>
+              <a:buSzPct val="85000"/>
+              <a:buFont typeface="Arial" pitchFamily="34" charset="0"/>
+              <a:buChar char="•"/>
+              <a:defRPr sz="2400" kern="1200">
+                <a:solidFill>
+                  <a:schemeClr val="tx1"/>
+                </a:solidFill>
+                <a:latin typeface="Times New Roman"/>
+                <a:ea typeface="+mn-ea"/>
+                <a:cs typeface="Times New Roman"/>
+              </a:defRPr>
+            </a:lvl1pPr>
+            <a:lvl2pPr marL="457200" indent="-182880" algn="l" defTabSz="914400" rtl="0" eaLnBrk="1" latinLnBrk="0" hangingPunct="1">
+              <a:spcBef>
+                <a:spcPct val="20000"/>
+              </a:spcBef>
+              <a:buClr>
+                <a:schemeClr val="accent1"/>
+              </a:buClr>
+              <a:buSzPct val="85000"/>
+              <a:buFont typeface="Wingdings" charset="2"/>
+              <a:buChar char="Ø"/>
+              <a:defRPr sz="2000" kern="1200">
+                <a:solidFill>
+                  <a:schemeClr val="tx1"/>
+                </a:solidFill>
+                <a:latin typeface="Times New Roman"/>
+                <a:ea typeface="+mn-ea"/>
+                <a:cs typeface="Times New Roman"/>
+              </a:defRPr>
+            </a:lvl2pPr>
+            <a:lvl3pPr marL="731520" indent="-182880" algn="l" defTabSz="914400" rtl="0" eaLnBrk="1" latinLnBrk="0" hangingPunct="1">
+              <a:spcBef>
+                <a:spcPct val="20000"/>
+              </a:spcBef>
+              <a:buClr>
+                <a:schemeClr val="accent1"/>
+              </a:buClr>
+              <a:buSzPct val="90000"/>
+              <a:buFont typeface="Wingdings" charset="2"/>
+              <a:buChar char=""/>
+              <a:defRPr sz="1800" kern="1200">
+                <a:solidFill>
+                  <a:schemeClr val="tx1"/>
+                </a:solidFill>
+                <a:latin typeface="Times New Roman"/>
+                <a:ea typeface="+mn-ea"/>
+                <a:cs typeface="Times New Roman"/>
+              </a:defRPr>
+            </a:lvl3pPr>
+            <a:lvl4pPr marL="1005840" indent="-182880" algn="l" defTabSz="914400" rtl="0" eaLnBrk="1" latinLnBrk="0" hangingPunct="1">
+              <a:spcBef>
+                <a:spcPct val="20000"/>
+              </a:spcBef>
+              <a:buClr>
+                <a:schemeClr val="accent1"/>
+              </a:buClr>
+              <a:buFont typeface="Arial"/>
+              <a:buChar char="•"/>
+              <a:defRPr sz="1600" kern="1200">
+                <a:solidFill>
+                  <a:schemeClr val="tx1"/>
+                </a:solidFill>
+                <a:latin typeface="Times New Roman"/>
+                <a:ea typeface="+mn-ea"/>
+                <a:cs typeface="Times New Roman"/>
+              </a:defRPr>
+            </a:lvl4pPr>
+            <a:lvl5pPr marL="1188720" indent="-137160" algn="l" defTabSz="914400" rtl="0" eaLnBrk="1" latinLnBrk="0" hangingPunct="1">
+              <a:spcBef>
+                <a:spcPct val="20000"/>
+              </a:spcBef>
+              <a:buClr>
+                <a:schemeClr val="accent1"/>
+              </a:buClr>
+              <a:buSzPct val="100000"/>
+              <a:buFont typeface="Wingdings" charset="2"/>
+              <a:buChar char="Ø"/>
+              <a:defRPr sz="1400" kern="1200" baseline="0">
+                <a:solidFill>
+                  <a:schemeClr val="tx1"/>
+                </a:solidFill>
+                <a:latin typeface="Times New Roman"/>
+                <a:ea typeface="+mn-ea"/>
+                <a:cs typeface="Times New Roman"/>
+              </a:defRPr>
+            </a:lvl5pPr>
+            <a:lvl6pPr marL="1371600" indent="-182880" algn="l" defTabSz="914400" rtl="0" eaLnBrk="1" latinLnBrk="0" hangingPunct="1">
+              <a:spcBef>
+                <a:spcPct val="20000"/>
+              </a:spcBef>
+              <a:buClr>
+                <a:schemeClr val="accent1"/>
+              </a:buClr>
+              <a:buFont typeface="Arial" pitchFamily="34" charset="0"/>
+              <a:buChar char="•"/>
+              <a:defRPr sz="1300" kern="1200">
+                <a:solidFill>
+                  <a:schemeClr val="tx1"/>
+                </a:solidFill>
+                <a:latin typeface="+mn-lt"/>
+                <a:ea typeface="+mn-ea"/>
+                <a:cs typeface="+mn-cs"/>
+              </a:defRPr>
+            </a:lvl6pPr>
+            <a:lvl7pPr marL="1554480" indent="-182880" algn="l" defTabSz="914400" rtl="0" eaLnBrk="1" latinLnBrk="0" hangingPunct="1">
+              <a:spcBef>
+                <a:spcPct val="20000"/>
+              </a:spcBef>
+              <a:buClr>
+                <a:schemeClr val="accent1"/>
+              </a:buClr>
+              <a:buFont typeface="Arial" pitchFamily="34" charset="0"/>
+              <a:buChar char="•"/>
+              <a:defRPr sz="1300" kern="1200">
+                <a:solidFill>
+                  <a:schemeClr val="tx1"/>
+                </a:solidFill>
+                <a:latin typeface="+mn-lt"/>
+                <a:ea typeface="+mn-ea"/>
+                <a:cs typeface="+mn-cs"/>
+              </a:defRPr>
+            </a:lvl7pPr>
+            <a:lvl8pPr marL="1737360" indent="-182880" algn="l" defTabSz="914400" rtl="0" eaLnBrk="1" latinLnBrk="0" hangingPunct="1">
+              <a:spcBef>
+                <a:spcPct val="20000"/>
+              </a:spcBef>
+              <a:buClr>
+                <a:schemeClr val="accent1"/>
+              </a:buClr>
+              <a:buFont typeface="Arial" pitchFamily="34" charset="0"/>
+              <a:buChar char="•"/>
+              <a:defRPr sz="1300" kern="1200">
+                <a:solidFill>
+                  <a:schemeClr val="tx1"/>
+                </a:solidFill>
+                <a:latin typeface="+mn-lt"/>
+                <a:ea typeface="+mn-ea"/>
+                <a:cs typeface="+mn-cs"/>
+              </a:defRPr>
+            </a:lvl8pPr>
+            <a:lvl9pPr marL="1920240" indent="-182880" algn="l" defTabSz="914400" rtl="0" eaLnBrk="1" latinLnBrk="0" hangingPunct="1">
+              <a:spcBef>
+                <a:spcPct val="20000"/>
+              </a:spcBef>
+              <a:buClr>
+                <a:schemeClr val="accent1"/>
+              </a:buClr>
+              <a:buFont typeface="Arial" pitchFamily="34" charset="0"/>
+              <a:buChar char="•"/>
+              <a:defRPr sz="1300" kern="1200">
+                <a:solidFill>
+                  <a:schemeClr val="tx1"/>
+                </a:solidFill>
+                <a:latin typeface="+mn-lt"/>
+                <a:ea typeface="+mn-ea"/>
+                <a:cs typeface="+mn-cs"/>
+              </a:defRPr>
+            </a:lvl9pPr>
+          </a:lstStyle>
+          <a:p>
+            <a:pPr marL="0" indent="0">
+              <a:buNone/>
+            </a:pPr>
+            <a:r>
+              <a:rPr lang="en-US" dirty="0" err="1">
+                <a:latin typeface="Consolas"/>
+                <a:cs typeface="Consolas"/>
+              </a:rPr>
+              <a:t>MyChare</a:t>
+            </a:r>
+            <a:r>
+              <a:rPr lang="en-US" dirty="0">
+                <a:latin typeface="Consolas"/>
+                <a:cs typeface="Consolas"/>
+              </a:rPr>
+              <a:t>::</a:t>
+            </a:r>
+            <a:r>
+              <a:rPr lang="en-US" dirty="0" err="1">
+                <a:latin typeface="Consolas"/>
+                <a:cs typeface="Consolas"/>
+              </a:rPr>
+              <a:t>MyChare</a:t>
+            </a:r>
+            <a:r>
+              <a:rPr lang="en-US" dirty="0">
+                <a:latin typeface="Consolas"/>
+                <a:cs typeface="Consolas"/>
+              </a:rPr>
+              <a:t>() { </a:t>
+            </a:r>
+            <a:r>
+              <a:rPr lang="en-US" i="1" dirty="0">
+                <a:latin typeface="Consolas"/>
+                <a:cs typeface="Consolas"/>
+              </a:rPr>
+              <a:t>/∗... constructor code ...∗/ </a:t>
+            </a:r>
+            <a:r>
+              <a:rPr lang="en-US" dirty="0">
+                <a:latin typeface="Consolas"/>
+                <a:cs typeface="Consolas"/>
+              </a:rPr>
+              <a:t>}</a:t>
+            </a:r>
+          </a:p>
+          <a:p>
+            <a:pPr marL="0" indent="0">
+              <a:buNone/>
+            </a:pPr>
+            <a:r>
+              <a:rPr lang="en-US" dirty="0" err="1">
+                <a:latin typeface="Consolas"/>
+                <a:cs typeface="Consolas"/>
+              </a:rPr>
+              <a:t>MyChare</a:t>
+            </a:r>
+            <a:r>
+              <a:rPr lang="en-US" dirty="0">
+                <a:latin typeface="Consolas"/>
+                <a:cs typeface="Consolas"/>
+              </a:rPr>
+              <a:t>::foo() { </a:t>
+            </a:r>
+            <a:r>
+              <a:rPr lang="en-US" i="1" dirty="0">
+                <a:latin typeface="Consolas"/>
+                <a:cs typeface="Consolas"/>
+              </a:rPr>
+              <a:t>/∗... code to execute ...∗/ </a:t>
+            </a:r>
+            <a:r>
+              <a:rPr lang="en-US" dirty="0">
+                <a:latin typeface="Consolas"/>
+                <a:cs typeface="Consolas"/>
+              </a:rPr>
+              <a:t>} </a:t>
+            </a:r>
+            <a:endParaRPr lang="en-US" dirty="0" smtClean="0">
+              <a:latin typeface="Consolas"/>
+              <a:cs typeface="Consolas"/>
+            </a:endParaRPr>
+          </a:p>
+          <a:p>
+            <a:pPr marL="0" indent="0">
+              <a:buNone/>
+            </a:pPr>
+            <a:r>
+              <a:rPr lang="en-US" dirty="0" err="1" smtClean="0">
+                <a:latin typeface="Consolas"/>
+                <a:cs typeface="Consolas"/>
+              </a:rPr>
+              <a:t>MyChare</a:t>
+            </a:r>
+            <a:r>
+              <a:rPr lang="en-US" dirty="0">
+                <a:latin typeface="Consolas"/>
+                <a:cs typeface="Consolas"/>
+              </a:rPr>
+              <a:t>::bar(</a:t>
+            </a:r>
+            <a:r>
+              <a:rPr lang="en-US" b="1" dirty="0" err="1">
+                <a:latin typeface="Consolas"/>
+                <a:cs typeface="Consolas"/>
+              </a:rPr>
+              <a:t>int</a:t>
+            </a:r>
+            <a:r>
+              <a:rPr lang="en-US" dirty="0">
+                <a:latin typeface="Consolas"/>
+                <a:cs typeface="Consolas"/>
+              </a:rPr>
+              <a:t> </a:t>
+            </a:r>
+            <a:r>
+              <a:rPr lang="en-US" dirty="0" err="1">
+                <a:latin typeface="Consolas"/>
+                <a:cs typeface="Consolas"/>
+              </a:rPr>
+              <a:t>param</a:t>
+            </a:r>
+            <a:r>
+              <a:rPr lang="en-US" dirty="0">
+                <a:latin typeface="Consolas"/>
+                <a:cs typeface="Consolas"/>
+              </a:rPr>
+              <a:t>) {</a:t>
+            </a:r>
+            <a:r>
+              <a:rPr lang="en-US" i="1" dirty="0">
+                <a:latin typeface="Consolas"/>
+                <a:cs typeface="Consolas"/>
+              </a:rPr>
+              <a:t> /∗... code to execute ...∗/ </a:t>
+            </a:r>
+            <a:r>
+              <a:rPr lang="en-US" dirty="0">
+                <a:latin typeface="Consolas"/>
+                <a:cs typeface="Consolas"/>
+              </a:rPr>
+              <a:t>}</a:t>
+            </a:r>
+          </a:p>
+        </p:txBody>
+      </p:sp>
+    </p:spTree>
+    <p:extLst>
+      <p:ext uri="{BB962C8B-B14F-4D97-AF65-F5344CB8AC3E}">
+        <p14:creationId xmlns:p14="http://schemas.microsoft.com/office/powerpoint/2010/main" val="1527180860"/>
+      </p:ext>
+    </p:extLst>
+  </p:cSld>
+  <p:clrMapOvr>
+    <a:masterClrMapping/>
+  </p:clrMapOvr>
+</p:sld>
+</file>
+
+<file path=ppt/slides/slide6.xml><?xml version="1.0" encoding="utf-8"?>
+<p:sld xmlns:a="http://schemas.openxmlformats.org/drawingml/2006/main" xmlns:r="http://schemas.openxmlformats.org/officeDocument/2006/relationships" xmlns:p="http://schemas.openxmlformats.org/presentationml/2006/main">
+  <p:cSld>
+    <p:spTree>
+      <p:nvGrpSpPr>
+        <p:cNvPr id="1" name=""/>
+        <p:cNvGrpSpPr/>
+        <p:nvPr/>
+      </p:nvGrpSpPr>
+      <p:grpSpPr>
+        <a:xfrm>
+          <a:off x="0" y="0"/>
+          <a:ext cx="0" cy="0"/>
+          <a:chOff x="0" y="0"/>
+          <a:chExt cx="0" cy="0"/>
+        </a:xfrm>
+      </p:grpSpPr>
+      <p:sp>
+        <p:nvSpPr>
+          <p:cNvPr id="2" name="Title 1"/>
+          <p:cNvSpPr>
+            <a:spLocks noGrp="1"/>
+          </p:cNvSpPr>
+          <p:nvPr>
+            <p:ph type="title"/>
+          </p:nvPr>
+        </p:nvSpPr>
+        <p:spPr/>
+        <p:txBody>
+          <a:bodyPr>
+            <a:normAutofit/>
+          </a:bodyPr>
+          <a:lstStyle/>
+          <a:p>
+            <a:r>
+              <a:rPr lang="en-US" dirty="0"/>
+              <a:t>Charm Interface: </a:t>
+            </a:r>
+            <a:r>
+              <a:rPr lang="en-US" dirty="0" err="1"/>
+              <a:t>mainchare</a:t>
+            </a:r>
+            <a:endParaRPr lang="en-US" dirty="0"/>
+          </a:p>
+        </p:txBody>
+      </p:sp>
+      <p:sp>
+        <p:nvSpPr>
+          <p:cNvPr id="3" name="Content Placeholder 2"/>
+          <p:cNvSpPr>
+            <a:spLocks noGrp="1"/>
+          </p:cNvSpPr>
+          <p:nvPr>
+            <p:ph idx="1"/>
+          </p:nvPr>
+        </p:nvSpPr>
+        <p:spPr/>
+        <p:txBody>
+          <a:bodyPr/>
+          <a:lstStyle/>
+          <a:p>
+            <a:r>
+              <a:rPr lang="en-US" dirty="0"/>
+              <a:t>Execution begins with the </a:t>
+            </a:r>
+            <a:r>
+              <a:rPr lang="en-US" dirty="0" err="1"/>
+              <a:t>mainchare’s</a:t>
+            </a:r>
+            <a:r>
+              <a:rPr lang="en-US" dirty="0"/>
+              <a:t> constructor</a:t>
+            </a:r>
+          </a:p>
+          <a:p>
+            <a:r>
+              <a:rPr lang="en-US" dirty="0"/>
+              <a:t>The </a:t>
+            </a:r>
+            <a:r>
+              <a:rPr lang="en-US" dirty="0" err="1"/>
+              <a:t>mainchare’s</a:t>
+            </a:r>
+            <a:r>
+              <a:rPr lang="en-US" dirty="0"/>
+              <a:t> constructor takes a pointer to system-defined </a:t>
+            </a:r>
+            <a:r>
+              <a:rPr lang="en-US" dirty="0" smtClean="0"/>
+              <a:t>class </a:t>
+            </a:r>
+            <a:r>
+              <a:rPr lang="en-US" dirty="0" err="1" smtClean="0">
+                <a:latin typeface="Lucida Console"/>
+                <a:cs typeface="Lucida Console"/>
+              </a:rPr>
+              <a:t>CkArgMsg</a:t>
+            </a:r>
+            <a:endParaRPr lang="en-US" dirty="0">
+              <a:latin typeface="Lucida Console"/>
+              <a:cs typeface="Lucida Console"/>
+            </a:endParaRPr>
+          </a:p>
+          <a:p>
+            <a:r>
+              <a:rPr lang="en-US" dirty="0" err="1" smtClean="0">
+                <a:latin typeface="Lucida Console"/>
+                <a:cs typeface="Lucida Console"/>
+              </a:rPr>
+              <a:t>CkArgMsg</a:t>
+            </a:r>
+            <a:r>
+              <a:rPr lang="en-US" dirty="0" smtClean="0"/>
+              <a:t> contains </a:t>
+            </a:r>
+            <a:r>
+              <a:rPr lang="en-US" dirty="0" err="1">
+                <a:latin typeface="Lucida Console"/>
+                <a:cs typeface="Lucida Console"/>
+              </a:rPr>
+              <a:t>argv</a:t>
+            </a:r>
+            <a:r>
+              <a:rPr lang="en-US" dirty="0"/>
+              <a:t> and </a:t>
+            </a:r>
+            <a:r>
+              <a:rPr lang="en-US" dirty="0" err="1">
+                <a:latin typeface="Lucida Console"/>
+                <a:cs typeface="Lucida Console"/>
+              </a:rPr>
+              <a:t>argc</a:t>
+            </a:r>
+            <a:endParaRPr lang="en-US" dirty="0">
+              <a:latin typeface="Lucida Console"/>
+              <a:cs typeface="Lucida Console"/>
+            </a:endParaRPr>
+          </a:p>
+          <a:p>
+            <a:r>
+              <a:rPr lang="en-US" dirty="0"/>
+              <a:t>The </a:t>
+            </a:r>
+            <a:r>
+              <a:rPr lang="en-US" dirty="0" err="1"/>
+              <a:t>mainchare</a:t>
+            </a:r>
+            <a:r>
+              <a:rPr lang="en-US" dirty="0"/>
+              <a:t> will typically creates some additional </a:t>
+            </a:r>
+            <a:r>
+              <a:rPr lang="en-US" dirty="0" err="1"/>
+              <a:t>chares</a:t>
+            </a:r>
+            <a:endParaRPr lang="en-US" dirty="0"/>
+          </a:p>
+        </p:txBody>
+      </p:sp>
+      <p:sp>
+        <p:nvSpPr>
+          <p:cNvPr id="4" name="Date Placeholder 3"/>
+          <p:cNvSpPr>
+            <a:spLocks noGrp="1"/>
+          </p:cNvSpPr>
+          <p:nvPr>
+            <p:ph type="dt" sz="half" idx="10"/>
+          </p:nvPr>
+        </p:nvSpPr>
+        <p:spPr/>
+        <p:txBody>
+          <a:bodyPr/>
+          <a:lstStyle/>
+          <a:p>
+            <a:fld id="{6406B148-C837-5A4A-9177-E769F997E00D}" type="datetime2">
+              <a:rPr lang="en-US" smtClean="0"/>
+              <a:t>Wednesday, September 10, 14</a:t>
+            </a:fld>
+            <a:endParaRPr lang="en-US"/>
+          </a:p>
+        </p:txBody>
+      </p:sp>
+      <p:sp>
+        <p:nvSpPr>
+          <p:cNvPr id="5" name="Footer Placeholder 4"/>
+          <p:cNvSpPr>
+            <a:spLocks noGrp="1"/>
+          </p:cNvSpPr>
+          <p:nvPr>
+            <p:ph type="ftr" sz="quarter" idx="11"/>
+          </p:nvPr>
+        </p:nvSpPr>
+        <p:spPr/>
+        <p:txBody>
+          <a:bodyPr/>
+          <a:lstStyle/>
+          <a:p>
+            <a:pPr algn="r"/>
+            <a:r>
+              <a:rPr lang="en-US" smtClean="0"/>
+              <a:t>Sanjay Kalé and PPL (UIUC) – Parallel Migratable Objects </a:t>
+            </a:r>
+            <a:endParaRPr lang="en-US" dirty="0"/>
+          </a:p>
+        </p:txBody>
+      </p:sp>
+      <p:sp>
+        <p:nvSpPr>
+          <p:cNvPr id="6" name="Slide Number Placeholder 5"/>
+          <p:cNvSpPr>
+            <a:spLocks noGrp="1"/>
+          </p:cNvSpPr>
+          <p:nvPr>
+            <p:ph type="sldNum" sz="quarter" idx="12"/>
+          </p:nvPr>
+        </p:nvSpPr>
+        <p:spPr/>
+        <p:txBody>
+          <a:bodyPr/>
+          <a:lstStyle/>
+          <a:p>
+            <a:fld id="{0CFEC368-1D7A-4F81-ABF6-AE0E36BAF64C}" type="slidenum">
+              <a:rPr lang="en-US" smtClean="0"/>
+              <a:pPr/>
+              <a:t>6</a:t>
+            </a:fld>
+            <a:endParaRPr lang="en-US"/>
+          </a:p>
+        </p:txBody>
+      </p:sp>
+    </p:spTree>
+    <p:extLst>
+      <p:ext uri="{BB962C8B-B14F-4D97-AF65-F5344CB8AC3E}">
+        <p14:creationId xmlns:p14="http://schemas.microsoft.com/office/powerpoint/2010/main" val="2641007772"/>
+      </p:ext>
+    </p:extLst>
+  </p:cSld>
+  <p:clrMapOvr>
+    <a:masterClrMapping/>
+  </p:clrMapOvr>
+</p:sld>
+</file>
+
+<file path=ppt/slides/slide7.xml><?xml version="1.0" encoding="utf-8"?>
+<p:sld xmlns:a="http://schemas.openxmlformats.org/drawingml/2006/main" xmlns:r="http://schemas.openxmlformats.org/officeDocument/2006/relationships" xmlns:p="http://schemas.openxmlformats.org/presentationml/2006/main">
+  <p:cSld>
+    <p:spTree>
+      <p:nvGrpSpPr>
+        <p:cNvPr id="1" name=""/>
+        <p:cNvGrpSpPr/>
+        <p:nvPr/>
+      </p:nvGrpSpPr>
+      <p:grpSpPr>
+        <a:xfrm>
+          <a:off x="0" y="0"/>
+          <a:ext cx="0" cy="0"/>
+          <a:chOff x="0" y="0"/>
+          <a:chExt cx="0" cy="0"/>
+        </a:xfrm>
+      </p:grpSpPr>
+      <p:sp>
+        <p:nvSpPr>
+          <p:cNvPr id="2" name="Title 1"/>
+          <p:cNvSpPr>
+            <a:spLocks noGrp="1"/>
+          </p:cNvSpPr>
+          <p:nvPr>
+            <p:ph type="title"/>
+          </p:nvPr>
+        </p:nvSpPr>
+        <p:spPr/>
+        <p:txBody>
+          <a:bodyPr>
+            <a:normAutofit/>
+          </a:bodyPr>
+          <a:lstStyle/>
+          <a:p>
+            <a:r>
+              <a:rPr lang="en-US" dirty="0"/>
+              <a:t>Creating a </a:t>
+            </a:r>
+            <a:r>
+              <a:rPr lang="en-US" dirty="0" err="1"/>
+              <a:t>Chare</a:t>
+            </a:r>
+            <a:endParaRPr lang="en-US" dirty="0"/>
+          </a:p>
+        </p:txBody>
+      </p:sp>
+      <p:sp>
+        <p:nvSpPr>
+          <p:cNvPr id="7" name="Date Placeholder 6"/>
+          <p:cNvSpPr>
+            <a:spLocks noGrp="1"/>
+          </p:cNvSpPr>
+          <p:nvPr>
+            <p:ph type="dt" sz="half" idx="10"/>
+          </p:nvPr>
+        </p:nvSpPr>
+        <p:spPr/>
+        <p:txBody>
+          <a:bodyPr/>
+          <a:lstStyle/>
+          <a:p>
+            <a:fld id="{06EAF201-C85D-6C40-92AB-9574263DA8D2}" type="datetime2">
+              <a:rPr lang="en-US" smtClean="0"/>
+              <a:t>Wednesday, September 10, 14</a:t>
+            </a:fld>
+            <a:endParaRPr lang="en-US" dirty="0"/>
+          </a:p>
+        </p:txBody>
+      </p:sp>
+      <p:sp>
+        <p:nvSpPr>
+          <p:cNvPr id="8" name="Footer Placeholder 7"/>
+          <p:cNvSpPr>
+            <a:spLocks noGrp="1"/>
+          </p:cNvSpPr>
+          <p:nvPr>
+            <p:ph type="ftr" sz="quarter" idx="11"/>
+          </p:nvPr>
+        </p:nvSpPr>
+        <p:spPr/>
+        <p:txBody>
+          <a:bodyPr/>
+          <a:lstStyle/>
+          <a:p>
+            <a:pPr algn="r"/>
+            <a:r>
+              <a:rPr lang="en-US" smtClean="0"/>
+              <a:t>Sanjay Kalé and PPL (UIUC) – Parallel Migratable Objects </a:t>
+            </a:r>
+            <a:endParaRPr lang="en-US" dirty="0"/>
+          </a:p>
+        </p:txBody>
+      </p:sp>
+      <p:sp>
+        <p:nvSpPr>
+          <p:cNvPr id="9" name="Slide Number Placeholder 8"/>
+          <p:cNvSpPr>
+            <a:spLocks noGrp="1"/>
+          </p:cNvSpPr>
+          <p:nvPr>
+            <p:ph type="sldNum" sz="quarter" idx="12"/>
+          </p:nvPr>
+        </p:nvSpPr>
+        <p:spPr/>
+        <p:txBody>
+          <a:bodyPr/>
+          <a:lstStyle/>
+          <a:p>
+            <a:fld id="{0CFEC368-1D7A-4F81-ABF6-AE0E36BAF64C}" type="slidenum">
+              <a:rPr lang="en-US" smtClean="0"/>
+              <a:pPr/>
+              <a:t>7</a:t>
+            </a:fld>
+            <a:endParaRPr lang="en-US" dirty="0"/>
+          </a:p>
+        </p:txBody>
+      </p:sp>
+      <p:sp>
+        <p:nvSpPr>
+          <p:cNvPr id="3" name="Content Placeholder 2"/>
+          <p:cNvSpPr>
+            <a:spLocks noGrp="1"/>
+          </p:cNvSpPr>
+          <p:nvPr>
+            <p:ph sz="quarter" idx="13"/>
+          </p:nvPr>
+        </p:nvSpPr>
+        <p:spPr>
+          <a:xfrm>
+            <a:off x="261865" y="1843246"/>
+            <a:ext cx="8615360" cy="880064"/>
+          </a:xfrm>
+        </p:spPr>
+        <p:txBody>
+          <a:bodyPr/>
+          <a:lstStyle/>
+          <a:p>
+            <a:r>
+              <a:rPr lang="en-US" dirty="0"/>
+              <a:t>A </a:t>
+            </a:r>
+            <a:r>
+              <a:rPr lang="en-US" dirty="0" err="1"/>
+              <a:t>chare</a:t>
+            </a:r>
+            <a:r>
+              <a:rPr lang="en-US" dirty="0"/>
+              <a:t> declared as </a:t>
+            </a:r>
+            <a:r>
+              <a:rPr lang="en-US" dirty="0" err="1">
+                <a:latin typeface="Lucida Console"/>
+                <a:cs typeface="Lucida Console"/>
+              </a:rPr>
+              <a:t>chare</a:t>
+            </a:r>
+            <a:r>
+              <a:rPr lang="en-US" dirty="0">
+                <a:latin typeface="Lucida Console"/>
+                <a:cs typeface="Lucida Console"/>
+              </a:rPr>
+              <a:t> </a:t>
+            </a:r>
+            <a:r>
+              <a:rPr lang="en-US" dirty="0" err="1">
+                <a:latin typeface="Lucida Console"/>
+                <a:cs typeface="Lucida Console"/>
+              </a:rPr>
+              <a:t>MyChare</a:t>
+            </a:r>
+            <a:r>
+              <a:rPr lang="en-US" dirty="0">
+                <a:latin typeface="Lucida Console"/>
+                <a:cs typeface="Lucida Console"/>
+              </a:rPr>
+              <a:t> {...}; </a:t>
+            </a:r>
+            <a:r>
+              <a:rPr lang="en-US" dirty="0"/>
+              <a:t>can be instantiated by the following call:</a:t>
+            </a:r>
+          </a:p>
+        </p:txBody>
+      </p:sp>
+      <p:sp>
+        <p:nvSpPr>
+          <p:cNvPr id="4" name="Content Placeholder 3"/>
+          <p:cNvSpPr>
+            <a:spLocks noGrp="1"/>
+          </p:cNvSpPr>
+          <p:nvPr>
+            <p:ph sz="quarter" idx="14"/>
+          </p:nvPr>
+        </p:nvSpPr>
+        <p:spPr>
+          <a:xfrm>
+            <a:off x="261865" y="2723310"/>
+            <a:ext cx="8615360" cy="474285"/>
+          </a:xfrm>
+          <a:solidFill>
+            <a:srgbClr val="CCD1D9"/>
+          </a:solidFill>
+          <a:ln>
+            <a:solidFill>
+              <a:srgbClr val="292934"/>
+            </a:solidFill>
+          </a:ln>
+        </p:spPr>
+        <p:txBody>
+          <a:bodyPr>
+            <a:normAutofit/>
+          </a:bodyPr>
+          <a:lstStyle/>
+          <a:p>
+            <a:pPr marL="0" indent="0">
+              <a:buNone/>
+            </a:pPr>
+            <a:r>
+              <a:rPr lang="en-US" sz="2000" dirty="0" err="1" smtClean="0">
+                <a:latin typeface="Consolas"/>
+                <a:cs typeface="Consolas"/>
+              </a:rPr>
+              <a:t>CProxy_MyChare</a:t>
+            </a:r>
+            <a:r>
+              <a:rPr lang="en-US" sz="2000" dirty="0">
+                <a:latin typeface="Consolas"/>
+                <a:cs typeface="Consolas"/>
+              </a:rPr>
+              <a:t>::</a:t>
+            </a:r>
+            <a:r>
+              <a:rPr lang="en-US" sz="2000" dirty="0" err="1">
+                <a:latin typeface="Consolas"/>
+                <a:cs typeface="Consolas"/>
+              </a:rPr>
+              <a:t>ckNew</a:t>
+            </a:r>
+            <a:r>
+              <a:rPr lang="en-US" sz="2000" dirty="0" smtClean="0">
+                <a:latin typeface="Consolas"/>
+                <a:cs typeface="Consolas"/>
+              </a:rPr>
+              <a:t>(... constructor </a:t>
+            </a:r>
+            <a:r>
+              <a:rPr lang="en-US" sz="2000" dirty="0">
+                <a:latin typeface="Consolas"/>
+                <a:cs typeface="Consolas"/>
+              </a:rPr>
+              <a:t>arguments ...);</a:t>
+            </a:r>
+          </a:p>
+        </p:txBody>
+      </p:sp>
+      <p:sp>
+        <p:nvSpPr>
+          <p:cNvPr id="5" name="Content Placeholder 4"/>
+          <p:cNvSpPr>
+            <a:spLocks noGrp="1"/>
+          </p:cNvSpPr>
+          <p:nvPr>
+            <p:ph sz="quarter" idx="15"/>
+          </p:nvPr>
+        </p:nvSpPr>
+        <p:spPr>
+          <a:xfrm>
+            <a:off x="261865" y="3512885"/>
+            <a:ext cx="8615360" cy="870971"/>
+          </a:xfrm>
+        </p:spPr>
+        <p:txBody>
+          <a:bodyPr/>
+          <a:lstStyle/>
+          <a:p>
+            <a:r>
+              <a:rPr lang="en-US" dirty="0"/>
+              <a:t>To communicate with this class in the future, a </a:t>
+            </a:r>
+            <a:r>
+              <a:rPr lang="en-US" i="1" dirty="0"/>
+              <a:t>proxy</a:t>
+            </a:r>
+            <a:r>
+              <a:rPr lang="en-US" dirty="0"/>
+              <a:t> to it must be </a:t>
+            </a:r>
+            <a:r>
+              <a:rPr lang="en-US" dirty="0" smtClean="0"/>
+              <a:t>retained </a:t>
+            </a:r>
+            <a:endParaRPr lang="en-US" dirty="0"/>
+          </a:p>
+        </p:txBody>
+      </p:sp>
+      <p:sp>
+        <p:nvSpPr>
+          <p:cNvPr id="6" name="Content Placeholder 5"/>
+          <p:cNvSpPr>
+            <a:spLocks noGrp="1"/>
+          </p:cNvSpPr>
+          <p:nvPr>
+            <p:ph sz="quarter" idx="16"/>
+          </p:nvPr>
+        </p:nvSpPr>
+        <p:spPr>
+          <a:xfrm>
+            <a:off x="261865" y="4475068"/>
+            <a:ext cx="8615360" cy="1136791"/>
+          </a:xfrm>
+          <a:solidFill>
+            <a:srgbClr val="CCD1D9"/>
+          </a:solidFill>
+          <a:ln>
+            <a:solidFill>
+              <a:srgbClr val="292934"/>
+            </a:solidFill>
+          </a:ln>
+        </p:spPr>
+        <p:txBody>
+          <a:bodyPr>
+            <a:normAutofit/>
+          </a:bodyPr>
+          <a:lstStyle/>
+          <a:p>
+            <a:pPr marL="0" indent="0">
+              <a:buNone/>
+            </a:pPr>
+            <a:r>
+              <a:rPr lang="en-US" sz="2000" dirty="0" err="1" smtClean="0">
+                <a:latin typeface="Consolas"/>
+                <a:cs typeface="Consolas"/>
+              </a:rPr>
+              <a:t>CProxy_MyChare</a:t>
+            </a:r>
+            <a:r>
+              <a:rPr lang="en-US" sz="2000" dirty="0" smtClean="0">
+                <a:latin typeface="Consolas"/>
+                <a:cs typeface="Consolas"/>
+              </a:rPr>
+              <a:t> </a:t>
+            </a:r>
+            <a:r>
+              <a:rPr lang="en-US" sz="2000" dirty="0">
+                <a:latin typeface="Consolas"/>
+                <a:cs typeface="Consolas"/>
+              </a:rPr>
+              <a:t>proxy =</a:t>
+            </a:r>
+          </a:p>
+          <a:p>
+            <a:pPr marL="0" indent="0">
+              <a:buNone/>
+            </a:pPr>
+            <a:r>
+              <a:rPr lang="en-US" sz="2000" dirty="0" smtClean="0">
+                <a:latin typeface="Consolas"/>
+                <a:cs typeface="Consolas"/>
+              </a:rPr>
+              <a:t>   </a:t>
+            </a:r>
+            <a:r>
+              <a:rPr lang="en-US" sz="2000" dirty="0" err="1" smtClean="0">
+                <a:latin typeface="Consolas"/>
+                <a:cs typeface="Consolas"/>
+              </a:rPr>
+              <a:t>CProxy_MyChare</a:t>
+            </a:r>
+            <a:r>
+              <a:rPr lang="en-US" sz="2000" dirty="0">
+                <a:latin typeface="Consolas"/>
+                <a:cs typeface="Consolas"/>
+              </a:rPr>
+              <a:t>::</a:t>
+            </a:r>
+            <a:r>
+              <a:rPr lang="en-US" sz="2000" dirty="0" err="1">
+                <a:latin typeface="Consolas"/>
+                <a:cs typeface="Consolas"/>
+              </a:rPr>
+              <a:t>ckNew</a:t>
+            </a:r>
+            <a:r>
+              <a:rPr lang="en-US" sz="2000" dirty="0">
+                <a:latin typeface="Consolas"/>
+                <a:cs typeface="Consolas"/>
+              </a:rPr>
+              <a:t>(... constructor arguments ...);</a:t>
+            </a:r>
+          </a:p>
+        </p:txBody>
+      </p:sp>
+    </p:spTree>
+    <p:extLst>
+      <p:ext uri="{BB962C8B-B14F-4D97-AF65-F5344CB8AC3E}">
+        <p14:creationId xmlns:p14="http://schemas.microsoft.com/office/powerpoint/2010/main" val="1998885243"/>
+      </p:ext>
+    </p:extLst>
+  </p:cSld>
+  <p:clrMapOvr>
+    <a:masterClrMapping/>
+  </p:clrMapOvr>
+</p:sld>
+</file>
+
+<file path=ppt/slides/slide8.xml><?xml version="1.0" encoding="utf-8"?>
+<p:sld xmlns:a="http://schemas.openxmlformats.org/drawingml/2006/main" xmlns:r="http://schemas.openxmlformats.org/officeDocument/2006/relationships" xmlns:p="http://schemas.openxmlformats.org/presentationml/2006/main">
+  <p:cSld>
+    <p:spTree>
+      <p:nvGrpSpPr>
+        <p:cNvPr id="1" name=""/>
+        <p:cNvGrpSpPr/>
+        <p:nvPr/>
+      </p:nvGrpSpPr>
+      <p:grpSpPr>
+        <a:xfrm>
+          <a:off x="0" y="0"/>
+          <a:ext cx="0" cy="0"/>
+          <a:chOff x="0" y="0"/>
+          <a:chExt cx="0" cy="0"/>
+        </a:xfrm>
+      </p:grpSpPr>
+      <p:sp>
+        <p:nvSpPr>
+          <p:cNvPr id="2" name="Title 1"/>
+          <p:cNvSpPr>
+            <a:spLocks noGrp="1"/>
+          </p:cNvSpPr>
+          <p:nvPr>
+            <p:ph type="title"/>
+          </p:nvPr>
+        </p:nvSpPr>
+        <p:spPr/>
+        <p:txBody>
+          <a:bodyPr>
+            <a:normAutofit/>
+          </a:bodyPr>
+          <a:lstStyle/>
+          <a:p>
+            <a:r>
+              <a:rPr lang="en-US" dirty="0" err="1"/>
+              <a:t>Chare</a:t>
+            </a:r>
+            <a:r>
+              <a:rPr lang="en-US" dirty="0"/>
+              <a:t> Proxies</a:t>
+            </a:r>
+          </a:p>
+        </p:txBody>
+      </p:sp>
+      <p:sp>
+        <p:nvSpPr>
+          <p:cNvPr id="8" name="Date Placeholder 7"/>
+          <p:cNvSpPr>
+            <a:spLocks noGrp="1"/>
+          </p:cNvSpPr>
+          <p:nvPr>
+            <p:ph type="dt" sz="half" idx="10"/>
+          </p:nvPr>
+        </p:nvSpPr>
+        <p:spPr/>
+        <p:txBody>
+          <a:bodyPr/>
+          <a:lstStyle/>
+          <a:p>
+            <a:fld id="{516CF2ED-A209-8241-96E4-43915ACF07C6}" type="datetime2">
+              <a:rPr lang="en-US" smtClean="0"/>
+              <a:t>Wednesday, September 10, 14</a:t>
+            </a:fld>
+            <a:endParaRPr lang="en-US" dirty="0"/>
+          </a:p>
+        </p:txBody>
+      </p:sp>
+      <p:sp>
+        <p:nvSpPr>
+          <p:cNvPr id="9" name="Footer Placeholder 8"/>
+          <p:cNvSpPr>
+            <a:spLocks noGrp="1"/>
+          </p:cNvSpPr>
+          <p:nvPr>
+            <p:ph type="ftr" sz="quarter" idx="11"/>
+          </p:nvPr>
+        </p:nvSpPr>
+        <p:spPr/>
+        <p:txBody>
+          <a:bodyPr/>
+          <a:lstStyle/>
+          <a:p>
+            <a:pPr algn="r"/>
+            <a:r>
+              <a:rPr lang="en-US" smtClean="0"/>
+              <a:t>Sanjay Kalé and PPL (UIUC) – Parallel Migratable Objects </a:t>
+            </a:r>
+            <a:endParaRPr lang="en-US" dirty="0"/>
+          </a:p>
+        </p:txBody>
+      </p:sp>
+      <p:sp>
+        <p:nvSpPr>
+          <p:cNvPr id="10" name="Slide Number Placeholder 9"/>
+          <p:cNvSpPr>
+            <a:spLocks noGrp="1"/>
+          </p:cNvSpPr>
+          <p:nvPr>
+            <p:ph type="sldNum" sz="quarter" idx="12"/>
+          </p:nvPr>
+        </p:nvSpPr>
+        <p:spPr/>
+        <p:txBody>
+          <a:bodyPr/>
+          <a:lstStyle/>
+          <a:p>
+            <a:fld id="{0CFEC368-1D7A-4F81-ABF6-AE0E36BAF64C}" type="slidenum">
+              <a:rPr lang="en-US" smtClean="0"/>
+              <a:pPr/>
+              <a:t>8</a:t>
+            </a:fld>
+            <a:endParaRPr lang="en-US" dirty="0"/>
+          </a:p>
+        </p:txBody>
+      </p:sp>
+      <p:sp>
+        <p:nvSpPr>
+          <p:cNvPr id="3" name="Content Placeholder 2"/>
+          <p:cNvSpPr>
+            <a:spLocks noGrp="1"/>
+          </p:cNvSpPr>
+          <p:nvPr>
+            <p:ph sz="quarter" idx="13"/>
+          </p:nvPr>
+        </p:nvSpPr>
+        <p:spPr>
+          <a:xfrm>
+            <a:off x="261865" y="909978"/>
+            <a:ext cx="8615360" cy="2558252"/>
+          </a:xfrm>
+        </p:spPr>
+        <p:txBody>
+          <a:bodyPr>
+            <a:normAutofit/>
+          </a:bodyPr>
+          <a:lstStyle/>
+          <a:p>
+            <a:r>
+              <a:rPr lang="en-US" dirty="0"/>
+              <a:t>A </a:t>
+            </a:r>
+            <a:r>
+              <a:rPr lang="en-US" dirty="0" err="1"/>
+              <a:t>chare’s</a:t>
+            </a:r>
+            <a:r>
+              <a:rPr lang="en-US" dirty="0"/>
+              <a:t> own proxy can be obtained through a special </a:t>
+            </a:r>
+            <a:r>
+              <a:rPr lang="en-US" dirty="0" smtClean="0"/>
+              <a:t>variable </a:t>
+            </a:r>
+            <a:r>
+              <a:rPr lang="en-US" dirty="0" err="1" smtClean="0">
+                <a:latin typeface="Lucida Console"/>
+                <a:cs typeface="Lucida Console"/>
+              </a:rPr>
+              <a:t>thisProxy</a:t>
+            </a:r>
+            <a:endParaRPr lang="en-US" dirty="0">
+              <a:latin typeface="Lucida Console"/>
+              <a:cs typeface="Lucida Console"/>
+            </a:endParaRPr>
+          </a:p>
+          <a:p>
+            <a:r>
+              <a:rPr lang="en-US" dirty="0" err="1"/>
+              <a:t>Chare</a:t>
+            </a:r>
+            <a:r>
+              <a:rPr lang="en-US" dirty="0"/>
+              <a:t> proxies can also be passed so </a:t>
+            </a:r>
+            <a:r>
+              <a:rPr lang="en-US" dirty="0" err="1"/>
+              <a:t>chares</a:t>
+            </a:r>
+            <a:r>
+              <a:rPr lang="en-US" dirty="0"/>
+              <a:t> can learn about others </a:t>
+            </a:r>
+            <a:endParaRPr lang="en-US" dirty="0" smtClean="0"/>
+          </a:p>
+          <a:p>
+            <a:r>
+              <a:rPr lang="en-US" dirty="0" smtClean="0"/>
+              <a:t>In </a:t>
+            </a:r>
+            <a:r>
+              <a:rPr lang="en-US" dirty="0"/>
+              <a:t>this snippet, </a:t>
+            </a:r>
+            <a:r>
+              <a:rPr lang="en-US" dirty="0" err="1">
+                <a:latin typeface="Lucida Console"/>
+                <a:cs typeface="Lucida Console"/>
+              </a:rPr>
+              <a:t>MyChare</a:t>
+            </a:r>
+            <a:r>
+              <a:rPr lang="en-US" dirty="0"/>
+              <a:t> learns about a </a:t>
+            </a:r>
+            <a:r>
+              <a:rPr lang="en-US" dirty="0" err="1"/>
+              <a:t>chare</a:t>
+            </a:r>
+            <a:r>
+              <a:rPr lang="en-US" dirty="0"/>
+              <a:t> instance </a:t>
+            </a:r>
+            <a:r>
+              <a:rPr lang="en-US" dirty="0">
+                <a:latin typeface="Lucida Console"/>
+                <a:cs typeface="Lucida Console"/>
+              </a:rPr>
+              <a:t>main</a:t>
+            </a:r>
+            <a:r>
+              <a:rPr lang="en-US" dirty="0"/>
+              <a:t> , </a:t>
+            </a:r>
+            <a:r>
+              <a:rPr lang="en-US" dirty="0" smtClean="0"/>
+              <a:t>and then </a:t>
+            </a:r>
+            <a:r>
+              <a:rPr lang="en-US" dirty="0"/>
+              <a:t>invokes a method on it:</a:t>
+            </a:r>
+          </a:p>
+        </p:txBody>
+      </p:sp>
+      <p:sp>
+        <p:nvSpPr>
+          <p:cNvPr id="4" name="Content Placeholder 3"/>
+          <p:cNvSpPr>
+            <a:spLocks noGrp="1"/>
+          </p:cNvSpPr>
+          <p:nvPr>
+            <p:ph sz="quarter" idx="14"/>
+          </p:nvPr>
+        </p:nvSpPr>
+        <p:spPr>
+          <a:xfrm>
+            <a:off x="261865" y="3468230"/>
+            <a:ext cx="8615360" cy="493867"/>
+          </a:xfrm>
+        </p:spPr>
+        <p:txBody>
+          <a:bodyPr/>
+          <a:lstStyle/>
+          <a:p>
+            <a:pPr marL="0" indent="0">
+              <a:buNone/>
+            </a:pPr>
+            <a:r>
+              <a:rPr lang="en-US" dirty="0" smtClean="0"/>
+              <a:t>.ci file</a:t>
+            </a:r>
+            <a:endParaRPr lang="en-US" dirty="0"/>
+          </a:p>
+        </p:txBody>
+      </p:sp>
+      <p:sp>
+        <p:nvSpPr>
+          <p:cNvPr id="5" name="Content Placeholder 4"/>
+          <p:cNvSpPr>
+            <a:spLocks noGrp="1"/>
+          </p:cNvSpPr>
+          <p:nvPr>
+            <p:ph sz="quarter" idx="15"/>
+          </p:nvPr>
+        </p:nvSpPr>
+        <p:spPr>
+          <a:xfrm>
+            <a:off x="261865" y="3962097"/>
+            <a:ext cx="8615360" cy="516587"/>
+          </a:xfrm>
+          <a:solidFill>
+            <a:srgbClr val="CCD1D9"/>
+          </a:solidFill>
+          <a:ln>
+            <a:solidFill>
+              <a:srgbClr val="292934"/>
+            </a:solidFill>
+          </a:ln>
+        </p:spPr>
+        <p:txBody>
+          <a:bodyPr>
+            <a:normAutofit/>
+          </a:bodyPr>
+          <a:lstStyle/>
+          <a:p>
+            <a:pPr marL="0" indent="0">
+              <a:buNone/>
+            </a:pPr>
+            <a:r>
+              <a:rPr lang="en-US" b="1" dirty="0">
+                <a:latin typeface="Consolas"/>
+                <a:cs typeface="Consolas"/>
+              </a:rPr>
+              <a:t>entry void </a:t>
+            </a:r>
+            <a:r>
+              <a:rPr lang="en-US" dirty="0">
+                <a:latin typeface="Consolas"/>
+                <a:cs typeface="Consolas"/>
+              </a:rPr>
+              <a:t>foobar2</a:t>
+            </a:r>
+            <a:r>
+              <a:rPr lang="en-US" dirty="0" smtClean="0">
+                <a:latin typeface="Consolas"/>
+                <a:cs typeface="Consolas"/>
+              </a:rPr>
+              <a:t>(</a:t>
+            </a:r>
+            <a:r>
+              <a:rPr lang="en-US" dirty="0" err="1" smtClean="0">
+                <a:latin typeface="Consolas"/>
+                <a:cs typeface="Consolas"/>
+              </a:rPr>
+              <a:t>CProxy_Main</a:t>
+            </a:r>
+            <a:r>
+              <a:rPr lang="en-US" dirty="0" smtClean="0">
+                <a:latin typeface="Consolas"/>
+                <a:cs typeface="Consolas"/>
+              </a:rPr>
+              <a:t> </a:t>
+            </a:r>
+            <a:r>
+              <a:rPr lang="en-US" dirty="0">
+                <a:latin typeface="Consolas"/>
+                <a:cs typeface="Consolas"/>
+              </a:rPr>
+              <a:t>main);</a:t>
+            </a:r>
+          </a:p>
+        </p:txBody>
+      </p:sp>
+      <p:sp>
+        <p:nvSpPr>
+          <p:cNvPr id="6" name="Content Placeholder 5"/>
+          <p:cNvSpPr>
+            <a:spLocks noGrp="1"/>
+          </p:cNvSpPr>
+          <p:nvPr>
+            <p:ph sz="quarter" idx="16"/>
+          </p:nvPr>
+        </p:nvSpPr>
+        <p:spPr>
+          <a:xfrm>
+            <a:off x="261865" y="4478684"/>
+            <a:ext cx="8615360" cy="556151"/>
+          </a:xfrm>
+        </p:spPr>
+        <p:txBody>
+          <a:bodyPr/>
+          <a:lstStyle/>
+          <a:p>
+            <a:pPr marL="0" indent="0">
+              <a:buNone/>
+            </a:pPr>
+            <a:r>
+              <a:rPr lang="en-US" dirty="0" smtClean="0"/>
+              <a:t>.C file</a:t>
+            </a:r>
+            <a:endParaRPr lang="en-US" dirty="0"/>
+          </a:p>
+        </p:txBody>
+      </p:sp>
+      <p:sp>
+        <p:nvSpPr>
+          <p:cNvPr id="7" name="Content Placeholder 4"/>
+          <p:cNvSpPr txBox="1">
+            <a:spLocks/>
+          </p:cNvSpPr>
+          <p:nvPr/>
+        </p:nvSpPr>
+        <p:spPr>
+          <a:xfrm>
+            <a:off x="261865" y="5034835"/>
+            <a:ext cx="8615360" cy="1453380"/>
           </a:xfrm>
           <a:prstGeom prst="rect">
             <a:avLst/>
@@ -23677,1329 +25183,6 @@
               <a:buNone/>
             </a:pPr>
             <a:r>
-              <a:rPr lang="en-US" dirty="0" err="1"/>
-              <a:t>MyChare</a:t>
-            </a:r>
-            <a:r>
-              <a:rPr lang="en-US" dirty="0"/>
-              <a:t>::</a:t>
-            </a:r>
-            <a:r>
-              <a:rPr lang="en-US" dirty="0" err="1"/>
-              <a:t>MyChare</a:t>
-            </a:r>
-            <a:r>
-              <a:rPr lang="en-US" dirty="0"/>
-              <a:t>() { </a:t>
-            </a:r>
-            <a:r>
-              <a:rPr lang="en-US" i="1" dirty="0"/>
-              <a:t>/∗... constructor code ...∗/ </a:t>
-            </a:r>
-            <a:r>
-              <a:rPr lang="en-US" dirty="0"/>
-              <a:t>}</a:t>
-            </a:r>
-          </a:p>
-          <a:p>
-            <a:pPr marL="0" indent="0">
-              <a:buNone/>
-            </a:pPr>
-            <a:r>
-              <a:rPr lang="en-US" dirty="0" err="1"/>
-              <a:t>MyChare</a:t>
-            </a:r>
-            <a:r>
-              <a:rPr lang="en-US" dirty="0"/>
-              <a:t>::foo() { </a:t>
-            </a:r>
-            <a:r>
-              <a:rPr lang="en-US" i="1" dirty="0"/>
-              <a:t>/∗... code to execute ...∗/ </a:t>
-            </a:r>
-            <a:r>
-              <a:rPr lang="en-US" dirty="0"/>
-              <a:t>} </a:t>
-            </a:r>
-            <a:endParaRPr lang="en-US" dirty="0" smtClean="0"/>
-          </a:p>
-          <a:p>
-            <a:pPr marL="0" indent="0">
-              <a:buNone/>
-            </a:pPr>
-            <a:r>
-              <a:rPr lang="en-US" dirty="0" err="1" smtClean="0"/>
-              <a:t>MyChare</a:t>
-            </a:r>
-            <a:r>
-              <a:rPr lang="en-US" dirty="0"/>
-              <a:t>::bar(</a:t>
-            </a:r>
-            <a:r>
-              <a:rPr lang="en-US" b="1" dirty="0" err="1"/>
-              <a:t>int</a:t>
-            </a:r>
-            <a:r>
-              <a:rPr lang="en-US" dirty="0"/>
-              <a:t> </a:t>
-            </a:r>
-            <a:r>
-              <a:rPr lang="en-US" dirty="0" err="1"/>
-              <a:t>param</a:t>
-            </a:r>
-            <a:r>
-              <a:rPr lang="en-US" dirty="0"/>
-              <a:t>) {</a:t>
-            </a:r>
-            <a:r>
-              <a:rPr lang="en-US" i="1" dirty="0"/>
-              <a:t> /∗... code to execute ...∗/ </a:t>
-            </a:r>
-            <a:r>
-              <a:rPr lang="en-US" dirty="0"/>
-              <a:t>}</a:t>
-            </a:r>
-          </a:p>
-        </p:txBody>
-      </p:sp>
-    </p:spTree>
-    <p:extLst>
-      <p:ext uri="{BB962C8B-B14F-4D97-AF65-F5344CB8AC3E}">
-        <p14:creationId xmlns:p14="http://schemas.microsoft.com/office/powerpoint/2010/main" val="1527180860"/>
-      </p:ext>
-    </p:extLst>
-  </p:cSld>
-  <p:clrMapOvr>
-    <a:masterClrMapping/>
-  </p:clrMapOvr>
-</p:sld>
-</file>
-
-<file path=ppt/slides/slide6.xml><?xml version="1.0" encoding="utf-8"?>
-<p:sld xmlns:a="http://schemas.openxmlformats.org/drawingml/2006/main" xmlns:r="http://schemas.openxmlformats.org/officeDocument/2006/relationships" xmlns:p="http://schemas.openxmlformats.org/presentationml/2006/main">
-  <p:cSld>
-    <p:spTree>
-      <p:nvGrpSpPr>
-        <p:cNvPr id="1" name=""/>
-        <p:cNvGrpSpPr/>
-        <p:nvPr/>
-      </p:nvGrpSpPr>
-      <p:grpSpPr>
-        <a:xfrm>
-          <a:off x="0" y="0"/>
-          <a:ext cx="0" cy="0"/>
-          <a:chOff x="0" y="0"/>
-          <a:chExt cx="0" cy="0"/>
-        </a:xfrm>
-      </p:grpSpPr>
-      <p:sp>
-        <p:nvSpPr>
-          <p:cNvPr id="2" name="Title 1"/>
-          <p:cNvSpPr>
-            <a:spLocks noGrp="1"/>
-          </p:cNvSpPr>
-          <p:nvPr>
-            <p:ph type="title"/>
-          </p:nvPr>
-        </p:nvSpPr>
-        <p:spPr/>
-        <p:txBody>
-          <a:bodyPr>
-            <a:normAutofit/>
-          </a:bodyPr>
-          <a:lstStyle/>
-          <a:p>
-            <a:r>
-              <a:rPr lang="en-US" dirty="0"/>
-              <a:t>Charm Interface: </a:t>
-            </a:r>
-            <a:r>
-              <a:rPr lang="en-US" dirty="0" err="1"/>
-              <a:t>mainchare</a:t>
-            </a:r>
-            <a:endParaRPr lang="en-US" dirty="0"/>
-          </a:p>
-        </p:txBody>
-      </p:sp>
-      <p:sp>
-        <p:nvSpPr>
-          <p:cNvPr id="3" name="Content Placeholder 2"/>
-          <p:cNvSpPr>
-            <a:spLocks noGrp="1"/>
-          </p:cNvSpPr>
-          <p:nvPr>
-            <p:ph idx="1"/>
-          </p:nvPr>
-        </p:nvSpPr>
-        <p:spPr/>
-        <p:txBody>
-          <a:bodyPr/>
-          <a:lstStyle/>
-          <a:p>
-            <a:r>
-              <a:rPr lang="en-US" dirty="0"/>
-              <a:t>Execution begins with the </a:t>
-            </a:r>
-            <a:r>
-              <a:rPr lang="en-US" dirty="0" err="1"/>
-              <a:t>mainchare’s</a:t>
-            </a:r>
-            <a:r>
-              <a:rPr lang="en-US" dirty="0"/>
-              <a:t> constructor</a:t>
-            </a:r>
-          </a:p>
-          <a:p>
-            <a:r>
-              <a:rPr lang="en-US" dirty="0"/>
-              <a:t>The </a:t>
-            </a:r>
-            <a:r>
-              <a:rPr lang="en-US" dirty="0" err="1"/>
-              <a:t>mainchare’s</a:t>
-            </a:r>
-            <a:r>
-              <a:rPr lang="en-US" dirty="0"/>
-              <a:t> constructor takes a pointer to system-defined </a:t>
-            </a:r>
-            <a:r>
-              <a:rPr lang="en-US" dirty="0" smtClean="0"/>
-              <a:t>class </a:t>
-            </a:r>
-            <a:r>
-              <a:rPr lang="en-US" dirty="0" err="1" smtClean="0">
-                <a:latin typeface="Lucida Console"/>
-                <a:cs typeface="Lucida Console"/>
-              </a:rPr>
-              <a:t>CkArgMsg</a:t>
-            </a:r>
-            <a:endParaRPr lang="en-US" dirty="0">
-              <a:latin typeface="Lucida Console"/>
-              <a:cs typeface="Lucida Console"/>
-            </a:endParaRPr>
-          </a:p>
-          <a:p>
-            <a:r>
-              <a:rPr lang="en-US" dirty="0" err="1" smtClean="0">
-                <a:latin typeface="Lucida Console"/>
-                <a:cs typeface="Lucida Console"/>
-              </a:rPr>
-              <a:t>CkArgMsg</a:t>
-            </a:r>
-            <a:r>
-              <a:rPr lang="en-US" dirty="0" smtClean="0"/>
-              <a:t> contains </a:t>
-            </a:r>
-            <a:r>
-              <a:rPr lang="en-US" dirty="0" err="1">
-                <a:latin typeface="Lucida Console"/>
-                <a:cs typeface="Lucida Console"/>
-              </a:rPr>
-              <a:t>argv</a:t>
-            </a:r>
-            <a:r>
-              <a:rPr lang="en-US" dirty="0"/>
-              <a:t> and </a:t>
-            </a:r>
-            <a:r>
-              <a:rPr lang="en-US" dirty="0" err="1">
-                <a:latin typeface="Lucida Console"/>
-                <a:cs typeface="Lucida Console"/>
-              </a:rPr>
-              <a:t>argc</a:t>
-            </a:r>
-            <a:endParaRPr lang="en-US" dirty="0">
-              <a:latin typeface="Lucida Console"/>
-              <a:cs typeface="Lucida Console"/>
-            </a:endParaRPr>
-          </a:p>
-          <a:p>
-            <a:r>
-              <a:rPr lang="en-US" dirty="0"/>
-              <a:t>The </a:t>
-            </a:r>
-            <a:r>
-              <a:rPr lang="en-US" dirty="0" err="1"/>
-              <a:t>mainchare</a:t>
-            </a:r>
-            <a:r>
-              <a:rPr lang="en-US" dirty="0"/>
-              <a:t> will typically creates some additional </a:t>
-            </a:r>
-            <a:r>
-              <a:rPr lang="en-US" dirty="0" err="1"/>
-              <a:t>chares</a:t>
-            </a:r>
-            <a:endParaRPr lang="en-US" dirty="0"/>
-          </a:p>
-        </p:txBody>
-      </p:sp>
-      <p:sp>
-        <p:nvSpPr>
-          <p:cNvPr id="4" name="Date Placeholder 3"/>
-          <p:cNvSpPr>
-            <a:spLocks noGrp="1"/>
-          </p:cNvSpPr>
-          <p:nvPr>
-            <p:ph type="dt" sz="half" idx="10"/>
-          </p:nvPr>
-        </p:nvSpPr>
-        <p:spPr/>
-        <p:txBody>
-          <a:bodyPr/>
-          <a:lstStyle/>
-          <a:p>
-            <a:fld id="{6406B148-C837-5A4A-9177-E769F997E00D}" type="datetime2">
-              <a:rPr lang="en-US" smtClean="0"/>
-              <a:t>Tuesday, September 9, 14</a:t>
-            </a:fld>
-            <a:endParaRPr lang="en-US"/>
-          </a:p>
-        </p:txBody>
-      </p:sp>
-      <p:sp>
-        <p:nvSpPr>
-          <p:cNvPr id="5" name="Footer Placeholder 4"/>
-          <p:cNvSpPr>
-            <a:spLocks noGrp="1"/>
-          </p:cNvSpPr>
-          <p:nvPr>
-            <p:ph type="ftr" sz="quarter" idx="11"/>
-          </p:nvPr>
-        </p:nvSpPr>
-        <p:spPr/>
-        <p:txBody>
-          <a:bodyPr/>
-          <a:lstStyle/>
-          <a:p>
-            <a:pPr algn="r"/>
-            <a:r>
-              <a:rPr lang="en-US" smtClean="0"/>
-              <a:t>Sanjay Kalé and PPL (UIUC) – Parallel Migratable Objects </a:t>
-            </a:r>
-            <a:endParaRPr lang="en-US" dirty="0"/>
-          </a:p>
-        </p:txBody>
-      </p:sp>
-      <p:sp>
-        <p:nvSpPr>
-          <p:cNvPr id="6" name="Slide Number Placeholder 5"/>
-          <p:cNvSpPr>
-            <a:spLocks noGrp="1"/>
-          </p:cNvSpPr>
-          <p:nvPr>
-            <p:ph type="sldNum" sz="quarter" idx="12"/>
-          </p:nvPr>
-        </p:nvSpPr>
-        <p:spPr/>
-        <p:txBody>
-          <a:bodyPr/>
-          <a:lstStyle/>
-          <a:p>
-            <a:fld id="{0CFEC368-1D7A-4F81-ABF6-AE0E36BAF64C}" type="slidenum">
-              <a:rPr lang="en-US" smtClean="0"/>
-              <a:pPr/>
-              <a:t>6</a:t>
-            </a:fld>
-            <a:endParaRPr lang="en-US"/>
-          </a:p>
-        </p:txBody>
-      </p:sp>
-    </p:spTree>
-    <p:extLst>
-      <p:ext uri="{BB962C8B-B14F-4D97-AF65-F5344CB8AC3E}">
-        <p14:creationId xmlns:p14="http://schemas.microsoft.com/office/powerpoint/2010/main" val="2641007772"/>
-      </p:ext>
-    </p:extLst>
-  </p:cSld>
-  <p:clrMapOvr>
-    <a:masterClrMapping/>
-  </p:clrMapOvr>
-</p:sld>
-</file>
-
-<file path=ppt/slides/slide7.xml><?xml version="1.0" encoding="utf-8"?>
-<p:sld xmlns:a="http://schemas.openxmlformats.org/drawingml/2006/main" xmlns:r="http://schemas.openxmlformats.org/officeDocument/2006/relationships" xmlns:p="http://schemas.openxmlformats.org/presentationml/2006/main">
-  <p:cSld>
-    <p:spTree>
-      <p:nvGrpSpPr>
-        <p:cNvPr id="1" name=""/>
-        <p:cNvGrpSpPr/>
-        <p:nvPr/>
-      </p:nvGrpSpPr>
-      <p:grpSpPr>
-        <a:xfrm>
-          <a:off x="0" y="0"/>
-          <a:ext cx="0" cy="0"/>
-          <a:chOff x="0" y="0"/>
-          <a:chExt cx="0" cy="0"/>
-        </a:xfrm>
-      </p:grpSpPr>
-      <p:sp>
-        <p:nvSpPr>
-          <p:cNvPr id="2" name="Title 1"/>
-          <p:cNvSpPr>
-            <a:spLocks noGrp="1"/>
-          </p:cNvSpPr>
-          <p:nvPr>
-            <p:ph type="title"/>
-          </p:nvPr>
-        </p:nvSpPr>
-        <p:spPr/>
-        <p:txBody>
-          <a:bodyPr>
-            <a:normAutofit/>
-          </a:bodyPr>
-          <a:lstStyle/>
-          <a:p>
-            <a:r>
-              <a:rPr lang="en-US" dirty="0"/>
-              <a:t>Creating a </a:t>
-            </a:r>
-            <a:r>
-              <a:rPr lang="en-US" dirty="0" err="1"/>
-              <a:t>Chare</a:t>
-            </a:r>
-            <a:endParaRPr lang="en-US" dirty="0"/>
-          </a:p>
-        </p:txBody>
-      </p:sp>
-      <p:sp>
-        <p:nvSpPr>
-          <p:cNvPr id="7" name="Date Placeholder 6"/>
-          <p:cNvSpPr>
-            <a:spLocks noGrp="1"/>
-          </p:cNvSpPr>
-          <p:nvPr>
-            <p:ph type="dt" sz="half" idx="10"/>
-          </p:nvPr>
-        </p:nvSpPr>
-        <p:spPr/>
-        <p:txBody>
-          <a:bodyPr/>
-          <a:lstStyle/>
-          <a:p>
-            <a:fld id="{06EAF201-C85D-6C40-92AB-9574263DA8D2}" type="datetime2">
-              <a:rPr lang="en-US" smtClean="0"/>
-              <a:t>Tuesday, September 9, 14</a:t>
-            </a:fld>
-            <a:endParaRPr lang="en-US" dirty="0"/>
-          </a:p>
-        </p:txBody>
-      </p:sp>
-      <p:sp>
-        <p:nvSpPr>
-          <p:cNvPr id="8" name="Footer Placeholder 7"/>
-          <p:cNvSpPr>
-            <a:spLocks noGrp="1"/>
-          </p:cNvSpPr>
-          <p:nvPr>
-            <p:ph type="ftr" sz="quarter" idx="11"/>
-          </p:nvPr>
-        </p:nvSpPr>
-        <p:spPr/>
-        <p:txBody>
-          <a:bodyPr/>
-          <a:lstStyle/>
-          <a:p>
-            <a:pPr algn="r"/>
-            <a:r>
-              <a:rPr lang="en-US" smtClean="0"/>
-              <a:t>Sanjay Kalé and PPL (UIUC) – Parallel Migratable Objects </a:t>
-            </a:r>
-            <a:endParaRPr lang="en-US" dirty="0"/>
-          </a:p>
-        </p:txBody>
-      </p:sp>
-      <p:sp>
-        <p:nvSpPr>
-          <p:cNvPr id="9" name="Slide Number Placeholder 8"/>
-          <p:cNvSpPr>
-            <a:spLocks noGrp="1"/>
-          </p:cNvSpPr>
-          <p:nvPr>
-            <p:ph type="sldNum" sz="quarter" idx="12"/>
-          </p:nvPr>
-        </p:nvSpPr>
-        <p:spPr/>
-        <p:txBody>
-          <a:bodyPr/>
-          <a:lstStyle/>
-          <a:p>
-            <a:fld id="{0CFEC368-1D7A-4F81-ABF6-AE0E36BAF64C}" type="slidenum">
-              <a:rPr lang="en-US" smtClean="0"/>
-              <a:pPr/>
-              <a:t>7</a:t>
-            </a:fld>
-            <a:endParaRPr lang="en-US" dirty="0"/>
-          </a:p>
-        </p:txBody>
-      </p:sp>
-      <p:sp>
-        <p:nvSpPr>
-          <p:cNvPr id="3" name="Content Placeholder 2"/>
-          <p:cNvSpPr>
-            <a:spLocks noGrp="1"/>
-          </p:cNvSpPr>
-          <p:nvPr>
-            <p:ph sz="quarter" idx="13"/>
-          </p:nvPr>
-        </p:nvSpPr>
-        <p:spPr>
-          <a:xfrm>
-            <a:off x="261865" y="1843246"/>
-            <a:ext cx="8615360" cy="880064"/>
-          </a:xfrm>
-        </p:spPr>
-        <p:txBody>
-          <a:bodyPr/>
-          <a:lstStyle/>
-          <a:p>
-            <a:r>
-              <a:rPr lang="en-US" dirty="0"/>
-              <a:t>A </a:t>
-            </a:r>
-            <a:r>
-              <a:rPr lang="en-US" dirty="0" err="1"/>
-              <a:t>chare</a:t>
-            </a:r>
-            <a:r>
-              <a:rPr lang="en-US" dirty="0"/>
-              <a:t> declared as </a:t>
-            </a:r>
-            <a:r>
-              <a:rPr lang="en-US" dirty="0" err="1">
-                <a:latin typeface="Lucida Console"/>
-                <a:cs typeface="Lucida Console"/>
-              </a:rPr>
-              <a:t>chare</a:t>
-            </a:r>
-            <a:r>
-              <a:rPr lang="en-US" dirty="0">
-                <a:latin typeface="Lucida Console"/>
-                <a:cs typeface="Lucida Console"/>
-              </a:rPr>
-              <a:t> </a:t>
-            </a:r>
-            <a:r>
-              <a:rPr lang="en-US" dirty="0" err="1">
-                <a:latin typeface="Lucida Console"/>
-                <a:cs typeface="Lucida Console"/>
-              </a:rPr>
-              <a:t>MyChare</a:t>
-            </a:r>
-            <a:r>
-              <a:rPr lang="en-US" dirty="0">
-                <a:latin typeface="Lucida Console"/>
-                <a:cs typeface="Lucida Console"/>
-              </a:rPr>
-              <a:t> {...}; </a:t>
-            </a:r>
-            <a:r>
-              <a:rPr lang="en-US" dirty="0"/>
-              <a:t>can be instantiated by the following call:</a:t>
-            </a:r>
-          </a:p>
-        </p:txBody>
-      </p:sp>
-      <p:sp>
-        <p:nvSpPr>
-          <p:cNvPr id="4" name="Content Placeholder 3"/>
-          <p:cNvSpPr>
-            <a:spLocks noGrp="1"/>
-          </p:cNvSpPr>
-          <p:nvPr>
-            <p:ph sz="quarter" idx="14"/>
-          </p:nvPr>
-        </p:nvSpPr>
-        <p:spPr>
-          <a:xfrm>
-            <a:off x="261865" y="2723310"/>
-            <a:ext cx="8615360" cy="474285"/>
-          </a:xfrm>
-          <a:solidFill>
-            <a:srgbClr val="CCD1D9"/>
-          </a:solidFill>
-          <a:ln>
-            <a:solidFill>
-              <a:srgbClr val="292934"/>
-            </a:solidFill>
-          </a:ln>
-        </p:spPr>
-        <p:txBody>
-          <a:bodyPr>
-            <a:normAutofit/>
-          </a:bodyPr>
-          <a:lstStyle/>
-          <a:p>
-            <a:pPr marL="0" indent="0">
-              <a:buNone/>
-            </a:pPr>
-            <a:r>
-              <a:rPr lang="en-US" sz="2000" dirty="0" err="1" smtClean="0">
-                <a:latin typeface="Consolas"/>
-                <a:cs typeface="Consolas"/>
-              </a:rPr>
-              <a:t>CProxy_MyChare</a:t>
-            </a:r>
-            <a:r>
-              <a:rPr lang="en-US" sz="2000" dirty="0">
-                <a:latin typeface="Consolas"/>
-                <a:cs typeface="Consolas"/>
-              </a:rPr>
-              <a:t>::</a:t>
-            </a:r>
-            <a:r>
-              <a:rPr lang="en-US" sz="2000" dirty="0" err="1">
-                <a:latin typeface="Consolas"/>
-                <a:cs typeface="Consolas"/>
-              </a:rPr>
-              <a:t>ckNew</a:t>
-            </a:r>
-            <a:r>
-              <a:rPr lang="en-US" sz="2000" dirty="0" smtClean="0">
-                <a:latin typeface="Consolas"/>
-                <a:cs typeface="Consolas"/>
-              </a:rPr>
-              <a:t>(... constructor </a:t>
-            </a:r>
-            <a:r>
-              <a:rPr lang="en-US" sz="2000" dirty="0">
-                <a:latin typeface="Consolas"/>
-                <a:cs typeface="Consolas"/>
-              </a:rPr>
-              <a:t>arguments ...);</a:t>
-            </a:r>
-          </a:p>
-        </p:txBody>
-      </p:sp>
-      <p:sp>
-        <p:nvSpPr>
-          <p:cNvPr id="5" name="Content Placeholder 4"/>
-          <p:cNvSpPr>
-            <a:spLocks noGrp="1"/>
-          </p:cNvSpPr>
-          <p:nvPr>
-            <p:ph sz="quarter" idx="15"/>
-          </p:nvPr>
-        </p:nvSpPr>
-        <p:spPr>
-          <a:xfrm>
-            <a:off x="261865" y="3512885"/>
-            <a:ext cx="8615360" cy="870971"/>
-          </a:xfrm>
-        </p:spPr>
-        <p:txBody>
-          <a:bodyPr/>
-          <a:lstStyle/>
-          <a:p>
-            <a:r>
-              <a:rPr lang="en-US" dirty="0"/>
-              <a:t>To communicate with this class in the future, a </a:t>
-            </a:r>
-            <a:r>
-              <a:rPr lang="en-US" i="1" dirty="0"/>
-              <a:t>proxy</a:t>
-            </a:r>
-            <a:r>
-              <a:rPr lang="en-US" dirty="0"/>
-              <a:t> to it must be </a:t>
-            </a:r>
-            <a:r>
-              <a:rPr lang="en-US" dirty="0" smtClean="0"/>
-              <a:t>retained </a:t>
-            </a:r>
-            <a:endParaRPr lang="en-US" dirty="0"/>
-          </a:p>
-        </p:txBody>
-      </p:sp>
-      <p:sp>
-        <p:nvSpPr>
-          <p:cNvPr id="6" name="Content Placeholder 5"/>
-          <p:cNvSpPr>
-            <a:spLocks noGrp="1"/>
-          </p:cNvSpPr>
-          <p:nvPr>
-            <p:ph sz="quarter" idx="16"/>
-          </p:nvPr>
-        </p:nvSpPr>
-        <p:spPr>
-          <a:xfrm>
-            <a:off x="261865" y="4475068"/>
-            <a:ext cx="8615360" cy="1136791"/>
-          </a:xfrm>
-          <a:solidFill>
-            <a:srgbClr val="CCD1D9"/>
-          </a:solidFill>
-          <a:ln>
-            <a:solidFill>
-              <a:srgbClr val="292934"/>
-            </a:solidFill>
-          </a:ln>
-        </p:spPr>
-        <p:txBody>
-          <a:bodyPr>
-            <a:normAutofit/>
-          </a:bodyPr>
-          <a:lstStyle/>
-          <a:p>
-            <a:pPr marL="0" indent="0">
-              <a:buNone/>
-            </a:pPr>
-            <a:r>
-              <a:rPr lang="en-US" sz="2000" dirty="0" err="1" smtClean="0">
-                <a:latin typeface="Consolas"/>
-                <a:cs typeface="Consolas"/>
-              </a:rPr>
-              <a:t>CProxy_MyChare</a:t>
-            </a:r>
-            <a:r>
-              <a:rPr lang="en-US" sz="2000" dirty="0" smtClean="0">
-                <a:latin typeface="Consolas"/>
-                <a:cs typeface="Consolas"/>
-              </a:rPr>
-              <a:t> </a:t>
-            </a:r>
-            <a:r>
-              <a:rPr lang="en-US" sz="2000" dirty="0">
-                <a:latin typeface="Consolas"/>
-                <a:cs typeface="Consolas"/>
-              </a:rPr>
-              <a:t>proxy =</a:t>
-            </a:r>
-          </a:p>
-          <a:p>
-            <a:pPr marL="0" indent="0">
-              <a:buNone/>
-            </a:pPr>
-            <a:r>
-              <a:rPr lang="en-US" sz="2000" dirty="0" smtClean="0">
-                <a:latin typeface="Consolas"/>
-                <a:cs typeface="Consolas"/>
-              </a:rPr>
-              <a:t>   </a:t>
-            </a:r>
-            <a:r>
-              <a:rPr lang="en-US" sz="2000" dirty="0" err="1" smtClean="0">
-                <a:latin typeface="Consolas"/>
-                <a:cs typeface="Consolas"/>
-              </a:rPr>
-              <a:t>CProxy_MyChare</a:t>
-            </a:r>
-            <a:r>
-              <a:rPr lang="en-US" sz="2000" dirty="0">
-                <a:latin typeface="Consolas"/>
-                <a:cs typeface="Consolas"/>
-              </a:rPr>
-              <a:t>::</a:t>
-            </a:r>
-            <a:r>
-              <a:rPr lang="en-US" sz="2000" dirty="0" err="1">
-                <a:latin typeface="Consolas"/>
-                <a:cs typeface="Consolas"/>
-              </a:rPr>
-              <a:t>ckNew</a:t>
-            </a:r>
-            <a:r>
-              <a:rPr lang="en-US" sz="2000" dirty="0">
-                <a:latin typeface="Consolas"/>
-                <a:cs typeface="Consolas"/>
-              </a:rPr>
-              <a:t>(... constructor arguments ...);</a:t>
-            </a:r>
-          </a:p>
-        </p:txBody>
-      </p:sp>
-    </p:spTree>
-    <p:extLst>
-      <p:ext uri="{BB962C8B-B14F-4D97-AF65-F5344CB8AC3E}">
-        <p14:creationId xmlns:p14="http://schemas.microsoft.com/office/powerpoint/2010/main" val="1998885243"/>
-      </p:ext>
-    </p:extLst>
-  </p:cSld>
-  <p:clrMapOvr>
-    <a:masterClrMapping/>
-  </p:clrMapOvr>
-</p:sld>
-</file>
-
-<file path=ppt/slides/slide8.xml><?xml version="1.0" encoding="utf-8"?>
-<p:sld xmlns:a="http://schemas.openxmlformats.org/drawingml/2006/main" xmlns:r="http://schemas.openxmlformats.org/officeDocument/2006/relationships" xmlns:p="http://schemas.openxmlformats.org/presentationml/2006/main">
-  <p:cSld>
-    <p:spTree>
-      <p:nvGrpSpPr>
-        <p:cNvPr id="1" name=""/>
-        <p:cNvGrpSpPr/>
-        <p:nvPr/>
-      </p:nvGrpSpPr>
-      <p:grpSpPr>
-        <a:xfrm>
-          <a:off x="0" y="0"/>
-          <a:ext cx="0" cy="0"/>
-          <a:chOff x="0" y="0"/>
-          <a:chExt cx="0" cy="0"/>
-        </a:xfrm>
-      </p:grpSpPr>
-      <p:sp>
-        <p:nvSpPr>
-          <p:cNvPr id="2" name="Title 1"/>
-          <p:cNvSpPr>
-            <a:spLocks noGrp="1"/>
-          </p:cNvSpPr>
-          <p:nvPr>
-            <p:ph type="title"/>
-          </p:nvPr>
-        </p:nvSpPr>
-        <p:spPr/>
-        <p:txBody>
-          <a:bodyPr>
-            <a:normAutofit/>
-          </a:bodyPr>
-          <a:lstStyle/>
-          <a:p>
-            <a:r>
-              <a:rPr lang="en-US" dirty="0" err="1"/>
-              <a:t>Chare</a:t>
-            </a:r>
-            <a:r>
-              <a:rPr lang="en-US" dirty="0"/>
-              <a:t> Proxies</a:t>
-            </a:r>
-          </a:p>
-        </p:txBody>
-      </p:sp>
-      <p:sp>
-        <p:nvSpPr>
-          <p:cNvPr id="8" name="Date Placeholder 7"/>
-          <p:cNvSpPr>
-            <a:spLocks noGrp="1"/>
-          </p:cNvSpPr>
-          <p:nvPr>
-            <p:ph type="dt" sz="half" idx="10"/>
-          </p:nvPr>
-        </p:nvSpPr>
-        <p:spPr/>
-        <p:txBody>
-          <a:bodyPr/>
-          <a:lstStyle/>
-          <a:p>
-            <a:fld id="{516CF2ED-A209-8241-96E4-43915ACF07C6}" type="datetime2">
-              <a:rPr lang="en-US" smtClean="0"/>
-              <a:t>Tuesday, September 9, 14</a:t>
-            </a:fld>
-            <a:endParaRPr lang="en-US" dirty="0"/>
-          </a:p>
-        </p:txBody>
-      </p:sp>
-      <p:sp>
-        <p:nvSpPr>
-          <p:cNvPr id="9" name="Footer Placeholder 8"/>
-          <p:cNvSpPr>
-            <a:spLocks noGrp="1"/>
-          </p:cNvSpPr>
-          <p:nvPr>
-            <p:ph type="ftr" sz="quarter" idx="11"/>
-          </p:nvPr>
-        </p:nvSpPr>
-        <p:spPr/>
-        <p:txBody>
-          <a:bodyPr/>
-          <a:lstStyle/>
-          <a:p>
-            <a:pPr algn="r"/>
-            <a:r>
-              <a:rPr lang="en-US" smtClean="0"/>
-              <a:t>Sanjay Kalé and PPL (UIUC) – Parallel Migratable Objects </a:t>
-            </a:r>
-            <a:endParaRPr lang="en-US" dirty="0"/>
-          </a:p>
-        </p:txBody>
-      </p:sp>
-      <p:sp>
-        <p:nvSpPr>
-          <p:cNvPr id="10" name="Slide Number Placeholder 9"/>
-          <p:cNvSpPr>
-            <a:spLocks noGrp="1"/>
-          </p:cNvSpPr>
-          <p:nvPr>
-            <p:ph type="sldNum" sz="quarter" idx="12"/>
-          </p:nvPr>
-        </p:nvSpPr>
-        <p:spPr/>
-        <p:txBody>
-          <a:bodyPr/>
-          <a:lstStyle/>
-          <a:p>
-            <a:fld id="{0CFEC368-1D7A-4F81-ABF6-AE0E36BAF64C}" type="slidenum">
-              <a:rPr lang="en-US" smtClean="0"/>
-              <a:pPr/>
-              <a:t>8</a:t>
-            </a:fld>
-            <a:endParaRPr lang="en-US" dirty="0"/>
-          </a:p>
-        </p:txBody>
-      </p:sp>
-      <p:sp>
-        <p:nvSpPr>
-          <p:cNvPr id="3" name="Content Placeholder 2"/>
-          <p:cNvSpPr>
-            <a:spLocks noGrp="1"/>
-          </p:cNvSpPr>
-          <p:nvPr>
-            <p:ph sz="quarter" idx="13"/>
-          </p:nvPr>
-        </p:nvSpPr>
-        <p:spPr>
-          <a:xfrm>
-            <a:off x="261865" y="909978"/>
-            <a:ext cx="8615360" cy="2558252"/>
-          </a:xfrm>
-        </p:spPr>
-        <p:txBody>
-          <a:bodyPr>
-            <a:normAutofit/>
-          </a:bodyPr>
-          <a:lstStyle/>
-          <a:p>
-            <a:r>
-              <a:rPr lang="en-US" dirty="0"/>
-              <a:t>A </a:t>
-            </a:r>
-            <a:r>
-              <a:rPr lang="en-US" dirty="0" err="1"/>
-              <a:t>chare’s</a:t>
-            </a:r>
-            <a:r>
-              <a:rPr lang="en-US" dirty="0"/>
-              <a:t> own proxy can be obtained through a special </a:t>
-            </a:r>
-            <a:r>
-              <a:rPr lang="en-US" dirty="0" smtClean="0"/>
-              <a:t>variable </a:t>
-            </a:r>
-            <a:r>
-              <a:rPr lang="en-US" dirty="0" err="1" smtClean="0">
-                <a:latin typeface="Lucida Console"/>
-                <a:cs typeface="Lucida Console"/>
-              </a:rPr>
-              <a:t>thisProxy</a:t>
-            </a:r>
-            <a:endParaRPr lang="en-US" dirty="0">
-              <a:latin typeface="Lucida Console"/>
-              <a:cs typeface="Lucida Console"/>
-            </a:endParaRPr>
-          </a:p>
-          <a:p>
-            <a:r>
-              <a:rPr lang="en-US" dirty="0" err="1"/>
-              <a:t>Chare</a:t>
-            </a:r>
-            <a:r>
-              <a:rPr lang="en-US" dirty="0"/>
-              <a:t> proxies can also be passed so </a:t>
-            </a:r>
-            <a:r>
-              <a:rPr lang="en-US" dirty="0" err="1"/>
-              <a:t>chares</a:t>
-            </a:r>
-            <a:r>
-              <a:rPr lang="en-US" dirty="0"/>
-              <a:t> can learn about others </a:t>
-            </a:r>
-            <a:endParaRPr lang="en-US" dirty="0" smtClean="0"/>
-          </a:p>
-          <a:p>
-            <a:r>
-              <a:rPr lang="en-US" dirty="0" smtClean="0"/>
-              <a:t>In </a:t>
-            </a:r>
-            <a:r>
-              <a:rPr lang="en-US" dirty="0"/>
-              <a:t>this snippet, </a:t>
-            </a:r>
-            <a:r>
-              <a:rPr lang="en-US" dirty="0" err="1">
-                <a:latin typeface="Lucida Console"/>
-                <a:cs typeface="Lucida Console"/>
-              </a:rPr>
-              <a:t>MyChare</a:t>
-            </a:r>
-            <a:r>
-              <a:rPr lang="en-US" dirty="0"/>
-              <a:t> learns about a </a:t>
-            </a:r>
-            <a:r>
-              <a:rPr lang="en-US" dirty="0" err="1"/>
-              <a:t>chare</a:t>
-            </a:r>
-            <a:r>
-              <a:rPr lang="en-US" dirty="0"/>
-              <a:t> instance </a:t>
-            </a:r>
-            <a:r>
-              <a:rPr lang="en-US" dirty="0">
-                <a:latin typeface="Lucida Console"/>
-                <a:cs typeface="Lucida Console"/>
-              </a:rPr>
-              <a:t>main</a:t>
-            </a:r>
-            <a:r>
-              <a:rPr lang="en-US" dirty="0"/>
-              <a:t> , </a:t>
-            </a:r>
-            <a:r>
-              <a:rPr lang="en-US" dirty="0" smtClean="0"/>
-              <a:t>and then </a:t>
-            </a:r>
-            <a:r>
-              <a:rPr lang="en-US" dirty="0"/>
-              <a:t>invokes a method on it:</a:t>
-            </a:r>
-          </a:p>
-        </p:txBody>
-      </p:sp>
-      <p:sp>
-        <p:nvSpPr>
-          <p:cNvPr id="4" name="Content Placeholder 3"/>
-          <p:cNvSpPr>
-            <a:spLocks noGrp="1"/>
-          </p:cNvSpPr>
-          <p:nvPr>
-            <p:ph sz="quarter" idx="14"/>
-          </p:nvPr>
-        </p:nvSpPr>
-        <p:spPr>
-          <a:xfrm>
-            <a:off x="261865" y="3468230"/>
-            <a:ext cx="8615360" cy="493867"/>
-          </a:xfrm>
-        </p:spPr>
-        <p:txBody>
-          <a:bodyPr/>
-          <a:lstStyle/>
-          <a:p>
-            <a:pPr marL="0" indent="0">
-              <a:buNone/>
-            </a:pPr>
-            <a:r>
-              <a:rPr lang="en-US" dirty="0" smtClean="0"/>
-              <a:t>.ci file</a:t>
-            </a:r>
-            <a:endParaRPr lang="en-US" dirty="0"/>
-          </a:p>
-        </p:txBody>
-      </p:sp>
-      <p:sp>
-        <p:nvSpPr>
-          <p:cNvPr id="5" name="Content Placeholder 4"/>
-          <p:cNvSpPr>
-            <a:spLocks noGrp="1"/>
-          </p:cNvSpPr>
-          <p:nvPr>
-            <p:ph sz="quarter" idx="15"/>
-          </p:nvPr>
-        </p:nvSpPr>
-        <p:spPr>
-          <a:xfrm>
-            <a:off x="261865" y="3962097"/>
-            <a:ext cx="8615360" cy="516587"/>
-          </a:xfrm>
-          <a:solidFill>
-            <a:srgbClr val="CCD1D9"/>
-          </a:solidFill>
-          <a:ln>
-            <a:solidFill>
-              <a:srgbClr val="292934"/>
-            </a:solidFill>
-          </a:ln>
-        </p:spPr>
-        <p:txBody>
-          <a:bodyPr>
-            <a:normAutofit/>
-          </a:bodyPr>
-          <a:lstStyle/>
-          <a:p>
-            <a:pPr marL="0" indent="0">
-              <a:buNone/>
-            </a:pPr>
-            <a:r>
-              <a:rPr lang="en-US" b="1" dirty="0">
-                <a:latin typeface="Consolas"/>
-                <a:cs typeface="Consolas"/>
-              </a:rPr>
-              <a:t>entry void </a:t>
-            </a:r>
-            <a:r>
-              <a:rPr lang="en-US" dirty="0">
-                <a:latin typeface="Consolas"/>
-                <a:cs typeface="Consolas"/>
-              </a:rPr>
-              <a:t>foobar2</a:t>
-            </a:r>
-            <a:r>
-              <a:rPr lang="en-US" dirty="0" smtClean="0">
-                <a:latin typeface="Consolas"/>
-                <a:cs typeface="Consolas"/>
-              </a:rPr>
-              <a:t>(</a:t>
-            </a:r>
-            <a:r>
-              <a:rPr lang="en-US" dirty="0" err="1" smtClean="0">
-                <a:latin typeface="Consolas"/>
-                <a:cs typeface="Consolas"/>
-              </a:rPr>
-              <a:t>CProxy_Main</a:t>
-            </a:r>
-            <a:r>
-              <a:rPr lang="en-US" dirty="0" smtClean="0">
-                <a:latin typeface="Consolas"/>
-                <a:cs typeface="Consolas"/>
-              </a:rPr>
-              <a:t> </a:t>
-            </a:r>
-            <a:r>
-              <a:rPr lang="en-US" dirty="0">
-                <a:latin typeface="Consolas"/>
-                <a:cs typeface="Consolas"/>
-              </a:rPr>
-              <a:t>main);</a:t>
-            </a:r>
-          </a:p>
-        </p:txBody>
-      </p:sp>
-      <p:sp>
-        <p:nvSpPr>
-          <p:cNvPr id="6" name="Content Placeholder 5"/>
-          <p:cNvSpPr>
-            <a:spLocks noGrp="1"/>
-          </p:cNvSpPr>
-          <p:nvPr>
-            <p:ph sz="quarter" idx="16"/>
-          </p:nvPr>
-        </p:nvSpPr>
-        <p:spPr>
-          <a:xfrm>
-            <a:off x="261865" y="4478684"/>
-            <a:ext cx="8615360" cy="556151"/>
-          </a:xfrm>
-        </p:spPr>
-        <p:txBody>
-          <a:bodyPr/>
-          <a:lstStyle/>
-          <a:p>
-            <a:pPr marL="0" indent="0">
-              <a:buNone/>
-            </a:pPr>
-            <a:r>
-              <a:rPr lang="en-US" dirty="0" smtClean="0"/>
-              <a:t>.C file</a:t>
-            </a:r>
-            <a:endParaRPr lang="en-US" dirty="0"/>
-          </a:p>
-        </p:txBody>
-      </p:sp>
-      <p:sp>
-        <p:nvSpPr>
-          <p:cNvPr id="7" name="Content Placeholder 4"/>
-          <p:cNvSpPr txBox="1">
-            <a:spLocks/>
-          </p:cNvSpPr>
-          <p:nvPr/>
-        </p:nvSpPr>
-        <p:spPr>
-          <a:xfrm>
-            <a:off x="261865" y="5034835"/>
-            <a:ext cx="8615360" cy="1453380"/>
-          </a:xfrm>
-          <a:prstGeom prst="rect">
-            <a:avLst/>
-          </a:prstGeom>
-          <a:solidFill>
-            <a:srgbClr val="CCD1D9"/>
-          </a:solidFill>
-          <a:ln>
-            <a:solidFill>
-              <a:srgbClr val="292934"/>
-            </a:solidFill>
-          </a:ln>
-        </p:spPr>
-        <p:txBody>
-          <a:bodyPr vert="horz" lIns="91440" tIns="45720" rIns="91440" bIns="45720" rtlCol="0">
-            <a:normAutofit/>
-          </a:bodyPr>
-          <a:lstStyle>
-            <a:lvl1pPr marL="182880" indent="-182880" algn="l" defTabSz="914400" rtl="0" eaLnBrk="1" latinLnBrk="0" hangingPunct="1">
-              <a:spcBef>
-                <a:spcPct val="20000"/>
-              </a:spcBef>
-              <a:buClr>
-                <a:schemeClr val="accent1"/>
-              </a:buClr>
-              <a:buSzPct val="85000"/>
-              <a:buFont typeface="Arial" pitchFamily="34" charset="0"/>
-              <a:buChar char="•"/>
-              <a:defRPr sz="2400" kern="1200">
-                <a:solidFill>
-                  <a:schemeClr val="tx1"/>
-                </a:solidFill>
-                <a:latin typeface="Times New Roman"/>
-                <a:ea typeface="+mn-ea"/>
-                <a:cs typeface="Times New Roman"/>
-              </a:defRPr>
-            </a:lvl1pPr>
-            <a:lvl2pPr marL="457200" indent="-182880" algn="l" defTabSz="914400" rtl="0" eaLnBrk="1" latinLnBrk="0" hangingPunct="1">
-              <a:spcBef>
-                <a:spcPct val="20000"/>
-              </a:spcBef>
-              <a:buClr>
-                <a:schemeClr val="accent1"/>
-              </a:buClr>
-              <a:buSzPct val="85000"/>
-              <a:buFont typeface="Wingdings" charset="2"/>
-              <a:buChar char="Ø"/>
-              <a:defRPr sz="2000" kern="1200">
-                <a:solidFill>
-                  <a:schemeClr val="tx1"/>
-                </a:solidFill>
-                <a:latin typeface="Times New Roman"/>
-                <a:ea typeface="+mn-ea"/>
-                <a:cs typeface="Times New Roman"/>
-              </a:defRPr>
-            </a:lvl2pPr>
-            <a:lvl3pPr marL="731520" indent="-182880" algn="l" defTabSz="914400" rtl="0" eaLnBrk="1" latinLnBrk="0" hangingPunct="1">
-              <a:spcBef>
-                <a:spcPct val="20000"/>
-              </a:spcBef>
-              <a:buClr>
-                <a:schemeClr val="accent1"/>
-              </a:buClr>
-              <a:buSzPct val="90000"/>
-              <a:buFont typeface="Wingdings" charset="2"/>
-              <a:buChar char=""/>
-              <a:defRPr sz="1800" kern="1200">
-                <a:solidFill>
-                  <a:schemeClr val="tx1"/>
-                </a:solidFill>
-                <a:latin typeface="Times New Roman"/>
-                <a:ea typeface="+mn-ea"/>
-                <a:cs typeface="Times New Roman"/>
-              </a:defRPr>
-            </a:lvl3pPr>
-            <a:lvl4pPr marL="1005840" indent="-182880" algn="l" defTabSz="914400" rtl="0" eaLnBrk="1" latinLnBrk="0" hangingPunct="1">
-              <a:spcBef>
-                <a:spcPct val="20000"/>
-              </a:spcBef>
-              <a:buClr>
-                <a:schemeClr val="accent1"/>
-              </a:buClr>
-              <a:buFont typeface="Arial"/>
-              <a:buChar char="•"/>
-              <a:defRPr sz="1600" kern="1200">
-                <a:solidFill>
-                  <a:schemeClr val="tx1"/>
-                </a:solidFill>
-                <a:latin typeface="Times New Roman"/>
-                <a:ea typeface="+mn-ea"/>
-                <a:cs typeface="Times New Roman"/>
-              </a:defRPr>
-            </a:lvl4pPr>
-            <a:lvl5pPr marL="1188720" indent="-137160" algn="l" defTabSz="914400" rtl="0" eaLnBrk="1" latinLnBrk="0" hangingPunct="1">
-              <a:spcBef>
-                <a:spcPct val="20000"/>
-              </a:spcBef>
-              <a:buClr>
-                <a:schemeClr val="accent1"/>
-              </a:buClr>
-              <a:buSzPct val="100000"/>
-              <a:buFont typeface="Wingdings" charset="2"/>
-              <a:buChar char="Ø"/>
-              <a:defRPr sz="1400" kern="1200" baseline="0">
-                <a:solidFill>
-                  <a:schemeClr val="tx1"/>
-                </a:solidFill>
-                <a:latin typeface="Times New Roman"/>
-                <a:ea typeface="+mn-ea"/>
-                <a:cs typeface="Times New Roman"/>
-              </a:defRPr>
-            </a:lvl5pPr>
-            <a:lvl6pPr marL="1371600" indent="-182880" algn="l" defTabSz="914400" rtl="0" eaLnBrk="1" latinLnBrk="0" hangingPunct="1">
-              <a:spcBef>
-                <a:spcPct val="20000"/>
-              </a:spcBef>
-              <a:buClr>
-                <a:schemeClr val="accent1"/>
-              </a:buClr>
-              <a:buFont typeface="Arial" pitchFamily="34" charset="0"/>
-              <a:buChar char="•"/>
-              <a:defRPr sz="1300" kern="1200">
-                <a:solidFill>
-                  <a:schemeClr val="tx1"/>
-                </a:solidFill>
-                <a:latin typeface="+mn-lt"/>
-                <a:ea typeface="+mn-ea"/>
-                <a:cs typeface="+mn-cs"/>
-              </a:defRPr>
-            </a:lvl6pPr>
-            <a:lvl7pPr marL="1554480" indent="-182880" algn="l" defTabSz="914400" rtl="0" eaLnBrk="1" latinLnBrk="0" hangingPunct="1">
-              <a:spcBef>
-                <a:spcPct val="20000"/>
-              </a:spcBef>
-              <a:buClr>
-                <a:schemeClr val="accent1"/>
-              </a:buClr>
-              <a:buFont typeface="Arial" pitchFamily="34" charset="0"/>
-              <a:buChar char="•"/>
-              <a:defRPr sz="1300" kern="1200">
-                <a:solidFill>
-                  <a:schemeClr val="tx1"/>
-                </a:solidFill>
-                <a:latin typeface="+mn-lt"/>
-                <a:ea typeface="+mn-ea"/>
-                <a:cs typeface="+mn-cs"/>
-              </a:defRPr>
-            </a:lvl7pPr>
-            <a:lvl8pPr marL="1737360" indent="-182880" algn="l" defTabSz="914400" rtl="0" eaLnBrk="1" latinLnBrk="0" hangingPunct="1">
-              <a:spcBef>
-                <a:spcPct val="20000"/>
-              </a:spcBef>
-              <a:buClr>
-                <a:schemeClr val="accent1"/>
-              </a:buClr>
-              <a:buFont typeface="Arial" pitchFamily="34" charset="0"/>
-              <a:buChar char="•"/>
-              <a:defRPr sz="1300" kern="1200">
-                <a:solidFill>
-                  <a:schemeClr val="tx1"/>
-                </a:solidFill>
-                <a:latin typeface="+mn-lt"/>
-                <a:ea typeface="+mn-ea"/>
-                <a:cs typeface="+mn-cs"/>
-              </a:defRPr>
-            </a:lvl8pPr>
-            <a:lvl9pPr marL="1920240" indent="-182880" algn="l" defTabSz="914400" rtl="0" eaLnBrk="1" latinLnBrk="0" hangingPunct="1">
-              <a:spcBef>
-                <a:spcPct val="20000"/>
-              </a:spcBef>
-              <a:buClr>
-                <a:schemeClr val="accent1"/>
-              </a:buClr>
-              <a:buFont typeface="Arial" pitchFamily="34" charset="0"/>
-              <a:buChar char="•"/>
-              <a:defRPr sz="1300" kern="1200">
-                <a:solidFill>
-                  <a:schemeClr val="tx1"/>
-                </a:solidFill>
-                <a:latin typeface="+mn-lt"/>
-                <a:ea typeface="+mn-ea"/>
-                <a:cs typeface="+mn-cs"/>
-              </a:defRPr>
-            </a:lvl9pPr>
-          </a:lstStyle>
-          <a:p>
-            <a:pPr marL="0" indent="0">
-              <a:buNone/>
-            </a:pPr>
-            <a:r>
               <a:rPr lang="en-US" dirty="0" err="1">
                 <a:latin typeface="Consolas"/>
                 <a:cs typeface="Consolas"/>
@@ -25259,7 +25442,7 @@
           <a:p>
             <a:fld id="{7888C7C0-37F0-2A45-A738-E90CF9448176}" type="datetime2">
               <a:rPr lang="en-US" smtClean="0"/>
-              <a:t>Tuesday, September 9, 14</a:t>
+              <a:t>Wednesday, September 10, 14</a:t>
             </a:fld>
             <a:endParaRPr lang="en-US"/>
           </a:p>

--- a/tutorial-04-charm_basics.pptx
+++ b/tutorial-04-charm_basics.pptx
@@ -2,7 +2,7 @@
 <file path=ppt/presentation.xml><?xml version="1.0" encoding="utf-8"?>
 <p:presentation xmlns:a="http://schemas.openxmlformats.org/drawingml/2006/main" xmlns:r="http://schemas.openxmlformats.org/officeDocument/2006/relationships" xmlns:p="http://schemas.openxmlformats.org/presentationml/2006/main" showSpecialPlsOnTitleSld="0" saveSubsetFonts="1">
   <p:sldMasterIdLst>
-    <p:sldMasterId id="2147483974" r:id="rId1"/>
+    <p:sldMasterId id="2147483988" r:id="rId1"/>
   </p:sldMasterIdLst>
   <p:notesMasterIdLst>
     <p:notesMasterId r:id="rId38"/>
@@ -886,7 +886,7 @@
           <a:p>
             <a:pPr algn="r"/>
             <a:r>
-              <a:rPr lang="en-US" dirty="0" smtClean="0"/>
+              <a:rPr lang="en-US" smtClean="0"/>
               <a:t>Sanjay Kalé and PPL (UIUC) – Parallel Migratable Objects </a:t>
             </a:r>
             <a:endParaRPr lang="en-US" dirty="0"/>
@@ -1698,7 +1698,7 @@
           <a:p>
             <a:pPr algn="r"/>
             <a:r>
-              <a:rPr lang="en-US" dirty="0" smtClean="0"/>
+              <a:rPr lang="en-US" smtClean="0"/>
               <a:t>Sanjay Kalé and PPL (UIUC) – Parallel Migratable Objects </a:t>
             </a:r>
             <a:endParaRPr lang="en-US" dirty="0"/>
@@ -1897,7 +1897,7 @@
           </a:lstStyle>
           <a:p>
             <a:r>
-              <a:rPr lang="en-US" dirty="0" smtClean="0"/>
+              <a:rPr lang="en-US" smtClean="0"/>
               <a:t>Drag picture to placeholder or click icon to add</a:t>
             </a:r>
             <a:endParaRPr lang="en-US" dirty="0"/>
@@ -2009,7 +2009,7 @@
           <a:p>
             <a:pPr algn="r"/>
             <a:r>
-              <a:rPr lang="en-US" dirty="0" smtClean="0"/>
+              <a:rPr lang="en-US" smtClean="0"/>
               <a:t>Sanjay Kalé and PPL (UIUC) – Parallel Migratable Objects </a:t>
             </a:r>
             <a:endParaRPr lang="en-US" dirty="0"/>
@@ -2180,7 +2180,7 @@
           <a:p>
             <a:pPr algn="r"/>
             <a:r>
-              <a:rPr lang="en-US" dirty="0" smtClean="0"/>
+              <a:rPr lang="en-US" smtClean="0"/>
               <a:t>Sanjay Kalé and PPL (UIUC) – Parallel Migratable Objects </a:t>
             </a:r>
             <a:endParaRPr lang="en-US" dirty="0"/>
@@ -2361,7 +2361,7 @@
           <a:p>
             <a:pPr algn="r"/>
             <a:r>
-              <a:rPr lang="en-US" dirty="0" smtClean="0"/>
+              <a:rPr lang="en-US" smtClean="0"/>
               <a:t>Sanjay Kalé and PPL (UIUC) – Parallel Migratable Objects </a:t>
             </a:r>
             <a:endParaRPr lang="en-US" dirty="0"/>
@@ -3869,7 +3869,7 @@
           <a:p>
             <a:pPr algn="r"/>
             <a:r>
-              <a:rPr lang="en-US" dirty="0" smtClean="0"/>
+              <a:rPr lang="en-US" smtClean="0"/>
               <a:t>Sanjay Kalé and PPL (UIUC) – Parallel Migratable Objects </a:t>
             </a:r>
             <a:endParaRPr lang="en-US" dirty="0"/>
@@ -3988,7 +3988,7 @@
           <a:p>
             <a:pPr algn="r"/>
             <a:r>
-              <a:rPr lang="en-US" dirty="0" smtClean="0"/>
+              <a:rPr lang="en-US" smtClean="0"/>
               <a:t>Sanjay Kalé and PPL (UIUC) – Parallel Migratable Objects </a:t>
             </a:r>
             <a:endParaRPr lang="en-US" dirty="0"/>
@@ -4475,7 +4475,7 @@
           <a:p>
             <a:pPr algn="r"/>
             <a:r>
-              <a:rPr lang="en-US" dirty="0" smtClean="0"/>
+              <a:rPr lang="en-US" smtClean="0"/>
               <a:t>Sanjay Kalé and PPL (UIUC) – Parallel Migratable Objects </a:t>
             </a:r>
             <a:endParaRPr lang="en-US" dirty="0"/>
@@ -4813,7 +4813,7 @@
           <a:p>
             <a:pPr algn="r"/>
             <a:r>
-              <a:rPr lang="en-US" dirty="0" smtClean="0"/>
+              <a:rPr lang="en-US" smtClean="0"/>
               <a:t>Sanjay Kalé and PPL (UIUC) – Parallel Migratable Objects </a:t>
             </a:r>
             <a:endParaRPr lang="en-US" dirty="0"/>
@@ -5285,7 +5285,7 @@
           <a:p>
             <a:pPr algn="r"/>
             <a:r>
-              <a:rPr lang="en-US" dirty="0" smtClean="0"/>
+              <a:rPr lang="en-US" smtClean="0"/>
               <a:t>Sanjay Kalé and PPL (UIUC) – Parallel Migratable Objects </a:t>
             </a:r>
             <a:endParaRPr lang="en-US" dirty="0"/>
@@ -5588,7 +5588,7 @@
           <a:p>
             <a:pPr algn="r"/>
             <a:r>
-              <a:rPr lang="en-US" dirty="0" smtClean="0"/>
+              <a:rPr lang="en-US" smtClean="0"/>
               <a:t>Sanjay Kalé and PPL (UIUC) – Parallel Migratable Objects </a:t>
             </a:r>
             <a:endParaRPr lang="en-US" dirty="0"/>
@@ -5824,7 +5824,7 @@
           <a:p>
             <a:pPr algn="r"/>
             <a:r>
-              <a:rPr lang="en-US" dirty="0" smtClean="0"/>
+              <a:rPr lang="en-US" smtClean="0"/>
               <a:t>Sanjay Kalé and PPL (UIUC) – Parallel Migratable Objects </a:t>
             </a:r>
             <a:endParaRPr lang="en-US" dirty="0"/>
@@ -5920,7 +5920,7 @@
           <a:p>
             <a:pPr algn="r"/>
             <a:r>
-              <a:rPr lang="en-US" dirty="0" smtClean="0"/>
+              <a:rPr lang="en-US" smtClean="0"/>
               <a:t>Sanjay Kalé and PPL (UIUC) – Parallel Migratable Objects </a:t>
             </a:r>
             <a:endParaRPr lang="en-US" dirty="0"/>
@@ -6058,7 +6058,7 @@
           <a:bodyPr vert="horz" lIns="91440" tIns="45720" rIns="91440" bIns="45720" rtlCol="0" anchor="ctr"/>
           <a:lstStyle>
             <a:lvl1pPr algn="ctr">
-              <a:defRPr sz="1200" b="1">
+              <a:defRPr sz="1200" b="0">
                 <a:solidFill>
                   <a:srgbClr val="FFFFFF"/>
                 </a:solidFill>
@@ -6069,7 +6069,7 @@
           </a:lstStyle>
           <a:p>
             <a:r>
-              <a:rPr lang="en-US" dirty="0" smtClean="0"/>
+              <a:rPr lang="en-US" smtClean="0"/>
               <a:t>Sanjay Kalé and PPL (UIUC) – Parallel Migratable Objects </a:t>
             </a:r>
             <a:endParaRPr lang="en-US" dirty="0"/>
@@ -6264,19 +6264,19 @@
   </p:cSld>
   <p:clrMap bg1="lt1" tx1="dk1" bg2="lt2" tx2="dk2" accent1="accent1" accent2="accent2" accent3="accent3" accent4="accent4" accent5="accent5" accent6="accent6" hlink="hlink" folHlink="folHlink"/>
   <p:sldLayoutIdLst>
-    <p:sldLayoutId id="2147483975" r:id="rId1"/>
-    <p:sldLayoutId id="2147483976" r:id="rId2"/>
-    <p:sldLayoutId id="2147483977" r:id="rId3"/>
-    <p:sldLayoutId id="2147483978" r:id="rId4"/>
-    <p:sldLayoutId id="2147483979" r:id="rId5"/>
-    <p:sldLayoutId id="2147483980" r:id="rId6"/>
-    <p:sldLayoutId id="2147483981" r:id="rId7"/>
-    <p:sldLayoutId id="2147483982" r:id="rId8"/>
-    <p:sldLayoutId id="2147483983" r:id="rId9"/>
-    <p:sldLayoutId id="2147483984" r:id="rId10"/>
-    <p:sldLayoutId id="2147483985" r:id="rId11"/>
-    <p:sldLayoutId id="2147483986" r:id="rId12"/>
-    <p:sldLayoutId id="2147483987" r:id="rId13"/>
+    <p:sldLayoutId id="2147483989" r:id="rId1"/>
+    <p:sldLayoutId id="2147483990" r:id="rId2"/>
+    <p:sldLayoutId id="2147483991" r:id="rId3"/>
+    <p:sldLayoutId id="2147483992" r:id="rId4"/>
+    <p:sldLayoutId id="2147483993" r:id="rId5"/>
+    <p:sldLayoutId id="2147483994" r:id="rId6"/>
+    <p:sldLayoutId id="2147483995" r:id="rId7"/>
+    <p:sldLayoutId id="2147483996" r:id="rId8"/>
+    <p:sldLayoutId id="2147483997" r:id="rId9"/>
+    <p:sldLayoutId id="2147483998" r:id="rId10"/>
+    <p:sldLayoutId id="2147483999" r:id="rId11"/>
+    <p:sldLayoutId id="2147484000" r:id="rId12"/>
+    <p:sldLayoutId id="2147484001" r:id="rId13"/>
     <p:sldLayoutId id="2147483961" r:id="rId14"/>
     <p:sldLayoutId id="2147483973" r:id="rId15"/>
     <p:sldLayoutId id="2147483972" r:id="rId16"/>
@@ -13201,7 +13201,7 @@
               </a:ext>
             </a:extLst>
           </a:blip>
-          <a:srcRect t="-3914" b="-3914"/>
+          <a:srcRect t="-5454" b="-5454"/>
           <a:stretch>
             <a:fillRect/>
           </a:stretch>
@@ -13209,7 +13209,7 @@
         <p:spPr>
           <a:xfrm>
             <a:off x="261865" y="2944297"/>
-            <a:ext cx="8615360" cy="3310820"/>
+            <a:ext cx="8615360" cy="3405390"/>
           </a:xfrm>
         </p:spPr>
       </p:pic>
@@ -13760,10 +13760,6 @@
           </p:nvPr>
         </p:nvSpPr>
         <p:spPr>
-          <a:xfrm>
-            <a:off x="261865" y="942770"/>
-            <a:ext cx="8615360" cy="5435452"/>
-          </a:xfrm>
           <a:solidFill>
             <a:srgbClr val="CCD1D9"/>
           </a:solidFill>
@@ -19195,7 +19191,6 @@
               <a:rPr lang="en-US" dirty="0" smtClean="0"/>
               <a:t>efficiently:          </a:t>
             </a:r>
-            <a:endParaRPr lang="en-US" dirty="0" smtClean="0"/>
           </a:p>
           <a:p>
             <a:pPr marL="0" indent="0">
@@ -19207,11 +19202,7 @@
             </a:r>
             <a:r>
               <a:rPr lang="en-US" dirty="0" smtClean="0"/>
-              <a:t>			</a:t>
-            </a:r>
-            <a:r>
-              <a:rPr lang="en-US" dirty="0" smtClean="0"/>
-              <a:t>(</a:t>
+              <a:t>			(</a:t>
             </a:r>
             <a:r>
               <a:rPr lang="en-US" i="1" dirty="0" smtClean="0"/>
@@ -20316,15 +20307,15 @@
               </a:ext>
             </a:extLst>
           </a:blip>
-          <a:srcRect l="-25082" r="-25082"/>
+          <a:srcRect l="-23883" r="-23883"/>
           <a:stretch>
             <a:fillRect/>
           </a:stretch>
         </p:blipFill>
         <p:spPr>
           <a:xfrm>
-            <a:off x="261865" y="3235325"/>
-            <a:ext cx="8615359" cy="2944813"/>
+            <a:off x="261864" y="3235480"/>
+            <a:ext cx="8615360" cy="2992618"/>
           </a:xfrm>
         </p:spPr>
       </p:pic>

--- a/tutorial-04-charm_basics.pptx
+++ b/tutorial-04-charm_basics.pptx
@@ -5,10 +5,10 @@
     <p:sldMasterId id="2147483988" r:id="rId1"/>
   </p:sldMasterIdLst>
   <p:notesMasterIdLst>
-    <p:notesMasterId r:id="rId38"/>
+    <p:notesMasterId r:id="rId34"/>
   </p:notesMasterIdLst>
   <p:handoutMasterIdLst>
-    <p:handoutMasterId r:id="rId39"/>
+    <p:handoutMasterId r:id="rId35"/>
   </p:handoutMasterIdLst>
   <p:sldIdLst>
     <p:sldId id="298" r:id="rId2"/>
@@ -30,23 +30,19 @@
     <p:sldId id="364" r:id="rId18"/>
     <p:sldId id="365" r:id="rId19"/>
     <p:sldId id="366" r:id="rId20"/>
-    <p:sldId id="367" r:id="rId21"/>
-    <p:sldId id="368" r:id="rId22"/>
-    <p:sldId id="369" r:id="rId23"/>
-    <p:sldId id="370" r:id="rId24"/>
-    <p:sldId id="371" r:id="rId25"/>
-    <p:sldId id="372" r:id="rId26"/>
-    <p:sldId id="374" r:id="rId27"/>
-    <p:sldId id="375" r:id="rId28"/>
-    <p:sldId id="376" r:id="rId29"/>
-    <p:sldId id="377" r:id="rId30"/>
-    <p:sldId id="378" r:id="rId31"/>
-    <p:sldId id="379" r:id="rId32"/>
-    <p:sldId id="380" r:id="rId33"/>
-    <p:sldId id="381" r:id="rId34"/>
-    <p:sldId id="382" r:id="rId35"/>
-    <p:sldId id="383" r:id="rId36"/>
-    <p:sldId id="384" r:id="rId37"/>
+    <p:sldId id="370" r:id="rId21"/>
+    <p:sldId id="371" r:id="rId22"/>
+    <p:sldId id="372" r:id="rId23"/>
+    <p:sldId id="374" r:id="rId24"/>
+    <p:sldId id="375" r:id="rId25"/>
+    <p:sldId id="376" r:id="rId26"/>
+    <p:sldId id="377" r:id="rId27"/>
+    <p:sldId id="378" r:id="rId28"/>
+    <p:sldId id="380" r:id="rId29"/>
+    <p:sldId id="381" r:id="rId30"/>
+    <p:sldId id="382" r:id="rId31"/>
+    <p:sldId id="383" r:id="rId32"/>
+    <p:sldId id="384" r:id="rId33"/>
   </p:sldIdLst>
   <p:sldSz cx="9144000" cy="6858000" type="screen4x3"/>
   <p:notesSz cx="6858000" cy="9144000"/>
@@ -6642,7 +6638,7 @@
             </a:r>
           </a:p>
           <a:p>
-            <a:pPr marL="681038" lvl="1" indent="-276225">
+            <a:pPr marL="955358" lvl="2" indent="-276225">
               <a:buClr>
                 <a:srgbClr val="0000FF"/>
               </a:buClr>
@@ -6651,12 +6647,12 @@
               <a:buChar char="•"/>
             </a:pPr>
             <a:r>
-              <a:rPr lang="en-US" dirty="0" smtClean="0"/>
+              <a:rPr lang="en-US" dirty="0"/>
               <a:t>Object Design</a:t>
             </a:r>
           </a:p>
           <a:p>
-            <a:pPr marL="681038" lvl="1" indent="-276225">
+            <a:pPr marL="955358" lvl="2" indent="-276225">
               <a:buClr>
                 <a:srgbClr val="0000FF"/>
               </a:buClr>
@@ -6665,7 +6661,7 @@
               <a:buChar char="•"/>
             </a:pPr>
             <a:r>
-              <a:rPr lang="en-US" dirty="0" smtClean="0"/>
+              <a:rPr lang="en-US" dirty="0"/>
               <a:t>Execution Model</a:t>
             </a:r>
           </a:p>
@@ -6680,7 +6676,11 @@
             </a:pPr>
             <a:r>
               <a:rPr lang="en-US" dirty="0" smtClean="0"/>
-              <a:t>Hello World</a:t>
+              <a:t>Hello </a:t>
+            </a:r>
+            <a:r>
+              <a:rPr lang="en-US" dirty="0" smtClean="0"/>
+              <a:t>World</a:t>
             </a:r>
           </a:p>
           <a:p>
@@ -6712,7 +6712,7 @@
             </a:r>
           </a:p>
           <a:p>
-            <a:pPr marL="681038" lvl="1" indent="-331788">
+            <a:pPr marL="954088" lvl="2" indent="-266700">
               <a:buClr>
                 <a:srgbClr val="0000FF"/>
               </a:buClr>
@@ -6721,7 +6721,7 @@
               <a:buChar char="•"/>
             </a:pPr>
             <a:r>
-              <a:rPr lang="en-US" dirty="0" smtClean="0"/>
+              <a:rPr lang="en-US" dirty="0"/>
               <a:t>Object Collections</a:t>
             </a:r>
           </a:p>
@@ -6735,9 +6735,10 @@
               <a:buAutoNum type="arabicParenR" startAt="5"/>
             </a:pPr>
             <a:r>
-              <a:rPr lang="en-US" dirty="0" smtClean="0"/>
+              <a:rPr lang="en-US" dirty="0" err="1" smtClean="0"/>
               <a:t>Overdecomposition</a:t>
             </a:r>
+            <a:endParaRPr lang="en-US" dirty="0" smtClean="0"/>
           </a:p>
           <a:p>
             <a:pPr marL="681038" indent="-681038">
@@ -6754,7 +6755,7 @@
             </a:r>
           </a:p>
           <a:p>
-            <a:pPr marL="681038" lvl="1" indent="-385763">
+            <a:pPr marL="954088" lvl="2" indent="-266700">
               <a:buClr>
                 <a:srgbClr val="0000FF"/>
               </a:buClr>
@@ -6763,8 +6764,12 @@
               <a:buChar char="•"/>
             </a:pPr>
             <a:r>
-              <a:rPr lang="en-US" dirty="0" smtClean="0"/>
-              <a:t>Checkpointing and Resilience</a:t>
+              <a:rPr lang="en-US" dirty="0" err="1"/>
+              <a:t>Checkpointing</a:t>
+            </a:r>
+            <a:r>
+              <a:rPr lang="en-US" dirty="0"/>
+              <a:t> and Resilience</a:t>
             </a:r>
           </a:p>
           <a:p>
@@ -6778,7 +6783,11 @@
             </a:pPr>
             <a:r>
               <a:rPr lang="en-US" dirty="0" smtClean="0"/>
-              <a:t>Structured Dagger</a:t>
+              <a:t>Structured </a:t>
+            </a:r>
+            <a:r>
+              <a:rPr lang="en-US" dirty="0" smtClean="0"/>
+              <a:t>Dagger</a:t>
             </a:r>
           </a:p>
           <a:p>
@@ -7477,6 +7486,13 @@
   <p:clrMapOvr>
     <a:masterClrMapping/>
   </p:clrMapOvr>
+  <p:timing>
+    <p:tnLst>
+      <p:par>
+        <p:cTn xmlns:p14="http://schemas.microsoft.com/office/powerpoint/2010/main" id="1" dur="indefinite" restart="never" nodeType="tmRoot"/>
+      </p:par>
+    </p:tnLst>
+  </p:timing>
 </p:sld>
 </file>
 
@@ -7613,14 +7629,14 @@
               <a:t>include </a:t>
             </a:r>
             <a:r>
-              <a:rPr lang="en-US" dirty="0">
-                <a:latin typeface="Consolas"/>
-                <a:cs typeface="Consolas"/>
-              </a:rPr>
-              <a:t>”</a:t>
-            </a:r>
-            <a:r>
-              <a:rPr lang="en-US" dirty="0" err="1">
+              <a:rPr lang="en-US" dirty="0" smtClean="0">
+                <a:latin typeface="Consolas"/>
+                <a:cs typeface="Consolas"/>
+              </a:rPr>
+              <a:t>“</a:t>
+            </a:r>
+            <a:r>
+              <a:rPr lang="en-US" dirty="0" err="1" smtClean="0">
                 <a:latin typeface="Consolas"/>
                 <a:cs typeface="Consolas"/>
               </a:rPr>
@@ -8388,6 +8404,13 @@
   <p:clrMapOvr>
     <a:masterClrMapping/>
   </p:clrMapOvr>
+  <p:timing>
+    <p:tnLst>
+      <p:par>
+        <p:cTn xmlns:p14="http://schemas.microsoft.com/office/powerpoint/2010/main" id="1" dur="indefinite" restart="never" nodeType="tmRoot"/>
+      </p:par>
+    </p:tnLst>
+  </p:timing>
 </p:sld>
 </file>
 
@@ -8764,6 +8787,13 @@
   <p:clrMapOvr>
     <a:masterClrMapping/>
   </p:clrMapOvr>
+  <p:timing>
+    <p:tnLst>
+      <p:par>
+        <p:cTn xmlns:p14="http://schemas.microsoft.com/office/powerpoint/2010/main" id="1" dur="indefinite" restart="never" nodeType="tmRoot"/>
+      </p:par>
+    </p:tnLst>
+  </p:timing>
 </p:sld>
 </file>
 
@@ -9332,6 +9362,13 @@
   <p:clrMapOvr>
     <a:masterClrMapping/>
   </p:clrMapOvr>
+  <p:timing>
+    <p:tnLst>
+      <p:par>
+        <p:cTn xmlns:p14="http://schemas.microsoft.com/office/powerpoint/2010/main" id="1" dur="indefinite" restart="never" nodeType="tmRoot"/>
+      </p:par>
+    </p:tnLst>
+  </p:timing>
 </p:sld>
 </file>
 
@@ -10462,6 +10499,13 @@
   <p:clrMapOvr>
     <a:masterClrMapping/>
   </p:clrMapOvr>
+  <p:timing>
+    <p:tnLst>
+      <p:par>
+        <p:cTn xmlns:p14="http://schemas.microsoft.com/office/powerpoint/2010/main" id="1" dur="indefinite" restart="never" nodeType="tmRoot"/>
+      </p:par>
+    </p:tnLst>
+  </p:timing>
 </p:sld>
 </file>
 
@@ -10821,6 +10865,13 @@
   <p:clrMapOvr>
     <a:masterClrMapping/>
   </p:clrMapOvr>
+  <p:timing>
+    <p:tnLst>
+      <p:par>
+        <p:cTn xmlns:p14="http://schemas.microsoft.com/office/powerpoint/2010/main" id="1" dur="indefinite" restart="never" nodeType="tmRoot"/>
+      </p:par>
+    </p:tnLst>
+  </p:timing>
 </p:sld>
 </file>
 
@@ -11894,6 +11945,13 @@
   <p:clrMapOvr>
     <a:masterClrMapping/>
   </p:clrMapOvr>
+  <p:timing>
+    <p:tnLst>
+      <p:par>
+        <p:cTn xmlns:p14="http://schemas.microsoft.com/office/powerpoint/2010/main" id="1" dur="indefinite" restart="never" nodeType="tmRoot"/>
+      </p:par>
+    </p:tnLst>
+  </p:timing>
 </p:sld>
 </file>
 
@@ -13208,8 +13266,8 @@
         </p:blipFill>
         <p:spPr>
           <a:xfrm>
-            <a:off x="261865" y="2944297"/>
-            <a:ext cx="8615360" cy="3405390"/>
+            <a:off x="1333122" y="3367732"/>
+            <a:ext cx="6472847" cy="2558520"/>
           </a:xfrm>
         </p:spPr>
       </p:pic>
@@ -13268,13 +13326,91 @@
           <a:lstStyle/>
           <a:p>
             <a:r>
+              <a:rPr lang="en-US" dirty="0"/>
+              <a:t>Declaring a </a:t>
+            </a:r>
+            <a:r>
               <a:rPr lang="en-US" dirty="0" err="1"/>
               <a:t>Chare</a:t>
             </a:r>
             <a:r>
               <a:rPr lang="en-US" dirty="0"/>
-              <a:t> Array: Hello Example</a:t>
-            </a:r>
+              <a:t> Array </a:t>
+            </a:r>
+            <a:endParaRPr lang="en-US" dirty="0">
+              <a:effectLst/>
+            </a:endParaRPr>
+          </a:p>
+        </p:txBody>
+      </p:sp>
+      <p:sp>
+        <p:nvSpPr>
+          <p:cNvPr id="7" name="Date Placeholder 6"/>
+          <p:cNvSpPr>
+            <a:spLocks noGrp="1"/>
+          </p:cNvSpPr>
+          <p:nvPr>
+            <p:ph type="dt" sz="half" idx="10"/>
+          </p:nvPr>
+        </p:nvSpPr>
+        <p:spPr/>
+        <p:txBody>
+          <a:bodyPr/>
+          <a:lstStyle/>
+          <a:p>
+            <a:fld id="{B67F7A0B-A97C-6941-B30D-536C43882AD6}" type="datetime2">
+              <a:rPr lang="en-US" smtClean="0"/>
+              <a:t>Wednesday, September 10, 14</a:t>
+            </a:fld>
+            <a:endParaRPr lang="en-US" dirty="0"/>
+          </a:p>
+        </p:txBody>
+      </p:sp>
+      <p:sp>
+        <p:nvSpPr>
+          <p:cNvPr id="8" name="Footer Placeholder 7"/>
+          <p:cNvSpPr>
+            <a:spLocks noGrp="1"/>
+          </p:cNvSpPr>
+          <p:nvPr>
+            <p:ph type="ftr" sz="quarter" idx="11"/>
+          </p:nvPr>
+        </p:nvSpPr>
+        <p:spPr/>
+        <p:txBody>
+          <a:bodyPr/>
+          <a:lstStyle/>
+          <a:p>
+            <a:pPr algn="r"/>
+            <a:r>
+              <a:rPr lang="en-US" smtClean="0"/>
+              <a:t>Sanjay Kalé and PPL (UIUC) – Parallel Migratable Objects </a:t>
+            </a:r>
+            <a:endParaRPr lang="en-US" dirty="0"/>
+          </a:p>
+        </p:txBody>
+      </p:sp>
+      <p:sp>
+        <p:nvSpPr>
+          <p:cNvPr id="9" name="Slide Number Placeholder 8"/>
+          <p:cNvSpPr>
+            <a:spLocks noGrp="1"/>
+          </p:cNvSpPr>
+          <p:nvPr>
+            <p:ph type="sldNum" sz="quarter" idx="12"/>
+          </p:nvPr>
+        </p:nvSpPr>
+        <p:spPr/>
+        <p:txBody>
+          <a:bodyPr/>
+          <a:lstStyle/>
+          <a:p>
+            <a:fld id="{0CFEC368-1D7A-4F81-ABF6-AE0E36BAF64C}" type="slidenum">
+              <a:rPr lang="en-US" smtClean="0"/>
+              <a:pPr/>
+              <a:t>20</a:t>
+            </a:fld>
+            <a:endParaRPr lang="en-US" dirty="0"/>
           </a:p>
         </p:txBody>
       </p:sp>
@@ -13285,10 +13421,45 @@
             <a:spLocks noGrp="1"/>
           </p:cNvSpPr>
           <p:nvPr>
-            <p:ph idx="1"/>
+            <p:ph sz="quarter" idx="13"/>
           </p:nvPr>
         </p:nvSpPr>
         <p:spPr>
+          <a:xfrm>
+            <a:off x="261865" y="833726"/>
+            <a:ext cx="8615359" cy="497577"/>
+          </a:xfrm>
+        </p:spPr>
+        <p:txBody>
+          <a:bodyPr/>
+          <a:lstStyle/>
+          <a:p>
+            <a:pPr marL="0" indent="0">
+              <a:buNone/>
+            </a:pPr>
+            <a:r>
+              <a:rPr lang="en-US" dirty="0" smtClean="0"/>
+              <a:t>.ci file:</a:t>
+            </a:r>
+            <a:endParaRPr lang="en-US" dirty="0"/>
+          </a:p>
+        </p:txBody>
+      </p:sp>
+      <p:sp>
+        <p:nvSpPr>
+          <p:cNvPr id="4" name="Content Placeholder 3"/>
+          <p:cNvSpPr>
+            <a:spLocks noGrp="1"/>
+          </p:cNvSpPr>
+          <p:nvPr>
+            <p:ph sz="quarter" idx="14"/>
+          </p:nvPr>
+        </p:nvSpPr>
+        <p:spPr>
+          <a:xfrm>
+            <a:off x="261865" y="1357348"/>
+            <a:ext cx="8615359" cy="2149828"/>
+          </a:xfrm>
           <a:solidFill>
             <a:srgbClr val="CCD1D9"/>
           </a:solidFill>
@@ -13300,7 +13471,7 @@
         </p:spPr>
         <p:txBody>
           <a:bodyPr>
-            <a:normAutofit/>
+            <a:normAutofit fontScale="70000" lnSpcReduction="20000"/>
           </a:bodyPr>
           <a:lstStyle/>
           <a:p>
@@ -13308,39 +13479,60 @@
               <a:buNone/>
             </a:pPr>
             <a:r>
-              <a:rPr lang="en-US" sz="2000" b="1" dirty="0" err="1">
-                <a:latin typeface="Consolas"/>
-                <a:cs typeface="Consolas"/>
-              </a:rPr>
-              <a:t>mainmodule</a:t>
-            </a:r>
-            <a:r>
-              <a:rPr lang="en-US" sz="2000" dirty="0">
+              <a:rPr lang="en-US" b="1" dirty="0">
+                <a:latin typeface="Consolas"/>
+                <a:cs typeface="Consolas"/>
+              </a:rPr>
+              <a:t>array</a:t>
+            </a:r>
+            <a:r>
+              <a:rPr lang="en-US" dirty="0">
+                <a:latin typeface="Consolas"/>
+                <a:cs typeface="Consolas"/>
+              </a:rPr>
+              <a:t> [1d] foo {</a:t>
+            </a:r>
+          </a:p>
+          <a:p>
+            <a:pPr marL="0" indent="0">
+              <a:buNone/>
+            </a:pPr>
+            <a:r>
+              <a:rPr lang="en-US" dirty="0" smtClean="0">
+                <a:latin typeface="Consolas"/>
+                <a:cs typeface="Consolas"/>
+              </a:rPr>
+              <a:t>   </a:t>
+            </a:r>
+            <a:r>
+              <a:rPr lang="en-US" b="1" dirty="0" smtClean="0">
+                <a:latin typeface="Consolas"/>
+                <a:cs typeface="Consolas"/>
+              </a:rPr>
+              <a:t>entry</a:t>
+            </a:r>
+            <a:r>
+              <a:rPr lang="en-US" dirty="0" smtClean="0">
                 <a:latin typeface="Consolas"/>
                 <a:cs typeface="Consolas"/>
               </a:rPr>
               <a:t> </a:t>
             </a:r>
             <a:r>
-              <a:rPr lang="en-US" sz="2000" dirty="0" err="1">
-                <a:latin typeface="Consolas"/>
-                <a:cs typeface="Consolas"/>
-              </a:rPr>
-              <a:t>arr</a:t>
-            </a:r>
-            <a:r>
-              <a:rPr lang="en-US" sz="2000" dirty="0">
-                <a:latin typeface="Consolas"/>
-                <a:cs typeface="Consolas"/>
-              </a:rPr>
-              <a:t> {</a:t>
-            </a:r>
-          </a:p>
-          <a:p>
-            <a:pPr marL="0" indent="0">
-              <a:buNone/>
-            </a:pPr>
-            <a:endParaRPr lang="en-US" sz="2000" dirty="0" smtClean="0">
+              <a:rPr lang="en-US" dirty="0">
+                <a:latin typeface="Consolas"/>
+                <a:cs typeface="Consolas"/>
+              </a:rPr>
+              <a:t>foo(); </a:t>
+            </a:r>
+            <a:r>
+              <a:rPr lang="en-US" i="1" dirty="0">
+                <a:latin typeface="Consolas"/>
+                <a:cs typeface="Consolas"/>
+              </a:rPr>
+              <a:t>// constructor </a:t>
+            </a:r>
+            <a:endParaRPr lang="en-US" i="1" dirty="0" smtClean="0">
               <a:latin typeface="Consolas"/>
               <a:cs typeface="Consolas"/>
             </a:endParaRPr>
@@ -13350,39 +13542,32 @@
               <a:buNone/>
             </a:pPr>
             <a:r>
-              <a:rPr lang="en-US" sz="2000" dirty="0">
+              <a:rPr lang="en-US" dirty="0">
                 <a:latin typeface="Consolas"/>
                 <a:cs typeface="Consolas"/>
               </a:rPr>
               <a:t> </a:t>
             </a:r>
             <a:r>
-              <a:rPr lang="en-US" sz="2000" dirty="0" smtClean="0">
+              <a:rPr lang="en-US" dirty="0" smtClean="0">
                 <a:latin typeface="Consolas"/>
                 <a:cs typeface="Consolas"/>
               </a:rPr>
               <a:t>  </a:t>
             </a:r>
             <a:r>
-              <a:rPr lang="en-US" sz="2000" b="1" dirty="0" err="1" smtClean="0">
-                <a:latin typeface="Consolas"/>
-                <a:cs typeface="Consolas"/>
-              </a:rPr>
-              <a:t>mainchare</a:t>
-            </a:r>
-            <a:r>
-              <a:rPr lang="en-US" sz="2000" dirty="0" smtClean="0">
-                <a:latin typeface="Consolas"/>
-                <a:cs typeface="Consolas"/>
-              </a:rPr>
-              <a:t> </a:t>
-            </a:r>
-            <a:r>
-              <a:rPr lang="en-US" sz="2000" dirty="0">
-                <a:latin typeface="Consolas"/>
-                <a:cs typeface="Consolas"/>
-              </a:rPr>
-              <a:t>Main {</a:t>
+              <a:rPr lang="en-US" i="1" dirty="0" smtClean="0">
+                <a:latin typeface="Consolas"/>
+                <a:cs typeface="Consolas"/>
+              </a:rPr>
+              <a:t>/</a:t>
+            </a:r>
+            <a:r>
+              <a:rPr lang="en-US" i="1" dirty="0">
+                <a:latin typeface="Consolas"/>
+                <a:cs typeface="Consolas"/>
+              </a:rPr>
+              <a:t>/ ... entry methods ...</a:t>
             </a:r>
           </a:p>
           <a:p>
@@ -13390,46 +13575,11 @@
               <a:buNone/>
             </a:pPr>
             <a:r>
-              <a:rPr lang="en-US" sz="2000" dirty="0" smtClean="0">
-                <a:latin typeface="Consolas"/>
-                <a:cs typeface="Consolas"/>
-              </a:rPr>
-              <a:t>      </a:t>
-            </a:r>
-            <a:r>
-              <a:rPr lang="en-US" sz="2000" b="1" dirty="0" smtClean="0">
-                <a:latin typeface="Consolas"/>
-                <a:cs typeface="Consolas"/>
-              </a:rPr>
-              <a:t>entry</a:t>
-            </a:r>
-            <a:r>
-              <a:rPr lang="en-US" sz="2000" dirty="0" smtClean="0">
-                <a:latin typeface="Consolas"/>
-                <a:cs typeface="Consolas"/>
-              </a:rPr>
-              <a:t> </a:t>
-            </a:r>
-            <a:r>
-              <a:rPr lang="en-US" sz="2000" dirty="0">
-                <a:latin typeface="Consolas"/>
-                <a:cs typeface="Consolas"/>
-              </a:rPr>
-              <a:t>Main(</a:t>
-            </a:r>
-            <a:r>
-              <a:rPr lang="en-US" sz="2000" dirty="0" err="1">
-                <a:latin typeface="Consolas"/>
-                <a:cs typeface="Consolas"/>
-              </a:rPr>
-              <a:t>CkArgMsg</a:t>
-            </a:r>
-            <a:r>
-              <a:rPr lang="en-US" sz="2000" dirty="0">
-                <a:latin typeface="Consolas"/>
-                <a:cs typeface="Consolas"/>
-              </a:rPr>
-              <a:t>∗);</a:t>
+              <a:rPr lang="en-US" dirty="0">
+                <a:latin typeface="Consolas"/>
+                <a:cs typeface="Consolas"/>
+              </a:rPr>
+              <a:t>}</a:t>
             </a:r>
           </a:p>
           <a:p>
@@ -13437,50 +13587,211 @@
               <a:buNone/>
             </a:pPr>
             <a:r>
-              <a:rPr lang="en-US" sz="2000" dirty="0" smtClean="0">
-                <a:latin typeface="Consolas"/>
-                <a:cs typeface="Consolas"/>
-              </a:rPr>
-              <a:t>   }</a:t>
-            </a:r>
-            <a:endParaRPr lang="en-US" sz="2000" dirty="0">
+              <a:rPr lang="en-US" b="1" dirty="0">
+                <a:latin typeface="Consolas"/>
+                <a:cs typeface="Consolas"/>
+              </a:rPr>
+              <a:t>array </a:t>
+            </a:r>
+            <a:r>
+              <a:rPr lang="en-US" dirty="0">
+                <a:latin typeface="Consolas"/>
+                <a:cs typeface="Consolas"/>
+              </a:rPr>
+              <a:t>[2d] bar {</a:t>
+            </a:r>
+          </a:p>
+          <a:p>
+            <a:pPr marL="0" indent="0">
+              <a:buNone/>
+            </a:pPr>
+            <a:r>
+              <a:rPr lang="en-US" dirty="0" smtClean="0">
+                <a:latin typeface="Consolas"/>
+                <a:cs typeface="Consolas"/>
+              </a:rPr>
+              <a:t>   </a:t>
+            </a:r>
+            <a:r>
+              <a:rPr lang="en-US" b="1" dirty="0" smtClean="0">
+                <a:latin typeface="Consolas"/>
+                <a:cs typeface="Consolas"/>
+              </a:rPr>
+              <a:t>entry </a:t>
+            </a:r>
+            <a:r>
+              <a:rPr lang="en-US" dirty="0">
+                <a:latin typeface="Consolas"/>
+                <a:cs typeface="Consolas"/>
+              </a:rPr>
+              <a:t>bar(); </a:t>
+            </a:r>
+            <a:r>
+              <a:rPr lang="en-US" i="1" dirty="0">
+                <a:latin typeface="Consolas"/>
+                <a:cs typeface="Consolas"/>
+              </a:rPr>
+              <a:t>// constructor</a:t>
+            </a:r>
+          </a:p>
+          <a:p>
+            <a:pPr marL="0" indent="0">
+              <a:buNone/>
+            </a:pPr>
+            <a:r>
+              <a:rPr lang="en-US" dirty="0" smtClean="0">
+                <a:latin typeface="Consolas"/>
+                <a:cs typeface="Consolas"/>
+              </a:rPr>
+              <a:t>   </a:t>
+            </a:r>
+            <a:r>
+              <a:rPr lang="en-US" i="1" dirty="0" smtClean="0">
+                <a:latin typeface="Consolas"/>
+                <a:cs typeface="Consolas"/>
+              </a:rPr>
+              <a:t>/</a:t>
+            </a:r>
+            <a:r>
+              <a:rPr lang="en-US" i="1" dirty="0">
+                <a:latin typeface="Consolas"/>
+                <a:cs typeface="Consolas"/>
+              </a:rPr>
+              <a:t>/ ... entry methods ...</a:t>
+            </a:r>
+          </a:p>
+          <a:p>
+            <a:pPr marL="0" indent="0">
+              <a:buNone/>
+            </a:pPr>
+            <a:r>
+              <a:rPr lang="en-US" dirty="0" smtClean="0">
+                <a:latin typeface="Consolas"/>
+                <a:cs typeface="Consolas"/>
+              </a:rPr>
+              <a:t>}</a:t>
+            </a:r>
+            <a:endParaRPr lang="en-US" dirty="0">
               <a:latin typeface="Consolas"/>
               <a:cs typeface="Consolas"/>
             </a:endParaRPr>
           </a:p>
+        </p:txBody>
+      </p:sp>
+      <p:sp>
+        <p:nvSpPr>
+          <p:cNvPr id="5" name="Content Placeholder 4"/>
+          <p:cNvSpPr>
+            <a:spLocks noGrp="1"/>
+          </p:cNvSpPr>
+          <p:nvPr>
+            <p:ph sz="quarter" idx="15"/>
+          </p:nvPr>
+        </p:nvSpPr>
+        <p:spPr>
+          <a:xfrm>
+            <a:off x="261865" y="3507176"/>
+            <a:ext cx="8615359" cy="516838"/>
+          </a:xfrm>
+        </p:spPr>
+        <p:txBody>
+          <a:bodyPr/>
+          <a:lstStyle/>
           <a:p>
             <a:pPr marL="0" indent="0">
               <a:buNone/>
             </a:pPr>
             <a:r>
-              <a:rPr lang="en-US" sz="2000" dirty="0" smtClean="0">
-                <a:latin typeface="Consolas"/>
-                <a:cs typeface="Consolas"/>
-              </a:rPr>
-              <a:t>   </a:t>
-            </a:r>
-            <a:r>
-              <a:rPr lang="en-US" sz="2000" b="1" dirty="0" smtClean="0">
-                <a:latin typeface="Consolas"/>
-                <a:cs typeface="Consolas"/>
-              </a:rPr>
-              <a:t>array</a:t>
-            </a:r>
-            <a:r>
-              <a:rPr lang="en-US" sz="2000" dirty="0" smtClean="0">
+              <a:rPr lang="en-US" dirty="0" smtClean="0"/>
+              <a:t>.C file:</a:t>
+            </a:r>
+            <a:endParaRPr lang="en-US" dirty="0"/>
+          </a:p>
+        </p:txBody>
+      </p:sp>
+      <p:sp>
+        <p:nvSpPr>
+          <p:cNvPr id="6" name="Content Placeholder 5"/>
+          <p:cNvSpPr>
+            <a:spLocks noGrp="1"/>
+          </p:cNvSpPr>
+          <p:nvPr>
+            <p:ph sz="quarter" idx="16"/>
+          </p:nvPr>
+        </p:nvSpPr>
+        <p:spPr>
+          <a:xfrm>
+            <a:off x="261865" y="4024014"/>
+            <a:ext cx="8615359" cy="2417321"/>
+          </a:xfrm>
+          <a:solidFill>
+            <a:srgbClr val="CCD1D9"/>
+          </a:solidFill>
+          <a:ln>
+            <a:solidFill>
+              <a:srgbClr val="292934"/>
+            </a:solidFill>
+          </a:ln>
+        </p:spPr>
+        <p:txBody>
+          <a:bodyPr>
+            <a:normAutofit fontScale="77500" lnSpcReduction="20000"/>
+          </a:bodyPr>
+          <a:lstStyle/>
+          <a:p>
+            <a:pPr marL="0" indent="0">
+              <a:buNone/>
+            </a:pPr>
+            <a:r>
+              <a:rPr lang="en-US" b="1" dirty="0" err="1">
+                <a:latin typeface="Consolas"/>
+                <a:cs typeface="Consolas"/>
+              </a:rPr>
+              <a:t>struct</a:t>
+            </a:r>
+            <a:r>
+              <a:rPr lang="en-US" dirty="0">
+                <a:latin typeface="Consolas"/>
+                <a:cs typeface="Consolas"/>
+              </a:rPr>
+              <a:t> foo : </a:t>
+            </a:r>
+            <a:r>
+              <a:rPr lang="en-US" b="1" dirty="0">
+                <a:latin typeface="Consolas"/>
+                <a:cs typeface="Consolas"/>
+              </a:rPr>
+              <a:t>public</a:t>
+            </a:r>
+            <a:r>
+              <a:rPr lang="en-US" dirty="0">
                 <a:latin typeface="Consolas"/>
                 <a:cs typeface="Consolas"/>
               </a:rPr>
               <a:t> </a:t>
             </a:r>
             <a:r>
-              <a:rPr lang="en-US" sz="2000" dirty="0">
-                <a:latin typeface="Consolas"/>
-                <a:cs typeface="Consolas"/>
-              </a:rPr>
-              <a:t>[1D] hello { </a:t>
-            </a:r>
-            <a:endParaRPr lang="en-US" sz="2000" dirty="0" smtClean="0">
+              <a:rPr lang="en-US" dirty="0" err="1" smtClean="0">
+                <a:latin typeface="Consolas"/>
+                <a:cs typeface="Consolas"/>
+              </a:rPr>
+              <a:t>CBase_foo</a:t>
+            </a:r>
+            <a:r>
+              <a:rPr lang="en-US" dirty="0" smtClean="0">
+                <a:latin typeface="Consolas"/>
+                <a:cs typeface="Consolas"/>
+              </a:rPr>
+              <a:t> </a:t>
+            </a:r>
+            <a:r>
+              <a:rPr lang="en-US" dirty="0">
+                <a:latin typeface="Consolas"/>
+                <a:cs typeface="Consolas"/>
+              </a:rPr>
+              <a:t>{ </a:t>
+            </a:r>
+            <a:endParaRPr lang="en-US" dirty="0" smtClean="0">
               <a:latin typeface="Consolas"/>
               <a:cs typeface="Consolas"/>
             </a:endParaRPr>
@@ -13490,95 +13801,20 @@
               <a:buNone/>
             </a:pPr>
             <a:r>
-              <a:rPr lang="en-US" sz="2000" dirty="0">
-                <a:latin typeface="Consolas"/>
-                <a:cs typeface="Consolas"/>
-              </a:rPr>
-              <a:t> </a:t>
-            </a:r>
-            <a:r>
-              <a:rPr lang="en-US" sz="2000" dirty="0" smtClean="0">
-                <a:latin typeface="Consolas"/>
-                <a:cs typeface="Consolas"/>
-              </a:rPr>
-              <a:t>     </a:t>
-            </a:r>
-            <a:r>
-              <a:rPr lang="en-US" sz="2000" b="1" dirty="0" smtClean="0">
-                <a:latin typeface="Consolas"/>
-                <a:cs typeface="Consolas"/>
-              </a:rPr>
-              <a:t>entry</a:t>
-            </a:r>
-            <a:r>
-              <a:rPr lang="en-US" sz="2000" dirty="0" smtClean="0">
-                <a:latin typeface="Consolas"/>
-                <a:cs typeface="Consolas"/>
-              </a:rPr>
-              <a:t> </a:t>
-            </a:r>
-            <a:r>
-              <a:rPr lang="en-US" sz="2000" dirty="0">
-                <a:latin typeface="Consolas"/>
-                <a:cs typeface="Consolas"/>
-              </a:rPr>
-              <a:t>hello(</a:t>
-            </a:r>
-            <a:r>
-              <a:rPr lang="en-US" sz="2000" b="1" dirty="0" err="1">
-                <a:latin typeface="Consolas"/>
-                <a:cs typeface="Consolas"/>
-              </a:rPr>
-              <a:t>int</a:t>
-            </a:r>
-            <a:r>
-              <a:rPr lang="en-US" sz="2000" dirty="0">
-                <a:latin typeface="Consolas"/>
-                <a:cs typeface="Consolas"/>
-              </a:rPr>
-              <a:t>);</a:t>
-            </a:r>
-          </a:p>
-          <a:p>
-            <a:pPr marL="0" indent="0">
-              <a:buNone/>
-            </a:pPr>
-            <a:r>
-              <a:rPr lang="en-US" sz="2000" dirty="0" smtClean="0">
-                <a:latin typeface="Consolas"/>
-                <a:cs typeface="Consolas"/>
-              </a:rPr>
-              <a:t>      </a:t>
-            </a:r>
-            <a:r>
-              <a:rPr lang="en-US" sz="2000" b="1" dirty="0" smtClean="0">
-                <a:latin typeface="Consolas"/>
-                <a:cs typeface="Consolas"/>
-              </a:rPr>
-              <a:t>entry </a:t>
-            </a:r>
-            <a:r>
-              <a:rPr lang="en-US" sz="2000" b="1" dirty="0">
-                <a:latin typeface="Consolas"/>
-                <a:cs typeface="Consolas"/>
-              </a:rPr>
-              <a:t>void </a:t>
-            </a:r>
-            <a:r>
-              <a:rPr lang="en-US" sz="2000" dirty="0" err="1">
-                <a:latin typeface="Consolas"/>
-                <a:cs typeface="Consolas"/>
-              </a:rPr>
-              <a:t>printHello</a:t>
-            </a:r>
-            <a:r>
-              <a:rPr lang="en-US" sz="2000" dirty="0">
-                <a:latin typeface="Consolas"/>
-                <a:cs typeface="Consolas"/>
-              </a:rPr>
-              <a:t>(); </a:t>
-            </a:r>
-            <a:endParaRPr lang="en-US" sz="2000" dirty="0" smtClean="0">
+              <a:rPr lang="en-US" dirty="0" smtClean="0">
+                <a:latin typeface="Consolas"/>
+                <a:cs typeface="Consolas"/>
+              </a:rPr>
+              <a:t>   foo</a:t>
+            </a:r>
+            <a:r>
+              <a:rPr lang="en-US" dirty="0">
+                <a:latin typeface="Consolas"/>
+                <a:cs typeface="Consolas"/>
+              </a:rPr>
+              <a:t>() { } </a:t>
+            </a:r>
+            <a:endParaRPr lang="en-US" dirty="0" smtClean="0">
               <a:latin typeface="Consolas"/>
               <a:cs typeface="Consolas"/>
             </a:endParaRPr>
@@ -13588,119 +13824,238 @@
               <a:buNone/>
             </a:pPr>
             <a:r>
-              <a:rPr lang="en-US" sz="2000" dirty="0">
-                <a:latin typeface="Consolas"/>
-                <a:cs typeface="Consolas"/>
-              </a:rPr>
-              <a:t> </a:t>
-            </a:r>
-            <a:r>
-              <a:rPr lang="en-US" sz="2000" dirty="0" smtClean="0">
-                <a:latin typeface="Consolas"/>
-                <a:cs typeface="Consolas"/>
-              </a:rPr>
-              <a:t>  }</a:t>
-            </a:r>
-          </a:p>
-          <a:p>
-            <a:pPr marL="0" indent="0">
-              <a:buNone/>
-            </a:pPr>
-            <a:r>
-              <a:rPr lang="en-US" sz="2000" dirty="0" smtClean="0">
-                <a:latin typeface="Consolas"/>
-                <a:cs typeface="Consolas"/>
-              </a:rPr>
-              <a:t>}</a:t>
-            </a:r>
-            <a:endParaRPr lang="en-US" sz="2000" dirty="0">
+              <a:rPr lang="en-US" dirty="0" smtClean="0">
+                <a:latin typeface="Consolas"/>
+                <a:cs typeface="Consolas"/>
+              </a:rPr>
+              <a:t>   foo</a:t>
+            </a:r>
+            <a:r>
+              <a:rPr lang="en-US" dirty="0">
+                <a:latin typeface="Consolas"/>
+                <a:cs typeface="Consolas"/>
+              </a:rPr>
+              <a:t>(</a:t>
+            </a:r>
+            <a:r>
+              <a:rPr lang="en-US" dirty="0" err="1">
+                <a:latin typeface="Consolas"/>
+                <a:cs typeface="Consolas"/>
+              </a:rPr>
+              <a:t>CkMigrateMessage</a:t>
+            </a:r>
+            <a:r>
+              <a:rPr lang="en-US" dirty="0">
+                <a:latin typeface="Consolas"/>
+                <a:cs typeface="Consolas"/>
+              </a:rPr>
+              <a:t>∗) { } </a:t>
+            </a:r>
+            <a:endParaRPr lang="en-US" dirty="0" smtClean="0">
               <a:latin typeface="Consolas"/>
               <a:cs typeface="Consolas"/>
             </a:endParaRPr>
           </a:p>
-        </p:txBody>
-      </p:sp>
-      <p:sp>
-        <p:nvSpPr>
-          <p:cNvPr id="4" name="Date Placeholder 3"/>
-          <p:cNvSpPr>
-            <a:spLocks noGrp="1"/>
-          </p:cNvSpPr>
-          <p:nvPr>
-            <p:ph type="dt" sz="half" idx="10"/>
-          </p:nvPr>
-        </p:nvSpPr>
-        <p:spPr/>
-        <p:txBody>
-          <a:bodyPr/>
-          <a:lstStyle/>
-          <a:p>
-            <a:fld id="{46A26A7E-4EBE-6B4C-8020-5D4DC21EA2AC}" type="datetime2">
-              <a:rPr lang="en-US" smtClean="0"/>
-              <a:t>Wednesday, September 10, 14</a:t>
-            </a:fld>
-            <a:endParaRPr lang="en-US"/>
-          </a:p>
-        </p:txBody>
-      </p:sp>
-      <p:sp>
-        <p:nvSpPr>
-          <p:cNvPr id="5" name="Footer Placeholder 4"/>
-          <p:cNvSpPr>
-            <a:spLocks noGrp="1"/>
-          </p:cNvSpPr>
-          <p:nvPr>
-            <p:ph type="ftr" sz="quarter" idx="11"/>
-          </p:nvPr>
-        </p:nvSpPr>
-        <p:spPr/>
-        <p:txBody>
-          <a:bodyPr/>
-          <a:lstStyle/>
-          <a:p>
-            <a:pPr algn="r"/>
-            <a:r>
-              <a:rPr lang="en-US" smtClean="0"/>
-              <a:t>Sanjay Kalé and PPL (UIUC) – Parallel Migratable Objects </a:t>
-            </a:r>
-            <a:endParaRPr lang="en-US" dirty="0"/>
-          </a:p>
-        </p:txBody>
-      </p:sp>
-      <p:sp>
-        <p:nvSpPr>
-          <p:cNvPr id="6" name="Slide Number Placeholder 5"/>
-          <p:cNvSpPr>
-            <a:spLocks noGrp="1"/>
-          </p:cNvSpPr>
-          <p:nvPr>
-            <p:ph type="sldNum" sz="quarter" idx="12"/>
-          </p:nvPr>
-        </p:nvSpPr>
-        <p:spPr/>
-        <p:txBody>
-          <a:bodyPr/>
-          <a:lstStyle/>
-          <a:p>
-            <a:fld id="{0CFEC368-1D7A-4F81-ABF6-AE0E36BAF64C}" type="slidenum">
-              <a:rPr lang="en-US" smtClean="0"/>
-              <a:pPr/>
-              <a:t>20</a:t>
-            </a:fld>
-            <a:endParaRPr lang="en-US"/>
+          <a:p>
+            <a:pPr marL="0" indent="0">
+              <a:buNone/>
+            </a:pPr>
+            <a:r>
+              <a:rPr lang="en-US" i="1" dirty="0" smtClean="0">
+                <a:latin typeface="Consolas"/>
+                <a:cs typeface="Consolas"/>
+              </a:rPr>
+              <a:t>   /</a:t>
+            </a:r>
+            <a:r>
+              <a:rPr lang="en-US" i="1" dirty="0">
+                <a:latin typeface="Consolas"/>
+                <a:cs typeface="Consolas"/>
+              </a:rPr>
+              <a:t>/ ... entry methods </a:t>
+            </a:r>
+            <a:r>
+              <a:rPr lang="en-US" i="1" dirty="0" smtClean="0">
+                <a:latin typeface="Consolas"/>
+                <a:cs typeface="Consolas"/>
+              </a:rPr>
+              <a:t>… </a:t>
+            </a:r>
+            <a:endParaRPr lang="en-US" i="1" dirty="0">
+              <a:latin typeface="Consolas"/>
+              <a:cs typeface="Consolas"/>
+            </a:endParaRPr>
+          </a:p>
+          <a:p>
+            <a:pPr marL="0" indent="0">
+              <a:buNone/>
+            </a:pPr>
+            <a:r>
+              <a:rPr lang="en-US" dirty="0">
+                <a:latin typeface="Consolas"/>
+                <a:cs typeface="Consolas"/>
+              </a:rPr>
+              <a:t>}</a:t>
+            </a:r>
+            <a:r>
+              <a:rPr lang="en-US" dirty="0" smtClean="0">
+                <a:latin typeface="Consolas"/>
+                <a:cs typeface="Consolas"/>
+              </a:rPr>
+              <a:t>; </a:t>
+            </a:r>
+            <a:endParaRPr lang="en-US" dirty="0">
+              <a:latin typeface="Consolas"/>
+              <a:cs typeface="Consolas"/>
+            </a:endParaRPr>
+          </a:p>
+          <a:p>
+            <a:pPr marL="0" indent="0">
+              <a:buNone/>
+            </a:pPr>
+            <a:r>
+              <a:rPr lang="en-US" b="1" dirty="0" err="1">
+                <a:latin typeface="Consolas"/>
+                <a:cs typeface="Consolas"/>
+              </a:rPr>
+              <a:t>struct</a:t>
+            </a:r>
+            <a:r>
+              <a:rPr lang="en-US" dirty="0">
+                <a:latin typeface="Consolas"/>
+                <a:cs typeface="Consolas"/>
+              </a:rPr>
+              <a:t> bar : </a:t>
+            </a:r>
+            <a:r>
+              <a:rPr lang="en-US" b="1" dirty="0">
+                <a:latin typeface="Consolas"/>
+                <a:cs typeface="Consolas"/>
+              </a:rPr>
+              <a:t>public</a:t>
+            </a:r>
+            <a:r>
+              <a:rPr lang="en-US" dirty="0">
+                <a:latin typeface="Consolas"/>
+                <a:cs typeface="Consolas"/>
+              </a:rPr>
+              <a:t> </a:t>
+            </a:r>
+            <a:r>
+              <a:rPr lang="en-US" dirty="0" err="1" smtClean="0">
+                <a:latin typeface="Consolas"/>
+                <a:cs typeface="Consolas"/>
+              </a:rPr>
+              <a:t>CBase_bar</a:t>
+            </a:r>
+            <a:r>
+              <a:rPr lang="en-US" dirty="0" smtClean="0">
+                <a:latin typeface="Consolas"/>
+                <a:cs typeface="Consolas"/>
+              </a:rPr>
+              <a:t> </a:t>
+            </a:r>
+            <a:r>
+              <a:rPr lang="en-US" dirty="0">
+                <a:latin typeface="Consolas"/>
+                <a:cs typeface="Consolas"/>
+              </a:rPr>
+              <a:t>{</a:t>
+            </a:r>
+          </a:p>
+          <a:p>
+            <a:pPr marL="0" indent="0">
+              <a:buNone/>
+            </a:pPr>
+            <a:r>
+              <a:rPr lang="en-US" dirty="0" smtClean="0">
+                <a:latin typeface="Consolas"/>
+                <a:cs typeface="Consolas"/>
+              </a:rPr>
+              <a:t>   bar</a:t>
+            </a:r>
+            <a:r>
+              <a:rPr lang="en-US" dirty="0">
+                <a:latin typeface="Consolas"/>
+                <a:cs typeface="Consolas"/>
+              </a:rPr>
+              <a:t>() { } </a:t>
+            </a:r>
+            <a:endParaRPr lang="en-US" dirty="0" smtClean="0">
+              <a:latin typeface="Consolas"/>
+              <a:cs typeface="Consolas"/>
+            </a:endParaRPr>
+          </a:p>
+          <a:p>
+            <a:pPr marL="0" indent="0">
+              <a:buNone/>
+            </a:pPr>
+            <a:r>
+              <a:rPr lang="en-US" dirty="0">
+                <a:latin typeface="Consolas"/>
+                <a:cs typeface="Consolas"/>
+              </a:rPr>
+              <a:t> </a:t>
+            </a:r>
+            <a:r>
+              <a:rPr lang="en-US" dirty="0" smtClean="0">
+                <a:latin typeface="Consolas"/>
+                <a:cs typeface="Consolas"/>
+              </a:rPr>
+              <a:t>  bar</a:t>
+            </a:r>
+            <a:r>
+              <a:rPr lang="en-US" dirty="0">
+                <a:latin typeface="Consolas"/>
+                <a:cs typeface="Consolas"/>
+              </a:rPr>
+              <a:t>(</a:t>
+            </a:r>
+            <a:r>
+              <a:rPr lang="en-US" dirty="0" err="1">
+                <a:latin typeface="Consolas"/>
+                <a:cs typeface="Consolas"/>
+              </a:rPr>
+              <a:t>CkMigrateMessage</a:t>
+            </a:r>
+            <a:r>
+              <a:rPr lang="en-US" dirty="0">
+                <a:latin typeface="Consolas"/>
+                <a:cs typeface="Consolas"/>
+              </a:rPr>
+              <a:t>∗) { </a:t>
+            </a:r>
+            <a:r>
+              <a:rPr lang="en-US" dirty="0" smtClean="0">
+                <a:latin typeface="Consolas"/>
+                <a:cs typeface="Consolas"/>
+              </a:rPr>
+              <a:t>} </a:t>
+            </a:r>
+            <a:endParaRPr lang="en-US" dirty="0">
+              <a:latin typeface="Consolas"/>
+              <a:cs typeface="Consolas"/>
+            </a:endParaRPr>
           </a:p>
         </p:txBody>
       </p:sp>
     </p:spTree>
     <p:extLst>
       <p:ext uri="{BB962C8B-B14F-4D97-AF65-F5344CB8AC3E}">
-        <p14:creationId xmlns:p14="http://schemas.microsoft.com/office/powerpoint/2010/main" val="2145554678"/>
+        <p14:creationId xmlns:p14="http://schemas.microsoft.com/office/powerpoint/2010/main" val="2848960045"/>
       </p:ext>
     </p:extLst>
   </p:cSld>
   <p:clrMapOvr>
     <a:masterClrMapping/>
   </p:clrMapOvr>
+  <p:timing>
+    <p:tnLst>
+      <p:par>
+        <p:cTn xmlns:p14="http://schemas.microsoft.com/office/powerpoint/2010/main" id="1" dur="indefinite" restart="never" nodeType="tmRoot"/>
+      </p:par>
+    </p:tnLst>
+  </p:timing>
 </p:sld>
 </file>
 
@@ -13739,979 +14094,23 @@
           <a:lstStyle/>
           <a:p>
             <a:r>
+              <a:rPr lang="en-US" dirty="0"/>
+              <a:t>Constructing a </a:t>
+            </a:r>
+            <a:r>
               <a:rPr lang="en-US" dirty="0" err="1"/>
               <a:t>Chare</a:t>
             </a:r>
             <a:r>
               <a:rPr lang="en-US" dirty="0"/>
-              <a:t> Array: Hello Example</a:t>
-            </a:r>
-          </a:p>
-        </p:txBody>
-      </p:sp>
-      <p:sp>
-        <p:nvSpPr>
-          <p:cNvPr id="3" name="Content Placeholder 2"/>
-          <p:cNvSpPr>
-            <a:spLocks noGrp="1"/>
-          </p:cNvSpPr>
-          <p:nvPr>
-            <p:ph idx="1"/>
-          </p:nvPr>
-        </p:nvSpPr>
-        <p:spPr>
-          <a:solidFill>
-            <a:srgbClr val="CCD1D9"/>
-          </a:solidFill>
-          <a:ln>
-            <a:solidFill>
-              <a:srgbClr val="292934"/>
-            </a:solidFill>
-          </a:ln>
-        </p:spPr>
-        <p:txBody>
-          <a:bodyPr>
-            <a:normAutofit fontScale="62500" lnSpcReduction="20000"/>
-          </a:bodyPr>
-          <a:lstStyle/>
-          <a:p>
-            <a:pPr marL="0" indent="0">
-              <a:buNone/>
-            </a:pPr>
-            <a:r>
-              <a:rPr lang="en-US" b="1" dirty="0" smtClean="0">
-                <a:latin typeface="Consolas"/>
-                <a:cs typeface="Consolas"/>
-              </a:rPr>
-              <a:t>#</a:t>
-            </a:r>
-            <a:r>
-              <a:rPr lang="en-US" b="1" dirty="0">
-                <a:latin typeface="Consolas"/>
-                <a:cs typeface="Consolas"/>
-              </a:rPr>
-              <a:t>include </a:t>
-            </a:r>
-            <a:r>
-              <a:rPr lang="en-US" dirty="0" smtClean="0">
-                <a:latin typeface="Consolas"/>
-                <a:cs typeface="Consolas"/>
-              </a:rPr>
-              <a:t>“</a:t>
-            </a:r>
-            <a:r>
-              <a:rPr lang="en-US" dirty="0" err="1" smtClean="0">
-                <a:latin typeface="Consolas"/>
-                <a:cs typeface="Consolas"/>
-              </a:rPr>
-              <a:t>arr.decl.h</a:t>
-            </a:r>
-            <a:r>
-              <a:rPr lang="en-US" dirty="0" smtClean="0">
-                <a:latin typeface="Consolas"/>
-                <a:cs typeface="Consolas"/>
-              </a:rPr>
-              <a:t>”</a:t>
-            </a:r>
-          </a:p>
-          <a:p>
-            <a:pPr marL="0" indent="0">
-              <a:buNone/>
-            </a:pPr>
-            <a:endParaRPr lang="en-US" dirty="0">
-              <a:latin typeface="Consolas"/>
-              <a:cs typeface="Consolas"/>
-            </a:endParaRPr>
-          </a:p>
-          <a:p>
-            <a:pPr marL="0" indent="0">
-              <a:buNone/>
-            </a:pPr>
-            <a:r>
-              <a:rPr lang="en-US" b="1" dirty="0" err="1">
-                <a:latin typeface="Consolas"/>
-                <a:cs typeface="Consolas"/>
-              </a:rPr>
-              <a:t>struct</a:t>
-            </a:r>
-            <a:r>
-              <a:rPr lang="en-US" b="1" dirty="0">
-                <a:latin typeface="Consolas"/>
-                <a:cs typeface="Consolas"/>
-              </a:rPr>
-              <a:t> </a:t>
-            </a:r>
-            <a:r>
-              <a:rPr lang="en-US" dirty="0">
-                <a:latin typeface="Consolas"/>
-                <a:cs typeface="Consolas"/>
-              </a:rPr>
-              <a:t>Main : </a:t>
-            </a:r>
-            <a:r>
-              <a:rPr lang="en-US" dirty="0" err="1" smtClean="0">
-                <a:latin typeface="Consolas"/>
-                <a:cs typeface="Consolas"/>
-              </a:rPr>
-              <a:t>CBase_Main</a:t>
-            </a:r>
-            <a:r>
-              <a:rPr lang="en-US" dirty="0" smtClean="0">
-                <a:latin typeface="Consolas"/>
-                <a:cs typeface="Consolas"/>
-              </a:rPr>
-              <a:t> </a:t>
-            </a:r>
-            <a:r>
-              <a:rPr lang="en-US" dirty="0">
-                <a:latin typeface="Consolas"/>
-                <a:cs typeface="Consolas"/>
-              </a:rPr>
-              <a:t>{ </a:t>
-            </a:r>
-            <a:endParaRPr lang="en-US" dirty="0" smtClean="0">
-              <a:latin typeface="Consolas"/>
-              <a:cs typeface="Consolas"/>
-            </a:endParaRPr>
-          </a:p>
-          <a:p>
-            <a:pPr marL="0" indent="0">
-              <a:buNone/>
-            </a:pPr>
-            <a:r>
-              <a:rPr lang="en-US" dirty="0">
-                <a:latin typeface="Consolas"/>
-                <a:cs typeface="Consolas"/>
-              </a:rPr>
-              <a:t> </a:t>
-            </a:r>
-            <a:r>
-              <a:rPr lang="en-US" dirty="0" smtClean="0">
-                <a:latin typeface="Consolas"/>
-                <a:cs typeface="Consolas"/>
-              </a:rPr>
-              <a:t>  Main</a:t>
-            </a:r>
-            <a:r>
-              <a:rPr lang="en-US" dirty="0">
-                <a:latin typeface="Consolas"/>
-                <a:cs typeface="Consolas"/>
-              </a:rPr>
-              <a:t>(</a:t>
-            </a:r>
-            <a:r>
-              <a:rPr lang="en-US" dirty="0" err="1">
-                <a:latin typeface="Consolas"/>
-                <a:cs typeface="Consolas"/>
-              </a:rPr>
-              <a:t>CkArgMsg</a:t>
-            </a:r>
-            <a:r>
-              <a:rPr lang="en-US" dirty="0">
-                <a:latin typeface="Consolas"/>
-                <a:cs typeface="Consolas"/>
-              </a:rPr>
-              <a:t>∗ </a:t>
-            </a:r>
-            <a:r>
-              <a:rPr lang="en-US" dirty="0" err="1">
-                <a:latin typeface="Consolas"/>
-                <a:cs typeface="Consolas"/>
-              </a:rPr>
-              <a:t>msg</a:t>
-            </a:r>
-            <a:r>
-              <a:rPr lang="en-US" dirty="0">
-                <a:latin typeface="Consolas"/>
-                <a:cs typeface="Consolas"/>
-              </a:rPr>
-              <a:t>) {</a:t>
-            </a:r>
-          </a:p>
-          <a:p>
-            <a:pPr marL="0" indent="0">
-              <a:buNone/>
-            </a:pPr>
-            <a:r>
-              <a:rPr lang="en-US" dirty="0" smtClean="0">
-                <a:latin typeface="Consolas"/>
-                <a:cs typeface="Consolas"/>
-              </a:rPr>
-              <a:t>      </a:t>
-            </a:r>
-            <a:r>
-              <a:rPr lang="en-US" b="1" dirty="0" err="1" smtClean="0">
-                <a:latin typeface="Consolas"/>
-                <a:cs typeface="Consolas"/>
-              </a:rPr>
-              <a:t>int</a:t>
-            </a:r>
-            <a:r>
-              <a:rPr lang="en-US" b="1" dirty="0" smtClean="0">
-                <a:latin typeface="Consolas"/>
-                <a:cs typeface="Consolas"/>
-              </a:rPr>
-              <a:t> </a:t>
-            </a:r>
-            <a:r>
-              <a:rPr lang="en-US" dirty="0" err="1">
-                <a:latin typeface="Consolas"/>
-                <a:cs typeface="Consolas"/>
-              </a:rPr>
-              <a:t>arraySize</a:t>
-            </a:r>
-            <a:r>
-              <a:rPr lang="en-US" dirty="0">
-                <a:latin typeface="Consolas"/>
-                <a:cs typeface="Consolas"/>
-              </a:rPr>
-              <a:t> = </a:t>
-            </a:r>
-            <a:r>
-              <a:rPr lang="en-US" dirty="0" err="1">
-                <a:latin typeface="Consolas"/>
-                <a:cs typeface="Consolas"/>
-              </a:rPr>
-              <a:t>atoi</a:t>
-            </a:r>
-            <a:r>
-              <a:rPr lang="en-US" dirty="0">
-                <a:latin typeface="Consolas"/>
-                <a:cs typeface="Consolas"/>
-              </a:rPr>
-              <a:t>(</a:t>
-            </a:r>
-            <a:r>
-              <a:rPr lang="en-US" dirty="0" err="1" smtClean="0">
-                <a:latin typeface="Consolas"/>
-                <a:cs typeface="Consolas"/>
-              </a:rPr>
-              <a:t>msg</a:t>
-            </a:r>
-            <a:r>
-              <a:rPr lang="en-US" dirty="0" smtClean="0">
-                <a:latin typeface="Consolas"/>
-                <a:cs typeface="Consolas"/>
-              </a:rPr>
-              <a:t>-&gt;</a:t>
-            </a:r>
-            <a:r>
-              <a:rPr lang="en-US" dirty="0" err="1" smtClean="0">
-                <a:latin typeface="Consolas"/>
-                <a:cs typeface="Consolas"/>
-              </a:rPr>
-              <a:t>argv</a:t>
-            </a:r>
-            <a:r>
-              <a:rPr lang="en-US" dirty="0" smtClean="0">
-                <a:latin typeface="Consolas"/>
-                <a:cs typeface="Consolas"/>
-              </a:rPr>
-              <a:t>[1]);</a:t>
-            </a:r>
-          </a:p>
-          <a:p>
-            <a:pPr marL="0" indent="0">
-              <a:buNone/>
-            </a:pPr>
-            <a:r>
-              <a:rPr lang="en-US" dirty="0">
-                <a:latin typeface="Consolas"/>
-                <a:cs typeface="Consolas"/>
-              </a:rPr>
-              <a:t> </a:t>
-            </a:r>
-            <a:r>
-              <a:rPr lang="en-US" dirty="0" smtClean="0">
-                <a:latin typeface="Consolas"/>
-                <a:cs typeface="Consolas"/>
-              </a:rPr>
-              <a:t>     </a:t>
-            </a:r>
-            <a:r>
-              <a:rPr lang="en-US" dirty="0" err="1" smtClean="0">
-                <a:latin typeface="Consolas"/>
-                <a:cs typeface="Consolas"/>
-              </a:rPr>
-              <a:t>CProxy_hello</a:t>
-            </a:r>
-            <a:r>
-              <a:rPr lang="en-US" dirty="0" smtClean="0">
-                <a:latin typeface="Consolas"/>
-                <a:cs typeface="Consolas"/>
-              </a:rPr>
-              <a:t> p = </a:t>
-            </a:r>
-            <a:r>
-              <a:rPr lang="en-US" dirty="0" err="1" smtClean="0">
-                <a:latin typeface="Consolas"/>
-                <a:cs typeface="Consolas"/>
-              </a:rPr>
-              <a:t>CProxy</a:t>
-            </a:r>
-            <a:r>
-              <a:rPr lang="en-US" dirty="0" err="1">
-                <a:latin typeface="Consolas"/>
-                <a:cs typeface="Consolas"/>
-              </a:rPr>
-              <a:t>_</a:t>
-            </a:r>
-            <a:r>
-              <a:rPr lang="en-US" dirty="0" err="1" smtClean="0">
-                <a:latin typeface="Consolas"/>
-                <a:cs typeface="Consolas"/>
-              </a:rPr>
-              <a:t>hello</a:t>
-            </a:r>
-            <a:r>
-              <a:rPr lang="en-US" dirty="0" smtClean="0">
-                <a:latin typeface="Consolas"/>
-                <a:cs typeface="Consolas"/>
-              </a:rPr>
-              <a:t>::</a:t>
-            </a:r>
-            <a:r>
-              <a:rPr lang="en-US" dirty="0" err="1" smtClean="0">
-                <a:latin typeface="Consolas"/>
-                <a:cs typeface="Consolas"/>
-              </a:rPr>
-              <a:t>ckNew</a:t>
-            </a:r>
-            <a:r>
-              <a:rPr lang="en-US" dirty="0" smtClean="0">
-                <a:latin typeface="Consolas"/>
-                <a:cs typeface="Consolas"/>
-              </a:rPr>
-              <a:t>(</a:t>
-            </a:r>
-            <a:r>
-              <a:rPr lang="en-US" dirty="0" err="1" smtClean="0">
-                <a:latin typeface="Consolas"/>
-                <a:cs typeface="Consolas"/>
-              </a:rPr>
-              <a:t>arraySize</a:t>
-            </a:r>
-            <a:r>
-              <a:rPr lang="en-US" dirty="0" smtClean="0">
-                <a:latin typeface="Consolas"/>
-                <a:cs typeface="Consolas"/>
-              </a:rPr>
-              <a:t>);</a:t>
-            </a:r>
-          </a:p>
-          <a:p>
-            <a:pPr marL="0" indent="0">
-              <a:buNone/>
-            </a:pPr>
-            <a:r>
-              <a:rPr lang="en-US" dirty="0">
-                <a:latin typeface="Consolas"/>
-                <a:cs typeface="Consolas"/>
-              </a:rPr>
-              <a:t> </a:t>
-            </a:r>
-            <a:r>
-              <a:rPr lang="en-US" dirty="0" smtClean="0">
-                <a:latin typeface="Consolas"/>
-                <a:cs typeface="Consolas"/>
-              </a:rPr>
-              <a:t>     p[0].</a:t>
-            </a:r>
-            <a:r>
-              <a:rPr lang="en-US" dirty="0" err="1" smtClean="0">
-                <a:latin typeface="Consolas"/>
-                <a:cs typeface="Consolas"/>
-              </a:rPr>
-              <a:t>printHello</a:t>
-            </a:r>
-            <a:r>
-              <a:rPr lang="en-US" dirty="0" smtClean="0">
-                <a:latin typeface="Consolas"/>
-                <a:cs typeface="Consolas"/>
-              </a:rPr>
-              <a:t>();</a:t>
-            </a:r>
-          </a:p>
-          <a:p>
-            <a:pPr marL="0" indent="0">
-              <a:buNone/>
-            </a:pPr>
-            <a:r>
-              <a:rPr lang="en-US" dirty="0">
-                <a:latin typeface="Consolas"/>
-                <a:cs typeface="Consolas"/>
-              </a:rPr>
-              <a:t> </a:t>
-            </a:r>
-            <a:r>
-              <a:rPr lang="en-US" dirty="0" smtClean="0">
-                <a:latin typeface="Consolas"/>
-                <a:cs typeface="Consolas"/>
-              </a:rPr>
-              <a:t>  }</a:t>
-            </a:r>
-          </a:p>
-          <a:p>
-            <a:pPr marL="0" indent="0">
-              <a:buNone/>
-            </a:pPr>
-            <a:r>
-              <a:rPr lang="en-US" dirty="0" smtClean="0">
-                <a:latin typeface="Consolas"/>
-                <a:cs typeface="Consolas"/>
-              </a:rPr>
-              <a:t>};</a:t>
-            </a:r>
-          </a:p>
-          <a:p>
-            <a:pPr marL="0" indent="0">
-              <a:buNone/>
-            </a:pPr>
-            <a:endParaRPr lang="en-US" dirty="0">
-              <a:latin typeface="Consolas"/>
-              <a:cs typeface="Consolas"/>
-            </a:endParaRPr>
-          </a:p>
-          <a:p>
-            <a:pPr marL="0" indent="0">
-              <a:buNone/>
-            </a:pPr>
-            <a:r>
-              <a:rPr lang="en-US" b="1" dirty="0" err="1" smtClean="0">
-                <a:latin typeface="Consolas"/>
-                <a:cs typeface="Consolas"/>
-              </a:rPr>
-              <a:t>struct</a:t>
-            </a:r>
-            <a:r>
-              <a:rPr lang="en-US" dirty="0" smtClean="0">
-                <a:latin typeface="Consolas"/>
-                <a:cs typeface="Consolas"/>
-              </a:rPr>
-              <a:t> hello : </a:t>
-            </a:r>
-            <a:r>
-              <a:rPr lang="en-US" dirty="0" err="1" smtClean="0">
-                <a:latin typeface="Consolas"/>
-                <a:cs typeface="Consolas"/>
-              </a:rPr>
-              <a:t>CBase_hello</a:t>
-            </a:r>
-            <a:r>
-              <a:rPr lang="en-US" dirty="0" smtClean="0">
-                <a:latin typeface="Consolas"/>
-                <a:cs typeface="Consolas"/>
-              </a:rPr>
-              <a:t> {</a:t>
-            </a:r>
-          </a:p>
-          <a:p>
-            <a:pPr marL="0" indent="0">
-              <a:buNone/>
-            </a:pPr>
-            <a:r>
-              <a:rPr lang="en-US" b="1" dirty="0">
-                <a:latin typeface="Consolas"/>
-                <a:cs typeface="Consolas"/>
-              </a:rPr>
-              <a:t> </a:t>
-            </a:r>
-            <a:r>
-              <a:rPr lang="en-US" b="1" dirty="0" smtClean="0">
-                <a:latin typeface="Consolas"/>
-                <a:cs typeface="Consolas"/>
-              </a:rPr>
-              <a:t>  </a:t>
-            </a:r>
-            <a:r>
-              <a:rPr lang="en-US" dirty="0" smtClean="0">
-                <a:latin typeface="Consolas"/>
-                <a:cs typeface="Consolas"/>
-              </a:rPr>
-              <a:t>hello(</a:t>
-            </a:r>
-            <a:r>
-              <a:rPr lang="en-US" b="1" dirty="0" err="1" smtClean="0">
-                <a:latin typeface="Consolas"/>
-                <a:cs typeface="Consolas"/>
-              </a:rPr>
-              <a:t>int</a:t>
-            </a:r>
-            <a:r>
-              <a:rPr lang="en-US" dirty="0" smtClean="0">
-                <a:latin typeface="Consolas"/>
-                <a:cs typeface="Consolas"/>
-              </a:rPr>
-              <a:t> n) : </a:t>
-            </a:r>
-            <a:r>
-              <a:rPr lang="en-US" dirty="0" err="1" smtClean="0">
-                <a:latin typeface="Consolas"/>
-                <a:cs typeface="Consolas"/>
-              </a:rPr>
-              <a:t>arraySize</a:t>
-            </a:r>
-            <a:r>
-              <a:rPr lang="en-US" dirty="0" smtClean="0">
-                <a:latin typeface="Consolas"/>
-                <a:cs typeface="Consolas"/>
-              </a:rPr>
-              <a:t>(n) { }</a:t>
-            </a:r>
-          </a:p>
-          <a:p>
-            <a:pPr marL="0" indent="0">
-              <a:buNone/>
-            </a:pPr>
-            <a:r>
-              <a:rPr lang="en-US" dirty="0">
-                <a:latin typeface="Consolas"/>
-                <a:cs typeface="Consolas"/>
-              </a:rPr>
-              <a:t> </a:t>
-            </a:r>
-            <a:r>
-              <a:rPr lang="en-US" dirty="0" smtClean="0">
-                <a:latin typeface="Consolas"/>
-                <a:cs typeface="Consolas"/>
-              </a:rPr>
-              <a:t>  hello(</a:t>
-            </a:r>
-            <a:r>
-              <a:rPr lang="en-US" dirty="0" err="1" smtClean="0">
-                <a:latin typeface="Consolas"/>
-                <a:cs typeface="Consolas"/>
-              </a:rPr>
-              <a:t>CkMigrateMessage</a:t>
-            </a:r>
-            <a:r>
-              <a:rPr lang="en-US" dirty="0" smtClean="0">
-                <a:latin typeface="Consolas"/>
-                <a:cs typeface="Consolas"/>
-              </a:rPr>
-              <a:t>*) { }</a:t>
-            </a:r>
-          </a:p>
-          <a:p>
-            <a:pPr marL="0" indent="0">
-              <a:buNone/>
-            </a:pPr>
-            <a:r>
-              <a:rPr lang="en-US" dirty="0">
-                <a:latin typeface="Consolas"/>
-                <a:cs typeface="Consolas"/>
-              </a:rPr>
-              <a:t> </a:t>
-            </a:r>
-            <a:r>
-              <a:rPr lang="en-US" dirty="0" smtClean="0">
-                <a:latin typeface="Consolas"/>
-                <a:cs typeface="Consolas"/>
-              </a:rPr>
-              <a:t>  </a:t>
-            </a:r>
-            <a:r>
-              <a:rPr lang="en-US" b="1" dirty="0" smtClean="0">
-                <a:latin typeface="Consolas"/>
-                <a:cs typeface="Consolas"/>
-              </a:rPr>
-              <a:t>void</a:t>
-            </a:r>
-            <a:r>
-              <a:rPr lang="en-US" dirty="0" smtClean="0">
-                <a:latin typeface="Consolas"/>
-                <a:cs typeface="Consolas"/>
-              </a:rPr>
-              <a:t> </a:t>
-            </a:r>
-            <a:r>
-              <a:rPr lang="en-US" dirty="0" err="1" smtClean="0">
-                <a:latin typeface="Consolas"/>
-                <a:cs typeface="Consolas"/>
-              </a:rPr>
-              <a:t>printHello</a:t>
-            </a:r>
-            <a:r>
-              <a:rPr lang="en-US" dirty="0" smtClean="0">
-                <a:latin typeface="Consolas"/>
-                <a:cs typeface="Consolas"/>
-              </a:rPr>
-              <a:t>() {</a:t>
-            </a:r>
-          </a:p>
-          <a:p>
-            <a:pPr marL="0" indent="0">
-              <a:buNone/>
-            </a:pPr>
-            <a:r>
-              <a:rPr lang="en-US" dirty="0">
-                <a:latin typeface="Consolas"/>
-                <a:cs typeface="Consolas"/>
-              </a:rPr>
-              <a:t> </a:t>
-            </a:r>
-            <a:r>
-              <a:rPr lang="en-US" dirty="0" smtClean="0">
-                <a:latin typeface="Consolas"/>
-                <a:cs typeface="Consolas"/>
-              </a:rPr>
-              <a:t>     </a:t>
-            </a:r>
-            <a:r>
-              <a:rPr lang="en-US" dirty="0" err="1" smtClean="0">
-                <a:latin typeface="Consolas"/>
-                <a:cs typeface="Consolas"/>
-              </a:rPr>
-              <a:t>CkPrintf</a:t>
-            </a:r>
-            <a:r>
-              <a:rPr lang="en-US" dirty="0" smtClean="0">
-                <a:latin typeface="Consolas"/>
-                <a:cs typeface="Consolas"/>
-              </a:rPr>
-              <a:t>(“PE[%d]: hello from p[%d]\n”, </a:t>
-            </a:r>
-            <a:r>
-              <a:rPr lang="en-US" dirty="0" err="1" smtClean="0">
-                <a:latin typeface="Consolas"/>
-                <a:cs typeface="Consolas"/>
-              </a:rPr>
-              <a:t>CkMyPe</a:t>
-            </a:r>
-            <a:r>
-              <a:rPr lang="en-US" dirty="0" smtClean="0">
-                <a:latin typeface="Consolas"/>
-                <a:cs typeface="Consolas"/>
-              </a:rPr>
-              <a:t>(), </a:t>
-            </a:r>
-            <a:r>
-              <a:rPr lang="en-US" dirty="0" err="1" smtClean="0">
-                <a:latin typeface="Consolas"/>
-                <a:cs typeface="Consolas"/>
-              </a:rPr>
-              <a:t>thisIndex</a:t>
-            </a:r>
-            <a:r>
-              <a:rPr lang="en-US" dirty="0" smtClean="0">
-                <a:latin typeface="Consolas"/>
-                <a:cs typeface="Consolas"/>
-              </a:rPr>
-              <a:t>);</a:t>
-            </a:r>
-          </a:p>
-          <a:p>
-            <a:pPr marL="0" indent="0">
-              <a:buNone/>
-            </a:pPr>
-            <a:r>
-              <a:rPr lang="en-US" dirty="0">
-                <a:latin typeface="Consolas"/>
-                <a:cs typeface="Consolas"/>
-              </a:rPr>
-              <a:t> </a:t>
-            </a:r>
-            <a:r>
-              <a:rPr lang="en-US" dirty="0" smtClean="0">
-                <a:latin typeface="Consolas"/>
-                <a:cs typeface="Consolas"/>
-              </a:rPr>
-              <a:t>     </a:t>
-            </a:r>
-            <a:r>
-              <a:rPr lang="en-US" b="1" dirty="0" smtClean="0">
-                <a:latin typeface="Consolas"/>
-                <a:cs typeface="Consolas"/>
-              </a:rPr>
-              <a:t>if </a:t>
-            </a:r>
-            <a:r>
-              <a:rPr lang="en-US" dirty="0" smtClean="0">
-                <a:latin typeface="Consolas"/>
-                <a:cs typeface="Consolas"/>
-              </a:rPr>
-              <a:t>(</a:t>
-            </a:r>
-            <a:r>
-              <a:rPr lang="en-US" dirty="0" err="1" smtClean="0">
-                <a:latin typeface="Consolas"/>
-                <a:cs typeface="Consolas"/>
-              </a:rPr>
-              <a:t>thisIndex</a:t>
-            </a:r>
-            <a:r>
-              <a:rPr lang="en-US" dirty="0" smtClean="0">
-                <a:latin typeface="Consolas"/>
-                <a:cs typeface="Consolas"/>
-              </a:rPr>
-              <a:t> == </a:t>
-            </a:r>
-            <a:r>
-              <a:rPr lang="en-US" dirty="0" err="1" smtClean="0">
-                <a:latin typeface="Consolas"/>
-                <a:cs typeface="Consolas"/>
-              </a:rPr>
-              <a:t>arraySize</a:t>
-            </a:r>
-            <a:r>
-              <a:rPr lang="en-US" dirty="0" smtClean="0">
-                <a:latin typeface="Consolas"/>
-                <a:cs typeface="Consolas"/>
-              </a:rPr>
-              <a:t> – 1) </a:t>
-            </a:r>
-            <a:r>
-              <a:rPr lang="en-US" dirty="0" err="1" smtClean="0">
-                <a:latin typeface="Consolas"/>
-                <a:cs typeface="Consolas"/>
-              </a:rPr>
-              <a:t>CkExit</a:t>
-            </a:r>
-            <a:r>
-              <a:rPr lang="en-US" dirty="0" smtClean="0">
-                <a:latin typeface="Consolas"/>
-                <a:cs typeface="Consolas"/>
-              </a:rPr>
-              <a:t>();</a:t>
-            </a:r>
-          </a:p>
-          <a:p>
-            <a:pPr marL="0" indent="0">
-              <a:buNone/>
-            </a:pPr>
-            <a:r>
-              <a:rPr lang="en-US" dirty="0">
-                <a:latin typeface="Consolas"/>
-                <a:cs typeface="Consolas"/>
-              </a:rPr>
-              <a:t> </a:t>
-            </a:r>
-            <a:r>
-              <a:rPr lang="en-US" dirty="0" smtClean="0">
-                <a:latin typeface="Consolas"/>
-                <a:cs typeface="Consolas"/>
-              </a:rPr>
-              <a:t>     </a:t>
-            </a:r>
-            <a:r>
-              <a:rPr lang="en-US" b="1" dirty="0" smtClean="0">
-                <a:latin typeface="Consolas"/>
-                <a:cs typeface="Consolas"/>
-              </a:rPr>
-              <a:t>else</a:t>
-            </a:r>
-            <a:r>
-              <a:rPr lang="en-US" dirty="0" smtClean="0">
-                <a:latin typeface="Consolas"/>
-                <a:cs typeface="Consolas"/>
-              </a:rPr>
-              <a:t> </a:t>
-            </a:r>
-            <a:r>
-              <a:rPr lang="en-US" dirty="0" err="1" smtClean="0">
-                <a:latin typeface="Consolas"/>
-                <a:cs typeface="Consolas"/>
-              </a:rPr>
-              <a:t>thisProxy</a:t>
-            </a:r>
-            <a:r>
-              <a:rPr lang="en-US" dirty="0" smtClean="0">
-                <a:latin typeface="Consolas"/>
-                <a:cs typeface="Consolas"/>
-              </a:rPr>
-              <a:t>[</a:t>
-            </a:r>
-            <a:r>
-              <a:rPr lang="en-US" dirty="0" err="1" smtClean="0">
-                <a:latin typeface="Consolas"/>
-                <a:cs typeface="Consolas"/>
-              </a:rPr>
-              <a:t>thisIndex</a:t>
-            </a:r>
-            <a:r>
-              <a:rPr lang="en-US" dirty="0" smtClean="0">
-                <a:latin typeface="Consolas"/>
-                <a:cs typeface="Consolas"/>
-              </a:rPr>
-              <a:t> + 1].</a:t>
-            </a:r>
-            <a:r>
-              <a:rPr lang="en-US" dirty="0" err="1" smtClean="0">
-                <a:latin typeface="Consolas"/>
-                <a:cs typeface="Consolas"/>
-              </a:rPr>
-              <a:t>printHello</a:t>
-            </a:r>
-            <a:r>
-              <a:rPr lang="en-US" dirty="0" smtClean="0">
-                <a:latin typeface="Consolas"/>
-                <a:cs typeface="Consolas"/>
-              </a:rPr>
-              <a:t>();</a:t>
-            </a:r>
-          </a:p>
-          <a:p>
-            <a:pPr marL="0" indent="0">
-              <a:buNone/>
-            </a:pPr>
-            <a:r>
-              <a:rPr lang="en-US" dirty="0">
-                <a:latin typeface="Consolas"/>
-                <a:cs typeface="Consolas"/>
-              </a:rPr>
-              <a:t> </a:t>
-            </a:r>
-            <a:r>
-              <a:rPr lang="en-US" dirty="0" smtClean="0">
-                <a:latin typeface="Consolas"/>
-                <a:cs typeface="Consolas"/>
-              </a:rPr>
-              <a:t>  };</a:t>
-            </a:r>
-          </a:p>
-          <a:p>
-            <a:pPr marL="0" indent="0">
-              <a:buNone/>
-            </a:pPr>
-            <a:r>
-              <a:rPr lang="en-US" dirty="0">
-                <a:latin typeface="Consolas"/>
-                <a:cs typeface="Consolas"/>
-              </a:rPr>
-              <a:t> </a:t>
-            </a:r>
-            <a:r>
-              <a:rPr lang="en-US" dirty="0" smtClean="0">
-                <a:latin typeface="Consolas"/>
-                <a:cs typeface="Consolas"/>
-              </a:rPr>
-              <a:t>  </a:t>
-            </a:r>
-            <a:r>
-              <a:rPr lang="en-US" b="1" dirty="0" smtClean="0">
-                <a:latin typeface="Consolas"/>
-                <a:cs typeface="Consolas"/>
-              </a:rPr>
-              <a:t>private</a:t>
-            </a:r>
-            <a:r>
-              <a:rPr lang="en-US" dirty="0" smtClean="0">
-                <a:latin typeface="Consolas"/>
-                <a:cs typeface="Consolas"/>
-              </a:rPr>
-              <a:t>:</a:t>
-            </a:r>
-          </a:p>
-          <a:p>
-            <a:pPr marL="0" indent="0">
-              <a:buNone/>
-            </a:pPr>
-            <a:r>
-              <a:rPr lang="en-US" dirty="0">
-                <a:latin typeface="Consolas"/>
-                <a:cs typeface="Consolas"/>
-              </a:rPr>
-              <a:t> </a:t>
-            </a:r>
-            <a:r>
-              <a:rPr lang="en-US" dirty="0" smtClean="0">
-                <a:latin typeface="Consolas"/>
-                <a:cs typeface="Consolas"/>
-              </a:rPr>
-              <a:t>  </a:t>
-            </a:r>
-            <a:r>
-              <a:rPr lang="en-US" b="1" dirty="0" err="1" smtClean="0">
-                <a:latin typeface="Consolas"/>
-                <a:cs typeface="Consolas"/>
-              </a:rPr>
-              <a:t>int</a:t>
-            </a:r>
-            <a:r>
-              <a:rPr lang="en-US" dirty="0" smtClean="0">
-                <a:latin typeface="Consolas"/>
-                <a:cs typeface="Consolas"/>
-              </a:rPr>
-              <a:t> </a:t>
-            </a:r>
-            <a:r>
-              <a:rPr lang="en-US" dirty="0" err="1" smtClean="0">
-                <a:latin typeface="Consolas"/>
-                <a:cs typeface="Consolas"/>
-              </a:rPr>
-              <a:t>arraySize</a:t>
-            </a:r>
-            <a:r>
-              <a:rPr lang="en-US" dirty="0" smtClean="0">
-                <a:latin typeface="Consolas"/>
-                <a:cs typeface="Consolas"/>
-              </a:rPr>
-              <a:t>;</a:t>
-            </a:r>
-          </a:p>
-          <a:p>
-            <a:pPr marL="0" indent="0">
-              <a:buNone/>
-            </a:pPr>
-            <a:r>
-              <a:rPr lang="en-US" dirty="0" smtClean="0">
-                <a:latin typeface="Consolas"/>
-                <a:cs typeface="Consolas"/>
-              </a:rPr>
-              <a:t>};</a:t>
-            </a:r>
-          </a:p>
-          <a:p>
-            <a:pPr marL="0" indent="0">
-              <a:buNone/>
-            </a:pPr>
-            <a:endParaRPr lang="en-US" dirty="0">
-              <a:latin typeface="Consolas"/>
-              <a:cs typeface="Consolas"/>
-            </a:endParaRPr>
-          </a:p>
-          <a:p>
-            <a:pPr marL="0" indent="0">
-              <a:buNone/>
-            </a:pPr>
-            <a:r>
-              <a:rPr lang="en-US" b="1" dirty="0" smtClean="0">
-                <a:latin typeface="Consolas"/>
-                <a:cs typeface="Consolas"/>
-              </a:rPr>
-              <a:t>#include</a:t>
-            </a:r>
-            <a:r>
-              <a:rPr lang="en-US" dirty="0" smtClean="0">
-                <a:latin typeface="Consolas"/>
-                <a:cs typeface="Consolas"/>
-              </a:rPr>
-              <a:t> “</a:t>
-            </a:r>
-            <a:r>
-              <a:rPr lang="en-US" dirty="0" err="1" smtClean="0">
-                <a:latin typeface="Consolas"/>
-                <a:cs typeface="Consolas"/>
-              </a:rPr>
-              <a:t>arr.def.h</a:t>
-            </a:r>
-            <a:r>
-              <a:rPr lang="en-US" dirty="0" smtClean="0">
-                <a:latin typeface="Consolas"/>
-                <a:cs typeface="Consolas"/>
-              </a:rPr>
-              <a:t>”</a:t>
-            </a:r>
-            <a:endParaRPr lang="en-US" b="1" dirty="0">
-              <a:latin typeface="Consolas"/>
-              <a:cs typeface="Consolas"/>
-            </a:endParaRPr>
-          </a:p>
-        </p:txBody>
-      </p:sp>
-      <p:sp>
-        <p:nvSpPr>
-          <p:cNvPr id="4" name="Date Placeholder 3"/>
+              <a:t> Array</a:t>
+            </a:r>
+          </a:p>
+        </p:txBody>
+      </p:sp>
+      <p:sp>
+        <p:nvSpPr>
+          <p:cNvPr id="9" name="Date Placeholder 8"/>
           <p:cNvSpPr>
             <a:spLocks noGrp="1"/>
           </p:cNvSpPr>
@@ -14724,132 +14123,7 @@
           <a:bodyPr/>
           <a:lstStyle/>
           <a:p>
-            <a:fld id="{B0DE7F91-8F6E-3346-8308-FA806A593B23}" type="datetime2">
-              <a:rPr lang="en-US" smtClean="0"/>
-              <a:t>Wednesday, September 10, 14</a:t>
-            </a:fld>
-            <a:endParaRPr lang="en-US"/>
-          </a:p>
-        </p:txBody>
-      </p:sp>
-      <p:sp>
-        <p:nvSpPr>
-          <p:cNvPr id="5" name="Footer Placeholder 4"/>
-          <p:cNvSpPr>
-            <a:spLocks noGrp="1"/>
-          </p:cNvSpPr>
-          <p:nvPr>
-            <p:ph type="ftr" sz="quarter" idx="11"/>
-          </p:nvPr>
-        </p:nvSpPr>
-        <p:spPr/>
-        <p:txBody>
-          <a:bodyPr/>
-          <a:lstStyle/>
-          <a:p>
-            <a:pPr algn="r"/>
-            <a:r>
-              <a:rPr lang="en-US" smtClean="0"/>
-              <a:t>Sanjay Kalé and PPL (UIUC) – Parallel Migratable Objects </a:t>
-            </a:r>
-            <a:endParaRPr lang="en-US" dirty="0"/>
-          </a:p>
-        </p:txBody>
-      </p:sp>
-      <p:sp>
-        <p:nvSpPr>
-          <p:cNvPr id="6" name="Slide Number Placeholder 5"/>
-          <p:cNvSpPr>
-            <a:spLocks noGrp="1"/>
-          </p:cNvSpPr>
-          <p:nvPr>
-            <p:ph type="sldNum" sz="quarter" idx="12"/>
-          </p:nvPr>
-        </p:nvSpPr>
-        <p:spPr/>
-        <p:txBody>
-          <a:bodyPr/>
-          <a:lstStyle/>
-          <a:p>
-            <a:fld id="{0CFEC368-1D7A-4F81-ABF6-AE0E36BAF64C}" type="slidenum">
-              <a:rPr lang="en-US" smtClean="0"/>
-              <a:pPr/>
-              <a:t>21</a:t>
-            </a:fld>
-            <a:endParaRPr lang="en-US"/>
-          </a:p>
-        </p:txBody>
-      </p:sp>
-    </p:spTree>
-    <p:extLst>
-      <p:ext uri="{BB962C8B-B14F-4D97-AF65-F5344CB8AC3E}">
-        <p14:creationId xmlns:p14="http://schemas.microsoft.com/office/powerpoint/2010/main" val="1038379843"/>
-      </p:ext>
-    </p:extLst>
-  </p:cSld>
-  <p:clrMapOvr>
-    <a:masterClrMapping/>
-  </p:clrMapOvr>
-</p:sld>
-</file>
-
-<file path=ppt/slides/slide22.xml><?xml version="1.0" encoding="utf-8"?>
-<p:sld xmlns:a="http://schemas.openxmlformats.org/drawingml/2006/main" xmlns:r="http://schemas.openxmlformats.org/officeDocument/2006/relationships" xmlns:p="http://schemas.openxmlformats.org/presentationml/2006/main">
-  <p:cSld>
-    <p:spTree>
-      <p:nvGrpSpPr>
-        <p:cNvPr id="1" name=""/>
-        <p:cNvGrpSpPr/>
-        <p:nvPr/>
-      </p:nvGrpSpPr>
-      <p:grpSpPr>
-        <a:xfrm>
-          <a:off x="0" y="0"/>
-          <a:ext cx="0" cy="0"/>
-          <a:chOff x="0" y="0"/>
-          <a:chExt cx="0" cy="0"/>
-        </a:xfrm>
-      </p:grpSpPr>
-      <p:sp>
-        <p:nvSpPr>
-          <p:cNvPr id="2" name="Title 1"/>
-          <p:cNvSpPr>
-            <a:spLocks noGrp="1"/>
-          </p:cNvSpPr>
-          <p:nvPr>
-            <p:ph type="title"/>
-          </p:nvPr>
-        </p:nvSpPr>
-        <p:spPr/>
-        <p:txBody>
-          <a:bodyPr>
-            <a:normAutofit/>
-          </a:bodyPr>
-          <a:lstStyle/>
-          <a:p>
-            <a:r>
-              <a:rPr lang="en-US" dirty="0"/>
-              <a:t>Hello World Array Projections Timeline View</a:t>
-            </a:r>
-          </a:p>
-        </p:txBody>
-      </p:sp>
-      <p:sp>
-        <p:nvSpPr>
-          <p:cNvPr id="9" name="Date Placeholder 8"/>
-          <p:cNvSpPr>
-            <a:spLocks noGrp="1"/>
-          </p:cNvSpPr>
-          <p:nvPr>
-            <p:ph type="dt" sz="half" idx="10"/>
-          </p:nvPr>
-        </p:nvSpPr>
-        <p:spPr/>
-        <p:txBody>
-          <a:bodyPr/>
-          <a:lstStyle/>
-          <a:p>
-            <a:fld id="{DF9B12D0-D6C3-584A-99EB-13FA193C843F}" type="datetime2">
+            <a:fld id="{E90B5A3E-A983-9844-9A00-7072B7AE2A15}" type="datetime2">
               <a:rPr lang="en-US" smtClean="0"/>
               <a:t>Wednesday, September 10, 14</a:t>
             </a:fld>
@@ -14899,1035 +14173,7 @@
             <a:fld id="{0CFEC368-1D7A-4F81-ABF6-AE0E36BAF64C}" type="slidenum">
               <a:rPr lang="en-US" smtClean="0"/>
               <a:pPr/>
-              <a:t>22</a:t>
-            </a:fld>
-            <a:endParaRPr lang="en-US" dirty="0"/>
-          </a:p>
-        </p:txBody>
-      </p:sp>
-      <p:sp>
-        <p:nvSpPr>
-          <p:cNvPr id="3" name="Content Placeholder 2"/>
-          <p:cNvSpPr>
-            <a:spLocks noGrp="1"/>
-          </p:cNvSpPr>
-          <p:nvPr>
-            <p:ph sz="quarter" idx="13"/>
-          </p:nvPr>
-        </p:nvSpPr>
-        <p:spPr>
-          <a:xfrm>
-            <a:off x="268947" y="909977"/>
-            <a:ext cx="8608278" cy="925963"/>
-          </a:xfrm>
-        </p:spPr>
-        <p:txBody>
-          <a:bodyPr>
-            <a:normAutofit fontScale="92500"/>
-          </a:bodyPr>
-          <a:lstStyle/>
-          <a:p>
-            <a:r>
-              <a:rPr lang="en-US" dirty="0"/>
-              <a:t>Add -</a:t>
-            </a:r>
-            <a:r>
-              <a:rPr lang="en-US" dirty="0" err="1">
-                <a:latin typeface="Consolas"/>
-                <a:cs typeface="Consolas"/>
-              </a:rPr>
-              <a:t>tracemode</a:t>
-            </a:r>
-            <a:r>
-              <a:rPr lang="en-US" dirty="0"/>
-              <a:t> </a:t>
-            </a:r>
-            <a:r>
-              <a:rPr lang="en-US" dirty="0">
-                <a:latin typeface="Consolas"/>
-                <a:cs typeface="Consolas"/>
-              </a:rPr>
-              <a:t>projections</a:t>
-            </a:r>
-            <a:r>
-              <a:rPr lang="en-US" dirty="0"/>
-              <a:t> to link line to enable tracing</a:t>
-            </a:r>
-          </a:p>
-          <a:p>
-            <a:r>
-              <a:rPr lang="en-US" dirty="0"/>
-              <a:t>Run Projections tool to load trace log files and visualize performance</a:t>
-            </a:r>
-          </a:p>
-        </p:txBody>
-      </p:sp>
-      <p:pic>
-        <p:nvPicPr>
-          <p:cNvPr id="8" name="Content Placeholder 7" descr="arrayHelloTimeline.png"/>
-          <p:cNvPicPr>
-            <a:picLocks noGrp="1" noChangeAspect="1"/>
-          </p:cNvPicPr>
-          <p:nvPr>
-            <p:ph sz="quarter" idx="14"/>
-          </p:nvPr>
-        </p:nvPicPr>
-        <p:blipFill>
-          <a:blip r:embed="rId2">
-            <a:extLst>
-              <a:ext uri="{28A0092B-C50C-407E-A947-70E740481C1C}">
-                <a14:useLocalDpi xmlns:a14="http://schemas.microsoft.com/office/drawing/2010/main" val="0"/>
-              </a:ext>
-            </a:extLst>
-          </a:blip>
-          <a:srcRect t="-12023" b="-12023"/>
-          <a:stretch>
-            <a:fillRect/>
-          </a:stretch>
-        </p:blipFill>
-        <p:spPr>
-          <a:xfrm>
-            <a:off x="138113" y="1835150"/>
-            <a:ext cx="8858250" cy="3640138"/>
-          </a:xfrm>
-        </p:spPr>
-      </p:pic>
-      <p:sp>
-        <p:nvSpPr>
-          <p:cNvPr id="6" name="Content Placeholder 5"/>
-          <p:cNvSpPr>
-            <a:spLocks noGrp="1"/>
-          </p:cNvSpPr>
-          <p:nvPr>
-            <p:ph sz="quarter" idx="15"/>
-          </p:nvPr>
-        </p:nvSpPr>
-        <p:spPr>
-          <a:xfrm>
-            <a:off x="261866" y="5474535"/>
-            <a:ext cx="8615360" cy="862141"/>
-          </a:xfrm>
-        </p:spPr>
-        <p:txBody>
-          <a:bodyPr>
-            <a:normAutofit/>
-          </a:bodyPr>
-          <a:lstStyle/>
-          <a:p>
-            <a:r>
-              <a:rPr lang="en-US" sz="2200" dirty="0" err="1">
-                <a:latin typeface="Consolas"/>
-                <a:cs typeface="Consolas"/>
-              </a:rPr>
-              <a:t>arrayHello</a:t>
-            </a:r>
-            <a:r>
-              <a:rPr lang="en-US" sz="2200" dirty="0"/>
-              <a:t> on BG/Q 16 Nodes, mode c16, 1024 elements </a:t>
-            </a:r>
-            <a:br>
-              <a:rPr lang="en-US" sz="2200" dirty="0"/>
-            </a:br>
-            <a:r>
-              <a:rPr lang="en-US" sz="2200" dirty="0" smtClean="0"/>
-              <a:t>(</a:t>
-            </a:r>
-            <a:r>
-              <a:rPr lang="en-US" sz="2200" dirty="0"/>
-              <a:t>4 per process)</a:t>
-            </a:r>
-          </a:p>
-        </p:txBody>
-      </p:sp>
-    </p:spTree>
-    <p:extLst>
-      <p:ext uri="{BB962C8B-B14F-4D97-AF65-F5344CB8AC3E}">
-        <p14:creationId xmlns:p14="http://schemas.microsoft.com/office/powerpoint/2010/main" val="3140552487"/>
-      </p:ext>
-    </p:extLst>
-  </p:cSld>
-  <p:clrMapOvr>
-    <a:masterClrMapping/>
-  </p:clrMapOvr>
-</p:sld>
-</file>
-
-<file path=ppt/slides/slide23.xml><?xml version="1.0" encoding="utf-8"?>
-<p:sld xmlns:a="http://schemas.openxmlformats.org/drawingml/2006/main" xmlns:r="http://schemas.openxmlformats.org/officeDocument/2006/relationships" xmlns:p="http://schemas.openxmlformats.org/presentationml/2006/main">
-  <p:cSld>
-    <p:spTree>
-      <p:nvGrpSpPr>
-        <p:cNvPr id="1" name=""/>
-        <p:cNvGrpSpPr/>
-        <p:nvPr/>
-      </p:nvGrpSpPr>
-      <p:grpSpPr>
-        <a:xfrm>
-          <a:off x="0" y="0"/>
-          <a:ext cx="0" cy="0"/>
-          <a:chOff x="0" y="0"/>
-          <a:chExt cx="0" cy="0"/>
-        </a:xfrm>
-      </p:grpSpPr>
-      <p:sp>
-        <p:nvSpPr>
-          <p:cNvPr id="2" name="Title 1"/>
-          <p:cNvSpPr>
-            <a:spLocks noGrp="1"/>
-          </p:cNvSpPr>
-          <p:nvPr>
-            <p:ph type="title"/>
-          </p:nvPr>
-        </p:nvSpPr>
-        <p:spPr/>
-        <p:txBody>
-          <a:bodyPr>
-            <a:normAutofit/>
-          </a:bodyPr>
-          <a:lstStyle/>
-          <a:p>
-            <a:r>
-              <a:rPr lang="en-US" dirty="0"/>
-              <a:t>Declaring a </a:t>
-            </a:r>
-            <a:r>
-              <a:rPr lang="en-US" dirty="0" err="1"/>
-              <a:t>Chare</a:t>
-            </a:r>
-            <a:r>
-              <a:rPr lang="en-US" dirty="0"/>
-              <a:t> Array </a:t>
-            </a:r>
-            <a:endParaRPr lang="en-US" dirty="0">
-              <a:effectLst/>
-            </a:endParaRPr>
-          </a:p>
-        </p:txBody>
-      </p:sp>
-      <p:sp>
-        <p:nvSpPr>
-          <p:cNvPr id="7" name="Date Placeholder 6"/>
-          <p:cNvSpPr>
-            <a:spLocks noGrp="1"/>
-          </p:cNvSpPr>
-          <p:nvPr>
-            <p:ph type="dt" sz="half" idx="10"/>
-          </p:nvPr>
-        </p:nvSpPr>
-        <p:spPr/>
-        <p:txBody>
-          <a:bodyPr/>
-          <a:lstStyle/>
-          <a:p>
-            <a:fld id="{B67F7A0B-A97C-6941-B30D-536C43882AD6}" type="datetime2">
-              <a:rPr lang="en-US" smtClean="0"/>
-              <a:t>Wednesday, September 10, 14</a:t>
-            </a:fld>
-            <a:endParaRPr lang="en-US" dirty="0"/>
-          </a:p>
-        </p:txBody>
-      </p:sp>
-      <p:sp>
-        <p:nvSpPr>
-          <p:cNvPr id="8" name="Footer Placeholder 7"/>
-          <p:cNvSpPr>
-            <a:spLocks noGrp="1"/>
-          </p:cNvSpPr>
-          <p:nvPr>
-            <p:ph type="ftr" sz="quarter" idx="11"/>
-          </p:nvPr>
-        </p:nvSpPr>
-        <p:spPr/>
-        <p:txBody>
-          <a:bodyPr/>
-          <a:lstStyle/>
-          <a:p>
-            <a:pPr algn="r"/>
-            <a:r>
-              <a:rPr lang="en-US" smtClean="0"/>
-              <a:t>Sanjay Kalé and PPL (UIUC) – Parallel Migratable Objects </a:t>
-            </a:r>
-            <a:endParaRPr lang="en-US" dirty="0"/>
-          </a:p>
-        </p:txBody>
-      </p:sp>
-      <p:sp>
-        <p:nvSpPr>
-          <p:cNvPr id="9" name="Slide Number Placeholder 8"/>
-          <p:cNvSpPr>
-            <a:spLocks noGrp="1"/>
-          </p:cNvSpPr>
-          <p:nvPr>
-            <p:ph type="sldNum" sz="quarter" idx="12"/>
-          </p:nvPr>
-        </p:nvSpPr>
-        <p:spPr/>
-        <p:txBody>
-          <a:bodyPr/>
-          <a:lstStyle/>
-          <a:p>
-            <a:fld id="{0CFEC368-1D7A-4F81-ABF6-AE0E36BAF64C}" type="slidenum">
-              <a:rPr lang="en-US" smtClean="0"/>
-              <a:pPr/>
-              <a:t>23</a:t>
-            </a:fld>
-            <a:endParaRPr lang="en-US" dirty="0"/>
-          </a:p>
-        </p:txBody>
-      </p:sp>
-      <p:sp>
-        <p:nvSpPr>
-          <p:cNvPr id="3" name="Content Placeholder 2"/>
-          <p:cNvSpPr>
-            <a:spLocks noGrp="1"/>
-          </p:cNvSpPr>
-          <p:nvPr>
-            <p:ph sz="quarter" idx="13"/>
-          </p:nvPr>
-        </p:nvSpPr>
-        <p:spPr>
-          <a:xfrm>
-            <a:off x="261865" y="833726"/>
-            <a:ext cx="8615359" cy="497577"/>
-          </a:xfrm>
-        </p:spPr>
-        <p:txBody>
-          <a:bodyPr/>
-          <a:lstStyle/>
-          <a:p>
-            <a:pPr marL="0" indent="0">
-              <a:buNone/>
-            </a:pPr>
-            <a:r>
-              <a:rPr lang="en-US" dirty="0" smtClean="0"/>
-              <a:t>.ci file:</a:t>
-            </a:r>
-            <a:endParaRPr lang="en-US" dirty="0"/>
-          </a:p>
-        </p:txBody>
-      </p:sp>
-      <p:sp>
-        <p:nvSpPr>
-          <p:cNvPr id="4" name="Content Placeholder 3"/>
-          <p:cNvSpPr>
-            <a:spLocks noGrp="1"/>
-          </p:cNvSpPr>
-          <p:nvPr>
-            <p:ph sz="quarter" idx="14"/>
-          </p:nvPr>
-        </p:nvSpPr>
-        <p:spPr>
-          <a:xfrm>
-            <a:off x="261865" y="1357348"/>
-            <a:ext cx="8615359" cy="2149828"/>
-          </a:xfrm>
-          <a:solidFill>
-            <a:srgbClr val="CCD1D9"/>
-          </a:solidFill>
-          <a:ln>
-            <a:solidFill>
-              <a:srgbClr val="292934"/>
-            </a:solidFill>
-          </a:ln>
-        </p:spPr>
-        <p:txBody>
-          <a:bodyPr>
-            <a:normAutofit fontScale="70000" lnSpcReduction="20000"/>
-          </a:bodyPr>
-          <a:lstStyle/>
-          <a:p>
-            <a:pPr marL="0" indent="0">
-              <a:buNone/>
-            </a:pPr>
-            <a:r>
-              <a:rPr lang="en-US" b="1" dirty="0">
-                <a:latin typeface="Consolas"/>
-                <a:cs typeface="Consolas"/>
-              </a:rPr>
-              <a:t>array</a:t>
-            </a:r>
-            <a:r>
-              <a:rPr lang="en-US" dirty="0">
-                <a:latin typeface="Consolas"/>
-                <a:cs typeface="Consolas"/>
-              </a:rPr>
-              <a:t> [1d] foo {</a:t>
-            </a:r>
-          </a:p>
-          <a:p>
-            <a:pPr marL="0" indent="0">
-              <a:buNone/>
-            </a:pPr>
-            <a:r>
-              <a:rPr lang="en-US" dirty="0" smtClean="0">
-                <a:latin typeface="Consolas"/>
-                <a:cs typeface="Consolas"/>
-              </a:rPr>
-              <a:t>   </a:t>
-            </a:r>
-            <a:r>
-              <a:rPr lang="en-US" b="1" dirty="0" smtClean="0">
-                <a:latin typeface="Consolas"/>
-                <a:cs typeface="Consolas"/>
-              </a:rPr>
-              <a:t>entry</a:t>
-            </a:r>
-            <a:r>
-              <a:rPr lang="en-US" dirty="0" smtClean="0">
-                <a:latin typeface="Consolas"/>
-                <a:cs typeface="Consolas"/>
-              </a:rPr>
-              <a:t> </a:t>
-            </a:r>
-            <a:r>
-              <a:rPr lang="en-US" dirty="0">
-                <a:latin typeface="Consolas"/>
-                <a:cs typeface="Consolas"/>
-              </a:rPr>
-              <a:t>foo(); </a:t>
-            </a:r>
-            <a:r>
-              <a:rPr lang="en-US" i="1" dirty="0">
-                <a:latin typeface="Consolas"/>
-                <a:cs typeface="Consolas"/>
-              </a:rPr>
-              <a:t>// constructor </a:t>
-            </a:r>
-            <a:endParaRPr lang="en-US" i="1" dirty="0" smtClean="0">
-              <a:latin typeface="Consolas"/>
-              <a:cs typeface="Consolas"/>
-            </a:endParaRPr>
-          </a:p>
-          <a:p>
-            <a:pPr marL="0" indent="0">
-              <a:buNone/>
-            </a:pPr>
-            <a:r>
-              <a:rPr lang="en-US" dirty="0">
-                <a:latin typeface="Consolas"/>
-                <a:cs typeface="Consolas"/>
-              </a:rPr>
-              <a:t> </a:t>
-            </a:r>
-            <a:r>
-              <a:rPr lang="en-US" dirty="0" smtClean="0">
-                <a:latin typeface="Consolas"/>
-                <a:cs typeface="Consolas"/>
-              </a:rPr>
-              <a:t>  </a:t>
-            </a:r>
-            <a:r>
-              <a:rPr lang="en-US" i="1" dirty="0" smtClean="0">
-                <a:latin typeface="Consolas"/>
-                <a:cs typeface="Consolas"/>
-              </a:rPr>
-              <a:t>/</a:t>
-            </a:r>
-            <a:r>
-              <a:rPr lang="en-US" i="1" dirty="0">
-                <a:latin typeface="Consolas"/>
-                <a:cs typeface="Consolas"/>
-              </a:rPr>
-              <a:t>/ ... entry methods ...</a:t>
-            </a:r>
-          </a:p>
-          <a:p>
-            <a:pPr marL="0" indent="0">
-              <a:buNone/>
-            </a:pPr>
-            <a:r>
-              <a:rPr lang="en-US" dirty="0">
-                <a:latin typeface="Consolas"/>
-                <a:cs typeface="Consolas"/>
-              </a:rPr>
-              <a:t>}</a:t>
-            </a:r>
-          </a:p>
-          <a:p>
-            <a:pPr marL="0" indent="0">
-              <a:buNone/>
-            </a:pPr>
-            <a:r>
-              <a:rPr lang="en-US" b="1" dirty="0">
-                <a:latin typeface="Consolas"/>
-                <a:cs typeface="Consolas"/>
-              </a:rPr>
-              <a:t>array </a:t>
-            </a:r>
-            <a:r>
-              <a:rPr lang="en-US" dirty="0">
-                <a:latin typeface="Consolas"/>
-                <a:cs typeface="Consolas"/>
-              </a:rPr>
-              <a:t>[2d] bar {</a:t>
-            </a:r>
-          </a:p>
-          <a:p>
-            <a:pPr marL="0" indent="0">
-              <a:buNone/>
-            </a:pPr>
-            <a:r>
-              <a:rPr lang="en-US" dirty="0" smtClean="0">
-                <a:latin typeface="Consolas"/>
-                <a:cs typeface="Consolas"/>
-              </a:rPr>
-              <a:t>   </a:t>
-            </a:r>
-            <a:r>
-              <a:rPr lang="en-US" b="1" dirty="0" smtClean="0">
-                <a:latin typeface="Consolas"/>
-                <a:cs typeface="Consolas"/>
-              </a:rPr>
-              <a:t>entry </a:t>
-            </a:r>
-            <a:r>
-              <a:rPr lang="en-US" dirty="0">
-                <a:latin typeface="Consolas"/>
-                <a:cs typeface="Consolas"/>
-              </a:rPr>
-              <a:t>bar(); </a:t>
-            </a:r>
-            <a:r>
-              <a:rPr lang="en-US" i="1" dirty="0">
-                <a:latin typeface="Consolas"/>
-                <a:cs typeface="Consolas"/>
-              </a:rPr>
-              <a:t>// constructor</a:t>
-            </a:r>
-          </a:p>
-          <a:p>
-            <a:pPr marL="0" indent="0">
-              <a:buNone/>
-            </a:pPr>
-            <a:r>
-              <a:rPr lang="en-US" dirty="0" smtClean="0">
-                <a:latin typeface="Consolas"/>
-                <a:cs typeface="Consolas"/>
-              </a:rPr>
-              <a:t>   </a:t>
-            </a:r>
-            <a:r>
-              <a:rPr lang="en-US" i="1" dirty="0" smtClean="0">
-                <a:latin typeface="Consolas"/>
-                <a:cs typeface="Consolas"/>
-              </a:rPr>
-              <a:t>/</a:t>
-            </a:r>
-            <a:r>
-              <a:rPr lang="en-US" i="1" dirty="0">
-                <a:latin typeface="Consolas"/>
-                <a:cs typeface="Consolas"/>
-              </a:rPr>
-              <a:t>/ ... entry methods ...</a:t>
-            </a:r>
-          </a:p>
-          <a:p>
-            <a:pPr marL="0" indent="0">
-              <a:buNone/>
-            </a:pPr>
-            <a:r>
-              <a:rPr lang="en-US" dirty="0" smtClean="0">
-                <a:latin typeface="Consolas"/>
-                <a:cs typeface="Consolas"/>
-              </a:rPr>
-              <a:t>}</a:t>
-            </a:r>
-            <a:endParaRPr lang="en-US" dirty="0">
-              <a:latin typeface="Consolas"/>
-              <a:cs typeface="Consolas"/>
-            </a:endParaRPr>
-          </a:p>
-        </p:txBody>
-      </p:sp>
-      <p:sp>
-        <p:nvSpPr>
-          <p:cNvPr id="5" name="Content Placeholder 4"/>
-          <p:cNvSpPr>
-            <a:spLocks noGrp="1"/>
-          </p:cNvSpPr>
-          <p:nvPr>
-            <p:ph sz="quarter" idx="15"/>
-          </p:nvPr>
-        </p:nvSpPr>
-        <p:spPr>
-          <a:xfrm>
-            <a:off x="261865" y="3507176"/>
-            <a:ext cx="8615359" cy="516838"/>
-          </a:xfrm>
-        </p:spPr>
-        <p:txBody>
-          <a:bodyPr/>
-          <a:lstStyle/>
-          <a:p>
-            <a:pPr marL="0" indent="0">
-              <a:buNone/>
-            </a:pPr>
-            <a:r>
-              <a:rPr lang="en-US" dirty="0" smtClean="0"/>
-              <a:t>.C file:</a:t>
-            </a:r>
-            <a:endParaRPr lang="en-US" dirty="0"/>
-          </a:p>
-        </p:txBody>
-      </p:sp>
-      <p:sp>
-        <p:nvSpPr>
-          <p:cNvPr id="6" name="Content Placeholder 5"/>
-          <p:cNvSpPr>
-            <a:spLocks noGrp="1"/>
-          </p:cNvSpPr>
-          <p:nvPr>
-            <p:ph sz="quarter" idx="16"/>
-          </p:nvPr>
-        </p:nvSpPr>
-        <p:spPr>
-          <a:xfrm>
-            <a:off x="261865" y="4024014"/>
-            <a:ext cx="8615359" cy="2417321"/>
-          </a:xfrm>
-          <a:solidFill>
-            <a:srgbClr val="CCD1D9"/>
-          </a:solidFill>
-          <a:ln>
-            <a:solidFill>
-              <a:srgbClr val="292934"/>
-            </a:solidFill>
-          </a:ln>
-        </p:spPr>
-        <p:txBody>
-          <a:bodyPr>
-            <a:normAutofit fontScale="77500" lnSpcReduction="20000"/>
-          </a:bodyPr>
-          <a:lstStyle/>
-          <a:p>
-            <a:pPr marL="0" indent="0">
-              <a:buNone/>
-            </a:pPr>
-            <a:r>
-              <a:rPr lang="en-US" b="1" dirty="0" err="1">
-                <a:latin typeface="Consolas"/>
-                <a:cs typeface="Consolas"/>
-              </a:rPr>
-              <a:t>struct</a:t>
-            </a:r>
-            <a:r>
-              <a:rPr lang="en-US" dirty="0">
-                <a:latin typeface="Consolas"/>
-                <a:cs typeface="Consolas"/>
-              </a:rPr>
-              <a:t> foo : </a:t>
-            </a:r>
-            <a:r>
-              <a:rPr lang="en-US" b="1" dirty="0">
-                <a:latin typeface="Consolas"/>
-                <a:cs typeface="Consolas"/>
-              </a:rPr>
-              <a:t>public</a:t>
-            </a:r>
-            <a:r>
-              <a:rPr lang="en-US" dirty="0">
-                <a:latin typeface="Consolas"/>
-                <a:cs typeface="Consolas"/>
-              </a:rPr>
-              <a:t> </a:t>
-            </a:r>
-            <a:r>
-              <a:rPr lang="en-US" dirty="0" err="1" smtClean="0">
-                <a:latin typeface="Consolas"/>
-                <a:cs typeface="Consolas"/>
-              </a:rPr>
-              <a:t>CBase_foo</a:t>
-            </a:r>
-            <a:r>
-              <a:rPr lang="en-US" dirty="0" smtClean="0">
-                <a:latin typeface="Consolas"/>
-                <a:cs typeface="Consolas"/>
-              </a:rPr>
-              <a:t> </a:t>
-            </a:r>
-            <a:r>
-              <a:rPr lang="en-US" dirty="0">
-                <a:latin typeface="Consolas"/>
-                <a:cs typeface="Consolas"/>
-              </a:rPr>
-              <a:t>{ </a:t>
-            </a:r>
-            <a:endParaRPr lang="en-US" dirty="0" smtClean="0">
-              <a:latin typeface="Consolas"/>
-              <a:cs typeface="Consolas"/>
-            </a:endParaRPr>
-          </a:p>
-          <a:p>
-            <a:pPr marL="0" indent="0">
-              <a:buNone/>
-            </a:pPr>
-            <a:r>
-              <a:rPr lang="en-US" dirty="0" smtClean="0">
-                <a:latin typeface="Consolas"/>
-                <a:cs typeface="Consolas"/>
-              </a:rPr>
-              <a:t>   foo</a:t>
-            </a:r>
-            <a:r>
-              <a:rPr lang="en-US" dirty="0">
-                <a:latin typeface="Consolas"/>
-                <a:cs typeface="Consolas"/>
-              </a:rPr>
-              <a:t>() { } </a:t>
-            </a:r>
-            <a:endParaRPr lang="en-US" dirty="0" smtClean="0">
-              <a:latin typeface="Consolas"/>
-              <a:cs typeface="Consolas"/>
-            </a:endParaRPr>
-          </a:p>
-          <a:p>
-            <a:pPr marL="0" indent="0">
-              <a:buNone/>
-            </a:pPr>
-            <a:r>
-              <a:rPr lang="en-US" dirty="0" smtClean="0">
-                <a:latin typeface="Consolas"/>
-                <a:cs typeface="Consolas"/>
-              </a:rPr>
-              <a:t>   foo</a:t>
-            </a:r>
-            <a:r>
-              <a:rPr lang="en-US" dirty="0">
-                <a:latin typeface="Consolas"/>
-                <a:cs typeface="Consolas"/>
-              </a:rPr>
-              <a:t>(</a:t>
-            </a:r>
-            <a:r>
-              <a:rPr lang="en-US" dirty="0" err="1">
-                <a:latin typeface="Consolas"/>
-                <a:cs typeface="Consolas"/>
-              </a:rPr>
-              <a:t>CkMigrateMessage</a:t>
-            </a:r>
-            <a:r>
-              <a:rPr lang="en-US" dirty="0">
-                <a:latin typeface="Consolas"/>
-                <a:cs typeface="Consolas"/>
-              </a:rPr>
-              <a:t>∗) { } </a:t>
-            </a:r>
-            <a:endParaRPr lang="en-US" dirty="0" smtClean="0">
-              <a:latin typeface="Consolas"/>
-              <a:cs typeface="Consolas"/>
-            </a:endParaRPr>
-          </a:p>
-          <a:p>
-            <a:pPr marL="0" indent="0">
-              <a:buNone/>
-            </a:pPr>
-            <a:r>
-              <a:rPr lang="en-US" i="1" dirty="0" smtClean="0">
-                <a:latin typeface="Consolas"/>
-                <a:cs typeface="Consolas"/>
-              </a:rPr>
-              <a:t>   /</a:t>
-            </a:r>
-            <a:r>
-              <a:rPr lang="en-US" i="1" dirty="0">
-                <a:latin typeface="Consolas"/>
-                <a:cs typeface="Consolas"/>
-              </a:rPr>
-              <a:t>/ ... entry methods </a:t>
-            </a:r>
-            <a:r>
-              <a:rPr lang="en-US" i="1" dirty="0" smtClean="0">
-                <a:latin typeface="Consolas"/>
-                <a:cs typeface="Consolas"/>
-              </a:rPr>
-              <a:t>… </a:t>
-            </a:r>
-            <a:endParaRPr lang="en-US" i="1" dirty="0">
-              <a:latin typeface="Consolas"/>
-              <a:cs typeface="Consolas"/>
-            </a:endParaRPr>
-          </a:p>
-          <a:p>
-            <a:pPr marL="0" indent="0">
-              <a:buNone/>
-            </a:pPr>
-            <a:r>
-              <a:rPr lang="en-US" dirty="0">
-                <a:latin typeface="Consolas"/>
-                <a:cs typeface="Consolas"/>
-              </a:rPr>
-              <a:t>}</a:t>
-            </a:r>
-            <a:r>
-              <a:rPr lang="en-US" dirty="0" smtClean="0">
-                <a:latin typeface="Consolas"/>
-                <a:cs typeface="Consolas"/>
-              </a:rPr>
-              <a:t>; </a:t>
-            </a:r>
-            <a:endParaRPr lang="en-US" dirty="0">
-              <a:latin typeface="Consolas"/>
-              <a:cs typeface="Consolas"/>
-            </a:endParaRPr>
-          </a:p>
-          <a:p>
-            <a:pPr marL="0" indent="0">
-              <a:buNone/>
-            </a:pPr>
-            <a:r>
-              <a:rPr lang="en-US" b="1" dirty="0" err="1">
-                <a:latin typeface="Consolas"/>
-                <a:cs typeface="Consolas"/>
-              </a:rPr>
-              <a:t>struct</a:t>
-            </a:r>
-            <a:r>
-              <a:rPr lang="en-US" dirty="0">
-                <a:latin typeface="Consolas"/>
-                <a:cs typeface="Consolas"/>
-              </a:rPr>
-              <a:t> bar : </a:t>
-            </a:r>
-            <a:r>
-              <a:rPr lang="en-US" b="1" dirty="0">
-                <a:latin typeface="Consolas"/>
-                <a:cs typeface="Consolas"/>
-              </a:rPr>
-              <a:t>public</a:t>
-            </a:r>
-            <a:r>
-              <a:rPr lang="en-US" dirty="0">
-                <a:latin typeface="Consolas"/>
-                <a:cs typeface="Consolas"/>
-              </a:rPr>
-              <a:t> </a:t>
-            </a:r>
-            <a:r>
-              <a:rPr lang="en-US" dirty="0" err="1" smtClean="0">
-                <a:latin typeface="Consolas"/>
-                <a:cs typeface="Consolas"/>
-              </a:rPr>
-              <a:t>CBase_bar</a:t>
-            </a:r>
-            <a:r>
-              <a:rPr lang="en-US" dirty="0" smtClean="0">
-                <a:latin typeface="Consolas"/>
-                <a:cs typeface="Consolas"/>
-              </a:rPr>
-              <a:t> </a:t>
-            </a:r>
-            <a:r>
-              <a:rPr lang="en-US" dirty="0">
-                <a:latin typeface="Consolas"/>
-                <a:cs typeface="Consolas"/>
-              </a:rPr>
-              <a:t>{</a:t>
-            </a:r>
-          </a:p>
-          <a:p>
-            <a:pPr marL="0" indent="0">
-              <a:buNone/>
-            </a:pPr>
-            <a:r>
-              <a:rPr lang="en-US" dirty="0" smtClean="0">
-                <a:latin typeface="Consolas"/>
-                <a:cs typeface="Consolas"/>
-              </a:rPr>
-              <a:t>   bar</a:t>
-            </a:r>
-            <a:r>
-              <a:rPr lang="en-US" dirty="0">
-                <a:latin typeface="Consolas"/>
-                <a:cs typeface="Consolas"/>
-              </a:rPr>
-              <a:t>() { } </a:t>
-            </a:r>
-            <a:endParaRPr lang="en-US" dirty="0" smtClean="0">
-              <a:latin typeface="Consolas"/>
-              <a:cs typeface="Consolas"/>
-            </a:endParaRPr>
-          </a:p>
-          <a:p>
-            <a:pPr marL="0" indent="0">
-              <a:buNone/>
-            </a:pPr>
-            <a:r>
-              <a:rPr lang="en-US" dirty="0">
-                <a:latin typeface="Consolas"/>
-                <a:cs typeface="Consolas"/>
-              </a:rPr>
-              <a:t> </a:t>
-            </a:r>
-            <a:r>
-              <a:rPr lang="en-US" dirty="0" smtClean="0">
-                <a:latin typeface="Consolas"/>
-                <a:cs typeface="Consolas"/>
-              </a:rPr>
-              <a:t>  bar</a:t>
-            </a:r>
-            <a:r>
-              <a:rPr lang="en-US" dirty="0">
-                <a:latin typeface="Consolas"/>
-                <a:cs typeface="Consolas"/>
-              </a:rPr>
-              <a:t>(</a:t>
-            </a:r>
-            <a:r>
-              <a:rPr lang="en-US" dirty="0" err="1">
-                <a:latin typeface="Consolas"/>
-                <a:cs typeface="Consolas"/>
-              </a:rPr>
-              <a:t>CkMigrateMessage</a:t>
-            </a:r>
-            <a:r>
-              <a:rPr lang="en-US" dirty="0">
-                <a:latin typeface="Consolas"/>
-                <a:cs typeface="Consolas"/>
-              </a:rPr>
-              <a:t>∗) { </a:t>
-            </a:r>
-            <a:r>
-              <a:rPr lang="en-US" dirty="0" smtClean="0">
-                <a:latin typeface="Consolas"/>
-                <a:cs typeface="Consolas"/>
-              </a:rPr>
-              <a:t>} </a:t>
-            </a:r>
-            <a:endParaRPr lang="en-US" dirty="0">
-              <a:latin typeface="Consolas"/>
-              <a:cs typeface="Consolas"/>
-            </a:endParaRPr>
-          </a:p>
-        </p:txBody>
-      </p:sp>
-    </p:spTree>
-    <p:extLst>
-      <p:ext uri="{BB962C8B-B14F-4D97-AF65-F5344CB8AC3E}">
-        <p14:creationId xmlns:p14="http://schemas.microsoft.com/office/powerpoint/2010/main" val="2848960045"/>
-      </p:ext>
-    </p:extLst>
-  </p:cSld>
-  <p:clrMapOvr>
-    <a:masterClrMapping/>
-  </p:clrMapOvr>
-</p:sld>
-</file>
-
-<file path=ppt/slides/slide24.xml><?xml version="1.0" encoding="utf-8"?>
-<p:sld xmlns:a="http://schemas.openxmlformats.org/drawingml/2006/main" xmlns:r="http://schemas.openxmlformats.org/officeDocument/2006/relationships" xmlns:p="http://schemas.openxmlformats.org/presentationml/2006/main">
-  <p:cSld>
-    <p:spTree>
-      <p:nvGrpSpPr>
-        <p:cNvPr id="1" name=""/>
-        <p:cNvGrpSpPr/>
-        <p:nvPr/>
-      </p:nvGrpSpPr>
-      <p:grpSpPr>
-        <a:xfrm>
-          <a:off x="0" y="0"/>
-          <a:ext cx="0" cy="0"/>
-          <a:chOff x="0" y="0"/>
-          <a:chExt cx="0" cy="0"/>
-        </a:xfrm>
-      </p:grpSpPr>
-      <p:sp>
-        <p:nvSpPr>
-          <p:cNvPr id="2" name="Title 1"/>
-          <p:cNvSpPr>
-            <a:spLocks noGrp="1"/>
-          </p:cNvSpPr>
-          <p:nvPr>
-            <p:ph type="title"/>
-          </p:nvPr>
-        </p:nvSpPr>
-        <p:spPr/>
-        <p:txBody>
-          <a:bodyPr>
-            <a:normAutofit/>
-          </a:bodyPr>
-          <a:lstStyle/>
-          <a:p>
-            <a:r>
-              <a:rPr lang="en-US" dirty="0"/>
-              <a:t>Constructing a </a:t>
-            </a:r>
-            <a:r>
-              <a:rPr lang="en-US" dirty="0" err="1"/>
-              <a:t>Chare</a:t>
-            </a:r>
-            <a:r>
-              <a:rPr lang="en-US" dirty="0"/>
-              <a:t> Array</a:t>
-            </a:r>
-          </a:p>
-        </p:txBody>
-      </p:sp>
-      <p:sp>
-        <p:nvSpPr>
-          <p:cNvPr id="9" name="Date Placeholder 8"/>
-          <p:cNvSpPr>
-            <a:spLocks noGrp="1"/>
-          </p:cNvSpPr>
-          <p:nvPr>
-            <p:ph type="dt" sz="half" idx="10"/>
-          </p:nvPr>
-        </p:nvSpPr>
-        <p:spPr/>
-        <p:txBody>
-          <a:bodyPr/>
-          <a:lstStyle/>
-          <a:p>
-            <a:fld id="{E90B5A3E-A983-9844-9A00-7072B7AE2A15}" type="datetime2">
-              <a:rPr lang="en-US" smtClean="0"/>
-              <a:t>Wednesday, September 10, 14</a:t>
-            </a:fld>
-            <a:endParaRPr lang="en-US" dirty="0"/>
-          </a:p>
-        </p:txBody>
-      </p:sp>
-      <p:sp>
-        <p:nvSpPr>
-          <p:cNvPr id="10" name="Footer Placeholder 9"/>
-          <p:cNvSpPr>
-            <a:spLocks noGrp="1"/>
-          </p:cNvSpPr>
-          <p:nvPr>
-            <p:ph type="ftr" sz="quarter" idx="11"/>
-          </p:nvPr>
-        </p:nvSpPr>
-        <p:spPr/>
-        <p:txBody>
-          <a:bodyPr/>
-          <a:lstStyle/>
-          <a:p>
-            <a:pPr algn="r"/>
-            <a:r>
-              <a:rPr lang="en-US" smtClean="0"/>
-              <a:t>Sanjay Kalé and PPL (UIUC) – Parallel Migratable Objects </a:t>
-            </a:r>
-            <a:endParaRPr lang="en-US" dirty="0"/>
-          </a:p>
-        </p:txBody>
-      </p:sp>
-      <p:sp>
-        <p:nvSpPr>
-          <p:cNvPr id="11" name="Slide Number Placeholder 10"/>
-          <p:cNvSpPr>
-            <a:spLocks noGrp="1"/>
-          </p:cNvSpPr>
-          <p:nvPr>
-            <p:ph type="sldNum" sz="quarter" idx="12"/>
-          </p:nvPr>
-        </p:nvSpPr>
-        <p:spPr/>
-        <p:txBody>
-          <a:bodyPr/>
-          <a:lstStyle/>
-          <a:p>
-            <a:fld id="{0CFEC368-1D7A-4F81-ABF6-AE0E36BAF64C}" type="slidenum">
-              <a:rPr lang="en-US" smtClean="0"/>
-              <a:pPr/>
-              <a:t>24</a:t>
+              <a:t>21</a:t>
             </a:fld>
             <a:endParaRPr lang="en-US" dirty="0"/>
           </a:p>
@@ -16709,6 +14955,2197 @@
   <p:clrMapOvr>
     <a:masterClrMapping/>
   </p:clrMapOvr>
+  <p:timing>
+    <p:tnLst>
+      <p:par>
+        <p:cTn xmlns:p14="http://schemas.microsoft.com/office/powerpoint/2010/main" id="1" dur="indefinite" restart="never" nodeType="tmRoot"/>
+      </p:par>
+    </p:tnLst>
+  </p:timing>
+</p:sld>
+</file>
+
+<file path=ppt/slides/slide22.xml><?xml version="1.0" encoding="utf-8"?>
+<p:sld xmlns:a="http://schemas.openxmlformats.org/drawingml/2006/main" xmlns:r="http://schemas.openxmlformats.org/officeDocument/2006/relationships" xmlns:p="http://schemas.openxmlformats.org/presentationml/2006/main">
+  <p:cSld>
+    <p:spTree>
+      <p:nvGrpSpPr>
+        <p:cNvPr id="1" name=""/>
+        <p:cNvGrpSpPr/>
+        <p:nvPr/>
+      </p:nvGrpSpPr>
+      <p:grpSpPr>
+        <a:xfrm>
+          <a:off x="0" y="0"/>
+          <a:ext cx="0" cy="0"/>
+          <a:chOff x="0" y="0"/>
+          <a:chExt cx="0" cy="0"/>
+        </a:xfrm>
+      </p:grpSpPr>
+      <p:sp>
+        <p:nvSpPr>
+          <p:cNvPr id="2" name="Title 1"/>
+          <p:cNvSpPr>
+            <a:spLocks noGrp="1"/>
+          </p:cNvSpPr>
+          <p:nvPr>
+            <p:ph type="title"/>
+          </p:nvPr>
+        </p:nvSpPr>
+        <p:spPr/>
+        <p:txBody>
+          <a:bodyPr>
+            <a:normAutofit/>
+          </a:bodyPr>
+          <a:lstStyle/>
+          <a:p>
+            <a:r>
+              <a:rPr lang="en-US" dirty="0" err="1"/>
+              <a:t>thisIndex</a:t>
+            </a:r>
+            <a:endParaRPr lang="en-US" dirty="0"/>
+          </a:p>
+        </p:txBody>
+      </p:sp>
+      <p:sp>
+        <p:nvSpPr>
+          <p:cNvPr id="7" name="Date Placeholder 6"/>
+          <p:cNvSpPr>
+            <a:spLocks noGrp="1"/>
+          </p:cNvSpPr>
+          <p:nvPr>
+            <p:ph type="dt" sz="half" idx="10"/>
+          </p:nvPr>
+        </p:nvSpPr>
+        <p:spPr/>
+        <p:txBody>
+          <a:bodyPr/>
+          <a:lstStyle/>
+          <a:p>
+            <a:fld id="{939514C7-2A23-9748-992F-12DCDAF6236F}" type="datetime2">
+              <a:rPr lang="en-US" smtClean="0"/>
+              <a:t>Wednesday, September 10, 14</a:t>
+            </a:fld>
+            <a:endParaRPr lang="en-US" dirty="0"/>
+          </a:p>
+        </p:txBody>
+      </p:sp>
+      <p:sp>
+        <p:nvSpPr>
+          <p:cNvPr id="8" name="Footer Placeholder 7"/>
+          <p:cNvSpPr>
+            <a:spLocks noGrp="1"/>
+          </p:cNvSpPr>
+          <p:nvPr>
+            <p:ph type="ftr" sz="quarter" idx="11"/>
+          </p:nvPr>
+        </p:nvSpPr>
+        <p:spPr/>
+        <p:txBody>
+          <a:bodyPr/>
+          <a:lstStyle/>
+          <a:p>
+            <a:pPr algn="r"/>
+            <a:r>
+              <a:rPr lang="en-US" smtClean="0"/>
+              <a:t>Sanjay Kalé and PPL (UIUC) – Parallel Migratable Objects </a:t>
+            </a:r>
+            <a:endParaRPr lang="en-US" dirty="0"/>
+          </a:p>
+        </p:txBody>
+      </p:sp>
+      <p:sp>
+        <p:nvSpPr>
+          <p:cNvPr id="9" name="Slide Number Placeholder 8"/>
+          <p:cNvSpPr>
+            <a:spLocks noGrp="1"/>
+          </p:cNvSpPr>
+          <p:nvPr>
+            <p:ph type="sldNum" sz="quarter" idx="12"/>
+          </p:nvPr>
+        </p:nvSpPr>
+        <p:spPr/>
+        <p:txBody>
+          <a:bodyPr/>
+          <a:lstStyle/>
+          <a:p>
+            <a:fld id="{0CFEC368-1D7A-4F81-ABF6-AE0E36BAF64C}" type="slidenum">
+              <a:rPr lang="en-US" smtClean="0"/>
+              <a:pPr/>
+              <a:t>22</a:t>
+            </a:fld>
+            <a:endParaRPr lang="en-US" dirty="0"/>
+          </a:p>
+        </p:txBody>
+      </p:sp>
+      <p:sp>
+        <p:nvSpPr>
+          <p:cNvPr id="3" name="Content Placeholder 2"/>
+          <p:cNvSpPr>
+            <a:spLocks noGrp="1"/>
+          </p:cNvSpPr>
+          <p:nvPr>
+            <p:ph sz="quarter" idx="13"/>
+          </p:nvPr>
+        </p:nvSpPr>
+        <p:spPr>
+          <a:xfrm>
+            <a:off x="261865" y="1099116"/>
+            <a:ext cx="8615360" cy="1645039"/>
+          </a:xfrm>
+        </p:spPr>
+        <p:txBody>
+          <a:bodyPr>
+            <a:normAutofit fontScale="85000" lnSpcReduction="20000"/>
+          </a:bodyPr>
+          <a:lstStyle/>
+          <a:p>
+            <a:r>
+              <a:rPr lang="en-US" dirty="0"/>
+              <a:t>1d: </a:t>
+            </a:r>
+            <a:r>
+              <a:rPr lang="en-US" dirty="0" err="1" smtClean="0">
+                <a:solidFill>
+                  <a:srgbClr val="292934"/>
+                </a:solidFill>
+                <a:latin typeface="Lucida Console"/>
+                <a:cs typeface="Lucida Console"/>
+              </a:rPr>
+              <a:t>thisIndex</a:t>
+            </a:r>
+            <a:r>
+              <a:rPr lang="en-US" i="1" dirty="0" smtClean="0">
+                <a:solidFill>
+                  <a:srgbClr val="292934"/>
+                </a:solidFill>
+                <a:latin typeface="Lucida Console"/>
+                <a:cs typeface="Lucida Console"/>
+              </a:rPr>
+              <a:t> </a:t>
+            </a:r>
+            <a:r>
+              <a:rPr lang="en-US" dirty="0" smtClean="0"/>
+              <a:t>returns </a:t>
+            </a:r>
+            <a:r>
+              <a:rPr lang="en-US" dirty="0"/>
+              <a:t>the index of the current </a:t>
+            </a:r>
+            <a:r>
+              <a:rPr lang="en-US" dirty="0" err="1"/>
+              <a:t>chare</a:t>
+            </a:r>
+            <a:r>
+              <a:rPr lang="en-US" dirty="0"/>
+              <a:t> array element </a:t>
+            </a:r>
+            <a:endParaRPr lang="en-US" dirty="0" smtClean="0"/>
+          </a:p>
+          <a:p>
+            <a:r>
+              <a:rPr lang="en-US" dirty="0" smtClean="0"/>
+              <a:t>2d</a:t>
+            </a:r>
+            <a:r>
+              <a:rPr lang="en-US" dirty="0"/>
+              <a:t>: </a:t>
+            </a:r>
+            <a:r>
+              <a:rPr lang="en-US" dirty="0" err="1" smtClean="0">
+                <a:latin typeface="Lucida Console"/>
+                <a:cs typeface="Lucida Console"/>
+              </a:rPr>
+              <a:t>thisIndex.x</a:t>
+            </a:r>
+            <a:r>
+              <a:rPr lang="en-US" i="1" dirty="0" smtClean="0"/>
+              <a:t> </a:t>
+            </a:r>
+            <a:r>
+              <a:rPr lang="en-US" dirty="0" smtClean="0"/>
+              <a:t>and </a:t>
+            </a:r>
+            <a:r>
+              <a:rPr lang="en-US" dirty="0" err="1">
+                <a:latin typeface="Lucida Console"/>
+                <a:cs typeface="Lucida Console"/>
+              </a:rPr>
+              <a:t>thisIndex.y</a:t>
+            </a:r>
+            <a:r>
+              <a:rPr lang="en-US" dirty="0"/>
+              <a:t> </a:t>
+            </a:r>
+            <a:r>
+              <a:rPr lang="en-US" dirty="0" smtClean="0"/>
+              <a:t>return </a:t>
+            </a:r>
+            <a:r>
+              <a:rPr lang="en-US" dirty="0"/>
+              <a:t>the indices of </a:t>
+            </a:r>
+            <a:r>
+              <a:rPr lang="en-US" dirty="0" smtClean="0"/>
+              <a:t>the current </a:t>
+            </a:r>
+            <a:r>
+              <a:rPr lang="en-US" dirty="0" err="1"/>
+              <a:t>chare</a:t>
+            </a:r>
+            <a:r>
+              <a:rPr lang="en-US" dirty="0"/>
+              <a:t> array </a:t>
+            </a:r>
+            <a:r>
+              <a:rPr lang="en-US" dirty="0" smtClean="0"/>
+              <a:t>element</a:t>
+            </a:r>
+          </a:p>
+          <a:p>
+            <a:endParaRPr lang="en-US" dirty="0"/>
+          </a:p>
+          <a:p>
+            <a:pPr marL="0" indent="0">
+              <a:buNone/>
+            </a:pPr>
+            <a:r>
+              <a:rPr lang="en-US" dirty="0" smtClean="0">
+                <a:latin typeface="Consolas"/>
+                <a:cs typeface="Consolas"/>
+              </a:rPr>
+              <a:t>.ci </a:t>
+            </a:r>
+            <a:r>
+              <a:rPr lang="en-US" dirty="0" smtClean="0"/>
+              <a:t>file:</a:t>
+            </a:r>
+            <a:endParaRPr lang="en-US" dirty="0"/>
+          </a:p>
+        </p:txBody>
+      </p:sp>
+      <p:sp>
+        <p:nvSpPr>
+          <p:cNvPr id="4" name="Content Placeholder 3"/>
+          <p:cNvSpPr>
+            <a:spLocks noGrp="1"/>
+          </p:cNvSpPr>
+          <p:nvPr>
+            <p:ph sz="quarter" idx="14"/>
+          </p:nvPr>
+        </p:nvSpPr>
+        <p:spPr>
+          <a:xfrm>
+            <a:off x="261865" y="2744155"/>
+            <a:ext cx="8615360" cy="1028412"/>
+          </a:xfrm>
+          <a:solidFill>
+            <a:srgbClr val="CCD1D9"/>
+          </a:solidFill>
+          <a:ln>
+            <a:solidFill>
+              <a:schemeClr val="tx1"/>
+            </a:solidFill>
+          </a:ln>
+        </p:spPr>
+        <p:txBody>
+          <a:bodyPr>
+            <a:normAutofit fontScale="85000" lnSpcReduction="20000"/>
+          </a:bodyPr>
+          <a:lstStyle/>
+          <a:p>
+            <a:pPr marL="0" indent="0">
+              <a:buNone/>
+            </a:pPr>
+            <a:r>
+              <a:rPr lang="en-US" b="1" dirty="0">
+                <a:latin typeface="Consolas"/>
+                <a:cs typeface="Consolas"/>
+              </a:rPr>
+              <a:t>array</a:t>
+            </a:r>
+            <a:r>
+              <a:rPr lang="en-US" dirty="0">
+                <a:latin typeface="Consolas"/>
+                <a:cs typeface="Consolas"/>
+              </a:rPr>
+              <a:t> [1d] foo { </a:t>
+            </a:r>
+            <a:endParaRPr lang="en-US" dirty="0" smtClean="0">
+              <a:latin typeface="Consolas"/>
+              <a:cs typeface="Consolas"/>
+            </a:endParaRPr>
+          </a:p>
+          <a:p>
+            <a:pPr marL="0" indent="0">
+              <a:buNone/>
+            </a:pPr>
+            <a:r>
+              <a:rPr lang="en-US" dirty="0">
+                <a:latin typeface="Consolas"/>
+                <a:cs typeface="Consolas"/>
+              </a:rPr>
+              <a:t> </a:t>
+            </a:r>
+            <a:r>
+              <a:rPr lang="en-US" dirty="0" smtClean="0">
+                <a:latin typeface="Consolas"/>
+                <a:cs typeface="Consolas"/>
+              </a:rPr>
+              <a:t>  </a:t>
+            </a:r>
+            <a:r>
+              <a:rPr lang="en-US" b="1" dirty="0" smtClean="0">
+                <a:latin typeface="Consolas"/>
+                <a:cs typeface="Consolas"/>
+              </a:rPr>
+              <a:t>entry </a:t>
+            </a:r>
+            <a:r>
+              <a:rPr lang="en-US" dirty="0">
+                <a:latin typeface="Consolas"/>
+                <a:cs typeface="Consolas"/>
+              </a:rPr>
+              <a:t>foo();</a:t>
+            </a:r>
+          </a:p>
+          <a:p>
+            <a:pPr marL="0" indent="0">
+              <a:buNone/>
+            </a:pPr>
+            <a:r>
+              <a:rPr lang="en-US" dirty="0" smtClean="0">
+                <a:latin typeface="Consolas"/>
+                <a:cs typeface="Consolas"/>
+              </a:rPr>
+              <a:t>} </a:t>
+            </a:r>
+            <a:endParaRPr lang="en-US" dirty="0">
+              <a:latin typeface="Consolas"/>
+              <a:cs typeface="Consolas"/>
+            </a:endParaRPr>
+          </a:p>
+        </p:txBody>
+      </p:sp>
+      <p:sp>
+        <p:nvSpPr>
+          <p:cNvPr id="5" name="Content Placeholder 4"/>
+          <p:cNvSpPr>
+            <a:spLocks noGrp="1"/>
+          </p:cNvSpPr>
+          <p:nvPr>
+            <p:ph sz="quarter" idx="15"/>
+          </p:nvPr>
+        </p:nvSpPr>
+        <p:spPr>
+          <a:xfrm>
+            <a:off x="261865" y="3772567"/>
+            <a:ext cx="8615360" cy="440341"/>
+          </a:xfrm>
+        </p:spPr>
+        <p:txBody>
+          <a:bodyPr>
+            <a:normAutofit/>
+          </a:bodyPr>
+          <a:lstStyle/>
+          <a:p>
+            <a:pPr marL="0" indent="0">
+              <a:buNone/>
+            </a:pPr>
+            <a:r>
+              <a:rPr lang="en-US" sz="2000" dirty="0" smtClean="0">
+                <a:latin typeface="Consolas"/>
+                <a:cs typeface="Consolas"/>
+              </a:rPr>
+              <a:t>.C </a:t>
+            </a:r>
+            <a:r>
+              <a:rPr lang="en-US" sz="2000" dirty="0" smtClean="0"/>
+              <a:t>file:</a:t>
+            </a:r>
+            <a:endParaRPr lang="en-US" sz="2000" dirty="0"/>
+          </a:p>
+        </p:txBody>
+      </p:sp>
+      <p:sp>
+        <p:nvSpPr>
+          <p:cNvPr id="6" name="Content Placeholder 5"/>
+          <p:cNvSpPr>
+            <a:spLocks noGrp="1"/>
+          </p:cNvSpPr>
+          <p:nvPr>
+            <p:ph sz="quarter" idx="16"/>
+          </p:nvPr>
+        </p:nvSpPr>
+        <p:spPr>
+          <a:xfrm>
+            <a:off x="261865" y="4207539"/>
+            <a:ext cx="8615360" cy="1611816"/>
+          </a:xfrm>
+          <a:solidFill>
+            <a:srgbClr val="CCD1D9"/>
+          </a:solidFill>
+          <a:ln>
+            <a:solidFill>
+              <a:srgbClr val="292934"/>
+            </a:solidFill>
+          </a:ln>
+        </p:spPr>
+        <p:txBody>
+          <a:bodyPr>
+            <a:normAutofit fontScale="85000" lnSpcReduction="20000"/>
+          </a:bodyPr>
+          <a:lstStyle/>
+          <a:p>
+            <a:pPr marL="0" indent="0">
+              <a:buNone/>
+            </a:pPr>
+            <a:r>
+              <a:rPr lang="en-US" b="1" dirty="0" err="1">
+                <a:latin typeface="Consolas"/>
+                <a:cs typeface="Consolas"/>
+              </a:rPr>
+              <a:t>struct</a:t>
+            </a:r>
+            <a:r>
+              <a:rPr lang="en-US" dirty="0">
+                <a:latin typeface="Consolas"/>
+                <a:cs typeface="Consolas"/>
+              </a:rPr>
+              <a:t> foo : </a:t>
+            </a:r>
+            <a:r>
+              <a:rPr lang="en-US" b="1" dirty="0">
+                <a:latin typeface="Consolas"/>
+                <a:cs typeface="Consolas"/>
+              </a:rPr>
+              <a:t>public</a:t>
+            </a:r>
+            <a:r>
+              <a:rPr lang="en-US" dirty="0">
+                <a:latin typeface="Consolas"/>
+                <a:cs typeface="Consolas"/>
+              </a:rPr>
+              <a:t> </a:t>
+            </a:r>
+            <a:r>
+              <a:rPr lang="en-US" dirty="0" err="1" smtClean="0">
+                <a:latin typeface="Consolas"/>
+                <a:cs typeface="Consolas"/>
+              </a:rPr>
+              <a:t>CBase_foo</a:t>
+            </a:r>
+            <a:r>
+              <a:rPr lang="en-US" dirty="0" smtClean="0">
+                <a:latin typeface="Consolas"/>
+                <a:cs typeface="Consolas"/>
+              </a:rPr>
+              <a:t> </a:t>
+            </a:r>
+            <a:r>
+              <a:rPr lang="en-US" dirty="0">
+                <a:latin typeface="Consolas"/>
+                <a:cs typeface="Consolas"/>
+              </a:rPr>
+              <a:t>{ </a:t>
+            </a:r>
+            <a:endParaRPr lang="en-US" dirty="0" smtClean="0">
+              <a:latin typeface="Consolas"/>
+              <a:cs typeface="Consolas"/>
+            </a:endParaRPr>
+          </a:p>
+          <a:p>
+            <a:pPr marL="0" indent="0">
+              <a:buNone/>
+            </a:pPr>
+            <a:r>
+              <a:rPr lang="en-US" dirty="0">
+                <a:latin typeface="Consolas"/>
+                <a:cs typeface="Consolas"/>
+              </a:rPr>
+              <a:t> </a:t>
+            </a:r>
+            <a:r>
+              <a:rPr lang="en-US" dirty="0" smtClean="0">
+                <a:latin typeface="Consolas"/>
+                <a:cs typeface="Consolas"/>
+              </a:rPr>
+              <a:t>  foo</a:t>
+            </a:r>
+            <a:r>
+              <a:rPr lang="en-US" dirty="0">
+                <a:latin typeface="Consolas"/>
+                <a:cs typeface="Consolas"/>
+              </a:rPr>
+              <a:t>() {</a:t>
+            </a:r>
+          </a:p>
+          <a:p>
+            <a:pPr marL="0" indent="0">
+              <a:buNone/>
+            </a:pPr>
+            <a:r>
+              <a:rPr lang="en-US" dirty="0">
+                <a:latin typeface="Consolas"/>
+                <a:cs typeface="Consolas"/>
+              </a:rPr>
+              <a:t> </a:t>
+            </a:r>
+            <a:r>
+              <a:rPr lang="en-US" dirty="0" smtClean="0">
+                <a:latin typeface="Consolas"/>
+                <a:cs typeface="Consolas"/>
+              </a:rPr>
+              <a:t>     </a:t>
+            </a:r>
+            <a:r>
+              <a:rPr lang="en-US" dirty="0" err="1" smtClean="0">
+                <a:latin typeface="Consolas"/>
+                <a:cs typeface="Consolas"/>
+              </a:rPr>
+              <a:t>CkPrintf</a:t>
+            </a:r>
+            <a:r>
+              <a:rPr lang="en-US" dirty="0" smtClean="0">
+                <a:latin typeface="Consolas"/>
+                <a:cs typeface="Consolas"/>
+              </a:rPr>
+              <a:t>(“array </a:t>
+            </a:r>
+            <a:r>
+              <a:rPr lang="en-US" dirty="0">
+                <a:latin typeface="Consolas"/>
+                <a:cs typeface="Consolas"/>
+              </a:rPr>
+              <a:t>index = %d”, </a:t>
+            </a:r>
+            <a:r>
+              <a:rPr lang="en-US" dirty="0" err="1">
+                <a:latin typeface="Consolas"/>
+                <a:cs typeface="Consolas"/>
+              </a:rPr>
+              <a:t>thisIndex</a:t>
+            </a:r>
+            <a:r>
+              <a:rPr lang="en-US" dirty="0">
+                <a:latin typeface="Consolas"/>
+                <a:cs typeface="Consolas"/>
+              </a:rPr>
+              <a:t>);</a:t>
+            </a:r>
+          </a:p>
+          <a:p>
+            <a:pPr marL="0" indent="0">
+              <a:buNone/>
+            </a:pPr>
+            <a:r>
+              <a:rPr lang="en-US" dirty="0" smtClean="0">
+                <a:latin typeface="Consolas"/>
+                <a:cs typeface="Consolas"/>
+              </a:rPr>
+              <a:t>   }</a:t>
+            </a:r>
+            <a:endParaRPr lang="en-US" dirty="0">
+              <a:latin typeface="Consolas"/>
+              <a:cs typeface="Consolas"/>
+            </a:endParaRPr>
+          </a:p>
+          <a:p>
+            <a:pPr marL="0" indent="0">
+              <a:buNone/>
+            </a:pPr>
+            <a:r>
+              <a:rPr lang="en-US" dirty="0">
+                <a:latin typeface="Consolas"/>
+                <a:cs typeface="Consolas"/>
+              </a:rPr>
+              <a:t>};</a:t>
+            </a:r>
+          </a:p>
+        </p:txBody>
+      </p:sp>
+    </p:spTree>
+    <p:extLst>
+      <p:ext uri="{BB962C8B-B14F-4D97-AF65-F5344CB8AC3E}">
+        <p14:creationId xmlns:p14="http://schemas.microsoft.com/office/powerpoint/2010/main" val="3486384682"/>
+      </p:ext>
+    </p:extLst>
+  </p:cSld>
+  <p:clrMapOvr>
+    <a:masterClrMapping/>
+  </p:clrMapOvr>
+  <p:timing>
+    <p:tnLst>
+      <p:par>
+        <p:cTn xmlns:p14="http://schemas.microsoft.com/office/powerpoint/2010/main" id="1" dur="indefinite" restart="never" nodeType="tmRoot"/>
+      </p:par>
+    </p:tnLst>
+  </p:timing>
+</p:sld>
+</file>
+
+<file path=ppt/slides/slide23.xml><?xml version="1.0" encoding="utf-8"?>
+<p:sld xmlns:a="http://schemas.openxmlformats.org/drawingml/2006/main" xmlns:r="http://schemas.openxmlformats.org/officeDocument/2006/relationships" xmlns:p="http://schemas.openxmlformats.org/presentationml/2006/main">
+  <p:cSld>
+    <p:spTree>
+      <p:nvGrpSpPr>
+        <p:cNvPr id="1" name=""/>
+        <p:cNvGrpSpPr/>
+        <p:nvPr/>
+      </p:nvGrpSpPr>
+      <p:grpSpPr>
+        <a:xfrm>
+          <a:off x="0" y="0"/>
+          <a:ext cx="0" cy="0"/>
+          <a:chOff x="0" y="0"/>
+          <a:chExt cx="0" cy="0"/>
+        </a:xfrm>
+      </p:grpSpPr>
+      <p:sp>
+        <p:nvSpPr>
+          <p:cNvPr id="2" name="Title 1"/>
+          <p:cNvSpPr>
+            <a:spLocks noGrp="1"/>
+          </p:cNvSpPr>
+          <p:nvPr>
+            <p:ph type="title"/>
+          </p:nvPr>
+        </p:nvSpPr>
+        <p:spPr/>
+        <p:txBody>
+          <a:bodyPr>
+            <a:normAutofit/>
+          </a:bodyPr>
+          <a:lstStyle/>
+          <a:p>
+            <a:r>
+              <a:rPr lang="en-US" dirty="0" err="1"/>
+              <a:t>Chare</a:t>
+            </a:r>
+            <a:r>
+              <a:rPr lang="en-US" dirty="0"/>
+              <a:t> Array: Hello Example</a:t>
+            </a:r>
+          </a:p>
+        </p:txBody>
+      </p:sp>
+      <p:sp>
+        <p:nvSpPr>
+          <p:cNvPr id="3" name="Content Placeholder 2"/>
+          <p:cNvSpPr>
+            <a:spLocks noGrp="1"/>
+          </p:cNvSpPr>
+          <p:nvPr>
+            <p:ph idx="1"/>
+          </p:nvPr>
+        </p:nvSpPr>
+        <p:spPr>
+          <a:solidFill>
+            <a:schemeClr val="accent5">
+              <a:lumMod val="40000"/>
+              <a:lumOff val="60000"/>
+            </a:schemeClr>
+          </a:solidFill>
+          <a:ln>
+            <a:solidFill>
+              <a:srgbClr val="292934"/>
+            </a:solidFill>
+          </a:ln>
+        </p:spPr>
+        <p:txBody>
+          <a:bodyPr>
+            <a:normAutofit/>
+          </a:bodyPr>
+          <a:lstStyle/>
+          <a:p>
+            <a:pPr marL="0" indent="0">
+              <a:buNone/>
+            </a:pPr>
+            <a:r>
+              <a:rPr lang="en-US" sz="2000" b="1" dirty="0" err="1">
+                <a:latin typeface="Consolas"/>
+                <a:cs typeface="Consolas"/>
+              </a:rPr>
+              <a:t>mainmodule</a:t>
+            </a:r>
+            <a:r>
+              <a:rPr lang="en-US" sz="2000" dirty="0">
+                <a:latin typeface="Consolas"/>
+                <a:cs typeface="Consolas"/>
+              </a:rPr>
+              <a:t> </a:t>
+            </a:r>
+            <a:r>
+              <a:rPr lang="en-US" sz="2000" dirty="0" err="1">
+                <a:latin typeface="Consolas"/>
+                <a:cs typeface="Consolas"/>
+              </a:rPr>
+              <a:t>arr</a:t>
+            </a:r>
+            <a:r>
+              <a:rPr lang="en-US" sz="2000" dirty="0">
+                <a:latin typeface="Consolas"/>
+                <a:cs typeface="Consolas"/>
+              </a:rPr>
+              <a:t> {</a:t>
+            </a:r>
+          </a:p>
+          <a:p>
+            <a:pPr marL="0" indent="0">
+              <a:buNone/>
+            </a:pPr>
+            <a:endParaRPr lang="en-US" sz="2000" dirty="0" smtClean="0">
+              <a:latin typeface="Consolas"/>
+              <a:cs typeface="Consolas"/>
+            </a:endParaRPr>
+          </a:p>
+          <a:p>
+            <a:pPr marL="0" indent="0">
+              <a:buNone/>
+            </a:pPr>
+            <a:r>
+              <a:rPr lang="en-US" sz="2000" dirty="0">
+                <a:latin typeface="Consolas"/>
+                <a:cs typeface="Consolas"/>
+              </a:rPr>
+              <a:t> </a:t>
+            </a:r>
+            <a:r>
+              <a:rPr lang="en-US" sz="2000" dirty="0" smtClean="0">
+                <a:latin typeface="Consolas"/>
+                <a:cs typeface="Consolas"/>
+              </a:rPr>
+              <a:t>  </a:t>
+            </a:r>
+            <a:r>
+              <a:rPr lang="en-US" sz="2000" b="1" dirty="0" err="1" smtClean="0">
+                <a:latin typeface="Consolas"/>
+                <a:cs typeface="Consolas"/>
+              </a:rPr>
+              <a:t>mainchare</a:t>
+            </a:r>
+            <a:r>
+              <a:rPr lang="en-US" sz="2000" b="1" dirty="0" smtClean="0">
+                <a:latin typeface="Consolas"/>
+                <a:cs typeface="Consolas"/>
+              </a:rPr>
+              <a:t> </a:t>
+            </a:r>
+            <a:r>
+              <a:rPr lang="en-US" sz="2000" dirty="0">
+                <a:latin typeface="Consolas"/>
+                <a:cs typeface="Consolas"/>
+              </a:rPr>
+              <a:t>Main {</a:t>
+            </a:r>
+          </a:p>
+          <a:p>
+            <a:pPr marL="0" indent="0">
+              <a:buNone/>
+            </a:pPr>
+            <a:r>
+              <a:rPr lang="en-US" sz="2000" dirty="0" smtClean="0">
+                <a:latin typeface="Consolas"/>
+                <a:cs typeface="Consolas"/>
+              </a:rPr>
+              <a:t>      </a:t>
+            </a:r>
+            <a:r>
+              <a:rPr lang="en-US" sz="2000" b="1" dirty="0" smtClean="0">
+                <a:latin typeface="Consolas"/>
+                <a:cs typeface="Consolas"/>
+              </a:rPr>
+              <a:t>entry</a:t>
+            </a:r>
+            <a:r>
+              <a:rPr lang="en-US" sz="2000" dirty="0" smtClean="0">
+                <a:latin typeface="Consolas"/>
+                <a:cs typeface="Consolas"/>
+              </a:rPr>
+              <a:t> </a:t>
+            </a:r>
+            <a:r>
+              <a:rPr lang="en-US" sz="2000" dirty="0">
+                <a:latin typeface="Consolas"/>
+                <a:cs typeface="Consolas"/>
+              </a:rPr>
+              <a:t>Main(</a:t>
+            </a:r>
+            <a:r>
+              <a:rPr lang="en-US" sz="2000" dirty="0" err="1">
+                <a:latin typeface="Consolas"/>
+                <a:cs typeface="Consolas"/>
+              </a:rPr>
+              <a:t>CkArgMsg</a:t>
+            </a:r>
+            <a:r>
+              <a:rPr lang="en-US" sz="2000" dirty="0">
+                <a:latin typeface="Consolas"/>
+                <a:cs typeface="Consolas"/>
+              </a:rPr>
+              <a:t>∗);</a:t>
+            </a:r>
+          </a:p>
+          <a:p>
+            <a:pPr marL="0" indent="0">
+              <a:buNone/>
+            </a:pPr>
+            <a:r>
+              <a:rPr lang="en-US" sz="2000" dirty="0" smtClean="0">
+                <a:latin typeface="Consolas"/>
+                <a:cs typeface="Consolas"/>
+              </a:rPr>
+              <a:t>   }</a:t>
+            </a:r>
+            <a:endParaRPr lang="en-US" sz="2000" dirty="0">
+              <a:latin typeface="Consolas"/>
+              <a:cs typeface="Consolas"/>
+            </a:endParaRPr>
+          </a:p>
+          <a:p>
+            <a:pPr marL="0" indent="0">
+              <a:buNone/>
+            </a:pPr>
+            <a:endParaRPr lang="en-US" sz="2000" dirty="0" smtClean="0">
+              <a:latin typeface="Consolas"/>
+              <a:cs typeface="Consolas"/>
+            </a:endParaRPr>
+          </a:p>
+          <a:p>
+            <a:pPr marL="0" indent="0">
+              <a:buNone/>
+            </a:pPr>
+            <a:r>
+              <a:rPr lang="en-US" sz="2000" dirty="0">
+                <a:latin typeface="Consolas"/>
+                <a:cs typeface="Consolas"/>
+              </a:rPr>
+              <a:t> </a:t>
+            </a:r>
+            <a:r>
+              <a:rPr lang="en-US" sz="2000" dirty="0" smtClean="0">
+                <a:latin typeface="Consolas"/>
+                <a:cs typeface="Consolas"/>
+              </a:rPr>
+              <a:t>  </a:t>
+            </a:r>
+            <a:r>
+              <a:rPr lang="en-US" sz="2000" b="1" dirty="0" smtClean="0">
+                <a:latin typeface="Consolas"/>
+                <a:cs typeface="Consolas"/>
+              </a:rPr>
+              <a:t>array </a:t>
+            </a:r>
+            <a:r>
+              <a:rPr lang="en-US" sz="2000" dirty="0">
+                <a:latin typeface="Consolas"/>
+                <a:cs typeface="Consolas"/>
+              </a:rPr>
+              <a:t>[1D] hello { </a:t>
+            </a:r>
+            <a:endParaRPr lang="en-US" sz="2000" dirty="0" smtClean="0">
+              <a:latin typeface="Consolas"/>
+              <a:cs typeface="Consolas"/>
+            </a:endParaRPr>
+          </a:p>
+          <a:p>
+            <a:pPr marL="0" indent="0">
+              <a:buNone/>
+            </a:pPr>
+            <a:r>
+              <a:rPr lang="en-US" sz="2000" dirty="0">
+                <a:latin typeface="Consolas"/>
+                <a:cs typeface="Consolas"/>
+              </a:rPr>
+              <a:t> </a:t>
+            </a:r>
+            <a:r>
+              <a:rPr lang="en-US" sz="2000" dirty="0" smtClean="0">
+                <a:latin typeface="Consolas"/>
+                <a:cs typeface="Consolas"/>
+              </a:rPr>
+              <a:t>     </a:t>
+            </a:r>
+            <a:r>
+              <a:rPr lang="en-US" sz="2000" b="1" dirty="0" smtClean="0">
+                <a:latin typeface="Consolas"/>
+                <a:cs typeface="Consolas"/>
+              </a:rPr>
+              <a:t>entry </a:t>
+            </a:r>
+            <a:r>
+              <a:rPr lang="en-US" sz="2000" dirty="0">
+                <a:latin typeface="Consolas"/>
+                <a:cs typeface="Consolas"/>
+              </a:rPr>
+              <a:t>hello(</a:t>
+            </a:r>
+            <a:r>
+              <a:rPr lang="en-US" sz="2000" dirty="0" err="1">
+                <a:latin typeface="Consolas"/>
+                <a:cs typeface="Consolas"/>
+              </a:rPr>
+              <a:t>int</a:t>
+            </a:r>
+            <a:r>
+              <a:rPr lang="en-US" sz="2000" dirty="0">
+                <a:latin typeface="Consolas"/>
+                <a:cs typeface="Consolas"/>
+              </a:rPr>
+              <a:t>);</a:t>
+            </a:r>
+          </a:p>
+          <a:p>
+            <a:pPr marL="0" indent="0">
+              <a:buNone/>
+            </a:pPr>
+            <a:r>
+              <a:rPr lang="en-US" sz="2000" b="1" dirty="0" smtClean="0">
+                <a:latin typeface="Consolas"/>
+                <a:cs typeface="Consolas"/>
+              </a:rPr>
+              <a:t>      entry</a:t>
+            </a:r>
+            <a:r>
+              <a:rPr lang="en-US" sz="2000" dirty="0" smtClean="0">
+                <a:latin typeface="Consolas"/>
+                <a:cs typeface="Consolas"/>
+              </a:rPr>
+              <a:t> </a:t>
+            </a:r>
+            <a:r>
+              <a:rPr lang="en-US" sz="2000" dirty="0">
+                <a:latin typeface="Consolas"/>
+                <a:cs typeface="Consolas"/>
+              </a:rPr>
+              <a:t>void </a:t>
+            </a:r>
+            <a:r>
+              <a:rPr lang="en-US" sz="2000" dirty="0" err="1">
+                <a:latin typeface="Consolas"/>
+                <a:cs typeface="Consolas"/>
+              </a:rPr>
+              <a:t>printHello</a:t>
+            </a:r>
+            <a:r>
+              <a:rPr lang="en-US" sz="2000" dirty="0">
+                <a:latin typeface="Consolas"/>
+                <a:cs typeface="Consolas"/>
+              </a:rPr>
+              <a:t>(); </a:t>
+            </a:r>
+            <a:endParaRPr lang="en-US" sz="2000" dirty="0" smtClean="0">
+              <a:latin typeface="Consolas"/>
+              <a:cs typeface="Consolas"/>
+            </a:endParaRPr>
+          </a:p>
+          <a:p>
+            <a:pPr marL="0" indent="0">
+              <a:buNone/>
+            </a:pPr>
+            <a:r>
+              <a:rPr lang="en-US" sz="2000" dirty="0">
+                <a:latin typeface="Consolas"/>
+                <a:cs typeface="Consolas"/>
+              </a:rPr>
+              <a:t> </a:t>
+            </a:r>
+            <a:r>
+              <a:rPr lang="en-US" sz="2000" dirty="0" smtClean="0">
+                <a:latin typeface="Consolas"/>
+                <a:cs typeface="Consolas"/>
+              </a:rPr>
+              <a:t>  }</a:t>
+            </a:r>
+          </a:p>
+          <a:p>
+            <a:pPr marL="0" indent="0">
+              <a:buNone/>
+            </a:pPr>
+            <a:r>
+              <a:rPr lang="en-US" sz="2000" dirty="0" smtClean="0">
+                <a:latin typeface="Consolas"/>
+                <a:cs typeface="Consolas"/>
+              </a:rPr>
+              <a:t>}</a:t>
+            </a:r>
+            <a:endParaRPr lang="en-US" sz="2000" dirty="0">
+              <a:latin typeface="Consolas"/>
+              <a:cs typeface="Consolas"/>
+            </a:endParaRPr>
+          </a:p>
+        </p:txBody>
+      </p:sp>
+      <p:sp>
+        <p:nvSpPr>
+          <p:cNvPr id="4" name="Date Placeholder 3"/>
+          <p:cNvSpPr>
+            <a:spLocks noGrp="1"/>
+          </p:cNvSpPr>
+          <p:nvPr>
+            <p:ph type="dt" sz="half" idx="10"/>
+          </p:nvPr>
+        </p:nvSpPr>
+        <p:spPr/>
+        <p:txBody>
+          <a:bodyPr/>
+          <a:lstStyle/>
+          <a:p>
+            <a:fld id="{34621E95-60A9-FF44-9869-513D9D7A859F}" type="datetime2">
+              <a:rPr lang="en-US" smtClean="0"/>
+              <a:t>Wednesday, September 10, 14</a:t>
+            </a:fld>
+            <a:endParaRPr lang="en-US"/>
+          </a:p>
+        </p:txBody>
+      </p:sp>
+      <p:sp>
+        <p:nvSpPr>
+          <p:cNvPr id="5" name="Footer Placeholder 4"/>
+          <p:cNvSpPr>
+            <a:spLocks noGrp="1"/>
+          </p:cNvSpPr>
+          <p:nvPr>
+            <p:ph type="ftr" sz="quarter" idx="11"/>
+          </p:nvPr>
+        </p:nvSpPr>
+        <p:spPr/>
+        <p:txBody>
+          <a:bodyPr/>
+          <a:lstStyle/>
+          <a:p>
+            <a:pPr algn="r"/>
+            <a:r>
+              <a:rPr lang="en-US" smtClean="0"/>
+              <a:t>Sanjay Kalé and PPL (UIUC) – Parallel Migratable Objects </a:t>
+            </a:r>
+            <a:endParaRPr lang="en-US" dirty="0"/>
+          </a:p>
+        </p:txBody>
+      </p:sp>
+      <p:sp>
+        <p:nvSpPr>
+          <p:cNvPr id="6" name="Slide Number Placeholder 5"/>
+          <p:cNvSpPr>
+            <a:spLocks noGrp="1"/>
+          </p:cNvSpPr>
+          <p:nvPr>
+            <p:ph type="sldNum" sz="quarter" idx="12"/>
+          </p:nvPr>
+        </p:nvSpPr>
+        <p:spPr/>
+        <p:txBody>
+          <a:bodyPr/>
+          <a:lstStyle/>
+          <a:p>
+            <a:fld id="{0CFEC368-1D7A-4F81-ABF6-AE0E36BAF64C}" type="slidenum">
+              <a:rPr lang="en-US" smtClean="0"/>
+              <a:pPr/>
+              <a:t>23</a:t>
+            </a:fld>
+            <a:endParaRPr lang="en-US"/>
+          </a:p>
+        </p:txBody>
+      </p:sp>
+    </p:spTree>
+    <p:extLst>
+      <p:ext uri="{BB962C8B-B14F-4D97-AF65-F5344CB8AC3E}">
+        <p14:creationId xmlns:p14="http://schemas.microsoft.com/office/powerpoint/2010/main" val="2226404591"/>
+      </p:ext>
+    </p:extLst>
+  </p:cSld>
+  <p:clrMapOvr>
+    <a:masterClrMapping/>
+  </p:clrMapOvr>
+  <p:timing>
+    <p:tnLst>
+      <p:par>
+        <p:cTn xmlns:p14="http://schemas.microsoft.com/office/powerpoint/2010/main" id="1" dur="indefinite" restart="never" nodeType="tmRoot"/>
+      </p:par>
+    </p:tnLst>
+  </p:timing>
+</p:sld>
+</file>
+
+<file path=ppt/slides/slide24.xml><?xml version="1.0" encoding="utf-8"?>
+<p:sld xmlns:a="http://schemas.openxmlformats.org/drawingml/2006/main" xmlns:r="http://schemas.openxmlformats.org/officeDocument/2006/relationships" xmlns:p="http://schemas.openxmlformats.org/presentationml/2006/main">
+  <p:cSld>
+    <p:spTree>
+      <p:nvGrpSpPr>
+        <p:cNvPr id="1" name=""/>
+        <p:cNvGrpSpPr/>
+        <p:nvPr/>
+      </p:nvGrpSpPr>
+      <p:grpSpPr>
+        <a:xfrm>
+          <a:off x="0" y="0"/>
+          <a:ext cx="0" cy="0"/>
+          <a:chOff x="0" y="0"/>
+          <a:chExt cx="0" cy="0"/>
+        </a:xfrm>
+      </p:grpSpPr>
+      <p:sp>
+        <p:nvSpPr>
+          <p:cNvPr id="2" name="Title 1"/>
+          <p:cNvSpPr>
+            <a:spLocks noGrp="1"/>
+          </p:cNvSpPr>
+          <p:nvPr>
+            <p:ph type="title"/>
+          </p:nvPr>
+        </p:nvSpPr>
+        <p:spPr/>
+        <p:txBody>
+          <a:bodyPr>
+            <a:normAutofit/>
+          </a:bodyPr>
+          <a:lstStyle/>
+          <a:p>
+            <a:r>
+              <a:rPr lang="en-US" dirty="0" err="1"/>
+              <a:t>Chare</a:t>
+            </a:r>
+            <a:r>
+              <a:rPr lang="en-US" dirty="0"/>
+              <a:t> Array: Hello Example</a:t>
+            </a:r>
+          </a:p>
+        </p:txBody>
+      </p:sp>
+      <p:sp>
+        <p:nvSpPr>
+          <p:cNvPr id="3" name="Content Placeholder 2"/>
+          <p:cNvSpPr>
+            <a:spLocks noGrp="1"/>
+          </p:cNvSpPr>
+          <p:nvPr>
+            <p:ph idx="1"/>
+          </p:nvPr>
+        </p:nvSpPr>
+        <p:spPr>
+          <a:solidFill>
+            <a:srgbClr val="CCD1D9"/>
+          </a:solidFill>
+          <a:ln>
+            <a:solidFill>
+              <a:srgbClr val="292934"/>
+            </a:solidFill>
+          </a:ln>
+        </p:spPr>
+        <p:txBody>
+          <a:bodyPr>
+            <a:normAutofit fontScale="62500" lnSpcReduction="20000"/>
+          </a:bodyPr>
+          <a:lstStyle/>
+          <a:p>
+            <a:pPr marL="0" indent="0">
+              <a:buNone/>
+            </a:pPr>
+            <a:r>
+              <a:rPr lang="en-US" b="1" dirty="0" smtClean="0">
+                <a:latin typeface="Consolas"/>
+                <a:cs typeface="Consolas"/>
+              </a:rPr>
+              <a:t>#</a:t>
+            </a:r>
+            <a:r>
+              <a:rPr lang="en-US" b="1" dirty="0">
+                <a:latin typeface="Consolas"/>
+                <a:cs typeface="Consolas"/>
+              </a:rPr>
+              <a:t>include </a:t>
+            </a:r>
+            <a:r>
+              <a:rPr lang="en-US" dirty="0" smtClean="0">
+                <a:latin typeface="Consolas"/>
+                <a:cs typeface="Consolas"/>
+              </a:rPr>
+              <a:t>“</a:t>
+            </a:r>
+            <a:r>
+              <a:rPr lang="en-US" dirty="0" err="1" smtClean="0">
+                <a:latin typeface="Consolas"/>
+                <a:cs typeface="Consolas"/>
+              </a:rPr>
+              <a:t>arr.decl.h</a:t>
+            </a:r>
+            <a:r>
+              <a:rPr lang="en-US" dirty="0" smtClean="0">
+                <a:latin typeface="Consolas"/>
+                <a:cs typeface="Consolas"/>
+              </a:rPr>
+              <a:t>”</a:t>
+            </a:r>
+          </a:p>
+          <a:p>
+            <a:pPr marL="0" indent="0">
+              <a:buNone/>
+            </a:pPr>
+            <a:endParaRPr lang="en-US" dirty="0">
+              <a:latin typeface="Consolas"/>
+              <a:cs typeface="Consolas"/>
+            </a:endParaRPr>
+          </a:p>
+          <a:p>
+            <a:pPr marL="0" indent="0">
+              <a:buNone/>
+            </a:pPr>
+            <a:r>
+              <a:rPr lang="en-US" b="1" dirty="0" err="1">
+                <a:latin typeface="Consolas"/>
+                <a:cs typeface="Consolas"/>
+              </a:rPr>
+              <a:t>struct</a:t>
+            </a:r>
+            <a:r>
+              <a:rPr lang="en-US" b="1" dirty="0">
+                <a:latin typeface="Consolas"/>
+                <a:cs typeface="Consolas"/>
+              </a:rPr>
+              <a:t> </a:t>
+            </a:r>
+            <a:r>
+              <a:rPr lang="en-US" dirty="0">
+                <a:latin typeface="Consolas"/>
+                <a:cs typeface="Consolas"/>
+              </a:rPr>
+              <a:t>Main : </a:t>
+            </a:r>
+            <a:r>
+              <a:rPr lang="en-US" dirty="0" err="1" smtClean="0">
+                <a:latin typeface="Consolas"/>
+                <a:cs typeface="Consolas"/>
+              </a:rPr>
+              <a:t>CBase_Main</a:t>
+            </a:r>
+            <a:r>
+              <a:rPr lang="en-US" dirty="0" smtClean="0">
+                <a:latin typeface="Consolas"/>
+                <a:cs typeface="Consolas"/>
+              </a:rPr>
+              <a:t> </a:t>
+            </a:r>
+            <a:r>
+              <a:rPr lang="en-US" dirty="0">
+                <a:latin typeface="Consolas"/>
+                <a:cs typeface="Consolas"/>
+              </a:rPr>
+              <a:t>{ </a:t>
+            </a:r>
+            <a:endParaRPr lang="en-US" dirty="0" smtClean="0">
+              <a:latin typeface="Consolas"/>
+              <a:cs typeface="Consolas"/>
+            </a:endParaRPr>
+          </a:p>
+          <a:p>
+            <a:pPr marL="0" indent="0">
+              <a:buNone/>
+            </a:pPr>
+            <a:r>
+              <a:rPr lang="en-US" dirty="0">
+                <a:latin typeface="Consolas"/>
+                <a:cs typeface="Consolas"/>
+              </a:rPr>
+              <a:t> </a:t>
+            </a:r>
+            <a:r>
+              <a:rPr lang="en-US" dirty="0" smtClean="0">
+                <a:latin typeface="Consolas"/>
+                <a:cs typeface="Consolas"/>
+              </a:rPr>
+              <a:t>  Main</a:t>
+            </a:r>
+            <a:r>
+              <a:rPr lang="en-US" dirty="0">
+                <a:latin typeface="Consolas"/>
+                <a:cs typeface="Consolas"/>
+              </a:rPr>
+              <a:t>(</a:t>
+            </a:r>
+            <a:r>
+              <a:rPr lang="en-US" dirty="0" err="1">
+                <a:latin typeface="Consolas"/>
+                <a:cs typeface="Consolas"/>
+              </a:rPr>
+              <a:t>CkArgMsg</a:t>
+            </a:r>
+            <a:r>
+              <a:rPr lang="en-US" dirty="0">
+                <a:latin typeface="Consolas"/>
+                <a:cs typeface="Consolas"/>
+              </a:rPr>
+              <a:t>∗ </a:t>
+            </a:r>
+            <a:r>
+              <a:rPr lang="en-US" dirty="0" err="1">
+                <a:latin typeface="Consolas"/>
+                <a:cs typeface="Consolas"/>
+              </a:rPr>
+              <a:t>msg</a:t>
+            </a:r>
+            <a:r>
+              <a:rPr lang="en-US" dirty="0">
+                <a:latin typeface="Consolas"/>
+                <a:cs typeface="Consolas"/>
+              </a:rPr>
+              <a:t>) {</a:t>
+            </a:r>
+          </a:p>
+          <a:p>
+            <a:pPr marL="0" indent="0">
+              <a:buNone/>
+            </a:pPr>
+            <a:r>
+              <a:rPr lang="en-US" dirty="0" smtClean="0">
+                <a:latin typeface="Consolas"/>
+                <a:cs typeface="Consolas"/>
+              </a:rPr>
+              <a:t>      </a:t>
+            </a:r>
+            <a:r>
+              <a:rPr lang="en-US" b="1" dirty="0" err="1" smtClean="0">
+                <a:latin typeface="Consolas"/>
+                <a:cs typeface="Consolas"/>
+              </a:rPr>
+              <a:t>int</a:t>
+            </a:r>
+            <a:r>
+              <a:rPr lang="en-US" b="1" dirty="0" smtClean="0">
+                <a:latin typeface="Consolas"/>
+                <a:cs typeface="Consolas"/>
+              </a:rPr>
+              <a:t> </a:t>
+            </a:r>
+            <a:r>
+              <a:rPr lang="en-US" dirty="0" err="1">
+                <a:latin typeface="Consolas"/>
+                <a:cs typeface="Consolas"/>
+              </a:rPr>
+              <a:t>arraySize</a:t>
+            </a:r>
+            <a:r>
+              <a:rPr lang="en-US" dirty="0">
+                <a:latin typeface="Consolas"/>
+                <a:cs typeface="Consolas"/>
+              </a:rPr>
+              <a:t> = </a:t>
+            </a:r>
+            <a:r>
+              <a:rPr lang="en-US" dirty="0" err="1">
+                <a:latin typeface="Consolas"/>
+                <a:cs typeface="Consolas"/>
+              </a:rPr>
+              <a:t>atoi</a:t>
+            </a:r>
+            <a:r>
+              <a:rPr lang="en-US" dirty="0">
+                <a:latin typeface="Consolas"/>
+                <a:cs typeface="Consolas"/>
+              </a:rPr>
+              <a:t>(</a:t>
+            </a:r>
+            <a:r>
+              <a:rPr lang="en-US" dirty="0" err="1" smtClean="0">
+                <a:latin typeface="Consolas"/>
+                <a:cs typeface="Consolas"/>
+              </a:rPr>
+              <a:t>msg</a:t>
+            </a:r>
+            <a:r>
+              <a:rPr lang="en-US" dirty="0" smtClean="0">
+                <a:latin typeface="Consolas"/>
+                <a:cs typeface="Consolas"/>
+              </a:rPr>
+              <a:t>-&gt;</a:t>
+            </a:r>
+            <a:r>
+              <a:rPr lang="en-US" dirty="0" err="1" smtClean="0">
+                <a:latin typeface="Consolas"/>
+                <a:cs typeface="Consolas"/>
+              </a:rPr>
+              <a:t>argv</a:t>
+            </a:r>
+            <a:r>
+              <a:rPr lang="en-US" dirty="0" smtClean="0">
+                <a:latin typeface="Consolas"/>
+                <a:cs typeface="Consolas"/>
+              </a:rPr>
+              <a:t>[1]);</a:t>
+            </a:r>
+          </a:p>
+          <a:p>
+            <a:pPr marL="0" indent="0">
+              <a:buNone/>
+            </a:pPr>
+            <a:r>
+              <a:rPr lang="en-US" dirty="0">
+                <a:latin typeface="Consolas"/>
+                <a:cs typeface="Consolas"/>
+              </a:rPr>
+              <a:t> </a:t>
+            </a:r>
+            <a:r>
+              <a:rPr lang="en-US" dirty="0" smtClean="0">
+                <a:latin typeface="Consolas"/>
+                <a:cs typeface="Consolas"/>
+              </a:rPr>
+              <a:t>     </a:t>
+            </a:r>
+            <a:r>
+              <a:rPr lang="en-US" dirty="0" err="1" smtClean="0">
+                <a:latin typeface="Consolas"/>
+                <a:cs typeface="Consolas"/>
+              </a:rPr>
+              <a:t>CProxy_hello</a:t>
+            </a:r>
+            <a:r>
+              <a:rPr lang="en-US" dirty="0" smtClean="0">
+                <a:latin typeface="Consolas"/>
+                <a:cs typeface="Consolas"/>
+              </a:rPr>
+              <a:t> p = </a:t>
+            </a:r>
+            <a:r>
+              <a:rPr lang="en-US" dirty="0" err="1" smtClean="0">
+                <a:latin typeface="Consolas"/>
+                <a:cs typeface="Consolas"/>
+              </a:rPr>
+              <a:t>CProxy_hello</a:t>
+            </a:r>
+            <a:r>
+              <a:rPr lang="en-US" dirty="0" smtClean="0">
+                <a:latin typeface="Consolas"/>
+                <a:cs typeface="Consolas"/>
+              </a:rPr>
+              <a:t>::</a:t>
+            </a:r>
+            <a:r>
+              <a:rPr lang="en-US" dirty="0" err="1" smtClean="0">
+                <a:latin typeface="Consolas"/>
+                <a:cs typeface="Consolas"/>
+              </a:rPr>
+              <a:t>ckNew</a:t>
+            </a:r>
+            <a:r>
+              <a:rPr lang="en-US" dirty="0" smtClean="0">
+                <a:latin typeface="Consolas"/>
+                <a:cs typeface="Consolas"/>
+              </a:rPr>
+              <a:t>(</a:t>
+            </a:r>
+            <a:r>
+              <a:rPr lang="en-US" dirty="0" err="1" smtClean="0">
+                <a:latin typeface="Consolas"/>
+                <a:cs typeface="Consolas"/>
+              </a:rPr>
+              <a:t>arraySize</a:t>
+            </a:r>
+            <a:r>
+              <a:rPr lang="en-US" dirty="0" smtClean="0">
+                <a:latin typeface="Consolas"/>
+                <a:cs typeface="Consolas"/>
+              </a:rPr>
+              <a:t>);</a:t>
+            </a:r>
+          </a:p>
+          <a:p>
+            <a:pPr marL="0" indent="0">
+              <a:buNone/>
+            </a:pPr>
+            <a:r>
+              <a:rPr lang="en-US" dirty="0">
+                <a:latin typeface="Consolas"/>
+                <a:cs typeface="Consolas"/>
+              </a:rPr>
+              <a:t> </a:t>
+            </a:r>
+            <a:r>
+              <a:rPr lang="en-US" dirty="0" smtClean="0">
+                <a:latin typeface="Consolas"/>
+                <a:cs typeface="Consolas"/>
+              </a:rPr>
+              <a:t>     p[0].</a:t>
+            </a:r>
+            <a:r>
+              <a:rPr lang="en-US" dirty="0" err="1" smtClean="0">
+                <a:latin typeface="Consolas"/>
+                <a:cs typeface="Consolas"/>
+              </a:rPr>
+              <a:t>printHello</a:t>
+            </a:r>
+            <a:r>
+              <a:rPr lang="en-US" dirty="0" smtClean="0">
+                <a:latin typeface="Consolas"/>
+                <a:cs typeface="Consolas"/>
+              </a:rPr>
+              <a:t>();</a:t>
+            </a:r>
+          </a:p>
+          <a:p>
+            <a:pPr marL="0" indent="0">
+              <a:buNone/>
+            </a:pPr>
+            <a:r>
+              <a:rPr lang="en-US" dirty="0">
+                <a:latin typeface="Consolas"/>
+                <a:cs typeface="Consolas"/>
+              </a:rPr>
+              <a:t> </a:t>
+            </a:r>
+            <a:r>
+              <a:rPr lang="en-US" dirty="0" smtClean="0">
+                <a:latin typeface="Consolas"/>
+                <a:cs typeface="Consolas"/>
+              </a:rPr>
+              <a:t>  }</a:t>
+            </a:r>
+          </a:p>
+          <a:p>
+            <a:pPr marL="0" indent="0">
+              <a:buNone/>
+            </a:pPr>
+            <a:r>
+              <a:rPr lang="en-US" dirty="0" smtClean="0">
+                <a:latin typeface="Consolas"/>
+                <a:cs typeface="Consolas"/>
+              </a:rPr>
+              <a:t>};</a:t>
+            </a:r>
+          </a:p>
+          <a:p>
+            <a:pPr marL="0" indent="0">
+              <a:buNone/>
+            </a:pPr>
+            <a:endParaRPr lang="en-US" dirty="0">
+              <a:latin typeface="Consolas"/>
+              <a:cs typeface="Consolas"/>
+            </a:endParaRPr>
+          </a:p>
+          <a:p>
+            <a:pPr marL="0" indent="0">
+              <a:buNone/>
+            </a:pPr>
+            <a:r>
+              <a:rPr lang="en-US" b="1" dirty="0" err="1" smtClean="0">
+                <a:latin typeface="Consolas"/>
+                <a:cs typeface="Consolas"/>
+              </a:rPr>
+              <a:t>struct</a:t>
+            </a:r>
+            <a:r>
+              <a:rPr lang="en-US" dirty="0" smtClean="0">
+                <a:latin typeface="Consolas"/>
+                <a:cs typeface="Consolas"/>
+              </a:rPr>
+              <a:t> hello : </a:t>
+            </a:r>
+            <a:r>
+              <a:rPr lang="en-US" dirty="0" err="1" smtClean="0">
+                <a:latin typeface="Consolas"/>
+                <a:cs typeface="Consolas"/>
+              </a:rPr>
+              <a:t>CBase_hello</a:t>
+            </a:r>
+            <a:r>
+              <a:rPr lang="en-US" dirty="0" smtClean="0">
+                <a:latin typeface="Consolas"/>
+                <a:cs typeface="Consolas"/>
+              </a:rPr>
+              <a:t> {</a:t>
+            </a:r>
+          </a:p>
+          <a:p>
+            <a:pPr marL="0" indent="0">
+              <a:buNone/>
+            </a:pPr>
+            <a:r>
+              <a:rPr lang="en-US" b="1" dirty="0">
+                <a:latin typeface="Consolas"/>
+                <a:cs typeface="Consolas"/>
+              </a:rPr>
+              <a:t> </a:t>
+            </a:r>
+            <a:r>
+              <a:rPr lang="en-US" b="1" dirty="0" smtClean="0">
+                <a:latin typeface="Consolas"/>
+                <a:cs typeface="Consolas"/>
+              </a:rPr>
+              <a:t>  </a:t>
+            </a:r>
+            <a:r>
+              <a:rPr lang="en-US" dirty="0" smtClean="0">
+                <a:latin typeface="Consolas"/>
+                <a:cs typeface="Consolas"/>
+              </a:rPr>
+              <a:t>hello(</a:t>
+            </a:r>
+            <a:r>
+              <a:rPr lang="en-US" b="1" dirty="0" err="1" smtClean="0">
+                <a:latin typeface="Consolas"/>
+                <a:cs typeface="Consolas"/>
+              </a:rPr>
+              <a:t>int</a:t>
+            </a:r>
+            <a:r>
+              <a:rPr lang="en-US" dirty="0" smtClean="0">
+                <a:latin typeface="Consolas"/>
+                <a:cs typeface="Consolas"/>
+              </a:rPr>
+              <a:t> n) : </a:t>
+            </a:r>
+            <a:r>
+              <a:rPr lang="en-US" dirty="0" err="1" smtClean="0">
+                <a:latin typeface="Consolas"/>
+                <a:cs typeface="Consolas"/>
+              </a:rPr>
+              <a:t>arraySize</a:t>
+            </a:r>
+            <a:r>
+              <a:rPr lang="en-US" dirty="0" smtClean="0">
+                <a:latin typeface="Consolas"/>
+                <a:cs typeface="Consolas"/>
+              </a:rPr>
+              <a:t>(n) { }</a:t>
+            </a:r>
+          </a:p>
+          <a:p>
+            <a:pPr marL="0" indent="0">
+              <a:buNone/>
+            </a:pPr>
+            <a:r>
+              <a:rPr lang="en-US" dirty="0">
+                <a:latin typeface="Consolas"/>
+                <a:cs typeface="Consolas"/>
+              </a:rPr>
+              <a:t> </a:t>
+            </a:r>
+            <a:r>
+              <a:rPr lang="en-US" dirty="0" smtClean="0">
+                <a:latin typeface="Consolas"/>
+                <a:cs typeface="Consolas"/>
+              </a:rPr>
+              <a:t>  hello(</a:t>
+            </a:r>
+            <a:r>
+              <a:rPr lang="en-US" dirty="0" err="1" smtClean="0">
+                <a:latin typeface="Consolas"/>
+                <a:cs typeface="Consolas"/>
+              </a:rPr>
+              <a:t>CkMigrateMessage</a:t>
+            </a:r>
+            <a:r>
+              <a:rPr lang="en-US" dirty="0" smtClean="0">
+                <a:latin typeface="Consolas"/>
+                <a:cs typeface="Consolas"/>
+              </a:rPr>
+              <a:t>*) { }</a:t>
+            </a:r>
+          </a:p>
+          <a:p>
+            <a:pPr marL="0" indent="0">
+              <a:buNone/>
+            </a:pPr>
+            <a:r>
+              <a:rPr lang="en-US" dirty="0">
+                <a:latin typeface="Consolas"/>
+                <a:cs typeface="Consolas"/>
+              </a:rPr>
+              <a:t> </a:t>
+            </a:r>
+            <a:r>
+              <a:rPr lang="en-US" dirty="0" smtClean="0">
+                <a:latin typeface="Consolas"/>
+                <a:cs typeface="Consolas"/>
+              </a:rPr>
+              <a:t>  </a:t>
+            </a:r>
+            <a:r>
+              <a:rPr lang="en-US" b="1" dirty="0" smtClean="0">
+                <a:latin typeface="Consolas"/>
+                <a:cs typeface="Consolas"/>
+              </a:rPr>
+              <a:t>void</a:t>
+            </a:r>
+            <a:r>
+              <a:rPr lang="en-US" dirty="0" smtClean="0">
+                <a:latin typeface="Consolas"/>
+                <a:cs typeface="Consolas"/>
+              </a:rPr>
+              <a:t> </a:t>
+            </a:r>
+            <a:r>
+              <a:rPr lang="en-US" dirty="0" err="1" smtClean="0">
+                <a:latin typeface="Consolas"/>
+                <a:cs typeface="Consolas"/>
+              </a:rPr>
+              <a:t>printHello</a:t>
+            </a:r>
+            <a:r>
+              <a:rPr lang="en-US" dirty="0" smtClean="0">
+                <a:latin typeface="Consolas"/>
+                <a:cs typeface="Consolas"/>
+              </a:rPr>
+              <a:t>() {</a:t>
+            </a:r>
+          </a:p>
+          <a:p>
+            <a:pPr marL="0" indent="0">
+              <a:buNone/>
+            </a:pPr>
+            <a:r>
+              <a:rPr lang="en-US" dirty="0">
+                <a:latin typeface="Consolas"/>
+                <a:cs typeface="Consolas"/>
+              </a:rPr>
+              <a:t> </a:t>
+            </a:r>
+            <a:r>
+              <a:rPr lang="en-US" dirty="0" smtClean="0">
+                <a:latin typeface="Consolas"/>
+                <a:cs typeface="Consolas"/>
+              </a:rPr>
+              <a:t>     </a:t>
+            </a:r>
+            <a:r>
+              <a:rPr lang="en-US" dirty="0" err="1" smtClean="0">
+                <a:latin typeface="Consolas"/>
+                <a:cs typeface="Consolas"/>
+              </a:rPr>
+              <a:t>CkPrintf</a:t>
+            </a:r>
+            <a:r>
+              <a:rPr lang="en-US" dirty="0" smtClean="0">
+                <a:latin typeface="Consolas"/>
+                <a:cs typeface="Consolas"/>
+              </a:rPr>
+              <a:t>(“PE[%d]: hello from p[%d]\n”, </a:t>
+            </a:r>
+            <a:r>
+              <a:rPr lang="en-US" dirty="0" err="1" smtClean="0">
+                <a:latin typeface="Consolas"/>
+                <a:cs typeface="Consolas"/>
+              </a:rPr>
+              <a:t>CkMyPe</a:t>
+            </a:r>
+            <a:r>
+              <a:rPr lang="en-US" dirty="0" smtClean="0">
+                <a:latin typeface="Consolas"/>
+                <a:cs typeface="Consolas"/>
+              </a:rPr>
+              <a:t>(), </a:t>
+            </a:r>
+            <a:r>
+              <a:rPr lang="en-US" dirty="0" err="1" smtClean="0">
+                <a:latin typeface="Consolas"/>
+                <a:cs typeface="Consolas"/>
+              </a:rPr>
+              <a:t>thisIndex</a:t>
+            </a:r>
+            <a:r>
+              <a:rPr lang="en-US" dirty="0" smtClean="0">
+                <a:latin typeface="Consolas"/>
+                <a:cs typeface="Consolas"/>
+              </a:rPr>
+              <a:t>);</a:t>
+            </a:r>
+          </a:p>
+          <a:p>
+            <a:pPr marL="0" indent="0">
+              <a:buNone/>
+            </a:pPr>
+            <a:r>
+              <a:rPr lang="en-US" dirty="0">
+                <a:latin typeface="Consolas"/>
+                <a:cs typeface="Consolas"/>
+              </a:rPr>
+              <a:t> </a:t>
+            </a:r>
+            <a:r>
+              <a:rPr lang="en-US" dirty="0" smtClean="0">
+                <a:latin typeface="Consolas"/>
+                <a:cs typeface="Consolas"/>
+              </a:rPr>
+              <a:t>     </a:t>
+            </a:r>
+            <a:r>
+              <a:rPr lang="en-US" b="1" dirty="0" smtClean="0">
+                <a:latin typeface="Consolas"/>
+                <a:cs typeface="Consolas"/>
+              </a:rPr>
+              <a:t>if</a:t>
+            </a:r>
+            <a:r>
+              <a:rPr lang="en-US" dirty="0" smtClean="0">
+                <a:latin typeface="Consolas"/>
+                <a:cs typeface="Consolas"/>
+              </a:rPr>
+              <a:t> (</a:t>
+            </a:r>
+            <a:r>
+              <a:rPr lang="en-US" dirty="0" err="1" smtClean="0">
+                <a:latin typeface="Consolas"/>
+                <a:cs typeface="Consolas"/>
+              </a:rPr>
+              <a:t>thisIndex</a:t>
+            </a:r>
+            <a:r>
+              <a:rPr lang="en-US" dirty="0" smtClean="0">
+                <a:latin typeface="Consolas"/>
+                <a:cs typeface="Consolas"/>
+              </a:rPr>
+              <a:t> == </a:t>
+            </a:r>
+            <a:r>
+              <a:rPr lang="en-US" dirty="0" err="1" smtClean="0">
+                <a:latin typeface="Consolas"/>
+                <a:cs typeface="Consolas"/>
+              </a:rPr>
+              <a:t>arraySize</a:t>
+            </a:r>
+            <a:r>
+              <a:rPr lang="en-US" dirty="0" smtClean="0">
+                <a:latin typeface="Consolas"/>
+                <a:cs typeface="Consolas"/>
+              </a:rPr>
+              <a:t> – 1) </a:t>
+            </a:r>
+            <a:r>
+              <a:rPr lang="en-US" dirty="0" err="1" smtClean="0">
+                <a:latin typeface="Consolas"/>
+                <a:cs typeface="Consolas"/>
+              </a:rPr>
+              <a:t>CkExit</a:t>
+            </a:r>
+            <a:r>
+              <a:rPr lang="en-US" dirty="0" smtClean="0">
+                <a:latin typeface="Consolas"/>
+                <a:cs typeface="Consolas"/>
+              </a:rPr>
+              <a:t>();</a:t>
+            </a:r>
+          </a:p>
+          <a:p>
+            <a:pPr marL="0" indent="0">
+              <a:buNone/>
+            </a:pPr>
+            <a:r>
+              <a:rPr lang="en-US" dirty="0">
+                <a:latin typeface="Consolas"/>
+                <a:cs typeface="Consolas"/>
+              </a:rPr>
+              <a:t> </a:t>
+            </a:r>
+            <a:r>
+              <a:rPr lang="en-US" dirty="0" smtClean="0">
+                <a:latin typeface="Consolas"/>
+                <a:cs typeface="Consolas"/>
+              </a:rPr>
+              <a:t>     </a:t>
+            </a:r>
+            <a:r>
+              <a:rPr lang="en-US" b="1" dirty="0" smtClean="0">
+                <a:latin typeface="Consolas"/>
+                <a:cs typeface="Consolas"/>
+              </a:rPr>
+              <a:t>else</a:t>
+            </a:r>
+            <a:r>
+              <a:rPr lang="en-US" dirty="0" smtClean="0">
+                <a:latin typeface="Consolas"/>
+                <a:cs typeface="Consolas"/>
+              </a:rPr>
+              <a:t> </a:t>
+            </a:r>
+            <a:r>
+              <a:rPr lang="en-US" dirty="0" err="1" smtClean="0">
+                <a:latin typeface="Consolas"/>
+                <a:cs typeface="Consolas"/>
+              </a:rPr>
+              <a:t>thisProxy</a:t>
+            </a:r>
+            <a:r>
+              <a:rPr lang="en-US" dirty="0" smtClean="0">
+                <a:latin typeface="Consolas"/>
+                <a:cs typeface="Consolas"/>
+              </a:rPr>
+              <a:t>[</a:t>
+            </a:r>
+            <a:r>
+              <a:rPr lang="en-US" dirty="0" err="1" smtClean="0">
+                <a:latin typeface="Consolas"/>
+                <a:cs typeface="Consolas"/>
+              </a:rPr>
+              <a:t>thisIndex</a:t>
+            </a:r>
+            <a:r>
+              <a:rPr lang="en-US" dirty="0" smtClean="0">
+                <a:latin typeface="Consolas"/>
+                <a:cs typeface="Consolas"/>
+              </a:rPr>
+              <a:t> + 1].</a:t>
+            </a:r>
+            <a:r>
+              <a:rPr lang="en-US" dirty="0" err="1" smtClean="0">
+                <a:latin typeface="Consolas"/>
+                <a:cs typeface="Consolas"/>
+              </a:rPr>
+              <a:t>printHello</a:t>
+            </a:r>
+            <a:r>
+              <a:rPr lang="en-US" dirty="0" smtClean="0">
+                <a:latin typeface="Consolas"/>
+                <a:cs typeface="Consolas"/>
+              </a:rPr>
+              <a:t>();</a:t>
+            </a:r>
+          </a:p>
+          <a:p>
+            <a:pPr marL="0" indent="0">
+              <a:buNone/>
+            </a:pPr>
+            <a:r>
+              <a:rPr lang="en-US" dirty="0">
+                <a:latin typeface="Consolas"/>
+                <a:cs typeface="Consolas"/>
+              </a:rPr>
+              <a:t> </a:t>
+            </a:r>
+            <a:r>
+              <a:rPr lang="en-US" dirty="0" smtClean="0">
+                <a:latin typeface="Consolas"/>
+                <a:cs typeface="Consolas"/>
+              </a:rPr>
+              <a:t>  }</a:t>
+            </a:r>
+          </a:p>
+          <a:p>
+            <a:pPr marL="0" indent="0">
+              <a:buNone/>
+            </a:pPr>
+            <a:r>
+              <a:rPr lang="en-US" dirty="0">
+                <a:latin typeface="Consolas"/>
+                <a:cs typeface="Consolas"/>
+              </a:rPr>
+              <a:t> </a:t>
+            </a:r>
+            <a:r>
+              <a:rPr lang="en-US" dirty="0" smtClean="0">
+                <a:latin typeface="Consolas"/>
+                <a:cs typeface="Consolas"/>
+              </a:rPr>
+              <a:t>  </a:t>
+            </a:r>
+            <a:r>
+              <a:rPr lang="en-US" b="1" dirty="0" smtClean="0">
+                <a:latin typeface="Consolas"/>
+                <a:cs typeface="Consolas"/>
+              </a:rPr>
+              <a:t>private</a:t>
+            </a:r>
+            <a:r>
+              <a:rPr lang="en-US" dirty="0" smtClean="0">
+                <a:latin typeface="Consolas"/>
+                <a:cs typeface="Consolas"/>
+              </a:rPr>
+              <a:t>:</a:t>
+            </a:r>
+          </a:p>
+          <a:p>
+            <a:pPr marL="0" indent="0">
+              <a:buNone/>
+            </a:pPr>
+            <a:r>
+              <a:rPr lang="en-US" dirty="0">
+                <a:latin typeface="Consolas"/>
+                <a:cs typeface="Consolas"/>
+              </a:rPr>
+              <a:t> </a:t>
+            </a:r>
+            <a:r>
+              <a:rPr lang="en-US" dirty="0" smtClean="0">
+                <a:latin typeface="Consolas"/>
+                <a:cs typeface="Consolas"/>
+              </a:rPr>
+              <a:t>  </a:t>
+            </a:r>
+            <a:r>
+              <a:rPr lang="en-US" b="1" dirty="0" err="1" smtClean="0">
+                <a:latin typeface="Consolas"/>
+                <a:cs typeface="Consolas"/>
+              </a:rPr>
+              <a:t>int</a:t>
+            </a:r>
+            <a:r>
+              <a:rPr lang="en-US" dirty="0" smtClean="0">
+                <a:latin typeface="Consolas"/>
+                <a:cs typeface="Consolas"/>
+              </a:rPr>
+              <a:t> </a:t>
+            </a:r>
+            <a:r>
+              <a:rPr lang="en-US" dirty="0" err="1" smtClean="0">
+                <a:latin typeface="Consolas"/>
+                <a:cs typeface="Consolas"/>
+              </a:rPr>
+              <a:t>arraySize</a:t>
+            </a:r>
+            <a:r>
+              <a:rPr lang="en-US" dirty="0" smtClean="0">
+                <a:latin typeface="Consolas"/>
+                <a:cs typeface="Consolas"/>
+              </a:rPr>
+              <a:t>;</a:t>
+            </a:r>
+          </a:p>
+          <a:p>
+            <a:pPr marL="0" indent="0">
+              <a:buNone/>
+            </a:pPr>
+            <a:r>
+              <a:rPr lang="en-US" dirty="0" smtClean="0">
+                <a:latin typeface="Consolas"/>
+                <a:cs typeface="Consolas"/>
+              </a:rPr>
+              <a:t>};</a:t>
+            </a:r>
+          </a:p>
+          <a:p>
+            <a:pPr marL="0" indent="0">
+              <a:buNone/>
+            </a:pPr>
+            <a:endParaRPr lang="en-US" dirty="0">
+              <a:latin typeface="Consolas"/>
+              <a:cs typeface="Consolas"/>
+            </a:endParaRPr>
+          </a:p>
+          <a:p>
+            <a:pPr marL="0" indent="0">
+              <a:buNone/>
+            </a:pPr>
+            <a:r>
+              <a:rPr lang="en-US" b="1" dirty="0" smtClean="0">
+                <a:latin typeface="Consolas"/>
+                <a:cs typeface="Consolas"/>
+              </a:rPr>
+              <a:t>#include</a:t>
+            </a:r>
+            <a:r>
+              <a:rPr lang="en-US" dirty="0" smtClean="0">
+                <a:latin typeface="Consolas"/>
+                <a:cs typeface="Consolas"/>
+              </a:rPr>
+              <a:t> “</a:t>
+            </a:r>
+            <a:r>
+              <a:rPr lang="en-US" dirty="0" err="1" smtClean="0">
+                <a:latin typeface="Consolas"/>
+                <a:cs typeface="Consolas"/>
+              </a:rPr>
+              <a:t>arr.def.h</a:t>
+            </a:r>
+            <a:r>
+              <a:rPr lang="en-US" dirty="0" smtClean="0">
+                <a:latin typeface="Consolas"/>
+                <a:cs typeface="Consolas"/>
+              </a:rPr>
+              <a:t>”</a:t>
+            </a:r>
+            <a:endParaRPr lang="en-US" b="1" dirty="0" smtClean="0">
+              <a:latin typeface="Consolas"/>
+              <a:cs typeface="Consolas"/>
+            </a:endParaRPr>
+          </a:p>
+        </p:txBody>
+      </p:sp>
+      <p:sp>
+        <p:nvSpPr>
+          <p:cNvPr id="4" name="Date Placeholder 3"/>
+          <p:cNvSpPr>
+            <a:spLocks noGrp="1"/>
+          </p:cNvSpPr>
+          <p:nvPr>
+            <p:ph type="dt" sz="half" idx="10"/>
+          </p:nvPr>
+        </p:nvSpPr>
+        <p:spPr/>
+        <p:txBody>
+          <a:bodyPr/>
+          <a:lstStyle/>
+          <a:p>
+            <a:fld id="{34621E95-60A9-FF44-9869-513D9D7A859F}" type="datetime2">
+              <a:rPr lang="en-US" smtClean="0"/>
+              <a:t>Wednesday, September 10, 14</a:t>
+            </a:fld>
+            <a:endParaRPr lang="en-US"/>
+          </a:p>
+        </p:txBody>
+      </p:sp>
+      <p:sp>
+        <p:nvSpPr>
+          <p:cNvPr id="5" name="Footer Placeholder 4"/>
+          <p:cNvSpPr>
+            <a:spLocks noGrp="1"/>
+          </p:cNvSpPr>
+          <p:nvPr>
+            <p:ph type="ftr" sz="quarter" idx="11"/>
+          </p:nvPr>
+        </p:nvSpPr>
+        <p:spPr/>
+        <p:txBody>
+          <a:bodyPr/>
+          <a:lstStyle/>
+          <a:p>
+            <a:pPr algn="r"/>
+            <a:r>
+              <a:rPr lang="en-US" smtClean="0"/>
+              <a:t>Sanjay Kalé and PPL (UIUC) – Parallel Migratable Objects </a:t>
+            </a:r>
+            <a:endParaRPr lang="en-US" dirty="0"/>
+          </a:p>
+        </p:txBody>
+      </p:sp>
+      <p:sp>
+        <p:nvSpPr>
+          <p:cNvPr id="6" name="Slide Number Placeholder 5"/>
+          <p:cNvSpPr>
+            <a:spLocks noGrp="1"/>
+          </p:cNvSpPr>
+          <p:nvPr>
+            <p:ph type="sldNum" sz="quarter" idx="12"/>
+          </p:nvPr>
+        </p:nvSpPr>
+        <p:spPr/>
+        <p:txBody>
+          <a:bodyPr/>
+          <a:lstStyle/>
+          <a:p>
+            <a:fld id="{0CFEC368-1D7A-4F81-ABF6-AE0E36BAF64C}" type="slidenum">
+              <a:rPr lang="en-US" smtClean="0"/>
+              <a:pPr/>
+              <a:t>24</a:t>
+            </a:fld>
+            <a:endParaRPr lang="en-US"/>
+          </a:p>
+        </p:txBody>
+      </p:sp>
+    </p:spTree>
+    <p:extLst>
+      <p:ext uri="{BB962C8B-B14F-4D97-AF65-F5344CB8AC3E}">
+        <p14:creationId xmlns:p14="http://schemas.microsoft.com/office/powerpoint/2010/main" val="1569183850"/>
+      </p:ext>
+    </p:extLst>
+  </p:cSld>
+  <p:clrMapOvr>
+    <a:masterClrMapping/>
+  </p:clrMapOvr>
+  <p:timing>
+    <p:tnLst>
+      <p:par>
+        <p:cTn xmlns:p14="http://schemas.microsoft.com/office/powerpoint/2010/main" id="1" dur="indefinite" restart="never" nodeType="tmRoot"/>
+      </p:par>
+    </p:tnLst>
+  </p:timing>
 </p:sld>
 </file>
 
@@ -16747,16 +17184,15 @@
           <a:lstStyle/>
           <a:p>
             <a:r>
-              <a:rPr lang="en-US" dirty="0" err="1"/>
-              <a:t>thisIndex</a:t>
-            </a:r>
-            <a:endParaRPr lang="en-US" dirty="0"/>
-          </a:p>
-        </p:txBody>
-      </p:sp>
-      <p:sp>
-        <p:nvSpPr>
-          <p:cNvPr id="7" name="Date Placeholder 6"/>
+              <a:rPr lang="en-US" dirty="0"/>
+              <a:t>Hello World Array Projections Timeline View</a:t>
+            </a:r>
+          </a:p>
+        </p:txBody>
+      </p:sp>
+      <p:sp>
+        <p:nvSpPr>
+          <p:cNvPr id="9" name="Date Placeholder 8"/>
           <p:cNvSpPr>
             <a:spLocks noGrp="1"/>
           </p:cNvSpPr>
@@ -16769,7 +17205,7 @@
           <a:bodyPr/>
           <a:lstStyle/>
           <a:p>
-            <a:fld id="{939514C7-2A23-9748-992F-12DCDAF6236F}" type="datetime2">
+            <a:fld id="{DF9B12D0-D6C3-584A-99EB-13FA193C843F}" type="datetime2">
               <a:rPr lang="en-US" smtClean="0"/>
               <a:t>Wednesday, September 10, 14</a:t>
             </a:fld>
@@ -16779,7 +17215,7 @@
       </p:sp>
       <p:sp>
         <p:nvSpPr>
-          <p:cNvPr id="8" name="Footer Placeholder 7"/>
+          <p:cNvPr id="10" name="Footer Placeholder 9"/>
           <p:cNvSpPr>
             <a:spLocks noGrp="1"/>
           </p:cNvSpPr>
@@ -16803,7 +17239,7 @@
       </p:sp>
       <p:sp>
         <p:nvSpPr>
-          <p:cNvPr id="9" name="Slide Number Placeholder 8"/>
+          <p:cNvPr id="11" name="Slide Number Placeholder 10"/>
           <p:cNvSpPr>
             <a:spLocks noGrp="1"/>
           </p:cNvSpPr>
@@ -16820,2168 +17256,6 @@
               <a:rPr lang="en-US" smtClean="0"/>
               <a:pPr/>
               <a:t>25</a:t>
-            </a:fld>
-            <a:endParaRPr lang="en-US" dirty="0"/>
-          </a:p>
-        </p:txBody>
-      </p:sp>
-      <p:sp>
-        <p:nvSpPr>
-          <p:cNvPr id="3" name="Content Placeholder 2"/>
-          <p:cNvSpPr>
-            <a:spLocks noGrp="1"/>
-          </p:cNvSpPr>
-          <p:nvPr>
-            <p:ph sz="quarter" idx="13"/>
-          </p:nvPr>
-        </p:nvSpPr>
-        <p:spPr>
-          <a:xfrm>
-            <a:off x="261865" y="1099116"/>
-            <a:ext cx="8615360" cy="1645039"/>
-          </a:xfrm>
-        </p:spPr>
-        <p:txBody>
-          <a:bodyPr>
-            <a:normAutofit fontScale="85000" lnSpcReduction="20000"/>
-          </a:bodyPr>
-          <a:lstStyle/>
-          <a:p>
-            <a:r>
-              <a:rPr lang="en-US" dirty="0"/>
-              <a:t>1d: </a:t>
-            </a:r>
-            <a:r>
-              <a:rPr lang="en-US" dirty="0" err="1" smtClean="0">
-                <a:solidFill>
-                  <a:srgbClr val="292934"/>
-                </a:solidFill>
-                <a:latin typeface="Lucida Console"/>
-                <a:cs typeface="Lucida Console"/>
-              </a:rPr>
-              <a:t>thisIndex</a:t>
-            </a:r>
-            <a:r>
-              <a:rPr lang="en-US" i="1" dirty="0" smtClean="0">
-                <a:solidFill>
-                  <a:srgbClr val="292934"/>
-                </a:solidFill>
-                <a:latin typeface="Lucida Console"/>
-                <a:cs typeface="Lucida Console"/>
-              </a:rPr>
-              <a:t> </a:t>
-            </a:r>
-            <a:r>
-              <a:rPr lang="en-US" dirty="0" smtClean="0"/>
-              <a:t>returns </a:t>
-            </a:r>
-            <a:r>
-              <a:rPr lang="en-US" dirty="0"/>
-              <a:t>the index of the current </a:t>
-            </a:r>
-            <a:r>
-              <a:rPr lang="en-US" dirty="0" err="1"/>
-              <a:t>chare</a:t>
-            </a:r>
-            <a:r>
-              <a:rPr lang="en-US" dirty="0"/>
-              <a:t> array element </a:t>
-            </a:r>
-            <a:endParaRPr lang="en-US" dirty="0" smtClean="0"/>
-          </a:p>
-          <a:p>
-            <a:r>
-              <a:rPr lang="en-US" dirty="0" smtClean="0"/>
-              <a:t>2d</a:t>
-            </a:r>
-            <a:r>
-              <a:rPr lang="en-US" dirty="0"/>
-              <a:t>: </a:t>
-            </a:r>
-            <a:r>
-              <a:rPr lang="en-US" dirty="0" err="1" smtClean="0">
-                <a:latin typeface="Lucida Console"/>
-                <a:cs typeface="Lucida Console"/>
-              </a:rPr>
-              <a:t>thisIndex.x</a:t>
-            </a:r>
-            <a:r>
-              <a:rPr lang="en-US" i="1" dirty="0" smtClean="0"/>
-              <a:t> </a:t>
-            </a:r>
-            <a:r>
-              <a:rPr lang="en-US" dirty="0" smtClean="0"/>
-              <a:t>and </a:t>
-            </a:r>
-            <a:r>
-              <a:rPr lang="en-US" dirty="0" err="1">
-                <a:latin typeface="Lucida Console"/>
-                <a:cs typeface="Lucida Console"/>
-              </a:rPr>
-              <a:t>thisIndex.y</a:t>
-            </a:r>
-            <a:r>
-              <a:rPr lang="en-US" dirty="0"/>
-              <a:t> </a:t>
-            </a:r>
-            <a:r>
-              <a:rPr lang="en-US" dirty="0" smtClean="0"/>
-              <a:t>return </a:t>
-            </a:r>
-            <a:r>
-              <a:rPr lang="en-US" dirty="0"/>
-              <a:t>the indices of </a:t>
-            </a:r>
-            <a:r>
-              <a:rPr lang="en-US" dirty="0" smtClean="0"/>
-              <a:t>the current </a:t>
-            </a:r>
-            <a:r>
-              <a:rPr lang="en-US" dirty="0" err="1"/>
-              <a:t>chare</a:t>
-            </a:r>
-            <a:r>
-              <a:rPr lang="en-US" dirty="0"/>
-              <a:t> array </a:t>
-            </a:r>
-            <a:r>
-              <a:rPr lang="en-US" dirty="0" smtClean="0"/>
-              <a:t>element</a:t>
-            </a:r>
-          </a:p>
-          <a:p>
-            <a:endParaRPr lang="en-US" dirty="0"/>
-          </a:p>
-          <a:p>
-            <a:pPr marL="0" indent="0">
-              <a:buNone/>
-            </a:pPr>
-            <a:r>
-              <a:rPr lang="en-US" dirty="0" smtClean="0">
-                <a:latin typeface="Consolas"/>
-                <a:cs typeface="Consolas"/>
-              </a:rPr>
-              <a:t>.ci </a:t>
-            </a:r>
-            <a:r>
-              <a:rPr lang="en-US" dirty="0" smtClean="0"/>
-              <a:t>file:</a:t>
-            </a:r>
-            <a:endParaRPr lang="en-US" dirty="0"/>
-          </a:p>
-        </p:txBody>
-      </p:sp>
-      <p:sp>
-        <p:nvSpPr>
-          <p:cNvPr id="4" name="Content Placeholder 3"/>
-          <p:cNvSpPr>
-            <a:spLocks noGrp="1"/>
-          </p:cNvSpPr>
-          <p:nvPr>
-            <p:ph sz="quarter" idx="14"/>
-          </p:nvPr>
-        </p:nvSpPr>
-        <p:spPr>
-          <a:xfrm>
-            <a:off x="261865" y="2744155"/>
-            <a:ext cx="8615360" cy="1028412"/>
-          </a:xfrm>
-          <a:solidFill>
-            <a:srgbClr val="CCD1D9"/>
-          </a:solidFill>
-          <a:ln>
-            <a:solidFill>
-              <a:schemeClr val="tx1"/>
-            </a:solidFill>
-          </a:ln>
-        </p:spPr>
-        <p:txBody>
-          <a:bodyPr>
-            <a:normAutofit fontScale="85000" lnSpcReduction="20000"/>
-          </a:bodyPr>
-          <a:lstStyle/>
-          <a:p>
-            <a:pPr marL="0" indent="0">
-              <a:buNone/>
-            </a:pPr>
-            <a:r>
-              <a:rPr lang="en-US" b="1" dirty="0">
-                <a:latin typeface="Consolas"/>
-                <a:cs typeface="Consolas"/>
-              </a:rPr>
-              <a:t>array</a:t>
-            </a:r>
-            <a:r>
-              <a:rPr lang="en-US" dirty="0">
-                <a:latin typeface="Consolas"/>
-                <a:cs typeface="Consolas"/>
-              </a:rPr>
-              <a:t> [1d] foo { </a:t>
-            </a:r>
-            <a:endParaRPr lang="en-US" dirty="0" smtClean="0">
-              <a:latin typeface="Consolas"/>
-              <a:cs typeface="Consolas"/>
-            </a:endParaRPr>
-          </a:p>
-          <a:p>
-            <a:pPr marL="0" indent="0">
-              <a:buNone/>
-            </a:pPr>
-            <a:r>
-              <a:rPr lang="en-US" dirty="0">
-                <a:latin typeface="Consolas"/>
-                <a:cs typeface="Consolas"/>
-              </a:rPr>
-              <a:t> </a:t>
-            </a:r>
-            <a:r>
-              <a:rPr lang="en-US" dirty="0" smtClean="0">
-                <a:latin typeface="Consolas"/>
-                <a:cs typeface="Consolas"/>
-              </a:rPr>
-              <a:t>  </a:t>
-            </a:r>
-            <a:r>
-              <a:rPr lang="en-US" b="1" dirty="0" smtClean="0">
-                <a:latin typeface="Consolas"/>
-                <a:cs typeface="Consolas"/>
-              </a:rPr>
-              <a:t>entry </a:t>
-            </a:r>
-            <a:r>
-              <a:rPr lang="en-US" dirty="0">
-                <a:latin typeface="Consolas"/>
-                <a:cs typeface="Consolas"/>
-              </a:rPr>
-              <a:t>foo();</a:t>
-            </a:r>
-          </a:p>
-          <a:p>
-            <a:pPr marL="0" indent="0">
-              <a:buNone/>
-            </a:pPr>
-            <a:r>
-              <a:rPr lang="en-US" dirty="0" smtClean="0">
-                <a:latin typeface="Consolas"/>
-                <a:cs typeface="Consolas"/>
-              </a:rPr>
-              <a:t>} </a:t>
-            </a:r>
-            <a:endParaRPr lang="en-US" dirty="0">
-              <a:latin typeface="Consolas"/>
-              <a:cs typeface="Consolas"/>
-            </a:endParaRPr>
-          </a:p>
-        </p:txBody>
-      </p:sp>
-      <p:sp>
-        <p:nvSpPr>
-          <p:cNvPr id="5" name="Content Placeholder 4"/>
-          <p:cNvSpPr>
-            <a:spLocks noGrp="1"/>
-          </p:cNvSpPr>
-          <p:nvPr>
-            <p:ph sz="quarter" idx="15"/>
-          </p:nvPr>
-        </p:nvSpPr>
-        <p:spPr>
-          <a:xfrm>
-            <a:off x="261865" y="3772567"/>
-            <a:ext cx="8615360" cy="440341"/>
-          </a:xfrm>
-        </p:spPr>
-        <p:txBody>
-          <a:bodyPr>
-            <a:normAutofit/>
-          </a:bodyPr>
-          <a:lstStyle/>
-          <a:p>
-            <a:pPr marL="0" indent="0">
-              <a:buNone/>
-            </a:pPr>
-            <a:r>
-              <a:rPr lang="en-US" sz="2000" dirty="0" smtClean="0">
-                <a:latin typeface="Consolas"/>
-                <a:cs typeface="Consolas"/>
-              </a:rPr>
-              <a:t>.C </a:t>
-            </a:r>
-            <a:r>
-              <a:rPr lang="en-US" sz="2000" dirty="0" smtClean="0"/>
-              <a:t>file:</a:t>
-            </a:r>
-            <a:endParaRPr lang="en-US" sz="2000" dirty="0"/>
-          </a:p>
-        </p:txBody>
-      </p:sp>
-      <p:sp>
-        <p:nvSpPr>
-          <p:cNvPr id="6" name="Content Placeholder 5"/>
-          <p:cNvSpPr>
-            <a:spLocks noGrp="1"/>
-          </p:cNvSpPr>
-          <p:nvPr>
-            <p:ph sz="quarter" idx="16"/>
-          </p:nvPr>
-        </p:nvSpPr>
-        <p:spPr>
-          <a:xfrm>
-            <a:off x="261865" y="4207539"/>
-            <a:ext cx="8615360" cy="1611816"/>
-          </a:xfrm>
-          <a:solidFill>
-            <a:srgbClr val="CCD1D9"/>
-          </a:solidFill>
-          <a:ln>
-            <a:solidFill>
-              <a:srgbClr val="292934"/>
-            </a:solidFill>
-          </a:ln>
-        </p:spPr>
-        <p:txBody>
-          <a:bodyPr>
-            <a:normAutofit fontScale="85000" lnSpcReduction="20000"/>
-          </a:bodyPr>
-          <a:lstStyle/>
-          <a:p>
-            <a:pPr marL="0" indent="0">
-              <a:buNone/>
-            </a:pPr>
-            <a:r>
-              <a:rPr lang="en-US" b="1" dirty="0" err="1">
-                <a:latin typeface="Consolas"/>
-                <a:cs typeface="Consolas"/>
-              </a:rPr>
-              <a:t>struct</a:t>
-            </a:r>
-            <a:r>
-              <a:rPr lang="en-US" dirty="0">
-                <a:latin typeface="Consolas"/>
-                <a:cs typeface="Consolas"/>
-              </a:rPr>
-              <a:t> foo : </a:t>
-            </a:r>
-            <a:r>
-              <a:rPr lang="en-US" b="1" dirty="0">
-                <a:latin typeface="Consolas"/>
-                <a:cs typeface="Consolas"/>
-              </a:rPr>
-              <a:t>public</a:t>
-            </a:r>
-            <a:r>
-              <a:rPr lang="en-US" dirty="0">
-                <a:latin typeface="Consolas"/>
-                <a:cs typeface="Consolas"/>
-              </a:rPr>
-              <a:t> </a:t>
-            </a:r>
-            <a:r>
-              <a:rPr lang="en-US" dirty="0" err="1" smtClean="0">
-                <a:latin typeface="Consolas"/>
-                <a:cs typeface="Consolas"/>
-              </a:rPr>
-              <a:t>CBase_foo</a:t>
-            </a:r>
-            <a:r>
-              <a:rPr lang="en-US" dirty="0" smtClean="0">
-                <a:latin typeface="Consolas"/>
-                <a:cs typeface="Consolas"/>
-              </a:rPr>
-              <a:t> </a:t>
-            </a:r>
-            <a:r>
-              <a:rPr lang="en-US" dirty="0">
-                <a:latin typeface="Consolas"/>
-                <a:cs typeface="Consolas"/>
-              </a:rPr>
-              <a:t>{ </a:t>
-            </a:r>
-            <a:endParaRPr lang="en-US" dirty="0" smtClean="0">
-              <a:latin typeface="Consolas"/>
-              <a:cs typeface="Consolas"/>
-            </a:endParaRPr>
-          </a:p>
-          <a:p>
-            <a:pPr marL="0" indent="0">
-              <a:buNone/>
-            </a:pPr>
-            <a:r>
-              <a:rPr lang="en-US" dirty="0">
-                <a:latin typeface="Consolas"/>
-                <a:cs typeface="Consolas"/>
-              </a:rPr>
-              <a:t> </a:t>
-            </a:r>
-            <a:r>
-              <a:rPr lang="en-US" dirty="0" smtClean="0">
-                <a:latin typeface="Consolas"/>
-                <a:cs typeface="Consolas"/>
-              </a:rPr>
-              <a:t>  foo</a:t>
-            </a:r>
-            <a:r>
-              <a:rPr lang="en-US" dirty="0">
-                <a:latin typeface="Consolas"/>
-                <a:cs typeface="Consolas"/>
-              </a:rPr>
-              <a:t>() {</a:t>
-            </a:r>
-          </a:p>
-          <a:p>
-            <a:pPr marL="0" indent="0">
-              <a:buNone/>
-            </a:pPr>
-            <a:r>
-              <a:rPr lang="en-US" dirty="0">
-                <a:latin typeface="Consolas"/>
-                <a:cs typeface="Consolas"/>
-              </a:rPr>
-              <a:t> </a:t>
-            </a:r>
-            <a:r>
-              <a:rPr lang="en-US" dirty="0" smtClean="0">
-                <a:latin typeface="Consolas"/>
-                <a:cs typeface="Consolas"/>
-              </a:rPr>
-              <a:t>     </a:t>
-            </a:r>
-            <a:r>
-              <a:rPr lang="en-US" dirty="0" err="1" smtClean="0">
-                <a:latin typeface="Consolas"/>
-                <a:cs typeface="Consolas"/>
-              </a:rPr>
-              <a:t>CkPrintf</a:t>
-            </a:r>
-            <a:r>
-              <a:rPr lang="en-US" dirty="0" smtClean="0">
-                <a:latin typeface="Consolas"/>
-                <a:cs typeface="Consolas"/>
-              </a:rPr>
-              <a:t>(“array </a:t>
-            </a:r>
-            <a:r>
-              <a:rPr lang="en-US" dirty="0">
-                <a:latin typeface="Consolas"/>
-                <a:cs typeface="Consolas"/>
-              </a:rPr>
-              <a:t>index = %d”, </a:t>
-            </a:r>
-            <a:r>
-              <a:rPr lang="en-US" dirty="0" err="1">
-                <a:latin typeface="Consolas"/>
-                <a:cs typeface="Consolas"/>
-              </a:rPr>
-              <a:t>thisIndex</a:t>
-            </a:r>
-            <a:r>
-              <a:rPr lang="en-US" dirty="0">
-                <a:latin typeface="Consolas"/>
-                <a:cs typeface="Consolas"/>
-              </a:rPr>
-              <a:t>);</a:t>
-            </a:r>
-          </a:p>
-          <a:p>
-            <a:pPr marL="0" indent="0">
-              <a:buNone/>
-            </a:pPr>
-            <a:r>
-              <a:rPr lang="en-US" dirty="0" smtClean="0">
-                <a:latin typeface="Consolas"/>
-                <a:cs typeface="Consolas"/>
-              </a:rPr>
-              <a:t>   }</a:t>
-            </a:r>
-            <a:endParaRPr lang="en-US" dirty="0">
-              <a:latin typeface="Consolas"/>
-              <a:cs typeface="Consolas"/>
-            </a:endParaRPr>
-          </a:p>
-          <a:p>
-            <a:pPr marL="0" indent="0">
-              <a:buNone/>
-            </a:pPr>
-            <a:r>
-              <a:rPr lang="en-US" dirty="0">
-                <a:latin typeface="Consolas"/>
-                <a:cs typeface="Consolas"/>
-              </a:rPr>
-              <a:t>};</a:t>
-            </a:r>
-          </a:p>
-        </p:txBody>
-      </p:sp>
-    </p:spTree>
-    <p:extLst>
-      <p:ext uri="{BB962C8B-B14F-4D97-AF65-F5344CB8AC3E}">
-        <p14:creationId xmlns:p14="http://schemas.microsoft.com/office/powerpoint/2010/main" val="3486384682"/>
-      </p:ext>
-    </p:extLst>
-  </p:cSld>
-  <p:clrMapOvr>
-    <a:masterClrMapping/>
-  </p:clrMapOvr>
-</p:sld>
-</file>
-
-<file path=ppt/slides/slide26.xml><?xml version="1.0" encoding="utf-8"?>
-<p:sld xmlns:a="http://schemas.openxmlformats.org/drawingml/2006/main" xmlns:r="http://schemas.openxmlformats.org/officeDocument/2006/relationships" xmlns:p="http://schemas.openxmlformats.org/presentationml/2006/main">
-  <p:cSld>
-    <p:spTree>
-      <p:nvGrpSpPr>
-        <p:cNvPr id="1" name=""/>
-        <p:cNvGrpSpPr/>
-        <p:nvPr/>
-      </p:nvGrpSpPr>
-      <p:grpSpPr>
-        <a:xfrm>
-          <a:off x="0" y="0"/>
-          <a:ext cx="0" cy="0"/>
-          <a:chOff x="0" y="0"/>
-          <a:chExt cx="0" cy="0"/>
-        </a:xfrm>
-      </p:grpSpPr>
-      <p:sp>
-        <p:nvSpPr>
-          <p:cNvPr id="2" name="Title 1"/>
-          <p:cNvSpPr>
-            <a:spLocks noGrp="1"/>
-          </p:cNvSpPr>
-          <p:nvPr>
-            <p:ph type="title"/>
-          </p:nvPr>
-        </p:nvSpPr>
-        <p:spPr/>
-        <p:txBody>
-          <a:bodyPr>
-            <a:normAutofit/>
-          </a:bodyPr>
-          <a:lstStyle/>
-          <a:p>
-            <a:r>
-              <a:rPr lang="en-US" dirty="0" err="1"/>
-              <a:t>Chare</a:t>
-            </a:r>
-            <a:r>
-              <a:rPr lang="en-US" dirty="0"/>
-              <a:t> Array: Hello Example</a:t>
-            </a:r>
-          </a:p>
-        </p:txBody>
-      </p:sp>
-      <p:sp>
-        <p:nvSpPr>
-          <p:cNvPr id="3" name="Content Placeholder 2"/>
-          <p:cNvSpPr>
-            <a:spLocks noGrp="1"/>
-          </p:cNvSpPr>
-          <p:nvPr>
-            <p:ph idx="1"/>
-          </p:nvPr>
-        </p:nvSpPr>
-        <p:spPr>
-          <a:solidFill>
-            <a:schemeClr val="accent5">
-              <a:lumMod val="40000"/>
-              <a:lumOff val="60000"/>
-            </a:schemeClr>
-          </a:solidFill>
-          <a:ln>
-            <a:solidFill>
-              <a:srgbClr val="292934"/>
-            </a:solidFill>
-          </a:ln>
-        </p:spPr>
-        <p:txBody>
-          <a:bodyPr>
-            <a:normAutofit/>
-          </a:bodyPr>
-          <a:lstStyle/>
-          <a:p>
-            <a:pPr marL="0" indent="0">
-              <a:buNone/>
-            </a:pPr>
-            <a:r>
-              <a:rPr lang="en-US" sz="2000" b="1" dirty="0" err="1">
-                <a:latin typeface="Consolas"/>
-                <a:cs typeface="Consolas"/>
-              </a:rPr>
-              <a:t>mainmodule</a:t>
-            </a:r>
-            <a:r>
-              <a:rPr lang="en-US" sz="2000" dirty="0">
-                <a:latin typeface="Consolas"/>
-                <a:cs typeface="Consolas"/>
-              </a:rPr>
-              <a:t> </a:t>
-            </a:r>
-            <a:r>
-              <a:rPr lang="en-US" sz="2000" dirty="0" err="1">
-                <a:latin typeface="Consolas"/>
-                <a:cs typeface="Consolas"/>
-              </a:rPr>
-              <a:t>arr</a:t>
-            </a:r>
-            <a:r>
-              <a:rPr lang="en-US" sz="2000" dirty="0">
-                <a:latin typeface="Consolas"/>
-                <a:cs typeface="Consolas"/>
-              </a:rPr>
-              <a:t> {</a:t>
-            </a:r>
-          </a:p>
-          <a:p>
-            <a:pPr marL="0" indent="0">
-              <a:buNone/>
-            </a:pPr>
-            <a:endParaRPr lang="en-US" sz="2000" dirty="0" smtClean="0">
-              <a:latin typeface="Consolas"/>
-              <a:cs typeface="Consolas"/>
-            </a:endParaRPr>
-          </a:p>
-          <a:p>
-            <a:pPr marL="0" indent="0">
-              <a:buNone/>
-            </a:pPr>
-            <a:r>
-              <a:rPr lang="en-US" sz="2000" dirty="0">
-                <a:latin typeface="Consolas"/>
-                <a:cs typeface="Consolas"/>
-              </a:rPr>
-              <a:t> </a:t>
-            </a:r>
-            <a:r>
-              <a:rPr lang="en-US" sz="2000" dirty="0" smtClean="0">
-                <a:latin typeface="Consolas"/>
-                <a:cs typeface="Consolas"/>
-              </a:rPr>
-              <a:t>  </a:t>
-            </a:r>
-            <a:r>
-              <a:rPr lang="en-US" sz="2000" b="1" dirty="0" err="1" smtClean="0">
-                <a:latin typeface="Consolas"/>
-                <a:cs typeface="Consolas"/>
-              </a:rPr>
-              <a:t>mainchare</a:t>
-            </a:r>
-            <a:r>
-              <a:rPr lang="en-US" sz="2000" b="1" dirty="0" smtClean="0">
-                <a:latin typeface="Consolas"/>
-                <a:cs typeface="Consolas"/>
-              </a:rPr>
-              <a:t> </a:t>
-            </a:r>
-            <a:r>
-              <a:rPr lang="en-US" sz="2000" dirty="0">
-                <a:latin typeface="Consolas"/>
-                <a:cs typeface="Consolas"/>
-              </a:rPr>
-              <a:t>Main {</a:t>
-            </a:r>
-          </a:p>
-          <a:p>
-            <a:pPr marL="0" indent="0">
-              <a:buNone/>
-            </a:pPr>
-            <a:r>
-              <a:rPr lang="en-US" sz="2000" dirty="0" smtClean="0">
-                <a:latin typeface="Consolas"/>
-                <a:cs typeface="Consolas"/>
-              </a:rPr>
-              <a:t>      </a:t>
-            </a:r>
-            <a:r>
-              <a:rPr lang="en-US" sz="2000" b="1" dirty="0" smtClean="0">
-                <a:latin typeface="Consolas"/>
-                <a:cs typeface="Consolas"/>
-              </a:rPr>
-              <a:t>entry</a:t>
-            </a:r>
-            <a:r>
-              <a:rPr lang="en-US" sz="2000" dirty="0" smtClean="0">
-                <a:latin typeface="Consolas"/>
-                <a:cs typeface="Consolas"/>
-              </a:rPr>
-              <a:t> </a:t>
-            </a:r>
-            <a:r>
-              <a:rPr lang="en-US" sz="2000" dirty="0">
-                <a:latin typeface="Consolas"/>
-                <a:cs typeface="Consolas"/>
-              </a:rPr>
-              <a:t>Main(</a:t>
-            </a:r>
-            <a:r>
-              <a:rPr lang="en-US" sz="2000" dirty="0" err="1">
-                <a:latin typeface="Consolas"/>
-                <a:cs typeface="Consolas"/>
-              </a:rPr>
-              <a:t>CkArgMsg</a:t>
-            </a:r>
-            <a:r>
-              <a:rPr lang="en-US" sz="2000" dirty="0">
-                <a:latin typeface="Consolas"/>
-                <a:cs typeface="Consolas"/>
-              </a:rPr>
-              <a:t>∗);</a:t>
-            </a:r>
-          </a:p>
-          <a:p>
-            <a:pPr marL="0" indent="0">
-              <a:buNone/>
-            </a:pPr>
-            <a:r>
-              <a:rPr lang="en-US" sz="2000" dirty="0" smtClean="0">
-                <a:latin typeface="Consolas"/>
-                <a:cs typeface="Consolas"/>
-              </a:rPr>
-              <a:t>   }</a:t>
-            </a:r>
-            <a:endParaRPr lang="en-US" sz="2000" dirty="0">
-              <a:latin typeface="Consolas"/>
-              <a:cs typeface="Consolas"/>
-            </a:endParaRPr>
-          </a:p>
-          <a:p>
-            <a:pPr marL="0" indent="0">
-              <a:buNone/>
-            </a:pPr>
-            <a:endParaRPr lang="en-US" sz="2000" dirty="0" smtClean="0">
-              <a:latin typeface="Consolas"/>
-              <a:cs typeface="Consolas"/>
-            </a:endParaRPr>
-          </a:p>
-          <a:p>
-            <a:pPr marL="0" indent="0">
-              <a:buNone/>
-            </a:pPr>
-            <a:r>
-              <a:rPr lang="en-US" sz="2000" dirty="0">
-                <a:latin typeface="Consolas"/>
-                <a:cs typeface="Consolas"/>
-              </a:rPr>
-              <a:t> </a:t>
-            </a:r>
-            <a:r>
-              <a:rPr lang="en-US" sz="2000" dirty="0" smtClean="0">
-                <a:latin typeface="Consolas"/>
-                <a:cs typeface="Consolas"/>
-              </a:rPr>
-              <a:t>  </a:t>
-            </a:r>
-            <a:r>
-              <a:rPr lang="en-US" sz="2000" b="1" dirty="0" smtClean="0">
-                <a:latin typeface="Consolas"/>
-                <a:cs typeface="Consolas"/>
-              </a:rPr>
-              <a:t>array </a:t>
-            </a:r>
-            <a:r>
-              <a:rPr lang="en-US" sz="2000" dirty="0">
-                <a:latin typeface="Consolas"/>
-                <a:cs typeface="Consolas"/>
-              </a:rPr>
-              <a:t>[1D] hello { </a:t>
-            </a:r>
-            <a:endParaRPr lang="en-US" sz="2000" dirty="0" smtClean="0">
-              <a:latin typeface="Consolas"/>
-              <a:cs typeface="Consolas"/>
-            </a:endParaRPr>
-          </a:p>
-          <a:p>
-            <a:pPr marL="0" indent="0">
-              <a:buNone/>
-            </a:pPr>
-            <a:r>
-              <a:rPr lang="en-US" sz="2000" dirty="0">
-                <a:latin typeface="Consolas"/>
-                <a:cs typeface="Consolas"/>
-              </a:rPr>
-              <a:t> </a:t>
-            </a:r>
-            <a:r>
-              <a:rPr lang="en-US" sz="2000" dirty="0" smtClean="0">
-                <a:latin typeface="Consolas"/>
-                <a:cs typeface="Consolas"/>
-              </a:rPr>
-              <a:t>     </a:t>
-            </a:r>
-            <a:r>
-              <a:rPr lang="en-US" sz="2000" b="1" dirty="0" smtClean="0">
-                <a:latin typeface="Consolas"/>
-                <a:cs typeface="Consolas"/>
-              </a:rPr>
-              <a:t>entry </a:t>
-            </a:r>
-            <a:r>
-              <a:rPr lang="en-US" sz="2000" dirty="0">
-                <a:latin typeface="Consolas"/>
-                <a:cs typeface="Consolas"/>
-              </a:rPr>
-              <a:t>hello(</a:t>
-            </a:r>
-            <a:r>
-              <a:rPr lang="en-US" sz="2000" dirty="0" err="1">
-                <a:latin typeface="Consolas"/>
-                <a:cs typeface="Consolas"/>
-              </a:rPr>
-              <a:t>int</a:t>
-            </a:r>
-            <a:r>
-              <a:rPr lang="en-US" sz="2000" dirty="0">
-                <a:latin typeface="Consolas"/>
-                <a:cs typeface="Consolas"/>
-              </a:rPr>
-              <a:t>);</a:t>
-            </a:r>
-          </a:p>
-          <a:p>
-            <a:pPr marL="0" indent="0">
-              <a:buNone/>
-            </a:pPr>
-            <a:r>
-              <a:rPr lang="en-US" sz="2000" b="1" dirty="0" smtClean="0">
-                <a:latin typeface="Consolas"/>
-                <a:cs typeface="Consolas"/>
-              </a:rPr>
-              <a:t>      entry</a:t>
-            </a:r>
-            <a:r>
-              <a:rPr lang="en-US" sz="2000" dirty="0" smtClean="0">
-                <a:latin typeface="Consolas"/>
-                <a:cs typeface="Consolas"/>
-              </a:rPr>
-              <a:t> </a:t>
-            </a:r>
-            <a:r>
-              <a:rPr lang="en-US" sz="2000" dirty="0">
-                <a:latin typeface="Consolas"/>
-                <a:cs typeface="Consolas"/>
-              </a:rPr>
-              <a:t>void </a:t>
-            </a:r>
-            <a:r>
-              <a:rPr lang="en-US" sz="2000" dirty="0" err="1">
-                <a:latin typeface="Consolas"/>
-                <a:cs typeface="Consolas"/>
-              </a:rPr>
-              <a:t>printHello</a:t>
-            </a:r>
-            <a:r>
-              <a:rPr lang="en-US" sz="2000" dirty="0">
-                <a:latin typeface="Consolas"/>
-                <a:cs typeface="Consolas"/>
-              </a:rPr>
-              <a:t>(); </a:t>
-            </a:r>
-            <a:endParaRPr lang="en-US" sz="2000" dirty="0" smtClean="0">
-              <a:latin typeface="Consolas"/>
-              <a:cs typeface="Consolas"/>
-            </a:endParaRPr>
-          </a:p>
-          <a:p>
-            <a:pPr marL="0" indent="0">
-              <a:buNone/>
-            </a:pPr>
-            <a:r>
-              <a:rPr lang="en-US" sz="2000" dirty="0">
-                <a:latin typeface="Consolas"/>
-                <a:cs typeface="Consolas"/>
-              </a:rPr>
-              <a:t> </a:t>
-            </a:r>
-            <a:r>
-              <a:rPr lang="en-US" sz="2000" dirty="0" smtClean="0">
-                <a:latin typeface="Consolas"/>
-                <a:cs typeface="Consolas"/>
-              </a:rPr>
-              <a:t>  }</a:t>
-            </a:r>
-          </a:p>
-          <a:p>
-            <a:pPr marL="0" indent="0">
-              <a:buNone/>
-            </a:pPr>
-            <a:r>
-              <a:rPr lang="en-US" sz="2000" dirty="0" smtClean="0">
-                <a:latin typeface="Consolas"/>
-                <a:cs typeface="Consolas"/>
-              </a:rPr>
-              <a:t>}</a:t>
-            </a:r>
-            <a:endParaRPr lang="en-US" sz="2000" dirty="0">
-              <a:latin typeface="Consolas"/>
-              <a:cs typeface="Consolas"/>
-            </a:endParaRPr>
-          </a:p>
-        </p:txBody>
-      </p:sp>
-      <p:sp>
-        <p:nvSpPr>
-          <p:cNvPr id="4" name="Date Placeholder 3"/>
-          <p:cNvSpPr>
-            <a:spLocks noGrp="1"/>
-          </p:cNvSpPr>
-          <p:nvPr>
-            <p:ph type="dt" sz="half" idx="10"/>
-          </p:nvPr>
-        </p:nvSpPr>
-        <p:spPr/>
-        <p:txBody>
-          <a:bodyPr/>
-          <a:lstStyle/>
-          <a:p>
-            <a:fld id="{34621E95-60A9-FF44-9869-513D9D7A859F}" type="datetime2">
-              <a:rPr lang="en-US" smtClean="0"/>
-              <a:t>Wednesday, September 10, 14</a:t>
-            </a:fld>
-            <a:endParaRPr lang="en-US"/>
-          </a:p>
-        </p:txBody>
-      </p:sp>
-      <p:sp>
-        <p:nvSpPr>
-          <p:cNvPr id="5" name="Footer Placeholder 4"/>
-          <p:cNvSpPr>
-            <a:spLocks noGrp="1"/>
-          </p:cNvSpPr>
-          <p:nvPr>
-            <p:ph type="ftr" sz="quarter" idx="11"/>
-          </p:nvPr>
-        </p:nvSpPr>
-        <p:spPr/>
-        <p:txBody>
-          <a:bodyPr/>
-          <a:lstStyle/>
-          <a:p>
-            <a:pPr algn="r"/>
-            <a:r>
-              <a:rPr lang="en-US" smtClean="0"/>
-              <a:t>Sanjay Kalé and PPL (UIUC) – Parallel Migratable Objects </a:t>
-            </a:r>
-            <a:endParaRPr lang="en-US" dirty="0"/>
-          </a:p>
-        </p:txBody>
-      </p:sp>
-      <p:sp>
-        <p:nvSpPr>
-          <p:cNvPr id="6" name="Slide Number Placeholder 5"/>
-          <p:cNvSpPr>
-            <a:spLocks noGrp="1"/>
-          </p:cNvSpPr>
-          <p:nvPr>
-            <p:ph type="sldNum" sz="quarter" idx="12"/>
-          </p:nvPr>
-        </p:nvSpPr>
-        <p:spPr/>
-        <p:txBody>
-          <a:bodyPr/>
-          <a:lstStyle/>
-          <a:p>
-            <a:fld id="{0CFEC368-1D7A-4F81-ABF6-AE0E36BAF64C}" type="slidenum">
-              <a:rPr lang="en-US" smtClean="0"/>
-              <a:pPr/>
-              <a:t>26</a:t>
-            </a:fld>
-            <a:endParaRPr lang="en-US"/>
-          </a:p>
-        </p:txBody>
-      </p:sp>
-    </p:spTree>
-    <p:extLst>
-      <p:ext uri="{BB962C8B-B14F-4D97-AF65-F5344CB8AC3E}">
-        <p14:creationId xmlns:p14="http://schemas.microsoft.com/office/powerpoint/2010/main" val="2226404591"/>
-      </p:ext>
-    </p:extLst>
-  </p:cSld>
-  <p:clrMapOvr>
-    <a:masterClrMapping/>
-  </p:clrMapOvr>
-</p:sld>
-</file>
-
-<file path=ppt/slides/slide27.xml><?xml version="1.0" encoding="utf-8"?>
-<p:sld xmlns:a="http://schemas.openxmlformats.org/drawingml/2006/main" xmlns:r="http://schemas.openxmlformats.org/officeDocument/2006/relationships" xmlns:p="http://schemas.openxmlformats.org/presentationml/2006/main">
-  <p:cSld>
-    <p:spTree>
-      <p:nvGrpSpPr>
-        <p:cNvPr id="1" name=""/>
-        <p:cNvGrpSpPr/>
-        <p:nvPr/>
-      </p:nvGrpSpPr>
-      <p:grpSpPr>
-        <a:xfrm>
-          <a:off x="0" y="0"/>
-          <a:ext cx="0" cy="0"/>
-          <a:chOff x="0" y="0"/>
-          <a:chExt cx="0" cy="0"/>
-        </a:xfrm>
-      </p:grpSpPr>
-      <p:sp>
-        <p:nvSpPr>
-          <p:cNvPr id="2" name="Title 1"/>
-          <p:cNvSpPr>
-            <a:spLocks noGrp="1"/>
-          </p:cNvSpPr>
-          <p:nvPr>
-            <p:ph type="title"/>
-          </p:nvPr>
-        </p:nvSpPr>
-        <p:spPr/>
-        <p:txBody>
-          <a:bodyPr>
-            <a:normAutofit/>
-          </a:bodyPr>
-          <a:lstStyle/>
-          <a:p>
-            <a:r>
-              <a:rPr lang="en-US" dirty="0" err="1"/>
-              <a:t>Chare</a:t>
-            </a:r>
-            <a:r>
-              <a:rPr lang="en-US" dirty="0"/>
-              <a:t> Array: Hello Example</a:t>
-            </a:r>
-          </a:p>
-        </p:txBody>
-      </p:sp>
-      <p:sp>
-        <p:nvSpPr>
-          <p:cNvPr id="3" name="Content Placeholder 2"/>
-          <p:cNvSpPr>
-            <a:spLocks noGrp="1"/>
-          </p:cNvSpPr>
-          <p:nvPr>
-            <p:ph idx="1"/>
-          </p:nvPr>
-        </p:nvSpPr>
-        <p:spPr>
-          <a:solidFill>
-            <a:srgbClr val="CCD1D9"/>
-          </a:solidFill>
-          <a:ln>
-            <a:solidFill>
-              <a:srgbClr val="292934"/>
-            </a:solidFill>
-          </a:ln>
-        </p:spPr>
-        <p:txBody>
-          <a:bodyPr>
-            <a:normAutofit fontScale="62500" lnSpcReduction="20000"/>
-          </a:bodyPr>
-          <a:lstStyle/>
-          <a:p>
-            <a:pPr marL="0" indent="0">
-              <a:buNone/>
-            </a:pPr>
-            <a:r>
-              <a:rPr lang="en-US" b="1" dirty="0" smtClean="0">
-                <a:latin typeface="Consolas"/>
-                <a:cs typeface="Consolas"/>
-              </a:rPr>
-              <a:t>#</a:t>
-            </a:r>
-            <a:r>
-              <a:rPr lang="en-US" b="1" dirty="0">
-                <a:latin typeface="Consolas"/>
-                <a:cs typeface="Consolas"/>
-              </a:rPr>
-              <a:t>include </a:t>
-            </a:r>
-            <a:r>
-              <a:rPr lang="en-US" dirty="0" smtClean="0">
-                <a:latin typeface="Consolas"/>
-                <a:cs typeface="Consolas"/>
-              </a:rPr>
-              <a:t>“</a:t>
-            </a:r>
-            <a:r>
-              <a:rPr lang="en-US" dirty="0" err="1" smtClean="0">
-                <a:latin typeface="Consolas"/>
-                <a:cs typeface="Consolas"/>
-              </a:rPr>
-              <a:t>arr.decl.h</a:t>
-            </a:r>
-            <a:r>
-              <a:rPr lang="en-US" dirty="0" smtClean="0">
-                <a:latin typeface="Consolas"/>
-                <a:cs typeface="Consolas"/>
-              </a:rPr>
-              <a:t>”</a:t>
-            </a:r>
-          </a:p>
-          <a:p>
-            <a:pPr marL="0" indent="0">
-              <a:buNone/>
-            </a:pPr>
-            <a:endParaRPr lang="en-US" dirty="0">
-              <a:latin typeface="Consolas"/>
-              <a:cs typeface="Consolas"/>
-            </a:endParaRPr>
-          </a:p>
-          <a:p>
-            <a:pPr marL="0" indent="0">
-              <a:buNone/>
-            </a:pPr>
-            <a:r>
-              <a:rPr lang="en-US" b="1" dirty="0" err="1">
-                <a:latin typeface="Consolas"/>
-                <a:cs typeface="Consolas"/>
-              </a:rPr>
-              <a:t>struct</a:t>
-            </a:r>
-            <a:r>
-              <a:rPr lang="en-US" b="1" dirty="0">
-                <a:latin typeface="Consolas"/>
-                <a:cs typeface="Consolas"/>
-              </a:rPr>
-              <a:t> </a:t>
-            </a:r>
-            <a:r>
-              <a:rPr lang="en-US" dirty="0">
-                <a:latin typeface="Consolas"/>
-                <a:cs typeface="Consolas"/>
-              </a:rPr>
-              <a:t>Main : </a:t>
-            </a:r>
-            <a:r>
-              <a:rPr lang="en-US" dirty="0" err="1" smtClean="0">
-                <a:latin typeface="Consolas"/>
-                <a:cs typeface="Consolas"/>
-              </a:rPr>
-              <a:t>CBase_Main</a:t>
-            </a:r>
-            <a:r>
-              <a:rPr lang="en-US" dirty="0" smtClean="0">
-                <a:latin typeface="Consolas"/>
-                <a:cs typeface="Consolas"/>
-              </a:rPr>
-              <a:t> </a:t>
-            </a:r>
-            <a:r>
-              <a:rPr lang="en-US" dirty="0">
-                <a:latin typeface="Consolas"/>
-                <a:cs typeface="Consolas"/>
-              </a:rPr>
-              <a:t>{ </a:t>
-            </a:r>
-            <a:endParaRPr lang="en-US" dirty="0" smtClean="0">
-              <a:latin typeface="Consolas"/>
-              <a:cs typeface="Consolas"/>
-            </a:endParaRPr>
-          </a:p>
-          <a:p>
-            <a:pPr marL="0" indent="0">
-              <a:buNone/>
-            </a:pPr>
-            <a:r>
-              <a:rPr lang="en-US" dirty="0">
-                <a:latin typeface="Consolas"/>
-                <a:cs typeface="Consolas"/>
-              </a:rPr>
-              <a:t> </a:t>
-            </a:r>
-            <a:r>
-              <a:rPr lang="en-US" dirty="0" smtClean="0">
-                <a:latin typeface="Consolas"/>
-                <a:cs typeface="Consolas"/>
-              </a:rPr>
-              <a:t>  Main</a:t>
-            </a:r>
-            <a:r>
-              <a:rPr lang="en-US" dirty="0">
-                <a:latin typeface="Consolas"/>
-                <a:cs typeface="Consolas"/>
-              </a:rPr>
-              <a:t>(</a:t>
-            </a:r>
-            <a:r>
-              <a:rPr lang="en-US" dirty="0" err="1">
-                <a:latin typeface="Consolas"/>
-                <a:cs typeface="Consolas"/>
-              </a:rPr>
-              <a:t>CkArgMsg</a:t>
-            </a:r>
-            <a:r>
-              <a:rPr lang="en-US" dirty="0">
-                <a:latin typeface="Consolas"/>
-                <a:cs typeface="Consolas"/>
-              </a:rPr>
-              <a:t>∗ </a:t>
-            </a:r>
-            <a:r>
-              <a:rPr lang="en-US" dirty="0" err="1">
-                <a:latin typeface="Consolas"/>
-                <a:cs typeface="Consolas"/>
-              </a:rPr>
-              <a:t>msg</a:t>
-            </a:r>
-            <a:r>
-              <a:rPr lang="en-US" dirty="0">
-                <a:latin typeface="Consolas"/>
-                <a:cs typeface="Consolas"/>
-              </a:rPr>
-              <a:t>) {</a:t>
-            </a:r>
-          </a:p>
-          <a:p>
-            <a:pPr marL="0" indent="0">
-              <a:buNone/>
-            </a:pPr>
-            <a:r>
-              <a:rPr lang="en-US" dirty="0" smtClean="0">
-                <a:latin typeface="Consolas"/>
-                <a:cs typeface="Consolas"/>
-              </a:rPr>
-              <a:t>      </a:t>
-            </a:r>
-            <a:r>
-              <a:rPr lang="en-US" b="1" dirty="0" err="1" smtClean="0">
-                <a:latin typeface="Consolas"/>
-                <a:cs typeface="Consolas"/>
-              </a:rPr>
-              <a:t>int</a:t>
-            </a:r>
-            <a:r>
-              <a:rPr lang="en-US" b="1" dirty="0" smtClean="0">
-                <a:latin typeface="Consolas"/>
-                <a:cs typeface="Consolas"/>
-              </a:rPr>
-              <a:t> </a:t>
-            </a:r>
-            <a:r>
-              <a:rPr lang="en-US" dirty="0" err="1">
-                <a:latin typeface="Consolas"/>
-                <a:cs typeface="Consolas"/>
-              </a:rPr>
-              <a:t>arraySize</a:t>
-            </a:r>
-            <a:r>
-              <a:rPr lang="en-US" dirty="0">
-                <a:latin typeface="Consolas"/>
-                <a:cs typeface="Consolas"/>
-              </a:rPr>
-              <a:t> = </a:t>
-            </a:r>
-            <a:r>
-              <a:rPr lang="en-US" dirty="0" err="1">
-                <a:latin typeface="Consolas"/>
-                <a:cs typeface="Consolas"/>
-              </a:rPr>
-              <a:t>atoi</a:t>
-            </a:r>
-            <a:r>
-              <a:rPr lang="en-US" dirty="0">
-                <a:latin typeface="Consolas"/>
-                <a:cs typeface="Consolas"/>
-              </a:rPr>
-              <a:t>(</a:t>
-            </a:r>
-            <a:r>
-              <a:rPr lang="en-US" dirty="0" err="1" smtClean="0">
-                <a:latin typeface="Consolas"/>
-                <a:cs typeface="Consolas"/>
-              </a:rPr>
-              <a:t>msg</a:t>
-            </a:r>
-            <a:r>
-              <a:rPr lang="en-US" dirty="0" smtClean="0">
-                <a:latin typeface="Consolas"/>
-                <a:cs typeface="Consolas"/>
-              </a:rPr>
-              <a:t>-&gt;</a:t>
-            </a:r>
-            <a:r>
-              <a:rPr lang="en-US" dirty="0" err="1" smtClean="0">
-                <a:latin typeface="Consolas"/>
-                <a:cs typeface="Consolas"/>
-              </a:rPr>
-              <a:t>argv</a:t>
-            </a:r>
-            <a:r>
-              <a:rPr lang="en-US" dirty="0" smtClean="0">
-                <a:latin typeface="Consolas"/>
-                <a:cs typeface="Consolas"/>
-              </a:rPr>
-              <a:t>[1]);</a:t>
-            </a:r>
-          </a:p>
-          <a:p>
-            <a:pPr marL="0" indent="0">
-              <a:buNone/>
-            </a:pPr>
-            <a:r>
-              <a:rPr lang="en-US" dirty="0">
-                <a:latin typeface="Consolas"/>
-                <a:cs typeface="Consolas"/>
-              </a:rPr>
-              <a:t> </a:t>
-            </a:r>
-            <a:r>
-              <a:rPr lang="en-US" dirty="0" smtClean="0">
-                <a:latin typeface="Consolas"/>
-                <a:cs typeface="Consolas"/>
-              </a:rPr>
-              <a:t>     </a:t>
-            </a:r>
-            <a:r>
-              <a:rPr lang="en-US" dirty="0" err="1" smtClean="0">
-                <a:latin typeface="Consolas"/>
-                <a:cs typeface="Consolas"/>
-              </a:rPr>
-              <a:t>CProxy_hello</a:t>
-            </a:r>
-            <a:r>
-              <a:rPr lang="en-US" dirty="0" smtClean="0">
-                <a:latin typeface="Consolas"/>
-                <a:cs typeface="Consolas"/>
-              </a:rPr>
-              <a:t> p = </a:t>
-            </a:r>
-            <a:r>
-              <a:rPr lang="en-US" dirty="0" err="1" smtClean="0">
-                <a:latin typeface="Consolas"/>
-                <a:cs typeface="Consolas"/>
-              </a:rPr>
-              <a:t>CProxy_hello</a:t>
-            </a:r>
-            <a:r>
-              <a:rPr lang="en-US" dirty="0" smtClean="0">
-                <a:latin typeface="Consolas"/>
-                <a:cs typeface="Consolas"/>
-              </a:rPr>
-              <a:t>::</a:t>
-            </a:r>
-            <a:r>
-              <a:rPr lang="en-US" dirty="0" err="1" smtClean="0">
-                <a:latin typeface="Consolas"/>
-                <a:cs typeface="Consolas"/>
-              </a:rPr>
-              <a:t>ckNew</a:t>
-            </a:r>
-            <a:r>
-              <a:rPr lang="en-US" dirty="0" smtClean="0">
-                <a:latin typeface="Consolas"/>
-                <a:cs typeface="Consolas"/>
-              </a:rPr>
-              <a:t>(</a:t>
-            </a:r>
-            <a:r>
-              <a:rPr lang="en-US" dirty="0" err="1" smtClean="0">
-                <a:latin typeface="Consolas"/>
-                <a:cs typeface="Consolas"/>
-              </a:rPr>
-              <a:t>arraySize</a:t>
-            </a:r>
-            <a:r>
-              <a:rPr lang="en-US" dirty="0" smtClean="0">
-                <a:latin typeface="Consolas"/>
-                <a:cs typeface="Consolas"/>
-              </a:rPr>
-              <a:t>);</a:t>
-            </a:r>
-          </a:p>
-          <a:p>
-            <a:pPr marL="0" indent="0">
-              <a:buNone/>
-            </a:pPr>
-            <a:r>
-              <a:rPr lang="en-US" dirty="0">
-                <a:latin typeface="Consolas"/>
-                <a:cs typeface="Consolas"/>
-              </a:rPr>
-              <a:t> </a:t>
-            </a:r>
-            <a:r>
-              <a:rPr lang="en-US" dirty="0" smtClean="0">
-                <a:latin typeface="Consolas"/>
-                <a:cs typeface="Consolas"/>
-              </a:rPr>
-              <a:t>     p[0].</a:t>
-            </a:r>
-            <a:r>
-              <a:rPr lang="en-US" dirty="0" err="1" smtClean="0">
-                <a:latin typeface="Consolas"/>
-                <a:cs typeface="Consolas"/>
-              </a:rPr>
-              <a:t>printHello</a:t>
-            </a:r>
-            <a:r>
-              <a:rPr lang="en-US" dirty="0" smtClean="0">
-                <a:latin typeface="Consolas"/>
-                <a:cs typeface="Consolas"/>
-              </a:rPr>
-              <a:t>();</a:t>
-            </a:r>
-          </a:p>
-          <a:p>
-            <a:pPr marL="0" indent="0">
-              <a:buNone/>
-            </a:pPr>
-            <a:r>
-              <a:rPr lang="en-US" dirty="0">
-                <a:latin typeface="Consolas"/>
-                <a:cs typeface="Consolas"/>
-              </a:rPr>
-              <a:t> </a:t>
-            </a:r>
-            <a:r>
-              <a:rPr lang="en-US" dirty="0" smtClean="0">
-                <a:latin typeface="Consolas"/>
-                <a:cs typeface="Consolas"/>
-              </a:rPr>
-              <a:t>  }</a:t>
-            </a:r>
-          </a:p>
-          <a:p>
-            <a:pPr marL="0" indent="0">
-              <a:buNone/>
-            </a:pPr>
-            <a:r>
-              <a:rPr lang="en-US" dirty="0" smtClean="0">
-                <a:latin typeface="Consolas"/>
-                <a:cs typeface="Consolas"/>
-              </a:rPr>
-              <a:t>};</a:t>
-            </a:r>
-          </a:p>
-          <a:p>
-            <a:pPr marL="0" indent="0">
-              <a:buNone/>
-            </a:pPr>
-            <a:endParaRPr lang="en-US" dirty="0">
-              <a:latin typeface="Consolas"/>
-              <a:cs typeface="Consolas"/>
-            </a:endParaRPr>
-          </a:p>
-          <a:p>
-            <a:pPr marL="0" indent="0">
-              <a:buNone/>
-            </a:pPr>
-            <a:r>
-              <a:rPr lang="en-US" b="1" dirty="0" err="1" smtClean="0">
-                <a:latin typeface="Consolas"/>
-                <a:cs typeface="Consolas"/>
-              </a:rPr>
-              <a:t>struct</a:t>
-            </a:r>
-            <a:r>
-              <a:rPr lang="en-US" dirty="0" smtClean="0">
-                <a:latin typeface="Consolas"/>
-                <a:cs typeface="Consolas"/>
-              </a:rPr>
-              <a:t> hello : </a:t>
-            </a:r>
-            <a:r>
-              <a:rPr lang="en-US" dirty="0" err="1" smtClean="0">
-                <a:latin typeface="Consolas"/>
-                <a:cs typeface="Consolas"/>
-              </a:rPr>
-              <a:t>CBase_hello</a:t>
-            </a:r>
-            <a:r>
-              <a:rPr lang="en-US" dirty="0" smtClean="0">
-                <a:latin typeface="Consolas"/>
-                <a:cs typeface="Consolas"/>
-              </a:rPr>
-              <a:t> {</a:t>
-            </a:r>
-          </a:p>
-          <a:p>
-            <a:pPr marL="0" indent="0">
-              <a:buNone/>
-            </a:pPr>
-            <a:r>
-              <a:rPr lang="en-US" b="1" dirty="0">
-                <a:latin typeface="Consolas"/>
-                <a:cs typeface="Consolas"/>
-              </a:rPr>
-              <a:t> </a:t>
-            </a:r>
-            <a:r>
-              <a:rPr lang="en-US" b="1" dirty="0" smtClean="0">
-                <a:latin typeface="Consolas"/>
-                <a:cs typeface="Consolas"/>
-              </a:rPr>
-              <a:t>  </a:t>
-            </a:r>
-            <a:r>
-              <a:rPr lang="en-US" dirty="0" smtClean="0">
-                <a:latin typeface="Consolas"/>
-                <a:cs typeface="Consolas"/>
-              </a:rPr>
-              <a:t>hello(</a:t>
-            </a:r>
-            <a:r>
-              <a:rPr lang="en-US" b="1" dirty="0" err="1" smtClean="0">
-                <a:latin typeface="Consolas"/>
-                <a:cs typeface="Consolas"/>
-              </a:rPr>
-              <a:t>int</a:t>
-            </a:r>
-            <a:r>
-              <a:rPr lang="en-US" dirty="0" smtClean="0">
-                <a:latin typeface="Consolas"/>
-                <a:cs typeface="Consolas"/>
-              </a:rPr>
-              <a:t> n) : </a:t>
-            </a:r>
-            <a:r>
-              <a:rPr lang="en-US" dirty="0" err="1" smtClean="0">
-                <a:latin typeface="Consolas"/>
-                <a:cs typeface="Consolas"/>
-              </a:rPr>
-              <a:t>arraySize</a:t>
-            </a:r>
-            <a:r>
-              <a:rPr lang="en-US" dirty="0" smtClean="0">
-                <a:latin typeface="Consolas"/>
-                <a:cs typeface="Consolas"/>
-              </a:rPr>
-              <a:t>(n) { }</a:t>
-            </a:r>
-          </a:p>
-          <a:p>
-            <a:pPr marL="0" indent="0">
-              <a:buNone/>
-            </a:pPr>
-            <a:r>
-              <a:rPr lang="en-US" dirty="0">
-                <a:latin typeface="Consolas"/>
-                <a:cs typeface="Consolas"/>
-              </a:rPr>
-              <a:t> </a:t>
-            </a:r>
-            <a:r>
-              <a:rPr lang="en-US" dirty="0" smtClean="0">
-                <a:latin typeface="Consolas"/>
-                <a:cs typeface="Consolas"/>
-              </a:rPr>
-              <a:t>  hello(</a:t>
-            </a:r>
-            <a:r>
-              <a:rPr lang="en-US" dirty="0" err="1" smtClean="0">
-                <a:latin typeface="Consolas"/>
-                <a:cs typeface="Consolas"/>
-              </a:rPr>
-              <a:t>CkMigrateMessage</a:t>
-            </a:r>
-            <a:r>
-              <a:rPr lang="en-US" dirty="0" smtClean="0">
-                <a:latin typeface="Consolas"/>
-                <a:cs typeface="Consolas"/>
-              </a:rPr>
-              <a:t>*) { }</a:t>
-            </a:r>
-          </a:p>
-          <a:p>
-            <a:pPr marL="0" indent="0">
-              <a:buNone/>
-            </a:pPr>
-            <a:r>
-              <a:rPr lang="en-US" dirty="0">
-                <a:latin typeface="Consolas"/>
-                <a:cs typeface="Consolas"/>
-              </a:rPr>
-              <a:t> </a:t>
-            </a:r>
-            <a:r>
-              <a:rPr lang="en-US" dirty="0" smtClean="0">
-                <a:latin typeface="Consolas"/>
-                <a:cs typeface="Consolas"/>
-              </a:rPr>
-              <a:t>  </a:t>
-            </a:r>
-            <a:r>
-              <a:rPr lang="en-US" b="1" dirty="0" smtClean="0">
-                <a:latin typeface="Consolas"/>
-                <a:cs typeface="Consolas"/>
-              </a:rPr>
-              <a:t>void</a:t>
-            </a:r>
-            <a:r>
-              <a:rPr lang="en-US" dirty="0" smtClean="0">
-                <a:latin typeface="Consolas"/>
-                <a:cs typeface="Consolas"/>
-              </a:rPr>
-              <a:t> </a:t>
-            </a:r>
-            <a:r>
-              <a:rPr lang="en-US" dirty="0" err="1" smtClean="0">
-                <a:latin typeface="Consolas"/>
-                <a:cs typeface="Consolas"/>
-              </a:rPr>
-              <a:t>printHello</a:t>
-            </a:r>
-            <a:r>
-              <a:rPr lang="en-US" dirty="0" smtClean="0">
-                <a:latin typeface="Consolas"/>
-                <a:cs typeface="Consolas"/>
-              </a:rPr>
-              <a:t>() {</a:t>
-            </a:r>
-          </a:p>
-          <a:p>
-            <a:pPr marL="0" indent="0">
-              <a:buNone/>
-            </a:pPr>
-            <a:r>
-              <a:rPr lang="en-US" dirty="0">
-                <a:latin typeface="Consolas"/>
-                <a:cs typeface="Consolas"/>
-              </a:rPr>
-              <a:t> </a:t>
-            </a:r>
-            <a:r>
-              <a:rPr lang="en-US" dirty="0" smtClean="0">
-                <a:latin typeface="Consolas"/>
-                <a:cs typeface="Consolas"/>
-              </a:rPr>
-              <a:t>     </a:t>
-            </a:r>
-            <a:r>
-              <a:rPr lang="en-US" dirty="0" err="1" smtClean="0">
-                <a:latin typeface="Consolas"/>
-                <a:cs typeface="Consolas"/>
-              </a:rPr>
-              <a:t>CkPrintf</a:t>
-            </a:r>
-            <a:r>
-              <a:rPr lang="en-US" dirty="0" smtClean="0">
-                <a:latin typeface="Consolas"/>
-                <a:cs typeface="Consolas"/>
-              </a:rPr>
-              <a:t>(“PE[%d]: hello from p[%d]\n”, </a:t>
-            </a:r>
-            <a:r>
-              <a:rPr lang="en-US" dirty="0" err="1" smtClean="0">
-                <a:latin typeface="Consolas"/>
-                <a:cs typeface="Consolas"/>
-              </a:rPr>
-              <a:t>CkMyPe</a:t>
-            </a:r>
-            <a:r>
-              <a:rPr lang="en-US" dirty="0" smtClean="0">
-                <a:latin typeface="Consolas"/>
-                <a:cs typeface="Consolas"/>
-              </a:rPr>
-              <a:t>(), </a:t>
-            </a:r>
-            <a:r>
-              <a:rPr lang="en-US" dirty="0" err="1" smtClean="0">
-                <a:latin typeface="Consolas"/>
-                <a:cs typeface="Consolas"/>
-              </a:rPr>
-              <a:t>thisIndex</a:t>
-            </a:r>
-            <a:r>
-              <a:rPr lang="en-US" dirty="0" smtClean="0">
-                <a:latin typeface="Consolas"/>
-                <a:cs typeface="Consolas"/>
-              </a:rPr>
-              <a:t>);</a:t>
-            </a:r>
-          </a:p>
-          <a:p>
-            <a:pPr marL="0" indent="0">
-              <a:buNone/>
-            </a:pPr>
-            <a:r>
-              <a:rPr lang="en-US" dirty="0">
-                <a:latin typeface="Consolas"/>
-                <a:cs typeface="Consolas"/>
-              </a:rPr>
-              <a:t> </a:t>
-            </a:r>
-            <a:r>
-              <a:rPr lang="en-US" dirty="0" smtClean="0">
-                <a:latin typeface="Consolas"/>
-                <a:cs typeface="Consolas"/>
-              </a:rPr>
-              <a:t>     </a:t>
-            </a:r>
-            <a:r>
-              <a:rPr lang="en-US" b="1" dirty="0" smtClean="0">
-                <a:latin typeface="Consolas"/>
-                <a:cs typeface="Consolas"/>
-              </a:rPr>
-              <a:t>if</a:t>
-            </a:r>
-            <a:r>
-              <a:rPr lang="en-US" dirty="0" smtClean="0">
-                <a:latin typeface="Consolas"/>
-                <a:cs typeface="Consolas"/>
-              </a:rPr>
-              <a:t> (</a:t>
-            </a:r>
-            <a:r>
-              <a:rPr lang="en-US" dirty="0" err="1" smtClean="0">
-                <a:latin typeface="Consolas"/>
-                <a:cs typeface="Consolas"/>
-              </a:rPr>
-              <a:t>thisIndex</a:t>
-            </a:r>
-            <a:r>
-              <a:rPr lang="en-US" dirty="0" smtClean="0">
-                <a:latin typeface="Consolas"/>
-                <a:cs typeface="Consolas"/>
-              </a:rPr>
-              <a:t> == </a:t>
-            </a:r>
-            <a:r>
-              <a:rPr lang="en-US" dirty="0" err="1" smtClean="0">
-                <a:latin typeface="Consolas"/>
-                <a:cs typeface="Consolas"/>
-              </a:rPr>
-              <a:t>arraySize</a:t>
-            </a:r>
-            <a:r>
-              <a:rPr lang="en-US" dirty="0" smtClean="0">
-                <a:latin typeface="Consolas"/>
-                <a:cs typeface="Consolas"/>
-              </a:rPr>
-              <a:t> – 1) </a:t>
-            </a:r>
-            <a:r>
-              <a:rPr lang="en-US" dirty="0" err="1" smtClean="0">
-                <a:latin typeface="Consolas"/>
-                <a:cs typeface="Consolas"/>
-              </a:rPr>
-              <a:t>CkExit</a:t>
-            </a:r>
-            <a:r>
-              <a:rPr lang="en-US" dirty="0" smtClean="0">
-                <a:latin typeface="Consolas"/>
-                <a:cs typeface="Consolas"/>
-              </a:rPr>
-              <a:t>();</a:t>
-            </a:r>
-          </a:p>
-          <a:p>
-            <a:pPr marL="0" indent="0">
-              <a:buNone/>
-            </a:pPr>
-            <a:r>
-              <a:rPr lang="en-US" dirty="0">
-                <a:latin typeface="Consolas"/>
-                <a:cs typeface="Consolas"/>
-              </a:rPr>
-              <a:t> </a:t>
-            </a:r>
-            <a:r>
-              <a:rPr lang="en-US" dirty="0" smtClean="0">
-                <a:latin typeface="Consolas"/>
-                <a:cs typeface="Consolas"/>
-              </a:rPr>
-              <a:t>     </a:t>
-            </a:r>
-            <a:r>
-              <a:rPr lang="en-US" b="1" dirty="0" smtClean="0">
-                <a:latin typeface="Consolas"/>
-                <a:cs typeface="Consolas"/>
-              </a:rPr>
-              <a:t>else</a:t>
-            </a:r>
-            <a:r>
-              <a:rPr lang="en-US" dirty="0" smtClean="0">
-                <a:latin typeface="Consolas"/>
-                <a:cs typeface="Consolas"/>
-              </a:rPr>
-              <a:t> </a:t>
-            </a:r>
-            <a:r>
-              <a:rPr lang="en-US" dirty="0" err="1" smtClean="0">
-                <a:latin typeface="Consolas"/>
-                <a:cs typeface="Consolas"/>
-              </a:rPr>
-              <a:t>thisProxy</a:t>
-            </a:r>
-            <a:r>
-              <a:rPr lang="en-US" dirty="0" smtClean="0">
-                <a:latin typeface="Consolas"/>
-                <a:cs typeface="Consolas"/>
-              </a:rPr>
-              <a:t>[</a:t>
-            </a:r>
-            <a:r>
-              <a:rPr lang="en-US" dirty="0" err="1" smtClean="0">
-                <a:latin typeface="Consolas"/>
-                <a:cs typeface="Consolas"/>
-              </a:rPr>
-              <a:t>thisIndex</a:t>
-            </a:r>
-            <a:r>
-              <a:rPr lang="en-US" dirty="0" smtClean="0">
-                <a:latin typeface="Consolas"/>
-                <a:cs typeface="Consolas"/>
-              </a:rPr>
-              <a:t> + 1].</a:t>
-            </a:r>
-            <a:r>
-              <a:rPr lang="en-US" dirty="0" err="1" smtClean="0">
-                <a:latin typeface="Consolas"/>
-                <a:cs typeface="Consolas"/>
-              </a:rPr>
-              <a:t>printHello</a:t>
-            </a:r>
-            <a:r>
-              <a:rPr lang="en-US" dirty="0" smtClean="0">
-                <a:latin typeface="Consolas"/>
-                <a:cs typeface="Consolas"/>
-              </a:rPr>
-              <a:t>();</a:t>
-            </a:r>
-          </a:p>
-          <a:p>
-            <a:pPr marL="0" indent="0">
-              <a:buNone/>
-            </a:pPr>
-            <a:r>
-              <a:rPr lang="en-US" dirty="0">
-                <a:latin typeface="Consolas"/>
-                <a:cs typeface="Consolas"/>
-              </a:rPr>
-              <a:t> </a:t>
-            </a:r>
-            <a:r>
-              <a:rPr lang="en-US" dirty="0" smtClean="0">
-                <a:latin typeface="Consolas"/>
-                <a:cs typeface="Consolas"/>
-              </a:rPr>
-              <a:t>  }</a:t>
-            </a:r>
-          </a:p>
-          <a:p>
-            <a:pPr marL="0" indent="0">
-              <a:buNone/>
-            </a:pPr>
-            <a:r>
-              <a:rPr lang="en-US" dirty="0">
-                <a:latin typeface="Consolas"/>
-                <a:cs typeface="Consolas"/>
-              </a:rPr>
-              <a:t> </a:t>
-            </a:r>
-            <a:r>
-              <a:rPr lang="en-US" dirty="0" smtClean="0">
-                <a:latin typeface="Consolas"/>
-                <a:cs typeface="Consolas"/>
-              </a:rPr>
-              <a:t>  </a:t>
-            </a:r>
-            <a:r>
-              <a:rPr lang="en-US" b="1" dirty="0" smtClean="0">
-                <a:latin typeface="Consolas"/>
-                <a:cs typeface="Consolas"/>
-              </a:rPr>
-              <a:t>private</a:t>
-            </a:r>
-            <a:r>
-              <a:rPr lang="en-US" dirty="0" smtClean="0">
-                <a:latin typeface="Consolas"/>
-                <a:cs typeface="Consolas"/>
-              </a:rPr>
-              <a:t>:</a:t>
-            </a:r>
-          </a:p>
-          <a:p>
-            <a:pPr marL="0" indent="0">
-              <a:buNone/>
-            </a:pPr>
-            <a:r>
-              <a:rPr lang="en-US" dirty="0">
-                <a:latin typeface="Consolas"/>
-                <a:cs typeface="Consolas"/>
-              </a:rPr>
-              <a:t> </a:t>
-            </a:r>
-            <a:r>
-              <a:rPr lang="en-US" dirty="0" smtClean="0">
-                <a:latin typeface="Consolas"/>
-                <a:cs typeface="Consolas"/>
-              </a:rPr>
-              <a:t>  </a:t>
-            </a:r>
-            <a:r>
-              <a:rPr lang="en-US" b="1" dirty="0" err="1" smtClean="0">
-                <a:latin typeface="Consolas"/>
-                <a:cs typeface="Consolas"/>
-              </a:rPr>
-              <a:t>int</a:t>
-            </a:r>
-            <a:r>
-              <a:rPr lang="en-US" dirty="0" smtClean="0">
-                <a:latin typeface="Consolas"/>
-                <a:cs typeface="Consolas"/>
-              </a:rPr>
-              <a:t> </a:t>
-            </a:r>
-            <a:r>
-              <a:rPr lang="en-US" dirty="0" err="1" smtClean="0">
-                <a:latin typeface="Consolas"/>
-                <a:cs typeface="Consolas"/>
-              </a:rPr>
-              <a:t>arraySize</a:t>
-            </a:r>
-            <a:r>
-              <a:rPr lang="en-US" dirty="0" smtClean="0">
-                <a:latin typeface="Consolas"/>
-                <a:cs typeface="Consolas"/>
-              </a:rPr>
-              <a:t>;</a:t>
-            </a:r>
-          </a:p>
-          <a:p>
-            <a:pPr marL="0" indent="0">
-              <a:buNone/>
-            </a:pPr>
-            <a:r>
-              <a:rPr lang="en-US" dirty="0" smtClean="0">
-                <a:latin typeface="Consolas"/>
-                <a:cs typeface="Consolas"/>
-              </a:rPr>
-              <a:t>};</a:t>
-            </a:r>
-          </a:p>
-          <a:p>
-            <a:pPr marL="0" indent="0">
-              <a:buNone/>
-            </a:pPr>
-            <a:endParaRPr lang="en-US" dirty="0">
-              <a:latin typeface="Consolas"/>
-              <a:cs typeface="Consolas"/>
-            </a:endParaRPr>
-          </a:p>
-          <a:p>
-            <a:pPr marL="0" indent="0">
-              <a:buNone/>
-            </a:pPr>
-            <a:r>
-              <a:rPr lang="en-US" b="1" dirty="0" smtClean="0">
-                <a:latin typeface="Consolas"/>
-                <a:cs typeface="Consolas"/>
-              </a:rPr>
-              <a:t>#include</a:t>
-            </a:r>
-            <a:r>
-              <a:rPr lang="en-US" dirty="0" smtClean="0">
-                <a:latin typeface="Consolas"/>
-                <a:cs typeface="Consolas"/>
-              </a:rPr>
-              <a:t> “</a:t>
-            </a:r>
-            <a:r>
-              <a:rPr lang="en-US" dirty="0" err="1" smtClean="0">
-                <a:latin typeface="Consolas"/>
-                <a:cs typeface="Consolas"/>
-              </a:rPr>
-              <a:t>arr.def.h</a:t>
-            </a:r>
-            <a:r>
-              <a:rPr lang="en-US" dirty="0" smtClean="0">
-                <a:latin typeface="Consolas"/>
-                <a:cs typeface="Consolas"/>
-              </a:rPr>
-              <a:t>”</a:t>
-            </a:r>
-            <a:endParaRPr lang="en-US" b="1" dirty="0" smtClean="0">
-              <a:latin typeface="Consolas"/>
-              <a:cs typeface="Consolas"/>
-            </a:endParaRPr>
-          </a:p>
-        </p:txBody>
-      </p:sp>
-      <p:sp>
-        <p:nvSpPr>
-          <p:cNvPr id="4" name="Date Placeholder 3"/>
-          <p:cNvSpPr>
-            <a:spLocks noGrp="1"/>
-          </p:cNvSpPr>
-          <p:nvPr>
-            <p:ph type="dt" sz="half" idx="10"/>
-          </p:nvPr>
-        </p:nvSpPr>
-        <p:spPr/>
-        <p:txBody>
-          <a:bodyPr/>
-          <a:lstStyle/>
-          <a:p>
-            <a:fld id="{34621E95-60A9-FF44-9869-513D9D7A859F}" type="datetime2">
-              <a:rPr lang="en-US" smtClean="0"/>
-              <a:t>Wednesday, September 10, 14</a:t>
-            </a:fld>
-            <a:endParaRPr lang="en-US"/>
-          </a:p>
-        </p:txBody>
-      </p:sp>
-      <p:sp>
-        <p:nvSpPr>
-          <p:cNvPr id="5" name="Footer Placeholder 4"/>
-          <p:cNvSpPr>
-            <a:spLocks noGrp="1"/>
-          </p:cNvSpPr>
-          <p:nvPr>
-            <p:ph type="ftr" sz="quarter" idx="11"/>
-          </p:nvPr>
-        </p:nvSpPr>
-        <p:spPr/>
-        <p:txBody>
-          <a:bodyPr/>
-          <a:lstStyle/>
-          <a:p>
-            <a:pPr algn="r"/>
-            <a:r>
-              <a:rPr lang="en-US" smtClean="0"/>
-              <a:t>Sanjay Kalé and PPL (UIUC) – Parallel Migratable Objects </a:t>
-            </a:r>
-            <a:endParaRPr lang="en-US" dirty="0"/>
-          </a:p>
-        </p:txBody>
-      </p:sp>
-      <p:sp>
-        <p:nvSpPr>
-          <p:cNvPr id="6" name="Slide Number Placeholder 5"/>
-          <p:cNvSpPr>
-            <a:spLocks noGrp="1"/>
-          </p:cNvSpPr>
-          <p:nvPr>
-            <p:ph type="sldNum" sz="quarter" idx="12"/>
-          </p:nvPr>
-        </p:nvSpPr>
-        <p:spPr/>
-        <p:txBody>
-          <a:bodyPr/>
-          <a:lstStyle/>
-          <a:p>
-            <a:fld id="{0CFEC368-1D7A-4F81-ABF6-AE0E36BAF64C}" type="slidenum">
-              <a:rPr lang="en-US" smtClean="0"/>
-              <a:pPr/>
-              <a:t>27</a:t>
-            </a:fld>
-            <a:endParaRPr lang="en-US"/>
-          </a:p>
-        </p:txBody>
-      </p:sp>
-    </p:spTree>
-    <p:extLst>
-      <p:ext uri="{BB962C8B-B14F-4D97-AF65-F5344CB8AC3E}">
-        <p14:creationId xmlns:p14="http://schemas.microsoft.com/office/powerpoint/2010/main" val="1569183850"/>
-      </p:ext>
-    </p:extLst>
-  </p:cSld>
-  <p:clrMapOvr>
-    <a:masterClrMapping/>
-  </p:clrMapOvr>
-</p:sld>
-</file>
-
-<file path=ppt/slides/slide28.xml><?xml version="1.0" encoding="utf-8"?>
-<p:sld xmlns:a="http://schemas.openxmlformats.org/drawingml/2006/main" xmlns:r="http://schemas.openxmlformats.org/officeDocument/2006/relationships" xmlns:p="http://schemas.openxmlformats.org/presentationml/2006/main">
-  <p:cSld>
-    <p:spTree>
-      <p:nvGrpSpPr>
-        <p:cNvPr id="1" name=""/>
-        <p:cNvGrpSpPr/>
-        <p:nvPr/>
-      </p:nvGrpSpPr>
-      <p:grpSpPr>
-        <a:xfrm>
-          <a:off x="0" y="0"/>
-          <a:ext cx="0" cy="0"/>
-          <a:chOff x="0" y="0"/>
-          <a:chExt cx="0" cy="0"/>
-        </a:xfrm>
-      </p:grpSpPr>
-      <p:sp>
-        <p:nvSpPr>
-          <p:cNvPr id="2" name="Title 1"/>
-          <p:cNvSpPr>
-            <a:spLocks noGrp="1"/>
-          </p:cNvSpPr>
-          <p:nvPr>
-            <p:ph type="title"/>
-          </p:nvPr>
-        </p:nvSpPr>
-        <p:spPr/>
-        <p:txBody>
-          <a:bodyPr>
-            <a:normAutofit/>
-          </a:bodyPr>
-          <a:lstStyle/>
-          <a:p>
-            <a:r>
-              <a:rPr lang="en-US" dirty="0"/>
-              <a:t>Hello World Array Projections Timeline View</a:t>
-            </a:r>
-          </a:p>
-        </p:txBody>
-      </p:sp>
-      <p:sp>
-        <p:nvSpPr>
-          <p:cNvPr id="9" name="Date Placeholder 8"/>
-          <p:cNvSpPr>
-            <a:spLocks noGrp="1"/>
-          </p:cNvSpPr>
-          <p:nvPr>
-            <p:ph type="dt" sz="half" idx="10"/>
-          </p:nvPr>
-        </p:nvSpPr>
-        <p:spPr/>
-        <p:txBody>
-          <a:bodyPr/>
-          <a:lstStyle/>
-          <a:p>
-            <a:fld id="{DF9B12D0-D6C3-584A-99EB-13FA193C843F}" type="datetime2">
-              <a:rPr lang="en-US" smtClean="0"/>
-              <a:t>Wednesday, September 10, 14</a:t>
-            </a:fld>
-            <a:endParaRPr lang="en-US" dirty="0"/>
-          </a:p>
-        </p:txBody>
-      </p:sp>
-      <p:sp>
-        <p:nvSpPr>
-          <p:cNvPr id="10" name="Footer Placeholder 9"/>
-          <p:cNvSpPr>
-            <a:spLocks noGrp="1"/>
-          </p:cNvSpPr>
-          <p:nvPr>
-            <p:ph type="ftr" sz="quarter" idx="11"/>
-          </p:nvPr>
-        </p:nvSpPr>
-        <p:spPr/>
-        <p:txBody>
-          <a:bodyPr/>
-          <a:lstStyle/>
-          <a:p>
-            <a:pPr algn="r"/>
-            <a:r>
-              <a:rPr lang="en-US" smtClean="0"/>
-              <a:t>Sanjay Kalé and PPL (UIUC) – Parallel Migratable Objects </a:t>
-            </a:r>
-            <a:endParaRPr lang="en-US" dirty="0"/>
-          </a:p>
-        </p:txBody>
-      </p:sp>
-      <p:sp>
-        <p:nvSpPr>
-          <p:cNvPr id="11" name="Slide Number Placeholder 10"/>
-          <p:cNvSpPr>
-            <a:spLocks noGrp="1"/>
-          </p:cNvSpPr>
-          <p:nvPr>
-            <p:ph type="sldNum" sz="quarter" idx="12"/>
-          </p:nvPr>
-        </p:nvSpPr>
-        <p:spPr/>
-        <p:txBody>
-          <a:bodyPr/>
-          <a:lstStyle/>
-          <a:p>
-            <a:fld id="{0CFEC368-1D7A-4F81-ABF6-AE0E36BAF64C}" type="slidenum">
-              <a:rPr lang="en-US" smtClean="0"/>
-              <a:pPr/>
-              <a:t>28</a:t>
             </a:fld>
             <a:endParaRPr lang="en-US" dirty="0"/>
           </a:p>
@@ -19124,10 +17398,17 @@
   <p:clrMapOvr>
     <a:masterClrMapping/>
   </p:clrMapOvr>
+  <p:timing>
+    <p:tnLst>
+      <p:par>
+        <p:cTn xmlns:p14="http://schemas.microsoft.com/office/powerpoint/2010/main" id="1" dur="indefinite" restart="never" nodeType="tmRoot"/>
+      </p:par>
+    </p:tnLst>
+  </p:timing>
 </p:sld>
 </file>
 
-<file path=ppt/slides/slide29.xml><?xml version="1.0" encoding="utf-8"?>
+<file path=ppt/slides/slide26.xml><?xml version="1.0" encoding="utf-8"?>
 <p:sld xmlns:a="http://schemas.openxmlformats.org/drawingml/2006/main" xmlns:r="http://schemas.openxmlformats.org/officeDocument/2006/relationships" xmlns:p="http://schemas.openxmlformats.org/presentationml/2006/main">
   <p:cSld>
     <p:spTree>
@@ -19352,7 +17633,7 @@
             <a:fld id="{0CFEC368-1D7A-4F81-ABF6-AE0E36BAF64C}" type="slidenum">
               <a:rPr lang="en-US" smtClean="0"/>
               <a:pPr/>
-              <a:t>29</a:t>
+              <a:t>26</a:t>
             </a:fld>
             <a:endParaRPr lang="en-US"/>
           </a:p>
@@ -19368,10 +17649,17 @@
   <p:clrMapOvr>
     <a:masterClrMapping/>
   </p:clrMapOvr>
+  <p:timing>
+    <p:tnLst>
+      <p:par>
+        <p:cTn xmlns:p14="http://schemas.microsoft.com/office/powerpoint/2010/main" id="1" dur="indefinite" restart="never" nodeType="tmRoot"/>
+      </p:par>
+    </p:tnLst>
+  </p:timing>
 </p:sld>
 </file>
 
-<file path=ppt/slides/slide3.xml><?xml version="1.0" encoding="utf-8"?>
+<file path=ppt/slides/slide27.xml><?xml version="1.0" encoding="utf-8"?>
 <p:sld xmlns:a="http://schemas.openxmlformats.org/drawingml/2006/main" xmlns:r="http://schemas.openxmlformats.org/officeDocument/2006/relationships" xmlns:p="http://schemas.openxmlformats.org/presentationml/2006/main">
   <p:cSld>
     <p:spTree>
@@ -19407,14 +17695,92 @@
           <a:p>
             <a:r>
               <a:rPr lang="en-US" dirty="0"/>
-              <a:t>Charm Interface: Modules</a:t>
-            </a:r>
-          </a:p>
-        </p:txBody>
-      </p:sp>
-      <p:sp>
-        <p:nvSpPr>
-          <p:cNvPr id="7" name="Date Placeholder 6"/>
+              <a:t>Collections of Objects: Runtime Service</a:t>
+            </a:r>
+          </a:p>
+        </p:txBody>
+      </p:sp>
+      <p:sp>
+        <p:nvSpPr>
+          <p:cNvPr id="3" name="Content Placeholder 2"/>
+          <p:cNvSpPr>
+            <a:spLocks noGrp="1"/>
+          </p:cNvSpPr>
+          <p:nvPr>
+            <p:ph idx="1"/>
+          </p:nvPr>
+        </p:nvSpPr>
+        <p:spPr/>
+        <p:txBody>
+          <a:bodyPr/>
+          <a:lstStyle/>
+          <a:p>
+            <a:r>
+              <a:rPr lang="en-US" dirty="0"/>
+              <a:t>Can develop and test logic in objects separately from their </a:t>
+            </a:r>
+            <a:r>
+              <a:rPr lang="en-US" dirty="0" smtClean="0"/>
+              <a:t>distribution</a:t>
+            </a:r>
+          </a:p>
+          <a:p>
+            <a:r>
+              <a:rPr lang="en-US" dirty="0" smtClean="0"/>
+              <a:t>Separation </a:t>
+            </a:r>
+            <a:r>
+              <a:rPr lang="en-US" dirty="0"/>
+              <a:t>in time: make it work, then make it fast</a:t>
+            </a:r>
+          </a:p>
+          <a:p>
+            <a:r>
+              <a:rPr lang="en-US" dirty="0"/>
+              <a:t>Division of labor: domain specialist writes object code, </a:t>
+            </a:r>
+            <a:r>
+              <a:rPr lang="en-US" dirty="0" err="1"/>
+              <a:t>computationalist</a:t>
+            </a:r>
+            <a:r>
+              <a:rPr lang="en-US" dirty="0"/>
+              <a:t> writes mapping</a:t>
+            </a:r>
+          </a:p>
+          <a:p>
+            <a:r>
+              <a:rPr lang="en-US" dirty="0"/>
+              <a:t>Portability: </a:t>
+            </a:r>
+            <a:r>
+              <a:rPr lang="en-US" dirty="0" smtClean="0"/>
+              <a:t>different </a:t>
+            </a:r>
+            <a:r>
+              <a:rPr lang="en-US" dirty="0"/>
+              <a:t>mappings for </a:t>
+            </a:r>
+            <a:r>
+              <a:rPr lang="en-US" dirty="0" smtClean="0"/>
+              <a:t>different </a:t>
+            </a:r>
+            <a:r>
+              <a:rPr lang="en-US" dirty="0"/>
+              <a:t>systems, scales, or configurations</a:t>
+            </a:r>
+          </a:p>
+          <a:p>
+            <a:r>
+              <a:rPr lang="en-US" dirty="0"/>
+              <a:t>Shared progress: improved mapping techniques can benefit existing code</a:t>
+            </a:r>
+          </a:p>
+        </p:txBody>
+      </p:sp>
+      <p:sp>
+        <p:nvSpPr>
+          <p:cNvPr id="4" name="Date Placeholder 3"/>
           <p:cNvSpPr>
             <a:spLocks noGrp="1"/>
           </p:cNvSpPr>
@@ -19427,22 +17793,46 @@
           <a:bodyPr/>
           <a:lstStyle/>
           <a:p>
-            <a:fld id="{F3B8C30A-50DC-C949-89DD-4F9B44C5753D}" type="datetime2">
+            <a:fld id="{34621E95-60A9-FF44-9869-513D9D7A859F}" type="datetime2">
               <a:rPr lang="en-US" smtClean="0"/>
               <a:t>Wednesday, September 10, 14</a:t>
             </a:fld>
+            <a:endParaRPr lang="en-US"/>
+          </a:p>
+        </p:txBody>
+      </p:sp>
+      <p:sp>
+        <p:nvSpPr>
+          <p:cNvPr id="5" name="Footer Placeholder 4"/>
+          <p:cNvSpPr>
+            <a:spLocks noGrp="1"/>
+          </p:cNvSpPr>
+          <p:nvPr>
+            <p:ph type="ftr" sz="quarter" idx="11"/>
+          </p:nvPr>
+        </p:nvSpPr>
+        <p:spPr/>
+        <p:txBody>
+          <a:bodyPr/>
+          <a:lstStyle/>
+          <a:p>
+            <a:pPr algn="r"/>
+            <a:r>
+              <a:rPr lang="en-US" smtClean="0"/>
+              <a:t>Sanjay Kalé and PPL (UIUC) – Parallel Migratable Objects </a:t>
+            </a:r>
             <a:endParaRPr lang="en-US" dirty="0"/>
           </a:p>
         </p:txBody>
       </p:sp>
       <p:sp>
         <p:nvSpPr>
-          <p:cNvPr id="8" name="Footer Placeholder 7"/>
-          <p:cNvSpPr>
-            <a:spLocks noGrp="1"/>
-          </p:cNvSpPr>
-          <p:nvPr>
-            <p:ph type="ftr" sz="quarter" idx="11"/>
+          <p:cNvPr id="6" name="Slide Number Placeholder 5"/>
+          <p:cNvSpPr>
+            <a:spLocks noGrp="1"/>
+          </p:cNvSpPr>
+          <p:nvPr>
+            <p:ph type="sldNum" sz="quarter" idx="12"/>
           </p:nvPr>
         </p:nvSpPr>
         <p:spPr/>
@@ -19450,296 +17840,19 @@
           <a:bodyPr/>
           <a:lstStyle/>
           <a:p>
-            <a:pPr algn="r"/>
-            <a:r>
-              <a:rPr lang="en-US" dirty="0" smtClean="0"/>
-              <a:t>Sanjay Kalé and PPL (UIUC) – Parallel Migratable Objects </a:t>
-            </a:r>
-            <a:endParaRPr lang="en-US" dirty="0"/>
-          </a:p>
-        </p:txBody>
-      </p:sp>
-      <p:sp>
-        <p:nvSpPr>
-          <p:cNvPr id="9" name="Slide Number Placeholder 8"/>
-          <p:cNvSpPr>
-            <a:spLocks noGrp="1"/>
-          </p:cNvSpPr>
-          <p:nvPr>
-            <p:ph type="sldNum" sz="quarter" idx="12"/>
-          </p:nvPr>
-        </p:nvSpPr>
-        <p:spPr/>
-        <p:txBody>
-          <a:bodyPr/>
-          <a:lstStyle/>
-          <a:p>
             <a:fld id="{0CFEC368-1D7A-4F81-ABF6-AE0E36BAF64C}" type="slidenum">
               <a:rPr lang="en-US" smtClean="0"/>
               <a:pPr/>
-              <a:t>3</a:t>
+              <a:t>27</a:t>
             </a:fld>
-            <a:endParaRPr lang="en-US" dirty="0"/>
-          </a:p>
-        </p:txBody>
-      </p:sp>
-      <p:sp>
-        <p:nvSpPr>
-          <p:cNvPr id="3" name="Content Placeholder 2"/>
-          <p:cNvSpPr>
-            <a:spLocks noGrp="1"/>
-          </p:cNvSpPr>
-          <p:nvPr>
-            <p:ph sz="quarter" idx="13"/>
-          </p:nvPr>
-        </p:nvSpPr>
-        <p:spPr>
-          <a:xfrm>
-            <a:off x="261865" y="909977"/>
-            <a:ext cx="8615360" cy="3603375"/>
-          </a:xfrm>
-        </p:spPr>
-        <p:txBody>
-          <a:bodyPr>
-            <a:normAutofit lnSpcReduction="10000"/>
-          </a:bodyPr>
-          <a:lstStyle/>
-          <a:p>
-            <a:r>
-              <a:rPr lang="en-US" dirty="0"/>
-              <a:t>Charm++ programs are organized as a collection of </a:t>
-            </a:r>
-            <a:r>
-              <a:rPr lang="en-US" dirty="0" smtClean="0"/>
-              <a:t>modules</a:t>
-            </a:r>
-          </a:p>
-          <a:p>
-            <a:r>
-              <a:rPr lang="en-US" dirty="0" smtClean="0"/>
-              <a:t>Each </a:t>
-            </a:r>
-            <a:r>
-              <a:rPr lang="en-US" dirty="0"/>
-              <a:t>module has one or more chares</a:t>
-            </a:r>
-          </a:p>
-          <a:p>
-            <a:r>
-              <a:rPr lang="en-US" dirty="0"/>
-              <a:t>The module that contains the </a:t>
-            </a:r>
-            <a:r>
-              <a:rPr lang="en-US" i="1" dirty="0"/>
-              <a:t>mainchare</a:t>
-            </a:r>
-            <a:r>
-              <a:rPr lang="en-US" dirty="0"/>
-              <a:t>, is declared as the mainmodule</a:t>
-            </a:r>
-          </a:p>
-          <a:p>
-            <a:r>
-              <a:rPr lang="en-US" dirty="0"/>
-              <a:t>Each module, when compiled, generates two files:</a:t>
-            </a:r>
-          </a:p>
-          <a:p>
-            <a:pPr marL="0" indent="0">
-              <a:buNone/>
-            </a:pPr>
-            <a:r>
-              <a:rPr lang="en-US" i="1" dirty="0" smtClean="0"/>
-              <a:t>   </a:t>
-            </a:r>
-            <a:r>
-              <a:rPr lang="en-US" dirty="0" err="1" smtClean="0">
-                <a:latin typeface="Lucida Console"/>
-                <a:cs typeface="Lucida Console"/>
-              </a:rPr>
-              <a:t>MyModule.decl.h</a:t>
-            </a:r>
-            <a:r>
-              <a:rPr lang="en-US" dirty="0" smtClean="0">
-                <a:latin typeface="Lucida Console"/>
-                <a:cs typeface="Lucida Console"/>
-              </a:rPr>
-              <a:t> </a:t>
-            </a:r>
-            <a:r>
-              <a:rPr lang="en-US" dirty="0"/>
-              <a:t>and </a:t>
-            </a:r>
-            <a:r>
-              <a:rPr lang="en-US" dirty="0" err="1" smtClean="0">
-                <a:latin typeface="Lucida Console"/>
-                <a:cs typeface="Lucida Console"/>
-              </a:rPr>
-              <a:t>MyModule.def.h</a:t>
-            </a:r>
-            <a:endParaRPr lang="en-US" dirty="0" smtClean="0">
-              <a:latin typeface="Lucida Console"/>
-              <a:cs typeface="Lucida Console"/>
-            </a:endParaRPr>
-          </a:p>
-          <a:p>
-            <a:pPr marL="0" indent="0">
-              <a:buNone/>
-            </a:pPr>
-            <a:endParaRPr lang="en-US" dirty="0" smtClean="0"/>
-          </a:p>
-          <a:p>
-            <a:pPr marL="0" indent="0">
-              <a:buNone/>
-            </a:pPr>
-            <a:endParaRPr lang="en-US" dirty="0" smtClean="0"/>
-          </a:p>
-          <a:p>
-            <a:pPr marL="0" indent="0">
-              <a:buNone/>
-            </a:pPr>
-            <a:r>
-              <a:rPr lang="en-US" dirty="0" smtClean="0"/>
-              <a:t>.ci file</a:t>
-            </a:r>
-            <a:endParaRPr lang="en-US" dirty="0"/>
-          </a:p>
-        </p:txBody>
-      </p:sp>
-      <p:sp>
-        <p:nvSpPr>
-          <p:cNvPr id="4" name="Content Placeholder 3"/>
-          <p:cNvSpPr>
-            <a:spLocks noGrp="1"/>
-          </p:cNvSpPr>
-          <p:nvPr>
-            <p:ph sz="quarter" idx="14"/>
-          </p:nvPr>
-        </p:nvSpPr>
-        <p:spPr>
-          <a:xfrm>
-            <a:off x="261865" y="4513352"/>
-            <a:ext cx="8615359" cy="1252672"/>
-          </a:xfrm>
-          <a:solidFill>
-            <a:schemeClr val="accent5">
-              <a:lumMod val="40000"/>
-              <a:lumOff val="60000"/>
-            </a:schemeClr>
-          </a:solidFill>
-          <a:ln>
-            <a:solidFill>
-              <a:srgbClr val="292934"/>
-            </a:solidFill>
-          </a:ln>
-        </p:spPr>
-        <p:txBody>
-          <a:bodyPr>
-            <a:normAutofit lnSpcReduction="10000"/>
-          </a:bodyPr>
-          <a:lstStyle/>
-          <a:p>
-            <a:pPr marL="0" indent="0">
-              <a:buNone/>
-            </a:pPr>
-            <a:r>
-              <a:rPr lang="en-US" dirty="0">
-                <a:latin typeface="Consolas"/>
-                <a:cs typeface="Consolas"/>
-              </a:rPr>
-              <a:t>[main]</a:t>
-            </a:r>
-            <a:r>
-              <a:rPr lang="en-US" b="1" dirty="0">
-                <a:latin typeface="Consolas"/>
-                <a:cs typeface="Consolas"/>
-              </a:rPr>
-              <a:t>module</a:t>
-            </a:r>
-            <a:r>
-              <a:rPr lang="en-US" dirty="0">
-                <a:latin typeface="Consolas"/>
-                <a:cs typeface="Consolas"/>
-              </a:rPr>
-              <a:t> </a:t>
-            </a:r>
-            <a:r>
-              <a:rPr lang="en-US" dirty="0" err="1">
-                <a:latin typeface="Consolas"/>
-                <a:cs typeface="Consolas"/>
-              </a:rPr>
-              <a:t>MyModule</a:t>
-            </a:r>
-            <a:r>
-              <a:rPr lang="en-US" dirty="0">
-                <a:latin typeface="Consolas"/>
-                <a:cs typeface="Consolas"/>
-              </a:rPr>
-              <a:t> { </a:t>
-            </a:r>
-            <a:endParaRPr lang="en-US" dirty="0" smtClean="0">
-              <a:latin typeface="Consolas"/>
-              <a:cs typeface="Consolas"/>
-            </a:endParaRPr>
-          </a:p>
-          <a:p>
-            <a:pPr marL="0" indent="0">
-              <a:buNone/>
-            </a:pPr>
-            <a:r>
-              <a:rPr lang="en-US" dirty="0">
-                <a:latin typeface="Consolas"/>
-                <a:cs typeface="Consolas"/>
-              </a:rPr>
-              <a:t> </a:t>
-            </a:r>
-            <a:r>
-              <a:rPr lang="en-US" dirty="0" smtClean="0">
-                <a:latin typeface="Consolas"/>
-                <a:cs typeface="Consolas"/>
-              </a:rPr>
-              <a:t>  /</a:t>
-            </a:r>
-            <a:r>
-              <a:rPr lang="en-US" dirty="0">
-                <a:latin typeface="Consolas"/>
-                <a:cs typeface="Consolas"/>
-              </a:rPr>
-              <a:t>/... </a:t>
-            </a:r>
-            <a:r>
-              <a:rPr lang="en-US" dirty="0" err="1">
-                <a:latin typeface="Consolas"/>
-                <a:cs typeface="Consolas"/>
-              </a:rPr>
-              <a:t>chare</a:t>
-            </a:r>
-            <a:r>
-              <a:rPr lang="en-US" dirty="0">
-                <a:latin typeface="Consolas"/>
-                <a:cs typeface="Consolas"/>
-              </a:rPr>
-              <a:t> definitions ...</a:t>
-            </a:r>
-          </a:p>
-          <a:p>
-            <a:pPr marL="0" indent="0">
-              <a:buNone/>
-            </a:pPr>
-            <a:r>
-              <a:rPr lang="en-US" dirty="0">
-                <a:latin typeface="Consolas"/>
-                <a:cs typeface="Consolas"/>
-              </a:rPr>
-              <a:t>};</a:t>
-            </a:r>
+            <a:endParaRPr lang="en-US"/>
           </a:p>
         </p:txBody>
       </p:sp>
     </p:spTree>
     <p:extLst>
       <p:ext uri="{BB962C8B-B14F-4D97-AF65-F5344CB8AC3E}">
-        <p14:creationId xmlns:p14="http://schemas.microsoft.com/office/powerpoint/2010/main" val="3471608608"/>
+        <p14:creationId xmlns:p14="http://schemas.microsoft.com/office/powerpoint/2010/main" val="3259544835"/>
       </p:ext>
     </p:extLst>
   </p:cSld>
@@ -19756,7 +17869,7 @@
 </p:sld>
 </file>
 
-<file path=ppt/slides/slide30.xml><?xml version="1.0" encoding="utf-8"?>
+<file path=ppt/slides/slide28.xml><?xml version="1.0" encoding="utf-8"?>
 <p:sld xmlns:a="http://schemas.openxmlformats.org/drawingml/2006/main" xmlns:r="http://schemas.openxmlformats.org/officeDocument/2006/relationships" xmlns:p="http://schemas.openxmlformats.org/presentationml/2006/main">
   <p:cSld>
     <p:spTree>
@@ -19792,359 +17905,6 @@
           <a:p>
             <a:r>
               <a:rPr lang="en-US" dirty="0"/>
-              <a:t>Collections of Objects: Runtime Service</a:t>
-            </a:r>
-          </a:p>
-        </p:txBody>
-      </p:sp>
-      <p:sp>
-        <p:nvSpPr>
-          <p:cNvPr id="3" name="Content Placeholder 2"/>
-          <p:cNvSpPr>
-            <a:spLocks noGrp="1"/>
-          </p:cNvSpPr>
-          <p:nvPr>
-            <p:ph idx="1"/>
-          </p:nvPr>
-        </p:nvSpPr>
-        <p:spPr/>
-        <p:txBody>
-          <a:bodyPr/>
-          <a:lstStyle/>
-          <a:p>
-            <a:r>
-              <a:rPr lang="en-US" dirty="0"/>
-              <a:t>Can develop and test logic in objects separately from their </a:t>
-            </a:r>
-            <a:r>
-              <a:rPr lang="en-US" dirty="0" smtClean="0"/>
-              <a:t>distribution</a:t>
-            </a:r>
-          </a:p>
-          <a:p>
-            <a:r>
-              <a:rPr lang="en-US" dirty="0" smtClean="0"/>
-              <a:t>Separation </a:t>
-            </a:r>
-            <a:r>
-              <a:rPr lang="en-US" dirty="0"/>
-              <a:t>in time: make it work, then make it fast</a:t>
-            </a:r>
-          </a:p>
-          <a:p>
-            <a:r>
-              <a:rPr lang="en-US" dirty="0"/>
-              <a:t>Division of labor: domain specialist writes object code, </a:t>
-            </a:r>
-            <a:r>
-              <a:rPr lang="en-US" dirty="0" err="1"/>
-              <a:t>computationalist</a:t>
-            </a:r>
-            <a:r>
-              <a:rPr lang="en-US" dirty="0"/>
-              <a:t> writes mapping</a:t>
-            </a:r>
-          </a:p>
-          <a:p>
-            <a:r>
-              <a:rPr lang="en-US" dirty="0"/>
-              <a:t>Portability: </a:t>
-            </a:r>
-            <a:r>
-              <a:rPr lang="en-US" dirty="0" smtClean="0"/>
-              <a:t>different </a:t>
-            </a:r>
-            <a:r>
-              <a:rPr lang="en-US" dirty="0"/>
-              <a:t>mappings for </a:t>
-            </a:r>
-            <a:r>
-              <a:rPr lang="en-US" dirty="0" smtClean="0"/>
-              <a:t>different </a:t>
-            </a:r>
-            <a:r>
-              <a:rPr lang="en-US" dirty="0"/>
-              <a:t>systems, scales, or configurations</a:t>
-            </a:r>
-          </a:p>
-          <a:p>
-            <a:r>
-              <a:rPr lang="en-US" dirty="0"/>
-              <a:t>Shared progress: improved mapping techniques can benefit existing code</a:t>
-            </a:r>
-          </a:p>
-        </p:txBody>
-      </p:sp>
-      <p:sp>
-        <p:nvSpPr>
-          <p:cNvPr id="4" name="Date Placeholder 3"/>
-          <p:cNvSpPr>
-            <a:spLocks noGrp="1"/>
-          </p:cNvSpPr>
-          <p:nvPr>
-            <p:ph type="dt" sz="half" idx="10"/>
-          </p:nvPr>
-        </p:nvSpPr>
-        <p:spPr/>
-        <p:txBody>
-          <a:bodyPr/>
-          <a:lstStyle/>
-          <a:p>
-            <a:fld id="{34621E95-60A9-FF44-9869-513D9D7A859F}" type="datetime2">
-              <a:rPr lang="en-US" smtClean="0"/>
-              <a:t>Wednesday, September 10, 14</a:t>
-            </a:fld>
-            <a:endParaRPr lang="en-US"/>
-          </a:p>
-        </p:txBody>
-      </p:sp>
-      <p:sp>
-        <p:nvSpPr>
-          <p:cNvPr id="5" name="Footer Placeholder 4"/>
-          <p:cNvSpPr>
-            <a:spLocks noGrp="1"/>
-          </p:cNvSpPr>
-          <p:nvPr>
-            <p:ph type="ftr" sz="quarter" idx="11"/>
-          </p:nvPr>
-        </p:nvSpPr>
-        <p:spPr/>
-        <p:txBody>
-          <a:bodyPr/>
-          <a:lstStyle/>
-          <a:p>
-            <a:pPr algn="r"/>
-            <a:r>
-              <a:rPr lang="en-US" smtClean="0"/>
-              <a:t>Sanjay Kalé and PPL (UIUC) – Parallel Migratable Objects </a:t>
-            </a:r>
-            <a:endParaRPr lang="en-US" dirty="0"/>
-          </a:p>
-        </p:txBody>
-      </p:sp>
-      <p:sp>
-        <p:nvSpPr>
-          <p:cNvPr id="6" name="Slide Number Placeholder 5"/>
-          <p:cNvSpPr>
-            <a:spLocks noGrp="1"/>
-          </p:cNvSpPr>
-          <p:nvPr>
-            <p:ph type="sldNum" sz="quarter" idx="12"/>
-          </p:nvPr>
-        </p:nvSpPr>
-        <p:spPr/>
-        <p:txBody>
-          <a:bodyPr/>
-          <a:lstStyle/>
-          <a:p>
-            <a:fld id="{0CFEC368-1D7A-4F81-ABF6-AE0E36BAF64C}" type="slidenum">
-              <a:rPr lang="en-US" smtClean="0"/>
-              <a:pPr/>
-              <a:t>30</a:t>
-            </a:fld>
-            <a:endParaRPr lang="en-US"/>
-          </a:p>
-        </p:txBody>
-      </p:sp>
-    </p:spTree>
-    <p:extLst>
-      <p:ext uri="{BB962C8B-B14F-4D97-AF65-F5344CB8AC3E}">
-        <p14:creationId xmlns:p14="http://schemas.microsoft.com/office/powerpoint/2010/main" val="3259544835"/>
-      </p:ext>
-    </p:extLst>
-  </p:cSld>
-  <p:clrMapOvr>
-    <a:masterClrMapping/>
-  </p:clrMapOvr>
-</p:sld>
-</file>
-
-<file path=ppt/slides/slide31.xml><?xml version="1.0" encoding="utf-8"?>
-<p:sld xmlns:a="http://schemas.openxmlformats.org/drawingml/2006/main" xmlns:r="http://schemas.openxmlformats.org/officeDocument/2006/relationships" xmlns:p="http://schemas.openxmlformats.org/presentationml/2006/main">
-  <p:cSld>
-    <p:spTree>
-      <p:nvGrpSpPr>
-        <p:cNvPr id="1" name=""/>
-        <p:cNvGrpSpPr/>
-        <p:nvPr/>
-      </p:nvGrpSpPr>
-      <p:grpSpPr>
-        <a:xfrm>
-          <a:off x="0" y="0"/>
-          <a:ext cx="0" cy="0"/>
-          <a:chOff x="0" y="0"/>
-          <a:chExt cx="0" cy="0"/>
-        </a:xfrm>
-      </p:grpSpPr>
-      <p:sp>
-        <p:nvSpPr>
-          <p:cNvPr id="2" name="Title 1"/>
-          <p:cNvSpPr>
-            <a:spLocks noGrp="1"/>
-          </p:cNvSpPr>
-          <p:nvPr>
-            <p:ph type="title"/>
-          </p:nvPr>
-        </p:nvSpPr>
-        <p:spPr/>
-        <p:txBody>
-          <a:bodyPr>
-            <a:normAutofit/>
-          </a:bodyPr>
-          <a:lstStyle/>
-          <a:p>
-            <a:r>
-              <a:rPr lang="en-US" dirty="0"/>
-              <a:t>Collections of Objects</a:t>
-            </a:r>
-          </a:p>
-        </p:txBody>
-      </p:sp>
-      <p:pic>
-        <p:nvPicPr>
-          <p:cNvPr id="8" name="Content Placeholder 7" descr="elements2.pdf"/>
-          <p:cNvPicPr>
-            <a:picLocks noGrp="1" noChangeAspect="1"/>
-          </p:cNvPicPr>
-          <p:nvPr>
-            <p:ph idx="1"/>
-          </p:nvPr>
-        </p:nvPicPr>
-        <p:blipFill>
-          <a:blip r:embed="rId2">
-            <a:extLst>
-              <a:ext uri="{28A0092B-C50C-407E-A947-70E740481C1C}">
-                <a14:useLocalDpi xmlns:a14="http://schemas.microsoft.com/office/drawing/2010/main" val="0"/>
-              </a:ext>
-            </a:extLst>
-          </a:blip>
-          <a:srcRect t="-3614" b="-3614"/>
-          <a:stretch>
-            <a:fillRect/>
-          </a:stretch>
-        </p:blipFill>
-        <p:spPr/>
-      </p:pic>
-      <p:sp>
-        <p:nvSpPr>
-          <p:cNvPr id="4" name="Date Placeholder 3"/>
-          <p:cNvSpPr>
-            <a:spLocks noGrp="1"/>
-          </p:cNvSpPr>
-          <p:nvPr>
-            <p:ph type="dt" sz="half" idx="10"/>
-          </p:nvPr>
-        </p:nvSpPr>
-        <p:spPr/>
-        <p:txBody>
-          <a:bodyPr/>
-          <a:lstStyle/>
-          <a:p>
-            <a:fld id="{34621E95-60A9-FF44-9869-513D9D7A859F}" type="datetime2">
-              <a:rPr lang="en-US" smtClean="0"/>
-              <a:t>Wednesday, September 10, 14</a:t>
-            </a:fld>
-            <a:endParaRPr lang="en-US"/>
-          </a:p>
-        </p:txBody>
-      </p:sp>
-      <p:sp>
-        <p:nvSpPr>
-          <p:cNvPr id="5" name="Footer Placeholder 4"/>
-          <p:cNvSpPr>
-            <a:spLocks noGrp="1"/>
-          </p:cNvSpPr>
-          <p:nvPr>
-            <p:ph type="ftr" sz="quarter" idx="11"/>
-          </p:nvPr>
-        </p:nvSpPr>
-        <p:spPr/>
-        <p:txBody>
-          <a:bodyPr/>
-          <a:lstStyle/>
-          <a:p>
-            <a:pPr algn="r"/>
-            <a:r>
-              <a:rPr lang="en-US" smtClean="0"/>
-              <a:t>Sanjay Kalé and PPL (UIUC) – Parallel Migratable Objects </a:t>
-            </a:r>
-            <a:endParaRPr lang="en-US" dirty="0"/>
-          </a:p>
-        </p:txBody>
-      </p:sp>
-      <p:sp>
-        <p:nvSpPr>
-          <p:cNvPr id="6" name="Slide Number Placeholder 5"/>
-          <p:cNvSpPr>
-            <a:spLocks noGrp="1"/>
-          </p:cNvSpPr>
-          <p:nvPr>
-            <p:ph type="sldNum" sz="quarter" idx="12"/>
-          </p:nvPr>
-        </p:nvSpPr>
-        <p:spPr/>
-        <p:txBody>
-          <a:bodyPr/>
-          <a:lstStyle/>
-          <a:p>
-            <a:fld id="{0CFEC368-1D7A-4F81-ABF6-AE0E36BAF64C}" type="slidenum">
-              <a:rPr lang="en-US" smtClean="0"/>
-              <a:pPr/>
-              <a:t>31</a:t>
-            </a:fld>
-            <a:endParaRPr lang="en-US"/>
-          </a:p>
-        </p:txBody>
-      </p:sp>
-    </p:spTree>
-    <p:extLst>
-      <p:ext uri="{BB962C8B-B14F-4D97-AF65-F5344CB8AC3E}">
-        <p14:creationId xmlns:p14="http://schemas.microsoft.com/office/powerpoint/2010/main" val="2304650207"/>
-      </p:ext>
-    </p:extLst>
-  </p:cSld>
-  <p:clrMapOvr>
-    <a:masterClrMapping/>
-  </p:clrMapOvr>
-</p:sld>
-</file>
-
-<file path=ppt/slides/slide32.xml><?xml version="1.0" encoding="utf-8"?>
-<p:sld xmlns:a="http://schemas.openxmlformats.org/drawingml/2006/main" xmlns:r="http://schemas.openxmlformats.org/officeDocument/2006/relationships" xmlns:p="http://schemas.openxmlformats.org/presentationml/2006/main">
-  <p:cSld>
-    <p:spTree>
-      <p:nvGrpSpPr>
-        <p:cNvPr id="1" name=""/>
-        <p:cNvGrpSpPr/>
-        <p:nvPr/>
-      </p:nvGrpSpPr>
-      <p:grpSpPr>
-        <a:xfrm>
-          <a:off x="0" y="0"/>
-          <a:ext cx="0" cy="0"/>
-          <a:chOff x="0" y="0"/>
-          <a:chExt cx="0" cy="0"/>
-        </a:xfrm>
-      </p:grpSpPr>
-      <p:sp>
-        <p:nvSpPr>
-          <p:cNvPr id="2" name="Title 1"/>
-          <p:cNvSpPr>
-            <a:spLocks noGrp="1"/>
-          </p:cNvSpPr>
-          <p:nvPr>
-            <p:ph type="title"/>
-          </p:nvPr>
-        </p:nvSpPr>
-        <p:spPr/>
-        <p:txBody>
-          <a:bodyPr>
-            <a:normAutofit/>
-          </a:bodyPr>
-          <a:lstStyle/>
-          <a:p>
-            <a:r>
-              <a:rPr lang="en-US" dirty="0"/>
               <a:t>Collective Communication Operations</a:t>
             </a:r>
           </a:p>
@@ -20215,7 +17975,7 @@
             <a:fld id="{0CFEC368-1D7A-4F81-ABF6-AE0E36BAF64C}" type="slidenum">
               <a:rPr lang="en-US" smtClean="0"/>
               <a:pPr/>
-              <a:t>32</a:t>
+              <a:t>28</a:t>
             </a:fld>
             <a:endParaRPr lang="en-US" dirty="0"/>
           </a:p>
@@ -20329,10 +18089,17 @@
   <p:clrMapOvr>
     <a:masterClrMapping/>
   </p:clrMapOvr>
+  <p:timing>
+    <p:tnLst>
+      <p:par>
+        <p:cTn xmlns:p14="http://schemas.microsoft.com/office/powerpoint/2010/main" id="1" dur="indefinite" restart="never" nodeType="tmRoot"/>
+      </p:par>
+    </p:tnLst>
+  </p:timing>
 </p:sld>
 </file>
 
-<file path=ppt/slides/slide33.xml><?xml version="1.0" encoding="utf-8"?>
+<file path=ppt/slides/slide29.xml><?xml version="1.0" encoding="utf-8"?>
 <p:sld xmlns:a="http://schemas.openxmlformats.org/drawingml/2006/main" xmlns:r="http://schemas.openxmlformats.org/officeDocument/2006/relationships" xmlns:p="http://schemas.openxmlformats.org/presentationml/2006/main">
   <p:cSld>
     <p:spTree>
@@ -20439,7 +18206,7 @@
             <a:fld id="{0CFEC368-1D7A-4F81-ABF6-AE0E36BAF64C}" type="slidenum">
               <a:rPr lang="en-US" smtClean="0"/>
               <a:pPr/>
-              <a:t>33</a:t>
+              <a:t>29</a:t>
             </a:fld>
             <a:endParaRPr lang="en-US" dirty="0"/>
           </a:p>
@@ -21180,10 +18947,17 @@
   <p:clrMapOvr>
     <a:masterClrMapping/>
   </p:clrMapOvr>
+  <p:timing>
+    <p:tnLst>
+      <p:par>
+        <p:cTn xmlns:p14="http://schemas.microsoft.com/office/powerpoint/2010/main" id="1" dur="indefinite" restart="never" nodeType="tmRoot"/>
+      </p:par>
+    </p:tnLst>
+  </p:timing>
 </p:sld>
 </file>
 
-<file path=ppt/slides/slide34.xml><?xml version="1.0" encoding="utf-8"?>
+<file path=ppt/slides/slide3.xml><?xml version="1.0" encoding="utf-8"?>
 <p:sld xmlns:a="http://schemas.openxmlformats.org/drawingml/2006/main" xmlns:r="http://schemas.openxmlformats.org/officeDocument/2006/relationships" xmlns:p="http://schemas.openxmlformats.org/presentationml/2006/main">
   <p:cSld>
     <p:spTree>
@@ -21218,8 +18992,54 @@
           <a:lstStyle/>
           <a:p>
             <a:r>
+              <a:rPr lang="en-US" dirty="0"/>
+              <a:t>Charm Interface: Modules</a:t>
+            </a:r>
+          </a:p>
+        </p:txBody>
+      </p:sp>
+      <p:sp>
+        <p:nvSpPr>
+          <p:cNvPr id="7" name="Date Placeholder 6"/>
+          <p:cNvSpPr>
+            <a:spLocks noGrp="1"/>
+          </p:cNvSpPr>
+          <p:nvPr>
+            <p:ph type="dt" sz="half" idx="10"/>
+          </p:nvPr>
+        </p:nvSpPr>
+        <p:spPr/>
+        <p:txBody>
+          <a:bodyPr/>
+          <a:lstStyle/>
+          <a:p>
+            <a:fld id="{F3B8C30A-50DC-C949-89DD-4F9B44C5753D}" type="datetime2">
+              <a:rPr lang="en-US" smtClean="0"/>
+              <a:t>Wednesday, September 10, 14</a:t>
+            </a:fld>
+            <a:endParaRPr lang="en-US" dirty="0"/>
+          </a:p>
+        </p:txBody>
+      </p:sp>
+      <p:sp>
+        <p:nvSpPr>
+          <p:cNvPr id="8" name="Footer Placeholder 7"/>
+          <p:cNvSpPr>
+            <a:spLocks noGrp="1"/>
+          </p:cNvSpPr>
+          <p:nvPr>
+            <p:ph type="ftr" sz="quarter" idx="11"/>
+          </p:nvPr>
+        </p:nvSpPr>
+        <p:spPr/>
+        <p:txBody>
+          <a:bodyPr/>
+          <a:lstStyle/>
+          <a:p>
+            <a:pPr algn="r"/>
+            <a:r>
               <a:rPr lang="en-US" dirty="0" smtClean="0"/>
-              <a:t>Reduction</a:t>
+              <a:t>Sanjay Kalé and PPL (UIUC) – Parallel Migratable Objects </a:t>
             </a:r>
             <a:endParaRPr lang="en-US" dirty="0"/>
           </a:p>
@@ -21227,51 +19047,221 @@
       </p:sp>
       <p:sp>
         <p:nvSpPr>
+          <p:cNvPr id="9" name="Slide Number Placeholder 8"/>
+          <p:cNvSpPr>
+            <a:spLocks noGrp="1"/>
+          </p:cNvSpPr>
+          <p:nvPr>
+            <p:ph type="sldNum" sz="quarter" idx="12"/>
+          </p:nvPr>
+        </p:nvSpPr>
+        <p:spPr/>
+        <p:txBody>
+          <a:bodyPr/>
+          <a:lstStyle/>
+          <a:p>
+            <a:fld id="{0CFEC368-1D7A-4F81-ABF6-AE0E36BAF64C}" type="slidenum">
+              <a:rPr lang="en-US" smtClean="0"/>
+              <a:pPr/>
+              <a:t>3</a:t>
+            </a:fld>
+            <a:endParaRPr lang="en-US" dirty="0"/>
+          </a:p>
+        </p:txBody>
+      </p:sp>
+      <p:sp>
+        <p:nvSpPr>
           <p:cNvPr id="3" name="Content Placeholder 2"/>
           <p:cNvSpPr>
             <a:spLocks noGrp="1"/>
           </p:cNvSpPr>
           <p:nvPr>
-            <p:ph idx="1"/>
-          </p:nvPr>
-        </p:nvSpPr>
-        <p:spPr/>
-        <p:txBody>
-          <a:bodyPr/>
+            <p:ph sz="quarter" idx="13"/>
+          </p:nvPr>
+        </p:nvSpPr>
+        <p:spPr>
+          <a:xfrm>
+            <a:off x="261865" y="909977"/>
+            <a:ext cx="8615360" cy="3603375"/>
+          </a:xfrm>
+        </p:spPr>
+        <p:txBody>
+          <a:bodyPr>
+            <a:normAutofit lnSpcReduction="10000"/>
+          </a:bodyPr>
           <a:lstStyle/>
           <a:p>
             <a:r>
               <a:rPr lang="en-US" dirty="0"/>
-              <a:t>Combines a set of values: </a:t>
-            </a:r>
+              <a:t>Charm++ programs are organized as a collection of </a:t>
+            </a:r>
+            <a:r>
+              <a:rPr lang="en-US" dirty="0" smtClean="0"/>
+              <a:t>modules</a:t>
+            </a:r>
+          </a:p>
+          <a:p>
+            <a:r>
+              <a:rPr lang="en-US" dirty="0" smtClean="0"/>
+              <a:t>Each </a:t>
+            </a:r>
+            <a:r>
+              <a:rPr lang="en-US" dirty="0"/>
+              <a:t>module has one or more chares</a:t>
+            </a:r>
+          </a:p>
+          <a:p>
+            <a:r>
+              <a:rPr lang="en-US" dirty="0"/>
+              <a:t>The module that contains the </a:t>
+            </a:r>
+            <a:r>
+              <a:rPr lang="en-US" i="1" dirty="0"/>
+              <a:t>mainchare</a:t>
+            </a:r>
+            <a:r>
+              <a:rPr lang="en-US" dirty="0"/>
+              <a:t>, is declared as the mainmodule</a:t>
+            </a:r>
+          </a:p>
+          <a:p>
+            <a:r>
+              <a:rPr lang="en-US" dirty="0"/>
+              <a:t>Each module, when compiled, generates two files:</a:t>
+            </a:r>
+          </a:p>
+          <a:p>
+            <a:pPr marL="0" indent="0">
+              <a:buNone/>
+            </a:pPr>
+            <a:r>
+              <a:rPr lang="en-US" i="1" dirty="0" smtClean="0"/>
+              <a:t>   </a:t>
+            </a:r>
+            <a:r>
+              <a:rPr lang="en-US" dirty="0" err="1" smtClean="0">
+                <a:latin typeface="Lucida Console"/>
+                <a:cs typeface="Lucida Console"/>
+              </a:rPr>
+              <a:t>MyModule.decl.h</a:t>
+            </a:r>
+            <a:r>
+              <a:rPr lang="en-US" dirty="0" smtClean="0">
+                <a:latin typeface="Lucida Console"/>
+                <a:cs typeface="Lucida Console"/>
+              </a:rPr>
+              <a:t> </a:t>
+            </a:r>
+            <a:r>
+              <a:rPr lang="en-US" dirty="0"/>
+              <a:t>and </a:t>
+            </a:r>
+            <a:r>
+              <a:rPr lang="en-US" dirty="0" err="1" smtClean="0">
+                <a:latin typeface="Lucida Console"/>
+                <a:cs typeface="Lucida Console"/>
+              </a:rPr>
+              <a:t>MyModule.def.h</a:t>
+            </a:r>
+            <a:endParaRPr lang="en-US" dirty="0" smtClean="0">
+              <a:latin typeface="Lucida Console"/>
+              <a:cs typeface="Lucida Console"/>
+            </a:endParaRPr>
+          </a:p>
+          <a:p>
+            <a:pPr marL="0" indent="0">
+              <a:buNone/>
+            </a:pPr>
+            <a:endParaRPr lang="en-US" dirty="0" smtClean="0"/>
+          </a:p>
+          <a:p>
+            <a:pPr marL="0" indent="0">
+              <a:buNone/>
+            </a:pPr>
+            <a:endParaRPr lang="en-US" dirty="0" smtClean="0"/>
+          </a:p>
+          <a:p>
+            <a:pPr marL="0" indent="0">
+              <a:buNone/>
+            </a:pPr>
+            <a:r>
+              <a:rPr lang="en-US" dirty="0" smtClean="0"/>
+              <a:t>.ci file</a:t>
+            </a:r>
+            <a:endParaRPr lang="en-US" dirty="0"/>
+          </a:p>
+        </p:txBody>
+      </p:sp>
+      <p:sp>
+        <p:nvSpPr>
+          <p:cNvPr id="4" name="Content Placeholder 3"/>
+          <p:cNvSpPr>
+            <a:spLocks noGrp="1"/>
+          </p:cNvSpPr>
+          <p:nvPr>
+            <p:ph sz="quarter" idx="14"/>
+          </p:nvPr>
+        </p:nvSpPr>
+        <p:spPr>
+          <a:xfrm>
+            <a:off x="261865" y="4513352"/>
+            <a:ext cx="8615359" cy="1252672"/>
+          </a:xfrm>
+          <a:solidFill>
+            <a:schemeClr val="accent5">
+              <a:lumMod val="40000"/>
+              <a:lumOff val="60000"/>
+            </a:schemeClr>
+          </a:solidFill>
+          <a:ln>
+            <a:solidFill>
+              <a:srgbClr val="292934"/>
+            </a:solidFill>
+          </a:ln>
+        </p:spPr>
+        <p:txBody>
+          <a:bodyPr>
+            <a:normAutofit lnSpcReduction="10000"/>
+          </a:bodyPr>
+          <a:lstStyle/>
+          <a:p>
+            <a:pPr marL="0" indent="0">
+              <a:buNone/>
+            </a:pPr>
             <a:r>
               <a:rPr lang="en-US" dirty="0">
                 <a:latin typeface="Consolas"/>
                 <a:cs typeface="Consolas"/>
               </a:rPr>
-              <a:t>sum</a:t>
-            </a:r>
-            <a:r>
-              <a:rPr lang="en-US" dirty="0"/>
-              <a:t>, </a:t>
+              <a:t>[main]</a:t>
+            </a:r>
+            <a:r>
+              <a:rPr lang="en-US" b="1" dirty="0">
+                <a:latin typeface="Consolas"/>
+                <a:cs typeface="Consolas"/>
+              </a:rPr>
+              <a:t>module</a:t>
             </a:r>
             <a:r>
               <a:rPr lang="en-US" dirty="0">
                 <a:latin typeface="Consolas"/>
                 <a:cs typeface="Consolas"/>
               </a:rPr>
-              <a:t>max</a:t>
-            </a:r>
-            <a:r>
-              <a:rPr lang="en-US" dirty="0"/>
-              <a:t>, </a:t>
+              <a:t> </a:t>
+            </a:r>
+            <a:r>
+              <a:rPr lang="en-US" dirty="0" err="1">
+                <a:latin typeface="Consolas"/>
+                <a:cs typeface="Consolas"/>
+              </a:rPr>
+              <a:t>MyModule</a:t>
             </a:r>
             <a:r>
               <a:rPr lang="en-US" dirty="0">
                 <a:latin typeface="Consolas"/>
                 <a:cs typeface="Consolas"/>
               </a:rPr>
-              <a:t>aggregate </a:t>
+              <a:t> { </a:t>
             </a:r>
             <a:endParaRPr lang="en-US" dirty="0" smtClean="0">
               <a:latin typeface="Consolas"/>
@@ -21279,141 +19269,80 @@
             </a:endParaRPr>
           </a:p>
           <a:p>
-            <a:r>
-              <a:rPr lang="en-US" dirty="0" smtClean="0"/>
-              <a:t>Usually </a:t>
-            </a:r>
-            <a:r>
-              <a:rPr lang="en-US" dirty="0"/>
-              <a:t>reduces the set of values to a single value </a:t>
-            </a:r>
-            <a:endParaRPr lang="en-US" dirty="0" smtClean="0"/>
-          </a:p>
-          <a:p>
-            <a:r>
-              <a:rPr lang="en-US" dirty="0" smtClean="0"/>
-              <a:t>Combination </a:t>
-            </a:r>
-            <a:r>
-              <a:rPr lang="en-US" dirty="0"/>
-              <a:t>of values requires an operator</a:t>
-            </a:r>
-          </a:p>
-          <a:p>
-            <a:r>
-              <a:rPr lang="en-US" dirty="0"/>
-              <a:t>The operator must be commutative and associative </a:t>
-            </a:r>
-            <a:endParaRPr lang="en-US" dirty="0" smtClean="0"/>
-          </a:p>
-          <a:p>
-            <a:r>
-              <a:rPr lang="en-US" dirty="0" smtClean="0"/>
-              <a:t>Each </a:t>
-            </a:r>
-            <a:r>
-              <a:rPr lang="en-US" dirty="0"/>
-              <a:t>object calls </a:t>
-            </a:r>
+            <a:pPr marL="0" indent="0">
+              <a:buNone/>
+            </a:pPr>
             <a:r>
               <a:rPr lang="en-US" dirty="0">
-                <a:latin typeface="Lucida Console"/>
-                <a:cs typeface="Lucida Console"/>
-              </a:rPr>
-              <a:t>contribute</a:t>
-            </a:r>
-            <a:r>
-              <a:rPr lang="en-US" dirty="0"/>
-              <a:t> in a reduction</a:t>
-            </a:r>
-          </a:p>
-        </p:txBody>
-      </p:sp>
-      <p:sp>
-        <p:nvSpPr>
-          <p:cNvPr id="4" name="Date Placeholder 3"/>
-          <p:cNvSpPr>
-            <a:spLocks noGrp="1"/>
-          </p:cNvSpPr>
-          <p:nvPr>
-            <p:ph type="dt" sz="half" idx="10"/>
-          </p:nvPr>
-        </p:nvSpPr>
-        <p:spPr/>
-        <p:txBody>
-          <a:bodyPr/>
-          <a:lstStyle/>
-          <a:p>
-            <a:fld id="{34621E95-60A9-FF44-9869-513D9D7A859F}" type="datetime2">
-              <a:rPr lang="en-US" smtClean="0"/>
-              <a:t>Wednesday, September 10, 14</a:t>
-            </a:fld>
-            <a:endParaRPr lang="en-US"/>
-          </a:p>
-        </p:txBody>
-      </p:sp>
-      <p:sp>
-        <p:nvSpPr>
-          <p:cNvPr id="5" name="Footer Placeholder 4"/>
-          <p:cNvSpPr>
-            <a:spLocks noGrp="1"/>
-          </p:cNvSpPr>
-          <p:nvPr>
-            <p:ph type="ftr" sz="quarter" idx="11"/>
-          </p:nvPr>
-        </p:nvSpPr>
-        <p:spPr/>
-        <p:txBody>
-          <a:bodyPr/>
-          <a:lstStyle/>
-          <a:p>
-            <a:pPr algn="r"/>
-            <a:r>
-              <a:rPr lang="en-US" smtClean="0"/>
-              <a:t>Sanjay Kalé and PPL (UIUC) – Parallel Migratable Objects </a:t>
-            </a:r>
-            <a:endParaRPr lang="en-US" dirty="0"/>
-          </a:p>
-        </p:txBody>
-      </p:sp>
-      <p:sp>
-        <p:nvSpPr>
-          <p:cNvPr id="6" name="Slide Number Placeholder 5"/>
-          <p:cNvSpPr>
-            <a:spLocks noGrp="1"/>
-          </p:cNvSpPr>
-          <p:nvPr>
-            <p:ph type="sldNum" sz="quarter" idx="12"/>
-          </p:nvPr>
-        </p:nvSpPr>
-        <p:spPr/>
-        <p:txBody>
-          <a:bodyPr/>
-          <a:lstStyle/>
-          <a:p>
-            <a:fld id="{0CFEC368-1D7A-4F81-ABF6-AE0E36BAF64C}" type="slidenum">
-              <a:rPr lang="en-US" smtClean="0"/>
-              <a:pPr/>
-              <a:t>34</a:t>
-            </a:fld>
-            <a:endParaRPr lang="en-US"/>
+                <a:latin typeface="Consolas"/>
+                <a:cs typeface="Consolas"/>
+              </a:rPr>
+              <a:t> </a:t>
+            </a:r>
+            <a:r>
+              <a:rPr lang="en-US" dirty="0" smtClean="0">
+                <a:latin typeface="Consolas"/>
+                <a:cs typeface="Consolas"/>
+              </a:rPr>
+              <a:t>  /</a:t>
+            </a:r>
+            <a:r>
+              <a:rPr lang="en-US" dirty="0">
+                <a:latin typeface="Consolas"/>
+                <a:cs typeface="Consolas"/>
+              </a:rPr>
+              <a:t>/... </a:t>
+            </a:r>
+            <a:r>
+              <a:rPr lang="en-US" dirty="0" err="1">
+                <a:latin typeface="Consolas"/>
+                <a:cs typeface="Consolas"/>
+              </a:rPr>
+              <a:t>chare</a:t>
+            </a:r>
+            <a:r>
+              <a:rPr lang="en-US" dirty="0">
+                <a:latin typeface="Consolas"/>
+                <a:cs typeface="Consolas"/>
+              </a:rPr>
+              <a:t> definitions ...</a:t>
+            </a:r>
+          </a:p>
+          <a:p>
+            <a:pPr marL="0" indent="0">
+              <a:buNone/>
+            </a:pPr>
+            <a:r>
+              <a:rPr lang="en-US" dirty="0">
+                <a:latin typeface="Consolas"/>
+                <a:cs typeface="Consolas"/>
+              </a:rPr>
+              <a:t>};</a:t>
+            </a:r>
           </a:p>
         </p:txBody>
       </p:sp>
     </p:spTree>
     <p:extLst>
       <p:ext uri="{BB962C8B-B14F-4D97-AF65-F5344CB8AC3E}">
-        <p14:creationId xmlns:p14="http://schemas.microsoft.com/office/powerpoint/2010/main" val="2914128766"/>
+        <p14:creationId xmlns:p14="http://schemas.microsoft.com/office/powerpoint/2010/main" val="3471608608"/>
       </p:ext>
     </p:extLst>
   </p:cSld>
   <p:clrMapOvr>
     <a:masterClrMapping/>
   </p:clrMapOvr>
+  <p:timing>
+    <p:tnLst>
+      <p:par>
+        <p:cTn xmlns:p14="http://schemas.microsoft.com/office/powerpoint/2010/main" id="1" dur="indefinite" restart="never" nodeType="tmRoot"/>
+      </p:par>
+    </p:tnLst>
+  </p:timing>
 </p:sld>
 </file>
 
-<file path=ppt/slides/slide35.xml><?xml version="1.0" encoding="utf-8"?>
+<file path=ppt/slides/slide30.xml><?xml version="1.0" encoding="utf-8"?>
 <p:sld xmlns:a="http://schemas.openxmlformats.org/drawingml/2006/main" xmlns:r="http://schemas.openxmlformats.org/officeDocument/2006/relationships" xmlns:p="http://schemas.openxmlformats.org/presentationml/2006/main">
   <p:cSld>
     <p:spTree>
@@ -21449,6 +19378,243 @@
           <a:p>
             <a:r>
               <a:rPr lang="en-US" dirty="0" smtClean="0"/>
+              <a:t>Reduction</a:t>
+            </a:r>
+            <a:endParaRPr lang="en-US" dirty="0"/>
+          </a:p>
+        </p:txBody>
+      </p:sp>
+      <p:sp>
+        <p:nvSpPr>
+          <p:cNvPr id="3" name="Content Placeholder 2"/>
+          <p:cNvSpPr>
+            <a:spLocks noGrp="1"/>
+          </p:cNvSpPr>
+          <p:nvPr>
+            <p:ph idx="1"/>
+          </p:nvPr>
+        </p:nvSpPr>
+        <p:spPr/>
+        <p:txBody>
+          <a:bodyPr/>
+          <a:lstStyle/>
+          <a:p>
+            <a:r>
+              <a:rPr lang="en-US" dirty="0"/>
+              <a:t>Combines a set of values: </a:t>
+            </a:r>
+            <a:r>
+              <a:rPr lang="en-US" dirty="0">
+                <a:latin typeface="Consolas"/>
+                <a:cs typeface="Consolas"/>
+              </a:rPr>
+              <a:t>sum</a:t>
+            </a:r>
+            <a:r>
+              <a:rPr lang="en-US" dirty="0"/>
+              <a:t>, </a:t>
+            </a:r>
+            <a:r>
+              <a:rPr lang="en-US" dirty="0">
+                <a:latin typeface="Consolas"/>
+                <a:cs typeface="Consolas"/>
+              </a:rPr>
+              <a:t>max</a:t>
+            </a:r>
+            <a:r>
+              <a:rPr lang="en-US" dirty="0"/>
+              <a:t>, </a:t>
+            </a:r>
+            <a:r>
+              <a:rPr lang="en-US" dirty="0">
+                <a:latin typeface="Consolas"/>
+                <a:cs typeface="Consolas"/>
+              </a:rPr>
+              <a:t>aggregate </a:t>
+            </a:r>
+            <a:endParaRPr lang="en-US" dirty="0" smtClean="0">
+              <a:latin typeface="Consolas"/>
+              <a:cs typeface="Consolas"/>
+            </a:endParaRPr>
+          </a:p>
+          <a:p>
+            <a:r>
+              <a:rPr lang="en-US" dirty="0" smtClean="0"/>
+              <a:t>Usually </a:t>
+            </a:r>
+            <a:r>
+              <a:rPr lang="en-US" dirty="0"/>
+              <a:t>reduces the set of values to a single value </a:t>
+            </a:r>
+            <a:endParaRPr lang="en-US" dirty="0" smtClean="0"/>
+          </a:p>
+          <a:p>
+            <a:r>
+              <a:rPr lang="en-US" dirty="0" smtClean="0"/>
+              <a:t>Combination </a:t>
+            </a:r>
+            <a:r>
+              <a:rPr lang="en-US" dirty="0"/>
+              <a:t>of values requires an operator</a:t>
+            </a:r>
+          </a:p>
+          <a:p>
+            <a:r>
+              <a:rPr lang="en-US" dirty="0"/>
+              <a:t>The operator must be commutative and associative </a:t>
+            </a:r>
+            <a:endParaRPr lang="en-US" dirty="0" smtClean="0"/>
+          </a:p>
+          <a:p>
+            <a:r>
+              <a:rPr lang="en-US" dirty="0" smtClean="0"/>
+              <a:t>Each </a:t>
+            </a:r>
+            <a:r>
+              <a:rPr lang="en-US" dirty="0"/>
+              <a:t>object calls </a:t>
+            </a:r>
+            <a:r>
+              <a:rPr lang="en-US" dirty="0">
+                <a:latin typeface="Lucida Console"/>
+                <a:cs typeface="Lucida Console"/>
+              </a:rPr>
+              <a:t>contribute</a:t>
+            </a:r>
+            <a:r>
+              <a:rPr lang="en-US" dirty="0"/>
+              <a:t> in a reduction</a:t>
+            </a:r>
+          </a:p>
+        </p:txBody>
+      </p:sp>
+      <p:sp>
+        <p:nvSpPr>
+          <p:cNvPr id="4" name="Date Placeholder 3"/>
+          <p:cNvSpPr>
+            <a:spLocks noGrp="1"/>
+          </p:cNvSpPr>
+          <p:nvPr>
+            <p:ph type="dt" sz="half" idx="10"/>
+          </p:nvPr>
+        </p:nvSpPr>
+        <p:spPr/>
+        <p:txBody>
+          <a:bodyPr/>
+          <a:lstStyle/>
+          <a:p>
+            <a:fld id="{34621E95-60A9-FF44-9869-513D9D7A859F}" type="datetime2">
+              <a:rPr lang="en-US" smtClean="0"/>
+              <a:t>Wednesday, September 10, 14</a:t>
+            </a:fld>
+            <a:endParaRPr lang="en-US"/>
+          </a:p>
+        </p:txBody>
+      </p:sp>
+      <p:sp>
+        <p:nvSpPr>
+          <p:cNvPr id="5" name="Footer Placeholder 4"/>
+          <p:cNvSpPr>
+            <a:spLocks noGrp="1"/>
+          </p:cNvSpPr>
+          <p:nvPr>
+            <p:ph type="ftr" sz="quarter" idx="11"/>
+          </p:nvPr>
+        </p:nvSpPr>
+        <p:spPr/>
+        <p:txBody>
+          <a:bodyPr/>
+          <a:lstStyle/>
+          <a:p>
+            <a:pPr algn="r"/>
+            <a:r>
+              <a:rPr lang="en-US" smtClean="0"/>
+              <a:t>Sanjay Kalé and PPL (UIUC) – Parallel Migratable Objects </a:t>
+            </a:r>
+            <a:endParaRPr lang="en-US" dirty="0"/>
+          </a:p>
+        </p:txBody>
+      </p:sp>
+      <p:sp>
+        <p:nvSpPr>
+          <p:cNvPr id="6" name="Slide Number Placeholder 5"/>
+          <p:cNvSpPr>
+            <a:spLocks noGrp="1"/>
+          </p:cNvSpPr>
+          <p:nvPr>
+            <p:ph type="sldNum" sz="quarter" idx="12"/>
+          </p:nvPr>
+        </p:nvSpPr>
+        <p:spPr/>
+        <p:txBody>
+          <a:bodyPr/>
+          <a:lstStyle/>
+          <a:p>
+            <a:fld id="{0CFEC368-1D7A-4F81-ABF6-AE0E36BAF64C}" type="slidenum">
+              <a:rPr lang="en-US" smtClean="0"/>
+              <a:pPr/>
+              <a:t>30</a:t>
+            </a:fld>
+            <a:endParaRPr lang="en-US"/>
+          </a:p>
+        </p:txBody>
+      </p:sp>
+    </p:spTree>
+    <p:extLst>
+      <p:ext uri="{BB962C8B-B14F-4D97-AF65-F5344CB8AC3E}">
+        <p14:creationId xmlns:p14="http://schemas.microsoft.com/office/powerpoint/2010/main" val="2914128766"/>
+      </p:ext>
+    </p:extLst>
+  </p:cSld>
+  <p:clrMapOvr>
+    <a:masterClrMapping/>
+  </p:clrMapOvr>
+  <p:timing>
+    <p:tnLst>
+      <p:par>
+        <p:cTn xmlns:p14="http://schemas.microsoft.com/office/powerpoint/2010/main" id="1" dur="indefinite" restart="never" nodeType="tmRoot"/>
+      </p:par>
+    </p:tnLst>
+  </p:timing>
+</p:sld>
+</file>
+
+<file path=ppt/slides/slide31.xml><?xml version="1.0" encoding="utf-8"?>
+<p:sld xmlns:a="http://schemas.openxmlformats.org/drawingml/2006/main" xmlns:r="http://schemas.openxmlformats.org/officeDocument/2006/relationships" xmlns:p="http://schemas.openxmlformats.org/presentationml/2006/main">
+  <p:cSld>
+    <p:spTree>
+      <p:nvGrpSpPr>
+        <p:cNvPr id="1" name=""/>
+        <p:cNvGrpSpPr/>
+        <p:nvPr/>
+      </p:nvGrpSpPr>
+      <p:grpSpPr>
+        <a:xfrm>
+          <a:off x="0" y="0"/>
+          <a:ext cx="0" cy="0"/>
+          <a:chOff x="0" y="0"/>
+          <a:chExt cx="0" cy="0"/>
+        </a:xfrm>
+      </p:grpSpPr>
+      <p:sp>
+        <p:nvSpPr>
+          <p:cNvPr id="2" name="Title 1"/>
+          <p:cNvSpPr>
+            <a:spLocks noGrp="1"/>
+          </p:cNvSpPr>
+          <p:nvPr>
+            <p:ph type="title"/>
+          </p:nvPr>
+        </p:nvSpPr>
+        <p:spPr/>
+        <p:txBody>
+          <a:bodyPr>
+            <a:normAutofit/>
+          </a:bodyPr>
+          <a:lstStyle/>
+          <a:p>
+            <a:r>
+              <a:rPr lang="en-US" dirty="0" smtClean="0"/>
               <a:t>Reduction: Example</a:t>
             </a:r>
             <a:endParaRPr lang="en-US" dirty="0"/>
@@ -21884,7 +20050,7 @@
             <a:fld id="{0CFEC368-1D7A-4F81-ABF6-AE0E36BAF64C}" type="slidenum">
               <a:rPr lang="en-US" smtClean="0"/>
               <a:pPr/>
-              <a:t>35</a:t>
+              <a:t>31</a:t>
             </a:fld>
             <a:endParaRPr lang="en-US"/>
           </a:p>
@@ -21910,7 +20076,7 @@
 </p:sld>
 </file>
 
-<file path=ppt/slides/slide36.xml><?xml version="1.0" encoding="utf-8"?>
+<file path=ppt/slides/slide32.xml><?xml version="1.0" encoding="utf-8"?>
 <p:sld xmlns:a="http://schemas.openxmlformats.org/drawingml/2006/main" xmlns:r="http://schemas.openxmlformats.org/officeDocument/2006/relationships" xmlns:p="http://schemas.openxmlformats.org/presentationml/2006/main">
   <p:cSld>
     <p:spTree>
@@ -22017,7 +20183,7 @@
             <a:fld id="{0CFEC368-1D7A-4F81-ABF6-AE0E36BAF64C}" type="slidenum">
               <a:rPr lang="en-US" smtClean="0"/>
               <a:pPr/>
-              <a:t>36</a:t>
+              <a:t>32</a:t>
             </a:fld>
             <a:endParaRPr lang="en-US" dirty="0"/>
           </a:p>
@@ -23219,6 +21385,13 @@
   <p:clrMapOvr>
     <a:masterClrMapping/>
   </p:clrMapOvr>
+  <p:timing>
+    <p:tnLst>
+      <p:par>
+        <p:cTn xmlns:p14="http://schemas.microsoft.com/office/powerpoint/2010/main" id="1" dur="indefinite" restart="never" nodeType="tmRoot"/>
+      </p:par>
+    </p:tnLst>
+  </p:timing>
 </p:sld>
 </file>
 
@@ -23946,6 +22119,13 @@
   <p:clrMapOvr>
     <a:masterClrMapping/>
   </p:clrMapOvr>
+  <p:timing>
+    <p:tnLst>
+      <p:par>
+        <p:cTn xmlns:p14="http://schemas.microsoft.com/office/powerpoint/2010/main" id="1" dur="indefinite" restart="never" nodeType="tmRoot"/>
+      </p:par>
+    </p:tnLst>
+  </p:timing>
 </p:sld>
 </file>
 
@@ -24189,6 +22369,13 @@
   <p:clrMapOvr>
     <a:masterClrMapping/>
   </p:clrMapOvr>
+  <p:timing>
+    <p:tnLst>
+      <p:par>
+        <p:cTn xmlns:p14="http://schemas.microsoft.com/office/powerpoint/2010/main" id="1" dur="indefinite" restart="never" nodeType="tmRoot"/>
+      </p:par>
+    </p:tnLst>
+  </p:timing>
 </p:sld>
 </file>
 
@@ -24594,6 +22781,13 @@
   <p:clrMapOvr>
     <a:masterClrMapping/>
   </p:clrMapOvr>
+  <p:timing>
+    <p:tnLst>
+      <p:par>
+        <p:cTn xmlns:p14="http://schemas.microsoft.com/office/powerpoint/2010/main" id="1" dur="indefinite" restart="never" nodeType="tmRoot"/>
+      </p:par>
+    </p:tnLst>
+  </p:timing>
 </p:sld>
 </file>
 
@@ -25288,6 +23482,13 @@
   <p:clrMapOvr>
     <a:masterClrMapping/>
   </p:clrMapOvr>
+  <p:timing>
+    <p:tnLst>
+      <p:par>
+        <p:cTn xmlns:p14="http://schemas.microsoft.com/office/powerpoint/2010/main" id="1" dur="indefinite" restart="never" nodeType="tmRoot"/>
+      </p:par>
+    </p:tnLst>
+  </p:timing>
 </p:sld>
 </file>
 
@@ -25497,6 +23698,13 @@
   <p:clrMapOvr>
     <a:masterClrMapping/>
   </p:clrMapOvr>
+  <p:timing>
+    <p:tnLst>
+      <p:par>
+        <p:cTn xmlns:p14="http://schemas.microsoft.com/office/powerpoint/2010/main" id="1" dur="indefinite" restart="never" nodeType="tmRoot"/>
+      </p:par>
+    </p:tnLst>
+  </p:timing>
 </p:sld>
 </file>
 

--- a/tutorial-04-charm_basics.pptx
+++ b/tutorial-04-charm_basics.pptx
@@ -232,7 +232,7 @@
           <a:p>
             <a:fld id="{775CE290-E0F5-444C-B849-A8F17CD4104C}" type="datetimeFigureOut">
               <a:rPr lang="en-US" smtClean="0"/>
-              <a:t>9/10/14</a:t>
+              <a:t>9/12/14</a:t>
             </a:fld>
             <a:endParaRPr lang="en-US" dirty="0"/>
           </a:p>
@@ -398,7 +398,7 @@
           <a:p>
             <a:fld id="{AD53A24C-4135-094C-957B-35852E7EDFA4}" type="datetimeFigureOut">
               <a:rPr lang="en-US" smtClean="0"/>
-              <a:t>9/10/14</a:t>
+              <a:t>9/12/14</a:t>
             </a:fld>
             <a:endParaRPr lang="en-US" dirty="0"/>
           </a:p>
@@ -857,9 +857,9 @@
           <a:bodyPr/>
           <a:lstStyle/>
           <a:p>
-            <a:fld id="{B594EA25-E4F4-3746-A0BA-A11E27330E0F}" type="datetime2">
+            <a:fld id="{9DA37069-E226-BF41-A765-FD78E821673C}" type="datetime2">
               <a:rPr lang="en-US" smtClean="0"/>
-              <a:t>Wednesday, September 10, 14</a:t>
+              <a:t>Friday, September 12, 14</a:t>
             </a:fld>
             <a:endParaRPr lang="en-US" dirty="0"/>
           </a:p>
@@ -883,7 +883,7 @@
             <a:pPr algn="r"/>
             <a:r>
               <a:rPr lang="en-US" smtClean="0"/>
-              <a:t>Sanjay Kalé and PPL (UIUC) – Parallel Migratable Objects </a:t>
+              <a:t>Laxmikant Kalé and PPL (UIUC) – Parallel Migratable Objects </a:t>
             </a:r>
             <a:endParaRPr lang="en-US" dirty="0"/>
           </a:p>
@@ -1162,7 +1162,7 @@
                 <a:latin typeface="Times New Roman"/>
                 <a:cs typeface="Times New Roman"/>
               </a:rPr>
-              <a:t>September 10, 2014</a:t>
+              <a:t>September 12, 2014</a:t>
             </a:fld>
             <a:endParaRPr lang="en-US" dirty="0">
               <a:latin typeface="Times New Roman"/>
@@ -1436,7 +1436,7 @@
                 <a:latin typeface="Times New Roman"/>
                 <a:cs typeface="Times New Roman"/>
               </a:rPr>
-              <a:t>September 10, 2014</a:t>
+              <a:t>September 12, 2014</a:t>
             </a:fld>
             <a:endParaRPr lang="en-US" dirty="0">
               <a:latin typeface="Times New Roman"/>
@@ -1669,9 +1669,9 @@
           <a:bodyPr/>
           <a:lstStyle/>
           <a:p>
-            <a:fld id="{EA699BF9-66CB-F244-8E74-7B1BE1C77046}" type="datetime2">
+            <a:fld id="{6E36B3D8-E95B-2C4A-9CD3-EC31F3CE3E7A}" type="datetime2">
               <a:rPr lang="en-US" smtClean="0"/>
-              <a:t>Wednesday, September 10, 14</a:t>
+              <a:t>Friday, September 12, 14</a:t>
             </a:fld>
             <a:endParaRPr lang="en-US" dirty="0"/>
           </a:p>
@@ -1695,7 +1695,7 @@
             <a:pPr algn="r"/>
             <a:r>
               <a:rPr lang="en-US" smtClean="0"/>
-              <a:t>Sanjay Kalé and PPL (UIUC) – Parallel Migratable Objects </a:t>
+              <a:t>Laxmikant Kalé and PPL (UIUC) – Parallel Migratable Objects </a:t>
             </a:r>
             <a:endParaRPr lang="en-US" dirty="0"/>
           </a:p>
@@ -1980,9 +1980,9 @@
           <a:bodyPr/>
           <a:lstStyle/>
           <a:p>
-            <a:fld id="{D300BE84-9843-8B4F-B3C8-647B06AC46C9}" type="datetime2">
+            <a:fld id="{4451EED1-354D-F043-BA49-5701C3D7E307}" type="datetime2">
               <a:rPr lang="en-US" smtClean="0"/>
-              <a:t>Wednesday, September 10, 14</a:t>
+              <a:t>Friday, September 12, 14</a:t>
             </a:fld>
             <a:endParaRPr lang="en-US" dirty="0"/>
           </a:p>
@@ -2006,7 +2006,7 @@
             <a:pPr algn="r"/>
             <a:r>
               <a:rPr lang="en-US" smtClean="0"/>
-              <a:t>Sanjay Kalé and PPL (UIUC) – Parallel Migratable Objects </a:t>
+              <a:t>Laxmikant Kalé and PPL (UIUC) – Parallel Migratable Objects </a:t>
             </a:r>
             <a:endParaRPr lang="en-US" dirty="0"/>
           </a:p>
@@ -2151,9 +2151,9 @@
           <a:bodyPr/>
           <a:lstStyle/>
           <a:p>
-            <a:fld id="{C460AE39-2092-A945-8296-F25085B9A0F1}" type="datetime2">
+            <a:fld id="{2832DCE1-26A2-284F-8088-28EBAE81964E}" type="datetime2">
               <a:rPr lang="en-US" smtClean="0"/>
-              <a:t>Wednesday, September 10, 14</a:t>
+              <a:t>Friday, September 12, 14</a:t>
             </a:fld>
             <a:endParaRPr lang="en-US" dirty="0"/>
           </a:p>
@@ -2177,7 +2177,7 @@
             <a:pPr algn="r"/>
             <a:r>
               <a:rPr lang="en-US" smtClean="0"/>
-              <a:t>Sanjay Kalé and PPL (UIUC) – Parallel Migratable Objects </a:t>
+              <a:t>Laxmikant Kalé and PPL (UIUC) – Parallel Migratable Objects </a:t>
             </a:r>
             <a:endParaRPr lang="en-US" dirty="0"/>
           </a:p>
@@ -2332,9 +2332,9 @@
           <a:bodyPr/>
           <a:lstStyle/>
           <a:p>
-            <a:fld id="{63BC7E9D-3218-5E49-A867-E087AB2F4618}" type="datetime2">
+            <a:fld id="{0A8DB774-9767-5644-ADC1-F271B8CD1C76}" type="datetime2">
               <a:rPr lang="en-US" smtClean="0"/>
-              <a:t>Wednesday, September 10, 14</a:t>
+              <a:t>Friday, September 12, 14</a:t>
             </a:fld>
             <a:endParaRPr lang="en-US" dirty="0"/>
           </a:p>
@@ -2358,7 +2358,7 @@
             <a:pPr algn="r"/>
             <a:r>
               <a:rPr lang="en-US" smtClean="0"/>
-              <a:t>Sanjay Kalé and PPL (UIUC) – Parallel Migratable Objects </a:t>
+              <a:t>Laxmikant Kalé and PPL (UIUC) – Parallel Migratable Objects </a:t>
             </a:r>
             <a:endParaRPr lang="en-US" dirty="0"/>
           </a:p>
@@ -2586,9 +2586,9 @@
           <a:bodyPr/>
           <a:lstStyle/>
           <a:p>
-            <a:fld id="{B594EA25-E4F4-3746-A0BA-A11E27330E0F}" type="datetime2">
+            <a:fld id="{ADA8637E-6038-4B49-8FCC-832D8BA79C3A}" type="datetime2">
               <a:rPr lang="en-US" smtClean="0"/>
-              <a:t>Wednesday, September 10, 14</a:t>
+              <a:t>Friday, September 12, 14</a:t>
             </a:fld>
             <a:endParaRPr lang="en-US" dirty="0"/>
           </a:p>
@@ -2611,8 +2611,8 @@
           <a:p>
             <a:pPr algn="r"/>
             <a:r>
-              <a:rPr lang="en-US" dirty="0" smtClean="0"/>
-              <a:t>Sanjay Kalé and PPL (UIUC) – Parallel Migratable Objects </a:t>
+              <a:rPr lang="en-US" smtClean="0"/>
+              <a:t>Laxmikant Kalé and PPL (UIUC) – Parallel Migratable Objects </a:t>
             </a:r>
             <a:endParaRPr lang="en-US" dirty="0"/>
           </a:p>
@@ -2891,7 +2891,7 @@
                 <a:latin typeface="Times New Roman"/>
                 <a:cs typeface="Times New Roman"/>
               </a:rPr>
-              <a:t>September 10, 2014</a:t>
+              <a:t>September 12, 2014</a:t>
             </a:fld>
             <a:endParaRPr lang="en-US" dirty="0">
               <a:latin typeface="Times New Roman"/>
@@ -3015,9 +3015,9 @@
           <a:bodyPr/>
           <a:lstStyle/>
           <a:p>
-            <a:fld id="{BD5AFB16-13FE-DF4A-8CB7-09756A57B2EA}" type="datetime2">
+            <a:fld id="{9735A774-4C58-664B-A14B-BC91C0736F42}" type="datetime2">
               <a:rPr lang="en-US" smtClean="0"/>
-              <a:t>Wednesday, September 10, 14</a:t>
+              <a:t>Friday, September 12, 14</a:t>
             </a:fld>
             <a:endParaRPr lang="en-US" dirty="0"/>
           </a:p>
@@ -3040,8 +3040,8 @@
           <a:p>
             <a:pPr algn="r"/>
             <a:r>
-              <a:rPr lang="en-US" dirty="0" smtClean="0"/>
-              <a:t>Sanjay Kalé and PPL (UIUC) – Parallel Migratable Objects </a:t>
+              <a:rPr lang="en-US" smtClean="0"/>
+              <a:t>Laxmikant Kalé and PPL (UIUC) – Parallel Migratable Objects </a:t>
             </a:r>
             <a:endParaRPr lang="en-US" dirty="0"/>
           </a:p>
@@ -3544,9 +3544,9 @@
             </a:lvl1pPr>
           </a:lstStyle>
           <a:p>
-            <a:fld id="{30545249-FD76-6844-B252-CAB05FC2DAA8}" type="datetime2">
+            <a:fld id="{64B86317-84D8-4746-A81E-882493A8DCDB}" type="datetime2">
               <a:rPr lang="en-US" smtClean="0"/>
-              <a:t>Wednesday, September 10, 14</a:t>
+              <a:t>Friday, September 12, 14</a:t>
             </a:fld>
             <a:endParaRPr lang="en-US" dirty="0"/>
           </a:p>
@@ -3576,8 +3576,8 @@
           <a:p>
             <a:pPr algn="r"/>
             <a:r>
-              <a:rPr lang="en-US" dirty="0" smtClean="0"/>
-              <a:t>Sanjay Kalé and PPL (UIUC) – Parallel Migratable Objects </a:t>
+              <a:rPr lang="en-US" smtClean="0"/>
+              <a:t>Laxmikant Kalé and PPL (UIUC) – Parallel Migratable Objects </a:t>
             </a:r>
             <a:endParaRPr lang="en-US" dirty="0"/>
           </a:p>
@@ -3840,9 +3840,9 @@
           <a:bodyPr/>
           <a:lstStyle/>
           <a:p>
-            <a:fld id="{34621E95-60A9-FF44-9869-513D9D7A859F}" type="datetime2">
+            <a:fld id="{6287846A-E4F8-3D44-BC1B-5A87C5296E83}" type="datetime2">
               <a:rPr lang="en-US" smtClean="0"/>
-              <a:t>Wednesday, September 10, 14</a:t>
+              <a:t>Friday, September 12, 14</a:t>
             </a:fld>
             <a:endParaRPr lang="en-US" dirty="0"/>
           </a:p>
@@ -3866,7 +3866,7 @@
             <a:pPr algn="r"/>
             <a:r>
               <a:rPr lang="en-US" smtClean="0"/>
-              <a:t>Sanjay Kalé and PPL (UIUC) – Parallel Migratable Objects </a:t>
+              <a:t>Laxmikant Kalé and PPL (UIUC) – Parallel Migratable Objects </a:t>
             </a:r>
             <a:endParaRPr lang="en-US" dirty="0"/>
           </a:p>
@@ -3959,9 +3959,9 @@
           <a:bodyPr/>
           <a:lstStyle/>
           <a:p>
-            <a:fld id="{BD5AFB16-13FE-DF4A-8CB7-09756A57B2EA}" type="datetime2">
+            <a:fld id="{15371B83-0317-574D-B519-E89FBF6388B2}" type="datetime2">
               <a:rPr lang="en-US" smtClean="0"/>
-              <a:t>Wednesday, September 10, 14</a:t>
+              <a:t>Friday, September 12, 14</a:t>
             </a:fld>
             <a:endParaRPr lang="en-US" dirty="0"/>
           </a:p>
@@ -3985,7 +3985,7 @@
             <a:pPr algn="r"/>
             <a:r>
               <a:rPr lang="en-US" smtClean="0"/>
-              <a:t>Sanjay Kalé and PPL (UIUC) – Parallel Migratable Objects </a:t>
+              <a:t>Laxmikant Kalé and PPL (UIUC) – Parallel Migratable Objects </a:t>
             </a:r>
             <a:endParaRPr lang="en-US" dirty="0"/>
           </a:p>
@@ -4446,9 +4446,9 @@
           <a:bodyPr/>
           <a:lstStyle/>
           <a:p>
-            <a:fld id="{1BDEC705-8EA9-6C46-8E3B-2CAC7E2C0F7D}" type="datetime2">
+            <a:fld id="{13D2B401-7F18-7B4C-9ACE-9D35D2102D84}" type="datetime2">
               <a:rPr lang="en-US" smtClean="0"/>
-              <a:t>Wednesday, September 10, 14</a:t>
+              <a:t>Friday, September 12, 14</a:t>
             </a:fld>
             <a:endParaRPr lang="en-US" dirty="0"/>
           </a:p>
@@ -4472,7 +4472,7 @@
             <a:pPr algn="r"/>
             <a:r>
               <a:rPr lang="en-US" smtClean="0"/>
-              <a:t>Sanjay Kalé and PPL (UIUC) – Parallel Migratable Objects </a:t>
+              <a:t>Laxmikant Kalé and PPL (UIUC) – Parallel Migratable Objects </a:t>
             </a:r>
             <a:endParaRPr lang="en-US" dirty="0"/>
           </a:p>
@@ -4777,9 +4777,9 @@
             </a:lvl1pPr>
           </a:lstStyle>
           <a:p>
-            <a:fld id="{BF613BD3-C5FD-9543-B738-679BF38D8C83}" type="datetime2">
+            <a:fld id="{7D69E258-4D54-C64C-9EDD-E377382A06A3}" type="datetime2">
               <a:rPr lang="en-US" smtClean="0"/>
-              <a:t>Wednesday, September 10, 14</a:t>
+              <a:t>Friday, September 12, 14</a:t>
             </a:fld>
             <a:endParaRPr lang="en-US" dirty="0"/>
           </a:p>
@@ -4810,7 +4810,7 @@
             <a:pPr algn="r"/>
             <a:r>
               <a:rPr lang="en-US" smtClean="0"/>
-              <a:t>Sanjay Kalé and PPL (UIUC) – Parallel Migratable Objects </a:t>
+              <a:t>Laxmikant Kalé and PPL (UIUC) – Parallel Migratable Objects </a:t>
             </a:r>
             <a:endParaRPr lang="en-US" dirty="0"/>
           </a:p>
@@ -5256,9 +5256,9 @@
           <a:bodyPr/>
           <a:lstStyle/>
           <a:p>
-            <a:fld id="{4B5E4F0C-9A9C-5448-99FD-D30288B385C9}" type="datetime2">
+            <a:fld id="{185FB449-5AC6-ED46-B790-A7BE5A6BD1BA}" type="datetime2">
               <a:rPr lang="en-US" smtClean="0"/>
-              <a:t>Wednesday, September 10, 14</a:t>
+              <a:t>Friday, September 12, 14</a:t>
             </a:fld>
             <a:endParaRPr lang="en-US" dirty="0"/>
           </a:p>
@@ -5282,7 +5282,7 @@
             <a:pPr algn="r"/>
             <a:r>
               <a:rPr lang="en-US" smtClean="0"/>
-              <a:t>Sanjay Kalé and PPL (UIUC) – Parallel Migratable Objects </a:t>
+              <a:t>Laxmikant Kalé and PPL (UIUC) – Parallel Migratable Objects </a:t>
             </a:r>
             <a:endParaRPr lang="en-US" dirty="0"/>
           </a:p>
@@ -5552,9 +5552,9 @@
             </a:lvl1pPr>
           </a:lstStyle>
           <a:p>
-            <a:fld id="{30545249-FD76-6844-B252-CAB05FC2DAA8}" type="datetime2">
+            <a:fld id="{6665311F-FBB8-3F4F-AB44-FA9FC6D378BF}" type="datetime2">
               <a:rPr lang="en-US" smtClean="0"/>
-              <a:t>Wednesday, September 10, 14</a:t>
+              <a:t>Friday, September 12, 14</a:t>
             </a:fld>
             <a:endParaRPr lang="en-US" dirty="0"/>
           </a:p>
@@ -5585,7 +5585,7 @@
             <a:pPr algn="r"/>
             <a:r>
               <a:rPr lang="en-US" smtClean="0"/>
-              <a:t>Sanjay Kalé and PPL (UIUC) – Parallel Migratable Objects </a:t>
+              <a:t>Laxmikant Kalé and PPL (UIUC) – Parallel Migratable Objects </a:t>
             </a:r>
             <a:endParaRPr lang="en-US" dirty="0"/>
           </a:p>
@@ -5795,9 +5795,9 @@
           <a:bodyPr/>
           <a:lstStyle/>
           <a:p>
-            <a:fld id="{CC859171-EEDD-0B48-A5C0-E7218AE20EA7}" type="datetime2">
+            <a:fld id="{191F346E-52DB-E44A-B59F-83F8AEF2AB1A}" type="datetime2">
               <a:rPr lang="en-US" smtClean="0"/>
-              <a:t>Wednesday, September 10, 14</a:t>
+              <a:t>Friday, September 12, 14</a:t>
             </a:fld>
             <a:endParaRPr lang="en-US" dirty="0"/>
           </a:p>
@@ -5821,7 +5821,7 @@
             <a:pPr algn="r"/>
             <a:r>
               <a:rPr lang="en-US" smtClean="0"/>
-              <a:t>Sanjay Kalé and PPL (UIUC) – Parallel Migratable Objects </a:t>
+              <a:t>Laxmikant Kalé and PPL (UIUC) – Parallel Migratable Objects </a:t>
             </a:r>
             <a:endParaRPr lang="en-US" dirty="0"/>
           </a:p>
@@ -5891,9 +5891,9 @@
           <a:bodyPr/>
           <a:lstStyle/>
           <a:p>
-            <a:fld id="{C32F9216-0342-7440-9504-BD6C1382BF27}" type="datetime2">
+            <a:fld id="{9AA2CA71-5792-4646-BF66-53A85237E79F}" type="datetime2">
               <a:rPr lang="en-US" smtClean="0"/>
-              <a:t>Wednesday, September 10, 14</a:t>
+              <a:t>Friday, September 12, 14</a:t>
             </a:fld>
             <a:endParaRPr lang="en-US" dirty="0"/>
           </a:p>
@@ -5917,7 +5917,7 @@
             <a:pPr algn="r"/>
             <a:r>
               <a:rPr lang="en-US" smtClean="0"/>
-              <a:t>Sanjay Kalé and PPL (UIUC) – Parallel Migratable Objects </a:t>
+              <a:t>Laxmikant Kalé and PPL (UIUC) – Parallel Migratable Objects </a:t>
             </a:r>
             <a:endParaRPr lang="en-US" dirty="0"/>
           </a:p>
@@ -6066,7 +6066,7 @@
           <a:p>
             <a:r>
               <a:rPr lang="en-US" smtClean="0"/>
-              <a:t>Sanjay Kalé and PPL (UIUC) – Parallel Migratable Objects </a:t>
+              <a:t>Laxmikant Kalé and PPL (UIUC) – Parallel Migratable Objects </a:t>
             </a:r>
             <a:endParaRPr lang="en-US" dirty="0"/>
           </a:p>
@@ -6206,9 +6206,9 @@
             </a:lvl1pPr>
           </a:lstStyle>
           <a:p>
-            <a:fld id="{D36DC8F2-AD63-E841-8C23-5DC3A41041BE}" type="datetime2">
+            <a:fld id="{D8446E09-ACA0-BB49-9B6C-8E6C76B93F9F}" type="datetime2">
               <a:rPr lang="en-US" smtClean="0"/>
-              <a:t>Wednesday, September 10, 14</a:t>
+              <a:t>Friday, September 12, 14</a:t>
             </a:fld>
             <a:endParaRPr lang="en-US" dirty="0"/>
           </a:p>
@@ -6277,7 +6277,7 @@
     <p:sldLayoutId id="2147483973" r:id="rId15"/>
     <p:sldLayoutId id="2147483972" r:id="rId16"/>
   </p:sldLayoutIdLst>
-  <p:hf hdr="0"/>
+  <p:hf hdr="0" dt="0"/>
   <p:txStyles>
     <p:titleStyle>
       <a:lvl1pPr algn="l" defTabSz="914400" rtl="0" eaLnBrk="1" latinLnBrk="0" hangingPunct="1">
@@ -6676,11 +6676,7 @@
             </a:pPr>
             <a:r>
               <a:rPr lang="en-US" dirty="0" smtClean="0"/>
-              <a:t>Hello </a:t>
-            </a:r>
-            <a:r>
-              <a:rPr lang="en-US" dirty="0" smtClean="0"/>
-              <a:t>World</a:t>
+              <a:t>Hello World</a:t>
             </a:r>
           </a:p>
           <a:p>
@@ -6783,11 +6779,7 @@
             </a:pPr>
             <a:r>
               <a:rPr lang="en-US" dirty="0" smtClean="0"/>
-              <a:t>Structured </a:t>
-            </a:r>
-            <a:r>
-              <a:rPr lang="en-US" dirty="0" smtClean="0"/>
-              <a:t>Dagger</a:t>
+              <a:t>Structured Dagger</a:t>
             </a:r>
           </a:p>
           <a:p>
@@ -6878,12 +6870,12 @@
       </p:sp>
       <p:sp>
         <p:nvSpPr>
-          <p:cNvPr id="4" name="Date Placeholder 3"/>
-          <p:cNvSpPr>
-            <a:spLocks noGrp="1"/>
-          </p:cNvSpPr>
-          <p:nvPr>
-            <p:ph type="dt" sz="half" idx="10"/>
+          <p:cNvPr id="5" name="Footer Placeholder 4"/>
+          <p:cNvSpPr>
+            <a:spLocks noGrp="1"/>
+          </p:cNvSpPr>
+          <p:nvPr>
+            <p:ph type="ftr" sz="quarter" idx="11"/>
           </p:nvPr>
         </p:nvSpPr>
         <p:spPr/>
@@ -6891,33 +6883,10 @@
           <a:bodyPr/>
           <a:lstStyle/>
           <a:p>
-            <a:fld id="{69D995C0-827B-264B-AC36-EDB36FEEB8B8}" type="datetime2">
+            <a:pPr algn="r"/>
+            <a:r>
               <a:rPr lang="en-US" smtClean="0"/>
-              <a:t>Wednesday, September 10, 14</a:t>
-            </a:fld>
-            <a:endParaRPr lang="en-US" dirty="0"/>
-          </a:p>
-        </p:txBody>
-      </p:sp>
-      <p:sp>
-        <p:nvSpPr>
-          <p:cNvPr id="5" name="Footer Placeholder 4"/>
-          <p:cNvSpPr>
-            <a:spLocks noGrp="1"/>
-          </p:cNvSpPr>
-          <p:nvPr>
-            <p:ph type="ftr" sz="quarter" idx="11"/>
-          </p:nvPr>
-        </p:nvSpPr>
-        <p:spPr/>
-        <p:txBody>
-          <a:bodyPr/>
-          <a:lstStyle/>
-          <a:p>
-            <a:pPr algn="r"/>
-            <a:r>
-              <a:rPr lang="en-US" dirty="0" smtClean="0"/>
-              <a:t>Sanjay Kalé and PPL (UIUC) – Parallel Migratable Objects </a:t>
+              <a:t>Laxmikant Kalé and PPL (UIUC) – Parallel Migratable Objects </a:t>
             </a:r>
             <a:endParaRPr lang="en-US" dirty="0"/>
           </a:p>
@@ -7407,12 +7376,12 @@
       </p:sp>
       <p:sp>
         <p:nvSpPr>
-          <p:cNvPr id="4" name="Date Placeholder 3"/>
-          <p:cNvSpPr>
-            <a:spLocks noGrp="1"/>
-          </p:cNvSpPr>
-          <p:nvPr>
-            <p:ph type="dt" sz="half" idx="10"/>
+          <p:cNvPr id="5" name="Footer Placeholder 4"/>
+          <p:cNvSpPr>
+            <a:spLocks noGrp="1"/>
+          </p:cNvSpPr>
+          <p:nvPr>
+            <p:ph type="ftr" sz="quarter" idx="11"/>
           </p:nvPr>
         </p:nvSpPr>
         <p:spPr/>
@@ -7420,33 +7389,10 @@
           <a:bodyPr/>
           <a:lstStyle/>
           <a:p>
-            <a:fld id="{A57EBE08-69FE-AE47-994E-57F0205EB69A}" type="datetime2">
+            <a:pPr algn="r"/>
+            <a:r>
               <a:rPr lang="en-US" smtClean="0"/>
-              <a:t>Wednesday, September 10, 14</a:t>
-            </a:fld>
-            <a:endParaRPr lang="en-US"/>
-          </a:p>
-        </p:txBody>
-      </p:sp>
-      <p:sp>
-        <p:nvSpPr>
-          <p:cNvPr id="5" name="Footer Placeholder 4"/>
-          <p:cNvSpPr>
-            <a:spLocks noGrp="1"/>
-          </p:cNvSpPr>
-          <p:nvPr>
-            <p:ph type="ftr" sz="quarter" idx="11"/>
-          </p:nvPr>
-        </p:nvSpPr>
-        <p:spPr/>
-        <p:txBody>
-          <a:bodyPr/>
-          <a:lstStyle/>
-          <a:p>
-            <a:pPr algn="r"/>
-            <a:r>
-              <a:rPr lang="en-US" smtClean="0"/>
-              <a:t>Sanjay Kalé and PPL (UIUC) – Parallel Migratable Objects </a:t>
+              <a:t>Laxmikant Kalé and PPL (UIUC) – Parallel Migratable Objects </a:t>
             </a:r>
             <a:endParaRPr lang="en-US" dirty="0"/>
           </a:p>
@@ -8325,12 +8271,12 @@
       </p:sp>
       <p:sp>
         <p:nvSpPr>
-          <p:cNvPr id="4" name="Date Placeholder 3"/>
-          <p:cNvSpPr>
-            <a:spLocks noGrp="1"/>
-          </p:cNvSpPr>
-          <p:nvPr>
-            <p:ph type="dt" sz="half" idx="10"/>
+          <p:cNvPr id="5" name="Footer Placeholder 4"/>
+          <p:cNvSpPr>
+            <a:spLocks noGrp="1"/>
+          </p:cNvSpPr>
+          <p:nvPr>
+            <p:ph type="ftr" sz="quarter" idx="11"/>
           </p:nvPr>
         </p:nvSpPr>
         <p:spPr/>
@@ -8338,33 +8284,10 @@
           <a:bodyPr/>
           <a:lstStyle/>
           <a:p>
-            <a:fld id="{AC498192-FB6A-8E44-9727-3F11A17B21C5}" type="datetime2">
+            <a:pPr algn="r"/>
+            <a:r>
               <a:rPr lang="en-US" smtClean="0"/>
-              <a:t>Wednesday, September 10, 14</a:t>
-            </a:fld>
-            <a:endParaRPr lang="en-US"/>
-          </a:p>
-        </p:txBody>
-      </p:sp>
-      <p:sp>
-        <p:nvSpPr>
-          <p:cNvPr id="5" name="Footer Placeholder 4"/>
-          <p:cNvSpPr>
-            <a:spLocks noGrp="1"/>
-          </p:cNvSpPr>
-          <p:nvPr>
-            <p:ph type="ftr" sz="quarter" idx="11"/>
-          </p:nvPr>
-        </p:nvSpPr>
-        <p:spPr/>
-        <p:txBody>
-          <a:bodyPr/>
-          <a:lstStyle/>
-          <a:p>
-            <a:pPr algn="r"/>
-            <a:r>
-              <a:rPr lang="en-US" smtClean="0"/>
-              <a:t>Sanjay Kalé and PPL (UIUC) – Parallel Migratable Objects </a:t>
+              <a:t>Laxmikant Kalé and PPL (UIUC) – Parallel Migratable Objects </a:t>
             </a:r>
             <a:endParaRPr lang="en-US" dirty="0"/>
           </a:p>
@@ -8457,12 +8380,12 @@
       </p:sp>
       <p:sp>
         <p:nvSpPr>
-          <p:cNvPr id="7" name="Date Placeholder 6"/>
-          <p:cNvSpPr>
-            <a:spLocks noGrp="1"/>
-          </p:cNvSpPr>
-          <p:nvPr>
-            <p:ph type="dt" sz="half" idx="10"/>
+          <p:cNvPr id="8" name="Footer Placeholder 7"/>
+          <p:cNvSpPr>
+            <a:spLocks noGrp="1"/>
+          </p:cNvSpPr>
+          <p:nvPr>
+            <p:ph type="ftr" sz="quarter" idx="11"/>
           </p:nvPr>
         </p:nvSpPr>
         <p:spPr/>
@@ -8470,33 +8393,10 @@
           <a:bodyPr/>
           <a:lstStyle/>
           <a:p>
-            <a:fld id="{42189252-12D6-8D42-8554-44BFD68AD137}" type="datetime2">
+            <a:pPr algn="r"/>
+            <a:r>
               <a:rPr lang="en-US" smtClean="0"/>
-              <a:t>Wednesday, September 10, 14</a:t>
-            </a:fld>
-            <a:endParaRPr lang="en-US" dirty="0"/>
-          </a:p>
-        </p:txBody>
-      </p:sp>
-      <p:sp>
-        <p:nvSpPr>
-          <p:cNvPr id="8" name="Footer Placeholder 7"/>
-          <p:cNvSpPr>
-            <a:spLocks noGrp="1"/>
-          </p:cNvSpPr>
-          <p:nvPr>
-            <p:ph type="ftr" sz="quarter" idx="11"/>
-          </p:nvPr>
-        </p:nvSpPr>
-        <p:spPr/>
-        <p:txBody>
-          <a:bodyPr/>
-          <a:lstStyle/>
-          <a:p>
-            <a:pPr algn="r"/>
-            <a:r>
-              <a:rPr lang="en-US" smtClean="0"/>
-              <a:t>Sanjay Kalé and PPL (UIUC) – Parallel Migratable Objects </a:t>
+              <a:t>Laxmikant Kalé and PPL (UIUC) – Parallel Migratable Objects </a:t>
             </a:r>
             <a:endParaRPr lang="en-US" dirty="0"/>
           </a:p>
@@ -8840,12 +8740,12 @@
       </p:sp>
       <p:sp>
         <p:nvSpPr>
-          <p:cNvPr id="7" name="Date Placeholder 6"/>
-          <p:cNvSpPr>
-            <a:spLocks noGrp="1"/>
-          </p:cNvSpPr>
-          <p:nvPr>
-            <p:ph type="dt" sz="half" idx="10"/>
+          <p:cNvPr id="8" name="Footer Placeholder 7"/>
+          <p:cNvSpPr>
+            <a:spLocks noGrp="1"/>
+          </p:cNvSpPr>
+          <p:nvPr>
+            <p:ph type="ftr" sz="quarter" idx="11"/>
           </p:nvPr>
         </p:nvSpPr>
         <p:spPr/>
@@ -8853,33 +8753,10 @@
           <a:bodyPr/>
           <a:lstStyle/>
           <a:p>
-            <a:fld id="{4D5A0571-F813-ED4B-A840-104584464B5D}" type="datetime2">
+            <a:pPr algn="r"/>
+            <a:r>
               <a:rPr lang="en-US" smtClean="0"/>
-              <a:t>Wednesday, September 10, 14</a:t>
-            </a:fld>
-            <a:endParaRPr lang="en-US" dirty="0"/>
-          </a:p>
-        </p:txBody>
-      </p:sp>
-      <p:sp>
-        <p:nvSpPr>
-          <p:cNvPr id="8" name="Footer Placeholder 7"/>
-          <p:cNvSpPr>
-            <a:spLocks noGrp="1"/>
-          </p:cNvSpPr>
-          <p:nvPr>
-            <p:ph type="ftr" sz="quarter" idx="11"/>
-          </p:nvPr>
-        </p:nvSpPr>
-        <p:spPr/>
-        <p:txBody>
-          <a:bodyPr/>
-          <a:lstStyle/>
-          <a:p>
-            <a:pPr algn="r"/>
-            <a:r>
-              <a:rPr lang="en-US" smtClean="0"/>
-              <a:t>Sanjay Kalé and PPL (UIUC) – Parallel Migratable Objects </a:t>
+              <a:t>Laxmikant Kalé and PPL (UIUC) – Parallel Migratable Objects </a:t>
             </a:r>
             <a:endParaRPr lang="en-US" dirty="0"/>
           </a:p>
@@ -9415,12 +9292,12 @@
       </p:sp>
       <p:sp>
         <p:nvSpPr>
-          <p:cNvPr id="10" name="Date Placeholder 9"/>
-          <p:cNvSpPr>
-            <a:spLocks noGrp="1"/>
-          </p:cNvSpPr>
-          <p:nvPr>
-            <p:ph type="dt" sz="half" idx="10"/>
+          <p:cNvPr id="11" name="Footer Placeholder 10"/>
+          <p:cNvSpPr>
+            <a:spLocks noGrp="1"/>
+          </p:cNvSpPr>
+          <p:nvPr>
+            <p:ph type="ftr" sz="quarter" idx="11"/>
           </p:nvPr>
         </p:nvSpPr>
         <p:spPr/>
@@ -9428,33 +9305,10 @@
           <a:bodyPr/>
           <a:lstStyle/>
           <a:p>
-            <a:fld id="{05610B8E-8FA5-5249-B52C-2D0045AE7F6A}" type="datetime2">
+            <a:pPr algn="r"/>
+            <a:r>
               <a:rPr lang="en-US" smtClean="0"/>
-              <a:t>Wednesday, September 10, 14</a:t>
-            </a:fld>
-            <a:endParaRPr lang="en-US" dirty="0"/>
-          </a:p>
-        </p:txBody>
-      </p:sp>
-      <p:sp>
-        <p:nvSpPr>
-          <p:cNvPr id="11" name="Footer Placeholder 10"/>
-          <p:cNvSpPr>
-            <a:spLocks noGrp="1"/>
-          </p:cNvSpPr>
-          <p:nvPr>
-            <p:ph type="ftr" sz="quarter" idx="11"/>
-          </p:nvPr>
-        </p:nvSpPr>
-        <p:spPr/>
-        <p:txBody>
-          <a:bodyPr/>
-          <a:lstStyle/>
-          <a:p>
-            <a:pPr algn="r"/>
-            <a:r>
-              <a:rPr lang="en-US" smtClean="0"/>
-              <a:t>Sanjay Kalé and PPL (UIUC) – Parallel Migratable Objects </a:t>
+              <a:t>Laxmikant Kalé and PPL (UIUC) – Parallel Migratable Objects </a:t>
             </a:r>
             <a:endParaRPr lang="en-US" dirty="0"/>
           </a:p>
@@ -10786,12 +10640,12 @@
       </p:sp>
       <p:sp>
         <p:nvSpPr>
-          <p:cNvPr id="4" name="Date Placeholder 3"/>
-          <p:cNvSpPr>
-            <a:spLocks noGrp="1"/>
-          </p:cNvSpPr>
-          <p:nvPr>
-            <p:ph type="dt" sz="half" idx="10"/>
+          <p:cNvPr id="5" name="Footer Placeholder 4"/>
+          <p:cNvSpPr>
+            <a:spLocks noGrp="1"/>
+          </p:cNvSpPr>
+          <p:nvPr>
+            <p:ph type="ftr" sz="quarter" idx="11"/>
           </p:nvPr>
         </p:nvSpPr>
         <p:spPr/>
@@ -10799,33 +10653,10 @@
           <a:bodyPr/>
           <a:lstStyle/>
           <a:p>
-            <a:fld id="{FC337630-96F4-C348-92D0-8BA579BE92D4}" type="datetime2">
+            <a:pPr algn="r"/>
+            <a:r>
               <a:rPr lang="en-US" smtClean="0"/>
-              <a:t>Wednesday, September 10, 14</a:t>
-            </a:fld>
-            <a:endParaRPr lang="en-US"/>
-          </a:p>
-        </p:txBody>
-      </p:sp>
-      <p:sp>
-        <p:nvSpPr>
-          <p:cNvPr id="5" name="Footer Placeholder 4"/>
-          <p:cNvSpPr>
-            <a:spLocks noGrp="1"/>
-          </p:cNvSpPr>
-          <p:nvPr>
-            <p:ph type="ftr" sz="quarter" idx="11"/>
-          </p:nvPr>
-        </p:nvSpPr>
-        <p:spPr/>
-        <p:txBody>
-          <a:bodyPr/>
-          <a:lstStyle/>
-          <a:p>
-            <a:pPr algn="r"/>
-            <a:r>
-              <a:rPr lang="en-US" smtClean="0"/>
-              <a:t>Sanjay Kalé and PPL (UIUC) – Parallel Migratable Objects </a:t>
+              <a:t>Laxmikant Kalé and PPL (UIUC) – Parallel Migratable Objects </a:t>
             </a:r>
             <a:endParaRPr lang="en-US" dirty="0"/>
           </a:p>
@@ -10918,12 +10749,12 @@
       </p:sp>
       <p:sp>
         <p:nvSpPr>
-          <p:cNvPr id="7" name="Date Placeholder 6"/>
-          <p:cNvSpPr>
-            <a:spLocks noGrp="1"/>
-          </p:cNvSpPr>
-          <p:nvPr>
-            <p:ph type="dt" sz="half" idx="10"/>
+          <p:cNvPr id="8" name="Footer Placeholder 7"/>
+          <p:cNvSpPr>
+            <a:spLocks noGrp="1"/>
+          </p:cNvSpPr>
+          <p:nvPr>
+            <p:ph type="ftr" sz="quarter" idx="11"/>
           </p:nvPr>
         </p:nvSpPr>
         <p:spPr/>
@@ -10931,33 +10762,10 @@
           <a:bodyPr/>
           <a:lstStyle/>
           <a:p>
-            <a:fld id="{4F04D661-CDDA-EB4B-8920-0BA3B6EDE579}" type="datetime2">
+            <a:pPr algn="r"/>
+            <a:r>
               <a:rPr lang="en-US" smtClean="0"/>
-              <a:t>Wednesday, September 10, 14</a:t>
-            </a:fld>
-            <a:endParaRPr lang="en-US" dirty="0"/>
-          </a:p>
-        </p:txBody>
-      </p:sp>
-      <p:sp>
-        <p:nvSpPr>
-          <p:cNvPr id="8" name="Footer Placeholder 7"/>
-          <p:cNvSpPr>
-            <a:spLocks noGrp="1"/>
-          </p:cNvSpPr>
-          <p:nvPr>
-            <p:ph type="ftr" sz="quarter" idx="11"/>
-          </p:nvPr>
-        </p:nvSpPr>
-        <p:spPr/>
-        <p:txBody>
-          <a:bodyPr/>
-          <a:lstStyle/>
-          <a:p>
-            <a:pPr algn="r"/>
-            <a:r>
-              <a:rPr lang="en-US" smtClean="0"/>
-              <a:t>Sanjay Kalé and PPL (UIUC) – Parallel Migratable Objects </a:t>
+              <a:t>Laxmikant Kalé and PPL (UIUC) – Parallel Migratable Objects </a:t>
             </a:r>
             <a:endParaRPr lang="en-US" dirty="0"/>
           </a:p>
@@ -11998,12 +11806,12 @@
       </p:sp>
       <p:sp>
         <p:nvSpPr>
-          <p:cNvPr id="7" name="Date Placeholder 6"/>
-          <p:cNvSpPr>
-            <a:spLocks noGrp="1"/>
-          </p:cNvSpPr>
-          <p:nvPr>
-            <p:ph type="dt" sz="half" idx="10"/>
+          <p:cNvPr id="8" name="Footer Placeholder 7"/>
+          <p:cNvSpPr>
+            <a:spLocks noGrp="1"/>
+          </p:cNvSpPr>
+          <p:nvPr>
+            <p:ph type="ftr" sz="quarter" idx="11"/>
           </p:nvPr>
         </p:nvSpPr>
         <p:spPr/>
@@ -12011,33 +11819,10 @@
           <a:bodyPr/>
           <a:lstStyle/>
           <a:p>
-            <a:fld id="{04A73616-8CBF-A340-ADE3-98C2EE1DC9BE}" type="datetime2">
+            <a:pPr algn="r"/>
+            <a:r>
               <a:rPr lang="en-US" smtClean="0"/>
-              <a:t>Wednesday, September 10, 14</a:t>
-            </a:fld>
-            <a:endParaRPr lang="en-US" dirty="0"/>
-          </a:p>
-        </p:txBody>
-      </p:sp>
-      <p:sp>
-        <p:nvSpPr>
-          <p:cNvPr id="8" name="Footer Placeholder 7"/>
-          <p:cNvSpPr>
-            <a:spLocks noGrp="1"/>
-          </p:cNvSpPr>
-          <p:nvPr>
-            <p:ph type="ftr" sz="quarter" idx="11"/>
-          </p:nvPr>
-        </p:nvSpPr>
-        <p:spPr/>
-        <p:txBody>
-          <a:bodyPr/>
-          <a:lstStyle/>
-          <a:p>
-            <a:pPr algn="r"/>
-            <a:r>
-              <a:rPr lang="en-US" smtClean="0"/>
-              <a:t>Sanjay Kalé and PPL (UIUC) – Parallel Migratable Objects </a:t>
+              <a:t>Laxmikant Kalé and PPL (UIUC) – Parallel Migratable Objects </a:t>
             </a:r>
             <a:endParaRPr lang="en-US" dirty="0"/>
           </a:p>
@@ -12587,12 +12372,12 @@
       </p:sp>
       <p:sp>
         <p:nvSpPr>
-          <p:cNvPr id="4" name="Date Placeholder 3"/>
-          <p:cNvSpPr>
-            <a:spLocks noGrp="1"/>
-          </p:cNvSpPr>
-          <p:nvPr>
-            <p:ph type="dt" sz="half" idx="10"/>
+          <p:cNvPr id="5" name="Footer Placeholder 4"/>
+          <p:cNvSpPr>
+            <a:spLocks noGrp="1"/>
+          </p:cNvSpPr>
+          <p:nvPr>
+            <p:ph type="ftr" sz="quarter" idx="11"/>
           </p:nvPr>
         </p:nvSpPr>
         <p:spPr/>
@@ -12600,33 +12385,10 @@
           <a:bodyPr/>
           <a:lstStyle/>
           <a:p>
-            <a:fld id="{A6675D53-EC17-3240-AF13-D8433FB11D57}" type="datetime2">
+            <a:pPr algn="r"/>
+            <a:r>
               <a:rPr lang="en-US" smtClean="0"/>
-              <a:t>Wednesday, September 10, 14</a:t>
-            </a:fld>
-            <a:endParaRPr lang="en-US"/>
-          </a:p>
-        </p:txBody>
-      </p:sp>
-      <p:sp>
-        <p:nvSpPr>
-          <p:cNvPr id="5" name="Footer Placeholder 4"/>
-          <p:cNvSpPr>
-            <a:spLocks noGrp="1"/>
-          </p:cNvSpPr>
-          <p:nvPr>
-            <p:ph type="ftr" sz="quarter" idx="11"/>
-          </p:nvPr>
-        </p:nvSpPr>
-        <p:spPr/>
-        <p:txBody>
-          <a:bodyPr/>
-          <a:lstStyle/>
-          <a:p>
-            <a:pPr algn="r"/>
-            <a:r>
-              <a:rPr lang="en-US" smtClean="0"/>
-              <a:t>Sanjay Kalé and PPL (UIUC) – Parallel Migratable Objects </a:t>
+              <a:t>Laxmikant Kalé and PPL (UIUC) – Parallel Migratable Objects </a:t>
             </a:r>
             <a:endParaRPr lang="en-US" dirty="0"/>
           </a:p>
@@ -12791,12 +12553,12 @@
       </p:sp>
       <p:sp>
         <p:nvSpPr>
-          <p:cNvPr id="4" name="Date Placeholder 3"/>
-          <p:cNvSpPr>
-            <a:spLocks noGrp="1"/>
-          </p:cNvSpPr>
-          <p:nvPr>
-            <p:ph type="dt" sz="half" idx="10"/>
+          <p:cNvPr id="5" name="Footer Placeholder 4"/>
+          <p:cNvSpPr>
+            <a:spLocks noGrp="1"/>
+          </p:cNvSpPr>
+          <p:nvPr>
+            <p:ph type="ftr" sz="quarter" idx="11"/>
           </p:nvPr>
         </p:nvSpPr>
         <p:spPr/>
@@ -12804,33 +12566,10 @@
           <a:bodyPr/>
           <a:lstStyle/>
           <a:p>
-            <a:fld id="{A8BCDAA8-6772-8F4F-9D43-34A061D97D69}" type="datetime2">
+            <a:pPr algn="r"/>
+            <a:r>
               <a:rPr lang="en-US" smtClean="0"/>
-              <a:t>Wednesday, September 10, 14</a:t>
-            </a:fld>
-            <a:endParaRPr lang="en-US"/>
-          </a:p>
-        </p:txBody>
-      </p:sp>
-      <p:sp>
-        <p:nvSpPr>
-          <p:cNvPr id="5" name="Footer Placeholder 4"/>
-          <p:cNvSpPr>
-            <a:spLocks noGrp="1"/>
-          </p:cNvSpPr>
-          <p:nvPr>
-            <p:ph type="ftr" sz="quarter" idx="11"/>
-          </p:nvPr>
-        </p:nvSpPr>
-        <p:spPr/>
-        <p:txBody>
-          <a:bodyPr/>
-          <a:lstStyle/>
-          <a:p>
-            <a:pPr algn="r"/>
-            <a:r>
-              <a:rPr lang="en-US" smtClean="0"/>
-              <a:t>Sanjay Kalé and PPL (UIUC) – Parallel Migratable Objects </a:t>
+              <a:t>Laxmikant Kalé and PPL (UIUC) – Parallel Migratable Objects </a:t>
             </a:r>
             <a:endParaRPr lang="en-US" dirty="0"/>
           </a:p>
@@ -13106,12 +12845,12 @@
       </p:sp>
       <p:sp>
         <p:nvSpPr>
-          <p:cNvPr id="8" name="Date Placeholder 7"/>
-          <p:cNvSpPr>
-            <a:spLocks noGrp="1"/>
-          </p:cNvSpPr>
-          <p:nvPr>
-            <p:ph type="dt" sz="half" idx="10"/>
+          <p:cNvPr id="9" name="Footer Placeholder 8"/>
+          <p:cNvSpPr>
+            <a:spLocks noGrp="1"/>
+          </p:cNvSpPr>
+          <p:nvPr>
+            <p:ph type="ftr" sz="quarter" idx="11"/>
           </p:nvPr>
         </p:nvSpPr>
         <p:spPr/>
@@ -13119,33 +12858,10 @@
           <a:bodyPr/>
           <a:lstStyle/>
           <a:p>
-            <a:fld id="{94EAAAA5-D767-4C40-91CB-82448A62D926}" type="datetime2">
+            <a:pPr algn="r"/>
+            <a:r>
               <a:rPr lang="en-US" smtClean="0"/>
-              <a:t>Wednesday, September 10, 14</a:t>
-            </a:fld>
-            <a:endParaRPr lang="en-US" dirty="0"/>
-          </a:p>
-        </p:txBody>
-      </p:sp>
-      <p:sp>
-        <p:nvSpPr>
-          <p:cNvPr id="9" name="Footer Placeholder 8"/>
-          <p:cNvSpPr>
-            <a:spLocks noGrp="1"/>
-          </p:cNvSpPr>
-          <p:nvPr>
-            <p:ph type="ftr" sz="quarter" idx="11"/>
-          </p:nvPr>
-        </p:nvSpPr>
-        <p:spPr/>
-        <p:txBody>
-          <a:bodyPr/>
-          <a:lstStyle/>
-          <a:p>
-            <a:pPr algn="r"/>
-            <a:r>
-              <a:rPr lang="en-US" dirty="0" smtClean="0"/>
-              <a:t>Sanjay Kalé and PPL (UIUC) – Parallel Migratable Objects </a:t>
+              <a:t>Laxmikant Kalé and PPL (UIUC) – Parallel Migratable Objects </a:t>
             </a:r>
             <a:endParaRPr lang="en-US" dirty="0"/>
           </a:p>
@@ -13345,12 +13061,12 @@
       </p:sp>
       <p:sp>
         <p:nvSpPr>
-          <p:cNvPr id="7" name="Date Placeholder 6"/>
-          <p:cNvSpPr>
-            <a:spLocks noGrp="1"/>
-          </p:cNvSpPr>
-          <p:nvPr>
-            <p:ph type="dt" sz="half" idx="10"/>
+          <p:cNvPr id="8" name="Footer Placeholder 7"/>
+          <p:cNvSpPr>
+            <a:spLocks noGrp="1"/>
+          </p:cNvSpPr>
+          <p:nvPr>
+            <p:ph type="ftr" sz="quarter" idx="11"/>
           </p:nvPr>
         </p:nvSpPr>
         <p:spPr/>
@@ -13358,33 +13074,10 @@
           <a:bodyPr/>
           <a:lstStyle/>
           <a:p>
-            <a:fld id="{B67F7A0B-A97C-6941-B30D-536C43882AD6}" type="datetime2">
+            <a:pPr algn="r"/>
+            <a:r>
               <a:rPr lang="en-US" smtClean="0"/>
-              <a:t>Wednesday, September 10, 14</a:t>
-            </a:fld>
-            <a:endParaRPr lang="en-US" dirty="0"/>
-          </a:p>
-        </p:txBody>
-      </p:sp>
-      <p:sp>
-        <p:nvSpPr>
-          <p:cNvPr id="8" name="Footer Placeholder 7"/>
-          <p:cNvSpPr>
-            <a:spLocks noGrp="1"/>
-          </p:cNvSpPr>
-          <p:nvPr>
-            <p:ph type="ftr" sz="quarter" idx="11"/>
-          </p:nvPr>
-        </p:nvSpPr>
-        <p:spPr/>
-        <p:txBody>
-          <a:bodyPr/>
-          <a:lstStyle/>
-          <a:p>
-            <a:pPr algn="r"/>
-            <a:r>
-              <a:rPr lang="en-US" smtClean="0"/>
-              <a:t>Sanjay Kalé and PPL (UIUC) – Parallel Migratable Objects </a:t>
+              <a:t>Laxmikant Kalé and PPL (UIUC) – Parallel Migratable Objects </a:t>
             </a:r>
             <a:endParaRPr lang="en-US" dirty="0"/>
           </a:p>
@@ -14110,12 +13803,12 @@
       </p:sp>
       <p:sp>
         <p:nvSpPr>
-          <p:cNvPr id="9" name="Date Placeholder 8"/>
-          <p:cNvSpPr>
-            <a:spLocks noGrp="1"/>
-          </p:cNvSpPr>
-          <p:nvPr>
-            <p:ph type="dt" sz="half" idx="10"/>
+          <p:cNvPr id="10" name="Footer Placeholder 9"/>
+          <p:cNvSpPr>
+            <a:spLocks noGrp="1"/>
+          </p:cNvSpPr>
+          <p:nvPr>
+            <p:ph type="ftr" sz="quarter" idx="11"/>
           </p:nvPr>
         </p:nvSpPr>
         <p:spPr/>
@@ -14123,33 +13816,10 @@
           <a:bodyPr/>
           <a:lstStyle/>
           <a:p>
-            <a:fld id="{E90B5A3E-A983-9844-9A00-7072B7AE2A15}" type="datetime2">
+            <a:pPr algn="r"/>
+            <a:r>
               <a:rPr lang="en-US" smtClean="0"/>
-              <a:t>Wednesday, September 10, 14</a:t>
-            </a:fld>
-            <a:endParaRPr lang="en-US" dirty="0"/>
-          </a:p>
-        </p:txBody>
-      </p:sp>
-      <p:sp>
-        <p:nvSpPr>
-          <p:cNvPr id="10" name="Footer Placeholder 9"/>
-          <p:cNvSpPr>
-            <a:spLocks noGrp="1"/>
-          </p:cNvSpPr>
-          <p:nvPr>
-            <p:ph type="ftr" sz="quarter" idx="11"/>
-          </p:nvPr>
-        </p:nvSpPr>
-        <p:spPr/>
-        <p:txBody>
-          <a:bodyPr/>
-          <a:lstStyle/>
-          <a:p>
-            <a:pPr algn="r"/>
-            <a:r>
-              <a:rPr lang="en-US" smtClean="0"/>
-              <a:t>Sanjay Kalé and PPL (UIUC) – Parallel Migratable Objects </a:t>
+              <a:t>Laxmikant Kalé and PPL (UIUC) – Parallel Migratable Objects </a:t>
             </a:r>
             <a:endParaRPr lang="en-US" dirty="0"/>
           </a:p>
@@ -15009,12 +14679,12 @@
       </p:sp>
       <p:sp>
         <p:nvSpPr>
-          <p:cNvPr id="7" name="Date Placeholder 6"/>
-          <p:cNvSpPr>
-            <a:spLocks noGrp="1"/>
-          </p:cNvSpPr>
-          <p:nvPr>
-            <p:ph type="dt" sz="half" idx="10"/>
+          <p:cNvPr id="8" name="Footer Placeholder 7"/>
+          <p:cNvSpPr>
+            <a:spLocks noGrp="1"/>
+          </p:cNvSpPr>
+          <p:nvPr>
+            <p:ph type="ftr" sz="quarter" idx="11"/>
           </p:nvPr>
         </p:nvSpPr>
         <p:spPr/>
@@ -15022,33 +14692,10 @@
           <a:bodyPr/>
           <a:lstStyle/>
           <a:p>
-            <a:fld id="{939514C7-2A23-9748-992F-12DCDAF6236F}" type="datetime2">
+            <a:pPr algn="r"/>
+            <a:r>
               <a:rPr lang="en-US" smtClean="0"/>
-              <a:t>Wednesday, September 10, 14</a:t>
-            </a:fld>
-            <a:endParaRPr lang="en-US" dirty="0"/>
-          </a:p>
-        </p:txBody>
-      </p:sp>
-      <p:sp>
-        <p:nvSpPr>
-          <p:cNvPr id="8" name="Footer Placeholder 7"/>
-          <p:cNvSpPr>
-            <a:spLocks noGrp="1"/>
-          </p:cNvSpPr>
-          <p:nvPr>
-            <p:ph type="ftr" sz="quarter" idx="11"/>
-          </p:nvPr>
-        </p:nvSpPr>
-        <p:spPr/>
-        <p:txBody>
-          <a:bodyPr/>
-          <a:lstStyle/>
-          <a:p>
-            <a:pPr algn="r"/>
-            <a:r>
-              <a:rPr lang="en-US" smtClean="0"/>
-              <a:t>Sanjay Kalé and PPL (UIUC) – Parallel Migratable Objects </a:t>
+              <a:t>Laxmikant Kalé and PPL (UIUC) – Parallel Migratable Objects </a:t>
             </a:r>
             <a:endParaRPr lang="en-US" dirty="0"/>
           </a:p>
@@ -15978,12 +15625,12 @@
       </p:sp>
       <p:sp>
         <p:nvSpPr>
-          <p:cNvPr id="4" name="Date Placeholder 3"/>
-          <p:cNvSpPr>
-            <a:spLocks noGrp="1"/>
-          </p:cNvSpPr>
-          <p:nvPr>
-            <p:ph type="dt" sz="half" idx="10"/>
+          <p:cNvPr id="5" name="Footer Placeholder 4"/>
+          <p:cNvSpPr>
+            <a:spLocks noGrp="1"/>
+          </p:cNvSpPr>
+          <p:nvPr>
+            <p:ph type="ftr" sz="quarter" idx="11"/>
           </p:nvPr>
         </p:nvSpPr>
         <p:spPr/>
@@ -15991,33 +15638,10 @@
           <a:bodyPr/>
           <a:lstStyle/>
           <a:p>
-            <a:fld id="{34621E95-60A9-FF44-9869-513D9D7A859F}" type="datetime2">
+            <a:pPr algn="r"/>
+            <a:r>
               <a:rPr lang="en-US" smtClean="0"/>
-              <a:t>Wednesday, September 10, 14</a:t>
-            </a:fld>
-            <a:endParaRPr lang="en-US"/>
-          </a:p>
-        </p:txBody>
-      </p:sp>
-      <p:sp>
-        <p:nvSpPr>
-          <p:cNvPr id="5" name="Footer Placeholder 4"/>
-          <p:cNvSpPr>
-            <a:spLocks noGrp="1"/>
-          </p:cNvSpPr>
-          <p:nvPr>
-            <p:ph type="ftr" sz="quarter" idx="11"/>
-          </p:nvPr>
-        </p:nvSpPr>
-        <p:spPr/>
-        <p:txBody>
-          <a:bodyPr/>
-          <a:lstStyle/>
-          <a:p>
-            <a:pPr algn="r"/>
-            <a:r>
-              <a:rPr lang="en-US" smtClean="0"/>
-              <a:t>Sanjay Kalé and PPL (UIUC) – Parallel Migratable Objects </a:t>
+              <a:t>Laxmikant Kalé and PPL (UIUC) – Parallel Migratable Objects </a:t>
             </a:r>
             <a:endParaRPr lang="en-US" dirty="0"/>
           </a:p>
@@ -17060,12 +16684,12 @@
       </p:sp>
       <p:sp>
         <p:nvSpPr>
-          <p:cNvPr id="4" name="Date Placeholder 3"/>
-          <p:cNvSpPr>
-            <a:spLocks noGrp="1"/>
-          </p:cNvSpPr>
-          <p:nvPr>
-            <p:ph type="dt" sz="half" idx="10"/>
+          <p:cNvPr id="5" name="Footer Placeholder 4"/>
+          <p:cNvSpPr>
+            <a:spLocks noGrp="1"/>
+          </p:cNvSpPr>
+          <p:nvPr>
+            <p:ph type="ftr" sz="quarter" idx="11"/>
           </p:nvPr>
         </p:nvSpPr>
         <p:spPr/>
@@ -17073,33 +16697,10 @@
           <a:bodyPr/>
           <a:lstStyle/>
           <a:p>
-            <a:fld id="{34621E95-60A9-FF44-9869-513D9D7A859F}" type="datetime2">
+            <a:pPr algn="r"/>
+            <a:r>
               <a:rPr lang="en-US" smtClean="0"/>
-              <a:t>Wednesday, September 10, 14</a:t>
-            </a:fld>
-            <a:endParaRPr lang="en-US"/>
-          </a:p>
-        </p:txBody>
-      </p:sp>
-      <p:sp>
-        <p:nvSpPr>
-          <p:cNvPr id="5" name="Footer Placeholder 4"/>
-          <p:cNvSpPr>
-            <a:spLocks noGrp="1"/>
-          </p:cNvSpPr>
-          <p:nvPr>
-            <p:ph type="ftr" sz="quarter" idx="11"/>
-          </p:nvPr>
-        </p:nvSpPr>
-        <p:spPr/>
-        <p:txBody>
-          <a:bodyPr/>
-          <a:lstStyle/>
-          <a:p>
-            <a:pPr algn="r"/>
-            <a:r>
-              <a:rPr lang="en-US" smtClean="0"/>
-              <a:t>Sanjay Kalé and PPL (UIUC) – Parallel Migratable Objects </a:t>
+              <a:t>Laxmikant Kalé and PPL (UIUC) – Parallel Migratable Objects </a:t>
             </a:r>
             <a:endParaRPr lang="en-US" dirty="0"/>
           </a:p>
@@ -17192,12 +16793,12 @@
       </p:sp>
       <p:sp>
         <p:nvSpPr>
-          <p:cNvPr id="9" name="Date Placeholder 8"/>
-          <p:cNvSpPr>
-            <a:spLocks noGrp="1"/>
-          </p:cNvSpPr>
-          <p:nvPr>
-            <p:ph type="dt" sz="half" idx="10"/>
+          <p:cNvPr id="10" name="Footer Placeholder 9"/>
+          <p:cNvSpPr>
+            <a:spLocks noGrp="1"/>
+          </p:cNvSpPr>
+          <p:nvPr>
+            <p:ph type="ftr" sz="quarter" idx="11"/>
           </p:nvPr>
         </p:nvSpPr>
         <p:spPr/>
@@ -17205,33 +16806,10 @@
           <a:bodyPr/>
           <a:lstStyle/>
           <a:p>
-            <a:fld id="{DF9B12D0-D6C3-584A-99EB-13FA193C843F}" type="datetime2">
+            <a:pPr algn="r"/>
+            <a:r>
               <a:rPr lang="en-US" smtClean="0"/>
-              <a:t>Wednesday, September 10, 14</a:t>
-            </a:fld>
-            <a:endParaRPr lang="en-US" dirty="0"/>
-          </a:p>
-        </p:txBody>
-      </p:sp>
-      <p:sp>
-        <p:nvSpPr>
-          <p:cNvPr id="10" name="Footer Placeholder 9"/>
-          <p:cNvSpPr>
-            <a:spLocks noGrp="1"/>
-          </p:cNvSpPr>
-          <p:nvPr>
-            <p:ph type="ftr" sz="quarter" idx="11"/>
-          </p:nvPr>
-        </p:nvSpPr>
-        <p:spPr/>
-        <p:txBody>
-          <a:bodyPr/>
-          <a:lstStyle/>
-          <a:p>
-            <a:pPr algn="r"/>
-            <a:r>
-              <a:rPr lang="en-US" smtClean="0"/>
-              <a:t>Sanjay Kalé and PPL (UIUC) – Parallel Migratable Objects </a:t>
+              <a:t>Laxmikant Kalé and PPL (UIUC) – Parallel Migratable Objects </a:t>
             </a:r>
             <a:endParaRPr lang="en-US" dirty="0"/>
           </a:p>
@@ -17570,12 +17148,12 @@
       </p:sp>
       <p:sp>
         <p:nvSpPr>
-          <p:cNvPr id="4" name="Date Placeholder 3"/>
-          <p:cNvSpPr>
-            <a:spLocks noGrp="1"/>
-          </p:cNvSpPr>
-          <p:nvPr>
-            <p:ph type="dt" sz="half" idx="10"/>
+          <p:cNvPr id="5" name="Footer Placeholder 4"/>
+          <p:cNvSpPr>
+            <a:spLocks noGrp="1"/>
+          </p:cNvSpPr>
+          <p:nvPr>
+            <p:ph type="ftr" sz="quarter" idx="11"/>
           </p:nvPr>
         </p:nvSpPr>
         <p:spPr/>
@@ -17583,33 +17161,10 @@
           <a:bodyPr/>
           <a:lstStyle/>
           <a:p>
-            <a:fld id="{34621E95-60A9-FF44-9869-513D9D7A859F}" type="datetime2">
+            <a:pPr algn="r"/>
+            <a:r>
               <a:rPr lang="en-US" smtClean="0"/>
-              <a:t>Wednesday, September 10, 14</a:t>
-            </a:fld>
-            <a:endParaRPr lang="en-US"/>
-          </a:p>
-        </p:txBody>
-      </p:sp>
-      <p:sp>
-        <p:nvSpPr>
-          <p:cNvPr id="5" name="Footer Placeholder 4"/>
-          <p:cNvSpPr>
-            <a:spLocks noGrp="1"/>
-          </p:cNvSpPr>
-          <p:nvPr>
-            <p:ph type="ftr" sz="quarter" idx="11"/>
-          </p:nvPr>
-        </p:nvSpPr>
-        <p:spPr/>
-        <p:txBody>
-          <a:bodyPr/>
-          <a:lstStyle/>
-          <a:p>
-            <a:pPr algn="r"/>
-            <a:r>
-              <a:rPr lang="en-US" smtClean="0"/>
-              <a:t>Sanjay Kalé and PPL (UIUC) – Parallel Migratable Objects </a:t>
+              <a:t>Laxmikant Kalé and PPL (UIUC) – Parallel Migratable Objects </a:t>
             </a:r>
             <a:endParaRPr lang="en-US" dirty="0"/>
           </a:p>
@@ -17780,12 +17335,12 @@
       </p:sp>
       <p:sp>
         <p:nvSpPr>
-          <p:cNvPr id="4" name="Date Placeholder 3"/>
-          <p:cNvSpPr>
-            <a:spLocks noGrp="1"/>
-          </p:cNvSpPr>
-          <p:nvPr>
-            <p:ph type="dt" sz="half" idx="10"/>
+          <p:cNvPr id="5" name="Footer Placeholder 4"/>
+          <p:cNvSpPr>
+            <a:spLocks noGrp="1"/>
+          </p:cNvSpPr>
+          <p:nvPr>
+            <p:ph type="ftr" sz="quarter" idx="11"/>
           </p:nvPr>
         </p:nvSpPr>
         <p:spPr/>
@@ -17793,33 +17348,10 @@
           <a:bodyPr/>
           <a:lstStyle/>
           <a:p>
-            <a:fld id="{34621E95-60A9-FF44-9869-513D9D7A859F}" type="datetime2">
+            <a:pPr algn="r"/>
+            <a:r>
               <a:rPr lang="en-US" smtClean="0"/>
-              <a:t>Wednesday, September 10, 14</a:t>
-            </a:fld>
-            <a:endParaRPr lang="en-US"/>
-          </a:p>
-        </p:txBody>
-      </p:sp>
-      <p:sp>
-        <p:nvSpPr>
-          <p:cNvPr id="5" name="Footer Placeholder 4"/>
-          <p:cNvSpPr>
-            <a:spLocks noGrp="1"/>
-          </p:cNvSpPr>
-          <p:nvPr>
-            <p:ph type="ftr" sz="quarter" idx="11"/>
-          </p:nvPr>
-        </p:nvSpPr>
-        <p:spPr/>
-        <p:txBody>
-          <a:bodyPr/>
-          <a:lstStyle/>
-          <a:p>
-            <a:pPr algn="r"/>
-            <a:r>
-              <a:rPr lang="en-US" smtClean="0"/>
-              <a:t>Sanjay Kalé and PPL (UIUC) – Parallel Migratable Objects </a:t>
+              <a:t>Laxmikant Kalé and PPL (UIUC) – Parallel Migratable Objects </a:t>
             </a:r>
             <a:endParaRPr lang="en-US" dirty="0"/>
           </a:p>
@@ -17912,12 +17444,12 @@
       </p:sp>
       <p:sp>
         <p:nvSpPr>
-          <p:cNvPr id="3" name="Date Placeholder 2"/>
-          <p:cNvSpPr>
-            <a:spLocks noGrp="1"/>
-          </p:cNvSpPr>
-          <p:nvPr>
-            <p:ph type="dt" sz="half" idx="10"/>
+          <p:cNvPr id="4" name="Footer Placeholder 3"/>
+          <p:cNvSpPr>
+            <a:spLocks noGrp="1"/>
+          </p:cNvSpPr>
+          <p:nvPr>
+            <p:ph type="ftr" sz="quarter" idx="11"/>
           </p:nvPr>
         </p:nvSpPr>
         <p:spPr/>
@@ -17925,33 +17457,10 @@
           <a:bodyPr/>
           <a:lstStyle/>
           <a:p>
-            <a:fld id="{BD5AFB16-13FE-DF4A-8CB7-09756A57B2EA}" type="datetime2">
+            <a:pPr algn="r"/>
+            <a:r>
               <a:rPr lang="en-US" smtClean="0"/>
-              <a:t>Wednesday, September 10, 14</a:t>
-            </a:fld>
-            <a:endParaRPr lang="en-US" dirty="0"/>
-          </a:p>
-        </p:txBody>
-      </p:sp>
-      <p:sp>
-        <p:nvSpPr>
-          <p:cNvPr id="4" name="Footer Placeholder 3"/>
-          <p:cNvSpPr>
-            <a:spLocks noGrp="1"/>
-          </p:cNvSpPr>
-          <p:nvPr>
-            <p:ph type="ftr" sz="quarter" idx="11"/>
-          </p:nvPr>
-        </p:nvSpPr>
-        <p:spPr/>
-        <p:txBody>
-          <a:bodyPr/>
-          <a:lstStyle/>
-          <a:p>
-            <a:pPr algn="r"/>
-            <a:r>
-              <a:rPr lang="en-US" smtClean="0"/>
-              <a:t>Sanjay Kalé and PPL (UIUC) – Parallel Migratable Objects </a:t>
+              <a:t>Laxmikant Kalé and PPL (UIUC) – Parallel Migratable Objects </a:t>
             </a:r>
             <a:endParaRPr lang="en-US" dirty="0"/>
           </a:p>
@@ -18143,12 +17652,12 @@
       </p:sp>
       <p:sp>
         <p:nvSpPr>
-          <p:cNvPr id="3" name="Date Placeholder 2"/>
-          <p:cNvSpPr>
-            <a:spLocks noGrp="1"/>
-          </p:cNvSpPr>
-          <p:nvPr>
-            <p:ph type="dt" sz="half" idx="10"/>
+          <p:cNvPr id="4" name="Footer Placeholder 3"/>
+          <p:cNvSpPr>
+            <a:spLocks noGrp="1"/>
+          </p:cNvSpPr>
+          <p:nvPr>
+            <p:ph type="ftr" sz="quarter" idx="11"/>
           </p:nvPr>
         </p:nvSpPr>
         <p:spPr/>
@@ -18156,33 +17665,10 @@
           <a:bodyPr/>
           <a:lstStyle/>
           <a:p>
-            <a:fld id="{BD5AFB16-13FE-DF4A-8CB7-09756A57B2EA}" type="datetime2">
+            <a:pPr algn="r"/>
+            <a:r>
               <a:rPr lang="en-US" smtClean="0"/>
-              <a:t>Wednesday, September 10, 14</a:t>
-            </a:fld>
-            <a:endParaRPr lang="en-US" dirty="0"/>
-          </a:p>
-        </p:txBody>
-      </p:sp>
-      <p:sp>
-        <p:nvSpPr>
-          <p:cNvPr id="4" name="Footer Placeholder 3"/>
-          <p:cNvSpPr>
-            <a:spLocks noGrp="1"/>
-          </p:cNvSpPr>
-          <p:nvPr>
-            <p:ph type="ftr" sz="quarter" idx="11"/>
-          </p:nvPr>
-        </p:nvSpPr>
-        <p:spPr/>
-        <p:txBody>
-          <a:bodyPr/>
-          <a:lstStyle/>
-          <a:p>
-            <a:pPr algn="r"/>
-            <a:r>
-              <a:rPr lang="en-US" smtClean="0"/>
-              <a:t>Sanjay Kalé and PPL (UIUC) – Parallel Migratable Objects </a:t>
+              <a:t>Laxmikant Kalé and PPL (UIUC) – Parallel Migratable Objects </a:t>
             </a:r>
             <a:endParaRPr lang="en-US" dirty="0"/>
           </a:p>
@@ -19000,12 +18486,12 @@
       </p:sp>
       <p:sp>
         <p:nvSpPr>
-          <p:cNvPr id="7" name="Date Placeholder 6"/>
-          <p:cNvSpPr>
-            <a:spLocks noGrp="1"/>
-          </p:cNvSpPr>
-          <p:nvPr>
-            <p:ph type="dt" sz="half" idx="10"/>
+          <p:cNvPr id="8" name="Footer Placeholder 7"/>
+          <p:cNvSpPr>
+            <a:spLocks noGrp="1"/>
+          </p:cNvSpPr>
+          <p:nvPr>
+            <p:ph type="ftr" sz="quarter" idx="11"/>
           </p:nvPr>
         </p:nvSpPr>
         <p:spPr/>
@@ -19013,33 +18499,10 @@
           <a:bodyPr/>
           <a:lstStyle/>
           <a:p>
-            <a:fld id="{F3B8C30A-50DC-C949-89DD-4F9B44C5753D}" type="datetime2">
+            <a:pPr algn="r"/>
+            <a:r>
               <a:rPr lang="en-US" smtClean="0"/>
-              <a:t>Wednesday, September 10, 14</a:t>
-            </a:fld>
-            <a:endParaRPr lang="en-US" dirty="0"/>
-          </a:p>
-        </p:txBody>
-      </p:sp>
-      <p:sp>
-        <p:nvSpPr>
-          <p:cNvPr id="8" name="Footer Placeholder 7"/>
-          <p:cNvSpPr>
-            <a:spLocks noGrp="1"/>
-          </p:cNvSpPr>
-          <p:nvPr>
-            <p:ph type="ftr" sz="quarter" idx="11"/>
-          </p:nvPr>
-        </p:nvSpPr>
-        <p:spPr/>
-        <p:txBody>
-          <a:bodyPr/>
-          <a:lstStyle/>
-          <a:p>
-            <a:pPr algn="r"/>
-            <a:r>
-              <a:rPr lang="en-US" dirty="0" smtClean="0"/>
-              <a:t>Sanjay Kalé and PPL (UIUC) – Parallel Migratable Objects </a:t>
+              <a:t>Laxmikant Kalé and PPL (UIUC) – Parallel Migratable Objects </a:t>
             </a:r>
             <a:endParaRPr lang="en-US" dirty="0"/>
           </a:p>
@@ -19490,12 +18953,12 @@
       </p:sp>
       <p:sp>
         <p:nvSpPr>
-          <p:cNvPr id="4" name="Date Placeholder 3"/>
-          <p:cNvSpPr>
-            <a:spLocks noGrp="1"/>
-          </p:cNvSpPr>
-          <p:nvPr>
-            <p:ph type="dt" sz="half" idx="10"/>
+          <p:cNvPr id="5" name="Footer Placeholder 4"/>
+          <p:cNvSpPr>
+            <a:spLocks noGrp="1"/>
+          </p:cNvSpPr>
+          <p:nvPr>
+            <p:ph type="ftr" sz="quarter" idx="11"/>
           </p:nvPr>
         </p:nvSpPr>
         <p:spPr/>
@@ -19503,33 +18966,10 @@
           <a:bodyPr/>
           <a:lstStyle/>
           <a:p>
-            <a:fld id="{34621E95-60A9-FF44-9869-513D9D7A859F}" type="datetime2">
+            <a:pPr algn="r"/>
+            <a:r>
               <a:rPr lang="en-US" smtClean="0"/>
-              <a:t>Wednesday, September 10, 14</a:t>
-            </a:fld>
-            <a:endParaRPr lang="en-US"/>
-          </a:p>
-        </p:txBody>
-      </p:sp>
-      <p:sp>
-        <p:nvSpPr>
-          <p:cNvPr id="5" name="Footer Placeholder 4"/>
-          <p:cNvSpPr>
-            <a:spLocks noGrp="1"/>
-          </p:cNvSpPr>
-          <p:nvPr>
-            <p:ph type="ftr" sz="quarter" idx="11"/>
-          </p:nvPr>
-        </p:nvSpPr>
-        <p:spPr/>
-        <p:txBody>
-          <a:bodyPr/>
-          <a:lstStyle/>
-          <a:p>
-            <a:pPr algn="r"/>
-            <a:r>
-              <a:rPr lang="en-US" smtClean="0"/>
-              <a:t>Sanjay Kalé and PPL (UIUC) – Parallel Migratable Objects </a:t>
+              <a:t>Laxmikant Kalé and PPL (UIUC) – Parallel Migratable Objects </a:t>
             </a:r>
             <a:endParaRPr lang="en-US" dirty="0"/>
           </a:p>
@@ -19987,12 +19427,12 @@
       </p:sp>
       <p:sp>
         <p:nvSpPr>
-          <p:cNvPr id="4" name="Date Placeholder 3"/>
-          <p:cNvSpPr>
-            <a:spLocks noGrp="1"/>
-          </p:cNvSpPr>
-          <p:nvPr>
-            <p:ph type="dt" sz="half" idx="10"/>
+          <p:cNvPr id="5" name="Footer Placeholder 4"/>
+          <p:cNvSpPr>
+            <a:spLocks noGrp="1"/>
+          </p:cNvSpPr>
+          <p:nvPr>
+            <p:ph type="ftr" sz="quarter" idx="11"/>
           </p:nvPr>
         </p:nvSpPr>
         <p:spPr/>
@@ -20000,33 +19440,10 @@
           <a:bodyPr/>
           <a:lstStyle/>
           <a:p>
-            <a:fld id="{34621E95-60A9-FF44-9869-513D9D7A859F}" type="datetime2">
+            <a:pPr algn="r"/>
+            <a:r>
               <a:rPr lang="en-US" smtClean="0"/>
-              <a:t>Wednesday, September 10, 14</a:t>
-            </a:fld>
-            <a:endParaRPr lang="en-US"/>
-          </a:p>
-        </p:txBody>
-      </p:sp>
-      <p:sp>
-        <p:nvSpPr>
-          <p:cNvPr id="5" name="Footer Placeholder 4"/>
-          <p:cNvSpPr>
-            <a:spLocks noGrp="1"/>
-          </p:cNvSpPr>
-          <p:nvPr>
-            <p:ph type="ftr" sz="quarter" idx="11"/>
-          </p:nvPr>
-        </p:nvSpPr>
-        <p:spPr/>
-        <p:txBody>
-          <a:bodyPr/>
-          <a:lstStyle/>
-          <a:p>
-            <a:pPr algn="r"/>
-            <a:r>
-              <a:rPr lang="en-US" smtClean="0"/>
-              <a:t>Sanjay Kalé and PPL (UIUC) – Parallel Migratable Objects </a:t>
+              <a:t>Laxmikant Kalé and PPL (UIUC) – Parallel Migratable Objects </a:t>
             </a:r>
             <a:endParaRPr lang="en-US" dirty="0"/>
           </a:p>
@@ -20120,12 +19537,12 @@
       </p:sp>
       <p:sp>
         <p:nvSpPr>
-          <p:cNvPr id="3" name="Date Placeholder 2"/>
-          <p:cNvSpPr>
-            <a:spLocks noGrp="1"/>
-          </p:cNvSpPr>
-          <p:nvPr>
-            <p:ph type="dt" sz="half" idx="10"/>
+          <p:cNvPr id="4" name="Footer Placeholder 3"/>
+          <p:cNvSpPr>
+            <a:spLocks noGrp="1"/>
+          </p:cNvSpPr>
+          <p:nvPr>
+            <p:ph type="ftr" sz="quarter" idx="11"/>
           </p:nvPr>
         </p:nvSpPr>
         <p:spPr/>
@@ -20133,33 +19550,10 @@
           <a:bodyPr/>
           <a:lstStyle/>
           <a:p>
-            <a:fld id="{BD5AFB16-13FE-DF4A-8CB7-09756A57B2EA}" type="datetime2">
+            <a:pPr algn="r"/>
+            <a:r>
               <a:rPr lang="en-US" smtClean="0"/>
-              <a:t>Wednesday, September 10, 14</a:t>
-            </a:fld>
-            <a:endParaRPr lang="en-US" dirty="0"/>
-          </a:p>
-        </p:txBody>
-      </p:sp>
-      <p:sp>
-        <p:nvSpPr>
-          <p:cNvPr id="4" name="Footer Placeholder 3"/>
-          <p:cNvSpPr>
-            <a:spLocks noGrp="1"/>
-          </p:cNvSpPr>
-          <p:nvPr>
-            <p:ph type="ftr" sz="quarter" idx="11"/>
-          </p:nvPr>
-        </p:nvSpPr>
-        <p:spPr/>
-        <p:txBody>
-          <a:bodyPr/>
-          <a:lstStyle/>
-          <a:p>
-            <a:pPr algn="r"/>
-            <a:r>
-              <a:rPr lang="en-US" smtClean="0"/>
-              <a:t>Sanjay Kalé and PPL (UIUC) – Parallel Migratable Objects </a:t>
+              <a:t>Laxmikant Kalé and PPL (UIUC) – Parallel Migratable Objects </a:t>
             </a:r>
             <a:endParaRPr lang="en-US" dirty="0"/>
           </a:p>
@@ -20743,12 +20137,12 @@
       </p:sp>
       <p:sp>
         <p:nvSpPr>
-          <p:cNvPr id="8" name="Date Placeholder 7"/>
-          <p:cNvSpPr>
-            <a:spLocks noGrp="1"/>
-          </p:cNvSpPr>
-          <p:nvPr>
-            <p:ph type="dt" sz="half" idx="10"/>
+          <p:cNvPr id="9" name="Footer Placeholder 8"/>
+          <p:cNvSpPr>
+            <a:spLocks noGrp="1"/>
+          </p:cNvSpPr>
+          <p:nvPr>
+            <p:ph type="ftr" sz="quarter" idx="11"/>
           </p:nvPr>
         </p:nvSpPr>
         <p:spPr/>
@@ -20756,33 +20150,10 @@
           <a:bodyPr/>
           <a:lstStyle/>
           <a:p>
-            <a:fld id="{0022DBA2-41C4-FC42-AF15-6ACF50B9A47F}" type="datetime2">
+            <a:pPr algn="r"/>
+            <a:r>
               <a:rPr lang="en-US" smtClean="0"/>
-              <a:t>Wednesday, September 10, 14</a:t>
-            </a:fld>
-            <a:endParaRPr lang="en-US" dirty="0"/>
-          </a:p>
-        </p:txBody>
-      </p:sp>
-      <p:sp>
-        <p:nvSpPr>
-          <p:cNvPr id="9" name="Footer Placeholder 8"/>
-          <p:cNvSpPr>
-            <a:spLocks noGrp="1"/>
-          </p:cNvSpPr>
-          <p:nvPr>
-            <p:ph type="ftr" sz="quarter" idx="11"/>
-          </p:nvPr>
-        </p:nvSpPr>
-        <p:spPr/>
-        <p:txBody>
-          <a:bodyPr/>
-          <a:lstStyle/>
-          <a:p>
-            <a:pPr algn="r"/>
-            <a:r>
-              <a:rPr lang="en-US" smtClean="0"/>
-              <a:t>Sanjay Kalé and PPL (UIUC) – Parallel Migratable Objects </a:t>
+              <a:t>Laxmikant Kalé and PPL (UIUC) – Parallel Migratable Objects </a:t>
             </a:r>
             <a:endParaRPr lang="en-US" dirty="0"/>
           </a:p>
@@ -21438,12 +20809,12 @@
       </p:sp>
       <p:sp>
         <p:nvSpPr>
-          <p:cNvPr id="8" name="Date Placeholder 7"/>
-          <p:cNvSpPr>
-            <a:spLocks noGrp="1"/>
-          </p:cNvSpPr>
-          <p:nvPr>
-            <p:ph type="dt" sz="half" idx="10"/>
+          <p:cNvPr id="9" name="Footer Placeholder 8"/>
+          <p:cNvSpPr>
+            <a:spLocks noGrp="1"/>
+          </p:cNvSpPr>
+          <p:nvPr>
+            <p:ph type="ftr" sz="quarter" idx="11"/>
           </p:nvPr>
         </p:nvSpPr>
         <p:spPr/>
@@ -21451,33 +20822,10 @@
           <a:bodyPr/>
           <a:lstStyle/>
           <a:p>
-            <a:fld id="{8EB608FE-6B5C-0942-BB2E-F88C771A47EB}" type="datetime2">
+            <a:pPr algn="r"/>
+            <a:r>
               <a:rPr lang="en-US" smtClean="0"/>
-              <a:t>Wednesday, September 10, 14</a:t>
-            </a:fld>
-            <a:endParaRPr lang="en-US" dirty="0"/>
-          </a:p>
-        </p:txBody>
-      </p:sp>
-      <p:sp>
-        <p:nvSpPr>
-          <p:cNvPr id="9" name="Footer Placeholder 8"/>
-          <p:cNvSpPr>
-            <a:spLocks noGrp="1"/>
-          </p:cNvSpPr>
-          <p:nvPr>
-            <p:ph type="ftr" sz="quarter" idx="11"/>
-          </p:nvPr>
-        </p:nvSpPr>
-        <p:spPr/>
-        <p:txBody>
-          <a:bodyPr/>
-          <a:lstStyle/>
-          <a:p>
-            <a:pPr algn="r"/>
-            <a:r>
-              <a:rPr lang="en-US" smtClean="0"/>
-              <a:t>Sanjay Kalé and PPL (UIUC) – Parallel Migratable Objects </a:t>
+              <a:t>Laxmikant Kalé and PPL (UIUC) – Parallel Migratable Objects </a:t>
             </a:r>
             <a:endParaRPr lang="en-US" dirty="0"/>
           </a:p>
@@ -22290,12 +21638,12 @@
       </p:sp>
       <p:sp>
         <p:nvSpPr>
-          <p:cNvPr id="4" name="Date Placeholder 3"/>
-          <p:cNvSpPr>
-            <a:spLocks noGrp="1"/>
-          </p:cNvSpPr>
-          <p:nvPr>
-            <p:ph type="dt" sz="half" idx="10"/>
+          <p:cNvPr id="5" name="Footer Placeholder 4"/>
+          <p:cNvSpPr>
+            <a:spLocks noGrp="1"/>
+          </p:cNvSpPr>
+          <p:nvPr>
+            <p:ph type="ftr" sz="quarter" idx="11"/>
           </p:nvPr>
         </p:nvSpPr>
         <p:spPr/>
@@ -22303,33 +21651,10 @@
           <a:bodyPr/>
           <a:lstStyle/>
           <a:p>
-            <a:fld id="{6406B148-C837-5A4A-9177-E769F997E00D}" type="datetime2">
+            <a:pPr algn="r"/>
+            <a:r>
               <a:rPr lang="en-US" smtClean="0"/>
-              <a:t>Wednesday, September 10, 14</a:t>
-            </a:fld>
-            <a:endParaRPr lang="en-US"/>
-          </a:p>
-        </p:txBody>
-      </p:sp>
-      <p:sp>
-        <p:nvSpPr>
-          <p:cNvPr id="5" name="Footer Placeholder 4"/>
-          <p:cNvSpPr>
-            <a:spLocks noGrp="1"/>
-          </p:cNvSpPr>
-          <p:nvPr>
-            <p:ph type="ftr" sz="quarter" idx="11"/>
-          </p:nvPr>
-        </p:nvSpPr>
-        <p:spPr/>
-        <p:txBody>
-          <a:bodyPr/>
-          <a:lstStyle/>
-          <a:p>
-            <a:pPr algn="r"/>
-            <a:r>
-              <a:rPr lang="en-US" smtClean="0"/>
-              <a:t>Sanjay Kalé and PPL (UIUC) – Parallel Migratable Objects </a:t>
+              <a:t>Laxmikant Kalé and PPL (UIUC) – Parallel Migratable Objects </a:t>
             </a:r>
             <a:endParaRPr lang="en-US" dirty="0"/>
           </a:p>
@@ -22427,12 +21752,12 @@
       </p:sp>
       <p:sp>
         <p:nvSpPr>
-          <p:cNvPr id="7" name="Date Placeholder 6"/>
-          <p:cNvSpPr>
-            <a:spLocks noGrp="1"/>
-          </p:cNvSpPr>
-          <p:nvPr>
-            <p:ph type="dt" sz="half" idx="10"/>
+          <p:cNvPr id="8" name="Footer Placeholder 7"/>
+          <p:cNvSpPr>
+            <a:spLocks noGrp="1"/>
+          </p:cNvSpPr>
+          <p:nvPr>
+            <p:ph type="ftr" sz="quarter" idx="11"/>
           </p:nvPr>
         </p:nvSpPr>
         <p:spPr/>
@@ -22440,33 +21765,10 @@
           <a:bodyPr/>
           <a:lstStyle/>
           <a:p>
-            <a:fld id="{06EAF201-C85D-6C40-92AB-9574263DA8D2}" type="datetime2">
+            <a:pPr algn="r"/>
+            <a:r>
               <a:rPr lang="en-US" smtClean="0"/>
-              <a:t>Wednesday, September 10, 14</a:t>
-            </a:fld>
-            <a:endParaRPr lang="en-US" dirty="0"/>
-          </a:p>
-        </p:txBody>
-      </p:sp>
-      <p:sp>
-        <p:nvSpPr>
-          <p:cNvPr id="8" name="Footer Placeholder 7"/>
-          <p:cNvSpPr>
-            <a:spLocks noGrp="1"/>
-          </p:cNvSpPr>
-          <p:nvPr>
-            <p:ph type="ftr" sz="quarter" idx="11"/>
-          </p:nvPr>
-        </p:nvSpPr>
-        <p:spPr/>
-        <p:txBody>
-          <a:bodyPr/>
-          <a:lstStyle/>
-          <a:p>
-            <a:pPr algn="r"/>
-            <a:r>
-              <a:rPr lang="en-US" smtClean="0"/>
-              <a:t>Sanjay Kalé and PPL (UIUC) – Parallel Migratable Objects </a:t>
+              <a:t>Laxmikant Kalé and PPL (UIUC) – Parallel Migratable Objects </a:t>
             </a:r>
             <a:endParaRPr lang="en-US" dirty="0"/>
           </a:p>
@@ -22838,12 +22140,12 @@
       </p:sp>
       <p:sp>
         <p:nvSpPr>
-          <p:cNvPr id="8" name="Date Placeholder 7"/>
-          <p:cNvSpPr>
-            <a:spLocks noGrp="1"/>
-          </p:cNvSpPr>
-          <p:nvPr>
-            <p:ph type="dt" sz="half" idx="10"/>
+          <p:cNvPr id="9" name="Footer Placeholder 8"/>
+          <p:cNvSpPr>
+            <a:spLocks noGrp="1"/>
+          </p:cNvSpPr>
+          <p:nvPr>
+            <p:ph type="ftr" sz="quarter" idx="11"/>
           </p:nvPr>
         </p:nvSpPr>
         <p:spPr/>
@@ -22851,33 +22153,10 @@
           <a:bodyPr/>
           <a:lstStyle/>
           <a:p>
-            <a:fld id="{516CF2ED-A209-8241-96E4-43915ACF07C6}" type="datetime2">
+            <a:pPr algn="r"/>
+            <a:r>
               <a:rPr lang="en-US" smtClean="0"/>
-              <a:t>Wednesday, September 10, 14</a:t>
-            </a:fld>
-            <a:endParaRPr lang="en-US" dirty="0"/>
-          </a:p>
-        </p:txBody>
-      </p:sp>
-      <p:sp>
-        <p:nvSpPr>
-          <p:cNvPr id="9" name="Footer Placeholder 8"/>
-          <p:cNvSpPr>
-            <a:spLocks noGrp="1"/>
-          </p:cNvSpPr>
-          <p:nvPr>
-            <p:ph type="ftr" sz="quarter" idx="11"/>
-          </p:nvPr>
-        </p:nvSpPr>
-        <p:spPr/>
-        <p:txBody>
-          <a:bodyPr/>
-          <a:lstStyle/>
-          <a:p>
-            <a:pPr algn="r"/>
-            <a:r>
-              <a:rPr lang="en-US" smtClean="0"/>
-              <a:t>Sanjay Kalé and PPL (UIUC) – Parallel Migratable Objects </a:t>
+              <a:t>Laxmikant Kalé and PPL (UIUC) – Parallel Migratable Objects </a:t>
             </a:r>
             <a:endParaRPr lang="en-US" dirty="0"/>
           </a:p>
@@ -23619,12 +22898,12 @@
       </p:sp>
       <p:sp>
         <p:nvSpPr>
-          <p:cNvPr id="4" name="Date Placeholder 3"/>
-          <p:cNvSpPr>
-            <a:spLocks noGrp="1"/>
-          </p:cNvSpPr>
-          <p:nvPr>
-            <p:ph type="dt" sz="half" idx="10"/>
+          <p:cNvPr id="5" name="Footer Placeholder 4"/>
+          <p:cNvSpPr>
+            <a:spLocks noGrp="1"/>
+          </p:cNvSpPr>
+          <p:nvPr>
+            <p:ph type="ftr" sz="quarter" idx="11"/>
           </p:nvPr>
         </p:nvSpPr>
         <p:spPr/>
@@ -23632,33 +22911,10 @@
           <a:bodyPr/>
           <a:lstStyle/>
           <a:p>
-            <a:fld id="{7888C7C0-37F0-2A45-A738-E90CF9448176}" type="datetime2">
+            <a:pPr algn="r"/>
+            <a:r>
               <a:rPr lang="en-US" smtClean="0"/>
-              <a:t>Wednesday, September 10, 14</a:t>
-            </a:fld>
-            <a:endParaRPr lang="en-US"/>
-          </a:p>
-        </p:txBody>
-      </p:sp>
-      <p:sp>
-        <p:nvSpPr>
-          <p:cNvPr id="5" name="Footer Placeholder 4"/>
-          <p:cNvSpPr>
-            <a:spLocks noGrp="1"/>
-          </p:cNvSpPr>
-          <p:nvPr>
-            <p:ph type="ftr" sz="quarter" idx="11"/>
-          </p:nvPr>
-        </p:nvSpPr>
-        <p:spPr/>
-        <p:txBody>
-          <a:bodyPr/>
-          <a:lstStyle/>
-          <a:p>
-            <a:pPr algn="r"/>
-            <a:r>
-              <a:rPr lang="en-US" smtClean="0"/>
-              <a:t>Sanjay Kalé and PPL (UIUC) – Parallel Migratable Objects </a:t>
+              <a:t>Laxmikant Kalé and PPL (UIUC) – Parallel Migratable Objects </a:t>
             </a:r>
             <a:endParaRPr lang="en-US" dirty="0"/>
           </a:p>

--- a/tutorial-04-charm_basics.pptx
+++ b/tutorial-04-charm_basics.pptx
@@ -7726,7 +7726,21 @@
                 <a:latin typeface="Consolas"/>
                 <a:cs typeface="Consolas"/>
               </a:rPr>
-              <a:t>&lt;&lt; ”Hello World!” &lt;&lt; </a:t>
+              <a:t>&lt;&lt; </a:t>
+            </a:r>
+            <a:r>
+              <a:rPr lang="en-US" dirty="0" smtClean="0">
+                <a:latin typeface="Consolas"/>
+                <a:cs typeface="Consolas"/>
+              </a:rPr>
+              <a:t>“Hello </a:t>
+            </a:r>
+            <a:r>
+              <a:rPr lang="en-US" dirty="0">
+                <a:latin typeface="Consolas"/>
+                <a:cs typeface="Consolas"/>
+              </a:rPr>
+              <a:t>World!” &lt;&lt; </a:t>
             </a:r>
             <a:r>
               <a:rPr lang="en-US" dirty="0" err="1">
@@ -8060,7 +8074,7 @@
                 <a:latin typeface="Consolas"/>
                 <a:cs typeface="Consolas"/>
               </a:rPr>
-              <a:t> &lt;&lt; “ Hello from a simple </a:t>
+              <a:t> &lt;&lt; “Hello from a simple </a:t>
             </a:r>
             <a:r>
               <a:rPr lang="en-US" dirty="0" err="1" smtClean="0">
@@ -8135,7 +8149,7 @@
                 <a:latin typeface="Consolas"/>
                 <a:cs typeface="Consolas"/>
               </a:rPr>
-              <a:t> &lt;&lt; “ Area of a circle of radius” &lt;&lt; x &lt;&lt; “ is ” &lt;&lt; y*x*x &lt;&lt; </a:t>
+              <a:t> &lt;&lt; “Area of a circle of radius ” &lt;&lt; x &lt;&lt; “ is ” &lt;&lt; y*x*x &lt;&lt; </a:t>
             </a:r>
             <a:r>
               <a:rPr lang="en-US" dirty="0" err="1" smtClean="0">
@@ -9078,7 +9092,21 @@
                 <a:latin typeface="Consolas"/>
                 <a:cs typeface="Consolas"/>
               </a:rPr>
-              <a:t>&lt;&lt; ”foo executes” &lt;&lt; </a:t>
+              <a:t>&lt;&lt; </a:t>
+            </a:r>
+            <a:r>
+              <a:rPr lang="en-US" dirty="0" smtClean="0">
+                <a:latin typeface="Consolas"/>
+                <a:cs typeface="Consolas"/>
+              </a:rPr>
+              <a:t>“foo </a:t>
+            </a:r>
+            <a:r>
+              <a:rPr lang="en-US" dirty="0">
+                <a:latin typeface="Consolas"/>
+                <a:cs typeface="Consolas"/>
+              </a:rPr>
+              <a:t>executes” &lt;&lt; </a:t>
             </a:r>
             <a:r>
               <a:rPr lang="en-US" dirty="0" err="1">
@@ -9184,7 +9212,21 @@
                 <a:latin typeface="Consolas"/>
                 <a:cs typeface="Consolas"/>
               </a:rPr>
-              <a:t>&lt;&lt; ”bar executes with ” &lt;&lt; </a:t>
+              <a:t>&lt;&lt; </a:t>
+            </a:r>
+            <a:r>
+              <a:rPr lang="en-US" dirty="0" smtClean="0">
+                <a:latin typeface="Consolas"/>
+                <a:cs typeface="Consolas"/>
+              </a:rPr>
+              <a:t>“bar </a:t>
+            </a:r>
+            <a:r>
+              <a:rPr lang="en-US" dirty="0">
+                <a:latin typeface="Consolas"/>
+                <a:cs typeface="Consolas"/>
+              </a:rPr>
+              <a:t>executes with ” &lt;&lt; </a:t>
             </a:r>
             <a:r>
               <a:rPr lang="en-US" dirty="0" err="1">
@@ -11357,21 +11399,21 @@
                 <a:latin typeface="Consolas"/>
                 <a:cs typeface="Consolas"/>
               </a:rPr>
-              <a:t>float</a:t>
+              <a:t>double </a:t>
             </a:r>
             <a:r>
               <a:rPr lang="en-US" dirty="0" smtClean="0">
                 <a:latin typeface="Consolas"/>
                 <a:cs typeface="Consolas"/>
               </a:rPr>
-              <a:t> </a:t>
+              <a:t>y</a:t>
             </a:r>
             <a:r>
               <a:rPr lang="en-US" dirty="0">
                 <a:latin typeface="Consolas"/>
                 <a:cs typeface="Consolas"/>
               </a:rPr>
-              <a:t>y;</a:t>
+              <a:t>;</a:t>
             </a:r>
           </a:p>
           <a:p>
@@ -11640,7 +11682,35 @@
                 <a:latin typeface="Consolas"/>
                 <a:cs typeface="Consolas"/>
               </a:rPr>
-              <a:t>&lt;&lt; ”Area of a circle of radius” &lt;&lt; r &lt;&lt; ” is ” &lt;&lt; </a:t>
+              <a:t>&lt;&lt; </a:t>
+            </a:r>
+            <a:r>
+              <a:rPr lang="en-US" dirty="0" smtClean="0">
+                <a:latin typeface="Consolas"/>
+                <a:cs typeface="Consolas"/>
+              </a:rPr>
+              <a:t>“Area </a:t>
+            </a:r>
+            <a:r>
+              <a:rPr lang="en-US" dirty="0">
+                <a:latin typeface="Consolas"/>
+                <a:cs typeface="Consolas"/>
+              </a:rPr>
+              <a:t>of a circle of </a:t>
+            </a:r>
+            <a:r>
+              <a:rPr lang="en-US" dirty="0" smtClean="0">
+                <a:latin typeface="Consolas"/>
+                <a:cs typeface="Consolas"/>
+              </a:rPr>
+              <a:t>radius ” </a:t>
+            </a:r>
+            <a:r>
+              <a:rPr lang="en-US" dirty="0">
+                <a:latin typeface="Consolas"/>
+                <a:cs typeface="Consolas"/>
+              </a:rPr>
+              <a:t>&lt;&lt; r &lt;&lt; ” is ” &lt;&lt; </a:t>
             </a:r>
             <a:r>
               <a:rPr lang="en-US" dirty="0" err="1">
@@ -13428,7 +13498,7 @@
         </p:spPr>
         <p:txBody>
           <a:bodyPr>
-            <a:normAutofit fontScale="77500" lnSpcReduction="20000"/>
+            <a:normAutofit fontScale="70000" lnSpcReduction="20000"/>
           </a:bodyPr>
           <a:lstStyle/>
           <a:p>
@@ -13724,6 +13794,18 @@
                 <a:cs typeface="Consolas"/>
               </a:rPr>
               <a:t>} </a:t>
+            </a:r>
+          </a:p>
+          <a:p>
+            <a:pPr marL="0" indent="0">
+              <a:buNone/>
+            </a:pPr>
+            <a:r>
+              <a:rPr lang="en-US" dirty="0" smtClean="0">
+                <a:latin typeface="Consolas"/>
+                <a:cs typeface="Consolas"/>
+              </a:rPr>
+              <a:t>};</a:t>
             </a:r>
             <a:endParaRPr lang="en-US" dirty="0">
               <a:latin typeface="Consolas"/>
@@ -15528,7 +15610,7 @@
               <a:t>hello(</a:t>
             </a:r>
             <a:r>
-              <a:rPr lang="en-US" sz="2000" dirty="0" err="1">
+              <a:rPr lang="en-US" sz="2000" b="1" dirty="0" err="1">
                 <a:latin typeface="Consolas"/>
                 <a:cs typeface="Consolas"/>
               </a:rPr>
@@ -16863,7 +16945,11 @@
           <a:p>
             <a:r>
               <a:rPr lang="en-US" dirty="0"/>
-              <a:t>Add -</a:t>
+              <a:t>Add </a:t>
+            </a:r>
+            <a:r>
+              <a:rPr lang="en-US" dirty="0" smtClean="0"/>
+              <a:t>“-</a:t>
             </a:r>
             <a:r>
               <a:rPr lang="en-US" dirty="0" err="1">
@@ -16874,7 +16960,29 @@
             </a:r>
             <a:r>
               <a:rPr lang="en-US" dirty="0"/>
-              <a:t> projections to link line to enable tracing</a:t>
+              <a:t> </a:t>
+            </a:r>
+            <a:r>
+              <a:rPr lang="en-US" dirty="0" smtClean="0">
+                <a:latin typeface="Consolas"/>
+                <a:cs typeface="Consolas"/>
+              </a:rPr>
+              <a:t>projections</a:t>
+            </a:r>
+            <a:r>
+              <a:rPr lang="en-US" dirty="0" smtClean="0">
+                <a:latin typeface="+mn-lt"/>
+                <a:cs typeface="Consolas"/>
+              </a:rPr>
+              <a:t>”</a:t>
+            </a:r>
+            <a:r>
+              <a:rPr lang="en-US" dirty="0" smtClean="0"/>
+              <a:t> to </a:t>
+            </a:r>
+            <a:r>
+              <a:rPr lang="en-US" dirty="0"/>
+              <a:t>link line to enable tracing</a:t>
             </a:r>
           </a:p>
           <a:p>
@@ -18696,7 +18804,21 @@
                 <a:latin typeface="Consolas"/>
                 <a:cs typeface="Consolas"/>
               </a:rPr>
-              <a:t>[main]</a:t>
+              <a:t>[</a:t>
+            </a:r>
+            <a:r>
+              <a:rPr lang="en-US" b="1" dirty="0">
+                <a:latin typeface="Consolas"/>
+                <a:cs typeface="Consolas"/>
+              </a:rPr>
+              <a:t>main</a:t>
+            </a:r>
+            <a:r>
+              <a:rPr lang="en-US" dirty="0">
+                <a:latin typeface="Consolas"/>
+                <a:cs typeface="Consolas"/>
+              </a:rPr>
+              <a:t>]</a:t>
             </a:r>
             <a:r>
               <a:rPr lang="en-US" b="1" dirty="0">
@@ -18889,11 +19011,11 @@
               <a:t>, </a:t>
             </a:r>
             <a:r>
-              <a:rPr lang="en-US" dirty="0">
-                <a:latin typeface="Consolas"/>
-                <a:cs typeface="Consolas"/>
-              </a:rPr>
-              <a:t>aggregate </a:t>
+              <a:rPr lang="en-US" smtClean="0">
+                <a:latin typeface="Consolas"/>
+                <a:cs typeface="Consolas"/>
+              </a:rPr>
+              <a:t>concat</a:t>
             </a:r>
             <a:endParaRPr lang="en-US" dirty="0" smtClean="0">
               <a:latin typeface="Consolas"/>
@@ -19764,11 +19886,19 @@
             </a:pPr>
             <a:r>
               <a:rPr lang="en-US" sz="1100" dirty="0" smtClean="0"/>
-              <a:t>      CkPrintf</a:t>
+              <a:t>      </a:t>
+            </a:r>
+            <a:r>
+              <a:rPr lang="en-US" sz="1100" dirty="0" err="1" smtClean="0"/>
+              <a:t>CkPrintf</a:t>
+            </a:r>
+            <a:r>
+              <a:rPr lang="en-US" sz="1100" smtClean="0"/>
+              <a:t>(“value</a:t>
             </a:r>
             <a:r>
               <a:rPr lang="en-US" sz="1100" dirty="0"/>
-              <a:t>(”value: %d\n”, value);</a:t>
+              <a:t>: %d\n”, value);</a:t>
             </a:r>
             <a:br>
               <a:rPr lang="en-US" sz="1100" dirty="0"/>
@@ -20349,7 +20479,21 @@
                 <a:latin typeface="Consolas"/>
                 <a:cs typeface="Consolas"/>
               </a:rPr>
-              <a:t>[main]</a:t>
+              <a:t>[</a:t>
+            </a:r>
+            <a:r>
+              <a:rPr lang="en-US" b="1" dirty="0">
+                <a:latin typeface="Consolas"/>
+                <a:cs typeface="Consolas"/>
+              </a:rPr>
+              <a:t>main</a:t>
+            </a:r>
+            <a:r>
+              <a:rPr lang="en-US" dirty="0">
+                <a:latin typeface="Consolas"/>
+                <a:cs typeface="Consolas"/>
+              </a:rPr>
+              <a:t>]</a:t>
             </a:r>
             <a:r>
               <a:rPr lang="en-US" b="1" dirty="0" err="1">

--- a/tutorial-04-charm_basics.pptx
+++ b/tutorial-04-charm_basics.pptx
@@ -7724,14 +7724,118 @@
                 <a:latin typeface="Consolas"/>
                 <a:cs typeface="Consolas"/>
               </a:rPr>
+              <a:t> pi  = 3.1415;</a:t>
+            </a:r>
+          </a:p>
+          <a:p>
+            <a:pPr marL="0" indent="0">
+              <a:buNone/>
+            </a:pPr>
+            <a:r>
+              <a:rPr lang="en-US" dirty="0" smtClean="0">
+                <a:latin typeface="Consolas"/>
+                <a:cs typeface="Consolas"/>
+              </a:rPr>
+              <a:t>   </a:t>
+            </a:r>
+            <a:r>
+              <a:rPr lang="en-US" dirty="0" err="1" smtClean="0">
+                <a:latin typeface="Consolas"/>
+                <a:cs typeface="Consolas"/>
+              </a:rPr>
+              <a:t>CProxy_Simple</a:t>
+            </a:r>
+            <a:r>
+              <a:rPr lang="en-US" dirty="0" smtClean="0">
+                <a:latin typeface="Consolas"/>
+                <a:cs typeface="Consolas"/>
+              </a:rPr>
+              <a:t>::</a:t>
+            </a:r>
+            <a:r>
+              <a:rPr lang="en-US" dirty="0" err="1" smtClean="0">
+                <a:latin typeface="Consolas"/>
+                <a:cs typeface="Consolas"/>
+              </a:rPr>
+              <a:t>ckNew</a:t>
+            </a:r>
+            <a:r>
+              <a:rPr lang="en-US" dirty="0" smtClean="0">
+                <a:latin typeface="Consolas"/>
+                <a:cs typeface="Consolas"/>
+              </a:rPr>
+              <a:t>(12, pi);</a:t>
+            </a:r>
+          </a:p>
+          <a:p>
+            <a:pPr marL="0" indent="0">
+              <a:buNone/>
+            </a:pPr>
+            <a:r>
+              <a:rPr lang="en-US" dirty="0" smtClean="0">
+                <a:latin typeface="Consolas"/>
+                <a:cs typeface="Consolas"/>
+              </a:rPr>
+              <a:t> };</a:t>
+            </a:r>
+          </a:p>
+          <a:p>
+            <a:pPr marL="0" indent="0">
+              <a:buNone/>
+            </a:pPr>
+            <a:r>
+              <a:rPr lang="en-US" dirty="0" smtClean="0">
+                <a:latin typeface="Consolas"/>
+                <a:cs typeface="Consolas"/>
+              </a:rPr>
+              <a:t>};</a:t>
+            </a:r>
+          </a:p>
+          <a:p>
+            <a:pPr marL="0" indent="0">
+              <a:buNone/>
+            </a:pPr>
+            <a:r>
+              <a:rPr lang="en-US" b="1" dirty="0" smtClean="0">
+                <a:latin typeface="Consolas"/>
+                <a:cs typeface="Consolas"/>
+              </a:rPr>
+              <a:t>class</a:t>
+            </a:r>
+            <a:r>
+              <a:rPr lang="en-US" dirty="0" smtClean="0">
+                <a:latin typeface="Consolas"/>
+                <a:cs typeface="Consolas"/>
+              </a:rPr>
+              <a:t> Simple : </a:t>
+            </a:r>
+            <a:r>
+              <a:rPr lang="en-US" b="1" dirty="0" smtClean="0">
+                <a:latin typeface="Consolas"/>
+                <a:cs typeface="Consolas"/>
+              </a:rPr>
+              <a:t>public</a:t>
+            </a:r>
+            <a:r>
+              <a:rPr lang="en-US" dirty="0" smtClean="0">
+                <a:latin typeface="Consolas"/>
+                <a:cs typeface="Consolas"/>
+              </a:rPr>
               <a:t> </a:t>
             </a:r>
             <a:r>
+              <a:rPr lang="en-US" dirty="0" err="1" smtClean="0">
+                <a:latin typeface="Consolas"/>
+                <a:cs typeface="Consolas"/>
+              </a:rPr>
+              <a:t>CBase_Simple</a:t>
+            </a:r>
+            <a:r>
               <a:rPr lang="en-US" dirty="0" smtClean="0">
                 <a:latin typeface="Consolas"/>
                 <a:cs typeface="Consolas"/>
               </a:rPr>
-              <a:t>pi  = 3.1415;</a:t>
+              <a:t> {</a:t>
             </a:r>
           </a:p>
           <a:p>
@@ -7739,10 +7843,57 @@
               <a:buNone/>
             </a:pPr>
             <a:r>
+              <a:rPr lang="en-US" b="1" dirty="0" smtClean="0">
+                <a:latin typeface="Consolas"/>
+                <a:cs typeface="Consolas"/>
+              </a:rPr>
+              <a:t>public</a:t>
+            </a:r>
+            <a:r>
               <a:rPr lang="en-US" dirty="0" smtClean="0">
                 <a:latin typeface="Consolas"/>
                 <a:cs typeface="Consolas"/>
               </a:rPr>
+              <a:t>: Simple(</a:t>
+            </a:r>
+            <a:r>
+              <a:rPr lang="en-US" b="1" dirty="0" err="1" smtClean="0">
+                <a:latin typeface="Consolas"/>
+                <a:cs typeface="Consolas"/>
+              </a:rPr>
+              <a:t>int</a:t>
+            </a:r>
+            <a:r>
+              <a:rPr lang="en-US" dirty="0" smtClean="0">
+                <a:latin typeface="Consolas"/>
+                <a:cs typeface="Consolas"/>
+              </a:rPr>
+              <a:t> x, </a:t>
+            </a:r>
+            <a:r>
+              <a:rPr lang="en-US" b="1" dirty="0" smtClean="0">
+                <a:latin typeface="Consolas"/>
+                <a:cs typeface="Consolas"/>
+              </a:rPr>
+              <a:t>double</a:t>
+            </a:r>
+            <a:r>
+              <a:rPr lang="en-US" dirty="0" smtClean="0">
+                <a:latin typeface="Consolas"/>
+                <a:cs typeface="Consolas"/>
+              </a:rPr>
+              <a:t> y) {</a:t>
+            </a:r>
+          </a:p>
+          <a:p>
+            <a:pPr marL="0" indent="0">
+              <a:buNone/>
+            </a:pPr>
+            <a:r>
+              <a:rPr lang="en-US" dirty="0" smtClean="0">
+                <a:latin typeface="Consolas"/>
+                <a:cs typeface="Consolas"/>
+              </a:rPr>
               <a:t>   </a:t>
             </a:r>
             <a:r>
@@ -7750,34 +7901,97 @@
                 <a:latin typeface="Consolas"/>
                 <a:cs typeface="Consolas"/>
               </a:rPr>
-              <a:t>CProxy_Simple</a:t>
+              <a:t>ckout</a:t>
             </a:r>
             <a:r>
               <a:rPr lang="en-US" dirty="0" smtClean="0">
                 <a:latin typeface="Consolas"/>
                 <a:cs typeface="Consolas"/>
               </a:rPr>
-              <a:t>::</a:t>
+              <a:t> &lt;&lt; “From </a:t>
             </a:r>
             <a:r>
               <a:rPr lang="en-US" dirty="0" err="1" smtClean="0">
                 <a:latin typeface="Consolas"/>
                 <a:cs typeface="Consolas"/>
               </a:rPr>
-              <a:t>ckNew</a:t>
+              <a:t>chare</a:t>
             </a:r>
             <a:r>
               <a:rPr lang="en-US" dirty="0" smtClean="0">
                 <a:latin typeface="Consolas"/>
                 <a:cs typeface="Consolas"/>
               </a:rPr>
-              <a:t>(12, pi)</a:t>
+              <a:t> running on ”</a:t>
+            </a:r>
+            <a:r>
+              <a:rPr lang="en-US" dirty="0">
+                <a:latin typeface="Consolas"/>
+                <a:cs typeface="Consolas"/>
+              </a:rPr>
+              <a:t> </a:t>
             </a:r>
             <a:r>
               <a:rPr lang="en-US" dirty="0" smtClean="0">
                 <a:latin typeface="Consolas"/>
                 <a:cs typeface="Consolas"/>
               </a:rPr>
+              <a:t>&lt;</a:t>
+            </a:r>
+            <a:r>
+              <a:rPr lang="en-US" dirty="0">
+                <a:latin typeface="Consolas"/>
+                <a:cs typeface="Consolas"/>
+              </a:rPr>
+              <a:t>&lt; </a:t>
+            </a:r>
+            <a:r>
+              <a:rPr lang="en-US" dirty="0" err="1">
+                <a:latin typeface="Consolas"/>
+                <a:cs typeface="Consolas"/>
+              </a:rPr>
+              <a:t>CkMyPe</a:t>
+            </a:r>
+            <a:r>
+              <a:rPr lang="en-US" dirty="0">
+                <a:latin typeface="Consolas"/>
+                <a:cs typeface="Consolas"/>
+              </a:rPr>
+              <a:t>() &lt;</a:t>
+            </a:r>
+            <a:r>
+              <a:rPr lang="en-US" dirty="0" smtClean="0">
+                <a:latin typeface="Consolas"/>
+                <a:cs typeface="Consolas"/>
+              </a:rPr>
+              <a:t>&lt; </a:t>
+            </a:r>
+            <a:r>
+              <a:rPr lang="en-US" dirty="0" smtClean="0">
+                <a:latin typeface="Consolas"/>
+                <a:cs typeface="Consolas"/>
+              </a:rPr>
+              <a:t>“ </a:t>
+            </a:r>
+            <a:r>
+              <a:rPr lang="en-US" dirty="0" smtClean="0">
+                <a:latin typeface="Consolas"/>
+                <a:cs typeface="Consolas"/>
+              </a:rPr>
+              <a:t>Area of a circle of radius ” &lt;&lt; x &lt;&lt; “ is ” &lt;&lt; y*x*x &lt;&lt; </a:t>
+            </a:r>
+            <a:r>
+              <a:rPr lang="en-US" dirty="0" err="1" smtClean="0">
+                <a:latin typeface="Consolas"/>
+                <a:cs typeface="Consolas"/>
+              </a:rPr>
+              <a:t>endl</a:t>
+            </a:r>
+            <a:r>
+              <a:rPr lang="en-US" dirty="0" smtClean="0">
+                <a:latin typeface="Consolas"/>
+                <a:cs typeface="Consolas"/>
+              </a:rPr>
               <a:t>;</a:t>
             </a:r>
           </a:p>
@@ -7786,18 +8000,32 @@
               <a:buNone/>
             </a:pPr>
             <a:r>
+              <a:rPr lang="en-US" dirty="0">
+                <a:latin typeface="Consolas"/>
+                <a:cs typeface="Consolas"/>
+              </a:rPr>
+              <a:t> </a:t>
+            </a:r>
+            <a:r>
               <a:rPr lang="en-US" dirty="0" smtClean="0">
                 <a:latin typeface="Consolas"/>
                 <a:cs typeface="Consolas"/>
               </a:rPr>
-              <a:t> }</a:t>
+              <a:t>  </a:t>
+            </a:r>
+            <a:r>
+              <a:rPr lang="en-US" dirty="0" err="1" smtClean="0">
+                <a:latin typeface="Consolas"/>
+                <a:cs typeface="Consolas"/>
+              </a:rPr>
+              <a:t>CkExit</a:t>
             </a:r>
             <a:r>
               <a:rPr lang="en-US" dirty="0" smtClean="0">
                 <a:latin typeface="Consolas"/>
                 <a:cs typeface="Consolas"/>
               </a:rPr>
-              <a:t>;</a:t>
+              <a:t>();</a:t>
             </a:r>
           </a:p>
           <a:p>
@@ -7805,10 +8033,29 @@
               <a:buNone/>
             </a:pPr>
             <a:r>
+              <a:rPr lang="en-US" dirty="0">
+                <a:latin typeface="Consolas"/>
+                <a:cs typeface="Consolas"/>
+              </a:rPr>
+              <a:t> </a:t>
+            </a:r>
+            <a:r>
               <a:rPr lang="en-US" dirty="0" smtClean="0">
                 <a:latin typeface="Consolas"/>
                 <a:cs typeface="Consolas"/>
               </a:rPr>
+              <a:t>  };</a:t>
+            </a:r>
+          </a:p>
+          <a:p>
+            <a:pPr marL="0" indent="0">
+              <a:buNone/>
+            </a:pPr>
+            <a:r>
+              <a:rPr lang="en-US" dirty="0" smtClean="0">
+                <a:latin typeface="Consolas"/>
+                <a:cs typeface="Consolas"/>
+              </a:rPr>
               <a:t>};</a:t>
             </a:r>
           </a:p>
@@ -7821,319 +8068,29 @@
                 <a:latin typeface="Consolas"/>
                 <a:cs typeface="Consolas"/>
               </a:rPr>
-              <a:t>class</a:t>
+              <a:t>#include </a:t>
             </a:r>
             <a:r>
               <a:rPr lang="en-US" dirty="0" smtClean="0">
                 <a:latin typeface="Consolas"/>
                 <a:cs typeface="Consolas"/>
               </a:rPr>
-              <a:t> Simple : </a:t>
-            </a:r>
-            <a:r>
-              <a:rPr lang="en-US" b="1" dirty="0" smtClean="0">
-                <a:latin typeface="Consolas"/>
-                <a:cs typeface="Consolas"/>
-              </a:rPr>
-              <a:t>public</a:t>
+              <a:t>“</a:t>
+            </a:r>
+            <a:r>
+              <a:rPr lang="en-US" dirty="0" err="1" smtClean="0">
+                <a:latin typeface="Consolas"/>
+                <a:cs typeface="Consolas"/>
+              </a:rPr>
+              <a:t>MyModule.def.h</a:t>
             </a:r>
             <a:r>
               <a:rPr lang="en-US" dirty="0" smtClean="0">
                 <a:latin typeface="Consolas"/>
                 <a:cs typeface="Consolas"/>
               </a:rPr>
-              <a:t> </a:t>
-            </a:r>
-            <a:r>
-              <a:rPr lang="en-US" dirty="0" err="1" smtClean="0">
-                <a:latin typeface="Consolas"/>
-                <a:cs typeface="Consolas"/>
-              </a:rPr>
-              <a:t>CBase_Simple</a:t>
-            </a:r>
-            <a:r>
-              <a:rPr lang="en-US" dirty="0" smtClean="0">
-                <a:latin typeface="Consolas"/>
-                <a:cs typeface="Consolas"/>
-              </a:rPr>
-              <a:t> {</a:t>
-            </a:r>
-          </a:p>
-          <a:p>
-            <a:pPr marL="0" indent="0">
-              <a:buNone/>
-            </a:pPr>
-            <a:r>
-              <a:rPr lang="en-US" b="1" dirty="0" smtClean="0">
-                <a:latin typeface="Consolas"/>
-                <a:cs typeface="Consolas"/>
-              </a:rPr>
-              <a:t>public</a:t>
-            </a:r>
-            <a:r>
-              <a:rPr lang="en-US" dirty="0" smtClean="0">
-                <a:latin typeface="Consolas"/>
-                <a:cs typeface="Consolas"/>
-              </a:rPr>
-              <a:t>: Simple(</a:t>
-            </a:r>
-            <a:r>
-              <a:rPr lang="en-US" b="1" dirty="0" err="1" smtClean="0">
-                <a:latin typeface="Consolas"/>
-                <a:cs typeface="Consolas"/>
-              </a:rPr>
-              <a:t>int</a:t>
-            </a:r>
-            <a:r>
-              <a:rPr lang="en-US" dirty="0" smtClean="0">
-                <a:latin typeface="Consolas"/>
-                <a:cs typeface="Consolas"/>
-              </a:rPr>
-              <a:t> x, </a:t>
-            </a:r>
-            <a:r>
-              <a:rPr lang="en-US" b="1" dirty="0" smtClean="0">
-                <a:latin typeface="Consolas"/>
-                <a:cs typeface="Consolas"/>
-              </a:rPr>
-              <a:t>double</a:t>
-            </a:r>
-            <a:r>
-              <a:rPr lang="en-US" dirty="0" smtClean="0">
-                <a:latin typeface="Consolas"/>
-                <a:cs typeface="Consolas"/>
-              </a:rPr>
-              <a:t> y) {</a:t>
-            </a:r>
-          </a:p>
-          <a:p>
-            <a:pPr marL="0" indent="0">
-              <a:buNone/>
-            </a:pPr>
-            <a:r>
-              <a:rPr lang="en-US" dirty="0" smtClean="0">
-                <a:latin typeface="Consolas"/>
-                <a:cs typeface="Consolas"/>
-              </a:rPr>
-              <a:t>   </a:t>
-            </a:r>
-            <a:r>
-              <a:rPr lang="en-US" dirty="0" err="1" smtClean="0">
-                <a:latin typeface="Consolas"/>
-                <a:cs typeface="Consolas"/>
-              </a:rPr>
-              <a:t>ckout</a:t>
-            </a:r>
-            <a:r>
-              <a:rPr lang="en-US" dirty="0" smtClean="0">
-                <a:latin typeface="Consolas"/>
-                <a:cs typeface="Consolas"/>
-              </a:rPr>
-              <a:t> &lt;</a:t>
-            </a:r>
-            <a:r>
-              <a:rPr lang="en-US" dirty="0" smtClean="0">
-                <a:latin typeface="Consolas"/>
-                <a:cs typeface="Consolas"/>
-              </a:rPr>
-              <a:t>&lt; </a:t>
-            </a:r>
-            <a:r>
-              <a:rPr lang="en-US" dirty="0" smtClean="0">
-                <a:latin typeface="Consolas"/>
-                <a:cs typeface="Consolas"/>
-              </a:rPr>
-              <a:t>“From </a:t>
-            </a:r>
-            <a:r>
-              <a:rPr lang="en-US" dirty="0" err="1" smtClean="0">
-                <a:latin typeface="Consolas"/>
-                <a:cs typeface="Consolas"/>
-              </a:rPr>
-              <a:t>chare</a:t>
-            </a:r>
-            <a:r>
-              <a:rPr lang="en-US" dirty="0" smtClean="0">
-                <a:latin typeface="Consolas"/>
-                <a:cs typeface="Consolas"/>
-              </a:rPr>
-              <a:t> running on ”</a:t>
-            </a:r>
-            <a:r>
-              <a:rPr lang="en-US" dirty="0">
-                <a:latin typeface="Consolas"/>
-                <a:cs typeface="Consolas"/>
-              </a:rPr>
-              <a:t> </a:t>
-            </a:r>
-            <a:r>
-              <a:rPr lang="en-US" dirty="0" smtClean="0">
-                <a:latin typeface="Consolas"/>
-                <a:cs typeface="Consolas"/>
-              </a:rPr>
-              <a:t>&lt;</a:t>
-            </a:r>
-            <a:r>
-              <a:rPr lang="en-US" dirty="0">
-                <a:latin typeface="Consolas"/>
-                <a:cs typeface="Consolas"/>
-              </a:rPr>
-              <a:t>&lt; </a:t>
-            </a:r>
-            <a:r>
-              <a:rPr lang="en-US" dirty="0" err="1">
-                <a:latin typeface="Consolas"/>
-                <a:cs typeface="Consolas"/>
-              </a:rPr>
-              <a:t>CkMyPe</a:t>
-            </a:r>
-            <a:r>
-              <a:rPr lang="en-US" dirty="0">
-                <a:latin typeface="Consolas"/>
-                <a:cs typeface="Consolas"/>
-              </a:rPr>
-              <a:t>() &lt;</a:t>
-            </a:r>
-            <a:r>
-              <a:rPr lang="en-US" dirty="0" smtClean="0">
-                <a:latin typeface="Consolas"/>
-                <a:cs typeface="Consolas"/>
-              </a:rPr>
-              <a:t>&lt; “ Area </a:t>
-            </a:r>
-            <a:r>
-              <a:rPr lang="en-US" dirty="0" smtClean="0">
-                <a:latin typeface="Consolas"/>
-                <a:cs typeface="Consolas"/>
-              </a:rPr>
-              <a:t>of a circle of radius ” &lt;&lt; x &lt;&lt; “ is ” &lt;&lt; y*x*x &lt;&lt; </a:t>
-            </a:r>
-            <a:r>
-              <a:rPr lang="en-US" dirty="0" err="1" smtClean="0">
-                <a:latin typeface="Consolas"/>
-                <a:cs typeface="Consolas"/>
-              </a:rPr>
-              <a:t>endl</a:t>
-            </a:r>
-            <a:r>
-              <a:rPr lang="en-US" dirty="0" smtClean="0">
-                <a:latin typeface="Consolas"/>
-                <a:cs typeface="Consolas"/>
-              </a:rPr>
-              <a:t>;</a:t>
-            </a:r>
-          </a:p>
-          <a:p>
-            <a:pPr marL="0" indent="0">
-              <a:buNone/>
-            </a:pPr>
-            <a:r>
-              <a:rPr lang="en-US" dirty="0">
-                <a:latin typeface="Consolas"/>
-                <a:cs typeface="Consolas"/>
-              </a:rPr>
-              <a:t> </a:t>
-            </a:r>
-            <a:r>
-              <a:rPr lang="en-US" dirty="0" smtClean="0">
-                <a:latin typeface="Consolas"/>
-                <a:cs typeface="Consolas"/>
-              </a:rPr>
-              <a:t>  </a:t>
-            </a:r>
-            <a:r>
-              <a:rPr lang="en-US" dirty="0" err="1" smtClean="0">
-                <a:latin typeface="Consolas"/>
-                <a:cs typeface="Consolas"/>
-              </a:rPr>
-              <a:t>CkExit</a:t>
-            </a:r>
-            <a:r>
-              <a:rPr lang="en-US" dirty="0" smtClean="0">
-                <a:latin typeface="Consolas"/>
-                <a:cs typeface="Consolas"/>
-              </a:rPr>
-              <a:t>();</a:t>
-            </a:r>
-          </a:p>
-          <a:p>
-            <a:pPr marL="0" indent="0">
-              <a:buNone/>
-            </a:pPr>
-            <a:r>
-              <a:rPr lang="en-US" dirty="0">
-                <a:latin typeface="Consolas"/>
-                <a:cs typeface="Consolas"/>
-              </a:rPr>
-              <a:t> </a:t>
-            </a:r>
-            <a:r>
-              <a:rPr lang="en-US" dirty="0" smtClean="0">
-                <a:latin typeface="Consolas"/>
-                <a:cs typeface="Consolas"/>
-              </a:rPr>
-              <a:t>  };</a:t>
-            </a:r>
-          </a:p>
-          <a:p>
-            <a:pPr marL="0" indent="0">
-              <a:buNone/>
-            </a:pPr>
-            <a:r>
-              <a:rPr lang="en-US" dirty="0" smtClean="0">
-                <a:latin typeface="Consolas"/>
-                <a:cs typeface="Consolas"/>
-              </a:rPr>
-              <a:t>}</a:t>
-            </a:r>
-            <a:r>
-              <a:rPr lang="en-US" dirty="0" smtClean="0">
-                <a:latin typeface="Consolas"/>
-                <a:cs typeface="Consolas"/>
-              </a:rPr>
-              <a:t>;</a:t>
-            </a:r>
-            <a:endParaRPr lang="en-US" dirty="0" smtClean="0">
-              <a:latin typeface="Consolas"/>
-              <a:cs typeface="Consolas"/>
-            </a:endParaRPr>
-          </a:p>
-          <a:p>
-            <a:pPr marL="0" indent="0">
-              <a:buNone/>
-            </a:pPr>
-            <a:r>
-              <a:rPr lang="en-US" b="1" dirty="0" smtClean="0">
-                <a:latin typeface="Consolas"/>
-                <a:cs typeface="Consolas"/>
-              </a:rPr>
-              <a:t>#include </a:t>
-            </a:r>
-            <a:r>
-              <a:rPr lang="en-US" dirty="0" smtClean="0">
-                <a:latin typeface="Consolas"/>
-                <a:cs typeface="Consolas"/>
-              </a:rPr>
-              <a:t>“</a:t>
-            </a:r>
-            <a:r>
-              <a:rPr lang="en-US" dirty="0" err="1" smtClean="0">
-                <a:latin typeface="Consolas"/>
-                <a:cs typeface="Consolas"/>
-              </a:rPr>
-              <a:t>MyModule.def.h</a:t>
-            </a:r>
-            <a:r>
-              <a:rPr lang="en-US" dirty="0" smtClean="0">
-                <a:latin typeface="Consolas"/>
-                <a:cs typeface="Consolas"/>
-              </a:rPr>
               <a:t>”</a:t>
             </a:r>
-            <a:endParaRPr lang="en-US" dirty="0" smtClean="0">
-              <a:latin typeface="Consolas"/>
-              <a:cs typeface="Consolas"/>
-            </a:endParaRPr>
           </a:p>
         </p:txBody>
       </p:sp>
@@ -11627,7 +11584,6 @@
               <a:rPr lang="en-US" dirty="0"/>
               <a:t>Does this program execute correctly?</a:t>
             </a:r>
-            <a:endParaRPr lang="en-US" dirty="0"/>
           </a:p>
         </p:txBody>
       </p:sp>
@@ -11895,14 +11851,7 @@
                 <a:latin typeface="Consolas"/>
                 <a:cs typeface="Consolas"/>
               </a:rPr>
-              <a:t>(3.1415)</a:t>
-            </a:r>
-            <a:r>
-              <a:rPr lang="en-US" sz="2000" dirty="0">
-                <a:latin typeface="Consolas"/>
-                <a:cs typeface="Consolas"/>
-              </a:rPr>
-              <a:t>; </a:t>
+              <a:t>(3.1415); </a:t>
             </a:r>
             <a:endParaRPr lang="en-US" sz="2000" dirty="0" smtClean="0">
               <a:latin typeface="Consolas"/>
@@ -12105,19 +12054,8 @@
                 <a:latin typeface="Consolas"/>
                 <a:cs typeface="Consolas"/>
               </a:rPr>
-              <a:t>}</a:t>
-            </a:r>
-            <a:r>
-              <a:rPr lang="en-US" sz="2000" dirty="0" smtClean="0">
-                <a:latin typeface="Consolas"/>
-                <a:cs typeface="Consolas"/>
-              </a:rPr>
-              <a:t>;</a:t>
-            </a:r>
-            <a:endParaRPr lang="en-US" sz="2000" dirty="0" smtClean="0">
-              <a:latin typeface="Consolas"/>
-              <a:cs typeface="Consolas"/>
-            </a:endParaRPr>
+              <a:t>};</a:t>
+            </a:r>
           </a:p>
           <a:p>
             <a:pPr marL="0" indent="0">
@@ -13759,7 +13697,6 @@
               <a:rPr lang="en-US" dirty="0" smtClean="0"/>
               <a:t> </a:t>
             </a:r>
-            <a:endParaRPr lang="en-US" dirty="0" smtClean="0"/>
           </a:p>
           <a:p>
             <a:r>
@@ -17293,19 +17230,8 @@
                 <a:latin typeface="Consolas"/>
                 <a:cs typeface="Consolas"/>
               </a:rPr>
-              <a:t>   </a:t>
-            </a:r>
-            <a:r>
-              <a:rPr lang="en-US" sz="3000" dirty="0" smtClean="0">
-                <a:latin typeface="Consolas"/>
-                <a:cs typeface="Consolas"/>
-              </a:rPr>
-              <a:t>}</a:t>
-            </a:r>
-            <a:endParaRPr lang="en-US" sz="3000" dirty="0" smtClean="0">
-              <a:latin typeface="Consolas"/>
-              <a:cs typeface="Consolas"/>
-            </a:endParaRPr>
+              <a:t>   }</a:t>
+            </a:r>
           </a:p>
           <a:p>
             <a:pPr marL="0" indent="0">
@@ -17981,14 +17907,7 @@
                 <a:latin typeface="Consolas"/>
                 <a:cs typeface="Consolas"/>
               </a:rPr>
-              <a:t>}</a:t>
-            </a:r>
-            <a:r>
-              <a:rPr lang="en-US" sz="1700" dirty="0" smtClean="0">
-                <a:latin typeface="Consolas"/>
-                <a:cs typeface="Consolas"/>
-              </a:rPr>
-              <a:t>;</a:t>
+              <a:t>};</a:t>
             </a:r>
             <a:endParaRPr lang="en-US" sz="1700" dirty="0">
               <a:latin typeface="Consolas"/>
@@ -18394,14 +18313,7 @@
                 <a:latin typeface="Consolas"/>
                 <a:cs typeface="Consolas"/>
               </a:rPr>
-              <a:t>}</a:t>
-            </a:r>
-            <a:r>
-              <a:rPr lang="en-US" sz="1700" dirty="0" smtClean="0">
-                <a:latin typeface="Consolas"/>
-                <a:cs typeface="Consolas"/>
-              </a:rPr>
-              <a:t>;</a:t>
+              <a:t>};</a:t>
             </a:r>
             <a:endParaRPr lang="en-US" sz="1700" dirty="0">
               <a:latin typeface="Consolas"/>
@@ -21966,11 +21878,7 @@
             </a:pPr>
             <a:r>
               <a:rPr lang="en-US" dirty="0" smtClean="0"/>
-              <a:t>.</a:t>
-            </a:r>
-            <a:r>
-              <a:rPr lang="en-US" dirty="0" smtClean="0"/>
-              <a:t>ci file</a:t>
+              <a:t>.ci file</a:t>
             </a:r>
             <a:endParaRPr lang="en-US" dirty="0"/>
           </a:p>
@@ -23109,7 +23017,7 @@
                 <a:latin typeface="Consolas"/>
                 <a:cs typeface="Consolas"/>
               </a:rPr>
-              <a:t>  </a:t>
+              <a:t> </a:t>
             </a:r>
             <a:r>
               <a:rPr lang="en-US" b="1" dirty="0" err="1" smtClean="0">
@@ -23142,7 +23050,7 @@
                 <a:latin typeface="Consolas"/>
                 <a:cs typeface="Consolas"/>
               </a:rPr>
-              <a:t>      </a:t>
+              <a:t>    </a:t>
             </a:r>
             <a:r>
               <a:rPr lang="en-US" b="1" dirty="0" smtClean="0">
@@ -23203,7 +23111,7 @@
                 <a:latin typeface="Consolas"/>
                 <a:cs typeface="Consolas"/>
               </a:rPr>
-              <a:t>      </a:t>
+              <a:t>    </a:t>
             </a:r>
             <a:r>
               <a:rPr lang="en-US" b="1" dirty="0" smtClean="0">
@@ -23289,7 +23197,14 @@
                 <a:latin typeface="Consolas"/>
                 <a:cs typeface="Consolas"/>
               </a:rPr>
-              <a:t>  }</a:t>
+              <a:t> </a:t>
+            </a:r>
+            <a:r>
+              <a:rPr lang="en-US" dirty="0" smtClean="0">
+                <a:latin typeface="Consolas"/>
+                <a:cs typeface="Consolas"/>
+              </a:rPr>
+              <a:t>}</a:t>
             </a:r>
             <a:r>
               <a:rPr lang="en-US" dirty="0">
@@ -23308,7 +23223,7 @@
                 <a:latin typeface="Consolas"/>
                 <a:cs typeface="Consolas"/>
               </a:rPr>
-              <a:t>   </a:t>
+              <a:t>  </a:t>
             </a:r>
             <a:r>
               <a:rPr lang="en-US" b="1" dirty="0" smtClean="0">
@@ -23341,7 +23256,7 @@
                 <a:latin typeface="Consolas"/>
                 <a:cs typeface="Consolas"/>
               </a:rPr>
-              <a:t>      </a:t>
+              <a:t>    </a:t>
             </a:r>
             <a:r>
               <a:rPr lang="en-US" b="1" dirty="0" smtClean="0">
@@ -23388,7 +23303,21 @@
                 <a:latin typeface="Consolas"/>
                 <a:cs typeface="Consolas"/>
               </a:rPr>
-              <a:t>   };</a:t>
+              <a:t>  </a:t>
+            </a:r>
+            <a:r>
+              <a:rPr lang="en-US" dirty="0" smtClean="0">
+                <a:latin typeface="Consolas"/>
+                <a:cs typeface="Consolas"/>
+              </a:rPr>
+              <a:t>}</a:t>
+            </a:r>
+            <a:r>
+              <a:rPr lang="en-US" dirty="0" smtClean="0">
+                <a:latin typeface="Consolas"/>
+                <a:cs typeface="Consolas"/>
+              </a:rPr>
+              <a:t>;</a:t>
             </a:r>
           </a:p>
           <a:p>
@@ -23659,7 +23588,6 @@
               <a:rPr lang="en-US" sz="1700" dirty="0" smtClean="0"/>
               <a:t> </a:t>
             </a:r>
-            <a:endParaRPr lang="en-US" sz="1700" dirty="0" smtClean="0"/>
           </a:p>
           <a:p>
             <a:pPr marL="0" indent="0">
@@ -23735,8 +23663,12 @@
               <a:t>   </a:t>
             </a:r>
             <a:r>
-              <a:rPr lang="en-US" sz="1700" dirty="0" err="1" smtClean="0"/>
-              <a:t>CkPrintf</a:t>
+              <a:rPr lang="en-US" sz="1700" dirty="0" smtClean="0"/>
+              <a:t> </a:t>
+            </a:r>
+            <a:r>
+              <a:rPr lang="en-US" sz="1700" smtClean="0"/>
+              <a:t>  CkPrintf</a:t>
             </a:r>
             <a:r>
               <a:rPr lang="en-US" sz="1700" dirty="0" smtClean="0"/>
@@ -23751,7 +23683,15 @@
             </a:br>
             <a:r>
               <a:rPr lang="en-US" sz="1700" dirty="0" smtClean="0"/>
-              <a:t>      CkExit</a:t>
+              <a:t>     </a:t>
+            </a:r>
+            <a:r>
+              <a:rPr lang="en-US" sz="1700" dirty="0" smtClean="0"/>
+              <a:t> </a:t>
+            </a:r>
+            <a:r>
+              <a:rPr lang="en-US" sz="1700" dirty="0" err="1" smtClean="0"/>
+              <a:t>CkExit</a:t>
             </a:r>
             <a:r>
               <a:rPr lang="en-US" sz="1700" dirty="0"/>
@@ -23774,11 +23714,7 @@
             </a:pPr>
             <a:r>
               <a:rPr lang="en-US" sz="1700" dirty="0" smtClean="0"/>
-              <a:t>}</a:t>
-            </a:r>
-            <a:r>
-              <a:rPr lang="en-US" sz="1700" dirty="0" smtClean="0"/>
-              <a:t>;</a:t>
+              <a:t>};</a:t>
             </a:r>
             <a:endParaRPr lang="en-US" sz="1700" dirty="0"/>
           </a:p>
@@ -24328,7 +24264,11 @@
             </a:r>
             <a:r>
               <a:rPr lang="en-US" dirty="0"/>
-              <a:t> has a set </a:t>
+              <a:t> has a </a:t>
+            </a:r>
+            <a:r>
+              <a:rPr lang="en-US" dirty="0" smtClean="0"/>
+              <a:t>set of </a:t>
             </a:r>
             <a:r>
               <a:rPr lang="en-US" i="1" dirty="0"/>

--- a/tutorial-04-charm_basics.pptx
+++ b/tutorial-04-charm_basics.pptx
@@ -23664,11 +23664,11 @@
             </a:r>
             <a:r>
               <a:rPr lang="en-US" sz="1700" dirty="0" smtClean="0"/>
-              <a:t> </a:t>
-            </a:r>
-            <a:r>
-              <a:rPr lang="en-US" sz="1700" smtClean="0"/>
-              <a:t>  CkPrintf</a:t>
+              <a:t>   </a:t>
+            </a:r>
+            <a:r>
+              <a:rPr lang="en-US" sz="1700" dirty="0" err="1" smtClean="0"/>
+              <a:t>CkPrintf</a:t>
             </a:r>
             <a:r>
               <a:rPr lang="en-US" sz="1700" dirty="0" smtClean="0"/>

--- a/tutorial-04-charm_basics.pptx
+++ b/tutorial-04-charm_basics.pptx
@@ -12346,7 +12346,21 @@
                 <a:latin typeface="Consolas"/>
                 <a:cs typeface="Consolas"/>
               </a:rPr>
-              <a:t>&lt;&lt; r &lt;&lt; ” is ” &lt;&lt; </a:t>
+              <a:t>&lt;&lt; r &lt;&lt; </a:t>
+            </a:r>
+            <a:r>
+              <a:rPr lang="en-US" sz="2000" dirty="0" smtClean="0">
+                <a:latin typeface="Consolas"/>
+                <a:cs typeface="Consolas"/>
+              </a:rPr>
+              <a:t>“ </a:t>
+            </a:r>
+            <a:r>
+              <a:rPr lang="en-US" sz="2000" dirty="0">
+                <a:latin typeface="Consolas"/>
+                <a:cs typeface="Consolas"/>
+              </a:rPr>
+              <a:t>is ” &lt;&lt; </a:t>
             </a:r>
             <a:r>
               <a:rPr lang="en-US" sz="2000" dirty="0" err="1">

--- a/tutorial-04-charm_basics.pptx
+++ b/tutorial-04-charm_basics.pptx
@@ -7964,21 +7964,7 @@
                 <a:latin typeface="Consolas"/>
                 <a:cs typeface="Consolas"/>
               </a:rPr>
-              <a:t>&lt; </a:t>
-            </a:r>
-            <a:r>
-              <a:rPr lang="en-US" dirty="0" smtClean="0">
-                <a:latin typeface="Consolas"/>
-                <a:cs typeface="Consolas"/>
-              </a:rPr>
-              <a:t>“ </a:t>
-            </a:r>
-            <a:r>
-              <a:rPr lang="en-US" dirty="0" smtClean="0">
-                <a:latin typeface="Consolas"/>
-                <a:cs typeface="Consolas"/>
-              </a:rPr>
-              <a:t>Area of a circle of radius ” &lt;&lt; x &lt;&lt; “ is ” &lt;&lt; y*x*x &lt;&lt; </a:t>
+              <a:t>&lt; “ Area of a circle of radius ” &lt;&lt; x &lt;&lt; “ is ” &lt;&lt; y*x*x &lt;&lt; </a:t>
             </a:r>
             <a:r>
               <a:rPr lang="en-US" dirty="0" err="1" smtClean="0">
@@ -23211,21 +23197,94 @@
                 <a:latin typeface="Consolas"/>
                 <a:cs typeface="Consolas"/>
               </a:rPr>
+              <a:t> }</a:t>
+            </a:r>
+            <a:r>
+              <a:rPr lang="en-US" dirty="0">
+                <a:latin typeface="Consolas"/>
+                <a:cs typeface="Consolas"/>
+              </a:rPr>
+              <a:t>;</a:t>
+            </a:r>
+          </a:p>
+          <a:p>
+            <a:pPr marL="0" indent="0">
+              <a:buNone/>
+            </a:pPr>
+            <a:r>
+              <a:rPr lang="en-US" dirty="0" smtClean="0">
+                <a:latin typeface="Consolas"/>
+                <a:cs typeface="Consolas"/>
+              </a:rPr>
+              <a:t>  </a:t>
+            </a:r>
+            <a:r>
+              <a:rPr lang="en-US" b="1" dirty="0" smtClean="0">
+                <a:latin typeface="Consolas"/>
+                <a:cs typeface="Consolas"/>
+              </a:rPr>
+              <a:t>array</a:t>
+            </a:r>
+            <a:r>
+              <a:rPr lang="en-US" dirty="0" smtClean="0">
+                <a:latin typeface="Consolas"/>
+                <a:cs typeface="Consolas"/>
+              </a:rPr>
               <a:t> </a:t>
             </a:r>
             <a:r>
+              <a:rPr lang="en-US" dirty="0">
+                <a:latin typeface="Consolas"/>
+                <a:cs typeface="Consolas"/>
+              </a:rPr>
+              <a:t>[1D] Elem {</a:t>
+            </a:r>
+          </a:p>
+          <a:p>
+            <a:pPr marL="0" indent="0">
+              <a:buNone/>
+            </a:pPr>
+            <a:r>
               <a:rPr lang="en-US" dirty="0" smtClean="0">
                 <a:latin typeface="Consolas"/>
                 <a:cs typeface="Consolas"/>
               </a:rPr>
-              <a:t>}</a:t>
+              <a:t>    </a:t>
+            </a:r>
+            <a:r>
+              <a:rPr lang="en-US" b="1" dirty="0" smtClean="0">
+                <a:latin typeface="Consolas"/>
+                <a:cs typeface="Consolas"/>
+              </a:rPr>
+              <a:t>entry</a:t>
+            </a:r>
+            <a:r>
+              <a:rPr lang="en-US" dirty="0" smtClean="0">
+                <a:latin typeface="Consolas"/>
+                <a:cs typeface="Consolas"/>
+              </a:rPr>
+              <a:t> </a:t>
             </a:r>
             <a:r>
               <a:rPr lang="en-US" dirty="0">
                 <a:latin typeface="Consolas"/>
                 <a:cs typeface="Consolas"/>
               </a:rPr>
-              <a:t>;</a:t>
+              <a:t>Elem(</a:t>
+            </a:r>
+            <a:r>
+              <a:rPr lang="en-US" dirty="0" smtClean="0">
+                <a:latin typeface="Consolas"/>
+                <a:cs typeface="Consolas"/>
+              </a:rPr>
+              <a:t>CProxy_Main </a:t>
+            </a:r>
+            <a:r>
+              <a:rPr lang="en-US" dirty="0">
+                <a:latin typeface="Consolas"/>
+                <a:cs typeface="Consolas"/>
+              </a:rPr>
+              <a:t>mProxy);</a:t>
             </a:r>
           </a:p>
           <a:p>
@@ -23237,101 +23296,7 @@
                 <a:latin typeface="Consolas"/>
                 <a:cs typeface="Consolas"/>
               </a:rPr>
-              <a:t>  </a:t>
-            </a:r>
-            <a:r>
-              <a:rPr lang="en-US" b="1" dirty="0" smtClean="0">
-                <a:latin typeface="Consolas"/>
-                <a:cs typeface="Consolas"/>
-              </a:rPr>
-              <a:t>array</a:t>
-            </a:r>
-            <a:r>
-              <a:rPr lang="en-US" dirty="0" smtClean="0">
-                <a:latin typeface="Consolas"/>
-                <a:cs typeface="Consolas"/>
-              </a:rPr>
-              <a:t> </a:t>
-            </a:r>
-            <a:r>
-              <a:rPr lang="en-US" dirty="0">
-                <a:latin typeface="Consolas"/>
-                <a:cs typeface="Consolas"/>
-              </a:rPr>
-              <a:t>[1D] Elem {</a:t>
-            </a:r>
-          </a:p>
-          <a:p>
-            <a:pPr marL="0" indent="0">
-              <a:buNone/>
-            </a:pPr>
-            <a:r>
-              <a:rPr lang="en-US" dirty="0" smtClean="0">
-                <a:latin typeface="Consolas"/>
-                <a:cs typeface="Consolas"/>
-              </a:rPr>
-              <a:t>    </a:t>
-            </a:r>
-            <a:r>
-              <a:rPr lang="en-US" b="1" dirty="0" smtClean="0">
-                <a:latin typeface="Consolas"/>
-                <a:cs typeface="Consolas"/>
-              </a:rPr>
-              <a:t>entry</a:t>
-            </a:r>
-            <a:r>
-              <a:rPr lang="en-US" dirty="0" smtClean="0">
-                <a:latin typeface="Consolas"/>
-                <a:cs typeface="Consolas"/>
-              </a:rPr>
-              <a:t> </a:t>
-            </a:r>
-            <a:r>
-              <a:rPr lang="en-US" dirty="0">
-                <a:latin typeface="Consolas"/>
-                <a:cs typeface="Consolas"/>
-              </a:rPr>
-              <a:t>Elem(</a:t>
-            </a:r>
-            <a:r>
-              <a:rPr lang="en-US" dirty="0" smtClean="0">
-                <a:latin typeface="Consolas"/>
-                <a:cs typeface="Consolas"/>
-              </a:rPr>
-              <a:t>CProxy_Main </a:t>
-            </a:r>
-            <a:r>
-              <a:rPr lang="en-US" dirty="0">
-                <a:latin typeface="Consolas"/>
-                <a:cs typeface="Consolas"/>
-              </a:rPr>
-              <a:t>mProxy);</a:t>
-            </a:r>
-          </a:p>
-          <a:p>
-            <a:pPr marL="0" indent="0">
-              <a:buNone/>
-            </a:pPr>
-            <a:r>
-              <a:rPr lang="en-US" dirty="0" smtClean="0">
-                <a:latin typeface="Consolas"/>
-                <a:cs typeface="Consolas"/>
-              </a:rPr>
-              <a:t>  </a:t>
-            </a:r>
-            <a:r>
-              <a:rPr lang="en-US" dirty="0" smtClean="0">
-                <a:latin typeface="Consolas"/>
-                <a:cs typeface="Consolas"/>
-              </a:rPr>
-              <a:t>}</a:t>
-            </a:r>
-            <a:r>
-              <a:rPr lang="en-US" dirty="0" smtClean="0">
-                <a:latin typeface="Consolas"/>
-                <a:cs typeface="Consolas"/>
-              </a:rPr>
-              <a:t>;</a:t>
+              <a:t>  };</a:t>
             </a:r>
           </a:p>
           <a:p>
@@ -23674,11 +23639,7 @@
             </a:pPr>
             <a:r>
               <a:rPr lang="en-US" sz="1700" dirty="0" smtClean="0"/>
-              <a:t>   </a:t>
-            </a:r>
-            <a:r>
-              <a:rPr lang="en-US" sz="1700" dirty="0" smtClean="0"/>
-              <a:t>   </a:t>
+              <a:t>      </a:t>
             </a:r>
             <a:r>
               <a:rPr lang="en-US" sz="1700" dirty="0" err="1" smtClean="0"/>
@@ -23697,11 +23658,7 @@
             </a:br>
             <a:r>
               <a:rPr lang="en-US" sz="1700" dirty="0" smtClean="0"/>
-              <a:t>     </a:t>
-            </a:r>
-            <a:r>
-              <a:rPr lang="en-US" sz="1700" dirty="0" smtClean="0"/>
-              <a:t> </a:t>
+              <a:t>      </a:t>
             </a:r>
             <a:r>
               <a:rPr lang="en-US" sz="1700" dirty="0" err="1" smtClean="0"/>
@@ -26436,14 +26393,41 @@
                 <a:latin typeface="Consolas"/>
                 <a:cs typeface="Consolas"/>
               </a:rPr>
-              <a:t>(... constructor </a:t>
+              <a:t>(... </a:t>
+            </a:r>
+            <a:r>
+              <a:rPr lang="en-US" sz="3000" dirty="0" smtClean="0">
+                <a:latin typeface="Consolas"/>
+                <a:cs typeface="Consolas"/>
+              </a:rPr>
+              <a:t>constructor </a:t>
+            </a:r>
+            <a:br>
+              <a:rPr lang="en-US" sz="3000" dirty="0" smtClean="0">
+                <a:latin typeface="Consolas"/>
+                <a:cs typeface="Consolas"/>
+              </a:rPr>
+            </a:br>
+            <a:r>
+              <a:rPr lang="en-US" sz="3000" dirty="0" smtClean="0">
+                <a:latin typeface="Consolas"/>
+                <a:cs typeface="Consolas"/>
+              </a:rPr>
+              <a:t>					  </a:t>
+            </a:r>
+            <a:r>
+              <a:rPr lang="en-US" sz="3000" smtClean="0">
+                <a:latin typeface="Consolas"/>
+                <a:cs typeface="Consolas"/>
+              </a:rPr>
+              <a:t> arguments </a:t>
             </a:r>
             <a:r>
               <a:rPr lang="en-US" sz="3000" dirty="0">
                 <a:latin typeface="Consolas"/>
                 <a:cs typeface="Consolas"/>
               </a:rPr>
-              <a:t>arguments ...);</a:t>
+              <a:t>...);</a:t>
             </a:r>
           </a:p>
         </p:txBody>
